--- a/Poster.pptx
+++ b/Poster.pptx
@@ -287,7 +287,7 @@
               <a:pPr>
                 <a:defRPr/>
               </a:pPr>
-              <a:t>3/13/17</a:t>
+              <a:t>3/13/2017</a:t>
             </a:fld>
             <a:endParaRPr lang="en-US" dirty="0"/>
           </a:p>
@@ -354,38 +354,37 @@
           <a:p>
             <a:pPr lvl="0"/>
             <a:r>
-              <a:rPr lang="en-US" noProof="0" smtClean="0"/>
+              <a:rPr lang="en-US" noProof="0"/>
               <a:t>Click to edit Master text styles</a:t>
             </a:r>
           </a:p>
           <a:p>
             <a:pPr lvl="1"/>
             <a:r>
-              <a:rPr lang="en-US" noProof="0" smtClean="0"/>
+              <a:rPr lang="en-US" noProof="0"/>
               <a:t>Second level</a:t>
             </a:r>
           </a:p>
           <a:p>
             <a:pPr lvl="2"/>
             <a:r>
-              <a:rPr lang="en-US" noProof="0" smtClean="0"/>
+              <a:rPr lang="en-US" noProof="0"/>
               <a:t>Third level</a:t>
             </a:r>
           </a:p>
           <a:p>
             <a:pPr lvl="3"/>
             <a:r>
-              <a:rPr lang="en-US" noProof="0" smtClean="0"/>
+              <a:rPr lang="en-US" noProof="0"/>
               <a:t>Fourth level</a:t>
             </a:r>
           </a:p>
           <a:p>
             <a:pPr lvl="4"/>
             <a:r>
-              <a:rPr lang="en-US" noProof="0" smtClean="0"/>
+              <a:rPr lang="en-US" noProof="0"/>
               <a:t>Fifth level</a:t>
             </a:r>
-            <a:endParaRPr lang="en-US" noProof="0"/>
           </a:p>
         </p:txBody>
       </p:sp>
@@ -784,7 +783,7 @@
           <a:p>
             <a:pPr lvl="0"/>
             <a:r>
-              <a:rPr lang="en-US" dirty="0" smtClean="0"/>
+              <a:rPr lang="en-US" dirty="0"/>
               <a:t>Click to edit Master text styles</a:t>
             </a:r>
           </a:p>
@@ -829,7 +828,7 @@
           <a:p>
             <a:pPr lvl="0"/>
             <a:r>
-              <a:rPr lang="en-US" dirty="0" smtClean="0"/>
+              <a:rPr lang="en-US" dirty="0"/>
               <a:t>Click to edit Master text styles</a:t>
             </a:r>
           </a:p>
@@ -874,7 +873,7 @@
           <a:p>
             <a:pPr lvl="0"/>
             <a:r>
-              <a:rPr lang="en-US" dirty="0" smtClean="0"/>
+              <a:rPr lang="en-US" dirty="0"/>
               <a:t>Click to edit Master text styles</a:t>
             </a:r>
           </a:p>
@@ -940,7 +939,7 @@
           <a:p>
             <a:pPr lvl="0"/>
             <a:r>
-              <a:rPr lang="en-US" dirty="0" smtClean="0"/>
+              <a:rPr lang="en-US" dirty="0"/>
               <a:t>Click to edit Master text styles</a:t>
             </a:r>
           </a:p>
@@ -985,7 +984,7 @@
           <a:p>
             <a:pPr lvl="0"/>
             <a:r>
-              <a:rPr lang="en-US" dirty="0" smtClean="0"/>
+              <a:rPr lang="en-US" dirty="0"/>
               <a:t>Click to edit Master text styles</a:t>
             </a:r>
           </a:p>
@@ -1051,7 +1050,7 @@
           <a:p>
             <a:pPr lvl="0"/>
             <a:r>
-              <a:rPr lang="en-US" dirty="0" smtClean="0"/>
+              <a:rPr lang="en-US" dirty="0"/>
               <a:t>Click to edit Master text styles</a:t>
             </a:r>
           </a:p>
@@ -1096,7 +1095,7 @@
           <a:p>
             <a:pPr lvl="0"/>
             <a:r>
-              <a:rPr lang="en-US" dirty="0" smtClean="0"/>
+              <a:rPr lang="en-US" dirty="0"/>
               <a:t>Click to edit Master text styles</a:t>
             </a:r>
           </a:p>
@@ -1141,7 +1140,7 @@
           <a:p>
             <a:pPr lvl="0"/>
             <a:r>
-              <a:rPr lang="en-US" dirty="0" smtClean="0"/>
+              <a:rPr lang="en-US" dirty="0"/>
               <a:t>Click to edit Master text styles</a:t>
             </a:r>
           </a:p>
@@ -1207,7 +1206,7 @@
           <a:p>
             <a:pPr lvl="0"/>
             <a:r>
-              <a:rPr lang="en-US" dirty="0" smtClean="0"/>
+              <a:rPr lang="en-US" dirty="0"/>
               <a:t>Click to edit Master text styles</a:t>
             </a:r>
           </a:p>
@@ -1252,7 +1251,7 @@
           <a:p>
             <a:pPr lvl="0"/>
             <a:r>
-              <a:rPr lang="en-US" dirty="0" smtClean="0"/>
+              <a:rPr lang="en-US" dirty="0"/>
               <a:t>Click to edit Master text styles</a:t>
             </a:r>
           </a:p>
@@ -1318,7 +1317,7 @@
           <a:p>
             <a:pPr lvl="0"/>
             <a:r>
-              <a:rPr lang="en-US" dirty="0" smtClean="0"/>
+              <a:rPr lang="en-US" dirty="0"/>
               <a:t>Click to edit Master text styles</a:t>
             </a:r>
           </a:p>
@@ -1363,7 +1362,7 @@
           <a:p>
             <a:pPr lvl="0"/>
             <a:r>
-              <a:rPr lang="en-US" dirty="0" smtClean="0"/>
+              <a:rPr lang="en-US" dirty="0"/>
               <a:t>Click to edit Master text styles</a:t>
             </a:r>
           </a:p>
@@ -1429,7 +1428,7 @@
           <a:p>
             <a:pPr lvl="0"/>
             <a:r>
-              <a:rPr lang="en-US" dirty="0" smtClean="0"/>
+              <a:rPr lang="en-US" dirty="0"/>
               <a:t>Click to edit Master text styles</a:t>
             </a:r>
           </a:p>
@@ -1495,7 +1494,7 @@
           <a:p>
             <a:pPr lvl="0"/>
             <a:r>
-              <a:rPr lang="en-US" dirty="0" smtClean="0"/>
+              <a:rPr lang="en-US" dirty="0"/>
               <a:t>Click to edit Master text styles</a:t>
             </a:r>
           </a:p>
@@ -1559,10 +1558,9 @@
           <a:p>
             <a:pPr lvl="0"/>
             <a:r>
-              <a:rPr lang="en-US" dirty="0" smtClean="0"/>
+              <a:rPr lang="en-US" dirty="0"/>
               <a:t>Click here to add affiliations</a:t>
             </a:r>
-            <a:endParaRPr lang="en-US" dirty="0"/>
           </a:p>
         </p:txBody>
       </p:sp>
@@ -1624,10 +1622,9 @@
           <a:p>
             <a:pPr lvl="0"/>
             <a:r>
-              <a:rPr lang="en-US" dirty="0" smtClean="0"/>
+              <a:rPr lang="en-US" dirty="0"/>
               <a:t>Click here to add authors</a:t>
             </a:r>
-            <a:endParaRPr lang="en-US" dirty="0"/>
           </a:p>
         </p:txBody>
       </p:sp>
@@ -1689,10 +1686,9 @@
           <a:p>
             <a:pPr lvl="0"/>
             <a:r>
-              <a:rPr lang="en-US" dirty="0" smtClean="0"/>
+              <a:rPr lang="en-US" dirty="0"/>
               <a:t>Click here to add title</a:t>
             </a:r>
-            <a:endParaRPr lang="en-US" dirty="0"/>
           </a:p>
         </p:txBody>
       </p:sp>
@@ -1706,13 +1702,6 @@
   <p:clrMapOvr>
     <a:masterClrMapping/>
   </p:clrMapOvr>
-  <p:timing>
-    <p:tnLst>
-      <p:par>
-        <p:cTn id="1" dur="indefinite" restart="never" nodeType="tmRoot"/>
-      </p:par>
-    </p:tnLst>
-  </p:timing>
 </p:sldLayout>
 </file>
 
@@ -1793,7 +1782,7 @@
           <a:p>
             <a:pPr lvl="0"/>
             <a:r>
-              <a:rPr lang="en-US" dirty="0" smtClean="0"/>
+              <a:rPr lang="en-US" dirty="0"/>
               <a:t>Click to edit Master text styles</a:t>
             </a:r>
           </a:p>
@@ -1838,7 +1827,7 @@
           <a:p>
             <a:pPr lvl="0"/>
             <a:r>
-              <a:rPr lang="en-US" dirty="0" smtClean="0"/>
+              <a:rPr lang="en-US" dirty="0"/>
               <a:t>Click to edit Master text styles</a:t>
             </a:r>
           </a:p>
@@ -1904,7 +1893,7 @@
           <a:p>
             <a:pPr lvl="0"/>
             <a:r>
-              <a:rPr lang="en-US" dirty="0" smtClean="0"/>
+              <a:rPr lang="en-US" dirty="0"/>
               <a:t>Click to edit Master text styles</a:t>
             </a:r>
           </a:p>
@@ -1949,7 +1938,7 @@
           <a:p>
             <a:pPr lvl="0"/>
             <a:r>
-              <a:rPr lang="en-US" dirty="0" smtClean="0"/>
+              <a:rPr lang="en-US" dirty="0"/>
               <a:t>Click to edit Master text styles</a:t>
             </a:r>
           </a:p>
@@ -2015,7 +2004,7 @@
           <a:p>
             <a:pPr lvl="0"/>
             <a:r>
-              <a:rPr lang="en-US" dirty="0" smtClean="0"/>
+              <a:rPr lang="en-US" dirty="0"/>
               <a:t>Click to edit Master text styles</a:t>
             </a:r>
           </a:p>
@@ -2060,7 +2049,7 @@
           <a:p>
             <a:pPr lvl="0"/>
             <a:r>
-              <a:rPr lang="en-US" dirty="0" smtClean="0"/>
+              <a:rPr lang="en-US" dirty="0"/>
               <a:t>Click to edit Master text styles</a:t>
             </a:r>
           </a:p>
@@ -2126,7 +2115,7 @@
           <a:p>
             <a:pPr lvl="0"/>
             <a:r>
-              <a:rPr lang="en-US" dirty="0" smtClean="0"/>
+              <a:rPr lang="en-US" dirty="0"/>
               <a:t>Click to edit Master text styles</a:t>
             </a:r>
           </a:p>
@@ -2171,7 +2160,7 @@
           <a:p>
             <a:pPr lvl="0"/>
             <a:r>
-              <a:rPr lang="en-US" dirty="0" smtClean="0"/>
+              <a:rPr lang="en-US" dirty="0"/>
               <a:t>Click to edit Master text styles</a:t>
             </a:r>
           </a:p>
@@ -2216,7 +2205,7 @@
           <a:p>
             <a:pPr lvl="0"/>
             <a:r>
-              <a:rPr lang="en-US" dirty="0" smtClean="0"/>
+              <a:rPr lang="en-US" dirty="0"/>
               <a:t>Click to edit Master text styles</a:t>
             </a:r>
           </a:p>
@@ -2282,7 +2271,7 @@
           <a:p>
             <a:pPr lvl="0"/>
             <a:r>
-              <a:rPr lang="en-US" dirty="0" smtClean="0"/>
+              <a:rPr lang="en-US" dirty="0"/>
               <a:t>Click to edit Master text styles</a:t>
             </a:r>
           </a:p>
@@ -2327,7 +2316,7 @@
           <a:p>
             <a:pPr lvl="0"/>
             <a:r>
-              <a:rPr lang="en-US" dirty="0" smtClean="0"/>
+              <a:rPr lang="en-US" dirty="0"/>
               <a:t>Click to edit Master text styles</a:t>
             </a:r>
           </a:p>
@@ -2393,7 +2382,7 @@
           <a:p>
             <a:pPr lvl="0"/>
             <a:r>
-              <a:rPr lang="en-US" dirty="0" smtClean="0"/>
+              <a:rPr lang="en-US" dirty="0"/>
               <a:t>Click to edit Master text styles</a:t>
             </a:r>
           </a:p>
@@ -2438,7 +2427,7 @@
           <a:p>
             <a:pPr lvl="0"/>
             <a:r>
-              <a:rPr lang="en-US" dirty="0" smtClean="0"/>
+              <a:rPr lang="en-US" dirty="0"/>
               <a:t>Click to edit Master text styles</a:t>
             </a:r>
           </a:p>
@@ -2504,7 +2493,7 @@
           <a:p>
             <a:pPr lvl="0"/>
             <a:r>
-              <a:rPr lang="en-US" dirty="0" smtClean="0"/>
+              <a:rPr lang="en-US" dirty="0"/>
               <a:t>Click to edit Master text styles</a:t>
             </a:r>
           </a:p>
@@ -2568,10 +2557,9 @@
           <a:p>
             <a:pPr lvl="0"/>
             <a:r>
-              <a:rPr lang="en-US" dirty="0" smtClean="0"/>
+              <a:rPr lang="en-US" dirty="0"/>
               <a:t>Click here to add affiliations</a:t>
             </a:r>
-            <a:endParaRPr lang="en-US" dirty="0"/>
           </a:p>
         </p:txBody>
       </p:sp>
@@ -2633,10 +2621,9 @@
           <a:p>
             <a:pPr lvl="0"/>
             <a:r>
-              <a:rPr lang="en-US" dirty="0" smtClean="0"/>
+              <a:rPr lang="en-US" dirty="0"/>
               <a:t>Click here to add authors</a:t>
             </a:r>
-            <a:endParaRPr lang="en-US" dirty="0"/>
           </a:p>
         </p:txBody>
       </p:sp>
@@ -2698,10 +2685,9 @@
           <a:p>
             <a:pPr lvl="0"/>
             <a:r>
-              <a:rPr lang="en-US" dirty="0" smtClean="0"/>
+              <a:rPr lang="en-US" dirty="0"/>
               <a:t>Click here to add title</a:t>
             </a:r>
-            <a:endParaRPr lang="en-US" dirty="0"/>
           </a:p>
         </p:txBody>
       </p:sp>
@@ -2715,13 +2701,6 @@
   <p:clrMapOvr>
     <a:masterClrMapping/>
   </p:clrMapOvr>
-  <p:timing>
-    <p:tnLst>
-      <p:par>
-        <p:cTn id="1" dur="indefinite" restart="never" nodeType="tmRoot"/>
-      </p:par>
-    </p:tnLst>
-  </p:timing>
 </p:sldLayout>
 </file>
 
@@ -2802,7 +2781,7 @@
           <a:p>
             <a:pPr lvl="0"/>
             <a:r>
-              <a:rPr lang="en-US" dirty="0" smtClean="0"/>
+              <a:rPr lang="en-US" dirty="0"/>
               <a:t>Click to edit Master text styles</a:t>
             </a:r>
           </a:p>
@@ -2847,7 +2826,7 @@
           <a:p>
             <a:pPr lvl="0"/>
             <a:r>
-              <a:rPr lang="en-US" dirty="0" smtClean="0"/>
+              <a:rPr lang="en-US" dirty="0"/>
               <a:t>Click to edit Master text styles</a:t>
             </a:r>
           </a:p>
@@ -2913,7 +2892,7 @@
           <a:p>
             <a:pPr lvl="0"/>
             <a:r>
-              <a:rPr lang="en-US" dirty="0" smtClean="0"/>
+              <a:rPr lang="en-US" dirty="0"/>
               <a:t>Click to edit Master text styles</a:t>
             </a:r>
           </a:p>
@@ -2958,7 +2937,7 @@
           <a:p>
             <a:pPr lvl="0"/>
             <a:r>
-              <a:rPr lang="en-US" dirty="0" smtClean="0"/>
+              <a:rPr lang="en-US" dirty="0"/>
               <a:t>Click to edit Master text styles</a:t>
             </a:r>
           </a:p>
@@ -3024,7 +3003,7 @@
           <a:p>
             <a:pPr lvl="0"/>
             <a:r>
-              <a:rPr lang="en-US" dirty="0" smtClean="0"/>
+              <a:rPr lang="en-US" dirty="0"/>
               <a:t>Click to edit Master text styles</a:t>
             </a:r>
           </a:p>
@@ -3070,7 +3049,7 @@
           <a:p>
             <a:pPr lvl="0"/>
             <a:r>
-              <a:rPr lang="en-US" dirty="0" smtClean="0"/>
+              <a:rPr lang="en-US" dirty="0"/>
               <a:t>Click to edit Master text styles</a:t>
             </a:r>
           </a:p>
@@ -3136,7 +3115,7 @@
           <a:p>
             <a:pPr lvl="0"/>
             <a:r>
-              <a:rPr lang="en-US" dirty="0" smtClean="0"/>
+              <a:rPr lang="en-US" dirty="0"/>
               <a:t>Click to edit Master text styles</a:t>
             </a:r>
           </a:p>
@@ -3181,7 +3160,7 @@
           <a:p>
             <a:pPr lvl="0"/>
             <a:r>
-              <a:rPr lang="en-US" dirty="0" smtClean="0"/>
+              <a:rPr lang="en-US" dirty="0"/>
               <a:t>Click to edit Master text styles</a:t>
             </a:r>
           </a:p>
@@ -3226,7 +3205,7 @@
           <a:p>
             <a:pPr lvl="0"/>
             <a:r>
-              <a:rPr lang="en-US" dirty="0" smtClean="0"/>
+              <a:rPr lang="en-US" dirty="0"/>
               <a:t>Click to edit Master text styles</a:t>
             </a:r>
           </a:p>
@@ -3292,7 +3271,7 @@
           <a:p>
             <a:pPr lvl="0"/>
             <a:r>
-              <a:rPr lang="en-US" dirty="0" smtClean="0"/>
+              <a:rPr lang="en-US" dirty="0"/>
               <a:t>Click to edit Master text styles</a:t>
             </a:r>
           </a:p>
@@ -3337,7 +3316,7 @@
           <a:p>
             <a:pPr lvl="0"/>
             <a:r>
-              <a:rPr lang="en-US" dirty="0" smtClean="0"/>
+              <a:rPr lang="en-US" dirty="0"/>
               <a:t>Click to edit Master text styles</a:t>
             </a:r>
           </a:p>
@@ -3403,7 +3382,7 @@
           <a:p>
             <a:pPr lvl="0"/>
             <a:r>
-              <a:rPr lang="en-US" dirty="0" smtClean="0"/>
+              <a:rPr lang="en-US" dirty="0"/>
               <a:t>Click to edit Master text styles</a:t>
             </a:r>
           </a:p>
@@ -3448,7 +3427,7 @@
           <a:p>
             <a:pPr lvl="0"/>
             <a:r>
-              <a:rPr lang="en-US" dirty="0" smtClean="0"/>
+              <a:rPr lang="en-US" dirty="0"/>
               <a:t>Click to edit Master text styles</a:t>
             </a:r>
           </a:p>
@@ -3514,7 +3493,7 @@
           <a:p>
             <a:pPr lvl="0"/>
             <a:r>
-              <a:rPr lang="en-US" dirty="0" smtClean="0"/>
+              <a:rPr lang="en-US" dirty="0"/>
               <a:t>Click to edit Master text styles</a:t>
             </a:r>
           </a:p>
@@ -3578,10 +3557,9 @@
           <a:p>
             <a:pPr lvl="0"/>
             <a:r>
-              <a:rPr lang="en-US" dirty="0" smtClean="0"/>
+              <a:rPr lang="en-US" dirty="0"/>
               <a:t>Click here to add affiliations</a:t>
             </a:r>
-            <a:endParaRPr lang="en-US" dirty="0"/>
           </a:p>
         </p:txBody>
       </p:sp>
@@ -3643,10 +3621,9 @@
           <a:p>
             <a:pPr lvl="0"/>
             <a:r>
-              <a:rPr lang="en-US" dirty="0" smtClean="0"/>
+              <a:rPr lang="en-US" dirty="0"/>
               <a:t>Click here to add authors</a:t>
             </a:r>
-            <a:endParaRPr lang="en-US" dirty="0"/>
           </a:p>
         </p:txBody>
       </p:sp>
@@ -3708,10 +3685,9 @@
           <a:p>
             <a:pPr lvl="0"/>
             <a:r>
-              <a:rPr lang="en-US" dirty="0" smtClean="0"/>
+              <a:rPr lang="en-US" dirty="0"/>
               <a:t>Click here to add title</a:t>
             </a:r>
-            <a:endParaRPr lang="en-US" dirty="0"/>
           </a:p>
         </p:txBody>
       </p:sp>
@@ -3725,13 +3701,6 @@
   <p:clrMapOvr>
     <a:masterClrMapping/>
   </p:clrMapOvr>
-  <p:timing>
-    <p:tnLst>
-      <p:par>
-        <p:cTn id="1" dur="indefinite" restart="never" nodeType="tmRoot"/>
-      </p:par>
-    </p:tnLst>
-  </p:timing>
 </p:sldLayout>
 </file>
 
@@ -4033,7 +4002,7 @@
               <a:defRPr/>
             </a:pPr>
             <a:r>
-              <a:rPr lang="en-US" sz="600" b="1" dirty="0" smtClean="0">
+              <a:rPr lang="en-US" sz="600" b="1" dirty="0">
                 <a:solidFill>
                   <a:srgbClr val="BFBFBF"/>
                 </a:solidFill>
@@ -4053,7 +4022,7 @@
               <a:defRPr/>
             </a:pPr>
             <a:r>
-              <a:rPr lang="en-US" sz="1200" b="1" dirty="0" smtClean="0">
+              <a:rPr lang="en-US" sz="1200" b="1" dirty="0">
                 <a:solidFill>
                   <a:srgbClr val="BFBFBF"/>
                 </a:solidFill>
@@ -4440,7 +4409,7 @@
                 <a:defRPr/>
               </a:pPr>
               <a:r>
-                <a:rPr lang="en-US" sz="3200" b="1" spc="0" dirty="0" smtClean="0">
+                <a:rPr lang="en-US" sz="3200" b="1" spc="0" dirty="0">
                   <a:solidFill>
                     <a:srgbClr val="FF0000"/>
                   </a:solidFill>
@@ -4448,7 +4417,7 @@
                 </a:rPr>
                 <a:t>(—THIS SIDEBAR DOES NOT PRINT—)</a:t>
               </a:r>
-              <a:endParaRPr lang="en-US" sz="3200" b="1" spc="600" dirty="0" smtClean="0">
+              <a:endParaRPr lang="en-US" sz="3200" b="1" spc="600" dirty="0">
                 <a:solidFill>
                   <a:schemeClr val="bg1"/>
                 </a:solidFill>
@@ -4458,7 +4427,7 @@
             <a:p>
               <a:pPr algn="ctr"/>
               <a:r>
-                <a:rPr lang="en-US" sz="4000" b="1" spc="600" dirty="0" smtClean="0">
+                <a:rPr lang="en-US" sz="4000" b="1" spc="600" dirty="0">
                   <a:solidFill>
                     <a:schemeClr val="bg1"/>
                   </a:solidFill>
@@ -4467,7 +4436,7 @@
                 <a:t>DESIGN</a:t>
               </a:r>
               <a:r>
-                <a:rPr lang="en-US" sz="4000" b="1" spc="600" baseline="0" dirty="0" smtClean="0">
+                <a:rPr lang="en-US" sz="4000" b="1" spc="600" baseline="0" dirty="0">
                   <a:solidFill>
                     <a:schemeClr val="bg1"/>
                   </a:solidFill>
@@ -4476,7 +4445,7 @@
                 <a:t> </a:t>
               </a:r>
               <a:r>
-                <a:rPr lang="en-US" sz="4000" b="1" spc="600" dirty="0" smtClean="0">
+                <a:rPr lang="en-US" sz="4000" b="1" spc="600" dirty="0">
                   <a:solidFill>
                     <a:schemeClr val="bg1"/>
                   </a:solidFill>
@@ -4487,80 +4456,80 @@
             </a:p>
             <a:p>
               <a:pPr algn="ctr"/>
-              <a:endParaRPr lang="en-US" sz="2800" b="1" dirty="0" smtClean="0">
+              <a:endParaRPr lang="en-US" sz="2800" b="1" dirty="0">
                 <a:latin typeface="Trebuchet MS" pitchFamily="34" charset="0"/>
               </a:endParaRPr>
             </a:p>
             <a:p>
               <a:pPr defTabSz="3765639"/>
               <a:r>
-                <a:rPr lang="en-US" sz="2800" i="0" dirty="0" smtClean="0">
+                <a:rPr lang="en-US" sz="2800" i="0" dirty="0">
                   <a:latin typeface="Trebuchet MS" pitchFamily="34" charset="0"/>
                 </a:rPr>
                 <a:t>This PowerPoint</a:t>
               </a:r>
               <a:r>
-                <a:rPr lang="en-US" sz="2800" i="0" baseline="0" dirty="0" smtClean="0">
+                <a:rPr lang="en-US" sz="2800" i="0" baseline="0" dirty="0">
                   <a:latin typeface="Trebuchet MS" pitchFamily="34" charset="0"/>
                 </a:rPr>
                 <a:t> </a:t>
               </a:r>
               <a:r>
-                <a:rPr lang="en-US" sz="2800" i="0" dirty="0" smtClean="0">
+                <a:rPr lang="en-US" sz="2800" i="0" dirty="0">
                   <a:latin typeface="Trebuchet MS" pitchFamily="34" charset="0"/>
                 </a:rPr>
                 <a:t>2007 template produces</a:t>
               </a:r>
               <a:r>
-                <a:rPr lang="en-US" sz="2800" i="0" baseline="0" dirty="0" smtClean="0">
+                <a:rPr lang="en-US" sz="2800" i="0" baseline="0" dirty="0">
                   <a:latin typeface="Trebuchet MS" pitchFamily="34" charset="0"/>
                 </a:rPr>
                 <a:t> </a:t>
               </a:r>
               <a:r>
-                <a:rPr lang="en-US" sz="2800" i="0" dirty="0" smtClean="0">
+                <a:rPr lang="en-US" sz="2800" i="0" dirty="0">
                   <a:latin typeface="Trebuchet MS" pitchFamily="34" charset="0"/>
                 </a:rPr>
                 <a:t>a 36”x56” presentation poster. </a:t>
               </a:r>
               <a:r>
-                <a:rPr lang="en-US" sz="2800" dirty="0" smtClean="0">
+                <a:rPr lang="en-US" sz="2800" dirty="0">
                   <a:latin typeface="Trebuchet MS" pitchFamily="34" charset="0"/>
                 </a:rPr>
                 <a:t>You</a:t>
               </a:r>
               <a:r>
-                <a:rPr lang="en-US" sz="2800" baseline="0" dirty="0" smtClean="0">
+                <a:rPr lang="en-US" sz="2800" baseline="0" dirty="0">
                   <a:latin typeface="Trebuchet MS" pitchFamily="34" charset="0"/>
                 </a:rPr>
                 <a:t> can u</a:t>
               </a:r>
               <a:r>
-                <a:rPr lang="en-US" sz="2800" dirty="0" smtClean="0">
+                <a:rPr lang="en-US" sz="2800" dirty="0">
                   <a:latin typeface="Trebuchet MS" pitchFamily="34" charset="0"/>
                 </a:rPr>
                 <a:t>se</a:t>
               </a:r>
               <a:r>
-                <a:rPr lang="en-US" sz="2800" baseline="0" dirty="0" smtClean="0">
+                <a:rPr lang="en-US" sz="2800" baseline="0" dirty="0">
                   <a:latin typeface="Trebuchet MS" pitchFamily="34" charset="0"/>
                 </a:rPr>
                 <a:t> it to create your research poster and </a:t>
               </a:r>
               <a:r>
-                <a:rPr lang="en-US" sz="2800" dirty="0" smtClean="0">
+                <a:rPr lang="en-US" sz="2800" dirty="0">
                   <a:latin typeface="Trebuchet MS" pitchFamily="34" charset="0"/>
                 </a:rPr>
                 <a:t>save valuable time placing titles, subtitles,</a:t>
               </a:r>
               <a:r>
-                <a:rPr lang="en-US" sz="2800" baseline="0" dirty="0" smtClean="0">
+                <a:rPr lang="en-US" sz="2800" baseline="0" dirty="0">
                   <a:latin typeface="Trebuchet MS" pitchFamily="34" charset="0"/>
                 </a:rPr>
                 <a:t> text, and graphics</a:t>
               </a:r>
               <a:r>
-                <a:rPr lang="en-US" sz="2800" dirty="0" smtClean="0">
+                <a:rPr lang="en-US" sz="2800" dirty="0">
                   <a:latin typeface="Trebuchet MS" pitchFamily="34" charset="0"/>
                 </a:rPr>
                 <a:t>. </a:t>
@@ -4568,20 +4537,20 @@
             </a:p>
             <a:p>
               <a:pPr defTabSz="3765639"/>
-              <a:endParaRPr lang="en-US" sz="2800" dirty="0" smtClean="0">
+              <a:endParaRPr lang="en-US" sz="2800" dirty="0">
                 <a:latin typeface="Trebuchet MS" pitchFamily="34" charset="0"/>
               </a:endParaRPr>
             </a:p>
             <a:p>
               <a:pPr defTabSz="4389219"/>
               <a:r>
-                <a:rPr lang="en-US" sz="2800" dirty="0" smtClean="0">
+                <a:rPr lang="en-US" sz="2800" dirty="0">
                   <a:latin typeface="Trebuchet MS" pitchFamily="34" charset="0"/>
                 </a:rPr>
                 <a:t>We provide a series of online tutorials that will guide you through the poster design process and answer your poster production questions. To view our template tutorials, go online to </a:t>
               </a:r>
               <a:r>
-                <a:rPr lang="en-US" sz="2800" b="1" dirty="0" smtClean="0">
+                <a:rPr lang="en-US" sz="2800" b="1" dirty="0">
                   <a:solidFill>
                     <a:srgbClr val="FFC000"/>
                   </a:solidFill>
@@ -4590,7 +4559,7 @@
                 <a:t>PosterPresentations.com</a:t>
               </a:r>
               <a:r>
-                <a:rPr lang="en-US" sz="2800" b="1" dirty="0" smtClean="0">
+                <a:rPr lang="en-US" sz="2800" b="1" dirty="0">
                   <a:solidFill>
                     <a:schemeClr val="bg1"/>
                   </a:solidFill>
@@ -4599,7 +4568,7 @@
                 <a:t> </a:t>
               </a:r>
               <a:r>
-                <a:rPr lang="en-US" sz="2800" dirty="0" smtClean="0">
+                <a:rPr lang="en-US" sz="2800" dirty="0">
                   <a:solidFill>
                     <a:schemeClr val="bg1"/>
                   </a:solidFill>
@@ -4610,14 +4579,14 @@
             </a:p>
             <a:p>
               <a:pPr defTabSz="4389219"/>
-              <a:endParaRPr lang="en-US" sz="2800" dirty="0" smtClean="0">
+              <a:endParaRPr lang="en-US" sz="2800" dirty="0">
                 <a:latin typeface="Trebuchet MS" pitchFamily="34" charset="0"/>
               </a:endParaRPr>
             </a:p>
             <a:p>
               <a:pPr defTabSz="4389219"/>
               <a:r>
-                <a:rPr lang="en-US" sz="2800" dirty="0" smtClean="0">
+                <a:rPr lang="en-US" sz="2800" dirty="0">
                   <a:solidFill>
                     <a:schemeClr val="bg1"/>
                   </a:solidFill>
@@ -4626,7 +4595,7 @@
                 <a:t>When</a:t>
               </a:r>
               <a:r>
-                <a:rPr lang="en-US" sz="2800" baseline="0" dirty="0" smtClean="0">
+                <a:rPr lang="en-US" sz="2800" baseline="0" dirty="0">
                   <a:solidFill>
                     <a:schemeClr val="bg1"/>
                   </a:solidFill>
@@ -4635,7 +4604,7 @@
                 <a:t> you are ready to print your poster</a:t>
               </a:r>
               <a:r>
-                <a:rPr lang="en-US" sz="2800" dirty="0" smtClean="0">
+                <a:rPr lang="en-US" sz="2800" dirty="0">
                   <a:solidFill>
                     <a:schemeClr val="bg1"/>
                   </a:solidFill>
@@ -4644,7 +4613,7 @@
                 <a:t>,</a:t>
               </a:r>
               <a:r>
-                <a:rPr lang="en-US" sz="2800" baseline="0" dirty="0" smtClean="0">
+                <a:rPr lang="en-US" sz="2800" baseline="0" dirty="0">
                   <a:solidFill>
                     <a:schemeClr val="bg1"/>
                   </a:solidFill>
@@ -4653,7 +4622,7 @@
                 <a:t> go online to </a:t>
               </a:r>
               <a:r>
-                <a:rPr lang="en-US" sz="2800" b="0" dirty="0" smtClean="0">
+                <a:rPr lang="en-US" sz="2800" b="0" dirty="0">
                   <a:solidFill>
                     <a:schemeClr val="bg1"/>
                   </a:solidFill>
@@ -4661,24 +4630,63 @@
                 </a:rPr>
                 <a:t>PosterPresentations.com</a:t>
               </a:r>
-              <a:r>
-                <a:rPr lang="en-US" sz="2800" dirty="0" smtClean="0">
+              <a:br>
+                <a:rPr lang="en-US" sz="2800" dirty="0">
                   <a:solidFill>
                     <a:schemeClr val="bg1"/>
                   </a:solidFill>
                   <a:latin typeface="Trebuchet MS" pitchFamily="34" charset="0"/>
                 </a:rPr>
-                <a:t/>
-              </a:r>
-              <a:br>
-                <a:rPr lang="en-US" sz="2800" dirty="0" smtClean="0">
+              </a:br>
+              <a:endParaRPr lang="en-US" sz="2800" dirty="0">
+                <a:solidFill>
+                  <a:schemeClr val="bg1"/>
+                </a:solidFill>
+                <a:latin typeface="Trebuchet MS" pitchFamily="34" charset="0"/>
+              </a:endParaRPr>
+            </a:p>
+            <a:p>
+              <a:pPr algn="l" defTabSz="3765639"/>
+              <a:r>
+                <a:rPr lang="en-US" sz="2800" b="0" dirty="0">
                   <a:solidFill>
                     <a:schemeClr val="bg1"/>
                   </a:solidFill>
                   <a:latin typeface="Trebuchet MS" pitchFamily="34" charset="0"/>
                 </a:rPr>
-              </a:br>
-              <a:endParaRPr lang="en-US" sz="2800" dirty="0" smtClean="0">
+                <a:t>Need</a:t>
+              </a:r>
+              <a:r>
+                <a:rPr lang="en-US" sz="2800" b="0" baseline="0" dirty="0">
+                  <a:solidFill>
+                    <a:schemeClr val="bg1"/>
+                  </a:solidFill>
+                  <a:latin typeface="Trebuchet MS" pitchFamily="34" charset="0"/>
+                </a:rPr>
+                <a:t> assistance? Call us at </a:t>
+              </a:r>
+              <a:r>
+                <a:rPr lang="en-US" sz="2800" b="0" dirty="0">
+                  <a:solidFill>
+                    <a:srgbClr val="FFC000"/>
+                  </a:solidFill>
+                  <a:latin typeface="Trebuchet MS" pitchFamily="34" charset="0"/>
+                </a:rPr>
+                <a:t>1.510.649.3001</a:t>
+              </a:r>
+            </a:p>
+            <a:p>
+              <a:pPr algn="l" defTabSz="3765639"/>
+              <a:endParaRPr lang="en-US" sz="3600" b="1" dirty="0">
+                <a:solidFill>
+                  <a:srgbClr val="FFFF00"/>
+                </a:solidFill>
+                <a:latin typeface="Trebuchet MS" pitchFamily="34" charset="0"/>
+              </a:endParaRPr>
+            </a:p>
+            <a:p>
+              <a:pPr algn="ctr"/>
+              <a:endParaRPr lang="en-US" sz="2400" b="1" dirty="0">
                 <a:solidFill>
                   <a:schemeClr val="bg1"/>
                 </a:solidFill>
@@ -4686,99 +4694,51 @@
               </a:endParaRPr>
             </a:p>
             <a:p>
-              <a:pPr algn="l" defTabSz="3765639"/>
-              <a:r>
-                <a:rPr lang="en-US" sz="2800" b="0" dirty="0" smtClean="0">
+              <a:pPr algn="ctr"/>
+              <a:r>
+                <a:rPr lang="en-US" sz="4000" b="1" spc="600" dirty="0">
                   <a:solidFill>
                     <a:schemeClr val="bg1"/>
                   </a:solidFill>
                   <a:latin typeface="Trebuchet MS" pitchFamily="34" charset="0"/>
                 </a:rPr>
-                <a:t>Need</a:t>
-              </a:r>
-              <a:r>
-                <a:rPr lang="en-US" sz="2800" b="0" baseline="0" dirty="0" smtClean="0">
+                <a:t>QUICK START</a:t>
+              </a:r>
+            </a:p>
+            <a:p>
+              <a:pPr algn="ctr"/>
+              <a:endParaRPr lang="en-US" sz="3200" b="1" baseline="0" dirty="0">
+                <a:solidFill>
+                  <a:schemeClr val="bg1"/>
+                </a:solidFill>
+                <a:latin typeface="Trebuchet MS" pitchFamily="34" charset="0"/>
+              </a:endParaRPr>
+            </a:p>
+            <a:p>
+              <a:pPr algn="ctr"/>
+              <a:r>
+                <a:rPr lang="en-US" sz="3200" b="1" baseline="0" dirty="0">
+                  <a:solidFill>
+                    <a:srgbClr val="FFC000"/>
+                  </a:solidFill>
+                  <a:latin typeface="Trebuchet MS" pitchFamily="34" charset="0"/>
+                </a:rPr>
+                <a:t>Zoom in and out</a:t>
+              </a:r>
+            </a:p>
+            <a:p>
+              <a:pPr marL="1892300" indent="-1892300" algn="l" defTabSz="850900"/>
+              <a:r>
+                <a:rPr lang="en-US" sz="2400" b="0" baseline="0" dirty="0">
                   <a:solidFill>
                     <a:schemeClr val="bg1"/>
                   </a:solidFill>
                   <a:latin typeface="Trebuchet MS" pitchFamily="34" charset="0"/>
                 </a:rPr>
-                <a:t> assistance? Call us at </a:t>
-              </a:r>
-              <a:r>
-                <a:rPr lang="en-US" sz="2800" b="0" dirty="0" smtClean="0">
-                  <a:solidFill>
-                    <a:srgbClr val="FFC000"/>
-                  </a:solidFill>
-                  <a:latin typeface="Trebuchet MS" pitchFamily="34" charset="0"/>
-                </a:rPr>
-                <a:t>1.510.649.3001</a:t>
-              </a:r>
-            </a:p>
-            <a:p>
-              <a:pPr algn="l" defTabSz="3765639"/>
-              <a:endParaRPr lang="en-US" sz="3600" b="1" dirty="0" smtClean="0">
-                <a:solidFill>
-                  <a:srgbClr val="FFFF00"/>
-                </a:solidFill>
-                <a:latin typeface="Trebuchet MS" pitchFamily="34" charset="0"/>
-              </a:endParaRPr>
-            </a:p>
-            <a:p>
-              <a:pPr algn="ctr"/>
-              <a:endParaRPr lang="en-US" sz="2400" b="1" dirty="0" smtClean="0">
-                <a:solidFill>
-                  <a:schemeClr val="bg1"/>
-                </a:solidFill>
-                <a:latin typeface="Trebuchet MS" pitchFamily="34" charset="0"/>
-              </a:endParaRPr>
-            </a:p>
-            <a:p>
-              <a:pPr algn="ctr"/>
-              <a:r>
-                <a:rPr lang="en-US" sz="4000" b="1" spc="600" dirty="0" smtClean="0">
-                  <a:solidFill>
-                    <a:schemeClr val="bg1"/>
-                  </a:solidFill>
-                  <a:latin typeface="Trebuchet MS" pitchFamily="34" charset="0"/>
-                </a:rPr>
-                <a:t>QUICK START</a:t>
-              </a:r>
-            </a:p>
-            <a:p>
-              <a:pPr algn="ctr"/>
-              <a:endParaRPr lang="en-US" sz="3200" b="1" baseline="0" dirty="0" smtClean="0">
-                <a:solidFill>
-                  <a:schemeClr val="bg1"/>
-                </a:solidFill>
-                <a:latin typeface="Trebuchet MS" pitchFamily="34" charset="0"/>
-              </a:endParaRPr>
-            </a:p>
-            <a:p>
-              <a:pPr algn="ctr"/>
-              <a:r>
-                <a:rPr lang="en-US" sz="3200" b="1" baseline="0" dirty="0" smtClean="0">
-                  <a:solidFill>
-                    <a:srgbClr val="FFC000"/>
-                  </a:solidFill>
-                  <a:latin typeface="Trebuchet MS" pitchFamily="34" charset="0"/>
-                </a:rPr>
-                <a:t>Zoom in and out</a:t>
-              </a:r>
-            </a:p>
-            <a:p>
-              <a:pPr marL="1892300" indent="-1892300" algn="l" defTabSz="850900"/>
-              <a:r>
-                <a:rPr lang="en-US" sz="2400" b="0" baseline="0" dirty="0" smtClean="0">
-                  <a:solidFill>
-                    <a:schemeClr val="bg1"/>
-                  </a:solidFill>
-                  <a:latin typeface="Trebuchet MS" pitchFamily="34" charset="0"/>
-                </a:rPr>
                 <a:t>	</a:t>
               </a:r>
               <a:r>
-                <a:rPr lang="en-US" sz="2400" b="0" baseline="0" dirty="0" smtClean="0">
+                <a:rPr lang="en-US" sz="2400" b="0" baseline="0" dirty="0">
                   <a:solidFill>
                     <a:schemeClr val="bg1">
                       <a:lumMod val="75000"/>
@@ -4792,7 +4752,7 @@
             <a:p>
               <a:pPr marL="1892300" indent="-1892300" algn="l" defTabSz="850900"/>
               <a:r>
-                <a:rPr lang="en-US" sz="2400" b="1" baseline="0" dirty="0" smtClean="0">
+                <a:rPr lang="en-US" sz="2400" b="1" baseline="0" dirty="0">
                   <a:solidFill>
                     <a:schemeClr val="bg1">
                       <a:lumMod val="75000"/>
@@ -4803,7 +4763,7 @@
                 <a:t>	</a:t>
               </a:r>
               <a:r>
-                <a:rPr lang="en-US" sz="2400" b="0" baseline="0" dirty="0" smtClean="0">
+                <a:rPr lang="en-US" sz="2400" b="0" baseline="0" dirty="0">
                   <a:solidFill>
                     <a:schemeClr val="bg1">
                       <a:lumMod val="75000"/>
@@ -4816,7 +4776,7 @@
             </a:p>
             <a:p>
               <a:pPr algn="l"/>
-              <a:endParaRPr lang="en-US" sz="2800" b="0" baseline="0" dirty="0" smtClean="0">
+              <a:endParaRPr lang="en-US" sz="2800" b="0" baseline="0" dirty="0">
                 <a:solidFill>
                   <a:schemeClr val="bg1"/>
                 </a:solidFill>
@@ -4826,7 +4786,7 @@
             <a:p>
               <a:pPr algn="ctr"/>
               <a:r>
-                <a:rPr lang="en-US" sz="3200" b="1" baseline="0" dirty="0" smtClean="0">
+                <a:rPr lang="en-US" sz="3200" b="1" baseline="0" dirty="0">
                   <a:solidFill>
                     <a:srgbClr val="FFC000"/>
                   </a:solidFill>
@@ -4838,7 +4798,7 @@
             <a:p>
               <a:pPr algn="l"/>
               <a:r>
-                <a:rPr lang="en-US" sz="2400" b="0" baseline="0" dirty="0" smtClean="0">
+                <a:rPr lang="en-US" sz="2400" b="0" baseline="0" dirty="0">
                   <a:solidFill>
                     <a:schemeClr val="bg1">
                       <a:lumMod val="75000"/>
@@ -4849,7 +4809,7 @@
                 <a:t>Start designing your poster by adding the title, the names of the authors, and the affiliated institutions. </a:t>
               </a:r>
               <a:r>
-                <a:rPr lang="en-US" sz="2400" b="0" spc="0" baseline="0" dirty="0" smtClean="0">
+                <a:rPr lang="en-US" sz="2400" b="0" spc="0" baseline="0" dirty="0">
                   <a:solidFill>
                     <a:schemeClr val="bg1">
                       <a:lumMod val="75000"/>
@@ -4862,7 +4822,7 @@
             </a:p>
             <a:p>
               <a:pPr algn="l"/>
-              <a:endParaRPr lang="en-US" sz="2400" b="0" spc="0" baseline="0" dirty="0" smtClean="0">
+              <a:endParaRPr lang="en-US" sz="2400" b="0" spc="0" baseline="0" dirty="0">
                 <a:solidFill>
                   <a:schemeClr val="bg1">
                     <a:lumMod val="75000"/>
@@ -4874,7 +4834,7 @@
             <a:p>
               <a:pPr algn="l"/>
               <a:r>
-                <a:rPr lang="en-US" sz="2400" b="1" spc="300" baseline="0" dirty="0" smtClean="0">
+                <a:rPr lang="en-US" sz="2400" b="1" spc="300" baseline="0" dirty="0">
                   <a:solidFill>
                     <a:srgbClr val="FFC000"/>
                   </a:solidFill>
@@ -4883,7 +4843,7 @@
                 <a:t>TIP</a:t>
               </a:r>
               <a:r>
-                <a:rPr lang="en-US" sz="2400" b="1" baseline="0" dirty="0" smtClean="0">
+                <a:rPr lang="en-US" sz="2400" b="1" baseline="0" dirty="0">
                   <a:solidFill>
                     <a:srgbClr val="FFC000"/>
                   </a:solidFill>
@@ -4892,7 +4852,7 @@
                 <a:t>: </a:t>
               </a:r>
               <a:r>
-                <a:rPr lang="en-US" sz="2400" b="0" baseline="0" dirty="0" smtClean="0">
+                <a:rPr lang="en-US" sz="2400" b="0" baseline="0" dirty="0">
                   <a:solidFill>
                     <a:schemeClr val="bg1">
                       <a:lumMod val="75000"/>
@@ -4905,24 +4865,15 @@
             </a:p>
             <a:p>
               <a:pPr algn="l"/>
-              <a:r>
-                <a:rPr lang="en-US" sz="2800" b="1" baseline="0" dirty="0" smtClean="0">
+              <a:br>
+                <a:rPr lang="en-US" sz="2800" b="1" baseline="0" dirty="0">
                   <a:solidFill>
                     <a:schemeClr val="bg1"/>
                   </a:solidFill>
                   <a:latin typeface="Trebuchet MS" pitchFamily="34" charset="0"/>
                 </a:rPr>
-                <a:t/>
-              </a:r>
-              <a:br>
-                <a:rPr lang="en-US" sz="2800" b="1" baseline="0" dirty="0" smtClean="0">
-                  <a:solidFill>
-                    <a:schemeClr val="bg1"/>
-                  </a:solidFill>
-                  <a:latin typeface="Trebuchet MS" pitchFamily="34" charset="0"/>
-                </a:rPr>
               </a:br>
-              <a:endParaRPr lang="en-US" sz="2800" b="1" dirty="0" smtClean="0">
+              <a:endParaRPr lang="en-US" sz="2800" b="1" dirty="0">
                 <a:solidFill>
                   <a:schemeClr val="bg1"/>
                 </a:solidFill>
@@ -4931,7 +4882,7 @@
             </a:p>
             <a:p>
               <a:pPr algn="ctr"/>
-              <a:endParaRPr lang="en-US" sz="2800" b="1" dirty="0" smtClean="0">
+              <a:endParaRPr lang="en-US" sz="2800" b="1" dirty="0">
                 <a:solidFill>
                   <a:srgbClr val="FFC000"/>
                 </a:solidFill>
@@ -4940,7 +4891,7 @@
             </a:p>
             <a:p>
               <a:pPr algn="ctr"/>
-              <a:endParaRPr lang="en-US" sz="2800" b="1" dirty="0" smtClean="0">
+              <a:endParaRPr lang="en-US" sz="2800" b="1" dirty="0">
                 <a:solidFill>
                   <a:srgbClr val="FFC000"/>
                 </a:solidFill>
@@ -4950,7 +4901,7 @@
             <a:p>
               <a:pPr algn="ctr"/>
               <a:r>
-                <a:rPr lang="en-US" sz="3200" b="1" dirty="0" smtClean="0">
+                <a:rPr lang="en-US" sz="3200" b="1" dirty="0">
                   <a:solidFill>
                     <a:srgbClr val="FFC000"/>
                   </a:solidFill>
@@ -4959,7 +4910,7 @@
                 <a:t>Adding Logos</a:t>
               </a:r>
               <a:r>
-                <a:rPr lang="en-US" sz="3200" b="1" baseline="0" dirty="0" smtClean="0">
+                <a:rPr lang="en-US" sz="3200" b="1" baseline="0" dirty="0">
                   <a:solidFill>
                     <a:srgbClr val="FFC000"/>
                   </a:solidFill>
@@ -4971,7 +4922,7 @@
             <a:p>
               <a:pPr algn="l"/>
               <a:r>
-                <a:rPr lang="en-US" sz="2400" b="0" baseline="0" dirty="0" smtClean="0">
+                <a:rPr lang="en-US" sz="2400" b="0" baseline="0" dirty="0">
                   <a:solidFill>
                     <a:schemeClr val="bg1">
                       <a:lumMod val="75000"/>
@@ -4984,7 +4935,7 @@
             </a:p>
             <a:p>
               <a:pPr algn="l"/>
-              <a:endParaRPr lang="en-US" sz="2400" b="0" spc="300" baseline="0" dirty="0" smtClean="0">
+              <a:endParaRPr lang="en-US" sz="2400" b="0" spc="300" baseline="0" dirty="0">
                 <a:solidFill>
                   <a:schemeClr val="bg1">
                     <a:lumMod val="75000"/>
@@ -4996,7 +4947,7 @@
             <a:p>
               <a:pPr algn="l"/>
               <a:r>
-                <a:rPr lang="en-US" sz="2400" b="1" spc="300" baseline="0" dirty="0" smtClean="0">
+                <a:rPr lang="en-US" sz="2400" b="1" spc="300" baseline="0" dirty="0">
                   <a:solidFill>
                     <a:srgbClr val="FFC000"/>
                   </a:solidFill>
@@ -5005,7 +4956,7 @@
                 <a:t>TIP:</a:t>
               </a:r>
               <a:r>
-                <a:rPr lang="en-US" sz="2400" b="1" spc="0" baseline="0" dirty="0" smtClean="0">
+                <a:rPr lang="en-US" sz="2400" b="1" spc="0" baseline="0" dirty="0">
                   <a:solidFill>
                     <a:srgbClr val="FFC000"/>
                   </a:solidFill>
@@ -5014,7 +4965,7 @@
                 <a:t> </a:t>
               </a:r>
               <a:r>
-                <a:rPr lang="en-US" sz="2400" b="0" baseline="0" dirty="0" smtClean="0">
+                <a:rPr lang="en-US" sz="2400" b="0" baseline="0" dirty="0">
                   <a:solidFill>
                     <a:schemeClr val="bg1">
                       <a:lumMod val="75000"/>
@@ -5027,14 +4978,14 @@
             </a:p>
             <a:p>
               <a:pPr algn="l"/>
-              <a:endParaRPr lang="en-US" sz="2400" b="0" baseline="0" dirty="0" smtClean="0">
+              <a:endParaRPr lang="en-US" sz="2400" b="0" baseline="0" dirty="0">
                 <a:latin typeface="Trebuchet MS" pitchFamily="34" charset="0"/>
               </a:endParaRPr>
             </a:p>
             <a:p>
               <a:pPr algn="ctr"/>
               <a:r>
-                <a:rPr lang="en-US" sz="3200" b="1" baseline="0" dirty="0" smtClean="0">
+                <a:rPr lang="en-US" sz="3200" b="1" baseline="0" dirty="0">
                   <a:solidFill>
                     <a:srgbClr val="FFC000"/>
                   </a:solidFill>
@@ -5046,7 +4997,7 @@
             <a:p>
               <a:pPr algn="l" defTabSz="977900"/>
               <a:r>
-                <a:rPr lang="en-US" sz="2400" b="0" baseline="0" dirty="0" smtClean="0">
+                <a:rPr lang="en-US" sz="2400" b="0" baseline="0" dirty="0">
                   <a:solidFill>
                     <a:schemeClr val="bg1">
                       <a:lumMod val="75000"/>
@@ -5057,7 +5008,7 @@
                 <a:t>You can add images by dragging and dropping from your desktop, copy and paste, or by going to INSERT &gt; PICTURES. Resize images proportionally by holding down the SHIFT key and dragging one of the corner handles. For a professional-looking poster, do not distort your images by enlarging them </a:t>
               </a:r>
               <a:r>
-                <a:rPr lang="en-US" sz="2400" b="0" spc="0" baseline="0" dirty="0" smtClean="0">
+                <a:rPr lang="en-US" sz="2400" b="0" spc="0" baseline="0" dirty="0">
                   <a:solidFill>
                     <a:schemeClr val="bg1">
                       <a:lumMod val="75000"/>
@@ -5070,13 +5021,13 @@
             </a:p>
             <a:p>
               <a:pPr algn="l" defTabSz="977900"/>
-              <a:endParaRPr lang="en-US" sz="2400" b="0" baseline="0" dirty="0" smtClean="0">
+              <a:endParaRPr lang="en-US" sz="2400" b="0" baseline="0" dirty="0">
                 <a:latin typeface="Trebuchet MS" pitchFamily="34" charset="0"/>
               </a:endParaRPr>
             </a:p>
             <a:p>
               <a:pPr algn="ctr"/>
-              <a:endParaRPr lang="en-US" sz="2800" b="1" baseline="0" dirty="0" smtClean="0">
+              <a:endParaRPr lang="en-US" sz="2800" b="1" baseline="0" dirty="0">
                 <a:solidFill>
                   <a:srgbClr val="FFC000"/>
                 </a:solidFill>
@@ -5085,7 +5036,7 @@
             </a:p>
             <a:p>
               <a:pPr algn="ctr"/>
-              <a:endParaRPr lang="en-US" sz="2800" b="1" baseline="0" dirty="0" smtClean="0">
+              <a:endParaRPr lang="en-US" sz="2800" b="1" baseline="0" dirty="0">
                 <a:solidFill>
                   <a:srgbClr val="FFC000"/>
                 </a:solidFill>
@@ -5094,7 +5045,7 @@
             </a:p>
             <a:p>
               <a:pPr algn="ctr"/>
-              <a:endParaRPr lang="en-US" sz="2800" b="1" baseline="0" dirty="0" smtClean="0">
+              <a:endParaRPr lang="en-US" sz="2800" b="1" baseline="0" dirty="0">
                 <a:solidFill>
                   <a:srgbClr val="FFC000"/>
                 </a:solidFill>
@@ -5103,7 +5054,7 @@
             </a:p>
             <a:p>
               <a:pPr algn="ctr"/>
-              <a:endParaRPr lang="en-US" sz="2800" b="1" baseline="0" dirty="0" smtClean="0">
+              <a:endParaRPr lang="en-US" sz="2800" b="1" baseline="0" dirty="0">
                 <a:solidFill>
                   <a:srgbClr val="FFC000"/>
                 </a:solidFill>
@@ -5112,7 +5063,7 @@
             </a:p>
             <a:p>
               <a:pPr algn="ctr"/>
-              <a:endParaRPr lang="en-US" sz="2800" b="1" baseline="0" dirty="0" smtClean="0">
+              <a:endParaRPr lang="en-US" sz="2800" b="1" baseline="0" dirty="0">
                 <a:solidFill>
                   <a:srgbClr val="FFC000"/>
                 </a:solidFill>
@@ -5121,7 +5072,7 @@
             </a:p>
             <a:p>
               <a:pPr algn="ctr"/>
-              <a:endParaRPr lang="en-US" sz="2800" b="1" baseline="0" dirty="0" smtClean="0">
+              <a:endParaRPr lang="en-US" sz="2800" b="1" baseline="0" dirty="0">
                 <a:solidFill>
                   <a:srgbClr val="FFC000"/>
                 </a:solidFill>
@@ -5131,7 +5082,7 @@
             <a:p>
               <a:pPr algn="ctr"/>
               <a:r>
-                <a:rPr lang="en-US" sz="3200" b="1" baseline="0" dirty="0" smtClean="0">
+                <a:rPr lang="en-US" sz="3200" b="1" baseline="0" dirty="0">
                   <a:solidFill>
                     <a:srgbClr val="FFC000"/>
                   </a:solidFill>
@@ -5143,7 +5094,7 @@
             <a:p>
               <a:pPr lvl="0" algn="l" defTabSz="977900"/>
               <a:r>
-                <a:rPr lang="en-US" sz="2400" b="0" baseline="0" dirty="0" smtClean="0">
+                <a:rPr lang="en-US" sz="2400" b="0" baseline="0" dirty="0">
                   <a:solidFill>
                     <a:schemeClr val="bg1">
                       <a:lumMod val="75000"/>
@@ -5153,7 +5104,7 @@
                 </a:rPr>
                 <a:t>Zoom in and look at your images at 100% magnification. If they look good they will print well. </a:t>
               </a:r>
-              <a:endParaRPr lang="en-US" sz="2800" b="0" dirty="0" smtClean="0">
+              <a:endParaRPr lang="en-US" sz="2800" b="0" dirty="0">
                 <a:latin typeface="Trebuchet MS" pitchFamily="34" charset="0"/>
               </a:endParaRPr>
             </a:p>
@@ -5323,18 +5274,13 @@
                 <a:p>
                   <a:pPr algn="ctr"/>
                   <a:r>
-                    <a:rPr lang="en-US" sz="1600" b="1" dirty="0" smtClean="0">
+                    <a:rPr lang="en-US" sz="1600" b="1" dirty="0">
                       <a:solidFill>
                         <a:schemeClr val="tx1"/>
                       </a:solidFill>
                     </a:rPr>
                     <a:t>ORIGINAL</a:t>
                   </a:r>
-                  <a:endParaRPr lang="en-US" sz="1600" b="1" dirty="0">
-                    <a:solidFill>
-                      <a:schemeClr val="tx1"/>
-                    </a:solidFill>
-                  </a:endParaRPr>
                 </a:p>
               </p:txBody>
             </p:sp>
@@ -5403,7 +5349,7 @@
                 <a:p>
                   <a:pPr algn="ctr"/>
                   <a:r>
-                    <a:rPr lang="en-US" sz="1400" b="1" dirty="0" smtClean="0">
+                    <a:rPr lang="en-US" sz="1400" b="1" dirty="0">
                       <a:solidFill>
                         <a:schemeClr val="bg1"/>
                       </a:solidFill>
@@ -5467,7 +5413,7 @@
               <a:p>
                 <a:pPr algn="ctr"/>
                 <a:r>
-                  <a:rPr lang="en-US" sz="1600" dirty="0" smtClean="0">
+                  <a:rPr lang="en-US" sz="1600" dirty="0">
                     <a:solidFill>
                       <a:schemeClr val="bg1"/>
                     </a:solidFill>
@@ -5475,7 +5421,7 @@
                   <a:t>Corner</a:t>
                 </a:r>
                 <a:r>
-                  <a:rPr lang="en-US" sz="1600" baseline="0" dirty="0" smtClean="0">
+                  <a:rPr lang="en-US" sz="1600" baseline="0" dirty="0">
                     <a:solidFill>
                       <a:schemeClr val="bg1"/>
                     </a:solidFill>
@@ -5527,7 +5473,7 @@
               <a:graphicData uri="http://schemas.openxmlformats.org/presentationml/2006/ole">
                 <mc:AlternateContent xmlns:mc="http://schemas.openxmlformats.org/markup-compatibility/2006">
                   <mc:Choice xmlns:v="urn:schemas-microsoft-com:vml" Requires="v">
-                    <p:oleObj spid="_x0000_s1060" name="Image" r:id="rId8" imgW="1828440" imgH="1117440" progId="Photoshop.Image.13">
+                    <p:oleObj spid="_x0000_s1064" name="Image" r:id="rId8" imgW="1828440" imgH="1117440" progId="Photoshop.Image.13">
                       <p:embed/>
                     </p:oleObj>
                   </mc:Choice>
@@ -5584,7 +5530,7 @@
               <a:graphicData uri="http://schemas.openxmlformats.org/presentationml/2006/ole">
                 <mc:AlternateContent xmlns:mc="http://schemas.openxmlformats.org/markup-compatibility/2006">
                   <mc:Choice xmlns:v="urn:schemas-microsoft-com:vml" Requires="v">
-                    <p:oleObj spid="_x0000_s1061" name="Image" r:id="rId10" imgW="1828440" imgH="1117440" progId="Photoshop.Image.13">
+                    <p:oleObj spid="_x0000_s1065" name="Image" r:id="rId10" imgW="1828440" imgH="1117440" progId="Photoshop.Image.13">
                       <p:embed/>
                     </p:oleObj>
                   </mc:Choice>
@@ -5643,7 +5589,7 @@
               <a:p>
                 <a:pPr algn="ctr"/>
                 <a:r>
-                  <a:rPr lang="en-US" sz="1600" dirty="0" smtClean="0">
+                  <a:rPr lang="en-US" sz="1600" dirty="0">
                     <a:solidFill>
                       <a:srgbClr val="92D050"/>
                     </a:solidFill>
@@ -5651,7 +5597,7 @@
                   <a:t>Good</a:t>
                 </a:r>
                 <a:r>
-                  <a:rPr lang="en-US" sz="1600" baseline="0" dirty="0" smtClean="0">
+                  <a:rPr lang="en-US" sz="1600" baseline="0" dirty="0">
                     <a:solidFill>
                       <a:srgbClr val="92D050"/>
                     </a:solidFill>
@@ -5659,7 +5605,7 @@
                   <a:t> </a:t>
                 </a:r>
                 <a:r>
-                  <a:rPr lang="en-US" sz="1600" baseline="0" dirty="0" smtClean="0">
+                  <a:rPr lang="en-US" sz="1600" baseline="0" dirty="0">
                     <a:solidFill>
                       <a:schemeClr val="bg1"/>
                     </a:solidFill>
@@ -5698,7 +5644,7 @@
               <a:p>
                 <a:pPr algn="ctr"/>
                 <a:r>
-                  <a:rPr lang="en-US" sz="1600" dirty="0" smtClean="0">
+                  <a:rPr lang="en-US" sz="1600" dirty="0">
                     <a:solidFill>
                       <a:srgbClr val="FF0000"/>
                     </a:solidFill>
@@ -5706,18 +5652,13 @@
                   <a:t>Bad </a:t>
                 </a:r>
                 <a:r>
-                  <a:rPr lang="en-US" sz="1600" dirty="0" smtClean="0">
+                  <a:rPr lang="en-US" sz="1600" dirty="0">
                     <a:solidFill>
                       <a:schemeClr val="bg1"/>
                     </a:solidFill>
                   </a:rPr>
                   <a:t>printing quality</a:t>
                 </a:r>
-                <a:endParaRPr lang="en-US" sz="1600" dirty="0">
-                  <a:solidFill>
-                    <a:schemeClr val="bg1"/>
-                  </a:solidFill>
-                </a:endParaRPr>
               </a:p>
             </p:txBody>
           </p:sp>
@@ -5783,7 +5724,7 @@
             <a:p>
               <a:pPr algn="ctr"/>
               <a:r>
-                <a:rPr lang="en-US" sz="4000" b="1" spc="600" dirty="0" smtClean="0">
+                <a:rPr lang="en-US" sz="4000" b="1" spc="600" dirty="0">
                   <a:solidFill>
                     <a:schemeClr val="bg1"/>
                   </a:solidFill>
@@ -5794,7 +5735,7 @@
             </a:p>
             <a:p>
               <a:pPr algn="ctr"/>
-              <a:endParaRPr lang="en-US" sz="3600" b="1" baseline="0" dirty="0" smtClean="0">
+              <a:endParaRPr lang="en-US" sz="3600" b="1" baseline="0" dirty="0">
                 <a:solidFill>
                   <a:schemeClr val="bg1"/>
                 </a:solidFill>
@@ -5804,7 +5745,7 @@
             <a:p>
               <a:pPr algn="ctr"/>
               <a:r>
-                <a:rPr lang="en-US" sz="3200" b="1" baseline="0" dirty="0" smtClean="0">
+                <a:rPr lang="en-US" sz="3200" b="1" baseline="0" dirty="0">
                   <a:solidFill>
                     <a:srgbClr val="FFC000"/>
                   </a:solidFill>
@@ -5832,7 +5773,7 @@
                 <a:defRPr/>
               </a:pPr>
               <a:r>
-                <a:rPr lang="en-US" sz="2400" b="0" baseline="0" dirty="0" smtClean="0">
+                <a:rPr lang="en-US" sz="2400" b="0" baseline="0" dirty="0">
                   <a:solidFill>
                     <a:schemeClr val="bg1">
                       <a:lumMod val="75000"/>
@@ -5843,7 +5784,7 @@
                 <a:t>You can easily change the color theme of your poster by going to the DESIGN menu, click on COLORS, and choose the color theme of your choice. You can </a:t>
               </a:r>
               <a:r>
-                <a:rPr lang="en-US" sz="2400" b="0" spc="0" baseline="0" dirty="0" smtClean="0">
+                <a:rPr lang="en-US" sz="2400" b="0" spc="0" baseline="0" dirty="0">
                   <a:solidFill>
                     <a:schemeClr val="bg1">
                       <a:lumMod val="75000"/>
@@ -5872,7 +5813,7 @@
                 <a:tabLst/>
                 <a:defRPr/>
               </a:pPr>
-              <a:endParaRPr lang="en-US" sz="2400" b="0" baseline="0" dirty="0" smtClean="0">
+              <a:endParaRPr lang="en-US" sz="2400" b="0" baseline="0" dirty="0">
                 <a:solidFill>
                   <a:schemeClr val="bg1">
                     <a:lumMod val="75000"/>
@@ -5883,7 +5824,7 @@
             </a:p>
             <a:p>
               <a:pPr marL="0" indent="0" algn="l" defTabSz="114300"/>
-              <a:endParaRPr lang="en-US" sz="2400" b="0" baseline="0" dirty="0" smtClean="0">
+              <a:endParaRPr lang="en-US" sz="2400" b="0" baseline="0" dirty="0">
                 <a:solidFill>
                   <a:schemeClr val="bg1">
                     <a:lumMod val="75000"/>
@@ -5894,7 +5835,7 @@
             </a:p>
             <a:p>
               <a:pPr marL="0" indent="0" algn="l" defTabSz="114300"/>
-              <a:endParaRPr lang="en-US" sz="2400" b="0" baseline="0" dirty="0" smtClean="0">
+              <a:endParaRPr lang="en-US" sz="2400" b="0" baseline="0" dirty="0">
                 <a:solidFill>
                   <a:schemeClr val="bg1">
                     <a:lumMod val="75000"/>
@@ -5905,7 +5846,7 @@
             </a:p>
             <a:p>
               <a:pPr marL="0" indent="0" algn="l" defTabSz="114300"/>
-              <a:endParaRPr lang="en-US" sz="2400" b="0" baseline="0" dirty="0" smtClean="0">
+              <a:endParaRPr lang="en-US" sz="2400" b="0" baseline="0" dirty="0">
                 <a:solidFill>
                   <a:schemeClr val="bg1">
                     <a:lumMod val="75000"/>
@@ -5916,7 +5857,7 @@
             </a:p>
             <a:p>
               <a:pPr marL="0" indent="0" algn="l" defTabSz="114300"/>
-              <a:endParaRPr lang="en-US" sz="2400" b="0" baseline="0" dirty="0" smtClean="0">
+              <a:endParaRPr lang="en-US" sz="2400" b="0" baseline="0" dirty="0">
                 <a:solidFill>
                   <a:schemeClr val="bg1">
                     <a:lumMod val="75000"/>
@@ -5927,7 +5868,7 @@
             </a:p>
             <a:p>
               <a:pPr marL="0" indent="0" algn="l" defTabSz="114300"/>
-              <a:endParaRPr lang="en-US" sz="2400" b="0" baseline="0" dirty="0" smtClean="0">
+              <a:endParaRPr lang="en-US" sz="2400" b="0" baseline="0" dirty="0">
                 <a:solidFill>
                   <a:schemeClr val="bg1">
                     <a:lumMod val="75000"/>
@@ -5938,7 +5879,7 @@
             </a:p>
             <a:p>
               <a:pPr marL="0" indent="0" algn="l" defTabSz="114300"/>
-              <a:endParaRPr lang="en-US" sz="2400" b="0" baseline="0" dirty="0" smtClean="0">
+              <a:endParaRPr lang="en-US" sz="2400" b="0" baseline="0" dirty="0">
                 <a:solidFill>
                   <a:schemeClr val="bg1">
                     <a:lumMod val="75000"/>
@@ -5950,7 +5891,7 @@
             <a:p>
               <a:pPr marL="0" indent="0" algn="l" defTabSz="114300"/>
               <a:r>
-                <a:rPr lang="en-US" sz="2400" b="0" baseline="0" dirty="0" smtClean="0">
+                <a:rPr lang="en-US" sz="2400" b="0" baseline="0" dirty="0">
                   <a:solidFill>
                     <a:schemeClr val="bg1">
                       <a:lumMod val="75000"/>
@@ -5963,7 +5904,7 @@
             </a:p>
             <a:p>
               <a:pPr marL="0" indent="0" algn="l" defTabSz="114300"/>
-              <a:endParaRPr lang="en-US" sz="2400" b="0" baseline="0" dirty="0" smtClean="0">
+              <a:endParaRPr lang="en-US" sz="2400" b="0" baseline="0" dirty="0">
                 <a:solidFill>
                   <a:schemeClr val="bg1">
                     <a:lumMod val="75000"/>
@@ -5975,7 +5916,7 @@
             <a:p>
               <a:pPr algn="ctr"/>
               <a:r>
-                <a:rPr lang="en-US" sz="3200" b="1" baseline="0" dirty="0" smtClean="0">
+                <a:rPr lang="en-US" sz="3200" b="1" baseline="0" dirty="0">
                   <a:solidFill>
                     <a:srgbClr val="FFC000"/>
                   </a:solidFill>
@@ -5987,7 +5928,7 @@
             <a:p>
               <a:pPr marL="3265488" lvl="2" indent="0" algn="l" defTabSz="114300"/>
               <a:r>
-                <a:rPr lang="en-US" sz="2400" b="0" baseline="0" dirty="0" smtClean="0">
+                <a:rPr lang="en-US" sz="2400" b="0" baseline="0" dirty="0">
                   <a:solidFill>
                     <a:schemeClr val="bg1">
                       <a:lumMod val="75000"/>
@@ -6000,7 +5941,7 @@
             </a:p>
             <a:p>
               <a:pPr marL="1518341" lvl="2" indent="0" algn="l" defTabSz="114300"/>
-              <a:endParaRPr lang="en-US" sz="2400" b="0" baseline="0" dirty="0" smtClean="0">
+              <a:endParaRPr lang="en-US" sz="2400" b="0" baseline="0" dirty="0">
                 <a:solidFill>
                   <a:schemeClr val="bg1">
                     <a:lumMod val="75000"/>
@@ -6028,7 +5969,7 @@
                 <a:defRPr/>
               </a:pPr>
               <a:r>
-                <a:rPr lang="en-US" sz="2400" b="0" baseline="0" dirty="0" smtClean="0">
+                <a:rPr lang="en-US" sz="2400" b="0" baseline="0" dirty="0">
                   <a:solidFill>
                     <a:schemeClr val="bg1">
                       <a:lumMod val="75000"/>
@@ -6039,7 +5980,7 @@
                 <a:t> </a:t>
               </a:r>
               <a:r>
-                <a:rPr kumimoji="0" lang="en-US" sz="3200" b="1" i="0" u="none" strike="noStrike" kern="1200" cap="none" spc="0" normalizeH="0" baseline="0" noProof="0" dirty="0" smtClean="0">
+                <a:rPr kumimoji="0" lang="en-US" sz="3200" b="1" i="0" u="none" strike="noStrike" kern="1200" cap="none" spc="0" normalizeH="0" baseline="0" noProof="0" dirty="0">
                   <a:ln>
                     <a:noFill/>
                   </a:ln>
@@ -6073,7 +6014,7 @@
                 <a:defRPr/>
               </a:pPr>
               <a:r>
-                <a:rPr kumimoji="0" lang="en-US" sz="2400" b="0" i="0" u="none" strike="noStrike" kern="1200" cap="none" spc="0" normalizeH="0" baseline="0" noProof="0" dirty="0" smtClean="0">
+                <a:rPr kumimoji="0" lang="en-US" sz="2400" b="0" i="0" u="none" strike="noStrike" kern="1200" cap="none" spc="0" normalizeH="0" baseline="0" noProof="0" dirty="0">
                   <a:ln>
                     <a:noFill/>
                   </a:ln>
@@ -6089,7 +6030,7 @@
                 </a:rPr>
                 <a:t>Adjust the size of your text based on how much content you have to present. The default template text offers a good starting point. Follow the conference requirements.</a:t>
               </a:r>
-              <a:endParaRPr lang="en-US" sz="2400" b="0" baseline="0" dirty="0" smtClean="0">
+              <a:endParaRPr lang="en-US" sz="2400" b="0" baseline="0" dirty="0">
                 <a:solidFill>
                   <a:schemeClr val="bg1">
                     <a:lumMod val="75000"/>
@@ -6100,7 +6041,7 @@
             </a:p>
             <a:p>
               <a:pPr marL="1518341" lvl="2" indent="0" algn="l" defTabSz="114300"/>
-              <a:endParaRPr lang="en-US" sz="2400" b="0" baseline="0" dirty="0" smtClean="0">
+              <a:endParaRPr lang="en-US" sz="2400" b="0" baseline="0" dirty="0">
                 <a:solidFill>
                   <a:schemeClr val="bg1">
                     <a:lumMod val="75000"/>
@@ -6112,7 +6053,7 @@
             <a:p>
               <a:pPr algn="ctr"/>
               <a:r>
-                <a:rPr lang="en-US" sz="3200" b="1" baseline="0" dirty="0" smtClean="0">
+                <a:rPr lang="en-US" sz="3200" b="1" baseline="0" dirty="0">
                   <a:solidFill>
                     <a:srgbClr val="FFC000"/>
                   </a:solidFill>
@@ -6124,7 +6065,7 @@
             <a:p>
               <a:pPr marL="1730375" lvl="1" indent="0" algn="l" defTabSz="114300"/>
               <a:r>
-                <a:rPr lang="en-US" sz="2400" b="0" baseline="0" dirty="0" smtClean="0">
+                <a:rPr lang="en-US" sz="2400" b="0" baseline="0" dirty="0">
                   <a:solidFill>
                     <a:schemeClr val="bg1">
                       <a:lumMod val="75000"/>
@@ -6135,7 +6076,7 @@
                 <a:t>To add a table from scratch go to the INSERT menu and </a:t>
               </a:r>
               <a:br>
-                <a:rPr lang="en-US" sz="2400" b="0" baseline="0" dirty="0" smtClean="0">
+                <a:rPr lang="en-US" sz="2400" b="0" baseline="0" dirty="0">
                   <a:solidFill>
                     <a:schemeClr val="bg1">
                       <a:lumMod val="75000"/>
@@ -6145,7 +6086,7 @@
                 </a:rPr>
               </a:br>
               <a:r>
-                <a:rPr lang="en-US" sz="2400" b="0" baseline="0" dirty="0" smtClean="0">
+                <a:rPr lang="en-US" sz="2400" b="0" baseline="0" dirty="0">
                   <a:solidFill>
                     <a:schemeClr val="bg1">
                       <a:lumMod val="75000"/>
@@ -6159,7 +6100,7 @@
             <a:p>
               <a:pPr marL="0" lvl="0" indent="0" algn="l" defTabSz="114300"/>
               <a:r>
-                <a:rPr lang="en-US" sz="2400" b="0" baseline="0" dirty="0" smtClean="0">
+                <a:rPr lang="en-US" sz="2400" b="0" baseline="0" dirty="0">
                   <a:solidFill>
                     <a:schemeClr val="bg1">
                       <a:lumMod val="75000"/>
@@ -6172,7 +6113,7 @@
             </a:p>
             <a:p>
               <a:pPr marL="0" lvl="0" indent="0" algn="l" defTabSz="114300"/>
-              <a:endParaRPr lang="en-US" sz="2400" b="0" baseline="0" dirty="0" smtClean="0">
+              <a:endParaRPr lang="en-US" sz="2400" b="0" baseline="0" dirty="0">
                 <a:solidFill>
                   <a:schemeClr val="bg1">
                     <a:lumMod val="75000"/>
@@ -6200,7 +6141,7 @@
                 <a:defRPr/>
               </a:pPr>
               <a:r>
-                <a:rPr kumimoji="0" lang="en-US" sz="3200" b="1" i="0" u="none" strike="noStrike" kern="1200" cap="none" spc="0" normalizeH="0" baseline="0" noProof="0" dirty="0" smtClean="0">
+                <a:rPr kumimoji="0" lang="en-US" sz="3200" b="1" i="0" u="none" strike="noStrike" kern="1200" cap="none" spc="0" normalizeH="0" baseline="0" noProof="0" dirty="0">
                   <a:ln>
                     <a:noFill/>
                   </a:ln>
@@ -6234,7 +6175,7 @@
                 <a:defRPr/>
               </a:pPr>
               <a:r>
-                <a:rPr kumimoji="0" lang="en-US" sz="2400" b="0" i="0" u="none" strike="noStrike" kern="1200" cap="none" spc="0" normalizeH="0" baseline="0" noProof="0" dirty="0" smtClean="0">
+                <a:rPr kumimoji="0" lang="en-US" sz="2400" b="0" i="0" u="none" strike="noStrike" kern="1200" cap="none" spc="0" normalizeH="0" baseline="0" noProof="0" dirty="0">
                   <a:ln>
                     <a:noFill/>
                   </a:ln>
@@ -6269,7 +6210,7 @@
                 <a:tabLst/>
                 <a:defRPr/>
               </a:pPr>
-              <a:endParaRPr kumimoji="0" lang="en-US" sz="2400" b="0" i="0" u="none" strike="noStrike" kern="1200" cap="none" spc="0" normalizeH="0" baseline="0" noProof="0" dirty="0" smtClean="0">
+              <a:endParaRPr kumimoji="0" lang="en-US" sz="2400" b="0" i="0" u="none" strike="noStrike" kern="1200" cap="none" spc="0" normalizeH="0" baseline="0" noProof="0" dirty="0">
                 <a:ln>
                   <a:noFill/>
                 </a:ln>
@@ -6303,7 +6244,7 @@
                 <a:defRPr/>
               </a:pPr>
               <a:r>
-                <a:rPr kumimoji="0" lang="en-US" sz="3200" b="1" i="0" u="none" strike="noStrike" kern="1200" cap="none" spc="0" normalizeH="0" baseline="0" noProof="0" dirty="0" smtClean="0">
+                <a:rPr kumimoji="0" lang="en-US" sz="3200" b="1" i="0" u="none" strike="noStrike" kern="1200" cap="none" spc="0" normalizeH="0" baseline="0" noProof="0" dirty="0">
                   <a:ln>
                     <a:noFill/>
                   </a:ln>
@@ -6337,7 +6278,7 @@
                 <a:defRPr/>
               </a:pPr>
               <a:r>
-                <a:rPr kumimoji="0" lang="en-US" sz="2400" b="0" i="0" u="none" strike="noStrike" kern="1200" cap="none" spc="0" normalizeH="0" baseline="0" noProof="0" dirty="0" smtClean="0">
+                <a:rPr kumimoji="0" lang="en-US" sz="2400" b="0" i="0" u="none" strike="noStrike" kern="1200" cap="none" spc="0" normalizeH="0" baseline="0" noProof="0" dirty="0">
                   <a:ln>
                     <a:noFill/>
                   </a:ln>
@@ -6372,7 +6313,7 @@
                 <a:tabLst/>
                 <a:defRPr/>
               </a:pPr>
-              <a:endParaRPr kumimoji="0" lang="en-US" sz="3200" b="1" i="0" u="none" strike="noStrike" kern="1200" cap="none" spc="0" normalizeH="0" baseline="0" noProof="0" dirty="0" smtClean="0">
+              <a:endParaRPr kumimoji="0" lang="en-US" sz="3200" b="1" i="0" u="none" strike="noStrike" kern="1200" cap="none" spc="0" normalizeH="0" baseline="0" noProof="0" dirty="0">
                 <a:ln>
                   <a:noFill/>
                 </a:ln>
@@ -6404,7 +6345,7 @@
                 <a:defRPr/>
               </a:pPr>
               <a:r>
-                <a:rPr kumimoji="0" lang="en-US" sz="3200" b="1" i="0" u="none" strike="noStrike" kern="1200" cap="none" spc="0" normalizeH="0" baseline="0" noProof="0" dirty="0" smtClean="0">
+                <a:rPr kumimoji="0" lang="en-US" sz="3200" b="1" i="0" u="none" strike="noStrike" kern="1200" cap="none" spc="0" normalizeH="0" baseline="0" noProof="0" dirty="0">
                   <a:ln>
                     <a:noFill/>
                   </a:ln>
@@ -6438,7 +6379,7 @@
                 <a:defRPr/>
               </a:pPr>
               <a:r>
-                <a:rPr kumimoji="0" lang="en-US" sz="2400" b="0" i="0" u="none" strike="noStrike" kern="1200" cap="none" spc="0" normalizeH="0" baseline="0" noProof="0" dirty="0" smtClean="0">
+                <a:rPr kumimoji="0" lang="en-US" sz="2400" b="0" i="0" u="none" strike="noStrike" kern="1200" cap="none" spc="0" normalizeH="0" baseline="0" noProof="0" dirty="0">
                   <a:ln>
                     <a:noFill/>
                   </a:ln>
@@ -6473,7 +6414,7 @@
                 <a:tabLst/>
                 <a:defRPr/>
               </a:pPr>
-              <a:endParaRPr kumimoji="0" lang="en-US" sz="2400" b="0" i="0" u="none" strike="noStrike" kern="1200" cap="none" spc="0" normalizeH="0" baseline="0" noProof="0" dirty="0" smtClean="0">
+              <a:endParaRPr kumimoji="0" lang="en-US" sz="2400" b="0" i="0" u="none" strike="noStrike" kern="1200" cap="none" spc="0" normalizeH="0" baseline="0" noProof="0" dirty="0">
                 <a:ln>
                   <a:noFill/>
                 </a:ln>
@@ -6507,7 +6448,7 @@
                 <a:defRPr/>
               </a:pPr>
               <a:r>
-                <a:rPr kumimoji="0" lang="en-US" sz="3200" b="1" i="0" u="none" strike="noStrike" kern="1200" cap="none" spc="0" normalizeH="0" baseline="0" noProof="0" dirty="0" smtClean="0">
+                <a:rPr kumimoji="0" lang="en-US" sz="3200" b="1" i="0" u="none" strike="noStrike" kern="1200" cap="none" spc="0" normalizeH="0" baseline="0" noProof="0" dirty="0">
                   <a:ln>
                     <a:noFill/>
                   </a:ln>
@@ -6541,7 +6482,7 @@
                 <a:defRPr/>
               </a:pPr>
               <a:r>
-                <a:rPr kumimoji="0" lang="en-US" sz="2400" b="0" i="0" u="none" strike="noStrike" kern="1200" cap="none" spc="0" normalizeH="0" baseline="0" noProof="0" dirty="0" smtClean="0">
+                <a:rPr kumimoji="0" lang="en-US" sz="2400" b="0" i="0" u="none" strike="noStrike" kern="1200" cap="none" spc="0" normalizeH="0" baseline="0" noProof="0" dirty="0">
                   <a:ln>
                     <a:noFill/>
                   </a:ln>
@@ -6576,7 +6517,7 @@
                 <a:tabLst/>
                 <a:defRPr/>
               </a:pPr>
-              <a:endParaRPr lang="en-US" sz="2400" b="0" baseline="0" dirty="0" smtClean="0">
+              <a:endParaRPr lang="en-US" sz="2400" b="0" baseline="0" dirty="0">
                 <a:solidFill>
                   <a:schemeClr val="bg1">
                     <a:lumMod val="75000"/>
@@ -6604,7 +6545,7 @@
                 <a:defRPr/>
               </a:pPr>
               <a:r>
-                <a:rPr kumimoji="0" lang="en-US" sz="3200" b="1" i="0" u="none" strike="noStrike" kern="1200" cap="none" spc="0" normalizeH="0" baseline="0" noProof="0" dirty="0" smtClean="0">
+                <a:rPr kumimoji="0" lang="en-US" sz="3200" b="1" i="0" u="none" strike="noStrike" kern="1200" cap="none" spc="0" normalizeH="0" baseline="0" noProof="0" dirty="0">
                   <a:ln>
                     <a:noFill/>
                   </a:ln>
@@ -6638,7 +6579,7 @@
                 <a:defRPr/>
               </a:pPr>
               <a:r>
-                <a:rPr kumimoji="0" lang="en-US" sz="2400" b="0" i="0" u="none" strike="noStrike" kern="1200" cap="none" spc="0" normalizeH="0" baseline="0" noProof="0" dirty="0" smtClean="0">
+                <a:rPr kumimoji="0" lang="en-US" sz="2400" b="0" i="0" u="none" strike="noStrike" kern="1200" cap="none" spc="0" normalizeH="0" baseline="0" noProof="0" dirty="0">
                   <a:ln>
                     <a:noFill/>
                   </a:ln>
@@ -6673,7 +6614,7 @@
                 <a:tabLst/>
                 <a:defRPr/>
               </a:pPr>
-              <a:endParaRPr kumimoji="0" lang="en-US" sz="2800" b="0" i="0" u="none" strike="noStrike" kern="1200" cap="none" spc="0" normalizeH="0" baseline="0" noProof="0" dirty="0" smtClean="0">
+              <a:endParaRPr kumimoji="0" lang="en-US" sz="2800" b="0" i="0" u="none" strike="noStrike" kern="1200" cap="none" spc="0" normalizeH="0" baseline="0" noProof="0" dirty="0">
                 <a:ln>
                   <a:noFill/>
                 </a:ln>
@@ -6712,7 +6653,7 @@
             <a:graphicData uri="http://schemas.openxmlformats.org/presentationml/2006/ole">
               <mc:AlternateContent xmlns:mc="http://schemas.openxmlformats.org/markup-compatibility/2006">
                 <mc:Choice xmlns:v="urn:schemas-microsoft-com:vml" Requires="v">
-                  <p:oleObj spid="_x0000_s1062" name="Image" r:id="rId12" imgW="4571280" imgH="1688760" progId="Photoshop.Image.13">
+                  <p:oleObj spid="_x0000_s1066" name="Image" r:id="rId12" imgW="4571280" imgH="1688760" progId="Photoshop.Image.13">
                     <p:embed/>
                   </p:oleObj>
                 </mc:Choice>
@@ -6796,7 +6737,7 @@
             <a:graphicData uri="http://schemas.openxmlformats.org/presentationml/2006/ole">
               <mc:AlternateContent xmlns:mc="http://schemas.openxmlformats.org/markup-compatibility/2006">
                 <mc:Choice xmlns:v="urn:schemas-microsoft-com:vml" Requires="v">
-                  <p:oleObj spid="_x0000_s1063" name="Image" r:id="rId15" imgW="1574280" imgH="1053720" progId="Photoshop.Image.13">
+                  <p:oleObj spid="_x0000_s1067" name="Image" r:id="rId15" imgW="1574280" imgH="1053720" progId="Photoshop.Image.13">
                     <p:embed/>
                   </p:oleObj>
                 </mc:Choice>
@@ -6948,7 +6889,7 @@
               <a:lstStyle/>
               <a:p>
                 <a:r>
-                  <a:rPr lang="en-US" sz="2400" dirty="0" smtClean="0">
+                  <a:rPr lang="en-US" sz="2400" dirty="0">
                     <a:solidFill>
                       <a:schemeClr val="tx2"/>
                     </a:solidFill>
@@ -6957,7 +6898,7 @@
                   <a:t>Student</a:t>
                 </a:r>
                 <a:r>
-                  <a:rPr lang="en-US" sz="2400" baseline="0" dirty="0" smtClean="0">
+                  <a:rPr lang="en-US" sz="2400" baseline="0" dirty="0">
                     <a:solidFill>
                       <a:schemeClr val="tx2"/>
                     </a:solidFill>
@@ -6966,7 +6907,7 @@
                   <a:t> discounts are available on our </a:t>
                 </a:r>
                 <a:r>
-                  <a:rPr lang="en-US" sz="2400" baseline="0" dirty="0" err="1" smtClean="0">
+                  <a:rPr lang="en-US" sz="2400" baseline="0" dirty="0" err="1">
                     <a:solidFill>
                       <a:schemeClr val="tx2"/>
                     </a:solidFill>
@@ -6975,7 +6916,7 @@
                   <a:t>Facebook</a:t>
                 </a:r>
                 <a:r>
-                  <a:rPr lang="en-US" sz="2400" baseline="0" dirty="0" smtClean="0">
+                  <a:rPr lang="en-US" sz="2400" baseline="0" dirty="0">
                     <a:solidFill>
                       <a:schemeClr val="tx2"/>
                     </a:solidFill>
@@ -6984,7 +6925,7 @@
                   <a:t> page.</a:t>
                 </a:r>
                 <a:br>
-                  <a:rPr lang="en-US" sz="2400" baseline="0" dirty="0" smtClean="0">
+                  <a:rPr lang="en-US" sz="2400" baseline="0" dirty="0">
                     <a:solidFill>
                       <a:schemeClr val="tx2"/>
                     </a:solidFill>
@@ -6992,7 +6933,7 @@
                   </a:rPr>
                 </a:br>
                 <a:r>
-                  <a:rPr lang="en-US" sz="2400" baseline="0" dirty="0" smtClean="0">
+                  <a:rPr lang="en-US" sz="2400" baseline="0" dirty="0">
                     <a:solidFill>
                       <a:schemeClr val="tx2"/>
                     </a:solidFill>
@@ -7001,7 +6942,7 @@
                   <a:t>Go to </a:t>
                 </a:r>
                 <a:r>
-                  <a:rPr lang="en-US" sz="2400" u="sng" baseline="0" dirty="0" smtClean="0">
+                  <a:rPr lang="en-US" sz="2400" u="sng" baseline="0" dirty="0">
                     <a:solidFill>
                       <a:schemeClr val="tx2"/>
                     </a:solidFill>
@@ -7010,7 +6951,7 @@
                   <a:t>PosterPresentations.com</a:t>
                 </a:r>
                 <a:r>
-                  <a:rPr lang="en-US" sz="2400" baseline="0" dirty="0" smtClean="0">
+                  <a:rPr lang="en-US" sz="2400" baseline="0" dirty="0">
                     <a:solidFill>
                       <a:schemeClr val="tx2"/>
                     </a:solidFill>
@@ -7056,7 +6997,7 @@
                 </a:lnSpc>
               </a:pPr>
               <a:r>
-                <a:rPr lang="en-US" sz="2800" dirty="0" smtClean="0">
+                <a:rPr lang="en-US" sz="2800" dirty="0">
                   <a:solidFill>
                     <a:schemeClr val="bg1"/>
                   </a:solidFill>
@@ -7064,7 +7005,7 @@
                 <a:t>© 2015</a:t>
               </a:r>
               <a:r>
-                <a:rPr lang="en-US" sz="2800" baseline="0" dirty="0" smtClean="0">
+                <a:rPr lang="en-US" sz="2800" baseline="0" dirty="0">
                   <a:solidFill>
                     <a:schemeClr val="bg1"/>
                   </a:solidFill>
@@ -7072,7 +7013,7 @@
                 <a:t> </a:t>
               </a:r>
               <a:r>
-                <a:rPr lang="en-US" sz="2800" dirty="0" smtClean="0">
+                <a:rPr lang="en-US" sz="2800" dirty="0">
                   <a:solidFill>
                     <a:schemeClr val="bg1"/>
                   </a:solidFill>
@@ -7080,14 +7021,14 @@
                 <a:t>PosterPresentations.com</a:t>
               </a:r>
               <a:br>
-                <a:rPr lang="en-US" sz="2800" dirty="0" smtClean="0">
+                <a:rPr lang="en-US" sz="2800" dirty="0">
                   <a:solidFill>
                     <a:schemeClr val="bg1"/>
                   </a:solidFill>
                 </a:rPr>
               </a:br>
               <a:r>
-                <a:rPr lang="en-US" sz="2400" dirty="0" smtClean="0">
+                <a:rPr lang="en-US" sz="2400" dirty="0">
                   <a:solidFill>
                     <a:schemeClr val="bg1"/>
                   </a:solidFill>
@@ -7095,7 +7036,7 @@
                 <a:t>2117 Fourth Street ,</a:t>
               </a:r>
               <a:r>
-                <a:rPr lang="en-US" sz="2400" baseline="0" dirty="0" smtClean="0">
+                <a:rPr lang="en-US" sz="2400" baseline="0" dirty="0">
                   <a:solidFill>
                     <a:schemeClr val="bg1"/>
                   </a:solidFill>
@@ -7110,7 +7051,7 @@
                 </a:lnSpc>
               </a:pPr>
               <a:r>
-                <a:rPr lang="en-US" sz="2400" baseline="0" dirty="0" smtClean="0">
+                <a:rPr lang="en-US" sz="2400" baseline="0" dirty="0">
                   <a:solidFill>
                     <a:schemeClr val="bg1"/>
                   </a:solidFill>
@@ -7118,30 +7059,22 @@
                 <a:t>Berkeley CA </a:t>
               </a:r>
               <a:r>
-                <a:rPr lang="en-US" sz="2000" baseline="0" dirty="0" smtClean="0">
+                <a:rPr lang="en-US" sz="2000" baseline="0" dirty="0">
                   <a:solidFill>
                     <a:schemeClr val="bg1"/>
                   </a:solidFill>
                 </a:rPr>
                 <a:t>94710</a:t>
               </a:r>
-              <a:r>
-                <a:rPr lang="en-US" sz="2400" baseline="0" dirty="0" smtClean="0">
+              <a:br>
+                <a:rPr lang="en-US" sz="2400" baseline="0" dirty="0">
                   <a:solidFill>
                     <a:schemeClr val="bg1"/>
                   </a:solidFill>
                 </a:rPr>
-                <a:t/>
-              </a:r>
-              <a:br>
-                <a:rPr lang="en-US" sz="2400" baseline="0" dirty="0" smtClean="0">
-                  <a:solidFill>
-                    <a:schemeClr val="bg1"/>
-                  </a:solidFill>
-                </a:rPr>
               </a:br>
               <a:r>
-                <a:rPr lang="en-US" sz="2400" b="1" baseline="0" dirty="0" smtClean="0">
+                <a:rPr lang="en-US" sz="2400" b="1" baseline="0" dirty="0">
                   <a:solidFill>
                     <a:srgbClr val="FFFF00"/>
                   </a:solidFill>
@@ -7163,13 +7096,6 @@
   <p:sldLayoutIdLst>
     <p:sldLayoutId id="2147483658" r:id="rId1"/>
   </p:sldLayoutIdLst>
-  <p:timing>
-    <p:tnLst>
-      <p:par>
-        <p:cTn id="1" dur="indefinite" restart="never" nodeType="tmRoot"/>
-      </p:par>
-    </p:tnLst>
-  </p:timing>
   <p:txStyles>
     <p:titleStyle>
       <a:lvl1pPr algn="ctr" defTabSz="5014913" rtl="0" eaLnBrk="0" fontAlgn="base" hangingPunct="0">
@@ -7998,7 +7924,7 @@
                 <a:defRPr/>
               </a:pPr>
               <a:r>
-                <a:rPr lang="en-US" sz="3200" b="1" spc="0" dirty="0" smtClean="0">
+                <a:rPr lang="en-US" sz="3200" b="1" spc="0" dirty="0">
                   <a:solidFill>
                     <a:srgbClr val="FF0000"/>
                   </a:solidFill>
@@ -8006,7 +7932,7 @@
                 </a:rPr>
                 <a:t>(—THIS SIDEBAR DOES NOT PRINT—)</a:t>
               </a:r>
-              <a:endParaRPr lang="en-US" sz="3200" b="1" spc="600" dirty="0" smtClean="0">
+              <a:endParaRPr lang="en-US" sz="3200" b="1" spc="600" dirty="0">
                 <a:solidFill>
                   <a:schemeClr val="bg1"/>
                 </a:solidFill>
@@ -8016,7 +7942,7 @@
             <a:p>
               <a:pPr algn="ctr"/>
               <a:r>
-                <a:rPr lang="en-US" sz="4000" b="1" spc="600" dirty="0" smtClean="0">
+                <a:rPr lang="en-US" sz="4000" b="1" spc="600" dirty="0">
                   <a:solidFill>
                     <a:schemeClr val="bg1"/>
                   </a:solidFill>
@@ -8025,7 +7951,7 @@
                 <a:t>DESIGN</a:t>
               </a:r>
               <a:r>
-                <a:rPr lang="en-US" sz="4000" b="1" spc="600" baseline="0" dirty="0" smtClean="0">
+                <a:rPr lang="en-US" sz="4000" b="1" spc="600" baseline="0" dirty="0">
                   <a:solidFill>
                     <a:schemeClr val="bg1"/>
                   </a:solidFill>
@@ -8034,7 +7960,7 @@
                 <a:t> </a:t>
               </a:r>
               <a:r>
-                <a:rPr lang="en-US" sz="4000" b="1" spc="600" dirty="0" smtClean="0">
+                <a:rPr lang="en-US" sz="4000" b="1" spc="600" dirty="0">
                   <a:solidFill>
                     <a:schemeClr val="bg1"/>
                   </a:solidFill>
@@ -8045,80 +7971,80 @@
             </a:p>
             <a:p>
               <a:pPr algn="ctr"/>
-              <a:endParaRPr lang="en-US" sz="2800" b="1" dirty="0" smtClean="0">
+              <a:endParaRPr lang="en-US" sz="2800" b="1" dirty="0">
                 <a:latin typeface="Trebuchet MS" pitchFamily="34" charset="0"/>
               </a:endParaRPr>
             </a:p>
             <a:p>
               <a:pPr defTabSz="3765639"/>
               <a:r>
-                <a:rPr lang="en-US" sz="2800" i="0" dirty="0" smtClean="0">
+                <a:rPr lang="en-US" sz="2800" i="0" dirty="0">
                   <a:latin typeface="Trebuchet MS" pitchFamily="34" charset="0"/>
                 </a:rPr>
                 <a:t>This PowerPoint</a:t>
               </a:r>
               <a:r>
-                <a:rPr lang="en-US" sz="2800" i="0" baseline="0" dirty="0" smtClean="0">
+                <a:rPr lang="en-US" sz="2800" i="0" baseline="0" dirty="0">
                   <a:latin typeface="Trebuchet MS" pitchFamily="34" charset="0"/>
                 </a:rPr>
                 <a:t> </a:t>
               </a:r>
               <a:r>
-                <a:rPr lang="en-US" sz="2800" i="0" dirty="0" smtClean="0">
+                <a:rPr lang="en-US" sz="2800" i="0" dirty="0">
                   <a:latin typeface="Trebuchet MS" pitchFamily="34" charset="0"/>
                 </a:rPr>
                 <a:t>2007 template produces</a:t>
               </a:r>
               <a:r>
-                <a:rPr lang="en-US" sz="2800" i="0" baseline="0" dirty="0" smtClean="0">
+                <a:rPr lang="en-US" sz="2800" i="0" baseline="0" dirty="0">
                   <a:latin typeface="Trebuchet MS" pitchFamily="34" charset="0"/>
                 </a:rPr>
                 <a:t> </a:t>
               </a:r>
               <a:r>
-                <a:rPr lang="en-US" sz="2800" i="0" dirty="0" smtClean="0">
+                <a:rPr lang="en-US" sz="2800" i="0" dirty="0">
                   <a:latin typeface="Trebuchet MS" pitchFamily="34" charset="0"/>
                 </a:rPr>
                 <a:t>a 36”x56” presentation poster. </a:t>
               </a:r>
               <a:r>
-                <a:rPr lang="en-US" sz="2800" dirty="0" smtClean="0">
+                <a:rPr lang="en-US" sz="2800" dirty="0">
                   <a:latin typeface="Trebuchet MS" pitchFamily="34" charset="0"/>
                 </a:rPr>
                 <a:t>You</a:t>
               </a:r>
               <a:r>
-                <a:rPr lang="en-US" sz="2800" baseline="0" dirty="0" smtClean="0">
+                <a:rPr lang="en-US" sz="2800" baseline="0" dirty="0">
                   <a:latin typeface="Trebuchet MS" pitchFamily="34" charset="0"/>
                 </a:rPr>
                 <a:t> can u</a:t>
               </a:r>
               <a:r>
-                <a:rPr lang="en-US" sz="2800" dirty="0" smtClean="0">
+                <a:rPr lang="en-US" sz="2800" dirty="0">
                   <a:latin typeface="Trebuchet MS" pitchFamily="34" charset="0"/>
                 </a:rPr>
                 <a:t>se</a:t>
               </a:r>
               <a:r>
-                <a:rPr lang="en-US" sz="2800" baseline="0" dirty="0" smtClean="0">
+                <a:rPr lang="en-US" sz="2800" baseline="0" dirty="0">
                   <a:latin typeface="Trebuchet MS" pitchFamily="34" charset="0"/>
                 </a:rPr>
                 <a:t> it to create your research poster and </a:t>
               </a:r>
               <a:r>
-                <a:rPr lang="en-US" sz="2800" dirty="0" smtClean="0">
+                <a:rPr lang="en-US" sz="2800" dirty="0">
                   <a:latin typeface="Trebuchet MS" pitchFamily="34" charset="0"/>
                 </a:rPr>
                 <a:t>save valuable time placing titles, subtitles,</a:t>
               </a:r>
               <a:r>
-                <a:rPr lang="en-US" sz="2800" baseline="0" dirty="0" smtClean="0">
+                <a:rPr lang="en-US" sz="2800" baseline="0" dirty="0">
                   <a:latin typeface="Trebuchet MS" pitchFamily="34" charset="0"/>
                 </a:rPr>
                 <a:t> text, and graphics</a:t>
               </a:r>
               <a:r>
-                <a:rPr lang="en-US" sz="2800" dirty="0" smtClean="0">
+                <a:rPr lang="en-US" sz="2800" dirty="0">
                   <a:latin typeface="Trebuchet MS" pitchFamily="34" charset="0"/>
                 </a:rPr>
                 <a:t>. </a:t>
@@ -8126,20 +8052,20 @@
             </a:p>
             <a:p>
               <a:pPr defTabSz="3765639"/>
-              <a:endParaRPr lang="en-US" sz="2800" dirty="0" smtClean="0">
+              <a:endParaRPr lang="en-US" sz="2800" dirty="0">
                 <a:latin typeface="Trebuchet MS" pitchFamily="34" charset="0"/>
               </a:endParaRPr>
             </a:p>
             <a:p>
               <a:pPr defTabSz="4389219"/>
               <a:r>
-                <a:rPr lang="en-US" sz="2800" dirty="0" smtClean="0">
+                <a:rPr lang="en-US" sz="2800" dirty="0">
                   <a:latin typeface="Trebuchet MS" pitchFamily="34" charset="0"/>
                 </a:rPr>
                 <a:t>We provide a series of online tutorials that will guide you through the poster design process and answer your poster production questions. To view our template tutorials, go online to </a:t>
               </a:r>
               <a:r>
-                <a:rPr lang="en-US" sz="2800" b="1" dirty="0" smtClean="0">
+                <a:rPr lang="en-US" sz="2800" b="1" dirty="0">
                   <a:solidFill>
                     <a:srgbClr val="FFC000"/>
                   </a:solidFill>
@@ -8148,7 +8074,7 @@
                 <a:t>PosterPresentations.com</a:t>
               </a:r>
               <a:r>
-                <a:rPr lang="en-US" sz="2800" b="1" dirty="0" smtClean="0">
+                <a:rPr lang="en-US" sz="2800" b="1" dirty="0">
                   <a:solidFill>
                     <a:schemeClr val="bg1"/>
                   </a:solidFill>
@@ -8157,7 +8083,7 @@
                 <a:t> </a:t>
               </a:r>
               <a:r>
-                <a:rPr lang="en-US" sz="2800" dirty="0" smtClean="0">
+                <a:rPr lang="en-US" sz="2800" dirty="0">
                   <a:solidFill>
                     <a:schemeClr val="bg1"/>
                   </a:solidFill>
@@ -8168,14 +8094,14 @@
             </a:p>
             <a:p>
               <a:pPr defTabSz="4389219"/>
-              <a:endParaRPr lang="en-US" sz="2800" dirty="0" smtClean="0">
+              <a:endParaRPr lang="en-US" sz="2800" dirty="0">
                 <a:latin typeface="Trebuchet MS" pitchFamily="34" charset="0"/>
               </a:endParaRPr>
             </a:p>
             <a:p>
               <a:pPr defTabSz="4389219"/>
               <a:r>
-                <a:rPr lang="en-US" sz="2800" dirty="0" smtClean="0">
+                <a:rPr lang="en-US" sz="2800" dirty="0">
                   <a:solidFill>
                     <a:schemeClr val="bg1"/>
                   </a:solidFill>
@@ -8184,7 +8110,7 @@
                 <a:t>When</a:t>
               </a:r>
               <a:r>
-                <a:rPr lang="en-US" sz="2800" baseline="0" dirty="0" smtClean="0">
+                <a:rPr lang="en-US" sz="2800" baseline="0" dirty="0">
                   <a:solidFill>
                     <a:schemeClr val="bg1"/>
                   </a:solidFill>
@@ -8193,7 +8119,7 @@
                 <a:t> you are ready to print your poster</a:t>
               </a:r>
               <a:r>
-                <a:rPr lang="en-US" sz="2800" dirty="0" smtClean="0">
+                <a:rPr lang="en-US" sz="2800" dirty="0">
                   <a:solidFill>
                     <a:schemeClr val="bg1"/>
                   </a:solidFill>
@@ -8202,7 +8128,7 @@
                 <a:t>,</a:t>
               </a:r>
               <a:r>
-                <a:rPr lang="en-US" sz="2800" baseline="0" dirty="0" smtClean="0">
+                <a:rPr lang="en-US" sz="2800" baseline="0" dirty="0">
                   <a:solidFill>
                     <a:schemeClr val="bg1"/>
                   </a:solidFill>
@@ -8211,7 +8137,7 @@
                 <a:t> go online to </a:t>
               </a:r>
               <a:r>
-                <a:rPr lang="en-US" sz="2800" b="0" dirty="0" smtClean="0">
+                <a:rPr lang="en-US" sz="2800" b="0" dirty="0">
                   <a:solidFill>
                     <a:schemeClr val="bg1"/>
                   </a:solidFill>
@@ -8219,24 +8145,63 @@
                 </a:rPr>
                 <a:t>PosterPresentations.com</a:t>
               </a:r>
-              <a:r>
-                <a:rPr lang="en-US" sz="2800" dirty="0" smtClean="0">
+              <a:br>
+                <a:rPr lang="en-US" sz="2800" dirty="0">
                   <a:solidFill>
                     <a:schemeClr val="bg1"/>
                   </a:solidFill>
                   <a:latin typeface="Trebuchet MS" pitchFamily="34" charset="0"/>
                 </a:rPr>
-                <a:t/>
-              </a:r>
-              <a:br>
-                <a:rPr lang="en-US" sz="2800" dirty="0" smtClean="0">
+              </a:br>
+              <a:endParaRPr lang="en-US" sz="2800" dirty="0">
+                <a:solidFill>
+                  <a:schemeClr val="bg1"/>
+                </a:solidFill>
+                <a:latin typeface="Trebuchet MS" pitchFamily="34" charset="0"/>
+              </a:endParaRPr>
+            </a:p>
+            <a:p>
+              <a:pPr algn="l" defTabSz="3765639"/>
+              <a:r>
+                <a:rPr lang="en-US" sz="2800" b="0" dirty="0">
                   <a:solidFill>
                     <a:schemeClr val="bg1"/>
                   </a:solidFill>
                   <a:latin typeface="Trebuchet MS" pitchFamily="34" charset="0"/>
                 </a:rPr>
-              </a:br>
-              <a:endParaRPr lang="en-US" sz="2800" dirty="0" smtClean="0">
+                <a:t>Need</a:t>
+              </a:r>
+              <a:r>
+                <a:rPr lang="en-US" sz="2800" b="0" baseline="0" dirty="0">
+                  <a:solidFill>
+                    <a:schemeClr val="bg1"/>
+                  </a:solidFill>
+                  <a:latin typeface="Trebuchet MS" pitchFamily="34" charset="0"/>
+                </a:rPr>
+                <a:t> assistance? Call us at </a:t>
+              </a:r>
+              <a:r>
+                <a:rPr lang="en-US" sz="2800" b="0" dirty="0">
+                  <a:solidFill>
+                    <a:srgbClr val="FFC000"/>
+                  </a:solidFill>
+                  <a:latin typeface="Trebuchet MS" pitchFamily="34" charset="0"/>
+                </a:rPr>
+                <a:t>1.510.649.3001</a:t>
+              </a:r>
+            </a:p>
+            <a:p>
+              <a:pPr algn="l" defTabSz="3765639"/>
+              <a:endParaRPr lang="en-US" sz="3600" b="1" dirty="0">
+                <a:solidFill>
+                  <a:srgbClr val="FFFF00"/>
+                </a:solidFill>
+                <a:latin typeface="Trebuchet MS" pitchFamily="34" charset="0"/>
+              </a:endParaRPr>
+            </a:p>
+            <a:p>
+              <a:pPr algn="ctr"/>
+              <a:endParaRPr lang="en-US" sz="2400" b="1" dirty="0">
                 <a:solidFill>
                   <a:schemeClr val="bg1"/>
                 </a:solidFill>
@@ -8244,99 +8209,51 @@
               </a:endParaRPr>
             </a:p>
             <a:p>
-              <a:pPr algn="l" defTabSz="3765639"/>
-              <a:r>
-                <a:rPr lang="en-US" sz="2800" b="0" dirty="0" smtClean="0">
+              <a:pPr algn="ctr"/>
+              <a:r>
+                <a:rPr lang="en-US" sz="4000" b="1" spc="600" dirty="0">
                   <a:solidFill>
                     <a:schemeClr val="bg1"/>
                   </a:solidFill>
                   <a:latin typeface="Trebuchet MS" pitchFamily="34" charset="0"/>
                 </a:rPr>
-                <a:t>Need</a:t>
-              </a:r>
-              <a:r>
-                <a:rPr lang="en-US" sz="2800" b="0" baseline="0" dirty="0" smtClean="0">
+                <a:t>QUICK START</a:t>
+              </a:r>
+            </a:p>
+            <a:p>
+              <a:pPr algn="ctr"/>
+              <a:endParaRPr lang="en-US" sz="3200" b="1" baseline="0" dirty="0">
+                <a:solidFill>
+                  <a:schemeClr val="bg1"/>
+                </a:solidFill>
+                <a:latin typeface="Trebuchet MS" pitchFamily="34" charset="0"/>
+              </a:endParaRPr>
+            </a:p>
+            <a:p>
+              <a:pPr algn="ctr"/>
+              <a:r>
+                <a:rPr lang="en-US" sz="3200" b="1" baseline="0" dirty="0">
+                  <a:solidFill>
+                    <a:srgbClr val="FFC000"/>
+                  </a:solidFill>
+                  <a:latin typeface="Trebuchet MS" pitchFamily="34" charset="0"/>
+                </a:rPr>
+                <a:t>Zoom in and out</a:t>
+              </a:r>
+            </a:p>
+            <a:p>
+              <a:pPr marL="1892300" indent="-1892300" algn="l" defTabSz="850900"/>
+              <a:r>
+                <a:rPr lang="en-US" sz="2400" b="0" baseline="0" dirty="0">
                   <a:solidFill>
                     <a:schemeClr val="bg1"/>
                   </a:solidFill>
                   <a:latin typeface="Trebuchet MS" pitchFamily="34" charset="0"/>
                 </a:rPr>
-                <a:t> assistance? Call us at </a:t>
-              </a:r>
-              <a:r>
-                <a:rPr lang="en-US" sz="2800" b="0" dirty="0" smtClean="0">
-                  <a:solidFill>
-                    <a:srgbClr val="FFC000"/>
-                  </a:solidFill>
-                  <a:latin typeface="Trebuchet MS" pitchFamily="34" charset="0"/>
-                </a:rPr>
-                <a:t>1.510.649.3001</a:t>
-              </a:r>
-            </a:p>
-            <a:p>
-              <a:pPr algn="l" defTabSz="3765639"/>
-              <a:endParaRPr lang="en-US" sz="3600" b="1" dirty="0" smtClean="0">
-                <a:solidFill>
-                  <a:srgbClr val="FFFF00"/>
-                </a:solidFill>
-                <a:latin typeface="Trebuchet MS" pitchFamily="34" charset="0"/>
-              </a:endParaRPr>
-            </a:p>
-            <a:p>
-              <a:pPr algn="ctr"/>
-              <a:endParaRPr lang="en-US" sz="2400" b="1" dirty="0" smtClean="0">
-                <a:solidFill>
-                  <a:schemeClr val="bg1"/>
-                </a:solidFill>
-                <a:latin typeface="Trebuchet MS" pitchFamily="34" charset="0"/>
-              </a:endParaRPr>
-            </a:p>
-            <a:p>
-              <a:pPr algn="ctr"/>
-              <a:r>
-                <a:rPr lang="en-US" sz="4000" b="1" spc="600" dirty="0" smtClean="0">
-                  <a:solidFill>
-                    <a:schemeClr val="bg1"/>
-                  </a:solidFill>
-                  <a:latin typeface="Trebuchet MS" pitchFamily="34" charset="0"/>
-                </a:rPr>
-                <a:t>QUICK START</a:t>
-              </a:r>
-            </a:p>
-            <a:p>
-              <a:pPr algn="ctr"/>
-              <a:endParaRPr lang="en-US" sz="3200" b="1" baseline="0" dirty="0" smtClean="0">
-                <a:solidFill>
-                  <a:schemeClr val="bg1"/>
-                </a:solidFill>
-                <a:latin typeface="Trebuchet MS" pitchFamily="34" charset="0"/>
-              </a:endParaRPr>
-            </a:p>
-            <a:p>
-              <a:pPr algn="ctr"/>
-              <a:r>
-                <a:rPr lang="en-US" sz="3200" b="1" baseline="0" dirty="0" smtClean="0">
-                  <a:solidFill>
-                    <a:srgbClr val="FFC000"/>
-                  </a:solidFill>
-                  <a:latin typeface="Trebuchet MS" pitchFamily="34" charset="0"/>
-                </a:rPr>
-                <a:t>Zoom in and out</a:t>
-              </a:r>
-            </a:p>
-            <a:p>
-              <a:pPr marL="1892300" indent="-1892300" algn="l" defTabSz="850900"/>
-              <a:r>
-                <a:rPr lang="en-US" sz="2400" b="0" baseline="0" dirty="0" smtClean="0">
-                  <a:solidFill>
-                    <a:schemeClr val="bg1"/>
-                  </a:solidFill>
-                  <a:latin typeface="Trebuchet MS" pitchFamily="34" charset="0"/>
-                </a:rPr>
                 <a:t>	</a:t>
               </a:r>
               <a:r>
-                <a:rPr lang="en-US" sz="2400" b="0" baseline="0" dirty="0" smtClean="0">
+                <a:rPr lang="en-US" sz="2400" b="0" baseline="0" dirty="0">
                   <a:solidFill>
                     <a:schemeClr val="bg1">
                       <a:lumMod val="75000"/>
@@ -8350,7 +8267,7 @@
             <a:p>
               <a:pPr marL="1892300" indent="-1892300" algn="l" defTabSz="850900"/>
               <a:r>
-                <a:rPr lang="en-US" sz="2400" b="1" baseline="0" dirty="0" smtClean="0">
+                <a:rPr lang="en-US" sz="2400" b="1" baseline="0" dirty="0">
                   <a:solidFill>
                     <a:schemeClr val="bg1">
                       <a:lumMod val="75000"/>
@@ -8361,7 +8278,7 @@
                 <a:t>	</a:t>
               </a:r>
               <a:r>
-                <a:rPr lang="en-US" sz="2400" b="0" baseline="0" dirty="0" smtClean="0">
+                <a:rPr lang="en-US" sz="2400" b="0" baseline="0" dirty="0">
                   <a:solidFill>
                     <a:schemeClr val="bg1">
                       <a:lumMod val="75000"/>
@@ -8374,7 +8291,7 @@
             </a:p>
             <a:p>
               <a:pPr algn="l"/>
-              <a:endParaRPr lang="en-US" sz="2800" b="0" baseline="0" dirty="0" smtClean="0">
+              <a:endParaRPr lang="en-US" sz="2800" b="0" baseline="0" dirty="0">
                 <a:solidFill>
                   <a:schemeClr val="bg1"/>
                 </a:solidFill>
@@ -8384,7 +8301,7 @@
             <a:p>
               <a:pPr algn="ctr"/>
               <a:r>
-                <a:rPr lang="en-US" sz="3200" b="1" baseline="0" dirty="0" smtClean="0">
+                <a:rPr lang="en-US" sz="3200" b="1" baseline="0" dirty="0">
                   <a:solidFill>
                     <a:srgbClr val="FFC000"/>
                   </a:solidFill>
@@ -8396,7 +8313,7 @@
             <a:p>
               <a:pPr algn="l"/>
               <a:r>
-                <a:rPr lang="en-US" sz="2400" b="0" baseline="0" dirty="0" smtClean="0">
+                <a:rPr lang="en-US" sz="2400" b="0" baseline="0" dirty="0">
                   <a:solidFill>
                     <a:schemeClr val="bg1">
                       <a:lumMod val="75000"/>
@@ -8407,7 +8324,7 @@
                 <a:t>Start designing your poster by adding the title, the names of the authors, and the affiliated institutions. </a:t>
               </a:r>
               <a:r>
-                <a:rPr lang="en-US" sz="2400" b="0" spc="0" baseline="0" dirty="0" smtClean="0">
+                <a:rPr lang="en-US" sz="2400" b="0" spc="0" baseline="0" dirty="0">
                   <a:solidFill>
                     <a:schemeClr val="bg1">
                       <a:lumMod val="75000"/>
@@ -8420,7 +8337,7 @@
             </a:p>
             <a:p>
               <a:pPr algn="l"/>
-              <a:endParaRPr lang="en-US" sz="2400" b="0" spc="0" baseline="0" dirty="0" smtClean="0">
+              <a:endParaRPr lang="en-US" sz="2400" b="0" spc="0" baseline="0" dirty="0">
                 <a:solidFill>
                   <a:schemeClr val="bg1">
                     <a:lumMod val="75000"/>
@@ -8432,7 +8349,7 @@
             <a:p>
               <a:pPr algn="l"/>
               <a:r>
-                <a:rPr lang="en-US" sz="2400" b="1" spc="300" baseline="0" dirty="0" smtClean="0">
+                <a:rPr lang="en-US" sz="2400" b="1" spc="300" baseline="0" dirty="0">
                   <a:solidFill>
                     <a:srgbClr val="FFC000"/>
                   </a:solidFill>
@@ -8441,7 +8358,7 @@
                 <a:t>TIP</a:t>
               </a:r>
               <a:r>
-                <a:rPr lang="en-US" sz="2400" b="1" baseline="0" dirty="0" smtClean="0">
+                <a:rPr lang="en-US" sz="2400" b="1" baseline="0" dirty="0">
                   <a:solidFill>
                     <a:srgbClr val="FFC000"/>
                   </a:solidFill>
@@ -8450,7 +8367,7 @@
                 <a:t>: </a:t>
               </a:r>
               <a:r>
-                <a:rPr lang="en-US" sz="2400" b="0" baseline="0" dirty="0" smtClean="0">
+                <a:rPr lang="en-US" sz="2400" b="0" baseline="0" dirty="0">
                   <a:solidFill>
                     <a:schemeClr val="bg1">
                       <a:lumMod val="75000"/>
@@ -8463,24 +8380,15 @@
             </a:p>
             <a:p>
               <a:pPr algn="l"/>
-              <a:r>
-                <a:rPr lang="en-US" sz="2800" b="1" baseline="0" dirty="0" smtClean="0">
+              <a:br>
+                <a:rPr lang="en-US" sz="2800" b="1" baseline="0" dirty="0">
                   <a:solidFill>
                     <a:schemeClr val="bg1"/>
                   </a:solidFill>
                   <a:latin typeface="Trebuchet MS" pitchFamily="34" charset="0"/>
                 </a:rPr>
-                <a:t/>
-              </a:r>
-              <a:br>
-                <a:rPr lang="en-US" sz="2800" b="1" baseline="0" dirty="0" smtClean="0">
-                  <a:solidFill>
-                    <a:schemeClr val="bg1"/>
-                  </a:solidFill>
-                  <a:latin typeface="Trebuchet MS" pitchFamily="34" charset="0"/>
-                </a:rPr>
               </a:br>
-              <a:endParaRPr lang="en-US" sz="2800" b="1" dirty="0" smtClean="0">
+              <a:endParaRPr lang="en-US" sz="2800" b="1" dirty="0">
                 <a:solidFill>
                   <a:schemeClr val="bg1"/>
                 </a:solidFill>
@@ -8489,7 +8397,7 @@
             </a:p>
             <a:p>
               <a:pPr algn="ctr"/>
-              <a:endParaRPr lang="en-US" sz="2800" b="1" dirty="0" smtClean="0">
+              <a:endParaRPr lang="en-US" sz="2800" b="1" dirty="0">
                 <a:solidFill>
                   <a:srgbClr val="FFC000"/>
                 </a:solidFill>
@@ -8498,7 +8406,7 @@
             </a:p>
             <a:p>
               <a:pPr algn="ctr"/>
-              <a:endParaRPr lang="en-US" sz="2800" b="1" dirty="0" smtClean="0">
+              <a:endParaRPr lang="en-US" sz="2800" b="1" dirty="0">
                 <a:solidFill>
                   <a:srgbClr val="FFC000"/>
                 </a:solidFill>
@@ -8508,7 +8416,7 @@
             <a:p>
               <a:pPr algn="ctr"/>
               <a:r>
-                <a:rPr lang="en-US" sz="3200" b="1" dirty="0" smtClean="0">
+                <a:rPr lang="en-US" sz="3200" b="1" dirty="0">
                   <a:solidFill>
                     <a:srgbClr val="FFC000"/>
                   </a:solidFill>
@@ -8517,7 +8425,7 @@
                 <a:t>Adding Logos</a:t>
               </a:r>
               <a:r>
-                <a:rPr lang="en-US" sz="3200" b="1" baseline="0" dirty="0" smtClean="0">
+                <a:rPr lang="en-US" sz="3200" b="1" baseline="0" dirty="0">
                   <a:solidFill>
                     <a:srgbClr val="FFC000"/>
                   </a:solidFill>
@@ -8529,7 +8437,7 @@
             <a:p>
               <a:pPr algn="l"/>
               <a:r>
-                <a:rPr lang="en-US" sz="2400" b="0" baseline="0" dirty="0" smtClean="0">
+                <a:rPr lang="en-US" sz="2400" b="0" baseline="0" dirty="0">
                   <a:solidFill>
                     <a:schemeClr val="bg1">
                       <a:lumMod val="75000"/>
@@ -8542,7 +8450,7 @@
             </a:p>
             <a:p>
               <a:pPr algn="l"/>
-              <a:endParaRPr lang="en-US" sz="2400" b="0" spc="300" baseline="0" dirty="0" smtClean="0">
+              <a:endParaRPr lang="en-US" sz="2400" b="0" spc="300" baseline="0" dirty="0">
                 <a:solidFill>
                   <a:schemeClr val="bg1">
                     <a:lumMod val="75000"/>
@@ -8554,7 +8462,7 @@
             <a:p>
               <a:pPr algn="l"/>
               <a:r>
-                <a:rPr lang="en-US" sz="2400" b="1" spc="300" baseline="0" dirty="0" smtClean="0">
+                <a:rPr lang="en-US" sz="2400" b="1" spc="300" baseline="0" dirty="0">
                   <a:solidFill>
                     <a:srgbClr val="FFC000"/>
                   </a:solidFill>
@@ -8563,7 +8471,7 @@
                 <a:t>TIP:</a:t>
               </a:r>
               <a:r>
-                <a:rPr lang="en-US" sz="2400" b="1" spc="0" baseline="0" dirty="0" smtClean="0">
+                <a:rPr lang="en-US" sz="2400" b="1" spc="0" baseline="0" dirty="0">
                   <a:solidFill>
                     <a:srgbClr val="FFC000"/>
                   </a:solidFill>
@@ -8572,7 +8480,7 @@
                 <a:t> </a:t>
               </a:r>
               <a:r>
-                <a:rPr lang="en-US" sz="2400" b="0" baseline="0" dirty="0" smtClean="0">
+                <a:rPr lang="en-US" sz="2400" b="0" baseline="0" dirty="0">
                   <a:solidFill>
                     <a:schemeClr val="bg1">
                       <a:lumMod val="75000"/>
@@ -8585,14 +8493,14 @@
             </a:p>
             <a:p>
               <a:pPr algn="l"/>
-              <a:endParaRPr lang="en-US" sz="2400" b="0" baseline="0" dirty="0" smtClean="0">
+              <a:endParaRPr lang="en-US" sz="2400" b="0" baseline="0" dirty="0">
                 <a:latin typeface="Trebuchet MS" pitchFamily="34" charset="0"/>
               </a:endParaRPr>
             </a:p>
             <a:p>
               <a:pPr algn="ctr"/>
               <a:r>
-                <a:rPr lang="en-US" sz="3200" b="1" baseline="0" dirty="0" smtClean="0">
+                <a:rPr lang="en-US" sz="3200" b="1" baseline="0" dirty="0">
                   <a:solidFill>
                     <a:srgbClr val="FFC000"/>
                   </a:solidFill>
@@ -8604,7 +8512,7 @@
             <a:p>
               <a:pPr algn="l" defTabSz="977900"/>
               <a:r>
-                <a:rPr lang="en-US" sz="2400" b="0" baseline="0" dirty="0" smtClean="0">
+                <a:rPr lang="en-US" sz="2400" b="0" baseline="0" dirty="0">
                   <a:solidFill>
                     <a:schemeClr val="bg1">
                       <a:lumMod val="75000"/>
@@ -8615,7 +8523,7 @@
                 <a:t>You can add images by dragging and dropping from your desktop, copy and paste, or by going to INSERT &gt; PICTURES. Resize images proportionally by holding down the SHIFT key and dragging one of the corner handles. For a professional-looking poster, do not distort your images by enlarging them </a:t>
               </a:r>
               <a:r>
-                <a:rPr lang="en-US" sz="2400" b="0" spc="0" baseline="0" dirty="0" smtClean="0">
+                <a:rPr lang="en-US" sz="2400" b="0" spc="0" baseline="0" dirty="0">
                   <a:solidFill>
                     <a:schemeClr val="bg1">
                       <a:lumMod val="75000"/>
@@ -8628,13 +8536,13 @@
             </a:p>
             <a:p>
               <a:pPr algn="l" defTabSz="977900"/>
-              <a:endParaRPr lang="en-US" sz="2400" b="0" baseline="0" dirty="0" smtClean="0">
+              <a:endParaRPr lang="en-US" sz="2400" b="0" baseline="0" dirty="0">
                 <a:latin typeface="Trebuchet MS" pitchFamily="34" charset="0"/>
               </a:endParaRPr>
             </a:p>
             <a:p>
               <a:pPr algn="ctr"/>
-              <a:endParaRPr lang="en-US" sz="2800" b="1" baseline="0" dirty="0" smtClean="0">
+              <a:endParaRPr lang="en-US" sz="2800" b="1" baseline="0" dirty="0">
                 <a:solidFill>
                   <a:srgbClr val="FFC000"/>
                 </a:solidFill>
@@ -8643,7 +8551,7 @@
             </a:p>
             <a:p>
               <a:pPr algn="ctr"/>
-              <a:endParaRPr lang="en-US" sz="2800" b="1" baseline="0" dirty="0" smtClean="0">
+              <a:endParaRPr lang="en-US" sz="2800" b="1" baseline="0" dirty="0">
                 <a:solidFill>
                   <a:srgbClr val="FFC000"/>
                 </a:solidFill>
@@ -8652,7 +8560,7 @@
             </a:p>
             <a:p>
               <a:pPr algn="ctr"/>
-              <a:endParaRPr lang="en-US" sz="2800" b="1" baseline="0" dirty="0" smtClean="0">
+              <a:endParaRPr lang="en-US" sz="2800" b="1" baseline="0" dirty="0">
                 <a:solidFill>
                   <a:srgbClr val="FFC000"/>
                 </a:solidFill>
@@ -8661,7 +8569,7 @@
             </a:p>
             <a:p>
               <a:pPr algn="ctr"/>
-              <a:endParaRPr lang="en-US" sz="2800" b="1" baseline="0" dirty="0" smtClean="0">
+              <a:endParaRPr lang="en-US" sz="2800" b="1" baseline="0" dirty="0">
                 <a:solidFill>
                   <a:srgbClr val="FFC000"/>
                 </a:solidFill>
@@ -8670,7 +8578,7 @@
             </a:p>
             <a:p>
               <a:pPr algn="ctr"/>
-              <a:endParaRPr lang="en-US" sz="2800" b="1" baseline="0" dirty="0" smtClean="0">
+              <a:endParaRPr lang="en-US" sz="2800" b="1" baseline="0" dirty="0">
                 <a:solidFill>
                   <a:srgbClr val="FFC000"/>
                 </a:solidFill>
@@ -8679,7 +8587,7 @@
             </a:p>
             <a:p>
               <a:pPr algn="ctr"/>
-              <a:endParaRPr lang="en-US" sz="2800" b="1" baseline="0" dirty="0" smtClean="0">
+              <a:endParaRPr lang="en-US" sz="2800" b="1" baseline="0" dirty="0">
                 <a:solidFill>
                   <a:srgbClr val="FFC000"/>
                 </a:solidFill>
@@ -8689,7 +8597,7 @@
             <a:p>
               <a:pPr algn="ctr"/>
               <a:r>
-                <a:rPr lang="en-US" sz="3200" b="1" baseline="0" dirty="0" smtClean="0">
+                <a:rPr lang="en-US" sz="3200" b="1" baseline="0" dirty="0">
                   <a:solidFill>
                     <a:srgbClr val="FFC000"/>
                   </a:solidFill>
@@ -8701,7 +8609,7 @@
             <a:p>
               <a:pPr lvl="0" algn="l" defTabSz="977900"/>
               <a:r>
-                <a:rPr lang="en-US" sz="2400" b="0" baseline="0" dirty="0" smtClean="0">
+                <a:rPr lang="en-US" sz="2400" b="0" baseline="0" dirty="0">
                   <a:solidFill>
                     <a:schemeClr val="bg1">
                       <a:lumMod val="75000"/>
@@ -8711,7 +8619,7 @@
                 </a:rPr>
                 <a:t>Zoom in and look at your images at 100% magnification. If they look good they will print well. </a:t>
               </a:r>
-              <a:endParaRPr lang="en-US" sz="2800" b="0" dirty="0" smtClean="0">
+              <a:endParaRPr lang="en-US" sz="2800" b="0" dirty="0">
                 <a:latin typeface="Trebuchet MS" pitchFamily="34" charset="0"/>
               </a:endParaRPr>
             </a:p>
@@ -8881,18 +8789,13 @@
                 <a:p>
                   <a:pPr algn="ctr"/>
                   <a:r>
-                    <a:rPr lang="en-US" sz="1600" b="1" dirty="0" smtClean="0">
+                    <a:rPr lang="en-US" sz="1600" b="1" dirty="0">
                       <a:solidFill>
                         <a:schemeClr val="tx1"/>
                       </a:solidFill>
                     </a:rPr>
                     <a:t>ORIGINAL</a:t>
                   </a:r>
-                  <a:endParaRPr lang="en-US" sz="1600" b="1" dirty="0">
-                    <a:solidFill>
-                      <a:schemeClr val="tx1"/>
-                    </a:solidFill>
-                  </a:endParaRPr>
                 </a:p>
               </p:txBody>
             </p:sp>
@@ -8961,7 +8864,7 @@
                 <a:p>
                   <a:pPr algn="ctr"/>
                   <a:r>
-                    <a:rPr lang="en-US" sz="1400" b="1" dirty="0" smtClean="0">
+                    <a:rPr lang="en-US" sz="1400" b="1" dirty="0">
                       <a:solidFill>
                         <a:schemeClr val="bg1"/>
                       </a:solidFill>
@@ -9025,7 +8928,7 @@
               <a:p>
                 <a:pPr algn="ctr"/>
                 <a:r>
-                  <a:rPr lang="en-US" sz="1600" dirty="0" smtClean="0">
+                  <a:rPr lang="en-US" sz="1600" dirty="0">
                     <a:solidFill>
                       <a:schemeClr val="bg1"/>
                     </a:solidFill>
@@ -9033,7 +8936,7 @@
                   <a:t>Corner</a:t>
                 </a:r>
                 <a:r>
-                  <a:rPr lang="en-US" sz="1600" baseline="0" dirty="0" smtClean="0">
+                  <a:rPr lang="en-US" sz="1600" baseline="0" dirty="0">
                     <a:solidFill>
                       <a:schemeClr val="bg1"/>
                     </a:solidFill>
@@ -9085,7 +8988,7 @@
               <a:graphicData uri="http://schemas.openxmlformats.org/presentationml/2006/ole">
                 <mc:AlternateContent xmlns:mc="http://schemas.openxmlformats.org/markup-compatibility/2006">
                   <mc:Choice xmlns:v="urn:schemas-microsoft-com:vml" Requires="v">
-                    <p:oleObj spid="_x0000_s2084" name="Image" r:id="rId8" imgW="1828440" imgH="1117440" progId="Photoshop.Image.13">
+                    <p:oleObj spid="_x0000_s2088" name="Image" r:id="rId8" imgW="1828440" imgH="1117440" progId="Photoshop.Image.13">
                       <p:embed/>
                     </p:oleObj>
                   </mc:Choice>
@@ -9142,7 +9045,7 @@
               <a:graphicData uri="http://schemas.openxmlformats.org/presentationml/2006/ole">
                 <mc:AlternateContent xmlns:mc="http://schemas.openxmlformats.org/markup-compatibility/2006">
                   <mc:Choice xmlns:v="urn:schemas-microsoft-com:vml" Requires="v">
-                    <p:oleObj spid="_x0000_s2085" name="Image" r:id="rId10" imgW="1828440" imgH="1117440" progId="Photoshop.Image.13">
+                    <p:oleObj spid="_x0000_s2089" name="Image" r:id="rId10" imgW="1828440" imgH="1117440" progId="Photoshop.Image.13">
                       <p:embed/>
                     </p:oleObj>
                   </mc:Choice>
@@ -9201,7 +9104,7 @@
               <a:p>
                 <a:pPr algn="ctr"/>
                 <a:r>
-                  <a:rPr lang="en-US" sz="1600" dirty="0" smtClean="0">
+                  <a:rPr lang="en-US" sz="1600" dirty="0">
                     <a:solidFill>
                       <a:srgbClr val="92D050"/>
                     </a:solidFill>
@@ -9209,7 +9112,7 @@
                   <a:t>Good</a:t>
                 </a:r>
                 <a:r>
-                  <a:rPr lang="en-US" sz="1600" baseline="0" dirty="0" smtClean="0">
+                  <a:rPr lang="en-US" sz="1600" baseline="0" dirty="0">
                     <a:solidFill>
                       <a:srgbClr val="92D050"/>
                     </a:solidFill>
@@ -9217,7 +9120,7 @@
                   <a:t> </a:t>
                 </a:r>
                 <a:r>
-                  <a:rPr lang="en-US" sz="1600" baseline="0" dirty="0" smtClean="0">
+                  <a:rPr lang="en-US" sz="1600" baseline="0" dirty="0">
                     <a:solidFill>
                       <a:schemeClr val="bg1"/>
                     </a:solidFill>
@@ -9256,7 +9159,7 @@
               <a:p>
                 <a:pPr algn="ctr"/>
                 <a:r>
-                  <a:rPr lang="en-US" sz="1600" dirty="0" smtClean="0">
+                  <a:rPr lang="en-US" sz="1600" dirty="0">
                     <a:solidFill>
                       <a:srgbClr val="FF0000"/>
                     </a:solidFill>
@@ -9264,18 +9167,13 @@
                   <a:t>Bad </a:t>
                 </a:r>
                 <a:r>
-                  <a:rPr lang="en-US" sz="1600" dirty="0" smtClean="0">
+                  <a:rPr lang="en-US" sz="1600" dirty="0">
                     <a:solidFill>
                       <a:schemeClr val="bg1"/>
                     </a:solidFill>
                   </a:rPr>
                   <a:t>printing quality</a:t>
                 </a:r>
-                <a:endParaRPr lang="en-US" sz="1600" dirty="0">
-                  <a:solidFill>
-                    <a:schemeClr val="bg1"/>
-                  </a:solidFill>
-                </a:endParaRPr>
               </a:p>
             </p:txBody>
           </p:sp>
@@ -9341,7 +9239,7 @@
             <a:p>
               <a:pPr algn="ctr"/>
               <a:r>
-                <a:rPr lang="en-US" sz="4000" b="1" spc="600" dirty="0" smtClean="0">
+                <a:rPr lang="en-US" sz="4000" b="1" spc="600" dirty="0">
                   <a:solidFill>
                     <a:schemeClr val="bg1"/>
                   </a:solidFill>
@@ -9352,7 +9250,7 @@
             </a:p>
             <a:p>
               <a:pPr algn="ctr"/>
-              <a:endParaRPr lang="en-US" sz="3600" b="1" baseline="0" dirty="0" smtClean="0">
+              <a:endParaRPr lang="en-US" sz="3600" b="1" baseline="0" dirty="0">
                 <a:solidFill>
                   <a:schemeClr val="bg1"/>
                 </a:solidFill>
@@ -9362,7 +9260,7 @@
             <a:p>
               <a:pPr algn="ctr"/>
               <a:r>
-                <a:rPr lang="en-US" sz="3200" b="1" baseline="0" dirty="0" smtClean="0">
+                <a:rPr lang="en-US" sz="3200" b="1" baseline="0" dirty="0">
                   <a:solidFill>
                     <a:srgbClr val="FFC000"/>
                   </a:solidFill>
@@ -9390,7 +9288,7 @@
                 <a:defRPr/>
               </a:pPr>
               <a:r>
-                <a:rPr lang="en-US" sz="2400" b="0" baseline="0" dirty="0" smtClean="0">
+                <a:rPr lang="en-US" sz="2400" b="0" baseline="0" dirty="0">
                   <a:solidFill>
                     <a:schemeClr val="bg1">
                       <a:lumMod val="75000"/>
@@ -9401,7 +9299,7 @@
                 <a:t>You can easily change the color theme of your poster by going to the DESIGN menu, click on COLORS, and choose the color theme of your choice. You can </a:t>
               </a:r>
               <a:r>
-                <a:rPr lang="en-US" sz="2400" b="0" spc="0" baseline="0" dirty="0" smtClean="0">
+                <a:rPr lang="en-US" sz="2400" b="0" spc="0" baseline="0" dirty="0">
                   <a:solidFill>
                     <a:schemeClr val="bg1">
                       <a:lumMod val="75000"/>
@@ -9430,7 +9328,7 @@
                 <a:tabLst/>
                 <a:defRPr/>
               </a:pPr>
-              <a:endParaRPr lang="en-US" sz="2400" b="0" baseline="0" dirty="0" smtClean="0">
+              <a:endParaRPr lang="en-US" sz="2400" b="0" baseline="0" dirty="0">
                 <a:solidFill>
                   <a:schemeClr val="bg1">
                     <a:lumMod val="75000"/>
@@ -9441,7 +9339,7 @@
             </a:p>
             <a:p>
               <a:pPr marL="0" indent="0" algn="l" defTabSz="114300"/>
-              <a:endParaRPr lang="en-US" sz="2400" b="0" baseline="0" dirty="0" smtClean="0">
+              <a:endParaRPr lang="en-US" sz="2400" b="0" baseline="0" dirty="0">
                 <a:solidFill>
                   <a:schemeClr val="bg1">
                     <a:lumMod val="75000"/>
@@ -9452,7 +9350,7 @@
             </a:p>
             <a:p>
               <a:pPr marL="0" indent="0" algn="l" defTabSz="114300"/>
-              <a:endParaRPr lang="en-US" sz="2400" b="0" baseline="0" dirty="0" smtClean="0">
+              <a:endParaRPr lang="en-US" sz="2400" b="0" baseline="0" dirty="0">
                 <a:solidFill>
                   <a:schemeClr val="bg1">
                     <a:lumMod val="75000"/>
@@ -9463,7 +9361,7 @@
             </a:p>
             <a:p>
               <a:pPr marL="0" indent="0" algn="l" defTabSz="114300"/>
-              <a:endParaRPr lang="en-US" sz="2400" b="0" baseline="0" dirty="0" smtClean="0">
+              <a:endParaRPr lang="en-US" sz="2400" b="0" baseline="0" dirty="0">
                 <a:solidFill>
                   <a:schemeClr val="bg1">
                     <a:lumMod val="75000"/>
@@ -9474,7 +9372,7 @@
             </a:p>
             <a:p>
               <a:pPr marL="0" indent="0" algn="l" defTabSz="114300"/>
-              <a:endParaRPr lang="en-US" sz="2400" b="0" baseline="0" dirty="0" smtClean="0">
+              <a:endParaRPr lang="en-US" sz="2400" b="0" baseline="0" dirty="0">
                 <a:solidFill>
                   <a:schemeClr val="bg1">
                     <a:lumMod val="75000"/>
@@ -9485,7 +9383,7 @@
             </a:p>
             <a:p>
               <a:pPr marL="0" indent="0" algn="l" defTabSz="114300"/>
-              <a:endParaRPr lang="en-US" sz="2400" b="0" baseline="0" dirty="0" smtClean="0">
+              <a:endParaRPr lang="en-US" sz="2400" b="0" baseline="0" dirty="0">
                 <a:solidFill>
                   <a:schemeClr val="bg1">
                     <a:lumMod val="75000"/>
@@ -9496,7 +9394,7 @@
             </a:p>
             <a:p>
               <a:pPr marL="0" indent="0" algn="l" defTabSz="114300"/>
-              <a:endParaRPr lang="en-US" sz="2400" b="0" baseline="0" dirty="0" smtClean="0">
+              <a:endParaRPr lang="en-US" sz="2400" b="0" baseline="0" dirty="0">
                 <a:solidFill>
                   <a:schemeClr val="bg1">
                     <a:lumMod val="75000"/>
@@ -9508,7 +9406,7 @@
             <a:p>
               <a:pPr marL="0" indent="0" algn="l" defTabSz="114300"/>
               <a:r>
-                <a:rPr lang="en-US" sz="2400" b="0" baseline="0" dirty="0" smtClean="0">
+                <a:rPr lang="en-US" sz="2400" b="0" baseline="0" dirty="0">
                   <a:solidFill>
                     <a:schemeClr val="bg1">
                       <a:lumMod val="75000"/>
@@ -9521,7 +9419,7 @@
             </a:p>
             <a:p>
               <a:pPr marL="0" indent="0" algn="l" defTabSz="114300"/>
-              <a:endParaRPr lang="en-US" sz="2400" b="0" baseline="0" dirty="0" smtClean="0">
+              <a:endParaRPr lang="en-US" sz="2400" b="0" baseline="0" dirty="0">
                 <a:solidFill>
                   <a:schemeClr val="bg1">
                     <a:lumMod val="75000"/>
@@ -9533,7 +9431,7 @@
             <a:p>
               <a:pPr algn="ctr"/>
               <a:r>
-                <a:rPr lang="en-US" sz="3200" b="1" baseline="0" dirty="0" smtClean="0">
+                <a:rPr lang="en-US" sz="3200" b="1" baseline="0" dirty="0">
                   <a:solidFill>
                     <a:srgbClr val="FFC000"/>
                   </a:solidFill>
@@ -9545,7 +9443,7 @@
             <a:p>
               <a:pPr marL="3265488" lvl="2" indent="0" algn="l" defTabSz="114300"/>
               <a:r>
-                <a:rPr lang="en-US" sz="2400" b="0" baseline="0" dirty="0" smtClean="0">
+                <a:rPr lang="en-US" sz="2400" b="0" baseline="0" dirty="0">
                   <a:solidFill>
                     <a:schemeClr val="bg1">
                       <a:lumMod val="75000"/>
@@ -9558,7 +9456,7 @@
             </a:p>
             <a:p>
               <a:pPr marL="1518341" lvl="2" indent="0" algn="l" defTabSz="114300"/>
-              <a:endParaRPr lang="en-US" sz="2400" b="0" baseline="0" dirty="0" smtClean="0">
+              <a:endParaRPr lang="en-US" sz="2400" b="0" baseline="0" dirty="0">
                 <a:solidFill>
                   <a:schemeClr val="bg1">
                     <a:lumMod val="75000"/>
@@ -9586,7 +9484,7 @@
                 <a:defRPr/>
               </a:pPr>
               <a:r>
-                <a:rPr lang="en-US" sz="2400" b="0" baseline="0" dirty="0" smtClean="0">
+                <a:rPr lang="en-US" sz="2400" b="0" baseline="0" dirty="0">
                   <a:solidFill>
                     <a:schemeClr val="bg1">
                       <a:lumMod val="75000"/>
@@ -9597,7 +9495,7 @@
                 <a:t> </a:t>
               </a:r>
               <a:r>
-                <a:rPr kumimoji="0" lang="en-US" sz="3200" b="1" i="0" u="none" strike="noStrike" kern="1200" cap="none" spc="0" normalizeH="0" baseline="0" noProof="0" dirty="0" smtClean="0">
+                <a:rPr kumimoji="0" lang="en-US" sz="3200" b="1" i="0" u="none" strike="noStrike" kern="1200" cap="none" spc="0" normalizeH="0" baseline="0" noProof="0" dirty="0">
                   <a:ln>
                     <a:noFill/>
                   </a:ln>
@@ -9631,7 +9529,7 @@
                 <a:defRPr/>
               </a:pPr>
               <a:r>
-                <a:rPr kumimoji="0" lang="en-US" sz="2400" b="0" i="0" u="none" strike="noStrike" kern="1200" cap="none" spc="0" normalizeH="0" baseline="0" noProof="0" dirty="0" smtClean="0">
+                <a:rPr kumimoji="0" lang="en-US" sz="2400" b="0" i="0" u="none" strike="noStrike" kern="1200" cap="none" spc="0" normalizeH="0" baseline="0" noProof="0" dirty="0">
                   <a:ln>
                     <a:noFill/>
                   </a:ln>
@@ -9647,7 +9545,7 @@
                 </a:rPr>
                 <a:t>Adjust the size of your text based on how much content you have to present. The default template text offers a good starting point. Follow the conference requirements.</a:t>
               </a:r>
-              <a:endParaRPr lang="en-US" sz="2400" b="0" baseline="0" dirty="0" smtClean="0">
+              <a:endParaRPr lang="en-US" sz="2400" b="0" baseline="0" dirty="0">
                 <a:solidFill>
                   <a:schemeClr val="bg1">
                     <a:lumMod val="75000"/>
@@ -9658,7 +9556,7 @@
             </a:p>
             <a:p>
               <a:pPr marL="1518341" lvl="2" indent="0" algn="l" defTabSz="114300"/>
-              <a:endParaRPr lang="en-US" sz="2400" b="0" baseline="0" dirty="0" smtClean="0">
+              <a:endParaRPr lang="en-US" sz="2400" b="0" baseline="0" dirty="0">
                 <a:solidFill>
                   <a:schemeClr val="bg1">
                     <a:lumMod val="75000"/>
@@ -9670,7 +9568,7 @@
             <a:p>
               <a:pPr algn="ctr"/>
               <a:r>
-                <a:rPr lang="en-US" sz="3200" b="1" baseline="0" dirty="0" smtClean="0">
+                <a:rPr lang="en-US" sz="3200" b="1" baseline="0" dirty="0">
                   <a:solidFill>
                     <a:srgbClr val="FFC000"/>
                   </a:solidFill>
@@ -9682,7 +9580,7 @@
             <a:p>
               <a:pPr marL="1730375" lvl="1" indent="0" algn="l" defTabSz="114300"/>
               <a:r>
-                <a:rPr lang="en-US" sz="2400" b="0" baseline="0" dirty="0" smtClean="0">
+                <a:rPr lang="en-US" sz="2400" b="0" baseline="0" dirty="0">
                   <a:solidFill>
                     <a:schemeClr val="bg1">
                       <a:lumMod val="75000"/>
@@ -9693,7 +9591,7 @@
                 <a:t>To add a table from scratch go to the INSERT menu and </a:t>
               </a:r>
               <a:br>
-                <a:rPr lang="en-US" sz="2400" b="0" baseline="0" dirty="0" smtClean="0">
+                <a:rPr lang="en-US" sz="2400" b="0" baseline="0" dirty="0">
                   <a:solidFill>
                     <a:schemeClr val="bg1">
                       <a:lumMod val="75000"/>
@@ -9703,7 +9601,7 @@
                 </a:rPr>
               </a:br>
               <a:r>
-                <a:rPr lang="en-US" sz="2400" b="0" baseline="0" dirty="0" smtClean="0">
+                <a:rPr lang="en-US" sz="2400" b="0" baseline="0" dirty="0">
                   <a:solidFill>
                     <a:schemeClr val="bg1">
                       <a:lumMod val="75000"/>
@@ -9717,7 +9615,7 @@
             <a:p>
               <a:pPr marL="0" lvl="0" indent="0" algn="l" defTabSz="114300"/>
               <a:r>
-                <a:rPr lang="en-US" sz="2400" b="0" baseline="0" dirty="0" smtClean="0">
+                <a:rPr lang="en-US" sz="2400" b="0" baseline="0" dirty="0">
                   <a:solidFill>
                     <a:schemeClr val="bg1">
                       <a:lumMod val="75000"/>
@@ -9730,7 +9628,7 @@
             </a:p>
             <a:p>
               <a:pPr marL="0" lvl="0" indent="0" algn="l" defTabSz="114300"/>
-              <a:endParaRPr lang="en-US" sz="2400" b="0" baseline="0" dirty="0" smtClean="0">
+              <a:endParaRPr lang="en-US" sz="2400" b="0" baseline="0" dirty="0">
                 <a:solidFill>
                   <a:schemeClr val="bg1">
                     <a:lumMod val="75000"/>
@@ -9758,7 +9656,7 @@
                 <a:defRPr/>
               </a:pPr>
               <a:r>
-                <a:rPr kumimoji="0" lang="en-US" sz="3200" b="1" i="0" u="none" strike="noStrike" kern="1200" cap="none" spc="0" normalizeH="0" baseline="0" noProof="0" dirty="0" smtClean="0">
+                <a:rPr kumimoji="0" lang="en-US" sz="3200" b="1" i="0" u="none" strike="noStrike" kern="1200" cap="none" spc="0" normalizeH="0" baseline="0" noProof="0" dirty="0">
                   <a:ln>
                     <a:noFill/>
                   </a:ln>
@@ -9792,7 +9690,7 @@
                 <a:defRPr/>
               </a:pPr>
               <a:r>
-                <a:rPr kumimoji="0" lang="en-US" sz="2400" b="0" i="0" u="none" strike="noStrike" kern="1200" cap="none" spc="0" normalizeH="0" baseline="0" noProof="0" dirty="0" smtClean="0">
+                <a:rPr kumimoji="0" lang="en-US" sz="2400" b="0" i="0" u="none" strike="noStrike" kern="1200" cap="none" spc="0" normalizeH="0" baseline="0" noProof="0" dirty="0">
                   <a:ln>
                     <a:noFill/>
                   </a:ln>
@@ -9827,7 +9725,7 @@
                 <a:tabLst/>
                 <a:defRPr/>
               </a:pPr>
-              <a:endParaRPr kumimoji="0" lang="en-US" sz="2400" b="0" i="0" u="none" strike="noStrike" kern="1200" cap="none" spc="0" normalizeH="0" baseline="0" noProof="0" dirty="0" smtClean="0">
+              <a:endParaRPr kumimoji="0" lang="en-US" sz="2400" b="0" i="0" u="none" strike="noStrike" kern="1200" cap="none" spc="0" normalizeH="0" baseline="0" noProof="0" dirty="0">
                 <a:ln>
                   <a:noFill/>
                 </a:ln>
@@ -9861,7 +9759,7 @@
                 <a:defRPr/>
               </a:pPr>
               <a:r>
-                <a:rPr kumimoji="0" lang="en-US" sz="3200" b="1" i="0" u="none" strike="noStrike" kern="1200" cap="none" spc="0" normalizeH="0" baseline="0" noProof="0" dirty="0" smtClean="0">
+                <a:rPr kumimoji="0" lang="en-US" sz="3200" b="1" i="0" u="none" strike="noStrike" kern="1200" cap="none" spc="0" normalizeH="0" baseline="0" noProof="0" dirty="0">
                   <a:ln>
                     <a:noFill/>
                   </a:ln>
@@ -9895,7 +9793,7 @@
                 <a:defRPr/>
               </a:pPr>
               <a:r>
-                <a:rPr kumimoji="0" lang="en-US" sz="2400" b="0" i="0" u="none" strike="noStrike" kern="1200" cap="none" spc="0" normalizeH="0" baseline="0" noProof="0" dirty="0" smtClean="0">
+                <a:rPr kumimoji="0" lang="en-US" sz="2400" b="0" i="0" u="none" strike="noStrike" kern="1200" cap="none" spc="0" normalizeH="0" baseline="0" noProof="0" dirty="0">
                   <a:ln>
                     <a:noFill/>
                   </a:ln>
@@ -9930,7 +9828,7 @@
                 <a:tabLst/>
                 <a:defRPr/>
               </a:pPr>
-              <a:endParaRPr kumimoji="0" lang="en-US" sz="3200" b="1" i="0" u="none" strike="noStrike" kern="1200" cap="none" spc="0" normalizeH="0" baseline="0" noProof="0" dirty="0" smtClean="0">
+              <a:endParaRPr kumimoji="0" lang="en-US" sz="3200" b="1" i="0" u="none" strike="noStrike" kern="1200" cap="none" spc="0" normalizeH="0" baseline="0" noProof="0" dirty="0">
                 <a:ln>
                   <a:noFill/>
                 </a:ln>
@@ -9962,7 +9860,7 @@
                 <a:defRPr/>
               </a:pPr>
               <a:r>
-                <a:rPr kumimoji="0" lang="en-US" sz="3200" b="1" i="0" u="none" strike="noStrike" kern="1200" cap="none" spc="0" normalizeH="0" baseline="0" noProof="0" dirty="0" smtClean="0">
+                <a:rPr kumimoji="0" lang="en-US" sz="3200" b="1" i="0" u="none" strike="noStrike" kern="1200" cap="none" spc="0" normalizeH="0" baseline="0" noProof="0" dirty="0">
                   <a:ln>
                     <a:noFill/>
                   </a:ln>
@@ -9996,7 +9894,7 @@
                 <a:defRPr/>
               </a:pPr>
               <a:r>
-                <a:rPr kumimoji="0" lang="en-US" sz="2400" b="0" i="0" u="none" strike="noStrike" kern="1200" cap="none" spc="0" normalizeH="0" baseline="0" noProof="0" dirty="0" smtClean="0">
+                <a:rPr kumimoji="0" lang="en-US" sz="2400" b="0" i="0" u="none" strike="noStrike" kern="1200" cap="none" spc="0" normalizeH="0" baseline="0" noProof="0" dirty="0">
                   <a:ln>
                     <a:noFill/>
                   </a:ln>
@@ -10031,7 +9929,7 @@
                 <a:tabLst/>
                 <a:defRPr/>
               </a:pPr>
-              <a:endParaRPr kumimoji="0" lang="en-US" sz="2400" b="0" i="0" u="none" strike="noStrike" kern="1200" cap="none" spc="0" normalizeH="0" baseline="0" noProof="0" dirty="0" smtClean="0">
+              <a:endParaRPr kumimoji="0" lang="en-US" sz="2400" b="0" i="0" u="none" strike="noStrike" kern="1200" cap="none" spc="0" normalizeH="0" baseline="0" noProof="0" dirty="0">
                 <a:ln>
                   <a:noFill/>
                 </a:ln>
@@ -10065,7 +9963,7 @@
                 <a:defRPr/>
               </a:pPr>
               <a:r>
-                <a:rPr kumimoji="0" lang="en-US" sz="3200" b="1" i="0" u="none" strike="noStrike" kern="1200" cap="none" spc="0" normalizeH="0" baseline="0" noProof="0" dirty="0" smtClean="0">
+                <a:rPr kumimoji="0" lang="en-US" sz="3200" b="1" i="0" u="none" strike="noStrike" kern="1200" cap="none" spc="0" normalizeH="0" baseline="0" noProof="0" dirty="0">
                   <a:ln>
                     <a:noFill/>
                   </a:ln>
@@ -10099,7 +9997,7 @@
                 <a:defRPr/>
               </a:pPr>
               <a:r>
-                <a:rPr kumimoji="0" lang="en-US" sz="2400" b="0" i="0" u="none" strike="noStrike" kern="1200" cap="none" spc="0" normalizeH="0" baseline="0" noProof="0" dirty="0" smtClean="0">
+                <a:rPr kumimoji="0" lang="en-US" sz="2400" b="0" i="0" u="none" strike="noStrike" kern="1200" cap="none" spc="0" normalizeH="0" baseline="0" noProof="0" dirty="0">
                   <a:ln>
                     <a:noFill/>
                   </a:ln>
@@ -10134,7 +10032,7 @@
                 <a:tabLst/>
                 <a:defRPr/>
               </a:pPr>
-              <a:endParaRPr lang="en-US" sz="2400" b="0" baseline="0" dirty="0" smtClean="0">
+              <a:endParaRPr lang="en-US" sz="2400" b="0" baseline="0" dirty="0">
                 <a:solidFill>
                   <a:schemeClr val="bg1">
                     <a:lumMod val="75000"/>
@@ -10162,7 +10060,7 @@
                 <a:defRPr/>
               </a:pPr>
               <a:r>
-                <a:rPr kumimoji="0" lang="en-US" sz="3200" b="1" i="0" u="none" strike="noStrike" kern="1200" cap="none" spc="0" normalizeH="0" baseline="0" noProof="0" dirty="0" smtClean="0">
+                <a:rPr kumimoji="0" lang="en-US" sz="3200" b="1" i="0" u="none" strike="noStrike" kern="1200" cap="none" spc="0" normalizeH="0" baseline="0" noProof="0" dirty="0">
                   <a:ln>
                     <a:noFill/>
                   </a:ln>
@@ -10196,7 +10094,7 @@
                 <a:defRPr/>
               </a:pPr>
               <a:r>
-                <a:rPr kumimoji="0" lang="en-US" sz="2400" b="0" i="0" u="none" strike="noStrike" kern="1200" cap="none" spc="0" normalizeH="0" baseline="0" noProof="0" dirty="0" smtClean="0">
+                <a:rPr kumimoji="0" lang="en-US" sz="2400" b="0" i="0" u="none" strike="noStrike" kern="1200" cap="none" spc="0" normalizeH="0" baseline="0" noProof="0" dirty="0">
                   <a:ln>
                     <a:noFill/>
                   </a:ln>
@@ -10231,7 +10129,7 @@
                 <a:tabLst/>
                 <a:defRPr/>
               </a:pPr>
-              <a:endParaRPr kumimoji="0" lang="en-US" sz="2800" b="0" i="0" u="none" strike="noStrike" kern="1200" cap="none" spc="0" normalizeH="0" baseline="0" noProof="0" dirty="0" smtClean="0">
+              <a:endParaRPr kumimoji="0" lang="en-US" sz="2800" b="0" i="0" u="none" strike="noStrike" kern="1200" cap="none" spc="0" normalizeH="0" baseline="0" noProof="0" dirty="0">
                 <a:ln>
                   <a:noFill/>
                 </a:ln>
@@ -10270,7 +10168,7 @@
             <a:graphicData uri="http://schemas.openxmlformats.org/presentationml/2006/ole">
               <mc:AlternateContent xmlns:mc="http://schemas.openxmlformats.org/markup-compatibility/2006">
                 <mc:Choice xmlns:v="urn:schemas-microsoft-com:vml" Requires="v">
-                  <p:oleObj spid="_x0000_s2086" name="Image" r:id="rId12" imgW="4571280" imgH="1688760" progId="Photoshop.Image.13">
+                  <p:oleObj spid="_x0000_s2090" name="Image" r:id="rId12" imgW="4571280" imgH="1688760" progId="Photoshop.Image.13">
                     <p:embed/>
                   </p:oleObj>
                 </mc:Choice>
@@ -10354,7 +10252,7 @@
             <a:graphicData uri="http://schemas.openxmlformats.org/presentationml/2006/ole">
               <mc:AlternateContent xmlns:mc="http://schemas.openxmlformats.org/markup-compatibility/2006">
                 <mc:Choice xmlns:v="urn:schemas-microsoft-com:vml" Requires="v">
-                  <p:oleObj spid="_x0000_s2087" name="Image" r:id="rId15" imgW="1574280" imgH="1053720" progId="Photoshop.Image.13">
+                  <p:oleObj spid="_x0000_s2091" name="Image" r:id="rId15" imgW="1574280" imgH="1053720" progId="Photoshop.Image.13">
                     <p:embed/>
                   </p:oleObj>
                 </mc:Choice>
@@ -10506,7 +10404,7 @@
               <a:lstStyle/>
               <a:p>
                 <a:r>
-                  <a:rPr lang="en-US" sz="2400" dirty="0" smtClean="0">
+                  <a:rPr lang="en-US" sz="2400" dirty="0">
                     <a:solidFill>
                       <a:schemeClr val="tx2"/>
                     </a:solidFill>
@@ -10515,7 +10413,7 @@
                   <a:t>Student</a:t>
                 </a:r>
                 <a:r>
-                  <a:rPr lang="en-US" sz="2400" baseline="0" dirty="0" smtClean="0">
+                  <a:rPr lang="en-US" sz="2400" baseline="0" dirty="0">
                     <a:solidFill>
                       <a:schemeClr val="tx2"/>
                     </a:solidFill>
@@ -10524,7 +10422,7 @@
                   <a:t> discounts are available on our </a:t>
                 </a:r>
                 <a:r>
-                  <a:rPr lang="en-US" sz="2400" baseline="0" dirty="0" err="1" smtClean="0">
+                  <a:rPr lang="en-US" sz="2400" baseline="0" dirty="0" err="1">
                     <a:solidFill>
                       <a:schemeClr val="tx2"/>
                     </a:solidFill>
@@ -10533,7 +10431,7 @@
                   <a:t>Facebook</a:t>
                 </a:r>
                 <a:r>
-                  <a:rPr lang="en-US" sz="2400" baseline="0" dirty="0" smtClean="0">
+                  <a:rPr lang="en-US" sz="2400" baseline="0" dirty="0">
                     <a:solidFill>
                       <a:schemeClr val="tx2"/>
                     </a:solidFill>
@@ -10542,7 +10440,7 @@
                   <a:t> page.</a:t>
                 </a:r>
                 <a:br>
-                  <a:rPr lang="en-US" sz="2400" baseline="0" dirty="0" smtClean="0">
+                  <a:rPr lang="en-US" sz="2400" baseline="0" dirty="0">
                     <a:solidFill>
                       <a:schemeClr val="tx2"/>
                     </a:solidFill>
@@ -10550,7 +10448,7 @@
                   </a:rPr>
                 </a:br>
                 <a:r>
-                  <a:rPr lang="en-US" sz="2400" baseline="0" dirty="0" smtClean="0">
+                  <a:rPr lang="en-US" sz="2400" baseline="0" dirty="0">
                     <a:solidFill>
                       <a:schemeClr val="tx2"/>
                     </a:solidFill>
@@ -10559,7 +10457,7 @@
                   <a:t>Go to </a:t>
                 </a:r>
                 <a:r>
-                  <a:rPr lang="en-US" sz="2400" u="sng" baseline="0" dirty="0" smtClean="0">
+                  <a:rPr lang="en-US" sz="2400" u="sng" baseline="0" dirty="0">
                     <a:solidFill>
                       <a:schemeClr val="tx2"/>
                     </a:solidFill>
@@ -10568,7 +10466,7 @@
                   <a:t>PosterPresentations.com</a:t>
                 </a:r>
                 <a:r>
-                  <a:rPr lang="en-US" sz="2400" baseline="0" dirty="0" smtClean="0">
+                  <a:rPr lang="en-US" sz="2400" baseline="0" dirty="0">
                     <a:solidFill>
                       <a:schemeClr val="tx2"/>
                     </a:solidFill>
@@ -10615,7 +10513,7 @@
               </a:lnSpc>
             </a:pPr>
             <a:r>
-              <a:rPr lang="en-US" sz="2800" dirty="0" smtClean="0">
+              <a:rPr lang="en-US" sz="2800" dirty="0">
                 <a:solidFill>
                   <a:schemeClr val="bg1"/>
                 </a:solidFill>
@@ -10623,7 +10521,7 @@
               <a:t>© 2015</a:t>
             </a:r>
             <a:r>
-              <a:rPr lang="en-US" sz="2800" baseline="0" dirty="0" smtClean="0">
+              <a:rPr lang="en-US" sz="2800" baseline="0" dirty="0">
                 <a:solidFill>
                   <a:schemeClr val="bg1"/>
                 </a:solidFill>
@@ -10631,7 +10529,7 @@
               <a:t> </a:t>
             </a:r>
             <a:r>
-              <a:rPr lang="en-US" sz="2800" dirty="0" smtClean="0">
+              <a:rPr lang="en-US" sz="2800" dirty="0">
                 <a:solidFill>
                   <a:schemeClr val="bg1"/>
                 </a:solidFill>
@@ -10639,14 +10537,14 @@
               <a:t>PosterPresentations.com</a:t>
             </a:r>
             <a:br>
-              <a:rPr lang="en-US" sz="2800" dirty="0" smtClean="0">
+              <a:rPr lang="en-US" sz="2800" dirty="0">
                 <a:solidFill>
                   <a:schemeClr val="bg1"/>
                 </a:solidFill>
               </a:rPr>
             </a:br>
             <a:r>
-              <a:rPr lang="en-US" sz="2400" dirty="0" smtClean="0">
+              <a:rPr lang="en-US" sz="2400" dirty="0">
                 <a:solidFill>
                   <a:schemeClr val="bg1"/>
                 </a:solidFill>
@@ -10654,7 +10552,7 @@
               <a:t>2117 Fourth Street ,</a:t>
             </a:r>
             <a:r>
-              <a:rPr lang="en-US" sz="2400" baseline="0" dirty="0" smtClean="0">
+              <a:rPr lang="en-US" sz="2400" baseline="0" dirty="0">
                 <a:solidFill>
                   <a:schemeClr val="bg1"/>
                 </a:solidFill>
@@ -10669,7 +10567,7 @@
               </a:lnSpc>
             </a:pPr>
             <a:r>
-              <a:rPr lang="en-US" sz="2400" baseline="0" dirty="0" smtClean="0">
+              <a:rPr lang="en-US" sz="2400" baseline="0" dirty="0">
                 <a:solidFill>
                   <a:schemeClr val="bg1"/>
                 </a:solidFill>
@@ -10677,30 +10575,22 @@
               <a:t>Berkeley CA </a:t>
             </a:r>
             <a:r>
-              <a:rPr lang="en-US" sz="2000" baseline="0" dirty="0" smtClean="0">
+              <a:rPr lang="en-US" sz="2000" baseline="0" dirty="0">
                 <a:solidFill>
                   <a:schemeClr val="bg1"/>
                 </a:solidFill>
               </a:rPr>
               <a:t>94710</a:t>
             </a:r>
-            <a:r>
-              <a:rPr lang="en-US" sz="2400" baseline="0" dirty="0" smtClean="0">
-                <a:solidFill>
-                  <a:schemeClr val="bg1"/>
-                </a:solidFill>
-              </a:rPr>
-              <a:t/>
-            </a:r>
             <a:br>
-              <a:rPr lang="en-US" sz="2400" baseline="0" dirty="0" smtClean="0">
+              <a:rPr lang="en-US" sz="2400" baseline="0" dirty="0">
                 <a:solidFill>
                   <a:schemeClr val="bg1"/>
                 </a:solidFill>
               </a:rPr>
             </a:br>
             <a:r>
-              <a:rPr lang="en-US" sz="2400" b="1" baseline="0" dirty="0" smtClean="0">
+              <a:rPr lang="en-US" sz="2400" b="1" baseline="0" dirty="0">
                 <a:solidFill>
                   <a:srgbClr val="FFFF00"/>
                 </a:solidFill>
@@ -10868,7 +10758,7 @@
               <a:defRPr/>
             </a:pPr>
             <a:r>
-              <a:rPr lang="en-US" sz="600" b="1" dirty="0" smtClean="0">
+              <a:rPr lang="en-US" sz="600" b="1" dirty="0">
                 <a:solidFill>
                   <a:srgbClr val="BFBFBF"/>
                 </a:solidFill>
@@ -10888,7 +10778,7 @@
               <a:defRPr/>
             </a:pPr>
             <a:r>
-              <a:rPr lang="en-US" sz="1200" b="1" dirty="0" smtClean="0">
+              <a:rPr lang="en-US" sz="1200" b="1" dirty="0">
                 <a:solidFill>
                   <a:srgbClr val="BFBFBF"/>
                 </a:solidFill>
@@ -10905,13 +10795,6 @@
   <p:sldLayoutIdLst>
     <p:sldLayoutId id="2147483659" r:id="rId1"/>
   </p:sldLayoutIdLst>
-  <p:timing>
-    <p:tnLst>
-      <p:par>
-        <p:cTn id="1" dur="indefinite" restart="never" nodeType="tmRoot"/>
-      </p:par>
-    </p:tnLst>
-  </p:timing>
   <p:txStyles>
     <p:titleStyle>
       <a:lvl1pPr algn="ctr" defTabSz="5014913" rtl="0" eaLnBrk="0" fontAlgn="base" hangingPunct="0">
@@ -11740,7 +11623,7 @@
                 <a:defRPr/>
               </a:pPr>
               <a:r>
-                <a:rPr lang="en-US" sz="3200" b="1" spc="0" dirty="0" smtClean="0">
+                <a:rPr lang="en-US" sz="3200" b="1" spc="0" dirty="0">
                   <a:solidFill>
                     <a:srgbClr val="FF0000"/>
                   </a:solidFill>
@@ -11748,7 +11631,7 @@
                 </a:rPr>
                 <a:t>(—THIS SIDEBAR DOES NOT PRINT—)</a:t>
               </a:r>
-              <a:endParaRPr lang="en-US" sz="3200" b="1" spc="600" dirty="0" smtClean="0">
+              <a:endParaRPr lang="en-US" sz="3200" b="1" spc="600" dirty="0">
                 <a:solidFill>
                   <a:schemeClr val="bg1"/>
                 </a:solidFill>
@@ -11758,7 +11641,7 @@
             <a:p>
               <a:pPr algn="ctr"/>
               <a:r>
-                <a:rPr lang="en-US" sz="4000" b="1" spc="600" dirty="0" smtClean="0">
+                <a:rPr lang="en-US" sz="4000" b="1" spc="600" dirty="0">
                   <a:solidFill>
                     <a:schemeClr val="bg1"/>
                   </a:solidFill>
@@ -11767,7 +11650,7 @@
                 <a:t>DESIGN</a:t>
               </a:r>
               <a:r>
-                <a:rPr lang="en-US" sz="4000" b="1" spc="600" baseline="0" dirty="0" smtClean="0">
+                <a:rPr lang="en-US" sz="4000" b="1" spc="600" baseline="0" dirty="0">
                   <a:solidFill>
                     <a:schemeClr val="bg1"/>
                   </a:solidFill>
@@ -11776,7 +11659,7 @@
                 <a:t> </a:t>
               </a:r>
               <a:r>
-                <a:rPr lang="en-US" sz="4000" b="1" spc="600" dirty="0" smtClean="0">
+                <a:rPr lang="en-US" sz="4000" b="1" spc="600" dirty="0">
                   <a:solidFill>
                     <a:schemeClr val="bg1"/>
                   </a:solidFill>
@@ -11787,80 +11670,80 @@
             </a:p>
             <a:p>
               <a:pPr algn="ctr"/>
-              <a:endParaRPr lang="en-US" sz="2800" b="1" dirty="0" smtClean="0">
+              <a:endParaRPr lang="en-US" sz="2800" b="1" dirty="0">
                 <a:latin typeface="Trebuchet MS" pitchFamily="34" charset="0"/>
               </a:endParaRPr>
             </a:p>
             <a:p>
               <a:pPr defTabSz="3765639"/>
               <a:r>
-                <a:rPr lang="en-US" sz="2800" i="0" dirty="0" smtClean="0">
+                <a:rPr lang="en-US" sz="2800" i="0" dirty="0">
                   <a:latin typeface="Trebuchet MS" pitchFamily="34" charset="0"/>
                 </a:rPr>
                 <a:t>This PowerPoint</a:t>
               </a:r>
               <a:r>
-                <a:rPr lang="en-US" sz="2800" i="0" baseline="0" dirty="0" smtClean="0">
+                <a:rPr lang="en-US" sz="2800" i="0" baseline="0" dirty="0">
                   <a:latin typeface="Trebuchet MS" pitchFamily="34" charset="0"/>
                 </a:rPr>
                 <a:t> </a:t>
               </a:r>
               <a:r>
-                <a:rPr lang="en-US" sz="2800" i="0" dirty="0" smtClean="0">
+                <a:rPr lang="en-US" sz="2800" i="0" dirty="0">
                   <a:latin typeface="Trebuchet MS" pitchFamily="34" charset="0"/>
                 </a:rPr>
                 <a:t>2007 template produces</a:t>
               </a:r>
               <a:r>
-                <a:rPr lang="en-US" sz="2800" i="0" baseline="0" dirty="0" smtClean="0">
+                <a:rPr lang="en-US" sz="2800" i="0" baseline="0" dirty="0">
                   <a:latin typeface="Trebuchet MS" pitchFamily="34" charset="0"/>
                 </a:rPr>
                 <a:t> </a:t>
               </a:r>
               <a:r>
-                <a:rPr lang="en-US" sz="2800" i="0" dirty="0" smtClean="0">
+                <a:rPr lang="en-US" sz="2800" i="0" dirty="0">
                   <a:latin typeface="Trebuchet MS" pitchFamily="34" charset="0"/>
                 </a:rPr>
                 <a:t>a 36”x56” presentation poster. </a:t>
               </a:r>
               <a:r>
-                <a:rPr lang="en-US" sz="2800" dirty="0" smtClean="0">
+                <a:rPr lang="en-US" sz="2800" dirty="0">
                   <a:latin typeface="Trebuchet MS" pitchFamily="34" charset="0"/>
                 </a:rPr>
                 <a:t>You</a:t>
               </a:r>
               <a:r>
-                <a:rPr lang="en-US" sz="2800" baseline="0" dirty="0" smtClean="0">
+                <a:rPr lang="en-US" sz="2800" baseline="0" dirty="0">
                   <a:latin typeface="Trebuchet MS" pitchFamily="34" charset="0"/>
                 </a:rPr>
                 <a:t> can u</a:t>
               </a:r>
               <a:r>
-                <a:rPr lang="en-US" sz="2800" dirty="0" smtClean="0">
+                <a:rPr lang="en-US" sz="2800" dirty="0">
                   <a:latin typeface="Trebuchet MS" pitchFamily="34" charset="0"/>
                 </a:rPr>
                 <a:t>se</a:t>
               </a:r>
               <a:r>
-                <a:rPr lang="en-US" sz="2800" baseline="0" dirty="0" smtClean="0">
+                <a:rPr lang="en-US" sz="2800" baseline="0" dirty="0">
                   <a:latin typeface="Trebuchet MS" pitchFamily="34" charset="0"/>
                 </a:rPr>
                 <a:t> it to create your research poster and </a:t>
               </a:r>
               <a:r>
-                <a:rPr lang="en-US" sz="2800" dirty="0" smtClean="0">
+                <a:rPr lang="en-US" sz="2800" dirty="0">
                   <a:latin typeface="Trebuchet MS" pitchFamily="34" charset="0"/>
                 </a:rPr>
                 <a:t>save valuable time placing titles, subtitles,</a:t>
               </a:r>
               <a:r>
-                <a:rPr lang="en-US" sz="2800" baseline="0" dirty="0" smtClean="0">
+                <a:rPr lang="en-US" sz="2800" baseline="0" dirty="0">
                   <a:latin typeface="Trebuchet MS" pitchFamily="34" charset="0"/>
                 </a:rPr>
                 <a:t> text, and graphics</a:t>
               </a:r>
               <a:r>
-                <a:rPr lang="en-US" sz="2800" dirty="0" smtClean="0">
+                <a:rPr lang="en-US" sz="2800" dirty="0">
                   <a:latin typeface="Trebuchet MS" pitchFamily="34" charset="0"/>
                 </a:rPr>
                 <a:t>. </a:t>
@@ -11868,20 +11751,20 @@
             </a:p>
             <a:p>
               <a:pPr defTabSz="3765639"/>
-              <a:endParaRPr lang="en-US" sz="2800" dirty="0" smtClean="0">
+              <a:endParaRPr lang="en-US" sz="2800" dirty="0">
                 <a:latin typeface="Trebuchet MS" pitchFamily="34" charset="0"/>
               </a:endParaRPr>
             </a:p>
             <a:p>
               <a:pPr defTabSz="4389219"/>
               <a:r>
-                <a:rPr lang="en-US" sz="2800" dirty="0" smtClean="0">
+                <a:rPr lang="en-US" sz="2800" dirty="0">
                   <a:latin typeface="Trebuchet MS" pitchFamily="34" charset="0"/>
                 </a:rPr>
                 <a:t>We provide a series of online tutorials that will guide you through the poster design process and answer your poster production questions. To view our template tutorials, go online to </a:t>
               </a:r>
               <a:r>
-                <a:rPr lang="en-US" sz="2800" b="1" dirty="0" smtClean="0">
+                <a:rPr lang="en-US" sz="2800" b="1" dirty="0">
                   <a:solidFill>
                     <a:srgbClr val="FFC000"/>
                   </a:solidFill>
@@ -11890,7 +11773,7 @@
                 <a:t>PosterPresentations.com</a:t>
               </a:r>
               <a:r>
-                <a:rPr lang="en-US" sz="2800" b="1" dirty="0" smtClean="0">
+                <a:rPr lang="en-US" sz="2800" b="1" dirty="0">
                   <a:solidFill>
                     <a:schemeClr val="bg1"/>
                   </a:solidFill>
@@ -11899,7 +11782,7 @@
                 <a:t> </a:t>
               </a:r>
               <a:r>
-                <a:rPr lang="en-US" sz="2800" dirty="0" smtClean="0">
+                <a:rPr lang="en-US" sz="2800" dirty="0">
                   <a:solidFill>
                     <a:schemeClr val="bg1"/>
                   </a:solidFill>
@@ -11910,14 +11793,14 @@
             </a:p>
             <a:p>
               <a:pPr defTabSz="4389219"/>
-              <a:endParaRPr lang="en-US" sz="2800" dirty="0" smtClean="0">
+              <a:endParaRPr lang="en-US" sz="2800" dirty="0">
                 <a:latin typeface="Trebuchet MS" pitchFamily="34" charset="0"/>
               </a:endParaRPr>
             </a:p>
             <a:p>
               <a:pPr defTabSz="4389219"/>
               <a:r>
-                <a:rPr lang="en-US" sz="2800" dirty="0" smtClean="0">
+                <a:rPr lang="en-US" sz="2800" dirty="0">
                   <a:solidFill>
                     <a:schemeClr val="bg1"/>
                   </a:solidFill>
@@ -11926,7 +11809,7 @@
                 <a:t>When</a:t>
               </a:r>
               <a:r>
-                <a:rPr lang="en-US" sz="2800" baseline="0" dirty="0" smtClean="0">
+                <a:rPr lang="en-US" sz="2800" baseline="0" dirty="0">
                   <a:solidFill>
                     <a:schemeClr val="bg1"/>
                   </a:solidFill>
@@ -11935,7 +11818,7 @@
                 <a:t> you are ready to print your poster</a:t>
               </a:r>
               <a:r>
-                <a:rPr lang="en-US" sz="2800" dirty="0" smtClean="0">
+                <a:rPr lang="en-US" sz="2800" dirty="0">
                   <a:solidFill>
                     <a:schemeClr val="bg1"/>
                   </a:solidFill>
@@ -11944,7 +11827,7 @@
                 <a:t>,</a:t>
               </a:r>
               <a:r>
-                <a:rPr lang="en-US" sz="2800" baseline="0" dirty="0" smtClean="0">
+                <a:rPr lang="en-US" sz="2800" baseline="0" dirty="0">
                   <a:solidFill>
                     <a:schemeClr val="bg1"/>
                   </a:solidFill>
@@ -11953,7 +11836,7 @@
                 <a:t> go online to </a:t>
               </a:r>
               <a:r>
-                <a:rPr lang="en-US" sz="2800" b="0" dirty="0" smtClean="0">
+                <a:rPr lang="en-US" sz="2800" b="0" dirty="0">
                   <a:solidFill>
                     <a:schemeClr val="bg1"/>
                   </a:solidFill>
@@ -11961,24 +11844,63 @@
                 </a:rPr>
                 <a:t>PosterPresentations.com</a:t>
               </a:r>
-              <a:r>
-                <a:rPr lang="en-US" sz="2800" dirty="0" smtClean="0">
+              <a:br>
+                <a:rPr lang="en-US" sz="2800" dirty="0">
                   <a:solidFill>
                     <a:schemeClr val="bg1"/>
                   </a:solidFill>
                   <a:latin typeface="Trebuchet MS" pitchFamily="34" charset="0"/>
                 </a:rPr>
-                <a:t/>
-              </a:r>
-              <a:br>
-                <a:rPr lang="en-US" sz="2800" dirty="0" smtClean="0">
+              </a:br>
+              <a:endParaRPr lang="en-US" sz="2800" dirty="0">
+                <a:solidFill>
+                  <a:schemeClr val="bg1"/>
+                </a:solidFill>
+                <a:latin typeface="Trebuchet MS" pitchFamily="34" charset="0"/>
+              </a:endParaRPr>
+            </a:p>
+            <a:p>
+              <a:pPr algn="l" defTabSz="3765639"/>
+              <a:r>
+                <a:rPr lang="en-US" sz="2800" b="0" dirty="0">
                   <a:solidFill>
                     <a:schemeClr val="bg1"/>
                   </a:solidFill>
                   <a:latin typeface="Trebuchet MS" pitchFamily="34" charset="0"/>
                 </a:rPr>
-              </a:br>
-              <a:endParaRPr lang="en-US" sz="2800" dirty="0" smtClean="0">
+                <a:t>Need</a:t>
+              </a:r>
+              <a:r>
+                <a:rPr lang="en-US" sz="2800" b="0" baseline="0" dirty="0">
+                  <a:solidFill>
+                    <a:schemeClr val="bg1"/>
+                  </a:solidFill>
+                  <a:latin typeface="Trebuchet MS" pitchFamily="34" charset="0"/>
+                </a:rPr>
+                <a:t> assistance? Call us at </a:t>
+              </a:r>
+              <a:r>
+                <a:rPr lang="en-US" sz="2800" b="0" dirty="0">
+                  <a:solidFill>
+                    <a:srgbClr val="FFC000"/>
+                  </a:solidFill>
+                  <a:latin typeface="Trebuchet MS" pitchFamily="34" charset="0"/>
+                </a:rPr>
+                <a:t>1.510.649.3001</a:t>
+              </a:r>
+            </a:p>
+            <a:p>
+              <a:pPr algn="l" defTabSz="3765639"/>
+              <a:endParaRPr lang="en-US" sz="3600" b="1" dirty="0">
+                <a:solidFill>
+                  <a:srgbClr val="FFFF00"/>
+                </a:solidFill>
+                <a:latin typeface="Trebuchet MS" pitchFamily="34" charset="0"/>
+              </a:endParaRPr>
+            </a:p>
+            <a:p>
+              <a:pPr algn="ctr"/>
+              <a:endParaRPr lang="en-US" sz="2400" b="1" dirty="0">
                 <a:solidFill>
                   <a:schemeClr val="bg1"/>
                 </a:solidFill>
@@ -11986,99 +11908,51 @@
               </a:endParaRPr>
             </a:p>
             <a:p>
-              <a:pPr algn="l" defTabSz="3765639"/>
-              <a:r>
-                <a:rPr lang="en-US" sz="2800" b="0" dirty="0" smtClean="0">
+              <a:pPr algn="ctr"/>
+              <a:r>
+                <a:rPr lang="en-US" sz="4000" b="1" spc="600" dirty="0">
                   <a:solidFill>
                     <a:schemeClr val="bg1"/>
                   </a:solidFill>
                   <a:latin typeface="Trebuchet MS" pitchFamily="34" charset="0"/>
                 </a:rPr>
-                <a:t>Need</a:t>
-              </a:r>
-              <a:r>
-                <a:rPr lang="en-US" sz="2800" b="0" baseline="0" dirty="0" smtClean="0">
+                <a:t>QUICK START</a:t>
+              </a:r>
+            </a:p>
+            <a:p>
+              <a:pPr algn="ctr"/>
+              <a:endParaRPr lang="en-US" sz="3200" b="1" baseline="0" dirty="0">
+                <a:solidFill>
+                  <a:schemeClr val="bg1"/>
+                </a:solidFill>
+                <a:latin typeface="Trebuchet MS" pitchFamily="34" charset="0"/>
+              </a:endParaRPr>
+            </a:p>
+            <a:p>
+              <a:pPr algn="ctr"/>
+              <a:r>
+                <a:rPr lang="en-US" sz="3200" b="1" baseline="0" dirty="0">
+                  <a:solidFill>
+                    <a:srgbClr val="FFC000"/>
+                  </a:solidFill>
+                  <a:latin typeface="Trebuchet MS" pitchFamily="34" charset="0"/>
+                </a:rPr>
+                <a:t>Zoom in and out</a:t>
+              </a:r>
+            </a:p>
+            <a:p>
+              <a:pPr marL="1892300" indent="-1892300" algn="l" defTabSz="850900"/>
+              <a:r>
+                <a:rPr lang="en-US" sz="2400" b="0" baseline="0" dirty="0">
                   <a:solidFill>
                     <a:schemeClr val="bg1"/>
                   </a:solidFill>
                   <a:latin typeface="Trebuchet MS" pitchFamily="34" charset="0"/>
                 </a:rPr>
-                <a:t> assistance? Call us at </a:t>
-              </a:r>
-              <a:r>
-                <a:rPr lang="en-US" sz="2800" b="0" dirty="0" smtClean="0">
-                  <a:solidFill>
-                    <a:srgbClr val="FFC000"/>
-                  </a:solidFill>
-                  <a:latin typeface="Trebuchet MS" pitchFamily="34" charset="0"/>
-                </a:rPr>
-                <a:t>1.510.649.3001</a:t>
-              </a:r>
-            </a:p>
-            <a:p>
-              <a:pPr algn="l" defTabSz="3765639"/>
-              <a:endParaRPr lang="en-US" sz="3600" b="1" dirty="0" smtClean="0">
-                <a:solidFill>
-                  <a:srgbClr val="FFFF00"/>
-                </a:solidFill>
-                <a:latin typeface="Trebuchet MS" pitchFamily="34" charset="0"/>
-              </a:endParaRPr>
-            </a:p>
-            <a:p>
-              <a:pPr algn="ctr"/>
-              <a:endParaRPr lang="en-US" sz="2400" b="1" dirty="0" smtClean="0">
-                <a:solidFill>
-                  <a:schemeClr val="bg1"/>
-                </a:solidFill>
-                <a:latin typeface="Trebuchet MS" pitchFamily="34" charset="0"/>
-              </a:endParaRPr>
-            </a:p>
-            <a:p>
-              <a:pPr algn="ctr"/>
-              <a:r>
-                <a:rPr lang="en-US" sz="4000" b="1" spc="600" dirty="0" smtClean="0">
-                  <a:solidFill>
-                    <a:schemeClr val="bg1"/>
-                  </a:solidFill>
-                  <a:latin typeface="Trebuchet MS" pitchFamily="34" charset="0"/>
-                </a:rPr>
-                <a:t>QUICK START</a:t>
-              </a:r>
-            </a:p>
-            <a:p>
-              <a:pPr algn="ctr"/>
-              <a:endParaRPr lang="en-US" sz="3200" b="1" baseline="0" dirty="0" smtClean="0">
-                <a:solidFill>
-                  <a:schemeClr val="bg1"/>
-                </a:solidFill>
-                <a:latin typeface="Trebuchet MS" pitchFamily="34" charset="0"/>
-              </a:endParaRPr>
-            </a:p>
-            <a:p>
-              <a:pPr algn="ctr"/>
-              <a:r>
-                <a:rPr lang="en-US" sz="3200" b="1" baseline="0" dirty="0" smtClean="0">
-                  <a:solidFill>
-                    <a:srgbClr val="FFC000"/>
-                  </a:solidFill>
-                  <a:latin typeface="Trebuchet MS" pitchFamily="34" charset="0"/>
-                </a:rPr>
-                <a:t>Zoom in and out</a:t>
-              </a:r>
-            </a:p>
-            <a:p>
-              <a:pPr marL="1892300" indent="-1892300" algn="l" defTabSz="850900"/>
-              <a:r>
-                <a:rPr lang="en-US" sz="2400" b="0" baseline="0" dirty="0" smtClean="0">
-                  <a:solidFill>
-                    <a:schemeClr val="bg1"/>
-                  </a:solidFill>
-                  <a:latin typeface="Trebuchet MS" pitchFamily="34" charset="0"/>
-                </a:rPr>
                 <a:t>	</a:t>
               </a:r>
               <a:r>
-                <a:rPr lang="en-US" sz="2400" b="0" baseline="0" dirty="0" smtClean="0">
+                <a:rPr lang="en-US" sz="2400" b="0" baseline="0" dirty="0">
                   <a:solidFill>
                     <a:schemeClr val="bg1">
                       <a:lumMod val="75000"/>
@@ -12092,7 +11966,7 @@
             <a:p>
               <a:pPr marL="1892300" indent="-1892300" algn="l" defTabSz="850900"/>
               <a:r>
-                <a:rPr lang="en-US" sz="2400" b="1" baseline="0" dirty="0" smtClean="0">
+                <a:rPr lang="en-US" sz="2400" b="1" baseline="0" dirty="0">
                   <a:solidFill>
                     <a:schemeClr val="bg1">
                       <a:lumMod val="75000"/>
@@ -12103,7 +11977,7 @@
                 <a:t>	</a:t>
               </a:r>
               <a:r>
-                <a:rPr lang="en-US" sz="2400" b="0" baseline="0" dirty="0" smtClean="0">
+                <a:rPr lang="en-US" sz="2400" b="0" baseline="0" dirty="0">
                   <a:solidFill>
                     <a:schemeClr val="bg1">
                       <a:lumMod val="75000"/>
@@ -12116,7 +11990,7 @@
             </a:p>
             <a:p>
               <a:pPr algn="l"/>
-              <a:endParaRPr lang="en-US" sz="2800" b="0" baseline="0" dirty="0" smtClean="0">
+              <a:endParaRPr lang="en-US" sz="2800" b="0" baseline="0" dirty="0">
                 <a:solidFill>
                   <a:schemeClr val="bg1"/>
                 </a:solidFill>
@@ -12126,7 +12000,7 @@
             <a:p>
               <a:pPr algn="ctr"/>
               <a:r>
-                <a:rPr lang="en-US" sz="3200" b="1" baseline="0" dirty="0" smtClean="0">
+                <a:rPr lang="en-US" sz="3200" b="1" baseline="0" dirty="0">
                   <a:solidFill>
                     <a:srgbClr val="FFC000"/>
                   </a:solidFill>
@@ -12138,7 +12012,7 @@
             <a:p>
               <a:pPr algn="l"/>
               <a:r>
-                <a:rPr lang="en-US" sz="2400" b="0" baseline="0" dirty="0" smtClean="0">
+                <a:rPr lang="en-US" sz="2400" b="0" baseline="0" dirty="0">
                   <a:solidFill>
                     <a:schemeClr val="bg1">
                       <a:lumMod val="75000"/>
@@ -12149,7 +12023,7 @@
                 <a:t>Start designing your poster by adding the title, the names of the authors, and the affiliated institutions. </a:t>
               </a:r>
               <a:r>
-                <a:rPr lang="en-US" sz="2400" b="0" spc="0" baseline="0" dirty="0" smtClean="0">
+                <a:rPr lang="en-US" sz="2400" b="0" spc="0" baseline="0" dirty="0">
                   <a:solidFill>
                     <a:schemeClr val="bg1">
                       <a:lumMod val="75000"/>
@@ -12162,7 +12036,7 @@
             </a:p>
             <a:p>
               <a:pPr algn="l"/>
-              <a:endParaRPr lang="en-US" sz="2400" b="0" spc="0" baseline="0" dirty="0" smtClean="0">
+              <a:endParaRPr lang="en-US" sz="2400" b="0" spc="0" baseline="0" dirty="0">
                 <a:solidFill>
                   <a:schemeClr val="bg1">
                     <a:lumMod val="75000"/>
@@ -12174,7 +12048,7 @@
             <a:p>
               <a:pPr algn="l"/>
               <a:r>
-                <a:rPr lang="en-US" sz="2400" b="1" spc="300" baseline="0" dirty="0" smtClean="0">
+                <a:rPr lang="en-US" sz="2400" b="1" spc="300" baseline="0" dirty="0">
                   <a:solidFill>
                     <a:srgbClr val="FFC000"/>
                   </a:solidFill>
@@ -12183,7 +12057,7 @@
                 <a:t>TIP</a:t>
               </a:r>
               <a:r>
-                <a:rPr lang="en-US" sz="2400" b="1" baseline="0" dirty="0" smtClean="0">
+                <a:rPr lang="en-US" sz="2400" b="1" baseline="0" dirty="0">
                   <a:solidFill>
                     <a:srgbClr val="FFC000"/>
                   </a:solidFill>
@@ -12192,7 +12066,7 @@
                 <a:t>: </a:t>
               </a:r>
               <a:r>
-                <a:rPr lang="en-US" sz="2400" b="0" baseline="0" dirty="0" smtClean="0">
+                <a:rPr lang="en-US" sz="2400" b="0" baseline="0" dirty="0">
                   <a:solidFill>
                     <a:schemeClr val="bg1">
                       <a:lumMod val="75000"/>
@@ -12205,24 +12079,15 @@
             </a:p>
             <a:p>
               <a:pPr algn="l"/>
-              <a:r>
-                <a:rPr lang="en-US" sz="2800" b="1" baseline="0" dirty="0" smtClean="0">
+              <a:br>
+                <a:rPr lang="en-US" sz="2800" b="1" baseline="0" dirty="0">
                   <a:solidFill>
                     <a:schemeClr val="bg1"/>
                   </a:solidFill>
                   <a:latin typeface="Trebuchet MS" pitchFamily="34" charset="0"/>
                 </a:rPr>
-                <a:t/>
-              </a:r>
-              <a:br>
-                <a:rPr lang="en-US" sz="2800" b="1" baseline="0" dirty="0" smtClean="0">
-                  <a:solidFill>
-                    <a:schemeClr val="bg1"/>
-                  </a:solidFill>
-                  <a:latin typeface="Trebuchet MS" pitchFamily="34" charset="0"/>
-                </a:rPr>
               </a:br>
-              <a:endParaRPr lang="en-US" sz="2800" b="1" dirty="0" smtClean="0">
+              <a:endParaRPr lang="en-US" sz="2800" b="1" dirty="0">
                 <a:solidFill>
                   <a:schemeClr val="bg1"/>
                 </a:solidFill>
@@ -12231,7 +12096,7 @@
             </a:p>
             <a:p>
               <a:pPr algn="ctr"/>
-              <a:endParaRPr lang="en-US" sz="2800" b="1" dirty="0" smtClean="0">
+              <a:endParaRPr lang="en-US" sz="2800" b="1" dirty="0">
                 <a:solidFill>
                   <a:srgbClr val="FFC000"/>
                 </a:solidFill>
@@ -12240,7 +12105,7 @@
             </a:p>
             <a:p>
               <a:pPr algn="ctr"/>
-              <a:endParaRPr lang="en-US" sz="2800" b="1" dirty="0" smtClean="0">
+              <a:endParaRPr lang="en-US" sz="2800" b="1" dirty="0">
                 <a:solidFill>
                   <a:srgbClr val="FFC000"/>
                 </a:solidFill>
@@ -12250,7 +12115,7 @@
             <a:p>
               <a:pPr algn="ctr"/>
               <a:r>
-                <a:rPr lang="en-US" sz="3200" b="1" dirty="0" smtClean="0">
+                <a:rPr lang="en-US" sz="3200" b="1" dirty="0">
                   <a:solidFill>
                     <a:srgbClr val="FFC000"/>
                   </a:solidFill>
@@ -12259,7 +12124,7 @@
                 <a:t>Adding Logos</a:t>
               </a:r>
               <a:r>
-                <a:rPr lang="en-US" sz="3200" b="1" baseline="0" dirty="0" smtClean="0">
+                <a:rPr lang="en-US" sz="3200" b="1" baseline="0" dirty="0">
                   <a:solidFill>
                     <a:srgbClr val="FFC000"/>
                   </a:solidFill>
@@ -12271,7 +12136,7 @@
             <a:p>
               <a:pPr algn="l"/>
               <a:r>
-                <a:rPr lang="en-US" sz="2400" b="0" baseline="0" dirty="0" smtClean="0">
+                <a:rPr lang="en-US" sz="2400" b="0" baseline="0" dirty="0">
                   <a:solidFill>
                     <a:schemeClr val="bg1">
                       <a:lumMod val="75000"/>
@@ -12284,7 +12149,7 @@
             </a:p>
             <a:p>
               <a:pPr algn="l"/>
-              <a:endParaRPr lang="en-US" sz="2400" b="0" spc="300" baseline="0" dirty="0" smtClean="0">
+              <a:endParaRPr lang="en-US" sz="2400" b="0" spc="300" baseline="0" dirty="0">
                 <a:solidFill>
                   <a:schemeClr val="bg1">
                     <a:lumMod val="75000"/>
@@ -12296,7 +12161,7 @@
             <a:p>
               <a:pPr algn="l"/>
               <a:r>
-                <a:rPr lang="en-US" sz="2400" b="1" spc="300" baseline="0" dirty="0" smtClean="0">
+                <a:rPr lang="en-US" sz="2400" b="1" spc="300" baseline="0" dirty="0">
                   <a:solidFill>
                     <a:srgbClr val="FFC000"/>
                   </a:solidFill>
@@ -12305,7 +12170,7 @@
                 <a:t>TIP:</a:t>
               </a:r>
               <a:r>
-                <a:rPr lang="en-US" sz="2400" b="1" spc="0" baseline="0" dirty="0" smtClean="0">
+                <a:rPr lang="en-US" sz="2400" b="1" spc="0" baseline="0" dirty="0">
                   <a:solidFill>
                     <a:srgbClr val="FFC000"/>
                   </a:solidFill>
@@ -12314,7 +12179,7 @@
                 <a:t> </a:t>
               </a:r>
               <a:r>
-                <a:rPr lang="en-US" sz="2400" b="0" baseline="0" dirty="0" smtClean="0">
+                <a:rPr lang="en-US" sz="2400" b="0" baseline="0" dirty="0">
                   <a:solidFill>
                     <a:schemeClr val="bg1">
                       <a:lumMod val="75000"/>
@@ -12327,14 +12192,14 @@
             </a:p>
             <a:p>
               <a:pPr algn="l"/>
-              <a:endParaRPr lang="en-US" sz="2400" b="0" baseline="0" dirty="0" smtClean="0">
+              <a:endParaRPr lang="en-US" sz="2400" b="0" baseline="0" dirty="0">
                 <a:latin typeface="Trebuchet MS" pitchFamily="34" charset="0"/>
               </a:endParaRPr>
             </a:p>
             <a:p>
               <a:pPr algn="ctr"/>
               <a:r>
-                <a:rPr lang="en-US" sz="3200" b="1" baseline="0" dirty="0" smtClean="0">
+                <a:rPr lang="en-US" sz="3200" b="1" baseline="0" dirty="0">
                   <a:solidFill>
                     <a:srgbClr val="FFC000"/>
                   </a:solidFill>
@@ -12346,7 +12211,7 @@
             <a:p>
               <a:pPr algn="l" defTabSz="977900"/>
               <a:r>
-                <a:rPr lang="en-US" sz="2400" b="0" baseline="0" dirty="0" smtClean="0">
+                <a:rPr lang="en-US" sz="2400" b="0" baseline="0" dirty="0">
                   <a:solidFill>
                     <a:schemeClr val="bg1">
                       <a:lumMod val="75000"/>
@@ -12357,7 +12222,7 @@
                 <a:t>You can add images by dragging and dropping from your desktop, copy and paste, or by going to INSERT &gt; PICTURES. Resize images proportionally by holding down the SHIFT key and dragging one of the corner handles. For a professional-looking poster, do not distort your images by enlarging them </a:t>
               </a:r>
               <a:r>
-                <a:rPr lang="en-US" sz="2400" b="0" spc="0" baseline="0" dirty="0" smtClean="0">
+                <a:rPr lang="en-US" sz="2400" b="0" spc="0" baseline="0" dirty="0">
                   <a:solidFill>
                     <a:schemeClr val="bg1">
                       <a:lumMod val="75000"/>
@@ -12370,13 +12235,13 @@
             </a:p>
             <a:p>
               <a:pPr algn="l" defTabSz="977900"/>
-              <a:endParaRPr lang="en-US" sz="2400" b="0" baseline="0" dirty="0" smtClean="0">
+              <a:endParaRPr lang="en-US" sz="2400" b="0" baseline="0" dirty="0">
                 <a:latin typeface="Trebuchet MS" pitchFamily="34" charset="0"/>
               </a:endParaRPr>
             </a:p>
             <a:p>
               <a:pPr algn="ctr"/>
-              <a:endParaRPr lang="en-US" sz="2800" b="1" baseline="0" dirty="0" smtClean="0">
+              <a:endParaRPr lang="en-US" sz="2800" b="1" baseline="0" dirty="0">
                 <a:solidFill>
                   <a:srgbClr val="FFC000"/>
                 </a:solidFill>
@@ -12385,7 +12250,7 @@
             </a:p>
             <a:p>
               <a:pPr algn="ctr"/>
-              <a:endParaRPr lang="en-US" sz="2800" b="1" baseline="0" dirty="0" smtClean="0">
+              <a:endParaRPr lang="en-US" sz="2800" b="1" baseline="0" dirty="0">
                 <a:solidFill>
                   <a:srgbClr val="FFC000"/>
                 </a:solidFill>
@@ -12394,7 +12259,7 @@
             </a:p>
             <a:p>
               <a:pPr algn="ctr"/>
-              <a:endParaRPr lang="en-US" sz="2800" b="1" baseline="0" dirty="0" smtClean="0">
+              <a:endParaRPr lang="en-US" sz="2800" b="1" baseline="0" dirty="0">
                 <a:solidFill>
                   <a:srgbClr val="FFC000"/>
                 </a:solidFill>
@@ -12403,7 +12268,7 @@
             </a:p>
             <a:p>
               <a:pPr algn="ctr"/>
-              <a:endParaRPr lang="en-US" sz="2800" b="1" baseline="0" dirty="0" smtClean="0">
+              <a:endParaRPr lang="en-US" sz="2800" b="1" baseline="0" dirty="0">
                 <a:solidFill>
                   <a:srgbClr val="FFC000"/>
                 </a:solidFill>
@@ -12412,7 +12277,7 @@
             </a:p>
             <a:p>
               <a:pPr algn="ctr"/>
-              <a:endParaRPr lang="en-US" sz="2800" b="1" baseline="0" dirty="0" smtClean="0">
+              <a:endParaRPr lang="en-US" sz="2800" b="1" baseline="0" dirty="0">
                 <a:solidFill>
                   <a:srgbClr val="FFC000"/>
                 </a:solidFill>
@@ -12421,7 +12286,7 @@
             </a:p>
             <a:p>
               <a:pPr algn="ctr"/>
-              <a:endParaRPr lang="en-US" sz="2800" b="1" baseline="0" dirty="0" smtClean="0">
+              <a:endParaRPr lang="en-US" sz="2800" b="1" baseline="0" dirty="0">
                 <a:solidFill>
                   <a:srgbClr val="FFC000"/>
                 </a:solidFill>
@@ -12431,7 +12296,7 @@
             <a:p>
               <a:pPr algn="ctr"/>
               <a:r>
-                <a:rPr lang="en-US" sz="3200" b="1" baseline="0" dirty="0" smtClean="0">
+                <a:rPr lang="en-US" sz="3200" b="1" baseline="0" dirty="0">
                   <a:solidFill>
                     <a:srgbClr val="FFC000"/>
                   </a:solidFill>
@@ -12443,7 +12308,7 @@
             <a:p>
               <a:pPr lvl="0" algn="l" defTabSz="977900"/>
               <a:r>
-                <a:rPr lang="en-US" sz="2400" b="0" baseline="0" dirty="0" smtClean="0">
+                <a:rPr lang="en-US" sz="2400" b="0" baseline="0" dirty="0">
                   <a:solidFill>
                     <a:schemeClr val="bg1">
                       <a:lumMod val="75000"/>
@@ -12453,7 +12318,7 @@
                 </a:rPr>
                 <a:t>Zoom in and look at your images at 100% magnification. If they look good they will print well. </a:t>
               </a:r>
-              <a:endParaRPr lang="en-US" sz="2800" b="0" dirty="0" smtClean="0">
+              <a:endParaRPr lang="en-US" sz="2800" b="0" dirty="0">
                 <a:latin typeface="Trebuchet MS" pitchFamily="34" charset="0"/>
               </a:endParaRPr>
             </a:p>
@@ -12623,18 +12488,13 @@
                 <a:p>
                   <a:pPr algn="ctr"/>
                   <a:r>
-                    <a:rPr lang="en-US" sz="1600" b="1" dirty="0" smtClean="0">
+                    <a:rPr lang="en-US" sz="1600" b="1" dirty="0">
                       <a:solidFill>
                         <a:schemeClr val="tx1"/>
                       </a:solidFill>
                     </a:rPr>
                     <a:t>ORIGINAL</a:t>
                   </a:r>
-                  <a:endParaRPr lang="en-US" sz="1600" b="1" dirty="0">
-                    <a:solidFill>
-                      <a:schemeClr val="tx1"/>
-                    </a:solidFill>
-                  </a:endParaRPr>
                 </a:p>
               </p:txBody>
             </p:sp>
@@ -12703,7 +12563,7 @@
                 <a:p>
                   <a:pPr algn="ctr"/>
                   <a:r>
-                    <a:rPr lang="en-US" sz="1400" b="1" dirty="0" smtClean="0">
+                    <a:rPr lang="en-US" sz="1400" b="1" dirty="0">
                       <a:solidFill>
                         <a:schemeClr val="bg1"/>
                       </a:solidFill>
@@ -12767,7 +12627,7 @@
               <a:p>
                 <a:pPr algn="ctr"/>
                 <a:r>
-                  <a:rPr lang="en-US" sz="1600" dirty="0" smtClean="0">
+                  <a:rPr lang="en-US" sz="1600" dirty="0">
                     <a:solidFill>
                       <a:schemeClr val="bg1"/>
                     </a:solidFill>
@@ -12775,7 +12635,7 @@
                   <a:t>Corner</a:t>
                 </a:r>
                 <a:r>
-                  <a:rPr lang="en-US" sz="1600" baseline="0" dirty="0" smtClean="0">
+                  <a:rPr lang="en-US" sz="1600" baseline="0" dirty="0">
                     <a:solidFill>
                       <a:schemeClr val="bg1"/>
                     </a:solidFill>
@@ -12827,7 +12687,7 @@
               <a:graphicData uri="http://schemas.openxmlformats.org/presentationml/2006/ole">
                 <mc:AlternateContent xmlns:mc="http://schemas.openxmlformats.org/markup-compatibility/2006">
                   <mc:Choice xmlns:v="urn:schemas-microsoft-com:vml" Requires="v">
-                    <p:oleObj spid="_x0000_s3108" name="Image" r:id="rId8" imgW="1828440" imgH="1117440" progId="Photoshop.Image.13">
+                    <p:oleObj spid="_x0000_s3112" name="Image" r:id="rId8" imgW="1828440" imgH="1117440" progId="Photoshop.Image.13">
                       <p:embed/>
                     </p:oleObj>
                   </mc:Choice>
@@ -12884,7 +12744,7 @@
               <a:graphicData uri="http://schemas.openxmlformats.org/presentationml/2006/ole">
                 <mc:AlternateContent xmlns:mc="http://schemas.openxmlformats.org/markup-compatibility/2006">
                   <mc:Choice xmlns:v="urn:schemas-microsoft-com:vml" Requires="v">
-                    <p:oleObj spid="_x0000_s3109" name="Image" r:id="rId10" imgW="1828440" imgH="1117440" progId="Photoshop.Image.13">
+                    <p:oleObj spid="_x0000_s3113" name="Image" r:id="rId10" imgW="1828440" imgH="1117440" progId="Photoshop.Image.13">
                       <p:embed/>
                     </p:oleObj>
                   </mc:Choice>
@@ -12943,7 +12803,7 @@
               <a:p>
                 <a:pPr algn="ctr"/>
                 <a:r>
-                  <a:rPr lang="en-US" sz="1600" dirty="0" smtClean="0">
+                  <a:rPr lang="en-US" sz="1600" dirty="0">
                     <a:solidFill>
                       <a:srgbClr val="92D050"/>
                     </a:solidFill>
@@ -12951,7 +12811,7 @@
                   <a:t>Good</a:t>
                 </a:r>
                 <a:r>
-                  <a:rPr lang="en-US" sz="1600" baseline="0" dirty="0" smtClean="0">
+                  <a:rPr lang="en-US" sz="1600" baseline="0" dirty="0">
                     <a:solidFill>
                       <a:srgbClr val="92D050"/>
                     </a:solidFill>
@@ -12959,7 +12819,7 @@
                   <a:t> </a:t>
                 </a:r>
                 <a:r>
-                  <a:rPr lang="en-US" sz="1600" baseline="0" dirty="0" smtClean="0">
+                  <a:rPr lang="en-US" sz="1600" baseline="0" dirty="0">
                     <a:solidFill>
                       <a:schemeClr val="bg1"/>
                     </a:solidFill>
@@ -12998,7 +12858,7 @@
               <a:p>
                 <a:pPr algn="ctr"/>
                 <a:r>
-                  <a:rPr lang="en-US" sz="1600" dirty="0" smtClean="0">
+                  <a:rPr lang="en-US" sz="1600" dirty="0">
                     <a:solidFill>
                       <a:srgbClr val="FF0000"/>
                     </a:solidFill>
@@ -13006,18 +12866,13 @@
                   <a:t>Bad </a:t>
                 </a:r>
                 <a:r>
-                  <a:rPr lang="en-US" sz="1600" dirty="0" smtClean="0">
+                  <a:rPr lang="en-US" sz="1600" dirty="0">
                     <a:solidFill>
                       <a:schemeClr val="bg1"/>
                     </a:solidFill>
                   </a:rPr>
                   <a:t>printing quality</a:t>
                 </a:r>
-                <a:endParaRPr lang="en-US" sz="1600" dirty="0">
-                  <a:solidFill>
-                    <a:schemeClr val="bg1"/>
-                  </a:solidFill>
-                </a:endParaRPr>
               </a:p>
             </p:txBody>
           </p:sp>
@@ -13083,7 +12938,7 @@
             <a:p>
               <a:pPr algn="ctr"/>
               <a:r>
-                <a:rPr lang="en-US" sz="4000" b="1" spc="600" dirty="0" smtClean="0">
+                <a:rPr lang="en-US" sz="4000" b="1" spc="600" dirty="0">
                   <a:solidFill>
                     <a:schemeClr val="bg1"/>
                   </a:solidFill>
@@ -13094,7 +12949,7 @@
             </a:p>
             <a:p>
               <a:pPr algn="ctr"/>
-              <a:endParaRPr lang="en-US" sz="3600" b="1" baseline="0" dirty="0" smtClean="0">
+              <a:endParaRPr lang="en-US" sz="3600" b="1" baseline="0" dirty="0">
                 <a:solidFill>
                   <a:schemeClr val="bg1"/>
                 </a:solidFill>
@@ -13104,7 +12959,7 @@
             <a:p>
               <a:pPr algn="ctr"/>
               <a:r>
-                <a:rPr lang="en-US" sz="3200" b="1" baseline="0" dirty="0" smtClean="0">
+                <a:rPr lang="en-US" sz="3200" b="1" baseline="0" dirty="0">
                   <a:solidFill>
                     <a:srgbClr val="FFC000"/>
                   </a:solidFill>
@@ -13132,7 +12987,7 @@
                 <a:defRPr/>
               </a:pPr>
               <a:r>
-                <a:rPr lang="en-US" sz="2400" b="0" baseline="0" dirty="0" smtClean="0">
+                <a:rPr lang="en-US" sz="2400" b="0" baseline="0" dirty="0">
                   <a:solidFill>
                     <a:schemeClr val="bg1">
                       <a:lumMod val="75000"/>
@@ -13143,7 +12998,7 @@
                 <a:t>You can easily change the color theme of your poster by going to the DESIGN menu, click on COLORS, and choose the color theme of your choice. You can </a:t>
               </a:r>
               <a:r>
-                <a:rPr lang="en-US" sz="2400" b="0" spc="0" baseline="0" dirty="0" smtClean="0">
+                <a:rPr lang="en-US" sz="2400" b="0" spc="0" baseline="0" dirty="0">
                   <a:solidFill>
                     <a:schemeClr val="bg1">
                       <a:lumMod val="75000"/>
@@ -13172,7 +13027,7 @@
                 <a:tabLst/>
                 <a:defRPr/>
               </a:pPr>
-              <a:endParaRPr lang="en-US" sz="2400" b="0" baseline="0" dirty="0" smtClean="0">
+              <a:endParaRPr lang="en-US" sz="2400" b="0" baseline="0" dirty="0">
                 <a:solidFill>
                   <a:schemeClr val="bg1">
                     <a:lumMod val="75000"/>
@@ -13183,7 +13038,7 @@
             </a:p>
             <a:p>
               <a:pPr marL="0" indent="0" algn="l" defTabSz="114300"/>
-              <a:endParaRPr lang="en-US" sz="2400" b="0" baseline="0" dirty="0" smtClean="0">
+              <a:endParaRPr lang="en-US" sz="2400" b="0" baseline="0" dirty="0">
                 <a:solidFill>
                   <a:schemeClr val="bg1">
                     <a:lumMod val="75000"/>
@@ -13194,7 +13049,7 @@
             </a:p>
             <a:p>
               <a:pPr marL="0" indent="0" algn="l" defTabSz="114300"/>
-              <a:endParaRPr lang="en-US" sz="2400" b="0" baseline="0" dirty="0" smtClean="0">
+              <a:endParaRPr lang="en-US" sz="2400" b="0" baseline="0" dirty="0">
                 <a:solidFill>
                   <a:schemeClr val="bg1">
                     <a:lumMod val="75000"/>
@@ -13205,7 +13060,7 @@
             </a:p>
             <a:p>
               <a:pPr marL="0" indent="0" algn="l" defTabSz="114300"/>
-              <a:endParaRPr lang="en-US" sz="2400" b="0" baseline="0" dirty="0" smtClean="0">
+              <a:endParaRPr lang="en-US" sz="2400" b="0" baseline="0" dirty="0">
                 <a:solidFill>
                   <a:schemeClr val="bg1">
                     <a:lumMod val="75000"/>
@@ -13216,7 +13071,7 @@
             </a:p>
             <a:p>
               <a:pPr marL="0" indent="0" algn="l" defTabSz="114300"/>
-              <a:endParaRPr lang="en-US" sz="2400" b="0" baseline="0" dirty="0" smtClean="0">
+              <a:endParaRPr lang="en-US" sz="2400" b="0" baseline="0" dirty="0">
                 <a:solidFill>
                   <a:schemeClr val="bg1">
                     <a:lumMod val="75000"/>
@@ -13227,7 +13082,7 @@
             </a:p>
             <a:p>
               <a:pPr marL="0" indent="0" algn="l" defTabSz="114300"/>
-              <a:endParaRPr lang="en-US" sz="2400" b="0" baseline="0" dirty="0" smtClean="0">
+              <a:endParaRPr lang="en-US" sz="2400" b="0" baseline="0" dirty="0">
                 <a:solidFill>
                   <a:schemeClr val="bg1">
                     <a:lumMod val="75000"/>
@@ -13238,7 +13093,7 @@
             </a:p>
             <a:p>
               <a:pPr marL="0" indent="0" algn="l" defTabSz="114300"/>
-              <a:endParaRPr lang="en-US" sz="2400" b="0" baseline="0" dirty="0" smtClean="0">
+              <a:endParaRPr lang="en-US" sz="2400" b="0" baseline="0" dirty="0">
                 <a:solidFill>
                   <a:schemeClr val="bg1">
                     <a:lumMod val="75000"/>
@@ -13250,7 +13105,7 @@
             <a:p>
               <a:pPr marL="0" indent="0" algn="l" defTabSz="114300"/>
               <a:r>
-                <a:rPr lang="en-US" sz="2400" b="0" baseline="0" dirty="0" smtClean="0">
+                <a:rPr lang="en-US" sz="2400" b="0" baseline="0" dirty="0">
                   <a:solidFill>
                     <a:schemeClr val="bg1">
                       <a:lumMod val="75000"/>
@@ -13263,7 +13118,7 @@
             </a:p>
             <a:p>
               <a:pPr marL="0" indent="0" algn="l" defTabSz="114300"/>
-              <a:endParaRPr lang="en-US" sz="2400" b="0" baseline="0" dirty="0" smtClean="0">
+              <a:endParaRPr lang="en-US" sz="2400" b="0" baseline="0" dirty="0">
                 <a:solidFill>
                   <a:schemeClr val="bg1">
                     <a:lumMod val="75000"/>
@@ -13275,7 +13130,7 @@
             <a:p>
               <a:pPr algn="ctr"/>
               <a:r>
-                <a:rPr lang="en-US" sz="3200" b="1" baseline="0" dirty="0" smtClean="0">
+                <a:rPr lang="en-US" sz="3200" b="1" baseline="0" dirty="0">
                   <a:solidFill>
                     <a:srgbClr val="FFC000"/>
                   </a:solidFill>
@@ -13287,7 +13142,7 @@
             <a:p>
               <a:pPr marL="3265488" lvl="2" indent="0" algn="l" defTabSz="114300"/>
               <a:r>
-                <a:rPr lang="en-US" sz="2400" b="0" baseline="0" dirty="0" smtClean="0">
+                <a:rPr lang="en-US" sz="2400" b="0" baseline="0" dirty="0">
                   <a:solidFill>
                     <a:schemeClr val="bg1">
                       <a:lumMod val="75000"/>
@@ -13300,7 +13155,7 @@
             </a:p>
             <a:p>
               <a:pPr marL="1518341" lvl="2" indent="0" algn="l" defTabSz="114300"/>
-              <a:endParaRPr lang="en-US" sz="2400" b="0" baseline="0" dirty="0" smtClean="0">
+              <a:endParaRPr lang="en-US" sz="2400" b="0" baseline="0" dirty="0">
                 <a:solidFill>
                   <a:schemeClr val="bg1">
                     <a:lumMod val="75000"/>
@@ -13328,7 +13183,7 @@
                 <a:defRPr/>
               </a:pPr>
               <a:r>
-                <a:rPr lang="en-US" sz="2400" b="0" baseline="0" dirty="0" smtClean="0">
+                <a:rPr lang="en-US" sz="2400" b="0" baseline="0" dirty="0">
                   <a:solidFill>
                     <a:schemeClr val="bg1">
                       <a:lumMod val="75000"/>
@@ -13339,7 +13194,7 @@
                 <a:t> </a:t>
               </a:r>
               <a:r>
-                <a:rPr kumimoji="0" lang="en-US" sz="3200" b="1" i="0" u="none" strike="noStrike" kern="1200" cap="none" spc="0" normalizeH="0" baseline="0" noProof="0" dirty="0" smtClean="0">
+                <a:rPr kumimoji="0" lang="en-US" sz="3200" b="1" i="0" u="none" strike="noStrike" kern="1200" cap="none" spc="0" normalizeH="0" baseline="0" noProof="0" dirty="0">
                   <a:ln>
                     <a:noFill/>
                   </a:ln>
@@ -13373,7 +13228,7 @@
                 <a:defRPr/>
               </a:pPr>
               <a:r>
-                <a:rPr kumimoji="0" lang="en-US" sz="2400" b="0" i="0" u="none" strike="noStrike" kern="1200" cap="none" spc="0" normalizeH="0" baseline="0" noProof="0" dirty="0" smtClean="0">
+                <a:rPr kumimoji="0" lang="en-US" sz="2400" b="0" i="0" u="none" strike="noStrike" kern="1200" cap="none" spc="0" normalizeH="0" baseline="0" noProof="0" dirty="0">
                   <a:ln>
                     <a:noFill/>
                   </a:ln>
@@ -13389,7 +13244,7 @@
                 </a:rPr>
                 <a:t>Adjust the size of your text based on how much content you have to present. The default template text offers a good starting point. Follow the conference requirements.</a:t>
               </a:r>
-              <a:endParaRPr lang="en-US" sz="2400" b="0" baseline="0" dirty="0" smtClean="0">
+              <a:endParaRPr lang="en-US" sz="2400" b="0" baseline="0" dirty="0">
                 <a:solidFill>
                   <a:schemeClr val="bg1">
                     <a:lumMod val="75000"/>
@@ -13400,7 +13255,7 @@
             </a:p>
             <a:p>
               <a:pPr marL="1518341" lvl="2" indent="0" algn="l" defTabSz="114300"/>
-              <a:endParaRPr lang="en-US" sz="2400" b="0" baseline="0" dirty="0" smtClean="0">
+              <a:endParaRPr lang="en-US" sz="2400" b="0" baseline="0" dirty="0">
                 <a:solidFill>
                   <a:schemeClr val="bg1">
                     <a:lumMod val="75000"/>
@@ -13412,7 +13267,7 @@
             <a:p>
               <a:pPr algn="ctr"/>
               <a:r>
-                <a:rPr lang="en-US" sz="3200" b="1" baseline="0" dirty="0" smtClean="0">
+                <a:rPr lang="en-US" sz="3200" b="1" baseline="0" dirty="0">
                   <a:solidFill>
                     <a:srgbClr val="FFC000"/>
                   </a:solidFill>
@@ -13424,7 +13279,7 @@
             <a:p>
               <a:pPr marL="1730375" lvl="1" indent="0" algn="l" defTabSz="114300"/>
               <a:r>
-                <a:rPr lang="en-US" sz="2400" b="0" baseline="0" dirty="0" smtClean="0">
+                <a:rPr lang="en-US" sz="2400" b="0" baseline="0" dirty="0">
                   <a:solidFill>
                     <a:schemeClr val="bg1">
                       <a:lumMod val="75000"/>
@@ -13435,7 +13290,7 @@
                 <a:t>To add a table from scratch go to the INSERT menu and </a:t>
               </a:r>
               <a:br>
-                <a:rPr lang="en-US" sz="2400" b="0" baseline="0" dirty="0" smtClean="0">
+                <a:rPr lang="en-US" sz="2400" b="0" baseline="0" dirty="0">
                   <a:solidFill>
                     <a:schemeClr val="bg1">
                       <a:lumMod val="75000"/>
@@ -13445,7 +13300,7 @@
                 </a:rPr>
               </a:br>
               <a:r>
-                <a:rPr lang="en-US" sz="2400" b="0" baseline="0" dirty="0" smtClean="0">
+                <a:rPr lang="en-US" sz="2400" b="0" baseline="0" dirty="0">
                   <a:solidFill>
                     <a:schemeClr val="bg1">
                       <a:lumMod val="75000"/>
@@ -13459,7 +13314,7 @@
             <a:p>
               <a:pPr marL="0" lvl="0" indent="0" algn="l" defTabSz="114300"/>
               <a:r>
-                <a:rPr lang="en-US" sz="2400" b="0" baseline="0" dirty="0" smtClean="0">
+                <a:rPr lang="en-US" sz="2400" b="0" baseline="0" dirty="0">
                   <a:solidFill>
                     <a:schemeClr val="bg1">
                       <a:lumMod val="75000"/>
@@ -13472,7 +13327,7 @@
             </a:p>
             <a:p>
               <a:pPr marL="0" lvl="0" indent="0" algn="l" defTabSz="114300"/>
-              <a:endParaRPr lang="en-US" sz="2400" b="0" baseline="0" dirty="0" smtClean="0">
+              <a:endParaRPr lang="en-US" sz="2400" b="0" baseline="0" dirty="0">
                 <a:solidFill>
                   <a:schemeClr val="bg1">
                     <a:lumMod val="75000"/>
@@ -13500,7 +13355,7 @@
                 <a:defRPr/>
               </a:pPr>
               <a:r>
-                <a:rPr kumimoji="0" lang="en-US" sz="3200" b="1" i="0" u="none" strike="noStrike" kern="1200" cap="none" spc="0" normalizeH="0" baseline="0" noProof="0" dirty="0" smtClean="0">
+                <a:rPr kumimoji="0" lang="en-US" sz="3200" b="1" i="0" u="none" strike="noStrike" kern="1200" cap="none" spc="0" normalizeH="0" baseline="0" noProof="0" dirty="0">
                   <a:ln>
                     <a:noFill/>
                   </a:ln>
@@ -13534,7 +13389,7 @@
                 <a:defRPr/>
               </a:pPr>
               <a:r>
-                <a:rPr kumimoji="0" lang="en-US" sz="2400" b="0" i="0" u="none" strike="noStrike" kern="1200" cap="none" spc="0" normalizeH="0" baseline="0" noProof="0" dirty="0" smtClean="0">
+                <a:rPr kumimoji="0" lang="en-US" sz="2400" b="0" i="0" u="none" strike="noStrike" kern="1200" cap="none" spc="0" normalizeH="0" baseline="0" noProof="0" dirty="0">
                   <a:ln>
                     <a:noFill/>
                   </a:ln>
@@ -13569,7 +13424,7 @@
                 <a:tabLst/>
                 <a:defRPr/>
               </a:pPr>
-              <a:endParaRPr kumimoji="0" lang="en-US" sz="2400" b="0" i="0" u="none" strike="noStrike" kern="1200" cap="none" spc="0" normalizeH="0" baseline="0" noProof="0" dirty="0" smtClean="0">
+              <a:endParaRPr kumimoji="0" lang="en-US" sz="2400" b="0" i="0" u="none" strike="noStrike" kern="1200" cap="none" spc="0" normalizeH="0" baseline="0" noProof="0" dirty="0">
                 <a:ln>
                   <a:noFill/>
                 </a:ln>
@@ -13603,7 +13458,7 @@
                 <a:defRPr/>
               </a:pPr>
               <a:r>
-                <a:rPr kumimoji="0" lang="en-US" sz="3200" b="1" i="0" u="none" strike="noStrike" kern="1200" cap="none" spc="0" normalizeH="0" baseline="0" noProof="0" dirty="0" smtClean="0">
+                <a:rPr kumimoji="0" lang="en-US" sz="3200" b="1" i="0" u="none" strike="noStrike" kern="1200" cap="none" spc="0" normalizeH="0" baseline="0" noProof="0" dirty="0">
                   <a:ln>
                     <a:noFill/>
                   </a:ln>
@@ -13637,7 +13492,7 @@
                 <a:defRPr/>
               </a:pPr>
               <a:r>
-                <a:rPr kumimoji="0" lang="en-US" sz="2400" b="0" i="0" u="none" strike="noStrike" kern="1200" cap="none" spc="0" normalizeH="0" baseline="0" noProof="0" dirty="0" smtClean="0">
+                <a:rPr kumimoji="0" lang="en-US" sz="2400" b="0" i="0" u="none" strike="noStrike" kern="1200" cap="none" spc="0" normalizeH="0" baseline="0" noProof="0" dirty="0">
                   <a:ln>
                     <a:noFill/>
                   </a:ln>
@@ -13672,7 +13527,7 @@
                 <a:tabLst/>
                 <a:defRPr/>
               </a:pPr>
-              <a:endParaRPr kumimoji="0" lang="en-US" sz="3200" b="1" i="0" u="none" strike="noStrike" kern="1200" cap="none" spc="0" normalizeH="0" baseline="0" noProof="0" dirty="0" smtClean="0">
+              <a:endParaRPr kumimoji="0" lang="en-US" sz="3200" b="1" i="0" u="none" strike="noStrike" kern="1200" cap="none" spc="0" normalizeH="0" baseline="0" noProof="0" dirty="0">
                 <a:ln>
                   <a:noFill/>
                 </a:ln>
@@ -13704,7 +13559,7 @@
                 <a:defRPr/>
               </a:pPr>
               <a:r>
-                <a:rPr kumimoji="0" lang="en-US" sz="3200" b="1" i="0" u="none" strike="noStrike" kern="1200" cap="none" spc="0" normalizeH="0" baseline="0" noProof="0" dirty="0" smtClean="0">
+                <a:rPr kumimoji="0" lang="en-US" sz="3200" b="1" i="0" u="none" strike="noStrike" kern="1200" cap="none" spc="0" normalizeH="0" baseline="0" noProof="0" dirty="0">
                   <a:ln>
                     <a:noFill/>
                   </a:ln>
@@ -13738,7 +13593,7 @@
                 <a:defRPr/>
               </a:pPr>
               <a:r>
-                <a:rPr kumimoji="0" lang="en-US" sz="2400" b="0" i="0" u="none" strike="noStrike" kern="1200" cap="none" spc="0" normalizeH="0" baseline="0" noProof="0" dirty="0" smtClean="0">
+                <a:rPr kumimoji="0" lang="en-US" sz="2400" b="0" i="0" u="none" strike="noStrike" kern="1200" cap="none" spc="0" normalizeH="0" baseline="0" noProof="0" dirty="0">
                   <a:ln>
                     <a:noFill/>
                   </a:ln>
@@ -13773,7 +13628,7 @@
                 <a:tabLst/>
                 <a:defRPr/>
               </a:pPr>
-              <a:endParaRPr kumimoji="0" lang="en-US" sz="2400" b="0" i="0" u="none" strike="noStrike" kern="1200" cap="none" spc="0" normalizeH="0" baseline="0" noProof="0" dirty="0" smtClean="0">
+              <a:endParaRPr kumimoji="0" lang="en-US" sz="2400" b="0" i="0" u="none" strike="noStrike" kern="1200" cap="none" spc="0" normalizeH="0" baseline="0" noProof="0" dirty="0">
                 <a:ln>
                   <a:noFill/>
                 </a:ln>
@@ -13807,7 +13662,7 @@
                 <a:defRPr/>
               </a:pPr>
               <a:r>
-                <a:rPr kumimoji="0" lang="en-US" sz="3200" b="1" i="0" u="none" strike="noStrike" kern="1200" cap="none" spc="0" normalizeH="0" baseline="0" noProof="0" dirty="0" smtClean="0">
+                <a:rPr kumimoji="0" lang="en-US" sz="3200" b="1" i="0" u="none" strike="noStrike" kern="1200" cap="none" spc="0" normalizeH="0" baseline="0" noProof="0" dirty="0">
                   <a:ln>
                     <a:noFill/>
                   </a:ln>
@@ -13841,7 +13696,7 @@
                 <a:defRPr/>
               </a:pPr>
               <a:r>
-                <a:rPr kumimoji="0" lang="en-US" sz="2400" b="0" i="0" u="none" strike="noStrike" kern="1200" cap="none" spc="0" normalizeH="0" baseline="0" noProof="0" dirty="0" smtClean="0">
+                <a:rPr kumimoji="0" lang="en-US" sz="2400" b="0" i="0" u="none" strike="noStrike" kern="1200" cap="none" spc="0" normalizeH="0" baseline="0" noProof="0" dirty="0">
                   <a:ln>
                     <a:noFill/>
                   </a:ln>
@@ -13876,7 +13731,7 @@
                 <a:tabLst/>
                 <a:defRPr/>
               </a:pPr>
-              <a:endParaRPr lang="en-US" sz="2400" b="0" baseline="0" dirty="0" smtClean="0">
+              <a:endParaRPr lang="en-US" sz="2400" b="0" baseline="0" dirty="0">
                 <a:solidFill>
                   <a:schemeClr val="bg1">
                     <a:lumMod val="75000"/>
@@ -13904,7 +13759,7 @@
                 <a:defRPr/>
               </a:pPr>
               <a:r>
-                <a:rPr kumimoji="0" lang="en-US" sz="3200" b="1" i="0" u="none" strike="noStrike" kern="1200" cap="none" spc="0" normalizeH="0" baseline="0" noProof="0" dirty="0" smtClean="0">
+                <a:rPr kumimoji="0" lang="en-US" sz="3200" b="1" i="0" u="none" strike="noStrike" kern="1200" cap="none" spc="0" normalizeH="0" baseline="0" noProof="0" dirty="0">
                   <a:ln>
                     <a:noFill/>
                   </a:ln>
@@ -13938,7 +13793,7 @@
                 <a:defRPr/>
               </a:pPr>
               <a:r>
-                <a:rPr kumimoji="0" lang="en-US" sz="2400" b="0" i="0" u="none" strike="noStrike" kern="1200" cap="none" spc="0" normalizeH="0" baseline="0" noProof="0" dirty="0" smtClean="0">
+                <a:rPr kumimoji="0" lang="en-US" sz="2400" b="0" i="0" u="none" strike="noStrike" kern="1200" cap="none" spc="0" normalizeH="0" baseline="0" noProof="0" dirty="0">
                   <a:ln>
                     <a:noFill/>
                   </a:ln>
@@ -13973,7 +13828,7 @@
                 <a:tabLst/>
                 <a:defRPr/>
               </a:pPr>
-              <a:endParaRPr kumimoji="0" lang="en-US" sz="2800" b="0" i="0" u="none" strike="noStrike" kern="1200" cap="none" spc="0" normalizeH="0" baseline="0" noProof="0" dirty="0" smtClean="0">
+              <a:endParaRPr kumimoji="0" lang="en-US" sz="2800" b="0" i="0" u="none" strike="noStrike" kern="1200" cap="none" spc="0" normalizeH="0" baseline="0" noProof="0" dirty="0">
                 <a:ln>
                   <a:noFill/>
                 </a:ln>
@@ -14012,7 +13867,7 @@
             <a:graphicData uri="http://schemas.openxmlformats.org/presentationml/2006/ole">
               <mc:AlternateContent xmlns:mc="http://schemas.openxmlformats.org/markup-compatibility/2006">
                 <mc:Choice xmlns:v="urn:schemas-microsoft-com:vml" Requires="v">
-                  <p:oleObj spid="_x0000_s3110" name="Image" r:id="rId12" imgW="4571280" imgH="1688760" progId="Photoshop.Image.13">
+                  <p:oleObj spid="_x0000_s3114" name="Image" r:id="rId12" imgW="4571280" imgH="1688760" progId="Photoshop.Image.13">
                     <p:embed/>
                   </p:oleObj>
                 </mc:Choice>
@@ -14096,7 +13951,7 @@
             <a:graphicData uri="http://schemas.openxmlformats.org/presentationml/2006/ole">
               <mc:AlternateContent xmlns:mc="http://schemas.openxmlformats.org/markup-compatibility/2006">
                 <mc:Choice xmlns:v="urn:schemas-microsoft-com:vml" Requires="v">
-                  <p:oleObj spid="_x0000_s3111" name="Image" r:id="rId15" imgW="1574280" imgH="1053720" progId="Photoshop.Image.13">
+                  <p:oleObj spid="_x0000_s3115" name="Image" r:id="rId15" imgW="1574280" imgH="1053720" progId="Photoshop.Image.13">
                     <p:embed/>
                   </p:oleObj>
                 </mc:Choice>
@@ -14248,7 +14103,7 @@
               <a:lstStyle/>
               <a:p>
                 <a:r>
-                  <a:rPr lang="en-US" sz="2400" dirty="0" smtClean="0">
+                  <a:rPr lang="en-US" sz="2400" dirty="0">
                     <a:solidFill>
                       <a:schemeClr val="tx2"/>
                     </a:solidFill>
@@ -14257,7 +14112,7 @@
                   <a:t>Student</a:t>
                 </a:r>
                 <a:r>
-                  <a:rPr lang="en-US" sz="2400" baseline="0" dirty="0" smtClean="0">
+                  <a:rPr lang="en-US" sz="2400" baseline="0" dirty="0">
                     <a:solidFill>
                       <a:schemeClr val="tx2"/>
                     </a:solidFill>
@@ -14266,7 +14121,7 @@
                   <a:t> discounts are available on our </a:t>
                 </a:r>
                 <a:r>
-                  <a:rPr lang="en-US" sz="2400" baseline="0" dirty="0" err="1" smtClean="0">
+                  <a:rPr lang="en-US" sz="2400" baseline="0" dirty="0" err="1">
                     <a:solidFill>
                       <a:schemeClr val="tx2"/>
                     </a:solidFill>
@@ -14275,7 +14130,7 @@
                   <a:t>Facebook</a:t>
                 </a:r>
                 <a:r>
-                  <a:rPr lang="en-US" sz="2400" baseline="0" dirty="0" smtClean="0">
+                  <a:rPr lang="en-US" sz="2400" baseline="0" dirty="0">
                     <a:solidFill>
                       <a:schemeClr val="tx2"/>
                     </a:solidFill>
@@ -14284,7 +14139,7 @@
                   <a:t> page.</a:t>
                 </a:r>
                 <a:br>
-                  <a:rPr lang="en-US" sz="2400" baseline="0" dirty="0" smtClean="0">
+                  <a:rPr lang="en-US" sz="2400" baseline="0" dirty="0">
                     <a:solidFill>
                       <a:schemeClr val="tx2"/>
                     </a:solidFill>
@@ -14292,7 +14147,7 @@
                   </a:rPr>
                 </a:br>
                 <a:r>
-                  <a:rPr lang="en-US" sz="2400" baseline="0" dirty="0" smtClean="0">
+                  <a:rPr lang="en-US" sz="2400" baseline="0" dirty="0">
                     <a:solidFill>
                       <a:schemeClr val="tx2"/>
                     </a:solidFill>
@@ -14301,7 +14156,7 @@
                   <a:t>Go to </a:t>
                 </a:r>
                 <a:r>
-                  <a:rPr lang="en-US" sz="2400" u="sng" baseline="0" dirty="0" smtClean="0">
+                  <a:rPr lang="en-US" sz="2400" u="sng" baseline="0" dirty="0">
                     <a:solidFill>
                       <a:schemeClr val="tx2"/>
                     </a:solidFill>
@@ -14310,7 +14165,7 @@
                   <a:t>PosterPresentations.com</a:t>
                 </a:r>
                 <a:r>
-                  <a:rPr lang="en-US" sz="2400" baseline="0" dirty="0" smtClean="0">
+                  <a:rPr lang="en-US" sz="2400" baseline="0" dirty="0">
                     <a:solidFill>
                       <a:schemeClr val="tx2"/>
                     </a:solidFill>
@@ -14357,7 +14212,7 @@
               </a:lnSpc>
             </a:pPr>
             <a:r>
-              <a:rPr lang="en-US" sz="2800" dirty="0" smtClean="0">
+              <a:rPr lang="en-US" sz="2800" dirty="0">
                 <a:solidFill>
                   <a:schemeClr val="bg1"/>
                 </a:solidFill>
@@ -14365,7 +14220,7 @@
               <a:t>© 2015</a:t>
             </a:r>
             <a:r>
-              <a:rPr lang="en-US" sz="2800" baseline="0" dirty="0" smtClean="0">
+              <a:rPr lang="en-US" sz="2800" baseline="0" dirty="0">
                 <a:solidFill>
                   <a:schemeClr val="bg1"/>
                 </a:solidFill>
@@ -14373,7 +14228,7 @@
               <a:t> </a:t>
             </a:r>
             <a:r>
-              <a:rPr lang="en-US" sz="2800" dirty="0" smtClean="0">
+              <a:rPr lang="en-US" sz="2800" dirty="0">
                 <a:solidFill>
                   <a:schemeClr val="bg1"/>
                 </a:solidFill>
@@ -14381,14 +14236,14 @@
               <a:t>PosterPresentations.com</a:t>
             </a:r>
             <a:br>
-              <a:rPr lang="en-US" sz="2800" dirty="0" smtClean="0">
+              <a:rPr lang="en-US" sz="2800" dirty="0">
                 <a:solidFill>
                   <a:schemeClr val="bg1"/>
                 </a:solidFill>
               </a:rPr>
             </a:br>
             <a:r>
-              <a:rPr lang="en-US" sz="2400" dirty="0" smtClean="0">
+              <a:rPr lang="en-US" sz="2400" dirty="0">
                 <a:solidFill>
                   <a:schemeClr val="bg1"/>
                 </a:solidFill>
@@ -14396,7 +14251,7 @@
               <a:t>2117 Fourth Street ,</a:t>
             </a:r>
             <a:r>
-              <a:rPr lang="en-US" sz="2400" baseline="0" dirty="0" smtClean="0">
+              <a:rPr lang="en-US" sz="2400" baseline="0" dirty="0">
                 <a:solidFill>
                   <a:schemeClr val="bg1"/>
                 </a:solidFill>
@@ -14411,7 +14266,7 @@
               </a:lnSpc>
             </a:pPr>
             <a:r>
-              <a:rPr lang="en-US" sz="2400" baseline="0" dirty="0" smtClean="0">
+              <a:rPr lang="en-US" sz="2400" baseline="0" dirty="0">
                 <a:solidFill>
                   <a:schemeClr val="bg1"/>
                 </a:solidFill>
@@ -14419,30 +14274,22 @@
               <a:t>Berkeley CA </a:t>
             </a:r>
             <a:r>
-              <a:rPr lang="en-US" sz="2000" baseline="0" dirty="0" smtClean="0">
+              <a:rPr lang="en-US" sz="2000" baseline="0" dirty="0">
                 <a:solidFill>
                   <a:schemeClr val="bg1"/>
                 </a:solidFill>
               </a:rPr>
               <a:t>94710</a:t>
             </a:r>
-            <a:r>
-              <a:rPr lang="en-US" sz="2400" baseline="0" dirty="0" smtClean="0">
-                <a:solidFill>
-                  <a:schemeClr val="bg1"/>
-                </a:solidFill>
-              </a:rPr>
-              <a:t/>
-            </a:r>
             <a:br>
-              <a:rPr lang="en-US" sz="2400" baseline="0" dirty="0" smtClean="0">
+              <a:rPr lang="en-US" sz="2400" baseline="0" dirty="0">
                 <a:solidFill>
                   <a:schemeClr val="bg1"/>
                 </a:solidFill>
               </a:rPr>
             </a:br>
             <a:r>
-              <a:rPr lang="en-US" sz="2400" b="1" baseline="0" dirty="0" smtClean="0">
+              <a:rPr lang="en-US" sz="2400" b="1" baseline="0" dirty="0">
                 <a:solidFill>
                   <a:srgbClr val="FFFF00"/>
                 </a:solidFill>
@@ -14610,7 +14457,7 @@
               <a:defRPr/>
             </a:pPr>
             <a:r>
-              <a:rPr lang="en-US" sz="600" b="1" dirty="0" smtClean="0">
+              <a:rPr lang="en-US" sz="600" b="1" dirty="0">
                 <a:solidFill>
                   <a:srgbClr val="BFBFBF"/>
                 </a:solidFill>
@@ -14630,7 +14477,7 @@
               <a:defRPr/>
             </a:pPr>
             <a:r>
-              <a:rPr lang="en-US" sz="1200" b="1" dirty="0" smtClean="0">
+              <a:rPr lang="en-US" sz="1200" b="1" dirty="0">
                 <a:solidFill>
                   <a:srgbClr val="BFBFBF"/>
                 </a:solidFill>
@@ -14647,13 +14494,6 @@
   <p:sldLayoutIdLst>
     <p:sldLayoutId id="2147483660" r:id="rId1"/>
   </p:sldLayoutIdLst>
-  <p:timing>
-    <p:tnLst>
-      <p:par>
-        <p:cTn id="1" dur="indefinite" restart="never" nodeType="tmRoot"/>
-      </p:par>
-    </p:tnLst>
-  </p:timing>
   <p:txStyles>
     <p:titleStyle>
       <a:lvl1pPr algn="ctr" defTabSz="5014913" rtl="0" eaLnBrk="0" fontAlgn="base" hangingPunct="0">
@@ -15039,6 +14879,34 @@
 <file path=ppt/slides/slide1.xml><?xml version="1.0" encoding="utf-8"?>
 <p:sld xmlns:a="http://schemas.openxmlformats.org/drawingml/2006/main" xmlns:r="http://schemas.openxmlformats.org/officeDocument/2006/relationships" xmlns:p="http://schemas.openxmlformats.org/presentationml/2006/main">
   <p:cSld>
+    <p:bg>
+      <p:bgPr>
+        <a:gradFill flip="none" rotWithShape="1">
+          <a:gsLst>
+            <a:gs pos="0">
+              <a:schemeClr val="accent5">
+                <a:lumMod val="50000"/>
+              </a:schemeClr>
+            </a:gs>
+            <a:gs pos="50000">
+              <a:schemeClr val="accent5">
+                <a:lumMod val="60000"/>
+                <a:lumOff val="40000"/>
+              </a:schemeClr>
+            </a:gs>
+            <a:gs pos="100000">
+              <a:schemeClr val="accent5">
+                <a:lumMod val="20000"/>
+                <a:lumOff val="80000"/>
+              </a:schemeClr>
+            </a:gs>
+          </a:gsLst>
+          <a:lin ang="16200000" scaled="1"/>
+          <a:tileRect/>
+        </a:gradFill>
+        <a:effectLst/>
+      </p:bgPr>
+    </p:bg>
     <p:spTree>
       <p:nvGrpSpPr>
         <p:cNvPr id="1" name=""/>
@@ -15074,10 +14942,9 @@
           <a:lstStyle/>
           <a:p>
             <a:r>
-              <a:rPr lang="en-US" sz="5400" dirty="0" smtClean="0"/>
+              <a:rPr lang="en-US" sz="5400" dirty="0"/>
               <a:t>The main motivation for our project is to provide a tool for transcribing interviews, podcasts, and anything in which two or more people are talking and an auto-generated caption might be useful. This would be a tool that journalists could use to streamline their workflow and concentrate their efforts on other aspects of their job, as opposed to the menial task of transcription.   </a:t>
             </a:r>
-            <a:endParaRPr lang="en-US" sz="5400" dirty="0"/>
           </a:p>
         </p:txBody>
       </p:sp>
@@ -15102,10 +14969,9 @@
           <a:lstStyle/>
           <a:p>
             <a:r>
-              <a:rPr lang="en-US" sz="6000" dirty="0" smtClean="0"/>
+              <a:rPr lang="en-US" sz="6000" dirty="0"/>
               <a:t>The Problem</a:t>
             </a:r>
-            <a:endParaRPr lang="en-US" sz="6000" dirty="0"/>
           </a:p>
         </p:txBody>
       </p:sp>
@@ -15130,10 +14996,9 @@
           <a:lstStyle/>
           <a:p>
             <a:r>
-              <a:rPr lang="en-US" sz="5400" dirty="0" smtClean="0"/>
+              <a:rPr lang="en-US" sz="5400" dirty="0"/>
               <a:t>Users will submit a wave audio file containing a conversation between two or more people. The user will then select portions of the audio in which only one person is talking, and will do this for each speaker in the conversation. Then, a profile for that user is created with that audio clip, which will be used for speaker identification. The program then uses a self-similarity measure to find places in which one speaker stops speaking and another starts, segmenting the original audio file and splitting it into multiple files. Then, each file will be analyzed by the speech identification API, the speaker will be identified, and the text of the audio file transcribed. This will be written in the format of a transcript, where the speaker’s name precedes the words they said. </a:t>
             </a:r>
-            <a:endParaRPr lang="en-US" sz="5400" dirty="0"/>
           </a:p>
         </p:txBody>
       </p:sp>
@@ -15158,26 +15023,9 @@
           <a:lstStyle/>
           <a:p>
             <a:r>
-              <a:rPr lang="en-US" sz="6600" dirty="0" smtClean="0"/>
-              <a:t>How our </a:t>
+              <a:rPr lang="en-US" sz="6600" dirty="0"/>
+              <a:t>How our project works</a:t>
             </a:r>
-            <a:r>
-              <a:rPr lang="en-US" sz="6600" dirty="0"/>
-              <a:t>p</a:t>
-            </a:r>
-            <a:r>
-              <a:rPr lang="en-US" sz="6600" dirty="0" smtClean="0"/>
-              <a:t>roject </a:t>
-            </a:r>
-            <a:r>
-              <a:rPr lang="en-US" sz="6600" dirty="0"/>
-              <a:t>w</a:t>
-            </a:r>
-            <a:r>
-              <a:rPr lang="en-US" sz="6600" dirty="0" smtClean="0"/>
-              <a:t>orks</a:t>
-            </a:r>
-            <a:endParaRPr lang="en-US" sz="6600" dirty="0"/>
           </a:p>
         </p:txBody>
       </p:sp>
@@ -15202,18 +15050,17 @@
           <a:lstStyle/>
           <a:p>
             <a:r>
-              <a:rPr lang="en-US" dirty="0" smtClean="0"/>
+              <a:rPr lang="en-US" dirty="0"/>
               <a:t>We used python 3 to accomplish all the backend processing, segmenting and transcribing of the audio files. For speaker recognition and transcription, we used Microsoft’s Bing Speaker Identification and Speech to Text APIs. We used a HTML/CSS/JavaScript frontend along with the </a:t>
             </a:r>
             <a:r>
-              <a:rPr lang="en-US" dirty="0" err="1" smtClean="0"/>
+              <a:rPr lang="en-US" dirty="0" err="1"/>
               <a:t>wavesurfer.js</a:t>
             </a:r>
             <a:r>
-              <a:rPr lang="en-US" dirty="0" smtClean="0"/>
+              <a:rPr lang="en-US" dirty="0"/>
               <a:t> library for displaying and manipulating waveforms to the user during the initial interface.</a:t>
             </a:r>
-            <a:endParaRPr lang="en-US" dirty="0"/>
           </a:p>
         </p:txBody>
       </p:sp>
@@ -15233,10 +15080,9 @@
           <a:lstStyle/>
           <a:p>
             <a:r>
-              <a:rPr lang="en-US" dirty="0" smtClean="0"/>
+              <a:rPr lang="en-US" dirty="0"/>
               <a:t>How we built our project</a:t>
             </a:r>
-            <a:endParaRPr lang="en-US" dirty="0"/>
           </a:p>
         </p:txBody>
       </p:sp>
@@ -15410,36 +15256,35 @@
           <a:lstStyle/>
           <a:p>
             <a:r>
-              <a:rPr lang="en-US" dirty="0" smtClean="0">
+              <a:rPr lang="en-US" dirty="0">
                 <a:hlinkClick r:id="rId3"/>
               </a:rPr>
               <a:t>vincentbommier2018@u.northwestern.edu</a:t>
             </a:r>
             <a:r>
-              <a:rPr lang="en-US" dirty="0" smtClean="0"/>
+              <a:rPr lang="en-US" dirty="0"/>
               <a:t>, </a:t>
             </a:r>
             <a:r>
-              <a:rPr lang="en-US" dirty="0" smtClean="0">
+              <a:rPr lang="en-US" dirty="0">
                 <a:hlinkClick r:id="rId4"/>
               </a:rPr>
               <a:t>jeremykaish2018@u.northwestern.edu</a:t>
             </a:r>
             <a:r>
-              <a:rPr lang="en-US" dirty="0" smtClean="0"/>
+              <a:rPr lang="en-US" dirty="0"/>
               <a:t>, </a:t>
             </a:r>
             <a:r>
-              <a:rPr lang="en-US" dirty="0" smtClean="0">
+              <a:rPr lang="en-US" dirty="0">
                 <a:hlinkClick r:id="rId5"/>
               </a:rPr>
               <a:t>madhavghei2018@u.northwestern.edu</a:t>
             </a:r>
             <a:r>
-              <a:rPr lang="en-US" dirty="0" smtClean="0"/>
+              <a:rPr lang="en-US" dirty="0"/>
               <a:t> </a:t>
             </a:r>
-            <a:endParaRPr lang="en-US" dirty="0"/>
           </a:p>
         </p:txBody>
       </p:sp>
@@ -15461,26 +15306,25 @@
           <a:lstStyle/>
           <a:p>
             <a:r>
-              <a:rPr lang="en-US" dirty="0" smtClean="0"/>
+              <a:rPr lang="en-US" dirty="0"/>
               <a:t>Vincent </a:t>
             </a:r>
             <a:r>
-              <a:rPr lang="en-US" dirty="0" err="1" smtClean="0"/>
+              <a:rPr lang="en-US" dirty="0" err="1"/>
               <a:t>Bommier</a:t>
             </a:r>
             <a:r>
-              <a:rPr lang="en-US" dirty="0" smtClean="0"/>
+              <a:rPr lang="en-US" dirty="0"/>
               <a:t>, Jeremy </a:t>
             </a:r>
             <a:r>
-              <a:rPr lang="en-US" dirty="0" err="1" smtClean="0"/>
+              <a:rPr lang="en-US" dirty="0" err="1"/>
               <a:t>Kaish</a:t>
             </a:r>
             <a:r>
-              <a:rPr lang="en-US" dirty="0" smtClean="0"/>
+              <a:rPr lang="en-US" dirty="0"/>
               <a:t>, and Madhav Ghei</a:t>
             </a:r>
-            <a:endParaRPr lang="en-US" dirty="0"/>
           </a:p>
         </p:txBody>
       </p:sp>
@@ -15502,10 +15346,9 @@
           <a:lstStyle/>
           <a:p>
             <a:r>
-              <a:rPr lang="en-US" dirty="0" smtClean="0"/>
+              <a:rPr lang="en-US" dirty="0"/>
               <a:t>Whose Line Was It Anyway?</a:t>
             </a:r>
-            <a:endParaRPr lang="en-US" dirty="0"/>
           </a:p>
         </p:txBody>
       </p:sp>
@@ -15533,7 +15376,7 @@
           <a:p>
             <a:pPr algn="r"/>
             <a:r>
-              <a:rPr lang="en-US" sz="3200" dirty="0" smtClean="0">
+              <a:rPr lang="en-US" sz="3200" dirty="0">
                 <a:solidFill>
                   <a:schemeClr val="bg1"/>
                 </a:solidFill>
@@ -15546,7 +15389,7 @@
           <a:p>
             <a:pPr algn="r"/>
             <a:r>
-              <a:rPr lang="en-US" sz="3200" dirty="0" smtClean="0">
+              <a:rPr lang="en-US" sz="3200" dirty="0">
                 <a:solidFill>
                   <a:schemeClr val="bg1"/>
                 </a:solidFill>
@@ -15559,7 +15402,7 @@
           <a:p>
             <a:pPr algn="r"/>
             <a:r>
-              <a:rPr lang="en-US" sz="3200" dirty="0" smtClean="0">
+              <a:rPr lang="en-US" sz="3200" dirty="0">
                 <a:solidFill>
                   <a:schemeClr val="bg1"/>
                 </a:solidFill>
@@ -15568,13 +15411,52 @@
               </a:rPr>
               <a:t>Northwestern University</a:t>
             </a:r>
-            <a:endParaRPr lang="en-US" sz="3200" dirty="0">
-              <a:solidFill>
-                <a:schemeClr val="bg1"/>
-              </a:solidFill>
-              <a:latin typeface="Times New Roman" panose="02020603050405020304" pitchFamily="18" charset="0"/>
-              <a:cs typeface="Times New Roman" panose="02020603050405020304" pitchFamily="18" charset="0"/>
-            </a:endParaRPr>
+          </a:p>
+        </p:txBody>
+      </p:sp>
+      <p:sp>
+        <p:nvSpPr>
+          <p:cNvPr id="3" name="Rectangle 2"/>
+          <p:cNvSpPr/>
+          <p:nvPr/>
+        </p:nvSpPr>
+        <p:spPr>
+          <a:xfrm>
+            <a:off x="2074333" y="32274933"/>
+            <a:ext cx="2455334" cy="355600"/>
+          </a:xfrm>
+          <a:prstGeom prst="rect">
+            <a:avLst/>
+          </a:prstGeom>
+          <a:solidFill>
+            <a:srgbClr val="2F4274"/>
+          </a:solidFill>
+          <a:ln>
+            <a:noFill/>
+          </a:ln>
+        </p:spPr>
+        <p:style>
+          <a:lnRef idx="2">
+            <a:schemeClr val="accent1">
+              <a:shade val="50000"/>
+            </a:schemeClr>
+          </a:lnRef>
+          <a:fillRef idx="1">
+            <a:schemeClr val="accent1"/>
+          </a:fillRef>
+          <a:effectRef idx="0">
+            <a:schemeClr val="accent1"/>
+          </a:effectRef>
+          <a:fontRef idx="minor">
+            <a:schemeClr val="lt1"/>
+          </a:fontRef>
+        </p:style>
+        <p:txBody>
+          <a:bodyPr rtlCol="0" anchor="ctr"/>
+          <a:lstStyle/>
+          <a:p>
+            <a:pPr algn="ctr"/>
+            <a:endParaRPr lang="en-US"/>
           </a:p>
         </p:txBody>
       </p:sp>
@@ -15588,13 +15470,6 @@
   <p:clrMapOvr>
     <a:masterClrMapping/>
   </p:clrMapOvr>
-  <p:timing>
-    <p:tnLst>
-      <p:par>
-        <p:cTn id="1" dur="indefinite" restart="never" nodeType="tmRoot"/>
-      </p:par>
-    </p:tnLst>
-  </p:timing>
 </p:sld>
 </file>
 

--- a/Poster.pptx
+++ b/Poster.pptx
@@ -287,7 +287,7 @@
               <a:pPr>
                 <a:defRPr/>
               </a:pPr>
-              <a:t>3/13/2017</a:t>
+              <a:t>3/14/17</a:t>
             </a:fld>
             <a:endParaRPr lang="en-US" dirty="0"/>
           </a:p>
@@ -4630,6 +4630,15 @@
                 </a:rPr>
                 <a:t>PosterPresentations.com</a:t>
               </a:r>
+              <a:r>
+                <a:rPr lang="en-US" sz="2800" dirty="0">
+                  <a:solidFill>
+                    <a:schemeClr val="bg1"/>
+                  </a:solidFill>
+                  <a:latin typeface="Trebuchet MS" pitchFamily="34" charset="0"/>
+                </a:rPr>
+                <a:t/>
+              </a:r>
               <a:br>
                 <a:rPr lang="en-US" sz="2800" dirty="0">
                   <a:solidFill>
@@ -4865,6 +4874,15 @@
             </a:p>
             <a:p>
               <a:pPr algn="l"/>
+              <a:r>
+                <a:rPr lang="en-US" sz="2800" b="1" baseline="0" dirty="0">
+                  <a:solidFill>
+                    <a:schemeClr val="bg1"/>
+                  </a:solidFill>
+                  <a:latin typeface="Trebuchet MS" pitchFamily="34" charset="0"/>
+                </a:rPr>
+                <a:t/>
+              </a:r>
               <a:br>
                 <a:rPr lang="en-US" sz="2800" b="1" baseline="0" dirty="0">
                   <a:solidFill>
@@ -5473,7 +5491,7 @@
               <a:graphicData uri="http://schemas.openxmlformats.org/presentationml/2006/ole">
                 <mc:AlternateContent xmlns:mc="http://schemas.openxmlformats.org/markup-compatibility/2006">
                   <mc:Choice xmlns:v="urn:schemas-microsoft-com:vml" Requires="v">
-                    <p:oleObj spid="_x0000_s1064" name="Image" r:id="rId8" imgW="1828440" imgH="1117440" progId="Photoshop.Image.13">
+                    <p:oleObj spid="_x0000_s1069" name="Image" r:id="rId8" imgW="1828440" imgH="1117440" progId="Photoshop.Image.13">
                       <p:embed/>
                     </p:oleObj>
                   </mc:Choice>
@@ -5530,7 +5548,7 @@
               <a:graphicData uri="http://schemas.openxmlformats.org/presentationml/2006/ole">
                 <mc:AlternateContent xmlns:mc="http://schemas.openxmlformats.org/markup-compatibility/2006">
                   <mc:Choice xmlns:v="urn:schemas-microsoft-com:vml" Requires="v">
-                    <p:oleObj spid="_x0000_s1065" name="Image" r:id="rId10" imgW="1828440" imgH="1117440" progId="Photoshop.Image.13">
+                    <p:oleObj spid="_x0000_s1070" name="Image" r:id="rId10" imgW="1828440" imgH="1117440" progId="Photoshop.Image.13">
                       <p:embed/>
                     </p:oleObj>
                   </mc:Choice>
@@ -6653,7 +6671,7 @@
             <a:graphicData uri="http://schemas.openxmlformats.org/presentationml/2006/ole">
               <mc:AlternateContent xmlns:mc="http://schemas.openxmlformats.org/markup-compatibility/2006">
                 <mc:Choice xmlns:v="urn:schemas-microsoft-com:vml" Requires="v">
-                  <p:oleObj spid="_x0000_s1066" name="Image" r:id="rId12" imgW="4571280" imgH="1688760" progId="Photoshop.Image.13">
+                  <p:oleObj spid="_x0000_s1071" name="Image" r:id="rId12" imgW="4571280" imgH="1688760" progId="Photoshop.Image.13">
                     <p:embed/>
                   </p:oleObj>
                 </mc:Choice>
@@ -6737,7 +6755,7 @@
             <a:graphicData uri="http://schemas.openxmlformats.org/presentationml/2006/ole">
               <mc:AlternateContent xmlns:mc="http://schemas.openxmlformats.org/markup-compatibility/2006">
                 <mc:Choice xmlns:v="urn:schemas-microsoft-com:vml" Requires="v">
-                  <p:oleObj spid="_x0000_s1067" name="Image" r:id="rId15" imgW="1574280" imgH="1053720" progId="Photoshop.Image.13">
+                  <p:oleObj spid="_x0000_s1072" name="Image" r:id="rId15" imgW="1574280" imgH="1053720" progId="Photoshop.Image.13">
                     <p:embed/>
                   </p:oleObj>
                 </mc:Choice>
@@ -7065,6 +7083,14 @@
                   </a:solidFill>
                 </a:rPr>
                 <a:t>94710</a:t>
+              </a:r>
+              <a:r>
+                <a:rPr lang="en-US" sz="2400" baseline="0" dirty="0">
+                  <a:solidFill>
+                    <a:schemeClr val="bg1"/>
+                  </a:solidFill>
+                </a:rPr>
+                <a:t/>
               </a:r>
               <a:br>
                 <a:rPr lang="en-US" sz="2400" baseline="0" dirty="0">
@@ -8145,6 +8171,15 @@
                 </a:rPr>
                 <a:t>PosterPresentations.com</a:t>
               </a:r>
+              <a:r>
+                <a:rPr lang="en-US" sz="2800" dirty="0">
+                  <a:solidFill>
+                    <a:schemeClr val="bg1"/>
+                  </a:solidFill>
+                  <a:latin typeface="Trebuchet MS" pitchFamily="34" charset="0"/>
+                </a:rPr>
+                <a:t/>
+              </a:r>
               <a:br>
                 <a:rPr lang="en-US" sz="2800" dirty="0">
                   <a:solidFill>
@@ -8380,6 +8415,15 @@
             </a:p>
             <a:p>
               <a:pPr algn="l"/>
+              <a:r>
+                <a:rPr lang="en-US" sz="2800" b="1" baseline="0" dirty="0">
+                  <a:solidFill>
+                    <a:schemeClr val="bg1"/>
+                  </a:solidFill>
+                  <a:latin typeface="Trebuchet MS" pitchFamily="34" charset="0"/>
+                </a:rPr>
+                <a:t/>
+              </a:r>
               <a:br>
                 <a:rPr lang="en-US" sz="2800" b="1" baseline="0" dirty="0">
                   <a:solidFill>
@@ -8988,7 +9032,7 @@
               <a:graphicData uri="http://schemas.openxmlformats.org/presentationml/2006/ole">
                 <mc:AlternateContent xmlns:mc="http://schemas.openxmlformats.org/markup-compatibility/2006">
                   <mc:Choice xmlns:v="urn:schemas-microsoft-com:vml" Requires="v">
-                    <p:oleObj spid="_x0000_s2088" name="Image" r:id="rId8" imgW="1828440" imgH="1117440" progId="Photoshop.Image.13">
+                    <p:oleObj spid="_x0000_s2093" name="Image" r:id="rId8" imgW="1828440" imgH="1117440" progId="Photoshop.Image.13">
                       <p:embed/>
                     </p:oleObj>
                   </mc:Choice>
@@ -9045,7 +9089,7 @@
               <a:graphicData uri="http://schemas.openxmlformats.org/presentationml/2006/ole">
                 <mc:AlternateContent xmlns:mc="http://schemas.openxmlformats.org/markup-compatibility/2006">
                   <mc:Choice xmlns:v="urn:schemas-microsoft-com:vml" Requires="v">
-                    <p:oleObj spid="_x0000_s2089" name="Image" r:id="rId10" imgW="1828440" imgH="1117440" progId="Photoshop.Image.13">
+                    <p:oleObj spid="_x0000_s2094" name="Image" r:id="rId10" imgW="1828440" imgH="1117440" progId="Photoshop.Image.13">
                       <p:embed/>
                     </p:oleObj>
                   </mc:Choice>
@@ -10168,7 +10212,7 @@
             <a:graphicData uri="http://schemas.openxmlformats.org/presentationml/2006/ole">
               <mc:AlternateContent xmlns:mc="http://schemas.openxmlformats.org/markup-compatibility/2006">
                 <mc:Choice xmlns:v="urn:schemas-microsoft-com:vml" Requires="v">
-                  <p:oleObj spid="_x0000_s2090" name="Image" r:id="rId12" imgW="4571280" imgH="1688760" progId="Photoshop.Image.13">
+                  <p:oleObj spid="_x0000_s2095" name="Image" r:id="rId12" imgW="4571280" imgH="1688760" progId="Photoshop.Image.13">
                     <p:embed/>
                   </p:oleObj>
                 </mc:Choice>
@@ -10252,7 +10296,7 @@
             <a:graphicData uri="http://schemas.openxmlformats.org/presentationml/2006/ole">
               <mc:AlternateContent xmlns:mc="http://schemas.openxmlformats.org/markup-compatibility/2006">
                 <mc:Choice xmlns:v="urn:schemas-microsoft-com:vml" Requires="v">
-                  <p:oleObj spid="_x0000_s2091" name="Image" r:id="rId15" imgW="1574280" imgH="1053720" progId="Photoshop.Image.13">
+                  <p:oleObj spid="_x0000_s2096" name="Image" r:id="rId15" imgW="1574280" imgH="1053720" progId="Photoshop.Image.13">
                     <p:embed/>
                   </p:oleObj>
                 </mc:Choice>
@@ -10581,6 +10625,14 @@
                 </a:solidFill>
               </a:rPr>
               <a:t>94710</a:t>
+            </a:r>
+            <a:r>
+              <a:rPr lang="en-US" sz="2400" baseline="0" dirty="0">
+                <a:solidFill>
+                  <a:schemeClr val="bg1"/>
+                </a:solidFill>
+              </a:rPr>
+              <a:t/>
             </a:r>
             <a:br>
               <a:rPr lang="en-US" sz="2400" baseline="0" dirty="0">
@@ -11844,6 +11896,15 @@
                 </a:rPr>
                 <a:t>PosterPresentations.com</a:t>
               </a:r>
+              <a:r>
+                <a:rPr lang="en-US" sz="2800" dirty="0">
+                  <a:solidFill>
+                    <a:schemeClr val="bg1"/>
+                  </a:solidFill>
+                  <a:latin typeface="Trebuchet MS" pitchFamily="34" charset="0"/>
+                </a:rPr>
+                <a:t/>
+              </a:r>
               <a:br>
                 <a:rPr lang="en-US" sz="2800" dirty="0">
                   <a:solidFill>
@@ -12079,6 +12140,15 @@
             </a:p>
             <a:p>
               <a:pPr algn="l"/>
+              <a:r>
+                <a:rPr lang="en-US" sz="2800" b="1" baseline="0" dirty="0">
+                  <a:solidFill>
+                    <a:schemeClr val="bg1"/>
+                  </a:solidFill>
+                  <a:latin typeface="Trebuchet MS" pitchFamily="34" charset="0"/>
+                </a:rPr>
+                <a:t/>
+              </a:r>
               <a:br>
                 <a:rPr lang="en-US" sz="2800" b="1" baseline="0" dirty="0">
                   <a:solidFill>
@@ -12687,7 +12757,7 @@
               <a:graphicData uri="http://schemas.openxmlformats.org/presentationml/2006/ole">
                 <mc:AlternateContent xmlns:mc="http://schemas.openxmlformats.org/markup-compatibility/2006">
                   <mc:Choice xmlns:v="urn:schemas-microsoft-com:vml" Requires="v">
-                    <p:oleObj spid="_x0000_s3112" name="Image" r:id="rId8" imgW="1828440" imgH="1117440" progId="Photoshop.Image.13">
+                    <p:oleObj spid="_x0000_s3117" name="Image" r:id="rId8" imgW="1828440" imgH="1117440" progId="Photoshop.Image.13">
                       <p:embed/>
                     </p:oleObj>
                   </mc:Choice>
@@ -12744,7 +12814,7 @@
               <a:graphicData uri="http://schemas.openxmlformats.org/presentationml/2006/ole">
                 <mc:AlternateContent xmlns:mc="http://schemas.openxmlformats.org/markup-compatibility/2006">
                   <mc:Choice xmlns:v="urn:schemas-microsoft-com:vml" Requires="v">
-                    <p:oleObj spid="_x0000_s3113" name="Image" r:id="rId10" imgW="1828440" imgH="1117440" progId="Photoshop.Image.13">
+                    <p:oleObj spid="_x0000_s3118" name="Image" r:id="rId10" imgW="1828440" imgH="1117440" progId="Photoshop.Image.13">
                       <p:embed/>
                     </p:oleObj>
                   </mc:Choice>
@@ -13867,7 +13937,7 @@
             <a:graphicData uri="http://schemas.openxmlformats.org/presentationml/2006/ole">
               <mc:AlternateContent xmlns:mc="http://schemas.openxmlformats.org/markup-compatibility/2006">
                 <mc:Choice xmlns:v="urn:schemas-microsoft-com:vml" Requires="v">
-                  <p:oleObj spid="_x0000_s3114" name="Image" r:id="rId12" imgW="4571280" imgH="1688760" progId="Photoshop.Image.13">
+                  <p:oleObj spid="_x0000_s3119" name="Image" r:id="rId12" imgW="4571280" imgH="1688760" progId="Photoshop.Image.13">
                     <p:embed/>
                   </p:oleObj>
                 </mc:Choice>
@@ -13951,7 +14021,7 @@
             <a:graphicData uri="http://schemas.openxmlformats.org/presentationml/2006/ole">
               <mc:AlternateContent xmlns:mc="http://schemas.openxmlformats.org/markup-compatibility/2006">
                 <mc:Choice xmlns:v="urn:schemas-microsoft-com:vml" Requires="v">
-                  <p:oleObj spid="_x0000_s3115" name="Image" r:id="rId15" imgW="1574280" imgH="1053720" progId="Photoshop.Image.13">
+                  <p:oleObj spid="_x0000_s3120" name="Image" r:id="rId15" imgW="1574280" imgH="1053720" progId="Photoshop.Image.13">
                     <p:embed/>
                   </p:oleObj>
                 </mc:Choice>
@@ -14280,6 +14350,14 @@
                 </a:solidFill>
               </a:rPr>
               <a:t>94710</a:t>
+            </a:r>
+            <a:r>
+              <a:rPr lang="en-US" sz="2400" baseline="0" dirty="0">
+                <a:solidFill>
+                  <a:schemeClr val="bg1"/>
+                </a:solidFill>
+              </a:rPr>
+              <a:t/>
             </a:r>
             <a:br>
               <a:rPr lang="en-US" sz="2400" baseline="0" dirty="0">
@@ -15024,8 +15102,21 @@
           <a:p>
             <a:r>
               <a:rPr lang="en-US" sz="6600" dirty="0"/>
-              <a:t>How our project works</a:t>
+              <a:t>How </a:t>
             </a:r>
+            <a:r>
+              <a:rPr lang="en-US" sz="6600" dirty="0" smtClean="0"/>
+              <a:t>the Project </a:t>
+            </a:r>
+            <a:r>
+              <a:rPr lang="en-US" sz="6600" dirty="0"/>
+              <a:t>W</a:t>
+            </a:r>
+            <a:r>
+              <a:rPr lang="en-US" sz="6600" dirty="0" smtClean="0"/>
+              <a:t>orks</a:t>
+            </a:r>
+            <a:endParaRPr lang="en-US" sz="6600" dirty="0"/>
           </a:p>
         </p:txBody>
       </p:sp>
@@ -15051,7 +15142,23 @@
           <a:p>
             <a:r>
               <a:rPr lang="en-US" dirty="0"/>
-              <a:t>We used python 3 to accomplish all the backend processing, segmenting and transcribing of the audio files. For speaker recognition and transcription, we used Microsoft’s Bing Speaker Identification and Speech to Text APIs. We used a HTML/CSS/JavaScript frontend along with the </a:t>
+              <a:t>We used </a:t>
+            </a:r>
+            <a:r>
+              <a:rPr lang="en-US" dirty="0" smtClean="0"/>
+              <a:t>Python </a:t>
+            </a:r>
+            <a:r>
+              <a:rPr lang="en-US" dirty="0"/>
+              <a:t>3 to accomplish all the backend processing, segmenting and transcribing of the audio files. For speaker recognition and transcription, we used Microsoft’s Bing Speaker Identification and Speech to Text APIs. </a:t>
+            </a:r>
+            <a:r>
+              <a:rPr lang="en-US" dirty="0" smtClean="0"/>
+              <a:t>We </a:t>
+            </a:r>
+            <a:r>
+              <a:rPr lang="en-US" dirty="0"/>
+              <a:t>used a HTML/CSS/JavaScript frontend along with the </a:t>
             </a:r>
             <a:r>
               <a:rPr lang="en-US" dirty="0" err="1"/>
@@ -15059,7 +15166,19 @@
             </a:r>
             <a:r>
               <a:rPr lang="en-US" dirty="0"/>
-              <a:t> library for displaying and manipulating waveforms to the user during the initial interface.</a:t>
+              <a:t> library </a:t>
+            </a:r>
+            <a:r>
+              <a:rPr lang="en-US" dirty="0" smtClean="0"/>
+              <a:t>for manipulating </a:t>
+            </a:r>
+            <a:r>
+              <a:rPr lang="en-US" dirty="0"/>
+              <a:t>waveforms </a:t>
+            </a:r>
+            <a:r>
+              <a:rPr lang="en-US" dirty="0" smtClean="0"/>
+              <a:t>and displaying them to the user. </a:t>
             </a:r>
           </a:p>
         </p:txBody>
@@ -15081,8 +15200,13 @@
           <a:p>
             <a:r>
               <a:rPr lang="en-US" dirty="0"/>
-              <a:t>How we built our project</a:t>
+              <a:t>How we </a:t>
             </a:r>
+            <a:r>
+              <a:rPr lang="en-US" dirty="0" smtClean="0"/>
+              <a:t>Built the Project</a:t>
+            </a:r>
+            <a:endParaRPr lang="en-US" dirty="0"/>
           </a:p>
         </p:txBody>
       </p:sp>
@@ -15120,7 +15244,19 @@
           <a:bodyPr/>
           <a:lstStyle/>
           <a:p>
-            <a:endParaRPr lang="en-US"/>
+            <a:r>
+              <a:rPr lang="en-US" dirty="0" smtClean="0"/>
+              <a:t>Performance of the Transcription </a:t>
+            </a:r>
+            <a:r>
+              <a:rPr lang="en-US" dirty="0"/>
+              <a:t>S</a:t>
+            </a:r>
+            <a:r>
+              <a:rPr lang="en-US" dirty="0" smtClean="0"/>
+              <a:t>oftware</a:t>
+            </a:r>
+            <a:endParaRPr lang="en-US" dirty="0"/>
           </a:p>
         </p:txBody>
       </p:sp>
@@ -15139,7 +15275,11 @@
           <a:bodyPr/>
           <a:lstStyle/>
           <a:p>
-            <a:endParaRPr lang="en-US"/>
+            <a:r>
+              <a:rPr lang="en-US" dirty="0" smtClean="0"/>
+              <a:t>The Interface</a:t>
+            </a:r>
+            <a:endParaRPr lang="en-US" dirty="0"/>
           </a:p>
         </p:txBody>
       </p:sp>
@@ -15158,7 +15298,11 @@
           <a:bodyPr/>
           <a:lstStyle/>
           <a:p>
-            <a:endParaRPr lang="en-US"/>
+            <a:r>
+              <a:rPr lang="en-US" dirty="0" smtClean="0"/>
+              <a:t>Please see screenshots and captions of the user interface below.</a:t>
+            </a:r>
+            <a:endParaRPr lang="en-US" dirty="0"/>
           </a:p>
         </p:txBody>
       </p:sp>
@@ -15177,7 +15321,11 @@
           <a:bodyPr/>
           <a:lstStyle/>
           <a:p>
-            <a:endParaRPr lang="en-US"/>
+            <a:r>
+              <a:rPr lang="en-US" dirty="0" smtClean="0"/>
+              <a:t>Conclusions</a:t>
+            </a:r>
+            <a:endParaRPr lang="en-US" dirty="0"/>
           </a:p>
         </p:txBody>
       </p:sp>

--- a/Poster.pptx
+++ b/Poster.pptx
@@ -287,7 +287,7 @@
               <a:pPr>
                 <a:defRPr/>
               </a:pPr>
-              <a:t>3/14/17</a:t>
+              <a:t>3/15/17</a:t>
             </a:fld>
             <a:endParaRPr lang="en-US" dirty="0"/>
           </a:p>
@@ -5491,7 +5491,7 @@
               <a:graphicData uri="http://schemas.openxmlformats.org/presentationml/2006/ole">
                 <mc:AlternateContent xmlns:mc="http://schemas.openxmlformats.org/markup-compatibility/2006">
                   <mc:Choice xmlns:v="urn:schemas-microsoft-com:vml" Requires="v">
-                    <p:oleObj spid="_x0000_s1069" name="Image" r:id="rId8" imgW="1828440" imgH="1117440" progId="Photoshop.Image.13">
+                    <p:oleObj spid="_x0000_s1086" name="Image" r:id="rId8" imgW="1828440" imgH="1117440" progId="Photoshop.Image.13">
                       <p:embed/>
                     </p:oleObj>
                   </mc:Choice>
@@ -5548,7 +5548,7 @@
               <a:graphicData uri="http://schemas.openxmlformats.org/presentationml/2006/ole">
                 <mc:AlternateContent xmlns:mc="http://schemas.openxmlformats.org/markup-compatibility/2006">
                   <mc:Choice xmlns:v="urn:schemas-microsoft-com:vml" Requires="v">
-                    <p:oleObj spid="_x0000_s1070" name="Image" r:id="rId10" imgW="1828440" imgH="1117440" progId="Photoshop.Image.13">
+                    <p:oleObj spid="_x0000_s1087" name="Image" r:id="rId10" imgW="1828440" imgH="1117440" progId="Photoshop.Image.13">
                       <p:embed/>
                     </p:oleObj>
                   </mc:Choice>
@@ -6671,7 +6671,7 @@
             <a:graphicData uri="http://schemas.openxmlformats.org/presentationml/2006/ole">
               <mc:AlternateContent xmlns:mc="http://schemas.openxmlformats.org/markup-compatibility/2006">
                 <mc:Choice xmlns:v="urn:schemas-microsoft-com:vml" Requires="v">
-                  <p:oleObj spid="_x0000_s1071" name="Image" r:id="rId12" imgW="4571280" imgH="1688760" progId="Photoshop.Image.13">
+                  <p:oleObj spid="_x0000_s1088" name="Image" r:id="rId12" imgW="4571280" imgH="1688760" progId="Photoshop.Image.13">
                     <p:embed/>
                   </p:oleObj>
                 </mc:Choice>
@@ -6755,7 +6755,7 @@
             <a:graphicData uri="http://schemas.openxmlformats.org/presentationml/2006/ole">
               <mc:AlternateContent xmlns:mc="http://schemas.openxmlformats.org/markup-compatibility/2006">
                 <mc:Choice xmlns:v="urn:schemas-microsoft-com:vml" Requires="v">
-                  <p:oleObj spid="_x0000_s1072" name="Image" r:id="rId15" imgW="1574280" imgH="1053720" progId="Photoshop.Image.13">
+                  <p:oleObj spid="_x0000_s1089" name="Image" r:id="rId15" imgW="1574280" imgH="1053720" progId="Photoshop.Image.13">
                     <p:embed/>
                   </p:oleObj>
                 </mc:Choice>
@@ -9032,7 +9032,7 @@
               <a:graphicData uri="http://schemas.openxmlformats.org/presentationml/2006/ole">
                 <mc:AlternateContent xmlns:mc="http://schemas.openxmlformats.org/markup-compatibility/2006">
                   <mc:Choice xmlns:v="urn:schemas-microsoft-com:vml" Requires="v">
-                    <p:oleObj spid="_x0000_s2093" name="Image" r:id="rId8" imgW="1828440" imgH="1117440" progId="Photoshop.Image.13">
+                    <p:oleObj spid="_x0000_s2110" name="Image" r:id="rId8" imgW="1828440" imgH="1117440" progId="Photoshop.Image.13">
                       <p:embed/>
                     </p:oleObj>
                   </mc:Choice>
@@ -9089,7 +9089,7 @@
               <a:graphicData uri="http://schemas.openxmlformats.org/presentationml/2006/ole">
                 <mc:AlternateContent xmlns:mc="http://schemas.openxmlformats.org/markup-compatibility/2006">
                   <mc:Choice xmlns:v="urn:schemas-microsoft-com:vml" Requires="v">
-                    <p:oleObj spid="_x0000_s2094" name="Image" r:id="rId10" imgW="1828440" imgH="1117440" progId="Photoshop.Image.13">
+                    <p:oleObj spid="_x0000_s2111" name="Image" r:id="rId10" imgW="1828440" imgH="1117440" progId="Photoshop.Image.13">
                       <p:embed/>
                     </p:oleObj>
                   </mc:Choice>
@@ -10212,7 +10212,7 @@
             <a:graphicData uri="http://schemas.openxmlformats.org/presentationml/2006/ole">
               <mc:AlternateContent xmlns:mc="http://schemas.openxmlformats.org/markup-compatibility/2006">
                 <mc:Choice xmlns:v="urn:schemas-microsoft-com:vml" Requires="v">
-                  <p:oleObj spid="_x0000_s2095" name="Image" r:id="rId12" imgW="4571280" imgH="1688760" progId="Photoshop.Image.13">
+                  <p:oleObj spid="_x0000_s2112" name="Image" r:id="rId12" imgW="4571280" imgH="1688760" progId="Photoshop.Image.13">
                     <p:embed/>
                   </p:oleObj>
                 </mc:Choice>
@@ -10296,7 +10296,7 @@
             <a:graphicData uri="http://schemas.openxmlformats.org/presentationml/2006/ole">
               <mc:AlternateContent xmlns:mc="http://schemas.openxmlformats.org/markup-compatibility/2006">
                 <mc:Choice xmlns:v="urn:schemas-microsoft-com:vml" Requires="v">
-                  <p:oleObj spid="_x0000_s2096" name="Image" r:id="rId15" imgW="1574280" imgH="1053720" progId="Photoshop.Image.13">
+                  <p:oleObj spid="_x0000_s2113" name="Image" r:id="rId15" imgW="1574280" imgH="1053720" progId="Photoshop.Image.13">
                     <p:embed/>
                   </p:oleObj>
                 </mc:Choice>
@@ -12757,7 +12757,7 @@
               <a:graphicData uri="http://schemas.openxmlformats.org/presentationml/2006/ole">
                 <mc:AlternateContent xmlns:mc="http://schemas.openxmlformats.org/markup-compatibility/2006">
                   <mc:Choice xmlns:v="urn:schemas-microsoft-com:vml" Requires="v">
-                    <p:oleObj spid="_x0000_s3117" name="Image" r:id="rId8" imgW="1828440" imgH="1117440" progId="Photoshop.Image.13">
+                    <p:oleObj spid="_x0000_s3134" name="Image" r:id="rId8" imgW="1828440" imgH="1117440" progId="Photoshop.Image.13">
                       <p:embed/>
                     </p:oleObj>
                   </mc:Choice>
@@ -12814,7 +12814,7 @@
               <a:graphicData uri="http://schemas.openxmlformats.org/presentationml/2006/ole">
                 <mc:AlternateContent xmlns:mc="http://schemas.openxmlformats.org/markup-compatibility/2006">
                   <mc:Choice xmlns:v="urn:schemas-microsoft-com:vml" Requires="v">
-                    <p:oleObj spid="_x0000_s3118" name="Image" r:id="rId10" imgW="1828440" imgH="1117440" progId="Photoshop.Image.13">
+                    <p:oleObj spid="_x0000_s3135" name="Image" r:id="rId10" imgW="1828440" imgH="1117440" progId="Photoshop.Image.13">
                       <p:embed/>
                     </p:oleObj>
                   </mc:Choice>
@@ -13937,7 +13937,7 @@
             <a:graphicData uri="http://schemas.openxmlformats.org/presentationml/2006/ole">
               <mc:AlternateContent xmlns:mc="http://schemas.openxmlformats.org/markup-compatibility/2006">
                 <mc:Choice xmlns:v="urn:schemas-microsoft-com:vml" Requires="v">
-                  <p:oleObj spid="_x0000_s3119" name="Image" r:id="rId12" imgW="4571280" imgH="1688760" progId="Photoshop.Image.13">
+                  <p:oleObj spid="_x0000_s3136" name="Image" r:id="rId12" imgW="4571280" imgH="1688760" progId="Photoshop.Image.13">
                     <p:embed/>
                   </p:oleObj>
                 </mc:Choice>
@@ -14021,7 +14021,7 @@
             <a:graphicData uri="http://schemas.openxmlformats.org/presentationml/2006/ole">
               <mc:AlternateContent xmlns:mc="http://schemas.openxmlformats.org/markup-compatibility/2006">
                 <mc:Choice xmlns:v="urn:schemas-microsoft-com:vml" Requires="v">
-                  <p:oleObj spid="_x0000_s3120" name="Image" r:id="rId15" imgW="1574280" imgH="1053720" progId="Photoshop.Image.13">
+                  <p:oleObj spid="_x0000_s3137" name="Image" r:id="rId15" imgW="1574280" imgH="1053720" progId="Photoshop.Image.13">
                     <p:embed/>
                   </p:oleObj>
                 </mc:Choice>
@@ -15012,7 +15012,7 @@
         <p:spPr>
           <a:xfrm>
             <a:off x="1054885" y="6525551"/>
-            <a:ext cx="15856490" cy="6344567"/>
+            <a:ext cx="15856490" cy="4836462"/>
           </a:xfrm>
         </p:spPr>
         <p:txBody>
@@ -15020,9 +15020,22 @@
           <a:lstStyle/>
           <a:p>
             <a:r>
-              <a:rPr lang="en-US" sz="5400" dirty="0"/>
-              <a:t>The main motivation for our project is to provide a tool for transcribing interviews, podcasts, and anything in which two or more people are talking and an auto-generated caption might be useful. This would be a tool that journalists could use to streamline their workflow and concentrate their efforts on other aspects of their job, as opposed to the menial task of transcription.   </a:t>
+              <a:rPr lang="en-US" sz="4000" dirty="0"/>
+              <a:t>The main motivation for our project is to provide a tool for transcribing interviews, podcasts, and anything in which two or more people are talking and an auto-generated caption might be useful. This would be a tool that journalists could use to streamline their workflow and concentrate their efforts on other aspects of their job, as opposed to the menial </a:t>
             </a:r>
+            <a:r>
+              <a:rPr lang="en-US" sz="4000" dirty="0" smtClean="0"/>
+              <a:t>and often time-consuming task </a:t>
+            </a:r>
+            <a:r>
+              <a:rPr lang="en-US" sz="4000" dirty="0"/>
+              <a:t>of transcription. </a:t>
+            </a:r>
+            <a:r>
+              <a:rPr lang="en-US" sz="4000" dirty="0" smtClean="0"/>
+              <a:t>At the very least, this tool aims to reduce the amount of work a journalist must spend on transcription.  </a:t>
+            </a:r>
+            <a:endParaRPr lang="en-US" sz="4000" dirty="0"/>
           </a:p>
         </p:txBody>
       </p:sp>
@@ -15065,8 +15078,8 @@
         </p:nvSpPr>
         <p:spPr>
           <a:xfrm>
-            <a:off x="1076061" y="18425156"/>
-            <a:ext cx="15858342" cy="12992541"/>
+            <a:off x="1076061" y="18159683"/>
+            <a:ext cx="15858342" cy="7298675"/>
           </a:xfrm>
         </p:spPr>
         <p:txBody>
@@ -15074,8 +15087,48 @@
           <a:lstStyle/>
           <a:p>
             <a:r>
-              <a:rPr lang="en-US" sz="5400" dirty="0"/>
-              <a:t>Users will submit a wave audio file containing a conversation between two or more people. The user will then select portions of the audio in which only one person is talking, and will do this for each speaker in the conversation. Then, a profile for that user is created with that audio clip, which will be used for speaker identification. The program then uses a self-similarity measure to find places in which one speaker stops speaking and another starts, segmenting the original audio file and splitting it into multiple files. Then, each file will be analyzed by the speech identification API, the speaker will be identified, and the text of the audio file transcribed. This will be written in the format of a transcript, where the speaker’s name precedes the words they said. </a:t>
+              <a:rPr lang="en-US" sz="4000" dirty="0"/>
+              <a:t>Users will submit a wave audio file containing a conversation between two or more people. The user will then select portions of the audio in which only one person is talking, and will do this for each speaker in the conversation. Then, a profile for that user is created with that audio clip, which will be used for speaker identification. The program then uses a self-similarity measure to </a:t>
+            </a:r>
+            <a:r>
+              <a:rPr lang="en-US" sz="4000" dirty="0" smtClean="0"/>
+              <a:t>identify points in the audio at </a:t>
+            </a:r>
+            <a:r>
+              <a:rPr lang="en-US" sz="4000" dirty="0"/>
+              <a:t>which one speaker stops speaking and another </a:t>
+            </a:r>
+            <a:r>
+              <a:rPr lang="en-US" sz="4000" dirty="0" smtClean="0"/>
+              <a:t>starts. It segments </a:t>
+            </a:r>
+            <a:r>
+              <a:rPr lang="en-US" sz="4000" dirty="0"/>
+              <a:t>the original audio file and </a:t>
+            </a:r>
+            <a:r>
+              <a:rPr lang="en-US" sz="4000" dirty="0" smtClean="0"/>
+              <a:t>splits </a:t>
+            </a:r>
+            <a:r>
+              <a:rPr lang="en-US" sz="4000" dirty="0"/>
+              <a:t>it into multiple files. </a:t>
+            </a:r>
+            <a:r>
+              <a:rPr lang="en-US" sz="4000" dirty="0" smtClean="0"/>
+              <a:t>Each file </a:t>
+            </a:r>
+            <a:r>
+              <a:rPr lang="en-US" sz="4000" dirty="0"/>
+              <a:t>will </a:t>
+            </a:r>
+            <a:r>
+              <a:rPr lang="en-US" sz="4000" dirty="0" smtClean="0"/>
+              <a:t>then be </a:t>
+            </a:r>
+            <a:r>
+              <a:rPr lang="en-US" sz="4000" dirty="0"/>
+              <a:t>analyzed by the speech identification API, the speaker will be identified, and the text of the audio file transcribed. This will be written in the format of a transcript, where the speaker’s name precedes the words they said. </a:t>
             </a:r>
           </a:p>
         </p:txBody>
@@ -15109,12 +15162,8 @@
               <a:t>the Project </a:t>
             </a:r>
             <a:r>
-              <a:rPr lang="en-US" sz="6600" dirty="0"/>
-              <a:t>W</a:t>
-            </a:r>
-            <a:r>
               <a:rPr lang="en-US" sz="6600" dirty="0" smtClean="0"/>
-              <a:t>orks</a:t>
+              <a:t>Works (High Level)</a:t>
             </a:r>
             <a:endParaRPr lang="en-US" sz="6600" dirty="0"/>
           </a:p>
@@ -15132,8 +15181,8 @@
         </p:nvSpPr>
         <p:spPr>
           <a:xfrm>
-            <a:off x="17679990" y="21674253"/>
-            <a:ext cx="15833456" cy="2251139"/>
+            <a:off x="17679990" y="18164130"/>
+            <a:ext cx="15833456" cy="12469321"/>
           </a:xfrm>
         </p:spPr>
         <p:txBody>
@@ -15141,45 +15190,68 @@
           <a:lstStyle/>
           <a:p>
             <a:r>
-              <a:rPr lang="en-US" dirty="0"/>
+              <a:rPr lang="en-US" sz="4000" dirty="0"/>
               <a:t>We used </a:t>
             </a:r>
             <a:r>
-              <a:rPr lang="en-US" dirty="0" smtClean="0"/>
+              <a:rPr lang="en-US" sz="4000" dirty="0" smtClean="0"/>
               <a:t>Python </a:t>
             </a:r>
             <a:r>
-              <a:rPr lang="en-US" dirty="0"/>
+              <a:rPr lang="en-US" sz="4000" dirty="0"/>
               <a:t>3 to accomplish all the backend processing, segmenting and transcribing of the audio files. For speaker recognition and transcription, we used Microsoft’s Bing Speaker Identification and Speech to Text APIs. </a:t>
             </a:r>
             <a:r>
-              <a:rPr lang="en-US" dirty="0" smtClean="0"/>
+              <a:rPr lang="en-US" sz="4000" dirty="0" smtClean="0"/>
               <a:t>We </a:t>
             </a:r>
             <a:r>
-              <a:rPr lang="en-US" dirty="0"/>
+              <a:rPr lang="en-US" sz="4000" dirty="0"/>
               <a:t>used a HTML/CSS/JavaScript frontend along with the </a:t>
             </a:r>
             <a:r>
-              <a:rPr lang="en-US" dirty="0" err="1"/>
+              <a:rPr lang="en-US" sz="4000" dirty="0" err="1"/>
               <a:t>wavesurfer.js</a:t>
             </a:r>
             <a:r>
-              <a:rPr lang="en-US" dirty="0"/>
+              <a:rPr lang="en-US" sz="4000" dirty="0"/>
               <a:t> library </a:t>
             </a:r>
             <a:r>
-              <a:rPr lang="en-US" dirty="0" smtClean="0"/>
+              <a:rPr lang="en-US" sz="4000" dirty="0" smtClean="0"/>
               <a:t>for manipulating </a:t>
             </a:r>
             <a:r>
-              <a:rPr lang="en-US" dirty="0"/>
+              <a:rPr lang="en-US" sz="4000" dirty="0"/>
               <a:t>waveforms </a:t>
             </a:r>
             <a:r>
-              <a:rPr lang="en-US" dirty="0" smtClean="0"/>
+              <a:rPr lang="en-US" sz="4000" dirty="0" smtClean="0"/>
               <a:t>and displaying them to the user. </a:t>
             </a:r>
+            <a:endParaRPr lang="en-US" sz="4000" dirty="0"/>
+          </a:p>
+          <a:p>
+            <a:r>
+              <a:rPr lang="en-US" sz="4000" dirty="0" smtClean="0"/>
+              <a:t>We tested the performance of our transcription software upon two major criteria:</a:t>
+            </a:r>
+            <a:r>
+              <a:rPr lang="en-US" sz="4000" dirty="0"/>
+              <a:t> </a:t>
+            </a:r>
+            <a:r>
+              <a:rPr lang="en-US" sz="4000" dirty="0" smtClean="0"/>
+              <a:t>(1) How well it segmented the audio files into smaller files where only one speaker was talking, and (2) How accurate the final transcription was (regarding both the speaker identification and the speech to text conversion). For both of these instances we utilized f-score as a measure of our success. </a:t>
+            </a:r>
+            <a:endParaRPr lang="en-US" sz="4000" dirty="0"/>
+          </a:p>
+          <a:p>
+            <a:r>
+              <a:rPr lang="en-US" sz="4000" dirty="0" smtClean="0"/>
+              <a:t>In terms of testing data, we primarily used two files: one of a clip of an NPR interview, where an interviewer asked President Obama a question, and he started his response, and another of the three of us reading different sections from a Wikipedia article on sports in Latvia. Because we are using the Bing API, our speech to text and speech recognition f-scores are something that would primarily be determined by how well our audio was segmented</a:t>
+            </a:r>
+            <a:endParaRPr lang="en-US" sz="4000" dirty="0" smtClean="0"/>
           </a:p>
         </p:txBody>
       </p:sp>
@@ -15193,20 +15265,33 @@
             <p:ph type="body" sz="quarter" idx="22"/>
           </p:nvPr>
         </p:nvSpPr>
-        <p:spPr/>
+        <p:spPr>
+          <a:xfrm>
+            <a:off x="17679990" y="17351154"/>
+            <a:ext cx="15833456" cy="1134367"/>
+          </a:xfrm>
+        </p:spPr>
         <p:txBody>
           <a:bodyPr/>
           <a:lstStyle/>
           <a:p>
             <a:r>
-              <a:rPr lang="en-US" dirty="0"/>
+              <a:rPr lang="en-US" sz="6000" dirty="0"/>
               <a:t>How we </a:t>
             </a:r>
             <a:r>
-              <a:rPr lang="en-US" dirty="0" smtClean="0"/>
-              <a:t>Built the Project</a:t>
+              <a:rPr lang="en-US" sz="6000" dirty="0" smtClean="0"/>
+              <a:t>Built </a:t>
             </a:r>
-            <a:endParaRPr lang="en-US" dirty="0"/>
+            <a:r>
+              <a:rPr lang="en-US" sz="6000" dirty="0" smtClean="0"/>
+              <a:t>and Tested the </a:t>
+            </a:r>
+            <a:r>
+              <a:rPr lang="en-US" sz="6000" dirty="0" smtClean="0"/>
+              <a:t>Project</a:t>
+            </a:r>
+            <a:endParaRPr lang="en-US" sz="6000" dirty="0"/>
           </a:p>
         </p:txBody>
       </p:sp>
@@ -15508,7 +15593,7 @@
         </p:nvSpPr>
         <p:spPr>
           <a:xfrm>
-            <a:off x="39217600" y="557502"/>
+            <a:off x="40279482" y="557502"/>
             <a:ext cx="10916131" cy="1569660"/>
           </a:xfrm>
           <a:prstGeom prst="rect">
@@ -15528,36 +15613,80 @@
                 <a:solidFill>
                   <a:schemeClr val="bg1"/>
                 </a:solidFill>
-                <a:latin typeface="Times New Roman" panose="02020603050405020304" pitchFamily="18" charset="0"/>
-                <a:cs typeface="Times New Roman" panose="02020603050405020304" pitchFamily="18" charset="0"/>
+                <a:latin typeface="Calibri" charset="0"/>
+                <a:ea typeface="Calibri" charset="0"/>
+                <a:cs typeface="Calibri" charset="0"/>
               </a:rPr>
-              <a:t>EECS352: Machine Perception of Music and Audio</a:t>
+              <a:t>Professor Bryan </a:t>
+            </a:r>
+            <a:r>
+              <a:rPr lang="en-US" sz="3200" dirty="0" smtClean="0">
+                <a:solidFill>
+                  <a:schemeClr val="bg1"/>
+                </a:solidFill>
+                <a:latin typeface="Calibri" charset="0"/>
+                <a:ea typeface="Calibri" charset="0"/>
+                <a:cs typeface="Calibri" charset="0"/>
+              </a:rPr>
+              <a:t>Pardo</a:t>
+            </a:r>
+            <a:endParaRPr lang="en-US" sz="3200" dirty="0" smtClean="0">
+              <a:solidFill>
+                <a:schemeClr val="bg1"/>
+              </a:solidFill>
+              <a:latin typeface="Calibri" charset="0"/>
+              <a:ea typeface="Calibri" charset="0"/>
+              <a:cs typeface="Calibri" charset="0"/>
+            </a:endParaRPr>
+          </a:p>
+          <a:p>
+            <a:pPr algn="r"/>
+            <a:r>
+              <a:rPr lang="en-US" sz="3200" dirty="0" smtClean="0">
+                <a:solidFill>
+                  <a:schemeClr val="bg1"/>
+                </a:solidFill>
+                <a:latin typeface="Calibri" charset="0"/>
+                <a:ea typeface="Calibri" charset="0"/>
+                <a:cs typeface="Calibri" charset="0"/>
+              </a:rPr>
+              <a:t>EECS352</a:t>
+            </a:r>
+            <a:r>
+              <a:rPr lang="en-US" sz="3200" dirty="0">
+                <a:solidFill>
+                  <a:schemeClr val="bg1"/>
+                </a:solidFill>
+                <a:latin typeface="Calibri" charset="0"/>
+                <a:ea typeface="Calibri" charset="0"/>
+                <a:cs typeface="Calibri" charset="0"/>
+              </a:rPr>
+              <a:t>: Machine Perception of Music and Audio</a:t>
             </a:r>
           </a:p>
           <a:p>
             <a:pPr algn="r"/>
             <a:r>
-              <a:rPr lang="en-US" sz="3200" dirty="0">
+              <a:rPr lang="en-US" sz="3200" dirty="0" smtClean="0">
                 <a:solidFill>
                   <a:schemeClr val="bg1"/>
                 </a:solidFill>
-                <a:latin typeface="Times New Roman" panose="02020603050405020304" pitchFamily="18" charset="0"/>
-                <a:cs typeface="Times New Roman" panose="02020603050405020304" pitchFamily="18" charset="0"/>
+                <a:latin typeface="Calibri" charset="0"/>
+                <a:ea typeface="Calibri" charset="0"/>
+                <a:cs typeface="Calibri" charset="0"/>
               </a:rPr>
-              <a:t>Professor Bryan Pardo</a:t>
+              <a:t>Northwestern </a:t>
             </a:r>
-          </a:p>
-          <a:p>
-            <a:pPr algn="r"/>
             <a:r>
               <a:rPr lang="en-US" sz="3200" dirty="0">
                 <a:solidFill>
                   <a:schemeClr val="bg1"/>
                 </a:solidFill>
-                <a:latin typeface="Times New Roman" panose="02020603050405020304" pitchFamily="18" charset="0"/>
-                <a:cs typeface="Times New Roman" panose="02020603050405020304" pitchFamily="18" charset="0"/>
+                <a:latin typeface="Calibri" charset="0"/>
+                <a:ea typeface="Calibri" charset="0"/>
+                <a:cs typeface="Calibri" charset="0"/>
               </a:rPr>
-              <a:t>Northwestern University</a:t>
+              <a:t>University</a:t>
             </a:r>
           </a:p>
         </p:txBody>

--- a/Poster.pptx
+++ b/Poster.pptx
@@ -5473,7 +5473,7 @@
               <a:graphicData uri="http://schemas.openxmlformats.org/presentationml/2006/ole">
                 <mc:AlternateContent xmlns:mc="http://schemas.openxmlformats.org/markup-compatibility/2006">
                   <mc:Choice xmlns:v="urn:schemas-microsoft-com:vml" Requires="v">
-                    <p:oleObj spid="_x0000_s1119" name="Image" r:id="rId8" imgW="1828440" imgH="1117440" progId="Photoshop.Image.13">
+                    <p:oleObj spid="_x0000_s1127" name="Image" r:id="rId8" imgW="1828440" imgH="1117440" progId="Photoshop.Image.13">
                       <p:embed/>
                     </p:oleObj>
                   </mc:Choice>
@@ -5530,7 +5530,7 @@
               <a:graphicData uri="http://schemas.openxmlformats.org/presentationml/2006/ole">
                 <mc:AlternateContent xmlns:mc="http://schemas.openxmlformats.org/markup-compatibility/2006">
                   <mc:Choice xmlns:v="urn:schemas-microsoft-com:vml" Requires="v">
-                    <p:oleObj spid="_x0000_s1120" name="Image" r:id="rId10" imgW="1828440" imgH="1117440" progId="Photoshop.Image.13">
+                    <p:oleObj spid="_x0000_s1128" name="Image" r:id="rId10" imgW="1828440" imgH="1117440" progId="Photoshop.Image.13">
                       <p:embed/>
                     </p:oleObj>
                   </mc:Choice>
@@ -6653,7 +6653,7 @@
             <a:graphicData uri="http://schemas.openxmlformats.org/presentationml/2006/ole">
               <mc:AlternateContent xmlns:mc="http://schemas.openxmlformats.org/markup-compatibility/2006">
                 <mc:Choice xmlns:v="urn:schemas-microsoft-com:vml" Requires="v">
-                  <p:oleObj spid="_x0000_s1121" name="Image" r:id="rId12" imgW="4571280" imgH="1688760" progId="Photoshop.Image.13">
+                  <p:oleObj spid="_x0000_s1129" name="Image" r:id="rId12" imgW="4571280" imgH="1688760" progId="Photoshop.Image.13">
                     <p:embed/>
                   </p:oleObj>
                 </mc:Choice>
@@ -6737,7 +6737,7 @@
             <a:graphicData uri="http://schemas.openxmlformats.org/presentationml/2006/ole">
               <mc:AlternateContent xmlns:mc="http://schemas.openxmlformats.org/markup-compatibility/2006">
                 <mc:Choice xmlns:v="urn:schemas-microsoft-com:vml" Requires="v">
-                  <p:oleObj spid="_x0000_s1122" name="Image" r:id="rId15" imgW="1574280" imgH="1053720" progId="Photoshop.Image.13">
+                  <p:oleObj spid="_x0000_s1130" name="Image" r:id="rId15" imgW="1574280" imgH="1053720" progId="Photoshop.Image.13">
                     <p:embed/>
                   </p:oleObj>
                 </mc:Choice>
@@ -8988,7 +8988,7 @@
               <a:graphicData uri="http://schemas.openxmlformats.org/presentationml/2006/ole">
                 <mc:AlternateContent xmlns:mc="http://schemas.openxmlformats.org/markup-compatibility/2006">
                   <mc:Choice xmlns:v="urn:schemas-microsoft-com:vml" Requires="v">
-                    <p:oleObj spid="_x0000_s2143" name="Image" r:id="rId8" imgW="1828440" imgH="1117440" progId="Photoshop.Image.13">
+                    <p:oleObj spid="_x0000_s2151" name="Image" r:id="rId8" imgW="1828440" imgH="1117440" progId="Photoshop.Image.13">
                       <p:embed/>
                     </p:oleObj>
                   </mc:Choice>
@@ -9045,7 +9045,7 @@
               <a:graphicData uri="http://schemas.openxmlformats.org/presentationml/2006/ole">
                 <mc:AlternateContent xmlns:mc="http://schemas.openxmlformats.org/markup-compatibility/2006">
                   <mc:Choice xmlns:v="urn:schemas-microsoft-com:vml" Requires="v">
-                    <p:oleObj spid="_x0000_s2144" name="Image" r:id="rId10" imgW="1828440" imgH="1117440" progId="Photoshop.Image.13">
+                    <p:oleObj spid="_x0000_s2152" name="Image" r:id="rId10" imgW="1828440" imgH="1117440" progId="Photoshop.Image.13">
                       <p:embed/>
                     </p:oleObj>
                   </mc:Choice>
@@ -10168,7 +10168,7 @@
             <a:graphicData uri="http://schemas.openxmlformats.org/presentationml/2006/ole">
               <mc:AlternateContent xmlns:mc="http://schemas.openxmlformats.org/markup-compatibility/2006">
                 <mc:Choice xmlns:v="urn:schemas-microsoft-com:vml" Requires="v">
-                  <p:oleObj spid="_x0000_s2145" name="Image" r:id="rId12" imgW="4571280" imgH="1688760" progId="Photoshop.Image.13">
+                  <p:oleObj spid="_x0000_s2153" name="Image" r:id="rId12" imgW="4571280" imgH="1688760" progId="Photoshop.Image.13">
                     <p:embed/>
                   </p:oleObj>
                 </mc:Choice>
@@ -10252,7 +10252,7 @@
             <a:graphicData uri="http://schemas.openxmlformats.org/presentationml/2006/ole">
               <mc:AlternateContent xmlns:mc="http://schemas.openxmlformats.org/markup-compatibility/2006">
                 <mc:Choice xmlns:v="urn:schemas-microsoft-com:vml" Requires="v">
-                  <p:oleObj spid="_x0000_s2146" name="Image" r:id="rId15" imgW="1574280" imgH="1053720" progId="Photoshop.Image.13">
+                  <p:oleObj spid="_x0000_s2154" name="Image" r:id="rId15" imgW="1574280" imgH="1053720" progId="Photoshop.Image.13">
                     <p:embed/>
                   </p:oleObj>
                 </mc:Choice>
@@ -12687,7 +12687,7 @@
               <a:graphicData uri="http://schemas.openxmlformats.org/presentationml/2006/ole">
                 <mc:AlternateContent xmlns:mc="http://schemas.openxmlformats.org/markup-compatibility/2006">
                   <mc:Choice xmlns:v="urn:schemas-microsoft-com:vml" Requires="v">
-                    <p:oleObj spid="_x0000_s3167" name="Image" r:id="rId8" imgW="1828440" imgH="1117440" progId="Photoshop.Image.13">
+                    <p:oleObj spid="_x0000_s3175" name="Image" r:id="rId8" imgW="1828440" imgH="1117440" progId="Photoshop.Image.13">
                       <p:embed/>
                     </p:oleObj>
                   </mc:Choice>
@@ -12744,7 +12744,7 @@
               <a:graphicData uri="http://schemas.openxmlformats.org/presentationml/2006/ole">
                 <mc:AlternateContent xmlns:mc="http://schemas.openxmlformats.org/markup-compatibility/2006">
                   <mc:Choice xmlns:v="urn:schemas-microsoft-com:vml" Requires="v">
-                    <p:oleObj spid="_x0000_s3168" name="Image" r:id="rId10" imgW="1828440" imgH="1117440" progId="Photoshop.Image.13">
+                    <p:oleObj spid="_x0000_s3176" name="Image" r:id="rId10" imgW="1828440" imgH="1117440" progId="Photoshop.Image.13">
                       <p:embed/>
                     </p:oleObj>
                   </mc:Choice>
@@ -13867,7 +13867,7 @@
             <a:graphicData uri="http://schemas.openxmlformats.org/presentationml/2006/ole">
               <mc:AlternateContent xmlns:mc="http://schemas.openxmlformats.org/markup-compatibility/2006">
                 <mc:Choice xmlns:v="urn:schemas-microsoft-com:vml" Requires="v">
-                  <p:oleObj spid="_x0000_s3169" name="Image" r:id="rId12" imgW="4571280" imgH="1688760" progId="Photoshop.Image.13">
+                  <p:oleObj spid="_x0000_s3177" name="Image" r:id="rId12" imgW="4571280" imgH="1688760" progId="Photoshop.Image.13">
                     <p:embed/>
                   </p:oleObj>
                 </mc:Choice>
@@ -13951,7 +13951,7 @@
             <a:graphicData uri="http://schemas.openxmlformats.org/presentationml/2006/ole">
               <mc:AlternateContent xmlns:mc="http://schemas.openxmlformats.org/markup-compatibility/2006">
                 <mc:Choice xmlns:v="urn:schemas-microsoft-com:vml" Requires="v">
-                  <p:oleObj spid="_x0000_s3170" name="Image" r:id="rId15" imgW="1574280" imgH="1053720" progId="Photoshop.Image.13">
+                  <p:oleObj spid="_x0000_s3178" name="Image" r:id="rId15" imgW="1574280" imgH="1053720" progId="Photoshop.Image.13">
                     <p:embed/>
                   </p:oleObj>
                 </mc:Choice>
@@ -14934,7 +14934,7 @@
         <p:spPr>
           <a:xfrm>
             <a:off x="1054885" y="6525551"/>
-            <a:ext cx="15856490" cy="4836462"/>
+            <a:ext cx="15856490" cy="8776002"/>
           </a:xfrm>
         </p:spPr>
         <p:txBody>
@@ -14945,6 +14945,15 @@
               <a:rPr lang="en-US" sz="4000" dirty="0"/>
               <a:t>The main motivation for our project is to provide a tool for transcribing interviews, podcasts, and anything in which two or more people are talking and an auto-generated caption might be useful. This would be a tool that journalists could use to streamline their workflow and concentrate their efforts on other aspects of their job, as opposed to the menial and often time-consuming task of transcription. At the very least, this tool aims to reduce the amount of work a journalist must spend on transcription.  </a:t>
             </a:r>
+          </a:p>
+          <a:p>
+            <a:r>
+              <a:rPr lang="en-US" sz="4000" dirty="0"/>
+              <a:t>Tools for both speech transcription and speaker identification already exist but they do not work in parallel to identify multiple speakers in a single audio file while assigning transcribed words to their respective speaker. Our project’s goal is to combine these two existing tools and make one streamlined interface for creating transcriptions from an audio file.</a:t>
+            </a:r>
+          </a:p>
+          <a:p>
+            <a:endParaRPr lang="en-US" sz="4000" dirty="0"/>
           </a:p>
         </p:txBody>
       </p:sp>

--- a/Poster.pptx
+++ b/Poster.pptx
@@ -287,7 +287,7 @@
               <a:pPr>
                 <a:defRPr/>
               </a:pPr>
-              <a:t>3/15/2017</a:t>
+              <a:t>3/15/17</a:t>
             </a:fld>
             <a:endParaRPr lang="en-US" dirty="0"/>
           </a:p>
@@ -4630,6 +4630,15 @@
                 </a:rPr>
                 <a:t>PosterPresentations.com</a:t>
               </a:r>
+              <a:r>
+                <a:rPr lang="en-US" sz="2800" dirty="0">
+                  <a:solidFill>
+                    <a:schemeClr val="bg1"/>
+                  </a:solidFill>
+                  <a:latin typeface="Trebuchet MS" pitchFamily="34" charset="0"/>
+                </a:rPr>
+                <a:t/>
+              </a:r>
               <a:br>
                 <a:rPr lang="en-US" sz="2800" dirty="0">
                   <a:solidFill>
@@ -4865,6 +4874,15 @@
             </a:p>
             <a:p>
               <a:pPr algn="l"/>
+              <a:r>
+                <a:rPr lang="en-US" sz="2800" b="1" baseline="0" dirty="0">
+                  <a:solidFill>
+                    <a:schemeClr val="bg1"/>
+                  </a:solidFill>
+                  <a:latin typeface="Trebuchet MS" pitchFamily="34" charset="0"/>
+                </a:rPr>
+                <a:t/>
+              </a:r>
               <a:br>
                 <a:rPr lang="en-US" sz="2800" b="1" baseline="0" dirty="0">
                   <a:solidFill>
@@ -5473,7 +5491,7 @@
               <a:graphicData uri="http://schemas.openxmlformats.org/presentationml/2006/ole">
                 <mc:AlternateContent xmlns:mc="http://schemas.openxmlformats.org/markup-compatibility/2006">
                   <mc:Choice xmlns:v="urn:schemas-microsoft-com:vml" Requires="v">
-                    <p:oleObj spid="_x0000_s1127" name="Image" r:id="rId8" imgW="1828440" imgH="1117440" progId="Photoshop.Image.13">
+                    <p:oleObj spid="_x0000_s1144" name="Image" r:id="rId8" imgW="1828440" imgH="1117440" progId="Photoshop.Image.13">
                       <p:embed/>
                     </p:oleObj>
                   </mc:Choice>
@@ -5530,7 +5548,7 @@
               <a:graphicData uri="http://schemas.openxmlformats.org/presentationml/2006/ole">
                 <mc:AlternateContent xmlns:mc="http://schemas.openxmlformats.org/markup-compatibility/2006">
                   <mc:Choice xmlns:v="urn:schemas-microsoft-com:vml" Requires="v">
-                    <p:oleObj spid="_x0000_s1128" name="Image" r:id="rId10" imgW="1828440" imgH="1117440" progId="Photoshop.Image.13">
+                    <p:oleObj spid="_x0000_s1145" name="Image" r:id="rId10" imgW="1828440" imgH="1117440" progId="Photoshop.Image.13">
                       <p:embed/>
                     </p:oleObj>
                   </mc:Choice>
@@ -6653,7 +6671,7 @@
             <a:graphicData uri="http://schemas.openxmlformats.org/presentationml/2006/ole">
               <mc:AlternateContent xmlns:mc="http://schemas.openxmlformats.org/markup-compatibility/2006">
                 <mc:Choice xmlns:v="urn:schemas-microsoft-com:vml" Requires="v">
-                  <p:oleObj spid="_x0000_s1129" name="Image" r:id="rId12" imgW="4571280" imgH="1688760" progId="Photoshop.Image.13">
+                  <p:oleObj spid="_x0000_s1146" name="Image" r:id="rId12" imgW="4571280" imgH="1688760" progId="Photoshop.Image.13">
                     <p:embed/>
                   </p:oleObj>
                 </mc:Choice>
@@ -6737,7 +6755,7 @@
             <a:graphicData uri="http://schemas.openxmlformats.org/presentationml/2006/ole">
               <mc:AlternateContent xmlns:mc="http://schemas.openxmlformats.org/markup-compatibility/2006">
                 <mc:Choice xmlns:v="urn:schemas-microsoft-com:vml" Requires="v">
-                  <p:oleObj spid="_x0000_s1130" name="Image" r:id="rId15" imgW="1574280" imgH="1053720" progId="Photoshop.Image.13">
+                  <p:oleObj spid="_x0000_s1147" name="Image" r:id="rId15" imgW="1574280" imgH="1053720" progId="Photoshop.Image.13">
                     <p:embed/>
                   </p:oleObj>
                 </mc:Choice>
@@ -7065,6 +7083,14 @@
                   </a:solidFill>
                 </a:rPr>
                 <a:t>94710</a:t>
+              </a:r>
+              <a:r>
+                <a:rPr lang="en-US" sz="2400" baseline="0" dirty="0">
+                  <a:solidFill>
+                    <a:schemeClr val="bg1"/>
+                  </a:solidFill>
+                </a:rPr>
+                <a:t/>
               </a:r>
               <a:br>
                 <a:rPr lang="en-US" sz="2400" baseline="0" dirty="0">
@@ -8145,6 +8171,15 @@
                 </a:rPr>
                 <a:t>PosterPresentations.com</a:t>
               </a:r>
+              <a:r>
+                <a:rPr lang="en-US" sz="2800" dirty="0">
+                  <a:solidFill>
+                    <a:schemeClr val="bg1"/>
+                  </a:solidFill>
+                  <a:latin typeface="Trebuchet MS" pitchFamily="34" charset="0"/>
+                </a:rPr>
+                <a:t/>
+              </a:r>
               <a:br>
                 <a:rPr lang="en-US" sz="2800" dirty="0">
                   <a:solidFill>
@@ -8380,6 +8415,15 @@
             </a:p>
             <a:p>
               <a:pPr algn="l"/>
+              <a:r>
+                <a:rPr lang="en-US" sz="2800" b="1" baseline="0" dirty="0">
+                  <a:solidFill>
+                    <a:schemeClr val="bg1"/>
+                  </a:solidFill>
+                  <a:latin typeface="Trebuchet MS" pitchFamily="34" charset="0"/>
+                </a:rPr>
+                <a:t/>
+              </a:r>
               <a:br>
                 <a:rPr lang="en-US" sz="2800" b="1" baseline="0" dirty="0">
                   <a:solidFill>
@@ -8988,7 +9032,7 @@
               <a:graphicData uri="http://schemas.openxmlformats.org/presentationml/2006/ole">
                 <mc:AlternateContent xmlns:mc="http://schemas.openxmlformats.org/markup-compatibility/2006">
                   <mc:Choice xmlns:v="urn:schemas-microsoft-com:vml" Requires="v">
-                    <p:oleObj spid="_x0000_s2151" name="Image" r:id="rId8" imgW="1828440" imgH="1117440" progId="Photoshop.Image.13">
+                    <p:oleObj spid="_x0000_s2168" name="Image" r:id="rId8" imgW="1828440" imgH="1117440" progId="Photoshop.Image.13">
                       <p:embed/>
                     </p:oleObj>
                   </mc:Choice>
@@ -9045,7 +9089,7 @@
               <a:graphicData uri="http://schemas.openxmlformats.org/presentationml/2006/ole">
                 <mc:AlternateContent xmlns:mc="http://schemas.openxmlformats.org/markup-compatibility/2006">
                   <mc:Choice xmlns:v="urn:schemas-microsoft-com:vml" Requires="v">
-                    <p:oleObj spid="_x0000_s2152" name="Image" r:id="rId10" imgW="1828440" imgH="1117440" progId="Photoshop.Image.13">
+                    <p:oleObj spid="_x0000_s2169" name="Image" r:id="rId10" imgW="1828440" imgH="1117440" progId="Photoshop.Image.13">
                       <p:embed/>
                     </p:oleObj>
                   </mc:Choice>
@@ -10168,7 +10212,7 @@
             <a:graphicData uri="http://schemas.openxmlformats.org/presentationml/2006/ole">
               <mc:AlternateContent xmlns:mc="http://schemas.openxmlformats.org/markup-compatibility/2006">
                 <mc:Choice xmlns:v="urn:schemas-microsoft-com:vml" Requires="v">
-                  <p:oleObj spid="_x0000_s2153" name="Image" r:id="rId12" imgW="4571280" imgH="1688760" progId="Photoshop.Image.13">
+                  <p:oleObj spid="_x0000_s2170" name="Image" r:id="rId12" imgW="4571280" imgH="1688760" progId="Photoshop.Image.13">
                     <p:embed/>
                   </p:oleObj>
                 </mc:Choice>
@@ -10252,7 +10296,7 @@
             <a:graphicData uri="http://schemas.openxmlformats.org/presentationml/2006/ole">
               <mc:AlternateContent xmlns:mc="http://schemas.openxmlformats.org/markup-compatibility/2006">
                 <mc:Choice xmlns:v="urn:schemas-microsoft-com:vml" Requires="v">
-                  <p:oleObj spid="_x0000_s2154" name="Image" r:id="rId15" imgW="1574280" imgH="1053720" progId="Photoshop.Image.13">
+                  <p:oleObj spid="_x0000_s2171" name="Image" r:id="rId15" imgW="1574280" imgH="1053720" progId="Photoshop.Image.13">
                     <p:embed/>
                   </p:oleObj>
                 </mc:Choice>
@@ -10581,6 +10625,14 @@
                 </a:solidFill>
               </a:rPr>
               <a:t>94710</a:t>
+            </a:r>
+            <a:r>
+              <a:rPr lang="en-US" sz="2400" baseline="0" dirty="0">
+                <a:solidFill>
+                  <a:schemeClr val="bg1"/>
+                </a:solidFill>
+              </a:rPr>
+              <a:t/>
             </a:r>
             <a:br>
               <a:rPr lang="en-US" sz="2400" baseline="0" dirty="0">
@@ -11844,6 +11896,15 @@
                 </a:rPr>
                 <a:t>PosterPresentations.com</a:t>
               </a:r>
+              <a:r>
+                <a:rPr lang="en-US" sz="2800" dirty="0">
+                  <a:solidFill>
+                    <a:schemeClr val="bg1"/>
+                  </a:solidFill>
+                  <a:latin typeface="Trebuchet MS" pitchFamily="34" charset="0"/>
+                </a:rPr>
+                <a:t/>
+              </a:r>
               <a:br>
                 <a:rPr lang="en-US" sz="2800" dirty="0">
                   <a:solidFill>
@@ -12079,6 +12140,15 @@
             </a:p>
             <a:p>
               <a:pPr algn="l"/>
+              <a:r>
+                <a:rPr lang="en-US" sz="2800" b="1" baseline="0" dirty="0">
+                  <a:solidFill>
+                    <a:schemeClr val="bg1"/>
+                  </a:solidFill>
+                  <a:latin typeface="Trebuchet MS" pitchFamily="34" charset="0"/>
+                </a:rPr>
+                <a:t/>
+              </a:r>
               <a:br>
                 <a:rPr lang="en-US" sz="2800" b="1" baseline="0" dirty="0">
                   <a:solidFill>
@@ -12687,7 +12757,7 @@
               <a:graphicData uri="http://schemas.openxmlformats.org/presentationml/2006/ole">
                 <mc:AlternateContent xmlns:mc="http://schemas.openxmlformats.org/markup-compatibility/2006">
                   <mc:Choice xmlns:v="urn:schemas-microsoft-com:vml" Requires="v">
-                    <p:oleObj spid="_x0000_s3175" name="Image" r:id="rId8" imgW="1828440" imgH="1117440" progId="Photoshop.Image.13">
+                    <p:oleObj spid="_x0000_s3192" name="Image" r:id="rId8" imgW="1828440" imgH="1117440" progId="Photoshop.Image.13">
                       <p:embed/>
                     </p:oleObj>
                   </mc:Choice>
@@ -12744,7 +12814,7 @@
               <a:graphicData uri="http://schemas.openxmlformats.org/presentationml/2006/ole">
                 <mc:AlternateContent xmlns:mc="http://schemas.openxmlformats.org/markup-compatibility/2006">
                   <mc:Choice xmlns:v="urn:schemas-microsoft-com:vml" Requires="v">
-                    <p:oleObj spid="_x0000_s3176" name="Image" r:id="rId10" imgW="1828440" imgH="1117440" progId="Photoshop.Image.13">
+                    <p:oleObj spid="_x0000_s3193" name="Image" r:id="rId10" imgW="1828440" imgH="1117440" progId="Photoshop.Image.13">
                       <p:embed/>
                     </p:oleObj>
                   </mc:Choice>
@@ -13867,7 +13937,7 @@
             <a:graphicData uri="http://schemas.openxmlformats.org/presentationml/2006/ole">
               <mc:AlternateContent xmlns:mc="http://schemas.openxmlformats.org/markup-compatibility/2006">
                 <mc:Choice xmlns:v="urn:schemas-microsoft-com:vml" Requires="v">
-                  <p:oleObj spid="_x0000_s3177" name="Image" r:id="rId12" imgW="4571280" imgH="1688760" progId="Photoshop.Image.13">
+                  <p:oleObj spid="_x0000_s3194" name="Image" r:id="rId12" imgW="4571280" imgH="1688760" progId="Photoshop.Image.13">
                     <p:embed/>
                   </p:oleObj>
                 </mc:Choice>
@@ -13951,7 +14021,7 @@
             <a:graphicData uri="http://schemas.openxmlformats.org/presentationml/2006/ole">
               <mc:AlternateContent xmlns:mc="http://schemas.openxmlformats.org/markup-compatibility/2006">
                 <mc:Choice xmlns:v="urn:schemas-microsoft-com:vml" Requires="v">
-                  <p:oleObj spid="_x0000_s3178" name="Image" r:id="rId15" imgW="1574280" imgH="1053720" progId="Photoshop.Image.13">
+                  <p:oleObj spid="_x0000_s3195" name="Image" r:id="rId15" imgW="1574280" imgH="1053720" progId="Photoshop.Image.13">
                     <p:embed/>
                   </p:oleObj>
                 </mc:Choice>
@@ -14280,6 +14350,14 @@
                 </a:solidFill>
               </a:rPr>
               <a:t>94710</a:t>
+            </a:r>
+            <a:r>
+              <a:rPr lang="en-US" sz="2400" baseline="0" dirty="0">
+                <a:solidFill>
+                  <a:schemeClr val="bg1"/>
+                </a:solidFill>
+              </a:rPr>
+              <a:t/>
             </a:r>
             <a:br>
               <a:rPr lang="en-US" sz="2400" baseline="0" dirty="0">
@@ -15177,33 +15255,6 @@
       </p:sp>
       <p:sp>
         <p:nvSpPr>
-          <p:cNvPr id="225" name="Text Placeholder 224"/>
-          <p:cNvSpPr>
-            <a:spLocks noGrp="1"/>
-          </p:cNvSpPr>
-          <p:nvPr>
-            <p:ph type="body" sz="quarter" idx="26"/>
-          </p:nvPr>
-        </p:nvSpPr>
-        <p:spPr>
-          <a:xfrm>
-            <a:off x="34295031" y="6420045"/>
-            <a:ext cx="15838700" cy="835367"/>
-          </a:xfrm>
-        </p:spPr>
-        <p:txBody>
-          <a:bodyPr/>
-          <a:lstStyle/>
-          <a:p>
-            <a:r>
-              <a:rPr lang="en-US" sz="2000" dirty="0"/>
-              <a:t>Please see screenshots and captions of the user interface below.</a:t>
-            </a:r>
-          </a:p>
-        </p:txBody>
-      </p:sp>
-      <p:sp>
-        <p:nvSpPr>
           <p:cNvPr id="226" name="Text Placeholder 225"/>
           <p:cNvSpPr>
             <a:spLocks noGrp="1"/>
@@ -15273,6 +15324,10 @@
           <a:bodyPr/>
           <a:lstStyle/>
           <a:p>
+            <a:r>
+              <a:rPr lang="en-US" dirty="0" smtClean="0"/>
+              <a:t>References</a:t>
+            </a:r>
             <a:endParaRPr lang="en-US" dirty="0"/>
           </a:p>
         </p:txBody>
@@ -15290,14 +15345,271 @@
         <p:spPr>
           <a:xfrm>
             <a:off x="34292096" y="29592363"/>
-            <a:ext cx="15844570" cy="958478"/>
+            <a:ext cx="15844570" cy="1561720"/>
           </a:xfrm>
         </p:spPr>
         <p:txBody>
           <a:bodyPr/>
           <a:lstStyle/>
           <a:p>
-            <a:endParaRPr lang="en-US" dirty="0"/>
+            <a:r>
+              <a:rPr lang="en-US" sz="1200" dirty="0"/>
+              <a:t> </a:t>
+            </a:r>
+            <a:r>
+              <a:rPr lang="en-US" sz="1200" dirty="0" smtClean="0"/>
+              <a:t>    </a:t>
+            </a:r>
+            <a:r>
+              <a:rPr lang="en-US" sz="1200" dirty="0" err="1" smtClean="0"/>
+              <a:t>Bongjun</a:t>
+            </a:r>
+            <a:r>
+              <a:rPr lang="en-US" sz="1200" dirty="0" smtClean="0"/>
+              <a:t> Kim and Bryan Pardo. </a:t>
+            </a:r>
+            <a:r>
+              <a:rPr lang="en-US" sz="1200" dirty="0" smtClean="0"/>
+              <a:t>2017. I-SED: an Interactive Sound Event Detector. In </a:t>
+            </a:r>
+            <a:r>
+              <a:rPr lang="en-US" sz="1200" i="1" dirty="0" smtClean="0"/>
+              <a:t>ACM </a:t>
+            </a:r>
+            <a:r>
+              <a:rPr lang="en-US" sz="1200" i="1" dirty="0"/>
+              <a:t>International Conference on Intelligent User </a:t>
+            </a:r>
+            <a:r>
+              <a:rPr lang="en-US" sz="1200" i="1" dirty="0" smtClean="0"/>
+              <a:t>Interfaces. </a:t>
+            </a:r>
+            <a:r>
+              <a:rPr lang="en-US" sz="1200" dirty="0"/>
+              <a:t>Retrieved from </a:t>
+            </a:r>
+            <a:r>
+              <a:rPr lang="en-US" sz="1200" dirty="0">
+                <a:hlinkClick r:id="rId3"/>
+              </a:rPr>
+              <a:t>http://</a:t>
+            </a:r>
+            <a:r>
+              <a:rPr lang="en-US" sz="1200" dirty="0" smtClean="0">
+                <a:hlinkClick r:id="rId3"/>
+              </a:rPr>
+              <a:t>music.cs.northwestern.edu/publications/Kim_Pardo_IUI2017.pdf</a:t>
+            </a:r>
+            <a:r>
+              <a:rPr lang="en-US" sz="1200" dirty="0" smtClean="0"/>
+              <a:t>.</a:t>
+            </a:r>
+            <a:endParaRPr lang="en-US" sz="1200" i="1" dirty="0" smtClean="0"/>
+          </a:p>
+          <a:p>
+            <a:r>
+              <a:rPr lang="en-US" sz="1200" dirty="0" smtClean="0"/>
+              <a:t>     Steve Rubin, </a:t>
+            </a:r>
+            <a:r>
+              <a:rPr lang="en-US" sz="1200" dirty="0" err="1"/>
+              <a:t>Floraine</a:t>
+            </a:r>
+            <a:r>
+              <a:rPr lang="en-US" sz="1200" dirty="0"/>
+              <a:t> </a:t>
+            </a:r>
+            <a:r>
+              <a:rPr lang="en-US" sz="1200" dirty="0" err="1" smtClean="0"/>
+              <a:t>Berthouzoz</a:t>
+            </a:r>
+            <a:r>
+              <a:rPr lang="en-US" sz="1200" dirty="0" smtClean="0"/>
+              <a:t>, </a:t>
+            </a:r>
+            <a:r>
+              <a:rPr lang="en-US" sz="1200" dirty="0" err="1"/>
+              <a:t>Gautham</a:t>
+            </a:r>
+            <a:r>
+              <a:rPr lang="en-US" sz="1200" dirty="0"/>
+              <a:t> J. </a:t>
+            </a:r>
+            <a:r>
+              <a:rPr lang="en-US" sz="1200" dirty="0" smtClean="0"/>
+              <a:t>Mysore, </a:t>
+            </a:r>
+            <a:r>
+              <a:rPr lang="en-US" sz="1200" dirty="0"/>
+              <a:t>Wilmot </a:t>
+            </a:r>
+            <a:r>
+              <a:rPr lang="en-US" sz="1200" dirty="0" smtClean="0"/>
+              <a:t>Li, and </a:t>
+            </a:r>
+            <a:r>
+              <a:rPr lang="en-US" sz="1200" dirty="0" err="1"/>
+              <a:t>Maneesh</a:t>
+            </a:r>
+            <a:r>
+              <a:rPr lang="en-US" sz="1200" dirty="0"/>
+              <a:t> </a:t>
+            </a:r>
+            <a:r>
+              <a:rPr lang="en-US" sz="1200" dirty="0" err="1" smtClean="0"/>
+              <a:t>Agrawala</a:t>
+            </a:r>
+            <a:r>
+              <a:rPr lang="en-US" sz="1200" dirty="0" smtClean="0"/>
+              <a:t>. 2013.  Content-Based Tools for Editing Audio Stories. In </a:t>
+            </a:r>
+            <a:r>
+              <a:rPr lang="en-US" sz="1200" i="1" dirty="0"/>
+              <a:t>UIST 2013, October 2013. pp. </a:t>
+            </a:r>
+            <a:r>
+              <a:rPr lang="en-US" sz="1200" dirty="0" smtClean="0"/>
+              <a:t>113-122. Retrieved </a:t>
+            </a:r>
+            <a:r>
+              <a:rPr lang="en-US" sz="1200" dirty="0"/>
+              <a:t>from </a:t>
+            </a:r>
+            <a:r>
+              <a:rPr lang="en-US" sz="1200" dirty="0">
+                <a:hlinkClick r:id="rId4"/>
+              </a:rPr>
+              <a:t>http://</a:t>
+            </a:r>
+            <a:r>
+              <a:rPr lang="en-US" sz="1200" dirty="0" smtClean="0">
+                <a:hlinkClick r:id="rId4"/>
+              </a:rPr>
+              <a:t>vis.berkeley.edu/papers/audiostories/audiostories.pdf</a:t>
+            </a:r>
+            <a:r>
+              <a:rPr lang="en-US" sz="1200" dirty="0" smtClean="0"/>
+              <a:t>.</a:t>
+            </a:r>
+          </a:p>
+          <a:p>
+            <a:r>
+              <a:rPr lang="en-US" sz="1200" i="1" dirty="0" smtClean="0"/>
+              <a:t>     </a:t>
+            </a:r>
+            <a:r>
+              <a:rPr lang="en-US" sz="1200" dirty="0" smtClean="0"/>
+              <a:t>Waveforms on the interface were created </a:t>
+            </a:r>
+            <a:r>
+              <a:rPr lang="en-US" sz="1200" dirty="0"/>
+              <a:t>with </a:t>
+            </a:r>
+            <a:r>
+              <a:rPr lang="en-US" sz="1200" dirty="0" err="1"/>
+              <a:t>wavesurfer.js</a:t>
+            </a:r>
+            <a:r>
+              <a:rPr lang="en-US" sz="1200" dirty="0" smtClean="0"/>
+              <a:t>. </a:t>
+            </a:r>
+            <a:r>
+              <a:rPr lang="en-US" sz="1200" smtClean="0"/>
+              <a:t>Retrieved from </a:t>
+            </a:r>
+            <a:r>
+              <a:rPr lang="en-US" sz="1200" dirty="0">
+                <a:hlinkClick r:id="rId5"/>
+              </a:rPr>
+              <a:t>https://wavesurfer-js.org</a:t>
+            </a:r>
+            <a:r>
+              <a:rPr lang="en-US" sz="1200" dirty="0" smtClean="0">
+                <a:hlinkClick r:id="rId5"/>
+              </a:rPr>
+              <a:t>/</a:t>
+            </a:r>
+            <a:r>
+              <a:rPr lang="en-US" sz="1200" dirty="0" smtClean="0"/>
+              <a:t> </a:t>
+            </a:r>
+          </a:p>
+          <a:p>
+            <a:r>
+              <a:rPr lang="en-US" sz="1200" i="1" dirty="0"/>
+              <a:t> </a:t>
+            </a:r>
+            <a:r>
+              <a:rPr lang="en-US" sz="1200" i="1" dirty="0" smtClean="0"/>
+              <a:t>    </a:t>
+            </a:r>
+            <a:r>
+              <a:rPr lang="en-US" sz="1200" dirty="0" err="1"/>
+              <a:t>Theodoros</a:t>
+            </a:r>
+            <a:r>
+              <a:rPr lang="en-US" sz="1200" dirty="0"/>
+              <a:t> </a:t>
+            </a:r>
+            <a:r>
+              <a:rPr lang="en-US" sz="1200" dirty="0" smtClean="0"/>
+              <a:t>Giannakopoulos. 2015. </a:t>
+            </a:r>
+            <a:r>
+              <a:rPr lang="en-US" sz="1200" dirty="0" err="1" smtClean="0"/>
+              <a:t>pyAudioAnalysis</a:t>
+            </a:r>
+            <a:r>
+              <a:rPr lang="en-US" sz="1200" dirty="0"/>
+              <a:t>: An Open-Source Python Library for Audio Signal Analysis. </a:t>
+            </a:r>
+            <a:r>
+              <a:rPr lang="en-US" sz="1200" dirty="0" smtClean="0"/>
+              <a:t>In </a:t>
+            </a:r>
+            <a:r>
+              <a:rPr lang="en-US" sz="1200" i="1" dirty="0" err="1" smtClean="0"/>
+              <a:t>PLoS</a:t>
+            </a:r>
+            <a:r>
+              <a:rPr lang="en-US" sz="1200" i="1" dirty="0" smtClean="0"/>
+              <a:t> </a:t>
+            </a:r>
+            <a:r>
+              <a:rPr lang="en-US" sz="1200" i="1" dirty="0"/>
+              <a:t>ONE 10(12</a:t>
+            </a:r>
+            <a:r>
+              <a:rPr lang="en-US" sz="1200" i="1" dirty="0" smtClean="0"/>
+              <a:t>). </a:t>
+            </a:r>
+            <a:r>
+              <a:rPr lang="en-US" sz="1200" dirty="0" smtClean="0"/>
+              <a:t> Retrieved from </a:t>
+            </a:r>
+            <a:r>
+              <a:rPr lang="en-US" sz="1200" dirty="0" smtClean="0">
+                <a:hlinkClick r:id="rId6"/>
+              </a:rPr>
+              <a:t>http</a:t>
+            </a:r>
+            <a:r>
+              <a:rPr lang="en-US" sz="1200" dirty="0">
+                <a:hlinkClick r:id="rId6"/>
+              </a:rPr>
+              <a:t>://</a:t>
+            </a:r>
+            <a:r>
+              <a:rPr lang="en-US" sz="1200" dirty="0" smtClean="0">
+                <a:hlinkClick r:id="rId6"/>
+              </a:rPr>
+              <a:t>journals.plos.org/plosone/article/file?id=10.1371/journal.pone.0144610&amp;type=printable</a:t>
+            </a:r>
+            <a:r>
+              <a:rPr lang="en-US" sz="1200" dirty="0" smtClean="0"/>
+              <a:t>. </a:t>
+            </a:r>
+            <a:endParaRPr lang="en-US" sz="1200" i="1" dirty="0"/>
           </a:p>
         </p:txBody>
       </p:sp>
@@ -15320,7 +15632,7 @@
           <a:p>
             <a:r>
               <a:rPr lang="en-US" dirty="0">
-                <a:hlinkClick r:id="rId3"/>
+                <a:hlinkClick r:id="rId7"/>
               </a:rPr>
               <a:t>vincentbommier2018@u.northwestern.edu</a:t>
             </a:r>
@@ -15330,7 +15642,7 @@
             </a:r>
             <a:r>
               <a:rPr lang="en-US" dirty="0">
-                <a:hlinkClick r:id="rId4"/>
+                <a:hlinkClick r:id="rId8"/>
               </a:rPr>
               <a:t>jeremykaish2018@u.northwestern.edu</a:t>
             </a:r>
@@ -15340,7 +15652,7 @@
             </a:r>
             <a:r>
               <a:rPr lang="en-US" dirty="0">
-                <a:hlinkClick r:id="rId5"/>
+                <a:hlinkClick r:id="rId9"/>
               </a:rPr>
               <a:t>madhavghei2018@u.northwestern.edu</a:t>
             </a:r>
@@ -15535,7 +15847,7 @@
           <p:nvPr/>
         </p:nvPicPr>
         <p:blipFill>
-          <a:blip r:embed="rId6" cstate="print">
+          <a:blip r:embed="rId10" cstate="print">
             <a:extLst>
               <a:ext uri="{28A0092B-C50C-407E-A947-70E740481C1C}">
                 <a14:useLocalDpi xmlns:a14="http://schemas.microsoft.com/office/drawing/2010/main" val="0"/>
@@ -15548,7 +15860,7 @@
         </p:blipFill>
         <p:spPr>
           <a:xfrm>
-            <a:off x="34805070" y="7361122"/>
+            <a:off x="34805070" y="6446708"/>
             <a:ext cx="6660842" cy="3656698"/>
           </a:xfrm>
           <a:prstGeom prst="rect">
@@ -15558,165 +15870,7 @@
       </p:pic>
       <p:pic>
         <p:nvPicPr>
-          <p:cNvPr id="5" name="Picture 4"/>
-          <p:cNvPicPr>
-            <a:picLocks noChangeAspect="1"/>
-          </p:cNvPicPr>
-          <p:nvPr/>
-        </p:nvPicPr>
-        <p:blipFill>
-          <a:blip r:embed="rId7">
-            <a:extLst>
-              <a:ext uri="{28A0092B-C50C-407E-A947-70E740481C1C}">
-                <a14:useLocalDpi xmlns:a14="http://schemas.microsoft.com/office/drawing/2010/main" val="0"/>
-              </a:ext>
-            </a:extLst>
-          </a:blip>
-          <a:stretch>
-            <a:fillRect/>
-          </a:stretch>
-        </p:blipFill>
-        <p:spPr>
-          <a:xfrm>
-            <a:off x="43333136" y="7400815"/>
-            <a:ext cx="3771900" cy="1574800"/>
-          </a:xfrm>
-          <a:prstGeom prst="rect">
-            <a:avLst/>
-          </a:prstGeom>
-        </p:spPr>
-      </p:pic>
-      <p:pic>
-        <p:nvPicPr>
-          <p:cNvPr id="6" name="Picture 5"/>
-          <p:cNvPicPr>
-            <a:picLocks noChangeAspect="1"/>
-          </p:cNvPicPr>
-          <p:nvPr/>
-        </p:nvPicPr>
-        <p:blipFill>
-          <a:blip r:embed="rId8" cstate="print">
-            <a:extLst>
-              <a:ext uri="{28A0092B-C50C-407E-A947-70E740481C1C}">
-                <a14:useLocalDpi xmlns:a14="http://schemas.microsoft.com/office/drawing/2010/main" val="0"/>
-              </a:ext>
-            </a:extLst>
-          </a:blip>
-          <a:stretch>
-            <a:fillRect/>
-          </a:stretch>
-        </p:blipFill>
-        <p:spPr>
-          <a:xfrm>
-            <a:off x="34805069" y="11412387"/>
-            <a:ext cx="6660843" cy="3646187"/>
-          </a:xfrm>
-          <a:prstGeom prst="rect">
-            <a:avLst/>
-          </a:prstGeom>
-        </p:spPr>
-      </p:pic>
-      <p:pic>
-        <p:nvPicPr>
-          <p:cNvPr id="9" name="Picture 8"/>
-          <p:cNvPicPr>
-            <a:picLocks noChangeAspect="1"/>
-          </p:cNvPicPr>
-          <p:nvPr/>
-        </p:nvPicPr>
-        <p:blipFill>
-          <a:blip r:embed="rId9" cstate="print">
-            <a:extLst>
-              <a:ext uri="{28A0092B-C50C-407E-A947-70E740481C1C}">
-                <a14:useLocalDpi xmlns:a14="http://schemas.microsoft.com/office/drawing/2010/main" val="0"/>
-              </a:ext>
-            </a:extLst>
-          </a:blip>
-          <a:stretch>
-            <a:fillRect/>
-          </a:stretch>
-        </p:blipFill>
-        <p:spPr>
-          <a:xfrm>
-            <a:off x="46211386" y="13095017"/>
-            <a:ext cx="1912913" cy="1767995"/>
-          </a:xfrm>
-          <a:prstGeom prst="rect">
-            <a:avLst/>
-          </a:prstGeom>
-        </p:spPr>
-      </p:pic>
-      <p:pic>
-        <p:nvPicPr>
           <p:cNvPr id="10" name="Picture 9"/>
-          <p:cNvPicPr>
-            <a:picLocks noChangeAspect="1"/>
-          </p:cNvPicPr>
-          <p:nvPr/>
-        </p:nvPicPr>
-        <p:blipFill>
-          <a:blip r:embed="rId10">
-            <a:extLst>
-              <a:ext uri="{28A0092B-C50C-407E-A947-70E740481C1C}">
-                <a14:useLocalDpi xmlns:a14="http://schemas.microsoft.com/office/drawing/2010/main" val="0"/>
-              </a:ext>
-            </a:extLst>
-          </a:blip>
-          <a:stretch>
-            <a:fillRect/>
-          </a:stretch>
-        </p:blipFill>
-        <p:spPr>
-          <a:xfrm>
-            <a:off x="34805070" y="15491252"/>
-            <a:ext cx="6660843" cy="2776969"/>
-          </a:xfrm>
-          <a:prstGeom prst="rect">
-            <a:avLst/>
-          </a:prstGeom>
-        </p:spPr>
-      </p:pic>
-      <p:cxnSp>
-        <p:nvCxnSpPr>
-          <p:cNvPr id="23" name="Elbow Connector 22"/>
-          <p:cNvCxnSpPr>
-            <a:stCxn id="6" idx="3"/>
-            <a:endCxn id="211" idx="1"/>
-          </p:cNvCxnSpPr>
-          <p:nvPr/>
-        </p:nvCxnSpPr>
-        <p:spPr>
-          <a:xfrm flipV="1">
-            <a:off x="41465912" y="12014807"/>
-            <a:ext cx="847960" cy="1220674"/>
-          </a:xfrm>
-          <a:prstGeom prst="bentConnector3">
-            <a:avLst>
-              <a:gd name="adj1" fmla="val 50000"/>
-            </a:avLst>
-          </a:prstGeom>
-          <a:ln>
-            <a:tailEnd type="triangle"/>
-          </a:ln>
-        </p:spPr>
-        <p:style>
-          <a:lnRef idx="3">
-            <a:schemeClr val="accent2"/>
-          </a:lnRef>
-          <a:fillRef idx="0">
-            <a:schemeClr val="accent2"/>
-          </a:fillRef>
-          <a:effectRef idx="2">
-            <a:schemeClr val="accent2"/>
-          </a:effectRef>
-          <a:fontRef idx="minor">
-            <a:schemeClr val="tx1"/>
-          </a:fontRef>
-        </p:style>
-      </p:cxnSp>
-      <p:pic>
-        <p:nvPicPr>
-          <p:cNvPr id="47" name="Picture 46"/>
           <p:cNvPicPr>
             <a:picLocks noChangeAspect="1"/>
           </p:cNvPicPr>
@@ -15736,8 +15890,38 @@
         </p:blipFill>
         <p:spPr>
           <a:xfrm>
-            <a:off x="43333136" y="9355025"/>
-            <a:ext cx="3771900" cy="1206500"/>
+            <a:off x="42012882" y="14248243"/>
+            <a:ext cx="6751813" cy="2943929"/>
+          </a:xfrm>
+          <a:prstGeom prst="rect">
+            <a:avLst/>
+          </a:prstGeom>
+        </p:spPr>
+      </p:pic>
+      <p:pic>
+        <p:nvPicPr>
+          <p:cNvPr id="47" name="Picture 46"/>
+          <p:cNvPicPr>
+            <a:picLocks noChangeAspect="1"/>
+          </p:cNvPicPr>
+          <p:nvPr/>
+        </p:nvPicPr>
+        <p:blipFill>
+          <a:blip r:embed="rId12">
+            <a:extLst>
+              <a:ext uri="{28A0092B-C50C-407E-A947-70E740481C1C}">
+                <a14:useLocalDpi xmlns:a14="http://schemas.microsoft.com/office/drawing/2010/main" val="0"/>
+              </a:ext>
+            </a:extLst>
+          </a:blip>
+          <a:stretch>
+            <a:fillRect/>
+          </a:stretch>
+        </p:blipFill>
+        <p:spPr>
+          <a:xfrm>
+            <a:off x="42012881" y="7192378"/>
+            <a:ext cx="6751813" cy="2159671"/>
           </a:xfrm>
           <a:prstGeom prst="rect">
             <a:avLst/>
@@ -15747,88 +15931,13 @@
       <p:cxnSp>
         <p:nvCxnSpPr>
           <p:cNvPr id="50" name="Elbow Connector 49"/>
-          <p:cNvCxnSpPr>
-            <a:stCxn id="4" idx="3"/>
-            <a:endCxn id="5" idx="1"/>
-          </p:cNvCxnSpPr>
+          <p:cNvCxnSpPr/>
           <p:nvPr/>
         </p:nvCxnSpPr>
         <p:spPr>
           <a:xfrm flipV="1">
-            <a:off x="41465912" y="8188215"/>
-            <a:ext cx="1867224" cy="1001256"/>
-          </a:xfrm>
-          <a:prstGeom prst="bentConnector3">
-            <a:avLst/>
-          </a:prstGeom>
-          <a:ln>
-            <a:tailEnd type="triangle"/>
-          </a:ln>
-        </p:spPr>
-        <p:style>
-          <a:lnRef idx="3">
-            <a:schemeClr val="accent2"/>
-          </a:lnRef>
-          <a:fillRef idx="0">
-            <a:schemeClr val="accent2"/>
-          </a:fillRef>
-          <a:effectRef idx="2">
-            <a:schemeClr val="accent2"/>
-          </a:effectRef>
-          <a:fontRef idx="minor">
-            <a:schemeClr val="tx1"/>
-          </a:fontRef>
-        </p:style>
-      </p:cxnSp>
-      <p:cxnSp>
-        <p:nvCxnSpPr>
-          <p:cNvPr id="53" name="Straight Arrow Connector 52"/>
-          <p:cNvCxnSpPr>
-            <a:stCxn id="5" idx="2"/>
-            <a:endCxn id="47" idx="0"/>
-          </p:cNvCxnSpPr>
-          <p:nvPr/>
-        </p:nvCxnSpPr>
-        <p:spPr>
-          <a:xfrm>
-            <a:off x="45219086" y="8975615"/>
-            <a:ext cx="0" cy="379410"/>
-          </a:xfrm>
-          <a:prstGeom prst="straightConnector1">
-            <a:avLst/>
-          </a:prstGeom>
-          <a:ln>
-            <a:tailEnd type="triangle"/>
-          </a:ln>
-        </p:spPr>
-        <p:style>
-          <a:lnRef idx="3">
-            <a:schemeClr val="accent2"/>
-          </a:lnRef>
-          <a:fillRef idx="0">
-            <a:schemeClr val="accent2"/>
-          </a:fillRef>
-          <a:effectRef idx="2">
-            <a:schemeClr val="accent2"/>
-          </a:effectRef>
-          <a:fontRef idx="minor">
-            <a:schemeClr val="tx1"/>
-          </a:fontRef>
-        </p:style>
-      </p:cxnSp>
-      <p:cxnSp>
-        <p:nvCxnSpPr>
-          <p:cNvPr id="194" name="Elbow Connector 193"/>
-          <p:cNvCxnSpPr>
-            <a:stCxn id="47" idx="2"/>
-            <a:endCxn id="6" idx="0"/>
-          </p:cNvCxnSpPr>
-          <p:nvPr/>
-        </p:nvCxnSpPr>
-        <p:spPr>
-          <a:xfrm rot="5400000">
-            <a:off x="41251858" y="7445159"/>
-            <a:ext cx="850862" cy="7083595"/>
+            <a:off x="60308435" y="252839"/>
+            <a:ext cx="2359853" cy="14413"/>
           </a:xfrm>
           <a:prstGeom prst="bentConnector3">
             <a:avLst/>
@@ -15860,8 +15969,8 @@
         </p:nvSpPr>
         <p:spPr>
           <a:xfrm>
-            <a:off x="41061250" y="7378523"/>
-            <a:ext cx="415281" cy="523220"/>
+            <a:off x="40898617" y="6447499"/>
+            <a:ext cx="561289" cy="523220"/>
           </a:xfrm>
           <a:prstGeom prst="rect">
             <a:avLst/>
@@ -15877,28 +15986,35 @@
           <a:lstStyle/>
           <a:p>
             <a:r>
-              <a:rPr lang="en-US" sz="2800" dirty="0">
+              <a:rPr lang="en-US" sz="2800" smtClean="0">
                 <a:solidFill>
                   <a:schemeClr val="bg1"/>
                 </a:solidFill>
                 <a:latin typeface="Times New Roman" panose="02020603050405020304" pitchFamily="18" charset="0"/>
                 <a:cs typeface="Times New Roman" panose="02020603050405020304" pitchFamily="18" charset="0"/>
               </a:rPr>
-              <a:t>1</a:t>
-            </a:r>
+              <a:t>1a</a:t>
+            </a:r>
+            <a:endParaRPr lang="en-US" sz="2800" dirty="0">
+              <a:solidFill>
+                <a:schemeClr val="bg1"/>
+              </a:solidFill>
+              <a:latin typeface="Times New Roman" panose="02020603050405020304" pitchFamily="18" charset="0"/>
+              <a:cs typeface="Times New Roman" panose="02020603050405020304" pitchFamily="18" charset="0"/>
+            </a:endParaRPr>
           </a:p>
         </p:txBody>
       </p:sp>
       <p:sp>
         <p:nvSpPr>
-          <p:cNvPr id="197" name="TextBox 196"/>
+          <p:cNvPr id="198" name="TextBox 197"/>
           <p:cNvSpPr txBox="1"/>
           <p:nvPr/>
         </p:nvSpPr>
         <p:spPr>
           <a:xfrm>
-            <a:off x="46824480" y="7420556"/>
-            <a:ext cx="280556" cy="523220"/>
+            <a:off x="48197192" y="7193487"/>
+            <a:ext cx="567503" cy="523220"/>
           </a:xfrm>
           <a:prstGeom prst="rect">
             <a:avLst/>
@@ -15914,371 +16030,25 @@
           <a:lstStyle/>
           <a:p>
             <a:r>
-              <a:rPr lang="en-US" sz="2800" dirty="0">
+              <a:rPr lang="en-US" sz="2800" smtClean="0">
                 <a:solidFill>
                   <a:schemeClr val="bg1"/>
                 </a:solidFill>
                 <a:latin typeface="Times New Roman" panose="02020603050405020304" pitchFamily="18" charset="0"/>
                 <a:cs typeface="Times New Roman" panose="02020603050405020304" pitchFamily="18" charset="0"/>
               </a:rPr>
-              <a:t>a</a:t>
-            </a:r>
+              <a:t>1b</a:t>
+            </a:r>
+            <a:endParaRPr lang="en-US" sz="2800" dirty="0">
+              <a:solidFill>
+                <a:schemeClr val="bg1"/>
+              </a:solidFill>
+              <a:latin typeface="Times New Roman" panose="02020603050405020304" pitchFamily="18" charset="0"/>
+              <a:cs typeface="Times New Roman" panose="02020603050405020304" pitchFamily="18" charset="0"/>
+            </a:endParaRPr>
           </a:p>
         </p:txBody>
       </p:sp>
-      <p:sp>
-        <p:nvSpPr>
-          <p:cNvPr id="198" name="TextBox 197"/>
-          <p:cNvSpPr txBox="1"/>
-          <p:nvPr/>
-        </p:nvSpPr>
-        <p:spPr>
-          <a:xfrm>
-            <a:off x="46824480" y="9363883"/>
-            <a:ext cx="280556" cy="523220"/>
-          </a:xfrm>
-          <a:prstGeom prst="rect">
-            <a:avLst/>
-          </a:prstGeom>
-          <a:solidFill>
-            <a:schemeClr val="tx1"/>
-          </a:solidFill>
-        </p:spPr>
-        <p:txBody>
-          <a:bodyPr wrap="square" rtlCol="0">
-            <a:spAutoFit/>
-          </a:bodyPr>
-          <a:lstStyle/>
-          <a:p>
-            <a:r>
-              <a:rPr lang="en-US" sz="2800" dirty="0">
-                <a:solidFill>
-                  <a:schemeClr val="bg1"/>
-                </a:solidFill>
-                <a:latin typeface="Times New Roman" panose="02020603050405020304" pitchFamily="18" charset="0"/>
-                <a:cs typeface="Times New Roman" panose="02020603050405020304" pitchFamily="18" charset="0"/>
-              </a:rPr>
-              <a:t>b</a:t>
-            </a:r>
-          </a:p>
-        </p:txBody>
-      </p:sp>
-      <p:sp>
-        <p:nvSpPr>
-          <p:cNvPr id="202" name="TextBox 201"/>
-          <p:cNvSpPr txBox="1"/>
-          <p:nvPr/>
-        </p:nvSpPr>
-        <p:spPr>
-          <a:xfrm>
-            <a:off x="41050631" y="11412386"/>
-            <a:ext cx="415281" cy="523220"/>
-          </a:xfrm>
-          <a:prstGeom prst="rect">
-            <a:avLst/>
-          </a:prstGeom>
-          <a:solidFill>
-            <a:schemeClr val="tx1"/>
-          </a:solidFill>
-        </p:spPr>
-        <p:txBody>
-          <a:bodyPr wrap="square" rtlCol="0">
-            <a:spAutoFit/>
-          </a:bodyPr>
-          <a:lstStyle/>
-          <a:p>
-            <a:r>
-              <a:rPr lang="en-US" sz="2800" dirty="0">
-                <a:solidFill>
-                  <a:schemeClr val="bg1"/>
-                </a:solidFill>
-                <a:latin typeface="Times New Roman" panose="02020603050405020304" pitchFamily="18" charset="0"/>
-                <a:cs typeface="Times New Roman" panose="02020603050405020304" pitchFamily="18" charset="0"/>
-              </a:rPr>
-              <a:t>2</a:t>
-            </a:r>
-          </a:p>
-        </p:txBody>
-      </p:sp>
-      <p:sp>
-        <p:nvSpPr>
-          <p:cNvPr id="205" name="TextBox 204"/>
-          <p:cNvSpPr txBox="1"/>
-          <p:nvPr/>
-        </p:nvSpPr>
-        <p:spPr>
-          <a:xfrm>
-            <a:off x="47807727" y="13094944"/>
-            <a:ext cx="316572" cy="520888"/>
-          </a:xfrm>
-          <a:prstGeom prst="rect">
-            <a:avLst/>
-          </a:prstGeom>
-          <a:solidFill>
-            <a:schemeClr val="tx1"/>
-          </a:solidFill>
-        </p:spPr>
-        <p:txBody>
-          <a:bodyPr wrap="square" rtlCol="0">
-            <a:spAutoFit/>
-          </a:bodyPr>
-          <a:lstStyle/>
-          <a:p>
-            <a:r>
-              <a:rPr lang="en-US" sz="2800" dirty="0">
-                <a:solidFill>
-                  <a:schemeClr val="bg1"/>
-                </a:solidFill>
-                <a:latin typeface="Times New Roman" panose="02020603050405020304" pitchFamily="18" charset="0"/>
-                <a:cs typeface="Times New Roman" panose="02020603050405020304" pitchFamily="18" charset="0"/>
-              </a:rPr>
-              <a:t>c</a:t>
-            </a:r>
-          </a:p>
-        </p:txBody>
-      </p:sp>
-      <p:pic>
-        <p:nvPicPr>
-          <p:cNvPr id="206" name="Picture 205"/>
-          <p:cNvPicPr>
-            <a:picLocks noChangeAspect="1"/>
-          </p:cNvPicPr>
-          <p:nvPr/>
-        </p:nvPicPr>
-        <p:blipFill>
-          <a:blip r:embed="rId12" cstate="print">
-            <a:extLst>
-              <a:ext uri="{28A0092B-C50C-407E-A947-70E740481C1C}">
-                <a14:useLocalDpi xmlns:a14="http://schemas.microsoft.com/office/drawing/2010/main" val="0"/>
-              </a:ext>
-            </a:extLst>
-          </a:blip>
-          <a:stretch>
-            <a:fillRect/>
-          </a:stretch>
-        </p:blipFill>
-        <p:spPr>
-          <a:xfrm>
-            <a:off x="42385909" y="13150095"/>
-            <a:ext cx="2939636" cy="1687569"/>
-          </a:xfrm>
-          <a:prstGeom prst="rect">
-            <a:avLst/>
-          </a:prstGeom>
-        </p:spPr>
-      </p:pic>
-      <p:sp>
-        <p:nvSpPr>
-          <p:cNvPr id="204" name="TextBox 203"/>
-          <p:cNvSpPr txBox="1"/>
-          <p:nvPr/>
-        </p:nvSpPr>
-        <p:spPr>
-          <a:xfrm>
-            <a:off x="45001935" y="13150095"/>
-            <a:ext cx="323610" cy="523220"/>
-          </a:xfrm>
-          <a:prstGeom prst="rect">
-            <a:avLst/>
-          </a:prstGeom>
-          <a:solidFill>
-            <a:schemeClr val="tx1"/>
-          </a:solidFill>
-        </p:spPr>
-        <p:txBody>
-          <a:bodyPr wrap="square" rtlCol="0">
-            <a:spAutoFit/>
-          </a:bodyPr>
-          <a:lstStyle/>
-          <a:p>
-            <a:r>
-              <a:rPr lang="en-US" sz="2800" dirty="0">
-                <a:solidFill>
-                  <a:schemeClr val="bg1"/>
-                </a:solidFill>
-                <a:latin typeface="Times New Roman" panose="02020603050405020304" pitchFamily="18" charset="0"/>
-                <a:cs typeface="Times New Roman" panose="02020603050405020304" pitchFamily="18" charset="0"/>
-              </a:rPr>
-              <a:t>b</a:t>
-            </a:r>
-          </a:p>
-        </p:txBody>
-      </p:sp>
-      <p:pic>
-        <p:nvPicPr>
-          <p:cNvPr id="211" name="Picture 210"/>
-          <p:cNvPicPr>
-            <a:picLocks noChangeAspect="1"/>
-          </p:cNvPicPr>
-          <p:nvPr/>
-        </p:nvPicPr>
-        <p:blipFill>
-          <a:blip r:embed="rId13" cstate="print">
-            <a:extLst>
-              <a:ext uri="{28A0092B-C50C-407E-A947-70E740481C1C}">
-                <a14:useLocalDpi xmlns:a14="http://schemas.microsoft.com/office/drawing/2010/main" val="0"/>
-              </a:ext>
-            </a:extLst>
-          </a:blip>
-          <a:stretch>
-            <a:fillRect/>
-          </a:stretch>
-        </p:blipFill>
-        <p:spPr>
-          <a:xfrm>
-            <a:off x="42313872" y="11412464"/>
-            <a:ext cx="5810427" cy="1204686"/>
-          </a:xfrm>
-          <a:prstGeom prst="rect">
-            <a:avLst/>
-          </a:prstGeom>
-        </p:spPr>
-      </p:pic>
-      <p:sp>
-        <p:nvSpPr>
-          <p:cNvPr id="203" name="TextBox 202"/>
-          <p:cNvSpPr txBox="1"/>
-          <p:nvPr/>
-        </p:nvSpPr>
-        <p:spPr>
-          <a:xfrm>
-            <a:off x="47800689" y="11405883"/>
-            <a:ext cx="323610" cy="523220"/>
-          </a:xfrm>
-          <a:prstGeom prst="rect">
-            <a:avLst/>
-          </a:prstGeom>
-          <a:solidFill>
-            <a:schemeClr val="tx1"/>
-          </a:solidFill>
-        </p:spPr>
-        <p:txBody>
-          <a:bodyPr wrap="square" rtlCol="0">
-            <a:spAutoFit/>
-          </a:bodyPr>
-          <a:lstStyle/>
-          <a:p>
-            <a:r>
-              <a:rPr lang="en-US" sz="2800" dirty="0">
-                <a:solidFill>
-                  <a:schemeClr val="bg1"/>
-                </a:solidFill>
-                <a:latin typeface="Times New Roman" panose="02020603050405020304" pitchFamily="18" charset="0"/>
-                <a:cs typeface="Times New Roman" panose="02020603050405020304" pitchFamily="18" charset="0"/>
-              </a:rPr>
-              <a:t>a</a:t>
-            </a:r>
-          </a:p>
-        </p:txBody>
-      </p:sp>
-      <p:cxnSp>
-        <p:nvCxnSpPr>
-          <p:cNvPr id="237" name="Elbow Connector 236"/>
-          <p:cNvCxnSpPr>
-            <a:stCxn id="211" idx="2"/>
-            <a:endCxn id="206" idx="0"/>
-          </p:cNvCxnSpPr>
-          <p:nvPr/>
-        </p:nvCxnSpPr>
-        <p:spPr>
-          <a:xfrm rot="5400000">
-            <a:off x="44270935" y="12201943"/>
-            <a:ext cx="532945" cy="1363359"/>
-          </a:xfrm>
-          <a:prstGeom prst="bentConnector3">
-            <a:avLst/>
-          </a:prstGeom>
-          <a:ln>
-            <a:tailEnd type="triangle"/>
-          </a:ln>
-        </p:spPr>
-        <p:style>
-          <a:lnRef idx="3">
-            <a:schemeClr val="accent2"/>
-          </a:lnRef>
-          <a:fillRef idx="0">
-            <a:schemeClr val="accent2"/>
-          </a:fillRef>
-          <a:effectRef idx="2">
-            <a:schemeClr val="accent2"/>
-          </a:effectRef>
-          <a:fontRef idx="minor">
-            <a:schemeClr val="tx1"/>
-          </a:fontRef>
-        </p:style>
-      </p:cxnSp>
-      <p:cxnSp>
-        <p:nvCxnSpPr>
-          <p:cNvPr id="241" name="Straight Arrow Connector 240"/>
-          <p:cNvCxnSpPr>
-            <a:stCxn id="206" idx="3"/>
-            <a:endCxn id="9" idx="1"/>
-          </p:cNvCxnSpPr>
-          <p:nvPr/>
-        </p:nvCxnSpPr>
-        <p:spPr>
-          <a:xfrm flipV="1">
-            <a:off x="45325545" y="13979015"/>
-            <a:ext cx="885841" cy="14865"/>
-          </a:xfrm>
-          <a:prstGeom prst="straightConnector1">
-            <a:avLst/>
-          </a:prstGeom>
-          <a:ln>
-            <a:tailEnd type="triangle"/>
-          </a:ln>
-        </p:spPr>
-        <p:style>
-          <a:lnRef idx="3">
-            <a:schemeClr val="accent2"/>
-          </a:lnRef>
-          <a:fillRef idx="0">
-            <a:schemeClr val="accent2"/>
-          </a:fillRef>
-          <a:effectRef idx="2">
-            <a:schemeClr val="accent2"/>
-          </a:effectRef>
-          <a:fontRef idx="minor">
-            <a:schemeClr val="tx1"/>
-          </a:fontRef>
-        </p:style>
-      </p:cxnSp>
-      <p:cxnSp>
-        <p:nvCxnSpPr>
-          <p:cNvPr id="253" name="Elbow Connector 252"/>
-          <p:cNvCxnSpPr>
-            <a:stCxn id="9" idx="2"/>
-            <a:endCxn id="10" idx="0"/>
-          </p:cNvCxnSpPr>
-          <p:nvPr/>
-        </p:nvCxnSpPr>
-        <p:spPr>
-          <a:xfrm rot="5400000">
-            <a:off x="42337548" y="10660957"/>
-            <a:ext cx="628240" cy="9032351"/>
-          </a:xfrm>
-          <a:prstGeom prst="bentConnector3">
-            <a:avLst/>
-          </a:prstGeom>
-          <a:ln>
-            <a:tailEnd type="triangle"/>
-          </a:ln>
-        </p:spPr>
-        <p:style>
-          <a:lnRef idx="3">
-            <a:schemeClr val="accent2"/>
-          </a:lnRef>
-          <a:fillRef idx="0">
-            <a:schemeClr val="accent2"/>
-          </a:fillRef>
-          <a:effectRef idx="2">
-            <a:schemeClr val="accent2"/>
-          </a:effectRef>
-          <a:fontRef idx="minor">
-            <a:schemeClr val="tx1"/>
-          </a:fontRef>
-        </p:style>
-      </p:cxnSp>
       <p:sp>
         <p:nvSpPr>
           <p:cNvPr id="255" name="TextBox 254"/>
@@ -16287,8 +16057,8 @@
         </p:nvSpPr>
         <p:spPr>
           <a:xfrm>
-            <a:off x="34805070" y="18357341"/>
-            <a:ext cx="7114455" cy="4093428"/>
+            <a:off x="42012883" y="17542703"/>
+            <a:ext cx="7415815" cy="4401205"/>
           </a:xfrm>
           <a:prstGeom prst="rect">
             <a:avLst/>
@@ -16315,7 +16085,14 @@
                 <a:latin typeface="Times New Roman" panose="02020603050405020304" pitchFamily="18" charset="0"/>
                 <a:cs typeface="Times New Roman" panose="02020603050405020304" pitchFamily="18" charset="0"/>
               </a:rPr>
-              <a:t>  a. User must upload a .wav file</a:t>
+              <a:t>  a. </a:t>
+            </a:r>
+            <a:r>
+              <a:rPr lang="en-US" sz="2000" dirty="0" smtClean="0">
+                <a:latin typeface="Times New Roman" panose="02020603050405020304" pitchFamily="18" charset="0"/>
+                <a:cs typeface="Times New Roman" panose="02020603050405020304" pitchFamily="18" charset="0"/>
+              </a:rPr>
+              <a:t>Home screen</a:t>
             </a:r>
           </a:p>
           <a:p>
@@ -16324,8 +16101,26 @@
                 <a:latin typeface="Times New Roman" panose="02020603050405020304" pitchFamily="18" charset="0"/>
                 <a:cs typeface="Times New Roman" panose="02020603050405020304" pitchFamily="18" charset="0"/>
               </a:rPr>
-              <a:t>  b. User uploads .wav file</a:t>
-            </a:r>
+              <a:t> </a:t>
+            </a:r>
+            <a:r>
+              <a:rPr lang="en-US" sz="2000" dirty="0" smtClean="0">
+                <a:latin typeface="Times New Roman" panose="02020603050405020304" pitchFamily="18" charset="0"/>
+                <a:cs typeface="Times New Roman" panose="02020603050405020304" pitchFamily="18" charset="0"/>
+              </a:rPr>
+              <a:t> b. </a:t>
+            </a:r>
+            <a:r>
+              <a:rPr lang="en-US" sz="2000" dirty="0" smtClean="0">
+                <a:latin typeface="Times New Roman" panose="02020603050405020304" pitchFamily="18" charset="0"/>
+                <a:cs typeface="Times New Roman" panose="02020603050405020304" pitchFamily="18" charset="0"/>
+              </a:rPr>
+              <a:t>User uploads .wav file (system will reject if not wav format)</a:t>
+            </a:r>
+            <a:endParaRPr lang="en-US" sz="2000" dirty="0">
+              <a:latin typeface="Times New Roman" panose="02020603050405020304" pitchFamily="18" charset="0"/>
+              <a:cs typeface="Times New Roman" panose="02020603050405020304" pitchFamily="18" charset="0"/>
+            </a:endParaRPr>
           </a:p>
           <a:p>
             <a:endParaRPr lang="en-US" sz="2000" dirty="0">
@@ -16348,17 +16143,53 @@
                 <a:latin typeface="Times New Roman" panose="02020603050405020304" pitchFamily="18" charset="0"/>
                 <a:cs typeface="Times New Roman" panose="02020603050405020304" pitchFamily="18" charset="0"/>
               </a:rPr>
-              <a:t>  a. User selects portions of audio where only one speaker is talking</a:t>
-            </a:r>
-          </a:p>
-          <a:p>
+              <a:t>  a. User selects portions of audio </a:t>
+            </a:r>
+            <a:r>
+              <a:rPr lang="en-US" sz="2000" dirty="0" smtClean="0">
+                <a:latin typeface="Times New Roman" panose="02020603050405020304" pitchFamily="18" charset="0"/>
+                <a:cs typeface="Times New Roman" panose="02020603050405020304" pitchFamily="18" charset="0"/>
+              </a:rPr>
+              <a:t>in which only </a:t>
+            </a:r>
             <a:r>
               <a:rPr lang="en-US" sz="2000" dirty="0">
                 <a:latin typeface="Times New Roman" panose="02020603050405020304" pitchFamily="18" charset="0"/>
                 <a:cs typeface="Times New Roman" panose="02020603050405020304" pitchFamily="18" charset="0"/>
               </a:rPr>
-              <a:t>  b. User assigns a name to the speaker of the current selection</a:t>
-            </a:r>
+              <a:t>one speaker is </a:t>
+            </a:r>
+            <a:r>
+              <a:rPr lang="en-US" sz="2000" dirty="0" smtClean="0">
+                <a:latin typeface="Times New Roman" panose="02020603050405020304" pitchFamily="18" charset="0"/>
+                <a:cs typeface="Times New Roman" panose="02020603050405020304" pitchFamily="18" charset="0"/>
+              </a:rPr>
+              <a:t>talking</a:t>
+            </a:r>
+            <a:endParaRPr lang="en-US" sz="2000" dirty="0">
+              <a:latin typeface="Times New Roman" panose="02020603050405020304" pitchFamily="18" charset="0"/>
+              <a:cs typeface="Times New Roman" panose="02020603050405020304" pitchFamily="18" charset="0"/>
+            </a:endParaRPr>
+          </a:p>
+          <a:p>
+            <a:r>
+              <a:rPr lang="en-US" sz="2000" dirty="0">
+                <a:latin typeface="Times New Roman" panose="02020603050405020304" pitchFamily="18" charset="0"/>
+                <a:cs typeface="Times New Roman" panose="02020603050405020304" pitchFamily="18" charset="0"/>
+              </a:rPr>
+              <a:t>  b. User assigns a name to the speaker of the current </a:t>
+            </a:r>
+            <a:r>
+              <a:rPr lang="en-US" sz="2000" dirty="0" smtClean="0">
+                <a:latin typeface="Times New Roman" panose="02020603050405020304" pitchFamily="18" charset="0"/>
+                <a:cs typeface="Times New Roman" panose="02020603050405020304" pitchFamily="18" charset="0"/>
+              </a:rPr>
+              <a:t>selection and enrolls the speaker (training the speaker recognition API)</a:t>
+            </a:r>
+            <a:endParaRPr lang="en-US" sz="2000" dirty="0">
+              <a:latin typeface="Times New Roman" panose="02020603050405020304" pitchFamily="18" charset="0"/>
+              <a:cs typeface="Times New Roman" panose="02020603050405020304" pitchFamily="18" charset="0"/>
+            </a:endParaRPr>
           </a:p>
           <a:p>
             <a:r>
@@ -16409,8 +16240,8 @@
         </p:nvSpPr>
         <p:spPr>
           <a:xfrm>
-            <a:off x="41061250" y="15491252"/>
-            <a:ext cx="415281" cy="523220"/>
+            <a:off x="48206546" y="14248226"/>
+            <a:ext cx="565997" cy="518588"/>
           </a:xfrm>
           <a:prstGeom prst="rect">
             <a:avLst/>
@@ -16426,15 +16257,22 @@
           <a:lstStyle/>
           <a:p>
             <a:r>
-              <a:rPr lang="en-US" sz="2800" dirty="0">
+              <a:rPr lang="en-US" sz="2800" smtClean="0">
                 <a:solidFill>
                   <a:schemeClr val="bg1"/>
                 </a:solidFill>
                 <a:latin typeface="Times New Roman" panose="02020603050405020304" pitchFamily="18" charset="0"/>
                 <a:cs typeface="Times New Roman" panose="02020603050405020304" pitchFamily="18" charset="0"/>
               </a:rPr>
-              <a:t>d</a:t>
-            </a:r>
+              <a:t>2d</a:t>
+            </a:r>
+            <a:endParaRPr lang="en-US" sz="2800" dirty="0">
+              <a:solidFill>
+                <a:schemeClr val="bg1"/>
+              </a:solidFill>
+              <a:latin typeface="Times New Roman" panose="02020603050405020304" pitchFamily="18" charset="0"/>
+              <a:cs typeface="Times New Roman" panose="02020603050405020304" pitchFamily="18" charset="0"/>
+            </a:endParaRPr>
           </a:p>
         </p:txBody>
       </p:sp>
@@ -16447,11 +16285,11 @@
           <p:nvPr/>
         </p:nvPicPr>
         <p:blipFill>
-          <a:blip r:embed="rId14">
+          <a:blip r:embed="rId13">
             <a:extLst>
               <a:ext uri="{BEBA8EAE-BF5A-486C-A8C5-ECC9F3942E4B}">
                 <a14:imgProps xmlns:a14="http://schemas.microsoft.com/office/drawing/2010/main">
-                  <a14:imgLayer r:embed="rId15">
+                  <a14:imgLayer r:embed="rId14">
                     <a14:imgEffect>
                       <a14:brightnessContrast bright="20000" contrast="20000"/>
                     </a14:imgEffect>
@@ -16905,6 +16743,372 @@
           </a:p>
         </p:txBody>
       </p:sp>
+      <p:pic>
+        <p:nvPicPr>
+          <p:cNvPr id="39" name="Picture 38"/>
+          <p:cNvPicPr>
+            <a:picLocks noChangeAspect="1"/>
+          </p:cNvPicPr>
+          <p:nvPr/>
+        </p:nvPicPr>
+        <p:blipFill>
+          <a:blip r:embed="rId15">
+            <a:extLst>
+              <a:ext uri="{28A0092B-C50C-407E-A947-70E740481C1C}">
+                <a14:useLocalDpi xmlns:a14="http://schemas.microsoft.com/office/drawing/2010/main" val="0"/>
+              </a:ext>
+            </a:extLst>
+          </a:blip>
+          <a:stretch>
+            <a:fillRect/>
+          </a:stretch>
+        </p:blipFill>
+        <p:spPr>
+          <a:xfrm>
+            <a:off x="34781560" y="10393302"/>
+            <a:ext cx="6678346" cy="3531930"/>
+          </a:xfrm>
+          <a:prstGeom prst="rect">
+            <a:avLst/>
+          </a:prstGeom>
+        </p:spPr>
+      </p:pic>
+      <p:pic>
+        <p:nvPicPr>
+          <p:cNvPr id="71" name="Picture 70"/>
+          <p:cNvPicPr>
+            <a:picLocks noChangeAspect="1"/>
+          </p:cNvPicPr>
+          <p:nvPr/>
+        </p:nvPicPr>
+        <p:blipFill>
+          <a:blip r:embed="rId16">
+            <a:extLst>
+              <a:ext uri="{28A0092B-C50C-407E-A947-70E740481C1C}">
+                <a14:useLocalDpi xmlns:a14="http://schemas.microsoft.com/office/drawing/2010/main" val="0"/>
+              </a:ext>
+            </a:extLst>
+          </a:blip>
+          <a:stretch>
+            <a:fillRect/>
+          </a:stretch>
+        </p:blipFill>
+        <p:spPr>
+          <a:xfrm>
+            <a:off x="42012882" y="10359617"/>
+            <a:ext cx="6751813" cy="3599300"/>
+          </a:xfrm>
+          <a:prstGeom prst="rect">
+            <a:avLst/>
+          </a:prstGeom>
+        </p:spPr>
+      </p:pic>
+      <p:sp>
+        <p:nvSpPr>
+          <p:cNvPr id="202" name="TextBox 201"/>
+          <p:cNvSpPr txBox="1"/>
+          <p:nvPr/>
+        </p:nvSpPr>
+        <p:spPr>
+          <a:xfrm>
+            <a:off x="40898617" y="10391027"/>
+            <a:ext cx="561289" cy="523220"/>
+          </a:xfrm>
+          <a:prstGeom prst="rect">
+            <a:avLst/>
+          </a:prstGeom>
+          <a:solidFill>
+            <a:schemeClr val="tx1"/>
+          </a:solidFill>
+        </p:spPr>
+        <p:txBody>
+          <a:bodyPr wrap="square" rtlCol="0">
+            <a:spAutoFit/>
+          </a:bodyPr>
+          <a:lstStyle/>
+          <a:p>
+            <a:r>
+              <a:rPr lang="en-US" sz="2800" smtClean="0">
+                <a:solidFill>
+                  <a:schemeClr val="bg1"/>
+                </a:solidFill>
+                <a:latin typeface="Times New Roman" panose="02020603050405020304" pitchFamily="18" charset="0"/>
+                <a:cs typeface="Times New Roman" panose="02020603050405020304" pitchFamily="18" charset="0"/>
+              </a:rPr>
+              <a:t>2a</a:t>
+            </a:r>
+            <a:endParaRPr lang="en-US" sz="2800" dirty="0">
+              <a:solidFill>
+                <a:schemeClr val="bg1"/>
+              </a:solidFill>
+              <a:latin typeface="Times New Roman" panose="02020603050405020304" pitchFamily="18" charset="0"/>
+              <a:cs typeface="Times New Roman" panose="02020603050405020304" pitchFamily="18" charset="0"/>
+            </a:endParaRPr>
+          </a:p>
+        </p:txBody>
+      </p:sp>
+      <p:sp>
+        <p:nvSpPr>
+          <p:cNvPr id="203" name="TextBox 202"/>
+          <p:cNvSpPr txBox="1"/>
+          <p:nvPr/>
+        </p:nvSpPr>
+        <p:spPr>
+          <a:xfrm>
+            <a:off x="48197192" y="10403509"/>
+            <a:ext cx="567503" cy="523220"/>
+          </a:xfrm>
+          <a:prstGeom prst="rect">
+            <a:avLst/>
+          </a:prstGeom>
+          <a:solidFill>
+            <a:schemeClr val="tx1"/>
+          </a:solidFill>
+        </p:spPr>
+        <p:txBody>
+          <a:bodyPr wrap="square" rtlCol="0">
+            <a:spAutoFit/>
+          </a:bodyPr>
+          <a:lstStyle/>
+          <a:p>
+            <a:r>
+              <a:rPr lang="en-US" sz="2800" dirty="0" smtClean="0">
+                <a:solidFill>
+                  <a:schemeClr val="bg1"/>
+                </a:solidFill>
+                <a:latin typeface="Times New Roman" panose="02020603050405020304" pitchFamily="18" charset="0"/>
+                <a:cs typeface="Times New Roman" panose="02020603050405020304" pitchFamily="18" charset="0"/>
+              </a:rPr>
+              <a:t>2b</a:t>
+            </a:r>
+            <a:endParaRPr lang="en-US" sz="2800" dirty="0">
+              <a:solidFill>
+                <a:schemeClr val="bg1"/>
+              </a:solidFill>
+              <a:latin typeface="Times New Roman" panose="02020603050405020304" pitchFamily="18" charset="0"/>
+              <a:cs typeface="Times New Roman" panose="02020603050405020304" pitchFamily="18" charset="0"/>
+            </a:endParaRPr>
+          </a:p>
+        </p:txBody>
+      </p:sp>
+      <p:pic>
+        <p:nvPicPr>
+          <p:cNvPr id="74" name="Picture 73"/>
+          <p:cNvPicPr>
+            <a:picLocks noChangeAspect="1"/>
+          </p:cNvPicPr>
+          <p:nvPr/>
+        </p:nvPicPr>
+        <p:blipFill>
+          <a:blip r:embed="rId17">
+            <a:extLst>
+              <a:ext uri="{28A0092B-C50C-407E-A947-70E740481C1C}">
+                <a14:useLocalDpi xmlns:a14="http://schemas.microsoft.com/office/drawing/2010/main" val="0"/>
+              </a:ext>
+            </a:extLst>
+          </a:blip>
+          <a:stretch>
+            <a:fillRect/>
+          </a:stretch>
+        </p:blipFill>
+        <p:spPr>
+          <a:xfrm>
+            <a:off x="34781560" y="14248243"/>
+            <a:ext cx="6619910" cy="2946667"/>
+          </a:xfrm>
+          <a:prstGeom prst="rect">
+            <a:avLst/>
+          </a:prstGeom>
+        </p:spPr>
+      </p:pic>
+      <p:sp>
+        <p:nvSpPr>
+          <p:cNvPr id="205" name="TextBox 204"/>
+          <p:cNvSpPr txBox="1"/>
+          <p:nvPr/>
+        </p:nvSpPr>
+        <p:spPr>
+          <a:xfrm>
+            <a:off x="40841098" y="14254660"/>
+            <a:ext cx="560372" cy="523220"/>
+          </a:xfrm>
+          <a:prstGeom prst="rect">
+            <a:avLst/>
+          </a:prstGeom>
+          <a:solidFill>
+            <a:schemeClr val="tx1"/>
+          </a:solidFill>
+        </p:spPr>
+        <p:txBody>
+          <a:bodyPr wrap="square" rtlCol="0">
+            <a:spAutoFit/>
+          </a:bodyPr>
+          <a:lstStyle/>
+          <a:p>
+            <a:r>
+              <a:rPr lang="en-US" sz="2800" smtClean="0">
+                <a:solidFill>
+                  <a:schemeClr val="bg1"/>
+                </a:solidFill>
+                <a:latin typeface="Times New Roman" panose="02020603050405020304" pitchFamily="18" charset="0"/>
+                <a:cs typeface="Times New Roman" panose="02020603050405020304" pitchFamily="18" charset="0"/>
+              </a:rPr>
+              <a:t>2c</a:t>
+            </a:r>
+            <a:endParaRPr lang="en-US" sz="2800" dirty="0">
+              <a:solidFill>
+                <a:schemeClr val="bg1"/>
+              </a:solidFill>
+              <a:latin typeface="Times New Roman" panose="02020603050405020304" pitchFamily="18" charset="0"/>
+              <a:cs typeface="Times New Roman" panose="02020603050405020304" pitchFamily="18" charset="0"/>
+            </a:endParaRPr>
+          </a:p>
+        </p:txBody>
+      </p:sp>
+      <p:cxnSp>
+        <p:nvCxnSpPr>
+          <p:cNvPr id="76" name="Straight Arrow Connector 75"/>
+          <p:cNvCxnSpPr>
+            <a:stCxn id="4" idx="3"/>
+            <a:endCxn id="47" idx="1"/>
+          </p:cNvCxnSpPr>
+          <p:nvPr/>
+        </p:nvCxnSpPr>
+        <p:spPr>
+          <a:xfrm flipV="1">
+            <a:off x="41465912" y="8272214"/>
+            <a:ext cx="546969" cy="2843"/>
+          </a:xfrm>
+          <a:prstGeom prst="straightConnector1">
+            <a:avLst/>
+          </a:prstGeom>
+          <a:ln>
+            <a:tailEnd type="triangle"/>
+          </a:ln>
+        </p:spPr>
+        <p:style>
+          <a:lnRef idx="3">
+            <a:schemeClr val="accent2"/>
+          </a:lnRef>
+          <a:fillRef idx="0">
+            <a:schemeClr val="accent2"/>
+          </a:fillRef>
+          <a:effectRef idx="2">
+            <a:schemeClr val="accent2"/>
+          </a:effectRef>
+          <a:fontRef idx="minor">
+            <a:schemeClr val="tx1"/>
+          </a:fontRef>
+        </p:style>
+      </p:cxnSp>
+      <p:cxnSp>
+        <p:nvCxnSpPr>
+          <p:cNvPr id="80" name="Straight Arrow Connector 79"/>
+          <p:cNvCxnSpPr>
+            <a:stCxn id="39" idx="3"/>
+            <a:endCxn id="71" idx="1"/>
+          </p:cNvCxnSpPr>
+          <p:nvPr/>
+        </p:nvCxnSpPr>
+        <p:spPr>
+          <a:xfrm>
+            <a:off x="41459906" y="12159267"/>
+            <a:ext cx="552976" cy="0"/>
+          </a:xfrm>
+          <a:prstGeom prst="straightConnector1">
+            <a:avLst/>
+          </a:prstGeom>
+          <a:ln>
+            <a:tailEnd type="triangle"/>
+          </a:ln>
+        </p:spPr>
+        <p:style>
+          <a:lnRef idx="3">
+            <a:schemeClr val="accent2"/>
+          </a:lnRef>
+          <a:fillRef idx="0">
+            <a:schemeClr val="accent2"/>
+          </a:fillRef>
+          <a:effectRef idx="2">
+            <a:schemeClr val="accent2"/>
+          </a:effectRef>
+          <a:fontRef idx="minor">
+            <a:schemeClr val="tx1"/>
+          </a:fontRef>
+        </p:style>
+      </p:cxnSp>
+      <p:cxnSp>
+        <p:nvCxnSpPr>
+          <p:cNvPr id="84" name="Elbow Connector 83"/>
+          <p:cNvCxnSpPr>
+            <a:stCxn id="71" idx="2"/>
+            <a:endCxn id="74" idx="0"/>
+          </p:cNvCxnSpPr>
+          <p:nvPr/>
+        </p:nvCxnSpPr>
+        <p:spPr>
+          <a:xfrm rot="5400000">
+            <a:off x="41595489" y="10454943"/>
+            <a:ext cx="289326" cy="7297274"/>
+          </a:xfrm>
+          <a:prstGeom prst="bentConnector3">
+            <a:avLst/>
+          </a:prstGeom>
+          <a:ln>
+            <a:tailEnd type="triangle"/>
+          </a:ln>
+        </p:spPr>
+        <p:style>
+          <a:lnRef idx="3">
+            <a:schemeClr val="accent2"/>
+          </a:lnRef>
+          <a:fillRef idx="0">
+            <a:schemeClr val="accent2"/>
+          </a:fillRef>
+          <a:effectRef idx="2">
+            <a:schemeClr val="accent2"/>
+          </a:effectRef>
+          <a:fontRef idx="minor">
+            <a:schemeClr val="tx1"/>
+          </a:fontRef>
+        </p:style>
+      </p:cxnSp>
+      <p:cxnSp>
+        <p:nvCxnSpPr>
+          <p:cNvPr id="87" name="Straight Arrow Connector 86"/>
+          <p:cNvCxnSpPr>
+            <a:stCxn id="74" idx="3"/>
+            <a:endCxn id="10" idx="1"/>
+          </p:cNvCxnSpPr>
+          <p:nvPr/>
+        </p:nvCxnSpPr>
+        <p:spPr>
+          <a:xfrm flipV="1">
+            <a:off x="41401470" y="15720208"/>
+            <a:ext cx="611412" cy="1369"/>
+          </a:xfrm>
+          <a:prstGeom prst="straightConnector1">
+            <a:avLst/>
+          </a:prstGeom>
+          <a:ln>
+            <a:tailEnd type="triangle"/>
+          </a:ln>
+        </p:spPr>
+        <p:style>
+          <a:lnRef idx="3">
+            <a:schemeClr val="accent2"/>
+          </a:lnRef>
+          <a:fillRef idx="0">
+            <a:schemeClr val="accent2"/>
+          </a:fillRef>
+          <a:effectRef idx="2">
+            <a:schemeClr val="accent2"/>
+          </a:effectRef>
+          <a:fontRef idx="minor">
+            <a:schemeClr val="tx1"/>
+          </a:fontRef>
+        </p:style>
+      </p:cxnSp>
     </p:spTree>
     <p:extLst>
       <p:ext uri="{BB962C8B-B14F-4D97-AF65-F5344CB8AC3E}">

--- a/Poster.pptx
+++ b/Poster.pptx
@@ -287,7 +287,7 @@
               <a:pPr>
                 <a:defRPr/>
               </a:pPr>
-              <a:t>3/15/17</a:t>
+              <a:t>3/16/17</a:t>
             </a:fld>
             <a:endParaRPr lang="en-US" dirty="0"/>
           </a:p>
@@ -5491,7 +5491,7 @@
               <a:graphicData uri="http://schemas.openxmlformats.org/presentationml/2006/ole">
                 <mc:AlternateContent xmlns:mc="http://schemas.openxmlformats.org/markup-compatibility/2006">
                   <mc:Choice xmlns:v="urn:schemas-microsoft-com:vml" Requires="v">
-                    <p:oleObj spid="_x0000_s1144" name="Image" r:id="rId8" imgW="1828440" imgH="1117440" progId="Photoshop.Image.13">
+                    <p:oleObj spid="_x0000_s1153" name="Image" r:id="rId8" imgW="1828440" imgH="1117440" progId="Photoshop.Image.13">
                       <p:embed/>
                     </p:oleObj>
                   </mc:Choice>
@@ -5548,7 +5548,7 @@
               <a:graphicData uri="http://schemas.openxmlformats.org/presentationml/2006/ole">
                 <mc:AlternateContent xmlns:mc="http://schemas.openxmlformats.org/markup-compatibility/2006">
                   <mc:Choice xmlns:v="urn:schemas-microsoft-com:vml" Requires="v">
-                    <p:oleObj spid="_x0000_s1145" name="Image" r:id="rId10" imgW="1828440" imgH="1117440" progId="Photoshop.Image.13">
+                    <p:oleObj spid="_x0000_s1154" name="Image" r:id="rId10" imgW="1828440" imgH="1117440" progId="Photoshop.Image.13">
                       <p:embed/>
                     </p:oleObj>
                   </mc:Choice>
@@ -6671,7 +6671,7 @@
             <a:graphicData uri="http://schemas.openxmlformats.org/presentationml/2006/ole">
               <mc:AlternateContent xmlns:mc="http://schemas.openxmlformats.org/markup-compatibility/2006">
                 <mc:Choice xmlns:v="urn:schemas-microsoft-com:vml" Requires="v">
-                  <p:oleObj spid="_x0000_s1146" name="Image" r:id="rId12" imgW="4571280" imgH="1688760" progId="Photoshop.Image.13">
+                  <p:oleObj spid="_x0000_s1155" name="Image" r:id="rId12" imgW="4571280" imgH="1688760" progId="Photoshop.Image.13">
                     <p:embed/>
                   </p:oleObj>
                 </mc:Choice>
@@ -6755,7 +6755,7 @@
             <a:graphicData uri="http://schemas.openxmlformats.org/presentationml/2006/ole">
               <mc:AlternateContent xmlns:mc="http://schemas.openxmlformats.org/markup-compatibility/2006">
                 <mc:Choice xmlns:v="urn:schemas-microsoft-com:vml" Requires="v">
-                  <p:oleObj spid="_x0000_s1147" name="Image" r:id="rId15" imgW="1574280" imgH="1053720" progId="Photoshop.Image.13">
+                  <p:oleObj spid="_x0000_s1156" name="Image" r:id="rId15" imgW="1574280" imgH="1053720" progId="Photoshop.Image.13">
                     <p:embed/>
                   </p:oleObj>
                 </mc:Choice>
@@ -9032,7 +9032,7 @@
               <a:graphicData uri="http://schemas.openxmlformats.org/presentationml/2006/ole">
                 <mc:AlternateContent xmlns:mc="http://schemas.openxmlformats.org/markup-compatibility/2006">
                   <mc:Choice xmlns:v="urn:schemas-microsoft-com:vml" Requires="v">
-                    <p:oleObj spid="_x0000_s2168" name="Image" r:id="rId8" imgW="1828440" imgH="1117440" progId="Photoshop.Image.13">
+                    <p:oleObj spid="_x0000_s2177" name="Image" r:id="rId8" imgW="1828440" imgH="1117440" progId="Photoshop.Image.13">
                       <p:embed/>
                     </p:oleObj>
                   </mc:Choice>
@@ -9089,7 +9089,7 @@
               <a:graphicData uri="http://schemas.openxmlformats.org/presentationml/2006/ole">
                 <mc:AlternateContent xmlns:mc="http://schemas.openxmlformats.org/markup-compatibility/2006">
                   <mc:Choice xmlns:v="urn:schemas-microsoft-com:vml" Requires="v">
-                    <p:oleObj spid="_x0000_s2169" name="Image" r:id="rId10" imgW="1828440" imgH="1117440" progId="Photoshop.Image.13">
+                    <p:oleObj spid="_x0000_s2178" name="Image" r:id="rId10" imgW="1828440" imgH="1117440" progId="Photoshop.Image.13">
                       <p:embed/>
                     </p:oleObj>
                   </mc:Choice>
@@ -10212,7 +10212,7 @@
             <a:graphicData uri="http://schemas.openxmlformats.org/presentationml/2006/ole">
               <mc:AlternateContent xmlns:mc="http://schemas.openxmlformats.org/markup-compatibility/2006">
                 <mc:Choice xmlns:v="urn:schemas-microsoft-com:vml" Requires="v">
-                  <p:oleObj spid="_x0000_s2170" name="Image" r:id="rId12" imgW="4571280" imgH="1688760" progId="Photoshop.Image.13">
+                  <p:oleObj spid="_x0000_s2179" name="Image" r:id="rId12" imgW="4571280" imgH="1688760" progId="Photoshop.Image.13">
                     <p:embed/>
                   </p:oleObj>
                 </mc:Choice>
@@ -10296,7 +10296,7 @@
             <a:graphicData uri="http://schemas.openxmlformats.org/presentationml/2006/ole">
               <mc:AlternateContent xmlns:mc="http://schemas.openxmlformats.org/markup-compatibility/2006">
                 <mc:Choice xmlns:v="urn:schemas-microsoft-com:vml" Requires="v">
-                  <p:oleObj spid="_x0000_s2171" name="Image" r:id="rId15" imgW="1574280" imgH="1053720" progId="Photoshop.Image.13">
+                  <p:oleObj spid="_x0000_s2180" name="Image" r:id="rId15" imgW="1574280" imgH="1053720" progId="Photoshop.Image.13">
                     <p:embed/>
                   </p:oleObj>
                 </mc:Choice>
@@ -12757,7 +12757,7 @@
               <a:graphicData uri="http://schemas.openxmlformats.org/presentationml/2006/ole">
                 <mc:AlternateContent xmlns:mc="http://schemas.openxmlformats.org/markup-compatibility/2006">
                   <mc:Choice xmlns:v="urn:schemas-microsoft-com:vml" Requires="v">
-                    <p:oleObj spid="_x0000_s3192" name="Image" r:id="rId8" imgW="1828440" imgH="1117440" progId="Photoshop.Image.13">
+                    <p:oleObj spid="_x0000_s3201" name="Image" r:id="rId8" imgW="1828440" imgH="1117440" progId="Photoshop.Image.13">
                       <p:embed/>
                     </p:oleObj>
                   </mc:Choice>
@@ -12814,7 +12814,7 @@
               <a:graphicData uri="http://schemas.openxmlformats.org/presentationml/2006/ole">
                 <mc:AlternateContent xmlns:mc="http://schemas.openxmlformats.org/markup-compatibility/2006">
                   <mc:Choice xmlns:v="urn:schemas-microsoft-com:vml" Requires="v">
-                    <p:oleObj spid="_x0000_s3193" name="Image" r:id="rId10" imgW="1828440" imgH="1117440" progId="Photoshop.Image.13">
+                    <p:oleObj spid="_x0000_s3202" name="Image" r:id="rId10" imgW="1828440" imgH="1117440" progId="Photoshop.Image.13">
                       <p:embed/>
                     </p:oleObj>
                   </mc:Choice>
@@ -13937,7 +13937,7 @@
             <a:graphicData uri="http://schemas.openxmlformats.org/presentationml/2006/ole">
               <mc:AlternateContent xmlns:mc="http://schemas.openxmlformats.org/markup-compatibility/2006">
                 <mc:Choice xmlns:v="urn:schemas-microsoft-com:vml" Requires="v">
-                  <p:oleObj spid="_x0000_s3194" name="Image" r:id="rId12" imgW="4571280" imgH="1688760" progId="Photoshop.Image.13">
+                  <p:oleObj spid="_x0000_s3203" name="Image" r:id="rId12" imgW="4571280" imgH="1688760" progId="Photoshop.Image.13">
                     <p:embed/>
                   </p:oleObj>
                 </mc:Choice>
@@ -14021,7 +14021,7 @@
             <a:graphicData uri="http://schemas.openxmlformats.org/presentationml/2006/ole">
               <mc:AlternateContent xmlns:mc="http://schemas.openxmlformats.org/markup-compatibility/2006">
                 <mc:Choice xmlns:v="urn:schemas-microsoft-com:vml" Requires="v">
-                  <p:oleObj spid="_x0000_s3195" name="Image" r:id="rId15" imgW="1574280" imgH="1053720" progId="Photoshop.Image.13">
+                  <p:oleObj spid="_x0000_s3204" name="Image" r:id="rId15" imgW="1574280" imgH="1053720" progId="Photoshop.Image.13">
                     <p:embed/>
                   </p:oleObj>
                 </mc:Choice>
@@ -15293,14 +15293,27 @@
         <p:spPr>
           <a:xfrm>
             <a:off x="34292096" y="23584125"/>
-            <a:ext cx="15844570" cy="958478"/>
+            <a:ext cx="15844570" cy="4147043"/>
           </a:xfrm>
         </p:spPr>
         <p:txBody>
           <a:bodyPr/>
           <a:lstStyle/>
           <a:p>
-            <a:endParaRPr lang="en-US"/>
+            <a:r>
+              <a:rPr lang="en-US" dirty="0" smtClean="0"/>
+              <a:t>After all the work we have done, we can see that transcription is a very hard task to accomplish perfectly well. Noisy recordings contributed to worse performance on some recordings, as well as certain limitations in the performance of Bing’s API (on both the speaker recognition and transcription front). </a:t>
+            </a:r>
+          </a:p>
+          <a:p>
+            <a:endParaRPr lang="en-US" dirty="0"/>
+          </a:p>
+          <a:p>
+            <a:r>
+              <a:rPr lang="en-US" dirty="0" smtClean="0"/>
+              <a:t>In the end, however, we believe our tool could be a good start at creating a tool that could help journalists transcribe their interviews. It integrates some machine learning by utilizing the Bing API, as well as audio signal processing by constructing a self similarity matrix to determine how to segment the audio into individual speakers. Overall, we learned quite a bit!</a:t>
+            </a:r>
+            <a:endParaRPr lang="en-US" dirty="0"/>
           </a:p>
         </p:txBody>
       </p:sp>
@@ -15344,8 +15357,8 @@
         </p:nvSpPr>
         <p:spPr>
           <a:xfrm>
-            <a:off x="34292096" y="29592363"/>
-            <a:ext cx="15844570" cy="1561720"/>
+            <a:off x="34338590" y="29592363"/>
+            <a:ext cx="15844570" cy="2398872"/>
           </a:xfrm>
         </p:spPr>
         <p:txBody>
@@ -15353,263 +15366,255 @@
           <a:lstStyle/>
           <a:p>
             <a:r>
-              <a:rPr lang="en-US" sz="1200" dirty="0"/>
+              <a:rPr lang="en-US" sz="1600" dirty="0"/>
               <a:t> </a:t>
             </a:r>
             <a:r>
-              <a:rPr lang="en-US" sz="1200" dirty="0" smtClean="0"/>
+              <a:rPr lang="en-US" sz="1600" dirty="0" smtClean="0"/>
               <a:t>    </a:t>
             </a:r>
             <a:r>
-              <a:rPr lang="en-US" sz="1200" dirty="0" err="1" smtClean="0"/>
+              <a:rPr lang="en-US" sz="1600" dirty="0" err="1" smtClean="0"/>
               <a:t>Bongjun</a:t>
             </a:r>
             <a:r>
-              <a:rPr lang="en-US" sz="1200" dirty="0" smtClean="0"/>
-              <a:t> Kim and Bryan Pardo. </a:t>
-            </a:r>
-            <a:r>
-              <a:rPr lang="en-US" sz="1200" dirty="0" smtClean="0"/>
-              <a:t>2017. I-SED: an Interactive Sound Event Detector. In </a:t>
-            </a:r>
-            <a:r>
-              <a:rPr lang="en-US" sz="1200" i="1" dirty="0" smtClean="0"/>
+              <a:rPr lang="en-US" sz="1600" dirty="0" smtClean="0"/>
+              <a:t> Kim and Bryan Pardo. 2017. I-SED: an Interactive Sound Event Detector. In </a:t>
+            </a:r>
+            <a:r>
+              <a:rPr lang="en-US" sz="1600" i="1" dirty="0" smtClean="0"/>
               <a:t>ACM </a:t>
             </a:r>
             <a:r>
-              <a:rPr lang="en-US" sz="1200" i="1" dirty="0"/>
+              <a:rPr lang="en-US" sz="1600" i="1" dirty="0"/>
               <a:t>International Conference on Intelligent User </a:t>
             </a:r>
             <a:r>
-              <a:rPr lang="en-US" sz="1200" i="1" dirty="0" smtClean="0"/>
+              <a:rPr lang="en-US" sz="1600" i="1" dirty="0" smtClean="0"/>
               <a:t>Interfaces. </a:t>
             </a:r>
             <a:r>
-              <a:rPr lang="en-US" sz="1200" dirty="0"/>
+              <a:rPr lang="en-US" sz="1600" dirty="0"/>
               <a:t>Retrieved from </a:t>
             </a:r>
             <a:r>
-              <a:rPr lang="en-US" sz="1200" dirty="0">
+              <a:rPr lang="en-US" sz="1600" dirty="0">
                 <a:hlinkClick r:id="rId3"/>
               </a:rPr>
               <a:t>http://</a:t>
             </a:r>
             <a:r>
-              <a:rPr lang="en-US" sz="1200" dirty="0" smtClean="0">
+              <a:rPr lang="en-US" sz="1600" dirty="0" smtClean="0">
                 <a:hlinkClick r:id="rId3"/>
               </a:rPr>
               <a:t>music.cs.northwestern.edu/publications/Kim_Pardo_IUI2017.pdf</a:t>
             </a:r>
             <a:r>
-              <a:rPr lang="en-US" sz="1200" dirty="0" smtClean="0"/>
+              <a:rPr lang="en-US" sz="1600" dirty="0" smtClean="0"/>
               <a:t>.</a:t>
             </a:r>
-            <a:endParaRPr lang="en-US" sz="1200" i="1" dirty="0" smtClean="0"/>
+            <a:endParaRPr lang="en-US" sz="1600" i="1" dirty="0" smtClean="0"/>
           </a:p>
           <a:p>
             <a:r>
-              <a:rPr lang="en-US" sz="1200" dirty="0" smtClean="0"/>
+              <a:rPr lang="en-US" sz="1600" dirty="0" smtClean="0"/>
               <a:t>     Steve Rubin, </a:t>
             </a:r>
             <a:r>
-              <a:rPr lang="en-US" sz="1200" dirty="0" err="1"/>
+              <a:rPr lang="en-US" sz="1600" dirty="0" err="1"/>
               <a:t>Floraine</a:t>
             </a:r>
             <a:r>
-              <a:rPr lang="en-US" sz="1200" dirty="0"/>
+              <a:rPr lang="en-US" sz="1600" dirty="0"/>
               <a:t> </a:t>
             </a:r>
             <a:r>
-              <a:rPr lang="en-US" sz="1200" dirty="0" err="1" smtClean="0"/>
+              <a:rPr lang="en-US" sz="1600" dirty="0" err="1" smtClean="0"/>
               <a:t>Berthouzoz</a:t>
             </a:r>
             <a:r>
-              <a:rPr lang="en-US" sz="1200" dirty="0" smtClean="0"/>
+              <a:rPr lang="en-US" sz="1600" dirty="0" smtClean="0"/>
               <a:t>, </a:t>
             </a:r>
             <a:r>
-              <a:rPr lang="en-US" sz="1200" dirty="0" err="1"/>
+              <a:rPr lang="en-US" sz="1600" dirty="0" err="1"/>
               <a:t>Gautham</a:t>
             </a:r>
             <a:r>
-              <a:rPr lang="en-US" sz="1200" dirty="0"/>
+              <a:rPr lang="en-US" sz="1600" dirty="0"/>
               <a:t> J. </a:t>
             </a:r>
             <a:r>
-              <a:rPr lang="en-US" sz="1200" dirty="0" smtClean="0"/>
+              <a:rPr lang="en-US" sz="1600" dirty="0" smtClean="0"/>
               <a:t>Mysore, </a:t>
             </a:r>
             <a:r>
-              <a:rPr lang="en-US" sz="1200" dirty="0"/>
+              <a:rPr lang="en-US" sz="1600" dirty="0"/>
               <a:t>Wilmot </a:t>
             </a:r>
             <a:r>
-              <a:rPr lang="en-US" sz="1200" dirty="0" smtClean="0"/>
+              <a:rPr lang="en-US" sz="1600" dirty="0" smtClean="0"/>
               <a:t>Li, and </a:t>
             </a:r>
             <a:r>
-              <a:rPr lang="en-US" sz="1200" dirty="0" err="1"/>
+              <a:rPr lang="en-US" sz="1600" dirty="0" err="1"/>
               <a:t>Maneesh</a:t>
             </a:r>
             <a:r>
-              <a:rPr lang="en-US" sz="1200" dirty="0"/>
+              <a:rPr lang="en-US" sz="1600" dirty="0"/>
               <a:t> </a:t>
             </a:r>
             <a:r>
-              <a:rPr lang="en-US" sz="1200" dirty="0" err="1" smtClean="0"/>
+              <a:rPr lang="en-US" sz="1600" dirty="0" err="1" smtClean="0"/>
               <a:t>Agrawala</a:t>
             </a:r>
             <a:r>
-              <a:rPr lang="en-US" sz="1200" dirty="0" smtClean="0"/>
+              <a:rPr lang="en-US" sz="1600" dirty="0" smtClean="0"/>
               <a:t>. 2013.  Content-Based Tools for Editing Audio Stories. In </a:t>
             </a:r>
             <a:r>
-              <a:rPr lang="en-US" sz="1200" i="1" dirty="0"/>
+              <a:rPr lang="en-US" sz="1600" i="1" dirty="0"/>
               <a:t>UIST 2013, October 2013. pp. </a:t>
             </a:r>
             <a:r>
-              <a:rPr lang="en-US" sz="1200" dirty="0" smtClean="0"/>
+              <a:rPr lang="en-US" sz="1600" dirty="0" smtClean="0"/>
               <a:t>113-122. Retrieved </a:t>
             </a:r>
             <a:r>
-              <a:rPr lang="en-US" sz="1200" dirty="0"/>
+              <a:rPr lang="en-US" sz="1600" dirty="0"/>
               <a:t>from </a:t>
             </a:r>
             <a:r>
-              <a:rPr lang="en-US" sz="1200" dirty="0">
+              <a:rPr lang="en-US" sz="1600" dirty="0">
                 <a:hlinkClick r:id="rId4"/>
               </a:rPr>
               <a:t>http://</a:t>
             </a:r>
             <a:r>
-              <a:rPr lang="en-US" sz="1200" dirty="0" smtClean="0">
+              <a:rPr lang="en-US" sz="1600" dirty="0" smtClean="0">
                 <a:hlinkClick r:id="rId4"/>
               </a:rPr>
               <a:t>vis.berkeley.edu/papers/audiostories/audiostories.pdf</a:t>
             </a:r>
             <a:r>
-              <a:rPr lang="en-US" sz="1200" dirty="0" smtClean="0"/>
+              <a:rPr lang="en-US" sz="1600" dirty="0" smtClean="0"/>
               <a:t>.</a:t>
             </a:r>
           </a:p>
           <a:p>
             <a:r>
-              <a:rPr lang="en-US" sz="1200" i="1" dirty="0" smtClean="0"/>
+              <a:rPr lang="en-US" sz="1600" i="1" dirty="0" smtClean="0"/>
               <a:t>     </a:t>
             </a:r>
             <a:r>
-              <a:rPr lang="en-US" sz="1200" dirty="0" smtClean="0"/>
+              <a:rPr lang="en-US" sz="1600" dirty="0" smtClean="0"/>
               <a:t>Waveforms on the interface were created </a:t>
             </a:r>
             <a:r>
-              <a:rPr lang="en-US" sz="1200" dirty="0"/>
+              <a:rPr lang="en-US" sz="1600" dirty="0"/>
               <a:t>with </a:t>
             </a:r>
             <a:r>
-              <a:rPr lang="en-US" sz="1200" dirty="0" err="1"/>
+              <a:rPr lang="en-US" sz="1600" dirty="0" err="1"/>
               <a:t>wavesurfer.js</a:t>
             </a:r>
             <a:r>
-              <a:rPr lang="en-US" sz="1200" dirty="0" smtClean="0"/>
-              <a:t>. </a:t>
-            </a:r>
-            <a:r>
-              <a:rPr lang="en-US" sz="1200" smtClean="0"/>
-              <a:t>Retrieved from </a:t>
-            </a:r>
-            <a:r>
-              <a:rPr lang="en-US" sz="1200" dirty="0">
+              <a:rPr lang="en-US" sz="1600" dirty="0" smtClean="0"/>
+              <a:t>. Retrieved from </a:t>
+            </a:r>
+            <a:r>
+              <a:rPr lang="en-US" sz="1600" dirty="0">
                 <a:hlinkClick r:id="rId5"/>
               </a:rPr>
               <a:t>https://wavesurfer-js.org</a:t>
             </a:r>
             <a:r>
-              <a:rPr lang="en-US" sz="1200" dirty="0" smtClean="0">
+              <a:rPr lang="en-US" sz="1600" dirty="0" smtClean="0">
                 <a:hlinkClick r:id="rId5"/>
               </a:rPr>
               <a:t>/</a:t>
             </a:r>
             <a:r>
-              <a:rPr lang="en-US" sz="1200" dirty="0" smtClean="0"/>
+              <a:rPr lang="en-US" sz="1600" dirty="0" smtClean="0"/>
               <a:t> </a:t>
             </a:r>
           </a:p>
           <a:p>
             <a:r>
-              <a:rPr lang="en-US" sz="1200" i="1" dirty="0"/>
+              <a:rPr lang="en-US" sz="1600" i="1" dirty="0"/>
               <a:t> </a:t>
             </a:r>
             <a:r>
-              <a:rPr lang="en-US" sz="1200" i="1" dirty="0" smtClean="0"/>
+              <a:rPr lang="en-US" sz="1600" i="1" dirty="0" smtClean="0"/>
               <a:t>    </a:t>
             </a:r>
             <a:r>
-              <a:rPr lang="en-US" sz="1200" dirty="0" err="1"/>
+              <a:rPr lang="en-US" sz="1600" dirty="0" err="1"/>
               <a:t>Theodoros</a:t>
             </a:r>
             <a:r>
-              <a:rPr lang="en-US" sz="1200" dirty="0"/>
+              <a:rPr lang="en-US" sz="1600" dirty="0"/>
               <a:t> </a:t>
             </a:r>
             <a:r>
-              <a:rPr lang="en-US" sz="1200" dirty="0" smtClean="0"/>
+              <a:rPr lang="en-US" sz="1600" dirty="0" smtClean="0"/>
               <a:t>Giannakopoulos. 2015. </a:t>
             </a:r>
             <a:r>
-              <a:rPr lang="en-US" sz="1200" dirty="0" err="1" smtClean="0"/>
+              <a:rPr lang="en-US" sz="1600" dirty="0" err="1" smtClean="0"/>
               <a:t>pyAudioAnalysis</a:t>
             </a:r>
             <a:r>
-              <a:rPr lang="en-US" sz="1200" dirty="0"/>
+              <a:rPr lang="en-US" sz="1600" dirty="0"/>
               <a:t>: An Open-Source Python Library for Audio Signal Analysis. </a:t>
             </a:r>
             <a:r>
-              <a:rPr lang="en-US" sz="1200" dirty="0" smtClean="0"/>
+              <a:rPr lang="en-US" sz="1600" dirty="0" smtClean="0"/>
               <a:t>In </a:t>
             </a:r>
             <a:r>
-              <a:rPr lang="en-US" sz="1200" i="1" dirty="0" err="1" smtClean="0"/>
+              <a:rPr lang="en-US" sz="1600" i="1" dirty="0" err="1" smtClean="0"/>
               <a:t>PLoS</a:t>
             </a:r>
             <a:r>
-              <a:rPr lang="en-US" sz="1200" i="1" dirty="0" smtClean="0"/>
+              <a:rPr lang="en-US" sz="1600" i="1" dirty="0" smtClean="0"/>
               <a:t> </a:t>
             </a:r>
             <a:r>
-              <a:rPr lang="en-US" sz="1200" i="1" dirty="0"/>
+              <a:rPr lang="en-US" sz="1600" i="1" dirty="0"/>
               <a:t>ONE 10(12</a:t>
             </a:r>
             <a:r>
-              <a:rPr lang="en-US" sz="1200" i="1" dirty="0" smtClean="0"/>
+              <a:rPr lang="en-US" sz="1600" i="1" dirty="0" smtClean="0"/>
               <a:t>). </a:t>
             </a:r>
             <a:r>
-              <a:rPr lang="en-US" sz="1200" dirty="0" smtClean="0"/>
+              <a:rPr lang="en-US" sz="1600" dirty="0" smtClean="0"/>
               <a:t> Retrieved from </a:t>
             </a:r>
             <a:r>
-              <a:rPr lang="en-US" sz="1200" dirty="0" smtClean="0">
+              <a:rPr lang="en-US" sz="1600" dirty="0" smtClean="0">
                 <a:hlinkClick r:id="rId6"/>
               </a:rPr>
               <a:t>http</a:t>
             </a:r>
             <a:r>
-              <a:rPr lang="en-US" sz="1200" dirty="0">
+              <a:rPr lang="en-US" sz="1600" dirty="0">
                 <a:hlinkClick r:id="rId6"/>
               </a:rPr>
               <a:t>://</a:t>
             </a:r>
             <a:r>
-              <a:rPr lang="en-US" sz="1200" dirty="0" smtClean="0">
+              <a:rPr lang="en-US" sz="1600" dirty="0" smtClean="0">
                 <a:hlinkClick r:id="rId6"/>
               </a:rPr>
               <a:t>journals.plos.org/plosone/article/file?id=10.1371/journal.pone.0144610&amp;type=printable</a:t>
             </a:r>
             <a:r>
-              <a:rPr lang="en-US" sz="1200" dirty="0" smtClean="0"/>
+              <a:rPr lang="en-US" sz="1600" dirty="0" smtClean="0"/>
               <a:t>. </a:t>
             </a:r>
-            <a:endParaRPr lang="en-US" sz="1200" i="1" dirty="0"/>
+            <a:endParaRPr lang="en-US" sz="1600" i="1" dirty="0"/>
           </a:p>
         </p:txBody>
       </p:sp>
@@ -16108,14 +16113,7 @@
                 <a:latin typeface="Times New Roman" panose="02020603050405020304" pitchFamily="18" charset="0"/>
                 <a:cs typeface="Times New Roman" panose="02020603050405020304" pitchFamily="18" charset="0"/>
               </a:rPr>
-              <a:t> b. </a:t>
-            </a:r>
-            <a:r>
-              <a:rPr lang="en-US" sz="2000" dirty="0" smtClean="0">
-                <a:latin typeface="Times New Roman" panose="02020603050405020304" pitchFamily="18" charset="0"/>
-                <a:cs typeface="Times New Roman" panose="02020603050405020304" pitchFamily="18" charset="0"/>
-              </a:rPr>
-              <a:t>User uploads .wav file (system will reject if not wav format)</a:t>
+              <a:t> b. User uploads .wav file (system will reject if not wav format)</a:t>
             </a:r>
             <a:endParaRPr lang="en-US" sz="2000" dirty="0">
               <a:latin typeface="Times New Roman" panose="02020603050405020304" pitchFamily="18" charset="0"/>

--- a/Poster.pptx
+++ b/Poster.pptx
@@ -178,6 +178,2093 @@
 </p:presentation>
 </file>
 
+<file path=ppt/charts/chart1.xml><?xml version="1.0" encoding="utf-8"?>
+<c:chartSpace xmlns:c="http://schemas.openxmlformats.org/drawingml/2006/chart" xmlns:a="http://schemas.openxmlformats.org/drawingml/2006/main" xmlns:r="http://schemas.openxmlformats.org/officeDocument/2006/relationships" xmlns:c16r2="http://schemas.microsoft.com/office/drawing/2015/06/chart">
+  <c:date1904 val="0"/>
+  <c:lang val="en-US"/>
+  <c:roundedCorners val="0"/>
+  <mc:AlternateContent xmlns:mc="http://schemas.openxmlformats.org/markup-compatibility/2006">
+    <mc:Choice xmlns:c14="http://schemas.microsoft.com/office/drawing/2007/8/2/chart" Requires="c14">
+      <c14:style val="102"/>
+    </mc:Choice>
+    <mc:Fallback>
+      <c:style val="2"/>
+    </mc:Fallback>
+  </mc:AlternateContent>
+  <c:chart>
+    <c:title>
+      <c:tx>
+        <c:rich>
+          <a:bodyPr rot="0" spcFirstLastPara="1" vertOverflow="ellipsis" vert="horz" wrap="square" anchor="ctr" anchorCtr="1"/>
+          <a:lstStyle/>
+          <a:p>
+            <a:pPr>
+              <a:defRPr sz="3200" b="0" i="0" u="none" strike="noStrike" kern="1200" spc="0" baseline="0">
+                <a:solidFill>
+                  <a:schemeClr val="tx1"/>
+                </a:solidFill>
+                <a:latin typeface="+mn-lt"/>
+                <a:ea typeface="+mn-ea"/>
+                <a:cs typeface="+mn-cs"/>
+              </a:defRPr>
+            </a:pPr>
+            <a:r>
+              <a:rPr lang="en-US" sz="3200" b="0">
+                <a:solidFill>
+                  <a:schemeClr val="tx1"/>
+                </a:solidFill>
+              </a:rPr>
+              <a:t>F-Score</a:t>
+            </a:r>
+            <a:r>
+              <a:rPr lang="en-US" sz="3200" b="0" baseline="0">
+                <a:solidFill>
+                  <a:schemeClr val="tx1"/>
+                </a:solidFill>
+              </a:rPr>
+              <a:t> on Obama Interview </a:t>
+            </a:r>
+            <a:endParaRPr lang="en-US" sz="3200" b="0">
+              <a:solidFill>
+                <a:schemeClr val="tx1"/>
+              </a:solidFill>
+            </a:endParaRPr>
+          </a:p>
+        </c:rich>
+      </c:tx>
+      <c:overlay val="0"/>
+      <c:spPr>
+        <a:noFill/>
+        <a:ln>
+          <a:noFill/>
+        </a:ln>
+        <a:effectLst/>
+      </c:spPr>
+      <c:txPr>
+        <a:bodyPr rot="0" spcFirstLastPara="1" vertOverflow="ellipsis" vert="horz" wrap="square" anchor="ctr" anchorCtr="1"/>
+        <a:lstStyle/>
+        <a:p>
+          <a:pPr>
+            <a:defRPr sz="3200" b="0" i="0" u="none" strike="noStrike" kern="1200" spc="0" baseline="0">
+              <a:solidFill>
+                <a:schemeClr val="tx1"/>
+              </a:solidFill>
+              <a:latin typeface="+mn-lt"/>
+              <a:ea typeface="+mn-ea"/>
+              <a:cs typeface="+mn-cs"/>
+            </a:defRPr>
+          </a:pPr>
+          <a:endParaRPr lang="en-US"/>
+        </a:p>
+      </c:txPr>
+    </c:title>
+    <c:autoTitleDeleted val="0"/>
+    <c:plotArea>
+      <c:layout>
+        <c:manualLayout>
+          <c:layoutTarget val="inner"/>
+          <c:xMode val="edge"/>
+          <c:yMode val="edge"/>
+          <c:x val="7.6225187198134883E-2"/>
+          <c:y val="0.20598053691804266"/>
+          <c:w val="0.9155301837270341"/>
+          <c:h val="0.65675477678830829"/>
+        </c:manualLayout>
+      </c:layout>
+      <c:barChart>
+        <c:barDir val="col"/>
+        <c:grouping val="clustered"/>
+        <c:varyColors val="0"/>
+        <c:ser>
+          <c:idx val="0"/>
+          <c:order val="0"/>
+          <c:tx>
+            <c:strRef>
+              <c:f>Sheet1!$E$49</c:f>
+              <c:strCache>
+                <c:ptCount val="1"/>
+                <c:pt idx="0">
+                  <c:v>Interviewer</c:v>
+                </c:pt>
+              </c:strCache>
+            </c:strRef>
+          </c:tx>
+          <c:spPr>
+            <a:solidFill>
+              <a:schemeClr val="accent1">
+                <a:lumMod val="75000"/>
+              </a:schemeClr>
+            </a:solidFill>
+            <a:ln>
+              <a:noFill/>
+            </a:ln>
+            <a:effectLst/>
+          </c:spPr>
+          <c:invertIfNegative val="0"/>
+          <c:cat>
+            <c:strRef>
+              <c:f>Sheet1!$F$48:$K$48</c:f>
+              <c:strCache>
+                <c:ptCount val="6"/>
+                <c:pt idx="0">
+                  <c:v>Log Start</c:v>
+                </c:pt>
+                <c:pt idx="1">
+                  <c:v>Log Neighbor</c:v>
+                </c:pt>
+                <c:pt idx="2">
+                  <c:v>Mfcc Start</c:v>
+                </c:pt>
+                <c:pt idx="3">
+                  <c:v>Mfcc Neighbor</c:v>
+                </c:pt>
+                <c:pt idx="4">
+                  <c:v>Chroma Neighbor</c:v>
+                </c:pt>
+                <c:pt idx="5">
+                  <c:v>Chroma Start</c:v>
+                </c:pt>
+              </c:strCache>
+            </c:strRef>
+          </c:cat>
+          <c:val>
+            <c:numRef>
+              <c:f>Sheet1!$F$49:$K$49</c:f>
+              <c:numCache>
+                <c:formatCode>General</c:formatCode>
+                <c:ptCount val="6"/>
+                <c:pt idx="0">
+                  <c:v>0.89285714289999996</c:v>
+                </c:pt>
+                <c:pt idx="1">
+                  <c:v>0.74358974359999996</c:v>
+                </c:pt>
+                <c:pt idx="2">
+                  <c:v>0.86956521740000003</c:v>
+                </c:pt>
+                <c:pt idx="3">
+                  <c:v>0.92</c:v>
+                </c:pt>
+                <c:pt idx="4">
+                  <c:v>0.70454545449999995</c:v>
+                </c:pt>
+                <c:pt idx="5">
+                  <c:v>0.70454545449999995</c:v>
+                </c:pt>
+              </c:numCache>
+            </c:numRef>
+          </c:val>
+          <c:extLst>
+            <c:ext xmlns:c16="http://schemas.microsoft.com/office/drawing/2014/chart" uri="{C3380CC4-5D6E-409C-BE32-E72D297353CC}">
+              <c16:uniqueId val="{00000000-D993-4FC7-8EFA-FBB5382EB190}"/>
+            </c:ext>
+          </c:extLst>
+        </c:ser>
+        <c:ser>
+          <c:idx val="1"/>
+          <c:order val="1"/>
+          <c:tx>
+            <c:strRef>
+              <c:f>Sheet1!$E$50</c:f>
+              <c:strCache>
+                <c:ptCount val="1"/>
+                <c:pt idx="0">
+                  <c:v>Obama</c:v>
+                </c:pt>
+              </c:strCache>
+            </c:strRef>
+          </c:tx>
+          <c:spPr>
+            <a:solidFill>
+              <a:schemeClr val="accent2">
+                <a:lumMod val="75000"/>
+              </a:schemeClr>
+            </a:solidFill>
+            <a:ln>
+              <a:noFill/>
+            </a:ln>
+            <a:effectLst/>
+          </c:spPr>
+          <c:invertIfNegative val="0"/>
+          <c:cat>
+            <c:strRef>
+              <c:f>Sheet1!$F$48:$K$48</c:f>
+              <c:strCache>
+                <c:ptCount val="6"/>
+                <c:pt idx="0">
+                  <c:v>Log Start</c:v>
+                </c:pt>
+                <c:pt idx="1">
+                  <c:v>Log Neighbor</c:v>
+                </c:pt>
+                <c:pt idx="2">
+                  <c:v>Mfcc Start</c:v>
+                </c:pt>
+                <c:pt idx="3">
+                  <c:v>Mfcc Neighbor</c:v>
+                </c:pt>
+                <c:pt idx="4">
+                  <c:v>Chroma Neighbor</c:v>
+                </c:pt>
+                <c:pt idx="5">
+                  <c:v>Chroma Start</c:v>
+                </c:pt>
+              </c:strCache>
+            </c:strRef>
+          </c:cat>
+          <c:val>
+            <c:numRef>
+              <c:f>Sheet1!$F$50:$K$50</c:f>
+              <c:numCache>
+                <c:formatCode>General</c:formatCode>
+                <c:ptCount val="6"/>
+                <c:pt idx="0">
+                  <c:v>0.84210526320000001</c:v>
+                </c:pt>
+                <c:pt idx="1">
+                  <c:v>0.85714285710000004</c:v>
+                </c:pt>
+                <c:pt idx="2">
+                  <c:v>0.05</c:v>
+                </c:pt>
+                <c:pt idx="3">
+                  <c:v>0.80952380950000002</c:v>
+                </c:pt>
+                <c:pt idx="4">
+                  <c:v>0.83333333330000003</c:v>
+                </c:pt>
+                <c:pt idx="5">
+                  <c:v>0.83333333330000003</c:v>
+                </c:pt>
+              </c:numCache>
+            </c:numRef>
+          </c:val>
+          <c:extLst>
+            <c:ext xmlns:c16="http://schemas.microsoft.com/office/drawing/2014/chart" uri="{C3380CC4-5D6E-409C-BE32-E72D297353CC}">
+              <c16:uniqueId val="{00000001-D993-4FC7-8EFA-FBB5382EB190}"/>
+            </c:ext>
+          </c:extLst>
+        </c:ser>
+        <c:dLbls>
+          <c:showLegendKey val="0"/>
+          <c:showVal val="0"/>
+          <c:showCatName val="0"/>
+          <c:showSerName val="0"/>
+          <c:showPercent val="0"/>
+          <c:showBubbleSize val="0"/>
+        </c:dLbls>
+        <c:gapWidth val="219"/>
+        <c:overlap val="-27"/>
+        <c:axId val="515106232"/>
+        <c:axId val="515109840"/>
+      </c:barChart>
+      <c:catAx>
+        <c:axId val="515106232"/>
+        <c:scaling>
+          <c:orientation val="minMax"/>
+        </c:scaling>
+        <c:delete val="0"/>
+        <c:axPos val="b"/>
+        <c:numFmt formatCode="General" sourceLinked="1"/>
+        <c:majorTickMark val="none"/>
+        <c:minorTickMark val="none"/>
+        <c:tickLblPos val="nextTo"/>
+        <c:spPr>
+          <a:noFill/>
+          <a:ln w="9525" cap="flat" cmpd="sng" algn="ctr">
+            <a:solidFill>
+              <a:schemeClr val="tx1">
+                <a:lumMod val="15000"/>
+                <a:lumOff val="85000"/>
+              </a:schemeClr>
+            </a:solidFill>
+            <a:round/>
+          </a:ln>
+          <a:effectLst/>
+        </c:spPr>
+        <c:txPr>
+          <a:bodyPr rot="-60000000" spcFirstLastPara="1" vertOverflow="ellipsis" vert="horz" wrap="square" anchor="ctr" anchorCtr="1"/>
+          <a:lstStyle/>
+          <a:p>
+            <a:pPr>
+              <a:defRPr sz="1600" b="0" i="0" u="none" strike="noStrike" kern="1200" baseline="0">
+                <a:solidFill>
+                  <a:schemeClr val="tx1">
+                    <a:lumMod val="65000"/>
+                    <a:lumOff val="35000"/>
+                  </a:schemeClr>
+                </a:solidFill>
+                <a:latin typeface="+mn-lt"/>
+                <a:ea typeface="+mn-ea"/>
+                <a:cs typeface="+mn-cs"/>
+              </a:defRPr>
+            </a:pPr>
+            <a:endParaRPr lang="en-US"/>
+          </a:p>
+        </c:txPr>
+        <c:crossAx val="515109840"/>
+        <c:crosses val="autoZero"/>
+        <c:auto val="1"/>
+        <c:lblAlgn val="ctr"/>
+        <c:lblOffset val="100"/>
+        <c:noMultiLvlLbl val="0"/>
+      </c:catAx>
+      <c:valAx>
+        <c:axId val="515109840"/>
+        <c:scaling>
+          <c:orientation val="minMax"/>
+        </c:scaling>
+        <c:delete val="0"/>
+        <c:axPos val="l"/>
+        <c:majorGridlines>
+          <c:spPr>
+            <a:ln w="9525" cap="flat" cmpd="sng" algn="ctr">
+              <a:solidFill>
+                <a:schemeClr val="tx1">
+                  <a:lumMod val="15000"/>
+                  <a:lumOff val="85000"/>
+                </a:schemeClr>
+              </a:solidFill>
+              <a:round/>
+            </a:ln>
+            <a:effectLst/>
+          </c:spPr>
+        </c:majorGridlines>
+        <c:numFmt formatCode="General" sourceLinked="1"/>
+        <c:majorTickMark val="none"/>
+        <c:minorTickMark val="none"/>
+        <c:tickLblPos val="nextTo"/>
+        <c:spPr>
+          <a:noFill/>
+          <a:ln>
+            <a:noFill/>
+          </a:ln>
+          <a:effectLst/>
+        </c:spPr>
+        <c:txPr>
+          <a:bodyPr rot="-60000000" spcFirstLastPara="1" vertOverflow="ellipsis" vert="horz" wrap="square" anchor="ctr" anchorCtr="1"/>
+          <a:lstStyle/>
+          <a:p>
+            <a:pPr>
+              <a:defRPr sz="1600" b="0" i="0" u="none" strike="noStrike" kern="1200" baseline="0">
+                <a:solidFill>
+                  <a:schemeClr val="tx1">
+                    <a:lumMod val="65000"/>
+                    <a:lumOff val="35000"/>
+                  </a:schemeClr>
+                </a:solidFill>
+                <a:latin typeface="+mn-lt"/>
+                <a:ea typeface="+mn-ea"/>
+                <a:cs typeface="+mn-cs"/>
+              </a:defRPr>
+            </a:pPr>
+            <a:endParaRPr lang="en-US"/>
+          </a:p>
+        </c:txPr>
+        <c:crossAx val="515106232"/>
+        <c:crosses val="autoZero"/>
+        <c:crossBetween val="between"/>
+      </c:valAx>
+      <c:spPr>
+        <a:noFill/>
+        <a:ln>
+          <a:noFill/>
+        </a:ln>
+        <a:effectLst/>
+      </c:spPr>
+    </c:plotArea>
+    <c:legend>
+      <c:legendPos val="tr"/>
+      <c:layout>
+        <c:manualLayout>
+          <c:xMode val="edge"/>
+          <c:yMode val="edge"/>
+          <c:x val="0.76822662075497439"/>
+          <c:y val="0.11528791246781241"/>
+          <c:w val="0.22211065359949272"/>
+          <c:h val="0.16997625876573028"/>
+        </c:manualLayout>
+      </c:layout>
+      <c:overlay val="0"/>
+      <c:spPr>
+        <a:noFill/>
+        <a:ln>
+          <a:noFill/>
+        </a:ln>
+        <a:effectLst/>
+      </c:spPr>
+      <c:txPr>
+        <a:bodyPr rot="0" spcFirstLastPara="1" vertOverflow="ellipsis" vert="horz" wrap="square" anchor="ctr" anchorCtr="1"/>
+        <a:lstStyle/>
+        <a:p>
+          <a:pPr>
+            <a:defRPr sz="2000" b="0" i="0" u="none" strike="noStrike" kern="1200" baseline="0">
+              <a:solidFill>
+                <a:schemeClr val="tx1">
+                  <a:lumMod val="65000"/>
+                  <a:lumOff val="35000"/>
+                </a:schemeClr>
+              </a:solidFill>
+              <a:latin typeface="+mn-lt"/>
+              <a:ea typeface="+mn-ea"/>
+              <a:cs typeface="+mn-cs"/>
+            </a:defRPr>
+          </a:pPr>
+          <a:endParaRPr lang="en-US"/>
+        </a:p>
+      </c:txPr>
+    </c:legend>
+    <c:plotVisOnly val="1"/>
+    <c:dispBlanksAs val="gap"/>
+    <c:showDLblsOverMax val="0"/>
+  </c:chart>
+  <c:spPr>
+    <a:noFill/>
+    <a:ln>
+      <a:noFill/>
+    </a:ln>
+    <a:effectLst/>
+  </c:spPr>
+  <c:txPr>
+    <a:bodyPr/>
+    <a:lstStyle/>
+    <a:p>
+      <a:pPr>
+        <a:defRPr/>
+      </a:pPr>
+      <a:endParaRPr lang="en-US"/>
+    </a:p>
+  </c:txPr>
+  <c:externalData r:id="rId3">
+    <c:autoUpdate val="0"/>
+  </c:externalData>
+</c:chartSpace>
+</file>
+
+<file path=ppt/charts/chart2.xml><?xml version="1.0" encoding="utf-8"?>
+<c:chartSpace xmlns:c="http://schemas.openxmlformats.org/drawingml/2006/chart" xmlns:a="http://schemas.openxmlformats.org/drawingml/2006/main" xmlns:r="http://schemas.openxmlformats.org/officeDocument/2006/relationships" xmlns:c16r2="http://schemas.microsoft.com/office/drawing/2015/06/chart">
+  <c:date1904 val="0"/>
+  <c:lang val="en-US"/>
+  <c:roundedCorners val="0"/>
+  <mc:AlternateContent xmlns:mc="http://schemas.openxmlformats.org/markup-compatibility/2006">
+    <mc:Choice xmlns:c14="http://schemas.microsoft.com/office/drawing/2007/8/2/chart" Requires="c14">
+      <c14:style val="102"/>
+    </mc:Choice>
+    <mc:Fallback>
+      <c:style val="2"/>
+    </mc:Fallback>
+  </mc:AlternateContent>
+  <c:chart>
+    <c:title>
+      <c:tx>
+        <c:rich>
+          <a:bodyPr rot="0" spcFirstLastPara="1" vertOverflow="ellipsis" vert="horz" wrap="square" anchor="ctr" anchorCtr="1"/>
+          <a:lstStyle/>
+          <a:p>
+            <a:pPr algn="ctr">
+              <a:defRPr lang="en-US" sz="3200" b="0" i="0" u="none" strike="noStrike" kern="1200" spc="0" baseline="0">
+                <a:solidFill>
+                  <a:schemeClr val="tx1"/>
+                </a:solidFill>
+                <a:latin typeface="+mn-lt"/>
+                <a:ea typeface="+mn-ea"/>
+                <a:cs typeface="+mn-cs"/>
+              </a:defRPr>
+            </a:pPr>
+            <a:r>
+              <a:rPr lang="en-US" sz="3200" dirty="0">
+                <a:solidFill>
+                  <a:schemeClr val="tx1"/>
+                </a:solidFill>
+              </a:rPr>
+              <a:t>F-Score on Room Conversation </a:t>
+            </a:r>
+          </a:p>
+        </c:rich>
+      </c:tx>
+      <c:layout>
+        <c:manualLayout>
+          <c:xMode val="edge"/>
+          <c:yMode val="edge"/>
+          <c:x val="0.19698949620216519"/>
+          <c:y val="4.2064107515523537E-2"/>
+        </c:manualLayout>
+      </c:layout>
+      <c:overlay val="0"/>
+      <c:spPr>
+        <a:noFill/>
+        <a:ln>
+          <a:noFill/>
+        </a:ln>
+        <a:effectLst/>
+      </c:spPr>
+      <c:txPr>
+        <a:bodyPr rot="0" spcFirstLastPara="1" vertOverflow="ellipsis" vert="horz" wrap="square" anchor="ctr" anchorCtr="1"/>
+        <a:lstStyle/>
+        <a:p>
+          <a:pPr algn="ctr">
+            <a:defRPr lang="en-US" sz="3200" b="0" i="0" u="none" strike="noStrike" kern="1200" spc="0" baseline="0">
+              <a:solidFill>
+                <a:schemeClr val="tx1"/>
+              </a:solidFill>
+              <a:latin typeface="+mn-lt"/>
+              <a:ea typeface="+mn-ea"/>
+              <a:cs typeface="+mn-cs"/>
+            </a:defRPr>
+          </a:pPr>
+          <a:endParaRPr lang="en-US"/>
+        </a:p>
+      </c:txPr>
+    </c:title>
+    <c:autoTitleDeleted val="0"/>
+    <c:plotArea>
+      <c:layout>
+        <c:manualLayout>
+          <c:layoutTarget val="inner"/>
+          <c:xMode val="edge"/>
+          <c:yMode val="edge"/>
+          <c:x val="5.6886751111484758E-2"/>
+          <c:y val="0.16575738034974941"/>
+          <c:w val="0.92138892502867686"/>
+          <c:h val="0.71397322336830915"/>
+        </c:manualLayout>
+      </c:layout>
+      <c:barChart>
+        <c:barDir val="col"/>
+        <c:grouping val="clustered"/>
+        <c:varyColors val="0"/>
+        <c:ser>
+          <c:idx val="0"/>
+          <c:order val="0"/>
+          <c:tx>
+            <c:strRef>
+              <c:f>Sheet3!$E$72</c:f>
+              <c:strCache>
+                <c:ptCount val="1"/>
+                <c:pt idx="0">
+                  <c:v>Madhav</c:v>
+                </c:pt>
+              </c:strCache>
+            </c:strRef>
+          </c:tx>
+          <c:spPr>
+            <a:solidFill>
+              <a:schemeClr val="bg2">
+                <a:lumMod val="50000"/>
+              </a:schemeClr>
+            </a:solidFill>
+            <a:ln>
+              <a:noFill/>
+            </a:ln>
+            <a:effectLst/>
+          </c:spPr>
+          <c:invertIfNegative val="0"/>
+          <c:cat>
+            <c:strRef>
+              <c:f>Sheet3!$F$71:$K$71</c:f>
+              <c:strCache>
+                <c:ptCount val="6"/>
+                <c:pt idx="0">
+                  <c:v>Log Start</c:v>
+                </c:pt>
+                <c:pt idx="1">
+                  <c:v>Log Neighbor</c:v>
+                </c:pt>
+                <c:pt idx="2">
+                  <c:v>Mfcc Start</c:v>
+                </c:pt>
+                <c:pt idx="3">
+                  <c:v>Mfcc Neighbor</c:v>
+                </c:pt>
+                <c:pt idx="4">
+                  <c:v>Chroma Start</c:v>
+                </c:pt>
+                <c:pt idx="5">
+                  <c:v>Chroma Neighbor</c:v>
+                </c:pt>
+              </c:strCache>
+            </c:strRef>
+          </c:cat>
+          <c:val>
+            <c:numRef>
+              <c:f>Sheet3!$F$72:$K$72</c:f>
+              <c:numCache>
+                <c:formatCode>General</c:formatCode>
+                <c:ptCount val="6"/>
+                <c:pt idx="0">
+                  <c:v>0.34285714290000002</c:v>
+                </c:pt>
+                <c:pt idx="1">
+                  <c:v>0.29629629629999998</c:v>
+                </c:pt>
+                <c:pt idx="2">
+                  <c:v>0.29629629629999998</c:v>
+                </c:pt>
+                <c:pt idx="3">
+                  <c:v>8.3333333329999995E-2</c:v>
+                </c:pt>
+                <c:pt idx="4">
+                  <c:v>0.29629629629999998</c:v>
+                </c:pt>
+                <c:pt idx="5">
+                  <c:v>0.29629629629999998</c:v>
+                </c:pt>
+              </c:numCache>
+            </c:numRef>
+          </c:val>
+          <c:extLst>
+            <c:ext xmlns:c16="http://schemas.microsoft.com/office/drawing/2014/chart" uri="{C3380CC4-5D6E-409C-BE32-E72D297353CC}">
+              <c16:uniqueId val="{00000000-B95F-4CFA-AE36-B51A3E54ABDB}"/>
+            </c:ext>
+          </c:extLst>
+        </c:ser>
+        <c:ser>
+          <c:idx val="1"/>
+          <c:order val="1"/>
+          <c:tx>
+            <c:strRef>
+              <c:f>Sheet3!$E$73</c:f>
+              <c:strCache>
+                <c:ptCount val="1"/>
+                <c:pt idx="0">
+                  <c:v>Vincent</c:v>
+                </c:pt>
+              </c:strCache>
+            </c:strRef>
+          </c:tx>
+          <c:spPr>
+            <a:solidFill>
+              <a:schemeClr val="accent6">
+                <a:lumMod val="75000"/>
+              </a:schemeClr>
+            </a:solidFill>
+            <a:ln>
+              <a:noFill/>
+            </a:ln>
+            <a:effectLst/>
+          </c:spPr>
+          <c:invertIfNegative val="0"/>
+          <c:cat>
+            <c:strRef>
+              <c:f>Sheet3!$F$71:$K$71</c:f>
+              <c:strCache>
+                <c:ptCount val="6"/>
+                <c:pt idx="0">
+                  <c:v>Log Start</c:v>
+                </c:pt>
+                <c:pt idx="1">
+                  <c:v>Log Neighbor</c:v>
+                </c:pt>
+                <c:pt idx="2">
+                  <c:v>Mfcc Start</c:v>
+                </c:pt>
+                <c:pt idx="3">
+                  <c:v>Mfcc Neighbor</c:v>
+                </c:pt>
+                <c:pt idx="4">
+                  <c:v>Chroma Start</c:v>
+                </c:pt>
+                <c:pt idx="5">
+                  <c:v>Chroma Neighbor</c:v>
+                </c:pt>
+              </c:strCache>
+            </c:strRef>
+          </c:cat>
+          <c:val>
+            <c:numRef>
+              <c:f>Sheet3!$F$73:$K$73</c:f>
+              <c:numCache>
+                <c:formatCode>General</c:formatCode>
+                <c:ptCount val="6"/>
+                <c:pt idx="0">
+                  <c:v>0.51359516620000001</c:v>
+                </c:pt>
+                <c:pt idx="1">
+                  <c:v>0.49681528660000002</c:v>
+                </c:pt>
+                <c:pt idx="2">
+                  <c:v>0.05</c:v>
+                </c:pt>
+                <c:pt idx="3">
+                  <c:v>0.05</c:v>
+                </c:pt>
+                <c:pt idx="4">
+                  <c:v>0.59259259259999997</c:v>
+                </c:pt>
+                <c:pt idx="5">
+                  <c:v>0.59259259259999997</c:v>
+                </c:pt>
+              </c:numCache>
+            </c:numRef>
+          </c:val>
+          <c:extLst>
+            <c:ext xmlns:c16="http://schemas.microsoft.com/office/drawing/2014/chart" uri="{C3380CC4-5D6E-409C-BE32-E72D297353CC}">
+              <c16:uniqueId val="{00000001-B95F-4CFA-AE36-B51A3E54ABDB}"/>
+            </c:ext>
+          </c:extLst>
+        </c:ser>
+        <c:ser>
+          <c:idx val="2"/>
+          <c:order val="2"/>
+          <c:tx>
+            <c:strRef>
+              <c:f>Sheet3!$E$74</c:f>
+              <c:strCache>
+                <c:ptCount val="1"/>
+                <c:pt idx="0">
+                  <c:v>Jeremy</c:v>
+                </c:pt>
+              </c:strCache>
+            </c:strRef>
+          </c:tx>
+          <c:spPr>
+            <a:solidFill>
+              <a:schemeClr val="accent5">
+                <a:lumMod val="75000"/>
+              </a:schemeClr>
+            </a:solidFill>
+            <a:ln>
+              <a:noFill/>
+            </a:ln>
+            <a:effectLst/>
+          </c:spPr>
+          <c:invertIfNegative val="0"/>
+          <c:cat>
+            <c:strRef>
+              <c:f>Sheet3!$F$71:$K$71</c:f>
+              <c:strCache>
+                <c:ptCount val="6"/>
+                <c:pt idx="0">
+                  <c:v>Log Start</c:v>
+                </c:pt>
+                <c:pt idx="1">
+                  <c:v>Log Neighbor</c:v>
+                </c:pt>
+                <c:pt idx="2">
+                  <c:v>Mfcc Start</c:v>
+                </c:pt>
+                <c:pt idx="3">
+                  <c:v>Mfcc Neighbor</c:v>
+                </c:pt>
+                <c:pt idx="4">
+                  <c:v>Chroma Start</c:v>
+                </c:pt>
+                <c:pt idx="5">
+                  <c:v>Chroma Neighbor</c:v>
+                </c:pt>
+              </c:strCache>
+            </c:strRef>
+          </c:cat>
+          <c:val>
+            <c:numRef>
+              <c:f>Sheet3!$F$74:$K$74</c:f>
+              <c:numCache>
+                <c:formatCode>General</c:formatCode>
+                <c:ptCount val="6"/>
+                <c:pt idx="0">
+                  <c:v>0.62983425410000005</c:v>
+                </c:pt>
+                <c:pt idx="1">
+                  <c:v>0.30821917809999999</c:v>
+                </c:pt>
+                <c:pt idx="2">
+                  <c:v>0.05</c:v>
+                </c:pt>
+                <c:pt idx="3">
+                  <c:v>0.48484848479999998</c:v>
+                </c:pt>
+                <c:pt idx="4">
+                  <c:v>0.05</c:v>
+                </c:pt>
+                <c:pt idx="5">
+                  <c:v>0.05</c:v>
+                </c:pt>
+              </c:numCache>
+            </c:numRef>
+          </c:val>
+          <c:extLst>
+            <c:ext xmlns:c16="http://schemas.microsoft.com/office/drawing/2014/chart" uri="{C3380CC4-5D6E-409C-BE32-E72D297353CC}">
+              <c16:uniqueId val="{00000002-B95F-4CFA-AE36-B51A3E54ABDB}"/>
+            </c:ext>
+          </c:extLst>
+        </c:ser>
+        <c:dLbls>
+          <c:showLegendKey val="0"/>
+          <c:showVal val="0"/>
+          <c:showCatName val="0"/>
+          <c:showSerName val="0"/>
+          <c:showPercent val="0"/>
+          <c:showBubbleSize val="0"/>
+        </c:dLbls>
+        <c:gapWidth val="219"/>
+        <c:overlap val="-27"/>
+        <c:axId val="516734984"/>
+        <c:axId val="516741216"/>
+      </c:barChart>
+      <c:catAx>
+        <c:axId val="516734984"/>
+        <c:scaling>
+          <c:orientation val="minMax"/>
+        </c:scaling>
+        <c:delete val="0"/>
+        <c:axPos val="b"/>
+        <c:numFmt formatCode="General" sourceLinked="1"/>
+        <c:majorTickMark val="out"/>
+        <c:minorTickMark val="none"/>
+        <c:tickLblPos val="nextTo"/>
+        <c:spPr>
+          <a:noFill/>
+          <a:ln w="9525" cap="flat" cmpd="sng" algn="ctr">
+            <a:solidFill>
+              <a:schemeClr val="tx1">
+                <a:lumMod val="15000"/>
+                <a:lumOff val="85000"/>
+              </a:schemeClr>
+            </a:solidFill>
+            <a:round/>
+          </a:ln>
+          <a:effectLst/>
+        </c:spPr>
+        <c:txPr>
+          <a:bodyPr rot="-60000000" spcFirstLastPara="1" vertOverflow="ellipsis" vert="horz" wrap="square" anchor="ctr" anchorCtr="1"/>
+          <a:lstStyle/>
+          <a:p>
+            <a:pPr>
+              <a:defRPr lang="en-US" sz="1600" b="0" i="0" u="none" strike="noStrike" kern="1200" baseline="0">
+                <a:solidFill>
+                  <a:schemeClr val="tx1"/>
+                </a:solidFill>
+                <a:latin typeface="+mn-lt"/>
+                <a:ea typeface="+mn-ea"/>
+                <a:cs typeface="+mn-cs"/>
+              </a:defRPr>
+            </a:pPr>
+            <a:endParaRPr lang="en-US"/>
+          </a:p>
+        </c:txPr>
+        <c:crossAx val="516741216"/>
+        <c:crosses val="autoZero"/>
+        <c:auto val="1"/>
+        <c:lblAlgn val="ctr"/>
+        <c:lblOffset val="100"/>
+        <c:noMultiLvlLbl val="0"/>
+      </c:catAx>
+      <c:valAx>
+        <c:axId val="516741216"/>
+        <c:scaling>
+          <c:orientation val="minMax"/>
+          <c:max val="1"/>
+        </c:scaling>
+        <c:delete val="0"/>
+        <c:axPos val="l"/>
+        <c:majorGridlines>
+          <c:spPr>
+            <a:ln w="22225" cap="flat" cmpd="sng" algn="ctr">
+              <a:solidFill>
+                <a:schemeClr val="tx1">
+                  <a:alpha val="15000"/>
+                </a:schemeClr>
+              </a:solidFill>
+              <a:round/>
+            </a:ln>
+            <a:effectLst/>
+          </c:spPr>
+        </c:majorGridlines>
+        <c:numFmt formatCode="General" sourceLinked="1"/>
+        <c:majorTickMark val="out"/>
+        <c:minorTickMark val="none"/>
+        <c:tickLblPos val="nextTo"/>
+        <c:spPr>
+          <a:noFill/>
+          <a:ln>
+            <a:noFill/>
+          </a:ln>
+          <a:effectLst/>
+        </c:spPr>
+        <c:txPr>
+          <a:bodyPr rot="-60000000" spcFirstLastPara="1" vertOverflow="ellipsis" vert="horz" wrap="square" anchor="ctr" anchorCtr="1"/>
+          <a:lstStyle/>
+          <a:p>
+            <a:pPr>
+              <a:defRPr lang="en-US" sz="1600" b="0" i="0" u="none" strike="noStrike" kern="1200" baseline="0">
+                <a:solidFill>
+                  <a:schemeClr val="tx1"/>
+                </a:solidFill>
+                <a:latin typeface="+mn-lt"/>
+                <a:ea typeface="+mn-ea"/>
+                <a:cs typeface="+mn-cs"/>
+              </a:defRPr>
+            </a:pPr>
+            <a:endParaRPr lang="en-US"/>
+          </a:p>
+        </c:txPr>
+        <c:crossAx val="516734984"/>
+        <c:crosses val="autoZero"/>
+        <c:crossBetween val="between"/>
+      </c:valAx>
+      <c:spPr>
+        <a:noFill/>
+        <a:ln>
+          <a:noFill/>
+        </a:ln>
+        <a:effectLst/>
+      </c:spPr>
+    </c:plotArea>
+    <c:legend>
+      <c:legendPos val="tr"/>
+      <c:layout>
+        <c:manualLayout>
+          <c:xMode val="edge"/>
+          <c:yMode val="edge"/>
+          <c:x val="0.78745826922509765"/>
+          <c:y val="0.14062297941413515"/>
+          <c:w val="0.18257392825896759"/>
+          <c:h val="0.25508782926793433"/>
+        </c:manualLayout>
+      </c:layout>
+      <c:overlay val="1"/>
+      <c:spPr>
+        <a:noFill/>
+        <a:ln>
+          <a:noFill/>
+        </a:ln>
+        <a:effectLst/>
+      </c:spPr>
+      <c:txPr>
+        <a:bodyPr rot="0" spcFirstLastPara="1" vertOverflow="ellipsis" vert="horz" wrap="square" anchor="ctr" anchorCtr="1"/>
+        <a:lstStyle/>
+        <a:p>
+          <a:pPr>
+            <a:defRPr lang="en-US" sz="2000" b="0" i="0" u="none" strike="noStrike" kern="1200" baseline="0">
+              <a:solidFill>
+                <a:schemeClr val="tx1"/>
+              </a:solidFill>
+              <a:latin typeface="+mn-lt"/>
+              <a:ea typeface="+mn-ea"/>
+              <a:cs typeface="+mn-cs"/>
+            </a:defRPr>
+          </a:pPr>
+          <a:endParaRPr lang="en-US"/>
+        </a:p>
+      </c:txPr>
+    </c:legend>
+    <c:plotVisOnly val="1"/>
+    <c:dispBlanksAs val="gap"/>
+    <c:showDLblsOverMax val="0"/>
+  </c:chart>
+  <c:spPr>
+    <a:noFill/>
+    <a:ln>
+      <a:noFill/>
+    </a:ln>
+    <a:effectLst/>
+  </c:spPr>
+  <c:txPr>
+    <a:bodyPr/>
+    <a:lstStyle/>
+    <a:p>
+      <a:pPr>
+        <a:defRPr lang="en-US" sz="1000" b="0" i="0" u="none" strike="noStrike" kern="1200" baseline="0">
+          <a:solidFill>
+            <a:schemeClr val="tx1"/>
+          </a:solidFill>
+          <a:latin typeface="+mn-lt"/>
+          <a:ea typeface="+mn-ea"/>
+          <a:cs typeface="+mn-cs"/>
+        </a:defRPr>
+      </a:pPr>
+      <a:endParaRPr lang="en-US"/>
+    </a:p>
+  </c:txPr>
+  <c:externalData r:id="rId3">
+    <c:autoUpdate val="0"/>
+  </c:externalData>
+</c:chartSpace>
+</file>
+
+<file path=ppt/charts/colors1.xml><?xml version="1.0" encoding="utf-8"?>
+<cs:colorStyle xmlns:cs="http://schemas.microsoft.com/office/drawing/2012/chartStyle" xmlns:a="http://schemas.openxmlformats.org/drawingml/2006/main" meth="cycle" id="10">
+  <a:schemeClr val="accent1"/>
+  <a:schemeClr val="accent2"/>
+  <a:schemeClr val="accent3"/>
+  <a:schemeClr val="accent4"/>
+  <a:schemeClr val="accent5"/>
+  <a:schemeClr val="accent6"/>
+  <cs:variation/>
+  <cs:variation>
+    <a:lumMod val="60000"/>
+  </cs:variation>
+  <cs:variation>
+    <a:lumMod val="80000"/>
+    <a:lumOff val="20000"/>
+  </cs:variation>
+  <cs:variation>
+    <a:lumMod val="80000"/>
+  </cs:variation>
+  <cs:variation>
+    <a:lumMod val="60000"/>
+    <a:lumOff val="40000"/>
+  </cs:variation>
+  <cs:variation>
+    <a:lumMod val="50000"/>
+  </cs:variation>
+  <cs:variation>
+    <a:lumMod val="70000"/>
+    <a:lumOff val="30000"/>
+  </cs:variation>
+  <cs:variation>
+    <a:lumMod val="70000"/>
+  </cs:variation>
+  <cs:variation>
+    <a:lumMod val="50000"/>
+    <a:lumOff val="50000"/>
+  </cs:variation>
+</cs:colorStyle>
+</file>
+
+<file path=ppt/charts/colors2.xml><?xml version="1.0" encoding="utf-8"?>
+<cs:colorStyle xmlns:cs="http://schemas.microsoft.com/office/drawing/2012/chartStyle" xmlns:a="http://schemas.openxmlformats.org/drawingml/2006/main" meth="cycle" id="13">
+  <a:schemeClr val="accent6"/>
+  <a:schemeClr val="accent5"/>
+  <a:schemeClr val="accent4"/>
+  <cs:variation/>
+  <cs:variation>
+    <a:lumMod val="60000"/>
+  </cs:variation>
+  <cs:variation>
+    <a:lumMod val="80000"/>
+    <a:lumOff val="20000"/>
+  </cs:variation>
+  <cs:variation>
+    <a:lumMod val="80000"/>
+  </cs:variation>
+  <cs:variation>
+    <a:lumMod val="60000"/>
+    <a:lumOff val="40000"/>
+  </cs:variation>
+  <cs:variation>
+    <a:lumMod val="50000"/>
+  </cs:variation>
+  <cs:variation>
+    <a:lumMod val="70000"/>
+    <a:lumOff val="30000"/>
+  </cs:variation>
+  <cs:variation>
+    <a:lumMod val="70000"/>
+  </cs:variation>
+  <cs:variation>
+    <a:lumMod val="50000"/>
+    <a:lumOff val="50000"/>
+  </cs:variation>
+</cs:colorStyle>
+</file>
+
+<file path=ppt/charts/style1.xml><?xml version="1.0" encoding="utf-8"?>
+<cs:chartStyle xmlns:cs="http://schemas.microsoft.com/office/drawing/2012/chartStyle" xmlns:a="http://schemas.openxmlformats.org/drawingml/2006/main" id="201">
+  <cs:axisTitle>
+    <cs:lnRef idx="0"/>
+    <cs:fillRef idx="0"/>
+    <cs:effectRef idx="0"/>
+    <cs:fontRef idx="minor">
+      <a:schemeClr val="tx1">
+        <a:lumMod val="65000"/>
+        <a:lumOff val="35000"/>
+      </a:schemeClr>
+    </cs:fontRef>
+    <cs:defRPr sz="1000" kern="1200"/>
+  </cs:axisTitle>
+  <cs:categoryAxis>
+    <cs:lnRef idx="0"/>
+    <cs:fillRef idx="0"/>
+    <cs:effectRef idx="0"/>
+    <cs:fontRef idx="minor">
+      <a:schemeClr val="tx1">
+        <a:lumMod val="65000"/>
+        <a:lumOff val="35000"/>
+      </a:schemeClr>
+    </cs:fontRef>
+    <cs:spPr>
+      <a:ln w="9525" cap="flat" cmpd="sng" algn="ctr">
+        <a:solidFill>
+          <a:schemeClr val="tx1">
+            <a:lumMod val="15000"/>
+            <a:lumOff val="85000"/>
+          </a:schemeClr>
+        </a:solidFill>
+        <a:round/>
+      </a:ln>
+    </cs:spPr>
+    <cs:defRPr sz="900" kern="1200"/>
+  </cs:categoryAxis>
+  <cs:chartArea mods="allowNoFillOverride allowNoLineOverride">
+    <cs:lnRef idx="0"/>
+    <cs:fillRef idx="0"/>
+    <cs:effectRef idx="0"/>
+    <cs:fontRef idx="minor">
+      <a:schemeClr val="tx1"/>
+    </cs:fontRef>
+    <cs:spPr>
+      <a:solidFill>
+        <a:schemeClr val="bg1"/>
+      </a:solidFill>
+      <a:ln w="9525" cap="flat" cmpd="sng" algn="ctr">
+        <a:solidFill>
+          <a:schemeClr val="tx1">
+            <a:lumMod val="15000"/>
+            <a:lumOff val="85000"/>
+          </a:schemeClr>
+        </a:solidFill>
+        <a:round/>
+      </a:ln>
+    </cs:spPr>
+    <cs:defRPr sz="1000" kern="1200"/>
+  </cs:chartArea>
+  <cs:dataLabel>
+    <cs:lnRef idx="0"/>
+    <cs:fillRef idx="0"/>
+    <cs:effectRef idx="0"/>
+    <cs:fontRef idx="minor">
+      <a:schemeClr val="tx1">
+        <a:lumMod val="75000"/>
+        <a:lumOff val="25000"/>
+      </a:schemeClr>
+    </cs:fontRef>
+    <cs:defRPr sz="900" kern="1200"/>
+  </cs:dataLabel>
+  <cs:dataLabelCallout>
+    <cs:lnRef idx="0"/>
+    <cs:fillRef idx="0"/>
+    <cs:effectRef idx="0"/>
+    <cs:fontRef idx="minor">
+      <a:schemeClr val="dk1">
+        <a:lumMod val="65000"/>
+        <a:lumOff val="35000"/>
+      </a:schemeClr>
+    </cs:fontRef>
+    <cs:spPr>
+      <a:solidFill>
+        <a:schemeClr val="lt1"/>
+      </a:solidFill>
+      <a:ln>
+        <a:solidFill>
+          <a:schemeClr val="dk1">
+            <a:lumMod val="25000"/>
+            <a:lumOff val="75000"/>
+          </a:schemeClr>
+        </a:solidFill>
+      </a:ln>
+    </cs:spPr>
+    <cs:defRPr sz="900" kern="1200"/>
+    <cs:bodyPr rot="0" spcFirstLastPara="1" vertOverflow="clip" horzOverflow="clip" vert="horz" wrap="square" lIns="36576" tIns="18288" rIns="36576" bIns="18288" anchor="ctr" anchorCtr="1">
+      <a:spAutoFit/>
+    </cs:bodyPr>
+  </cs:dataLabelCallout>
+  <cs:dataPoint>
+    <cs:lnRef idx="0"/>
+    <cs:fillRef idx="1">
+      <cs:styleClr val="auto"/>
+    </cs:fillRef>
+    <cs:effectRef idx="0"/>
+    <cs:fontRef idx="minor">
+      <a:schemeClr val="tx1"/>
+    </cs:fontRef>
+  </cs:dataPoint>
+  <cs:dataPoint3D>
+    <cs:lnRef idx="0"/>
+    <cs:fillRef idx="1">
+      <cs:styleClr val="auto"/>
+    </cs:fillRef>
+    <cs:effectRef idx="0"/>
+    <cs:fontRef idx="minor">
+      <a:schemeClr val="tx1"/>
+    </cs:fontRef>
+  </cs:dataPoint3D>
+  <cs:dataPointLine>
+    <cs:lnRef idx="0">
+      <cs:styleClr val="auto"/>
+    </cs:lnRef>
+    <cs:fillRef idx="1"/>
+    <cs:effectRef idx="0"/>
+    <cs:fontRef idx="minor">
+      <a:schemeClr val="tx1"/>
+    </cs:fontRef>
+    <cs:spPr>
+      <a:ln w="28575" cap="rnd">
+        <a:solidFill>
+          <a:schemeClr val="phClr"/>
+        </a:solidFill>
+        <a:round/>
+      </a:ln>
+    </cs:spPr>
+  </cs:dataPointLine>
+  <cs:dataPointMarker>
+    <cs:lnRef idx="0">
+      <cs:styleClr val="auto"/>
+    </cs:lnRef>
+    <cs:fillRef idx="1">
+      <cs:styleClr val="auto"/>
+    </cs:fillRef>
+    <cs:effectRef idx="0"/>
+    <cs:fontRef idx="minor">
+      <a:schemeClr val="tx1"/>
+    </cs:fontRef>
+    <cs:spPr>
+      <a:ln w="9525">
+        <a:solidFill>
+          <a:schemeClr val="phClr"/>
+        </a:solidFill>
+      </a:ln>
+    </cs:spPr>
+  </cs:dataPointMarker>
+  <cs:dataPointMarkerLayout symbol="circle" size="5"/>
+  <cs:dataPointWireframe>
+    <cs:lnRef idx="0">
+      <cs:styleClr val="auto"/>
+    </cs:lnRef>
+    <cs:fillRef idx="1"/>
+    <cs:effectRef idx="0"/>
+    <cs:fontRef idx="minor">
+      <a:schemeClr val="tx1"/>
+    </cs:fontRef>
+    <cs:spPr>
+      <a:ln w="9525" cap="rnd">
+        <a:solidFill>
+          <a:schemeClr val="phClr"/>
+        </a:solidFill>
+        <a:round/>
+      </a:ln>
+    </cs:spPr>
+  </cs:dataPointWireframe>
+  <cs:dataTable>
+    <cs:lnRef idx="0"/>
+    <cs:fillRef idx="0"/>
+    <cs:effectRef idx="0"/>
+    <cs:fontRef idx="minor">
+      <a:schemeClr val="tx1">
+        <a:lumMod val="65000"/>
+        <a:lumOff val="35000"/>
+      </a:schemeClr>
+    </cs:fontRef>
+    <cs:spPr>
+      <a:noFill/>
+      <a:ln w="9525" cap="flat" cmpd="sng" algn="ctr">
+        <a:solidFill>
+          <a:schemeClr val="tx1">
+            <a:lumMod val="15000"/>
+            <a:lumOff val="85000"/>
+          </a:schemeClr>
+        </a:solidFill>
+        <a:round/>
+      </a:ln>
+    </cs:spPr>
+    <cs:defRPr sz="900" kern="1200"/>
+  </cs:dataTable>
+  <cs:downBar>
+    <cs:lnRef idx="0"/>
+    <cs:fillRef idx="0"/>
+    <cs:effectRef idx="0"/>
+    <cs:fontRef idx="minor">
+      <a:schemeClr val="dk1"/>
+    </cs:fontRef>
+    <cs:spPr>
+      <a:solidFill>
+        <a:schemeClr val="dk1">
+          <a:lumMod val="65000"/>
+          <a:lumOff val="35000"/>
+        </a:schemeClr>
+      </a:solidFill>
+      <a:ln w="9525">
+        <a:solidFill>
+          <a:schemeClr val="tx1">
+            <a:lumMod val="65000"/>
+            <a:lumOff val="35000"/>
+          </a:schemeClr>
+        </a:solidFill>
+      </a:ln>
+    </cs:spPr>
+  </cs:downBar>
+  <cs:dropLine>
+    <cs:lnRef idx="0"/>
+    <cs:fillRef idx="0"/>
+    <cs:effectRef idx="0"/>
+    <cs:fontRef idx="minor">
+      <a:schemeClr val="tx1"/>
+    </cs:fontRef>
+    <cs:spPr>
+      <a:ln w="9525" cap="flat" cmpd="sng" algn="ctr">
+        <a:solidFill>
+          <a:schemeClr val="tx1">
+            <a:lumMod val="35000"/>
+            <a:lumOff val="65000"/>
+          </a:schemeClr>
+        </a:solidFill>
+        <a:round/>
+      </a:ln>
+    </cs:spPr>
+  </cs:dropLine>
+  <cs:errorBar>
+    <cs:lnRef idx="0"/>
+    <cs:fillRef idx="0"/>
+    <cs:effectRef idx="0"/>
+    <cs:fontRef idx="minor">
+      <a:schemeClr val="tx1"/>
+    </cs:fontRef>
+    <cs:spPr>
+      <a:ln w="9525" cap="flat" cmpd="sng" algn="ctr">
+        <a:solidFill>
+          <a:schemeClr val="tx1">
+            <a:lumMod val="65000"/>
+            <a:lumOff val="35000"/>
+          </a:schemeClr>
+        </a:solidFill>
+        <a:round/>
+      </a:ln>
+    </cs:spPr>
+  </cs:errorBar>
+  <cs:floor>
+    <cs:lnRef idx="0"/>
+    <cs:fillRef idx="0"/>
+    <cs:effectRef idx="0"/>
+    <cs:fontRef idx="minor">
+      <a:schemeClr val="tx1"/>
+    </cs:fontRef>
+    <cs:spPr>
+      <a:noFill/>
+      <a:ln>
+        <a:noFill/>
+      </a:ln>
+    </cs:spPr>
+  </cs:floor>
+  <cs:gridlineMajor>
+    <cs:lnRef idx="0"/>
+    <cs:fillRef idx="0"/>
+    <cs:effectRef idx="0"/>
+    <cs:fontRef idx="minor">
+      <a:schemeClr val="tx1"/>
+    </cs:fontRef>
+    <cs:spPr>
+      <a:ln w="9525" cap="flat" cmpd="sng" algn="ctr">
+        <a:solidFill>
+          <a:schemeClr val="tx1">
+            <a:lumMod val="15000"/>
+            <a:lumOff val="85000"/>
+          </a:schemeClr>
+        </a:solidFill>
+        <a:round/>
+      </a:ln>
+    </cs:spPr>
+  </cs:gridlineMajor>
+  <cs:gridlineMinor>
+    <cs:lnRef idx="0"/>
+    <cs:fillRef idx="0"/>
+    <cs:effectRef idx="0"/>
+    <cs:fontRef idx="minor">
+      <a:schemeClr val="tx1"/>
+    </cs:fontRef>
+    <cs:spPr>
+      <a:ln w="9525" cap="flat" cmpd="sng" algn="ctr">
+        <a:solidFill>
+          <a:schemeClr val="tx1">
+            <a:lumMod val="5000"/>
+            <a:lumOff val="95000"/>
+          </a:schemeClr>
+        </a:solidFill>
+        <a:round/>
+      </a:ln>
+    </cs:spPr>
+  </cs:gridlineMinor>
+  <cs:hiLoLine>
+    <cs:lnRef idx="0"/>
+    <cs:fillRef idx="0"/>
+    <cs:effectRef idx="0"/>
+    <cs:fontRef idx="minor">
+      <a:schemeClr val="tx1"/>
+    </cs:fontRef>
+    <cs:spPr>
+      <a:ln w="9525" cap="flat" cmpd="sng" algn="ctr">
+        <a:solidFill>
+          <a:schemeClr val="tx1">
+            <a:lumMod val="75000"/>
+            <a:lumOff val="25000"/>
+          </a:schemeClr>
+        </a:solidFill>
+        <a:round/>
+      </a:ln>
+    </cs:spPr>
+  </cs:hiLoLine>
+  <cs:leaderLine>
+    <cs:lnRef idx="0"/>
+    <cs:fillRef idx="0"/>
+    <cs:effectRef idx="0"/>
+    <cs:fontRef idx="minor">
+      <a:schemeClr val="tx1"/>
+    </cs:fontRef>
+    <cs:spPr>
+      <a:ln w="9525" cap="flat" cmpd="sng" algn="ctr">
+        <a:solidFill>
+          <a:schemeClr val="tx1">
+            <a:lumMod val="35000"/>
+            <a:lumOff val="65000"/>
+          </a:schemeClr>
+        </a:solidFill>
+        <a:round/>
+      </a:ln>
+    </cs:spPr>
+  </cs:leaderLine>
+  <cs:legend>
+    <cs:lnRef idx="0"/>
+    <cs:fillRef idx="0"/>
+    <cs:effectRef idx="0"/>
+    <cs:fontRef idx="minor">
+      <a:schemeClr val="tx1">
+        <a:lumMod val="65000"/>
+        <a:lumOff val="35000"/>
+      </a:schemeClr>
+    </cs:fontRef>
+    <cs:defRPr sz="900" kern="1200"/>
+  </cs:legend>
+  <cs:plotArea mods="allowNoFillOverride allowNoLineOverride">
+    <cs:lnRef idx="0"/>
+    <cs:fillRef idx="0"/>
+    <cs:effectRef idx="0"/>
+    <cs:fontRef idx="minor">
+      <a:schemeClr val="tx1"/>
+    </cs:fontRef>
+  </cs:plotArea>
+  <cs:plotArea3D mods="allowNoFillOverride allowNoLineOverride">
+    <cs:lnRef idx="0"/>
+    <cs:fillRef idx="0"/>
+    <cs:effectRef idx="0"/>
+    <cs:fontRef idx="minor">
+      <a:schemeClr val="tx1"/>
+    </cs:fontRef>
+  </cs:plotArea3D>
+  <cs:seriesAxis>
+    <cs:lnRef idx="0"/>
+    <cs:fillRef idx="0"/>
+    <cs:effectRef idx="0"/>
+    <cs:fontRef idx="minor">
+      <a:schemeClr val="tx1">
+        <a:lumMod val="65000"/>
+        <a:lumOff val="35000"/>
+      </a:schemeClr>
+    </cs:fontRef>
+    <cs:defRPr sz="900" kern="1200"/>
+  </cs:seriesAxis>
+  <cs:seriesLine>
+    <cs:lnRef idx="0"/>
+    <cs:fillRef idx="0"/>
+    <cs:effectRef idx="0"/>
+    <cs:fontRef idx="minor">
+      <a:schemeClr val="tx1"/>
+    </cs:fontRef>
+    <cs:spPr>
+      <a:ln w="9525" cap="flat" cmpd="sng" algn="ctr">
+        <a:solidFill>
+          <a:schemeClr val="tx1">
+            <a:lumMod val="35000"/>
+            <a:lumOff val="65000"/>
+          </a:schemeClr>
+        </a:solidFill>
+        <a:round/>
+      </a:ln>
+    </cs:spPr>
+  </cs:seriesLine>
+  <cs:title>
+    <cs:lnRef idx="0"/>
+    <cs:fillRef idx="0"/>
+    <cs:effectRef idx="0"/>
+    <cs:fontRef idx="minor">
+      <a:schemeClr val="tx1">
+        <a:lumMod val="65000"/>
+        <a:lumOff val="35000"/>
+      </a:schemeClr>
+    </cs:fontRef>
+    <cs:defRPr sz="1400" b="0" kern="1200" spc="0" baseline="0"/>
+  </cs:title>
+  <cs:trendline>
+    <cs:lnRef idx="0">
+      <cs:styleClr val="auto"/>
+    </cs:lnRef>
+    <cs:fillRef idx="0"/>
+    <cs:effectRef idx="0"/>
+    <cs:fontRef idx="minor">
+      <a:schemeClr val="tx1"/>
+    </cs:fontRef>
+    <cs:spPr>
+      <a:ln w="19050" cap="rnd">
+        <a:solidFill>
+          <a:schemeClr val="phClr"/>
+        </a:solidFill>
+        <a:prstDash val="sysDot"/>
+      </a:ln>
+    </cs:spPr>
+  </cs:trendline>
+  <cs:trendlineLabel>
+    <cs:lnRef idx="0"/>
+    <cs:fillRef idx="0"/>
+    <cs:effectRef idx="0"/>
+    <cs:fontRef idx="minor">
+      <a:schemeClr val="tx1">
+        <a:lumMod val="65000"/>
+        <a:lumOff val="35000"/>
+      </a:schemeClr>
+    </cs:fontRef>
+    <cs:defRPr sz="900" kern="1200"/>
+  </cs:trendlineLabel>
+  <cs:upBar>
+    <cs:lnRef idx="0"/>
+    <cs:fillRef idx="0"/>
+    <cs:effectRef idx="0"/>
+    <cs:fontRef idx="minor">
+      <a:schemeClr val="dk1"/>
+    </cs:fontRef>
+    <cs:spPr>
+      <a:solidFill>
+        <a:schemeClr val="lt1"/>
+      </a:solidFill>
+      <a:ln w="9525">
+        <a:solidFill>
+          <a:schemeClr val="tx1">
+            <a:lumMod val="15000"/>
+            <a:lumOff val="85000"/>
+          </a:schemeClr>
+        </a:solidFill>
+      </a:ln>
+    </cs:spPr>
+  </cs:upBar>
+  <cs:valueAxis>
+    <cs:lnRef idx="0"/>
+    <cs:fillRef idx="0"/>
+    <cs:effectRef idx="0"/>
+    <cs:fontRef idx="minor">
+      <a:schemeClr val="tx1">
+        <a:lumMod val="65000"/>
+        <a:lumOff val="35000"/>
+      </a:schemeClr>
+    </cs:fontRef>
+    <cs:defRPr sz="900" kern="1200"/>
+  </cs:valueAxis>
+  <cs:wall>
+    <cs:lnRef idx="0"/>
+    <cs:fillRef idx="0"/>
+    <cs:effectRef idx="0"/>
+    <cs:fontRef idx="minor">
+      <a:schemeClr val="tx1"/>
+    </cs:fontRef>
+    <cs:spPr>
+      <a:noFill/>
+      <a:ln>
+        <a:noFill/>
+      </a:ln>
+    </cs:spPr>
+  </cs:wall>
+</cs:chartStyle>
+</file>
+
+<file path=ppt/charts/style2.xml><?xml version="1.0" encoding="utf-8"?>
+<cs:chartStyle xmlns:cs="http://schemas.microsoft.com/office/drawing/2012/chartStyle" xmlns:a="http://schemas.openxmlformats.org/drawingml/2006/main" id="201">
+  <cs:axisTitle>
+    <cs:lnRef idx="0"/>
+    <cs:fillRef idx="0"/>
+    <cs:effectRef idx="0"/>
+    <cs:fontRef idx="minor">
+      <a:schemeClr val="tx1">
+        <a:lumMod val="65000"/>
+        <a:lumOff val="35000"/>
+      </a:schemeClr>
+    </cs:fontRef>
+    <cs:defRPr sz="1000" kern="1200"/>
+  </cs:axisTitle>
+  <cs:categoryAxis>
+    <cs:lnRef idx="0"/>
+    <cs:fillRef idx="0"/>
+    <cs:effectRef idx="0"/>
+    <cs:fontRef idx="minor">
+      <a:schemeClr val="tx1">
+        <a:lumMod val="65000"/>
+        <a:lumOff val="35000"/>
+      </a:schemeClr>
+    </cs:fontRef>
+    <cs:spPr>
+      <a:ln w="9525" cap="flat" cmpd="sng" algn="ctr">
+        <a:solidFill>
+          <a:schemeClr val="tx1">
+            <a:lumMod val="15000"/>
+            <a:lumOff val="85000"/>
+          </a:schemeClr>
+        </a:solidFill>
+        <a:round/>
+      </a:ln>
+    </cs:spPr>
+    <cs:defRPr sz="900" kern="1200"/>
+  </cs:categoryAxis>
+  <cs:chartArea mods="allowNoFillOverride allowNoLineOverride">
+    <cs:lnRef idx="0"/>
+    <cs:fillRef idx="0"/>
+    <cs:effectRef idx="0"/>
+    <cs:fontRef idx="minor">
+      <a:schemeClr val="tx1"/>
+    </cs:fontRef>
+    <cs:spPr>
+      <a:solidFill>
+        <a:schemeClr val="bg1"/>
+      </a:solidFill>
+      <a:ln w="9525" cap="flat" cmpd="sng" algn="ctr">
+        <a:solidFill>
+          <a:schemeClr val="tx1">
+            <a:lumMod val="15000"/>
+            <a:lumOff val="85000"/>
+          </a:schemeClr>
+        </a:solidFill>
+        <a:round/>
+      </a:ln>
+    </cs:spPr>
+    <cs:defRPr sz="1000" kern="1200"/>
+  </cs:chartArea>
+  <cs:dataLabel>
+    <cs:lnRef idx="0"/>
+    <cs:fillRef idx="0"/>
+    <cs:effectRef idx="0"/>
+    <cs:fontRef idx="minor">
+      <a:schemeClr val="tx1">
+        <a:lumMod val="75000"/>
+        <a:lumOff val="25000"/>
+      </a:schemeClr>
+    </cs:fontRef>
+    <cs:defRPr sz="900" kern="1200"/>
+  </cs:dataLabel>
+  <cs:dataLabelCallout>
+    <cs:lnRef idx="0"/>
+    <cs:fillRef idx="0"/>
+    <cs:effectRef idx="0"/>
+    <cs:fontRef idx="minor">
+      <a:schemeClr val="dk1">
+        <a:lumMod val="65000"/>
+        <a:lumOff val="35000"/>
+      </a:schemeClr>
+    </cs:fontRef>
+    <cs:spPr>
+      <a:solidFill>
+        <a:schemeClr val="lt1"/>
+      </a:solidFill>
+      <a:ln>
+        <a:solidFill>
+          <a:schemeClr val="dk1">
+            <a:lumMod val="25000"/>
+            <a:lumOff val="75000"/>
+          </a:schemeClr>
+        </a:solidFill>
+      </a:ln>
+    </cs:spPr>
+    <cs:defRPr sz="900" kern="1200"/>
+    <cs:bodyPr rot="0" spcFirstLastPara="1" vertOverflow="clip" horzOverflow="clip" vert="horz" wrap="square" lIns="36576" tIns="18288" rIns="36576" bIns="18288" anchor="ctr" anchorCtr="1">
+      <a:spAutoFit/>
+    </cs:bodyPr>
+  </cs:dataLabelCallout>
+  <cs:dataPoint>
+    <cs:lnRef idx="0"/>
+    <cs:fillRef idx="1">
+      <cs:styleClr val="auto"/>
+    </cs:fillRef>
+    <cs:effectRef idx="0"/>
+    <cs:fontRef idx="minor">
+      <a:schemeClr val="tx1"/>
+    </cs:fontRef>
+  </cs:dataPoint>
+  <cs:dataPoint3D>
+    <cs:lnRef idx="0"/>
+    <cs:fillRef idx="1">
+      <cs:styleClr val="auto"/>
+    </cs:fillRef>
+    <cs:effectRef idx="0"/>
+    <cs:fontRef idx="minor">
+      <a:schemeClr val="tx1"/>
+    </cs:fontRef>
+  </cs:dataPoint3D>
+  <cs:dataPointLine>
+    <cs:lnRef idx="0">
+      <cs:styleClr val="auto"/>
+    </cs:lnRef>
+    <cs:fillRef idx="1"/>
+    <cs:effectRef idx="0"/>
+    <cs:fontRef idx="minor">
+      <a:schemeClr val="tx1"/>
+    </cs:fontRef>
+    <cs:spPr>
+      <a:ln w="28575" cap="rnd">
+        <a:solidFill>
+          <a:schemeClr val="phClr"/>
+        </a:solidFill>
+        <a:round/>
+      </a:ln>
+    </cs:spPr>
+  </cs:dataPointLine>
+  <cs:dataPointMarker>
+    <cs:lnRef idx="0">
+      <cs:styleClr val="auto"/>
+    </cs:lnRef>
+    <cs:fillRef idx="1">
+      <cs:styleClr val="auto"/>
+    </cs:fillRef>
+    <cs:effectRef idx="0"/>
+    <cs:fontRef idx="minor">
+      <a:schemeClr val="tx1"/>
+    </cs:fontRef>
+    <cs:spPr>
+      <a:ln w="9525">
+        <a:solidFill>
+          <a:schemeClr val="phClr"/>
+        </a:solidFill>
+      </a:ln>
+    </cs:spPr>
+  </cs:dataPointMarker>
+  <cs:dataPointMarkerLayout symbol="circle" size="5"/>
+  <cs:dataPointWireframe>
+    <cs:lnRef idx="0">
+      <cs:styleClr val="auto"/>
+    </cs:lnRef>
+    <cs:fillRef idx="1"/>
+    <cs:effectRef idx="0"/>
+    <cs:fontRef idx="minor">
+      <a:schemeClr val="tx1"/>
+    </cs:fontRef>
+    <cs:spPr>
+      <a:ln w="9525" cap="rnd">
+        <a:solidFill>
+          <a:schemeClr val="phClr"/>
+        </a:solidFill>
+        <a:round/>
+      </a:ln>
+    </cs:spPr>
+  </cs:dataPointWireframe>
+  <cs:dataTable>
+    <cs:lnRef idx="0"/>
+    <cs:fillRef idx="0"/>
+    <cs:effectRef idx="0"/>
+    <cs:fontRef idx="minor">
+      <a:schemeClr val="tx1">
+        <a:lumMod val="65000"/>
+        <a:lumOff val="35000"/>
+      </a:schemeClr>
+    </cs:fontRef>
+    <cs:spPr>
+      <a:noFill/>
+      <a:ln w="9525" cap="flat" cmpd="sng" algn="ctr">
+        <a:solidFill>
+          <a:schemeClr val="tx1">
+            <a:lumMod val="15000"/>
+            <a:lumOff val="85000"/>
+          </a:schemeClr>
+        </a:solidFill>
+        <a:round/>
+      </a:ln>
+    </cs:spPr>
+    <cs:defRPr sz="900" kern="1200"/>
+  </cs:dataTable>
+  <cs:downBar>
+    <cs:lnRef idx="0"/>
+    <cs:fillRef idx="0"/>
+    <cs:effectRef idx="0"/>
+    <cs:fontRef idx="minor">
+      <a:schemeClr val="dk1"/>
+    </cs:fontRef>
+    <cs:spPr>
+      <a:solidFill>
+        <a:schemeClr val="dk1">
+          <a:lumMod val="65000"/>
+          <a:lumOff val="35000"/>
+        </a:schemeClr>
+      </a:solidFill>
+      <a:ln w="9525">
+        <a:solidFill>
+          <a:schemeClr val="tx1">
+            <a:lumMod val="65000"/>
+            <a:lumOff val="35000"/>
+          </a:schemeClr>
+        </a:solidFill>
+      </a:ln>
+    </cs:spPr>
+  </cs:downBar>
+  <cs:dropLine>
+    <cs:lnRef idx="0"/>
+    <cs:fillRef idx="0"/>
+    <cs:effectRef idx="0"/>
+    <cs:fontRef idx="minor">
+      <a:schemeClr val="tx1"/>
+    </cs:fontRef>
+    <cs:spPr>
+      <a:ln w="9525" cap="flat" cmpd="sng" algn="ctr">
+        <a:solidFill>
+          <a:schemeClr val="tx1">
+            <a:lumMod val="35000"/>
+            <a:lumOff val="65000"/>
+          </a:schemeClr>
+        </a:solidFill>
+        <a:round/>
+      </a:ln>
+    </cs:spPr>
+  </cs:dropLine>
+  <cs:errorBar>
+    <cs:lnRef idx="0"/>
+    <cs:fillRef idx="0"/>
+    <cs:effectRef idx="0"/>
+    <cs:fontRef idx="minor">
+      <a:schemeClr val="tx1"/>
+    </cs:fontRef>
+    <cs:spPr>
+      <a:ln w="9525" cap="flat" cmpd="sng" algn="ctr">
+        <a:solidFill>
+          <a:schemeClr val="tx1">
+            <a:lumMod val="65000"/>
+            <a:lumOff val="35000"/>
+          </a:schemeClr>
+        </a:solidFill>
+        <a:round/>
+      </a:ln>
+    </cs:spPr>
+  </cs:errorBar>
+  <cs:floor>
+    <cs:lnRef idx="0"/>
+    <cs:fillRef idx="0"/>
+    <cs:effectRef idx="0"/>
+    <cs:fontRef idx="minor">
+      <a:schemeClr val="tx1"/>
+    </cs:fontRef>
+    <cs:spPr>
+      <a:noFill/>
+      <a:ln>
+        <a:noFill/>
+      </a:ln>
+    </cs:spPr>
+  </cs:floor>
+  <cs:gridlineMajor>
+    <cs:lnRef idx="0"/>
+    <cs:fillRef idx="0"/>
+    <cs:effectRef idx="0"/>
+    <cs:fontRef idx="minor">
+      <a:schemeClr val="tx1"/>
+    </cs:fontRef>
+    <cs:spPr>
+      <a:ln w="9525" cap="flat" cmpd="sng" algn="ctr">
+        <a:solidFill>
+          <a:schemeClr val="tx1">
+            <a:lumMod val="15000"/>
+            <a:lumOff val="85000"/>
+          </a:schemeClr>
+        </a:solidFill>
+        <a:round/>
+      </a:ln>
+    </cs:spPr>
+  </cs:gridlineMajor>
+  <cs:gridlineMinor>
+    <cs:lnRef idx="0"/>
+    <cs:fillRef idx="0"/>
+    <cs:effectRef idx="0"/>
+    <cs:fontRef idx="minor">
+      <a:schemeClr val="tx1"/>
+    </cs:fontRef>
+    <cs:spPr>
+      <a:ln w="9525" cap="flat" cmpd="sng" algn="ctr">
+        <a:solidFill>
+          <a:schemeClr val="tx1">
+            <a:lumMod val="5000"/>
+            <a:lumOff val="95000"/>
+          </a:schemeClr>
+        </a:solidFill>
+        <a:round/>
+      </a:ln>
+    </cs:spPr>
+  </cs:gridlineMinor>
+  <cs:hiLoLine>
+    <cs:lnRef idx="0"/>
+    <cs:fillRef idx="0"/>
+    <cs:effectRef idx="0"/>
+    <cs:fontRef idx="minor">
+      <a:schemeClr val="tx1"/>
+    </cs:fontRef>
+    <cs:spPr>
+      <a:ln w="9525" cap="flat" cmpd="sng" algn="ctr">
+        <a:solidFill>
+          <a:schemeClr val="tx1">
+            <a:lumMod val="75000"/>
+            <a:lumOff val="25000"/>
+          </a:schemeClr>
+        </a:solidFill>
+        <a:round/>
+      </a:ln>
+    </cs:spPr>
+  </cs:hiLoLine>
+  <cs:leaderLine>
+    <cs:lnRef idx="0"/>
+    <cs:fillRef idx="0"/>
+    <cs:effectRef idx="0"/>
+    <cs:fontRef idx="minor">
+      <a:schemeClr val="tx1"/>
+    </cs:fontRef>
+    <cs:spPr>
+      <a:ln w="9525" cap="flat" cmpd="sng" algn="ctr">
+        <a:solidFill>
+          <a:schemeClr val="tx1">
+            <a:lumMod val="35000"/>
+            <a:lumOff val="65000"/>
+          </a:schemeClr>
+        </a:solidFill>
+        <a:round/>
+      </a:ln>
+    </cs:spPr>
+  </cs:leaderLine>
+  <cs:legend>
+    <cs:lnRef idx="0"/>
+    <cs:fillRef idx="0"/>
+    <cs:effectRef idx="0"/>
+    <cs:fontRef idx="minor">
+      <a:schemeClr val="tx1">
+        <a:lumMod val="65000"/>
+        <a:lumOff val="35000"/>
+      </a:schemeClr>
+    </cs:fontRef>
+    <cs:defRPr sz="900" kern="1200"/>
+  </cs:legend>
+  <cs:plotArea mods="allowNoFillOverride allowNoLineOverride">
+    <cs:lnRef idx="0"/>
+    <cs:fillRef idx="0"/>
+    <cs:effectRef idx="0"/>
+    <cs:fontRef idx="minor">
+      <a:schemeClr val="tx1"/>
+    </cs:fontRef>
+  </cs:plotArea>
+  <cs:plotArea3D mods="allowNoFillOverride allowNoLineOverride">
+    <cs:lnRef idx="0"/>
+    <cs:fillRef idx="0"/>
+    <cs:effectRef idx="0"/>
+    <cs:fontRef idx="minor">
+      <a:schemeClr val="tx1"/>
+    </cs:fontRef>
+  </cs:plotArea3D>
+  <cs:seriesAxis>
+    <cs:lnRef idx="0"/>
+    <cs:fillRef idx="0"/>
+    <cs:effectRef idx="0"/>
+    <cs:fontRef idx="minor">
+      <a:schemeClr val="tx1">
+        <a:lumMod val="65000"/>
+        <a:lumOff val="35000"/>
+      </a:schemeClr>
+    </cs:fontRef>
+    <cs:defRPr sz="900" kern="1200"/>
+  </cs:seriesAxis>
+  <cs:seriesLine>
+    <cs:lnRef idx="0"/>
+    <cs:fillRef idx="0"/>
+    <cs:effectRef idx="0"/>
+    <cs:fontRef idx="minor">
+      <a:schemeClr val="tx1"/>
+    </cs:fontRef>
+    <cs:spPr>
+      <a:ln w="9525" cap="flat" cmpd="sng" algn="ctr">
+        <a:solidFill>
+          <a:schemeClr val="tx1">
+            <a:lumMod val="35000"/>
+            <a:lumOff val="65000"/>
+          </a:schemeClr>
+        </a:solidFill>
+        <a:round/>
+      </a:ln>
+    </cs:spPr>
+  </cs:seriesLine>
+  <cs:title>
+    <cs:lnRef idx="0"/>
+    <cs:fillRef idx="0"/>
+    <cs:effectRef idx="0"/>
+    <cs:fontRef idx="minor">
+      <a:schemeClr val="tx1">
+        <a:lumMod val="65000"/>
+        <a:lumOff val="35000"/>
+      </a:schemeClr>
+    </cs:fontRef>
+    <cs:defRPr sz="1400" b="0" kern="1200" spc="0" baseline="0"/>
+  </cs:title>
+  <cs:trendline>
+    <cs:lnRef idx="0">
+      <cs:styleClr val="auto"/>
+    </cs:lnRef>
+    <cs:fillRef idx="0"/>
+    <cs:effectRef idx="0"/>
+    <cs:fontRef idx="minor">
+      <a:schemeClr val="tx1"/>
+    </cs:fontRef>
+    <cs:spPr>
+      <a:ln w="19050" cap="rnd">
+        <a:solidFill>
+          <a:schemeClr val="phClr"/>
+        </a:solidFill>
+        <a:prstDash val="sysDot"/>
+      </a:ln>
+    </cs:spPr>
+  </cs:trendline>
+  <cs:trendlineLabel>
+    <cs:lnRef idx="0"/>
+    <cs:fillRef idx="0"/>
+    <cs:effectRef idx="0"/>
+    <cs:fontRef idx="minor">
+      <a:schemeClr val="tx1">
+        <a:lumMod val="65000"/>
+        <a:lumOff val="35000"/>
+      </a:schemeClr>
+    </cs:fontRef>
+    <cs:defRPr sz="900" kern="1200"/>
+  </cs:trendlineLabel>
+  <cs:upBar>
+    <cs:lnRef idx="0"/>
+    <cs:fillRef idx="0"/>
+    <cs:effectRef idx="0"/>
+    <cs:fontRef idx="minor">
+      <a:schemeClr val="dk1"/>
+    </cs:fontRef>
+    <cs:spPr>
+      <a:solidFill>
+        <a:schemeClr val="lt1"/>
+      </a:solidFill>
+      <a:ln w="9525">
+        <a:solidFill>
+          <a:schemeClr val="tx1">
+            <a:lumMod val="15000"/>
+            <a:lumOff val="85000"/>
+          </a:schemeClr>
+        </a:solidFill>
+      </a:ln>
+    </cs:spPr>
+  </cs:upBar>
+  <cs:valueAxis>
+    <cs:lnRef idx="0"/>
+    <cs:fillRef idx="0"/>
+    <cs:effectRef idx="0"/>
+    <cs:fontRef idx="minor">
+      <a:schemeClr val="tx1">
+        <a:lumMod val="65000"/>
+        <a:lumOff val="35000"/>
+      </a:schemeClr>
+    </cs:fontRef>
+    <cs:defRPr sz="900" kern="1200"/>
+  </cs:valueAxis>
+  <cs:wall>
+    <cs:lnRef idx="0"/>
+    <cs:fillRef idx="0"/>
+    <cs:effectRef idx="0"/>
+    <cs:fontRef idx="minor">
+      <a:schemeClr val="tx1"/>
+    </cs:fontRef>
+    <cs:spPr>
+      <a:noFill/>
+      <a:ln>
+        <a:noFill/>
+      </a:ln>
+    </cs:spPr>
+  </cs:wall>
+</cs:chartStyle>
+</file>
+
 <file path=ppt/notesMasters/notesMaster1.xml><?xml version="1.0" encoding="utf-8"?>
 <p:notesMaster xmlns:a="http://schemas.openxmlformats.org/drawingml/2006/main" xmlns:r="http://schemas.openxmlformats.org/officeDocument/2006/relationships" xmlns:p="http://schemas.openxmlformats.org/presentationml/2006/main">
   <p:cSld>
@@ -287,7 +2374,7 @@
               <a:pPr>
                 <a:defRPr/>
               </a:pPr>
-              <a:t>3/16/17</a:t>
+              <a:t>3/16/2017</a:t>
             </a:fld>
             <a:endParaRPr lang="en-US" dirty="0"/>
           </a:p>
@@ -4630,15 +6717,6 @@
                 </a:rPr>
                 <a:t>PosterPresentations.com</a:t>
               </a:r>
-              <a:r>
-                <a:rPr lang="en-US" sz="2800" dirty="0">
-                  <a:solidFill>
-                    <a:schemeClr val="bg1"/>
-                  </a:solidFill>
-                  <a:latin typeface="Trebuchet MS" pitchFamily="34" charset="0"/>
-                </a:rPr>
-                <a:t/>
-              </a:r>
               <a:br>
                 <a:rPr lang="en-US" sz="2800" dirty="0">
                   <a:solidFill>
@@ -4874,15 +6952,6 @@
             </a:p>
             <a:p>
               <a:pPr algn="l"/>
-              <a:r>
-                <a:rPr lang="en-US" sz="2800" b="1" baseline="0" dirty="0">
-                  <a:solidFill>
-                    <a:schemeClr val="bg1"/>
-                  </a:solidFill>
-                  <a:latin typeface="Trebuchet MS" pitchFamily="34" charset="0"/>
-                </a:rPr>
-                <a:t/>
-              </a:r>
               <a:br>
                 <a:rPr lang="en-US" sz="2800" b="1" baseline="0" dirty="0">
                   <a:solidFill>
@@ -5491,7 +7560,7 @@
               <a:graphicData uri="http://schemas.openxmlformats.org/presentationml/2006/ole">
                 <mc:AlternateContent xmlns:mc="http://schemas.openxmlformats.org/markup-compatibility/2006">
                   <mc:Choice xmlns:v="urn:schemas-microsoft-com:vml" Requires="v">
-                    <p:oleObj spid="_x0000_s1153" name="Image" r:id="rId8" imgW="1828440" imgH="1117440" progId="Photoshop.Image.13">
+                    <p:oleObj spid="_x0000_s1165" name="Image" r:id="rId8" imgW="1828440" imgH="1117440" progId="Photoshop.Image.13">
                       <p:embed/>
                     </p:oleObj>
                   </mc:Choice>
@@ -5548,7 +7617,7 @@
               <a:graphicData uri="http://schemas.openxmlformats.org/presentationml/2006/ole">
                 <mc:AlternateContent xmlns:mc="http://schemas.openxmlformats.org/markup-compatibility/2006">
                   <mc:Choice xmlns:v="urn:schemas-microsoft-com:vml" Requires="v">
-                    <p:oleObj spid="_x0000_s1154" name="Image" r:id="rId10" imgW="1828440" imgH="1117440" progId="Photoshop.Image.13">
+                    <p:oleObj spid="_x0000_s1166" name="Image" r:id="rId10" imgW="1828440" imgH="1117440" progId="Photoshop.Image.13">
                       <p:embed/>
                     </p:oleObj>
                   </mc:Choice>
@@ -6671,7 +8740,7 @@
             <a:graphicData uri="http://schemas.openxmlformats.org/presentationml/2006/ole">
               <mc:AlternateContent xmlns:mc="http://schemas.openxmlformats.org/markup-compatibility/2006">
                 <mc:Choice xmlns:v="urn:schemas-microsoft-com:vml" Requires="v">
-                  <p:oleObj spid="_x0000_s1155" name="Image" r:id="rId12" imgW="4571280" imgH="1688760" progId="Photoshop.Image.13">
+                  <p:oleObj spid="_x0000_s1167" name="Image" r:id="rId12" imgW="4571280" imgH="1688760" progId="Photoshop.Image.13">
                     <p:embed/>
                   </p:oleObj>
                 </mc:Choice>
@@ -6755,7 +8824,7 @@
             <a:graphicData uri="http://schemas.openxmlformats.org/presentationml/2006/ole">
               <mc:AlternateContent xmlns:mc="http://schemas.openxmlformats.org/markup-compatibility/2006">
                 <mc:Choice xmlns:v="urn:schemas-microsoft-com:vml" Requires="v">
-                  <p:oleObj spid="_x0000_s1156" name="Image" r:id="rId15" imgW="1574280" imgH="1053720" progId="Photoshop.Image.13">
+                  <p:oleObj spid="_x0000_s1168" name="Image" r:id="rId15" imgW="1574280" imgH="1053720" progId="Photoshop.Image.13">
                     <p:embed/>
                   </p:oleObj>
                 </mc:Choice>
@@ -7083,14 +9152,6 @@
                   </a:solidFill>
                 </a:rPr>
                 <a:t>94710</a:t>
-              </a:r>
-              <a:r>
-                <a:rPr lang="en-US" sz="2400" baseline="0" dirty="0">
-                  <a:solidFill>
-                    <a:schemeClr val="bg1"/>
-                  </a:solidFill>
-                </a:rPr>
-                <a:t/>
               </a:r>
               <a:br>
                 <a:rPr lang="en-US" sz="2400" baseline="0" dirty="0">
@@ -8171,15 +10232,6 @@
                 </a:rPr>
                 <a:t>PosterPresentations.com</a:t>
               </a:r>
-              <a:r>
-                <a:rPr lang="en-US" sz="2800" dirty="0">
-                  <a:solidFill>
-                    <a:schemeClr val="bg1"/>
-                  </a:solidFill>
-                  <a:latin typeface="Trebuchet MS" pitchFamily="34" charset="0"/>
-                </a:rPr>
-                <a:t/>
-              </a:r>
               <a:br>
                 <a:rPr lang="en-US" sz="2800" dirty="0">
                   <a:solidFill>
@@ -8415,15 +10467,6 @@
             </a:p>
             <a:p>
               <a:pPr algn="l"/>
-              <a:r>
-                <a:rPr lang="en-US" sz="2800" b="1" baseline="0" dirty="0">
-                  <a:solidFill>
-                    <a:schemeClr val="bg1"/>
-                  </a:solidFill>
-                  <a:latin typeface="Trebuchet MS" pitchFamily="34" charset="0"/>
-                </a:rPr>
-                <a:t/>
-              </a:r>
               <a:br>
                 <a:rPr lang="en-US" sz="2800" b="1" baseline="0" dirty="0">
                   <a:solidFill>
@@ -9032,7 +11075,7 @@
               <a:graphicData uri="http://schemas.openxmlformats.org/presentationml/2006/ole">
                 <mc:AlternateContent xmlns:mc="http://schemas.openxmlformats.org/markup-compatibility/2006">
                   <mc:Choice xmlns:v="urn:schemas-microsoft-com:vml" Requires="v">
-                    <p:oleObj spid="_x0000_s2177" name="Image" r:id="rId8" imgW="1828440" imgH="1117440" progId="Photoshop.Image.13">
+                    <p:oleObj spid="_x0000_s2189" name="Image" r:id="rId8" imgW="1828440" imgH="1117440" progId="Photoshop.Image.13">
                       <p:embed/>
                     </p:oleObj>
                   </mc:Choice>
@@ -9089,7 +11132,7 @@
               <a:graphicData uri="http://schemas.openxmlformats.org/presentationml/2006/ole">
                 <mc:AlternateContent xmlns:mc="http://schemas.openxmlformats.org/markup-compatibility/2006">
                   <mc:Choice xmlns:v="urn:schemas-microsoft-com:vml" Requires="v">
-                    <p:oleObj spid="_x0000_s2178" name="Image" r:id="rId10" imgW="1828440" imgH="1117440" progId="Photoshop.Image.13">
+                    <p:oleObj spid="_x0000_s2190" name="Image" r:id="rId10" imgW="1828440" imgH="1117440" progId="Photoshop.Image.13">
                       <p:embed/>
                     </p:oleObj>
                   </mc:Choice>
@@ -10212,7 +12255,7 @@
             <a:graphicData uri="http://schemas.openxmlformats.org/presentationml/2006/ole">
               <mc:AlternateContent xmlns:mc="http://schemas.openxmlformats.org/markup-compatibility/2006">
                 <mc:Choice xmlns:v="urn:schemas-microsoft-com:vml" Requires="v">
-                  <p:oleObj spid="_x0000_s2179" name="Image" r:id="rId12" imgW="4571280" imgH="1688760" progId="Photoshop.Image.13">
+                  <p:oleObj spid="_x0000_s2191" name="Image" r:id="rId12" imgW="4571280" imgH="1688760" progId="Photoshop.Image.13">
                     <p:embed/>
                   </p:oleObj>
                 </mc:Choice>
@@ -10296,7 +12339,7 @@
             <a:graphicData uri="http://schemas.openxmlformats.org/presentationml/2006/ole">
               <mc:AlternateContent xmlns:mc="http://schemas.openxmlformats.org/markup-compatibility/2006">
                 <mc:Choice xmlns:v="urn:schemas-microsoft-com:vml" Requires="v">
-                  <p:oleObj spid="_x0000_s2180" name="Image" r:id="rId15" imgW="1574280" imgH="1053720" progId="Photoshop.Image.13">
+                  <p:oleObj spid="_x0000_s2192" name="Image" r:id="rId15" imgW="1574280" imgH="1053720" progId="Photoshop.Image.13">
                     <p:embed/>
                   </p:oleObj>
                 </mc:Choice>
@@ -10625,14 +12668,6 @@
                 </a:solidFill>
               </a:rPr>
               <a:t>94710</a:t>
-            </a:r>
-            <a:r>
-              <a:rPr lang="en-US" sz="2400" baseline="0" dirty="0">
-                <a:solidFill>
-                  <a:schemeClr val="bg1"/>
-                </a:solidFill>
-              </a:rPr>
-              <a:t/>
             </a:r>
             <a:br>
               <a:rPr lang="en-US" sz="2400" baseline="0" dirty="0">
@@ -11896,15 +13931,6 @@
                 </a:rPr>
                 <a:t>PosterPresentations.com</a:t>
               </a:r>
-              <a:r>
-                <a:rPr lang="en-US" sz="2800" dirty="0">
-                  <a:solidFill>
-                    <a:schemeClr val="bg1"/>
-                  </a:solidFill>
-                  <a:latin typeface="Trebuchet MS" pitchFamily="34" charset="0"/>
-                </a:rPr>
-                <a:t/>
-              </a:r>
               <a:br>
                 <a:rPr lang="en-US" sz="2800" dirty="0">
                   <a:solidFill>
@@ -12140,15 +14166,6 @@
             </a:p>
             <a:p>
               <a:pPr algn="l"/>
-              <a:r>
-                <a:rPr lang="en-US" sz="2800" b="1" baseline="0" dirty="0">
-                  <a:solidFill>
-                    <a:schemeClr val="bg1"/>
-                  </a:solidFill>
-                  <a:latin typeface="Trebuchet MS" pitchFamily="34" charset="0"/>
-                </a:rPr>
-                <a:t/>
-              </a:r>
               <a:br>
                 <a:rPr lang="en-US" sz="2800" b="1" baseline="0" dirty="0">
                   <a:solidFill>
@@ -12757,7 +14774,7 @@
               <a:graphicData uri="http://schemas.openxmlformats.org/presentationml/2006/ole">
                 <mc:AlternateContent xmlns:mc="http://schemas.openxmlformats.org/markup-compatibility/2006">
                   <mc:Choice xmlns:v="urn:schemas-microsoft-com:vml" Requires="v">
-                    <p:oleObj spid="_x0000_s3201" name="Image" r:id="rId8" imgW="1828440" imgH="1117440" progId="Photoshop.Image.13">
+                    <p:oleObj spid="_x0000_s3213" name="Image" r:id="rId8" imgW="1828440" imgH="1117440" progId="Photoshop.Image.13">
                       <p:embed/>
                     </p:oleObj>
                   </mc:Choice>
@@ -12814,7 +14831,7 @@
               <a:graphicData uri="http://schemas.openxmlformats.org/presentationml/2006/ole">
                 <mc:AlternateContent xmlns:mc="http://schemas.openxmlformats.org/markup-compatibility/2006">
                   <mc:Choice xmlns:v="urn:schemas-microsoft-com:vml" Requires="v">
-                    <p:oleObj spid="_x0000_s3202" name="Image" r:id="rId10" imgW="1828440" imgH="1117440" progId="Photoshop.Image.13">
+                    <p:oleObj spid="_x0000_s3214" name="Image" r:id="rId10" imgW="1828440" imgH="1117440" progId="Photoshop.Image.13">
                       <p:embed/>
                     </p:oleObj>
                   </mc:Choice>
@@ -13937,7 +15954,7 @@
             <a:graphicData uri="http://schemas.openxmlformats.org/presentationml/2006/ole">
               <mc:AlternateContent xmlns:mc="http://schemas.openxmlformats.org/markup-compatibility/2006">
                 <mc:Choice xmlns:v="urn:schemas-microsoft-com:vml" Requires="v">
-                  <p:oleObj spid="_x0000_s3203" name="Image" r:id="rId12" imgW="4571280" imgH="1688760" progId="Photoshop.Image.13">
+                  <p:oleObj spid="_x0000_s3215" name="Image" r:id="rId12" imgW="4571280" imgH="1688760" progId="Photoshop.Image.13">
                     <p:embed/>
                   </p:oleObj>
                 </mc:Choice>
@@ -14021,7 +16038,7 @@
             <a:graphicData uri="http://schemas.openxmlformats.org/presentationml/2006/ole">
               <mc:AlternateContent xmlns:mc="http://schemas.openxmlformats.org/markup-compatibility/2006">
                 <mc:Choice xmlns:v="urn:schemas-microsoft-com:vml" Requires="v">
-                  <p:oleObj spid="_x0000_s3204" name="Image" r:id="rId15" imgW="1574280" imgH="1053720" progId="Photoshop.Image.13">
+                  <p:oleObj spid="_x0000_s3216" name="Image" r:id="rId15" imgW="1574280" imgH="1053720" progId="Photoshop.Image.13">
                     <p:embed/>
                   </p:oleObj>
                 </mc:Choice>
@@ -14350,14 +16367,6 @@
                 </a:solidFill>
               </a:rPr>
               <a:t>94710</a:t>
-            </a:r>
-            <a:r>
-              <a:rPr lang="en-US" sz="2400" baseline="0" dirty="0">
-                <a:solidFill>
-                  <a:schemeClr val="bg1"/>
-                </a:solidFill>
-              </a:rPr>
-              <a:t/>
             </a:r>
             <a:br>
               <a:rPr lang="en-US" sz="2400" baseline="0" dirty="0">
@@ -15190,25 +17199,171 @@
           </a:p>
         </p:txBody>
       </p:sp>
-      <p:sp>
-        <p:nvSpPr>
-          <p:cNvPr id="29" name="Text Placeholder 28"/>
-          <p:cNvSpPr>
-            <a:spLocks noGrp="1"/>
-          </p:cNvSpPr>
-          <p:nvPr>
-            <p:ph type="body" sz="quarter" idx="23"/>
-          </p:nvPr>
-        </p:nvSpPr>
-        <p:spPr/>
-        <p:txBody>
-          <a:bodyPr/>
-          <a:lstStyle/>
-          <a:p>
-            <a:endParaRPr lang="en-US"/>
-          </a:p>
-        </p:txBody>
-      </p:sp>
+      <mc:AlternateContent xmlns:mc="http://schemas.openxmlformats.org/markup-compatibility/2006">
+        <mc:Choice xmlns:a14="http://schemas.microsoft.com/office/drawing/2010/main" Requires="a14">
+          <p:sp>
+            <p:nvSpPr>
+              <p:cNvPr id="29" name="Text Placeholder 28"/>
+              <p:cNvSpPr>
+                <a:spLocks noGrp="1"/>
+              </p:cNvSpPr>
+              <p:nvPr>
+                <p:ph type="body" sz="quarter" idx="23"/>
+              </p:nvPr>
+            </p:nvSpPr>
+            <p:spPr>
+              <a:xfrm>
+                <a:off x="17689252" y="6420045"/>
+                <a:ext cx="15833456" cy="3261800"/>
+              </a:xfrm>
+            </p:spPr>
+            <p:txBody>
+              <a:bodyPr/>
+              <a:lstStyle/>
+              <a:p>
+                <a:r>
+                  <a:rPr lang="en-US" dirty="0"/>
+                  <a:t>We should put something like </a:t>
+                </a:r>
+                <a:r>
+                  <a:rPr lang="en-US" dirty="0" err="1"/>
+                  <a:t>srsly</a:t>
+                </a:r>
+                <a:r>
+                  <a:rPr lang="en-US" dirty="0"/>
+                  <a:t> but probably not whatever </a:t>
+                </a:r>
+                <a:r>
+                  <a:rPr lang="en-US" dirty="0" err="1"/>
+                  <a:t>b.s.</a:t>
+                </a:r>
+                <a:r>
+                  <a:rPr lang="en-US" dirty="0"/>
+                  <a:t> this is:</a:t>
+                </a:r>
+              </a:p>
+              <a:p>
+                <a:r>
+                  <a:rPr lang="en-US" dirty="0"/>
+                  <a:t>F1 score = </a:t>
+                </a:r>
+                <a14:m>
+                  <m:oMath xmlns:m="http://schemas.openxmlformats.org/officeDocument/2006/math">
+                    <m:r>
+                      <a:rPr lang="en-US" b="0" i="1" smtClean="0">
+                        <a:latin typeface="Cambria Math" panose="02040503050406030204" pitchFamily="18" charset="0"/>
+                      </a:rPr>
+                      <m:t>2∗</m:t>
+                    </m:r>
+                    <m:f>
+                      <m:fPr>
+                        <m:ctrlPr>
+                          <a:rPr lang="en-US" b="0" i="1" smtClean="0">
+                            <a:latin typeface="Cambria Math" panose="02040503050406030204" pitchFamily="18" charset="0"/>
+                          </a:rPr>
+                        </m:ctrlPr>
+                      </m:fPr>
+                      <m:num>
+                        <m:r>
+                          <a:rPr lang="en-US" b="0" i="1" smtClean="0">
+                            <a:latin typeface="Cambria Math" panose="02040503050406030204" pitchFamily="18" charset="0"/>
+                          </a:rPr>
+                          <m:t>𝑅𝑒𝑐𝑎𝑙𝑙</m:t>
+                        </m:r>
+                        <m:r>
+                          <a:rPr lang="en-US" b="0" i="1" smtClean="0">
+                            <a:latin typeface="Cambria Math" panose="02040503050406030204" pitchFamily="18" charset="0"/>
+                          </a:rPr>
+                          <m:t>∗</m:t>
+                        </m:r>
+                        <m:r>
+                          <a:rPr lang="en-US" b="0" i="1" smtClean="0">
+                            <a:latin typeface="Cambria Math" panose="02040503050406030204" pitchFamily="18" charset="0"/>
+                          </a:rPr>
+                          <m:t>𝑃𝑟𝑒𝑐𝑖𝑠𝑖𝑜𝑛</m:t>
+                        </m:r>
+                      </m:num>
+                      <m:den>
+                        <m:r>
+                          <a:rPr lang="en-US" b="0" i="1" smtClean="0">
+                            <a:latin typeface="Cambria Math" panose="02040503050406030204" pitchFamily="18" charset="0"/>
+                          </a:rPr>
+                          <m:t>𝑃𝑟𝑒𝑐𝑖𝑠𝑖𝑜𝑛</m:t>
+                        </m:r>
+                        <m:r>
+                          <a:rPr lang="en-US" b="0" i="1" smtClean="0">
+                            <a:latin typeface="Cambria Math" panose="02040503050406030204" pitchFamily="18" charset="0"/>
+                          </a:rPr>
+                          <m:t>+</m:t>
+                        </m:r>
+                        <m:r>
+                          <a:rPr lang="en-US" b="0" i="1" smtClean="0">
+                            <a:latin typeface="Cambria Math" panose="02040503050406030204" pitchFamily="18" charset="0"/>
+                          </a:rPr>
+                          <m:t>𝑅𝑒𝑐𝑎𝑙𝑙</m:t>
+                        </m:r>
+                      </m:den>
+                    </m:f>
+                  </m:oMath>
+                </a14:m>
+                <a:endParaRPr lang="en-US" dirty="0"/>
+              </a:p>
+              <a:p>
+                <a:r>
+                  <a:rPr lang="en-US" dirty="0"/>
+                  <a:t>Precision: Words found in transcript that were actually spoken by the correct speaker</a:t>
+                </a:r>
+              </a:p>
+              <a:p>
+                <a:r>
+                  <a:rPr lang="en-US" dirty="0"/>
+                  <a:t>Recall: Words </a:t>
+                </a:r>
+              </a:p>
+              <a:p>
+                <a:endParaRPr lang="en-US" dirty="0"/>
+              </a:p>
+            </p:txBody>
+          </p:sp>
+        </mc:Choice>
+        <mc:Fallback>
+          <p:sp>
+            <p:nvSpPr>
+              <p:cNvPr id="29" name="Text Placeholder 28"/>
+              <p:cNvSpPr>
+                <a:spLocks noGrp="1" noRot="1" noChangeAspect="1" noMove="1" noResize="1" noEditPoints="1" noAdjustHandles="1" noChangeArrowheads="1" noChangeShapeType="1" noTextEdit="1"/>
+              </p:cNvSpPr>
+              <p:nvPr>
+                <p:ph type="body" sz="quarter" idx="23"/>
+              </p:nvPr>
+            </p:nvSpPr>
+            <p:spPr>
+              <a:xfrm>
+                <a:off x="17689252" y="6420045"/>
+                <a:ext cx="15833456" cy="3261800"/>
+              </a:xfrm>
+              <a:blipFill>
+                <a:blip r:embed="rId3"/>
+                <a:stretch>
+                  <a:fillRect/>
+                </a:stretch>
+              </a:blipFill>
+            </p:spPr>
+            <p:txBody>
+              <a:bodyPr/>
+              <a:lstStyle/>
+              <a:p>
+                <a:r>
+                  <a:rPr lang="en-US">
+                    <a:noFill/>
+                  </a:rPr>
+                  <a:t> </a:t>
+                </a:r>
+              </a:p>
+            </p:txBody>
+          </p:sp>
+        </mc:Fallback>
+      </mc:AlternateContent>
       <p:sp>
         <p:nvSpPr>
           <p:cNvPr id="30" name="Text Placeholder 29"/>
@@ -15301,7 +17456,7 @@
           <a:lstStyle/>
           <a:p>
             <a:r>
-              <a:rPr lang="en-US" dirty="0" smtClean="0"/>
+              <a:rPr lang="en-US" dirty="0"/>
               <a:t>After all the work we have done, we can see that transcription is a very hard task to accomplish perfectly well. Noisy recordings contributed to worse performance on some recordings, as well as certain limitations in the performance of Bing’s API (on both the speaker recognition and transcription front). </a:t>
             </a:r>
           </a:p>
@@ -15310,10 +17465,9 @@
           </a:p>
           <a:p>
             <a:r>
-              <a:rPr lang="en-US" dirty="0" smtClean="0"/>
+              <a:rPr lang="en-US" dirty="0"/>
               <a:t>In the end, however, we believe our tool could be a good start at creating a tool that could help journalists transcribe their interviews. It integrates some machine learning by utilizing the Bing API, as well as audio signal processing by constructing a self similarity matrix to determine how to segment the audio into individual speakers. Overall, we learned quite a bit!</a:t>
             </a:r>
-            <a:endParaRPr lang="en-US" dirty="0"/>
           </a:p>
         </p:txBody>
       </p:sp>
@@ -15338,10 +17492,9 @@
           <a:lstStyle/>
           <a:p>
             <a:r>
-              <a:rPr lang="en-US" dirty="0" smtClean="0"/>
+              <a:rPr lang="en-US" dirty="0"/>
               <a:t>References</a:t>
             </a:r>
-            <a:endParaRPr lang="en-US" dirty="0"/>
           </a:p>
         </p:txBody>
       </p:sp>
@@ -15367,31 +17520,19 @@
           <a:p>
             <a:r>
               <a:rPr lang="en-US" sz="1600" dirty="0"/>
-              <a:t> </a:t>
+              <a:t>     </a:t>
             </a:r>
             <a:r>
-              <a:rPr lang="en-US" sz="1600" dirty="0" smtClean="0"/>
-              <a:t>    </a:t>
-            </a:r>
-            <a:r>
-              <a:rPr lang="en-US" sz="1600" dirty="0" err="1" smtClean="0"/>
+              <a:rPr lang="en-US" sz="1600" dirty="0" err="1"/>
               <a:t>Bongjun</a:t>
             </a:r>
             <a:r>
-              <a:rPr lang="en-US" sz="1600" dirty="0" smtClean="0"/>
+              <a:rPr lang="en-US" sz="1600" dirty="0"/>
               <a:t> Kim and Bryan Pardo. 2017. I-SED: an Interactive Sound Event Detector. In </a:t>
             </a:r>
             <a:r>
-              <a:rPr lang="en-US" sz="1600" i="1" dirty="0" smtClean="0"/>
-              <a:t>ACM </a:t>
-            </a:r>
-            <a:r>
               <a:rPr lang="en-US" sz="1600" i="1" dirty="0"/>
-              <a:t>International Conference on Intelligent User </a:t>
-            </a:r>
-            <a:r>
-              <a:rPr lang="en-US" sz="1600" i="1" dirty="0" smtClean="0"/>
-              <a:t>Interfaces. </a:t>
+              <a:t>ACM International Conference on Intelligent User Interfaces. </a:t>
             </a:r>
             <a:r>
               <a:rPr lang="en-US" sz="1600" dirty="0"/>
@@ -15399,25 +17540,19 @@
             </a:r>
             <a:r>
               <a:rPr lang="en-US" sz="1600" dirty="0">
-                <a:hlinkClick r:id="rId3"/>
+                <a:hlinkClick r:id="rId4"/>
               </a:rPr>
-              <a:t>http://</a:t>
+              <a:t>http://music.cs.northwestern.edu/publications/Kim_Pardo_IUI2017.pdf</a:t>
             </a:r>
             <a:r>
-              <a:rPr lang="en-US" sz="1600" dirty="0" smtClean="0">
-                <a:hlinkClick r:id="rId3"/>
-              </a:rPr>
-              <a:t>music.cs.northwestern.edu/publications/Kim_Pardo_IUI2017.pdf</a:t>
-            </a:r>
-            <a:r>
-              <a:rPr lang="en-US" sz="1600" dirty="0" smtClean="0"/>
+              <a:rPr lang="en-US" sz="1600" dirty="0"/>
               <a:t>.</a:t>
             </a:r>
-            <a:endParaRPr lang="en-US" sz="1600" i="1" dirty="0" smtClean="0"/>
+            <a:endParaRPr lang="en-US" sz="1600" i="1" dirty="0"/>
           </a:p>
           <a:p>
             <a:r>
-              <a:rPr lang="en-US" sz="1600" dirty="0" smtClean="0"/>
+              <a:rPr lang="en-US" sz="1600" dirty="0"/>
               <a:t>     Steve Rubin, </a:t>
             </a:r>
             <a:r>
@@ -15429,11 +17564,11 @@
               <a:t> </a:t>
             </a:r>
             <a:r>
-              <a:rPr lang="en-US" sz="1600" dirty="0" err="1" smtClean="0"/>
+              <a:rPr lang="en-US" sz="1600" dirty="0" err="1"/>
               <a:t>Berthouzoz</a:t>
             </a:r>
             <a:r>
-              <a:rPr lang="en-US" sz="1600" dirty="0" smtClean="0"/>
+              <a:rPr lang="en-US" sz="1600" dirty="0"/>
               <a:t>, </a:t>
             </a:r>
             <a:r>
@@ -15442,19 +17577,7 @@
             </a:r>
             <a:r>
               <a:rPr lang="en-US" sz="1600" dirty="0"/>
-              <a:t> J. </a:t>
-            </a:r>
-            <a:r>
-              <a:rPr lang="en-US" sz="1600" dirty="0" smtClean="0"/>
-              <a:t>Mysore, </a:t>
-            </a:r>
-            <a:r>
-              <a:rPr lang="en-US" sz="1600" dirty="0"/>
-              <a:t>Wilmot </a:t>
-            </a:r>
-            <a:r>
-              <a:rPr lang="en-US" sz="1600" dirty="0" smtClean="0"/>
-              <a:t>Li, and </a:t>
+              <a:t> J. Mysore, Wilmot Li, and </a:t>
             </a:r>
             <a:r>
               <a:rPr lang="en-US" sz="1600" dirty="0" err="1"/>
@@ -15465,11 +17588,11 @@
               <a:t> </a:t>
             </a:r>
             <a:r>
-              <a:rPr lang="en-US" sz="1600" dirty="0" err="1" smtClean="0"/>
+              <a:rPr lang="en-US" sz="1600" dirty="0" err="1"/>
               <a:t>Agrawala</a:t>
             </a:r>
             <a:r>
-              <a:rPr lang="en-US" sz="1600" dirty="0" smtClean="0"/>
+              <a:rPr lang="en-US" sz="1600" dirty="0"/>
               <a:t>. 2013.  Content-Based Tools for Editing Audio Stories. In </a:t>
             </a:r>
             <a:r>
@@ -15477,76 +17600,52 @@
               <a:t>UIST 2013, October 2013. pp. </a:t>
             </a:r>
             <a:r>
-              <a:rPr lang="en-US" sz="1600" dirty="0" smtClean="0"/>
-              <a:t>113-122. Retrieved </a:t>
+              <a:rPr lang="en-US" sz="1600" dirty="0"/>
+              <a:t>113-122. Retrieved from </a:t>
+            </a:r>
+            <a:r>
+              <a:rPr lang="en-US" sz="1600" dirty="0">
+                <a:hlinkClick r:id="rId5"/>
+              </a:rPr>
+              <a:t>http://vis.berkeley.edu/papers/audiostories/audiostories.pdf</a:t>
             </a:r>
             <a:r>
               <a:rPr lang="en-US" sz="1600" dirty="0"/>
-              <a:t>from </a:t>
-            </a:r>
-            <a:r>
-              <a:rPr lang="en-US" sz="1600" dirty="0">
-                <a:hlinkClick r:id="rId4"/>
-              </a:rPr>
-              <a:t>http://</a:t>
-            </a:r>
-            <a:r>
-              <a:rPr lang="en-US" sz="1600" dirty="0" smtClean="0">
-                <a:hlinkClick r:id="rId4"/>
-              </a:rPr>
-              <a:t>vis.berkeley.edu/papers/audiostories/audiostories.pdf</a:t>
-            </a:r>
-            <a:r>
-              <a:rPr lang="en-US" sz="1600" dirty="0" smtClean="0"/>
               <a:t>.</a:t>
             </a:r>
           </a:p>
           <a:p>
             <a:r>
-              <a:rPr lang="en-US" sz="1600" i="1" dirty="0" smtClean="0"/>
+              <a:rPr lang="en-US" sz="1600" i="1" dirty="0"/>
               <a:t>     </a:t>
             </a:r>
             <a:r>
-              <a:rPr lang="en-US" sz="1600" dirty="0" smtClean="0"/>
-              <a:t>Waveforms on the interface were created </a:t>
-            </a:r>
-            <a:r>
               <a:rPr lang="en-US" sz="1600" dirty="0"/>
-              <a:t>with </a:t>
+              <a:t>Waveforms on the interface were created with </a:t>
             </a:r>
             <a:r>
               <a:rPr lang="en-US" sz="1600" dirty="0" err="1"/>
               <a:t>wavesurfer.js</a:t>
             </a:r>
             <a:r>
-              <a:rPr lang="en-US" sz="1600" dirty="0" smtClean="0"/>
+              <a:rPr lang="en-US" sz="1600" dirty="0"/>
               <a:t>. Retrieved from </a:t>
             </a:r>
             <a:r>
               <a:rPr lang="en-US" sz="1600" dirty="0">
-                <a:hlinkClick r:id="rId5"/>
+                <a:hlinkClick r:id="rId6"/>
               </a:rPr>
-              <a:t>https://wavesurfer-js.org</a:t>
+              <a:t>https://wavesurfer-js.org/</a:t>
             </a:r>
             <a:r>
-              <a:rPr lang="en-US" sz="1600" dirty="0" smtClean="0">
-                <a:hlinkClick r:id="rId5"/>
-              </a:rPr>
-              <a:t>/</a:t>
-            </a:r>
-            <a:r>
-              <a:rPr lang="en-US" sz="1600" dirty="0" smtClean="0"/>
+              <a:rPr lang="en-US" sz="1600" dirty="0"/>
               <a:t> </a:t>
             </a:r>
           </a:p>
           <a:p>
             <a:r>
               <a:rPr lang="en-US" sz="1600" i="1" dirty="0"/>
-              <a:t> </a:t>
-            </a:r>
-            <a:r>
-              <a:rPr lang="en-US" sz="1600" i="1" dirty="0" smtClean="0"/>
-              <a:t>    </a:t>
+              <a:t>     </a:t>
             </a:r>
             <a:r>
               <a:rPr lang="en-US" sz="1600" dirty="0" err="1"/>
@@ -15554,64 +17653,36 @@
             </a:r>
             <a:r>
               <a:rPr lang="en-US" sz="1600" dirty="0"/>
-              <a:t> </a:t>
+              <a:t> Giannakopoulos. 2015. </a:t>
             </a:r>
             <a:r>
-              <a:rPr lang="en-US" sz="1600" dirty="0" smtClean="0"/>
-              <a:t>Giannakopoulos. 2015. </a:t>
-            </a:r>
-            <a:r>
-              <a:rPr lang="en-US" sz="1600" dirty="0" err="1" smtClean="0"/>
+              <a:rPr lang="en-US" sz="1600" dirty="0" err="1"/>
               <a:t>pyAudioAnalysis</a:t>
             </a:r>
             <a:r>
               <a:rPr lang="en-US" sz="1600" dirty="0"/>
-              <a:t>: An Open-Source Python Library for Audio Signal Analysis. </a:t>
+              <a:t>: An Open-Source Python Library for Audio Signal Analysis. In </a:t>
             </a:r>
             <a:r>
-              <a:rPr lang="en-US" sz="1600" dirty="0" smtClean="0"/>
-              <a:t>In </a:t>
-            </a:r>
-            <a:r>
-              <a:rPr lang="en-US" sz="1600" i="1" dirty="0" err="1" smtClean="0"/>
+              <a:rPr lang="en-US" sz="1600" i="1" dirty="0" err="1"/>
               <a:t>PLoS</a:t>
             </a:r>
             <a:r>
-              <a:rPr lang="en-US" sz="1600" i="1" dirty="0" smtClean="0"/>
-              <a:t> </a:t>
+              <a:rPr lang="en-US" sz="1600" i="1" dirty="0"/>
+              <a:t> ONE 10(12). </a:t>
             </a:r>
             <a:r>
-              <a:rPr lang="en-US" sz="1600" i="1" dirty="0"/>
-              <a:t>ONE 10(12</a:t>
-            </a:r>
-            <a:r>
-              <a:rPr lang="en-US" sz="1600" i="1" dirty="0" smtClean="0"/>
-              <a:t>). </a:t>
-            </a:r>
-            <a:r>
-              <a:rPr lang="en-US" sz="1600" dirty="0" smtClean="0"/>
+              <a:rPr lang="en-US" sz="1600" dirty="0"/>
               <a:t> Retrieved from </a:t>
             </a:r>
             <a:r>
-              <a:rPr lang="en-US" sz="1600" dirty="0" smtClean="0">
-                <a:hlinkClick r:id="rId6"/>
+              <a:rPr lang="en-US" sz="1600" dirty="0">
+                <a:hlinkClick r:id="rId7"/>
               </a:rPr>
-              <a:t>http</a:t>
+              <a:t>http://journals.plos.org/plosone/article/file?id=10.1371/journal.pone.0144610&amp;type=printable</a:t>
             </a:r>
             <a:r>
-              <a:rPr lang="en-US" sz="1600" dirty="0">
-                <a:hlinkClick r:id="rId6"/>
-              </a:rPr>
-              <a:t>://</a:t>
-            </a:r>
-            <a:r>
-              <a:rPr lang="en-US" sz="1600" dirty="0" smtClean="0">
-                <a:hlinkClick r:id="rId6"/>
-              </a:rPr>
-              <a:t>journals.plos.org/plosone/article/file?id=10.1371/journal.pone.0144610&amp;type=printable</a:t>
-            </a:r>
-            <a:r>
-              <a:rPr lang="en-US" sz="1600" dirty="0" smtClean="0"/>
+              <a:rPr lang="en-US" sz="1600" dirty="0"/>
               <a:t>. </a:t>
             </a:r>
             <a:endParaRPr lang="en-US" sz="1600" i="1" dirty="0"/>
@@ -15637,7 +17708,7 @@
           <a:p>
             <a:r>
               <a:rPr lang="en-US" dirty="0">
-                <a:hlinkClick r:id="rId7"/>
+                <a:hlinkClick r:id="rId8"/>
               </a:rPr>
               <a:t>vincentbommier2018@u.northwestern.edu</a:t>
             </a:r>
@@ -15647,7 +17718,7 @@
             </a:r>
             <a:r>
               <a:rPr lang="en-US" dirty="0">
-                <a:hlinkClick r:id="rId8"/>
+                <a:hlinkClick r:id="rId9"/>
               </a:rPr>
               <a:t>jeremykaish2018@u.northwestern.edu</a:t>
             </a:r>
@@ -15657,7 +17728,7 @@
             </a:r>
             <a:r>
               <a:rPr lang="en-US" dirty="0">
-                <a:hlinkClick r:id="rId9"/>
+                <a:hlinkClick r:id="rId10"/>
               </a:rPr>
               <a:t>madhavghei2018@u.northwestern.edu</a:t>
             </a:r>
@@ -15852,7 +17923,7 @@
           <p:nvPr/>
         </p:nvPicPr>
         <p:blipFill>
-          <a:blip r:embed="rId10" cstate="print">
+          <a:blip r:embed="rId11" cstate="print">
             <a:extLst>
               <a:ext uri="{28A0092B-C50C-407E-A947-70E740481C1C}">
                 <a14:useLocalDpi xmlns:a14="http://schemas.microsoft.com/office/drawing/2010/main" val="0"/>
@@ -15882,7 +17953,7 @@
           <p:nvPr/>
         </p:nvPicPr>
         <p:blipFill>
-          <a:blip r:embed="rId11">
+          <a:blip r:embed="rId12">
             <a:extLst>
               <a:ext uri="{28A0092B-C50C-407E-A947-70E740481C1C}">
                 <a14:useLocalDpi xmlns:a14="http://schemas.microsoft.com/office/drawing/2010/main" val="0"/>
@@ -15912,7 +17983,7 @@
           <p:nvPr/>
         </p:nvPicPr>
         <p:blipFill>
-          <a:blip r:embed="rId12">
+          <a:blip r:embed="rId13">
             <a:extLst>
               <a:ext uri="{28A0092B-C50C-407E-A947-70E740481C1C}">
                 <a14:useLocalDpi xmlns:a14="http://schemas.microsoft.com/office/drawing/2010/main" val="0"/>
@@ -15991,7 +18062,7 @@
           <a:lstStyle/>
           <a:p>
             <a:r>
-              <a:rPr lang="en-US" sz="2800" smtClean="0">
+              <a:rPr lang="en-US" sz="2800">
                 <a:solidFill>
                   <a:schemeClr val="bg1"/>
                 </a:solidFill>
@@ -16035,7 +18106,7 @@
           <a:lstStyle/>
           <a:p>
             <a:r>
-              <a:rPr lang="en-US" sz="2800" smtClean="0">
+              <a:rPr lang="en-US" sz="2800">
                 <a:solidFill>
                   <a:schemeClr val="bg1"/>
                 </a:solidFill>
@@ -16090,14 +18161,7 @@
                 <a:latin typeface="Times New Roman" panose="02020603050405020304" pitchFamily="18" charset="0"/>
                 <a:cs typeface="Times New Roman" panose="02020603050405020304" pitchFamily="18" charset="0"/>
               </a:rPr>
-              <a:t>  a. </a:t>
-            </a:r>
-            <a:r>
-              <a:rPr lang="en-US" sz="2000" dirty="0" smtClean="0">
-                <a:latin typeface="Times New Roman" panose="02020603050405020304" pitchFamily="18" charset="0"/>
-                <a:cs typeface="Times New Roman" panose="02020603050405020304" pitchFamily="18" charset="0"/>
-              </a:rPr>
-              <a:t>Home screen</a:t>
+              <a:t>  a. Home screen</a:t>
             </a:r>
           </a:p>
           <a:p>
@@ -16106,19 +18170,8 @@
                 <a:latin typeface="Times New Roman" panose="02020603050405020304" pitchFamily="18" charset="0"/>
                 <a:cs typeface="Times New Roman" panose="02020603050405020304" pitchFamily="18" charset="0"/>
               </a:rPr>
-              <a:t> </a:t>
+              <a:t>  b. User uploads .wav file (system will reject if not wav format)</a:t>
             </a:r>
-            <a:r>
-              <a:rPr lang="en-US" sz="2000" dirty="0" smtClean="0">
-                <a:latin typeface="Times New Roman" panose="02020603050405020304" pitchFamily="18" charset="0"/>
-                <a:cs typeface="Times New Roman" panose="02020603050405020304" pitchFamily="18" charset="0"/>
-              </a:rPr>
-              <a:t> b. User uploads .wav file (system will reject if not wav format)</a:t>
-            </a:r>
-            <a:endParaRPr lang="en-US" sz="2000" dirty="0">
-              <a:latin typeface="Times New Roman" panose="02020603050405020304" pitchFamily="18" charset="0"/>
-              <a:cs typeface="Times New Roman" panose="02020603050405020304" pitchFamily="18" charset="0"/>
-            </a:endParaRPr>
           </a:p>
           <a:p>
             <a:endParaRPr lang="en-US" sz="2000" dirty="0">
@@ -16141,33 +18194,8 @@
                 <a:latin typeface="Times New Roman" panose="02020603050405020304" pitchFamily="18" charset="0"/>
                 <a:cs typeface="Times New Roman" panose="02020603050405020304" pitchFamily="18" charset="0"/>
               </a:rPr>
-              <a:t>  a. User selects portions of audio </a:t>
+              <a:t>  a. User selects portions of audio in which only one speaker is talking</a:t>
             </a:r>
-            <a:r>
-              <a:rPr lang="en-US" sz="2000" dirty="0" smtClean="0">
-                <a:latin typeface="Times New Roman" panose="02020603050405020304" pitchFamily="18" charset="0"/>
-                <a:cs typeface="Times New Roman" panose="02020603050405020304" pitchFamily="18" charset="0"/>
-              </a:rPr>
-              <a:t>in which only </a:t>
-            </a:r>
-            <a:r>
-              <a:rPr lang="en-US" sz="2000" dirty="0">
-                <a:latin typeface="Times New Roman" panose="02020603050405020304" pitchFamily="18" charset="0"/>
-                <a:cs typeface="Times New Roman" panose="02020603050405020304" pitchFamily="18" charset="0"/>
-              </a:rPr>
-              <a:t>one speaker is </a:t>
-            </a:r>
-            <a:r>
-              <a:rPr lang="en-US" sz="2000" dirty="0" smtClean="0">
-                <a:latin typeface="Times New Roman" panose="02020603050405020304" pitchFamily="18" charset="0"/>
-                <a:cs typeface="Times New Roman" panose="02020603050405020304" pitchFamily="18" charset="0"/>
-              </a:rPr>
-              <a:t>talking</a:t>
-            </a:r>
-            <a:endParaRPr lang="en-US" sz="2000" dirty="0">
-              <a:latin typeface="Times New Roman" panose="02020603050405020304" pitchFamily="18" charset="0"/>
-              <a:cs typeface="Times New Roman" panose="02020603050405020304" pitchFamily="18" charset="0"/>
-            </a:endParaRPr>
           </a:p>
           <a:p>
             <a:r>
@@ -16175,19 +18203,8 @@
                 <a:latin typeface="Times New Roman" panose="02020603050405020304" pitchFamily="18" charset="0"/>
                 <a:cs typeface="Times New Roman" panose="02020603050405020304" pitchFamily="18" charset="0"/>
               </a:rPr>
-              <a:t>  b. User assigns a name to the speaker of the current </a:t>
+              <a:t>  b. User assigns a name to the speaker of the current selection and enrolls the speaker (training the speaker recognition API)</a:t>
             </a:r>
-            <a:r>
-              <a:rPr lang="en-US" sz="2000" dirty="0" smtClean="0">
-                <a:latin typeface="Times New Roman" panose="02020603050405020304" pitchFamily="18" charset="0"/>
-                <a:cs typeface="Times New Roman" panose="02020603050405020304" pitchFamily="18" charset="0"/>
-              </a:rPr>
-              <a:t>selection and enrolls the speaker (training the speaker recognition API)</a:t>
-            </a:r>
-            <a:endParaRPr lang="en-US" sz="2000" dirty="0">
-              <a:latin typeface="Times New Roman" panose="02020603050405020304" pitchFamily="18" charset="0"/>
-              <a:cs typeface="Times New Roman" panose="02020603050405020304" pitchFamily="18" charset="0"/>
-            </a:endParaRPr>
           </a:p>
           <a:p>
             <a:r>
@@ -16255,7 +18272,7 @@
           <a:lstStyle/>
           <a:p>
             <a:r>
-              <a:rPr lang="en-US" sz="2800" smtClean="0">
+              <a:rPr lang="en-US" sz="2800">
                 <a:solidFill>
                   <a:schemeClr val="bg1"/>
                 </a:solidFill>
@@ -16274,473 +18291,488 @@
           </a:p>
         </p:txBody>
       </p:sp>
-      <p:pic>
-        <p:nvPicPr>
-          <p:cNvPr id="7" name="Picture 6"/>
-          <p:cNvPicPr>
-            <a:picLocks noChangeAspect="1"/>
-          </p:cNvPicPr>
+      <p:grpSp>
+        <p:nvGrpSpPr>
+          <p:cNvPr id="6" name="Group 5"/>
+          <p:cNvGrpSpPr/>
           <p:nvPr/>
-        </p:nvPicPr>
-        <p:blipFill>
-          <a:blip r:embed="rId13">
-            <a:extLst>
-              <a:ext uri="{BEBA8EAE-BF5A-486C-A8C5-ECC9F3942E4B}">
-                <a14:imgProps xmlns:a14="http://schemas.microsoft.com/office/drawing/2010/main">
-                  <a14:imgLayer r:embed="rId14">
-                    <a14:imgEffect>
-                      <a14:brightnessContrast bright="20000" contrast="20000"/>
-                    </a14:imgEffect>
-                  </a14:imgLayer>
-                </a14:imgProps>
-              </a:ext>
-              <a:ext uri="{28A0092B-C50C-407E-A947-70E740481C1C}">
-                <a14:useLocalDpi xmlns:a14="http://schemas.microsoft.com/office/drawing/2010/main" val="0"/>
-              </a:ext>
-            </a:extLst>
-          </a:blip>
-          <a:stretch>
-            <a:fillRect/>
-          </a:stretch>
-        </p:blipFill>
-        <p:spPr>
+        </p:nvGrpSpPr>
+        <p:grpSpPr>
           <a:xfrm>
-            <a:off x="1054885" y="25031771"/>
-            <a:ext cx="7517026" cy="7311337"/>
+            <a:off x="2563829" y="25031771"/>
+            <a:ext cx="12838601" cy="7311337"/>
+            <a:chOff x="1109538" y="25108766"/>
+            <a:chExt cx="12838601" cy="7311337"/>
           </a:xfrm>
-          <a:prstGeom prst="rect">
-            <a:avLst/>
-          </a:prstGeom>
-        </p:spPr>
-      </p:pic>
-      <p:sp>
-        <p:nvSpPr>
-          <p:cNvPr id="8" name="Oval 7"/>
-          <p:cNvSpPr/>
-          <p:nvPr/>
-        </p:nvSpPr>
-        <p:spPr>
-          <a:xfrm>
-            <a:off x="3886200" y="27241500"/>
-            <a:ext cx="4685711" cy="509923"/>
-          </a:xfrm>
-          <a:prstGeom prst="ellipse">
-            <a:avLst/>
-          </a:prstGeom>
-          <a:noFill/>
-          <a:ln w="76200">
-            <a:solidFill>
-              <a:srgbClr val="FF0000"/>
-            </a:solidFill>
-          </a:ln>
-        </p:spPr>
-        <p:style>
-          <a:lnRef idx="2">
-            <a:schemeClr val="accent1">
-              <a:shade val="50000"/>
-            </a:schemeClr>
-          </a:lnRef>
-          <a:fillRef idx="1">
-            <a:schemeClr val="accent1"/>
-          </a:fillRef>
-          <a:effectRef idx="0">
-            <a:schemeClr val="accent1"/>
-          </a:effectRef>
-          <a:fontRef idx="minor">
-            <a:schemeClr val="lt1"/>
-          </a:fontRef>
-        </p:style>
-        <p:txBody>
-          <a:bodyPr rtlCol="0" anchor="ctr"/>
-          <a:lstStyle/>
-          <a:p>
-            <a:pPr algn="ctr"/>
-            <a:endParaRPr lang="en-US"/>
-          </a:p>
-        </p:txBody>
-      </p:sp>
-      <p:cxnSp>
-        <p:nvCxnSpPr>
-          <p:cNvPr id="12" name="Straight Arrow Connector 11"/>
-          <p:cNvCxnSpPr/>
-          <p:nvPr/>
-        </p:nvCxnSpPr>
-        <p:spPr>
-          <a:xfrm>
-            <a:off x="2420452" y="25850599"/>
-            <a:ext cx="1855183" cy="1843278"/>
-          </a:xfrm>
-          <a:prstGeom prst="straightConnector1">
-            <a:avLst/>
-          </a:prstGeom>
-          <a:ln w="76200">
-            <a:solidFill>
-              <a:srgbClr val="FFFF00"/>
-            </a:solidFill>
-            <a:headEnd type="triangle"/>
-            <a:tailEnd type="triangle"/>
-          </a:ln>
-        </p:spPr>
-        <p:style>
-          <a:lnRef idx="1">
-            <a:schemeClr val="accent1"/>
-          </a:lnRef>
-          <a:fillRef idx="0">
-            <a:schemeClr val="accent1"/>
-          </a:fillRef>
-          <a:effectRef idx="0">
-            <a:schemeClr val="accent1"/>
-          </a:effectRef>
-          <a:fontRef idx="minor">
-            <a:schemeClr val="tx1"/>
-          </a:fontRef>
-        </p:style>
-      </p:cxnSp>
-      <p:cxnSp>
-        <p:nvCxnSpPr>
-          <p:cNvPr id="55" name="Straight Arrow Connector 54"/>
-          <p:cNvCxnSpPr/>
-          <p:nvPr/>
-        </p:nvCxnSpPr>
-        <p:spPr>
-          <a:xfrm>
-            <a:off x="4379320" y="27822404"/>
-            <a:ext cx="3654325" cy="3630875"/>
-          </a:xfrm>
-          <a:prstGeom prst="straightConnector1">
-            <a:avLst/>
-          </a:prstGeom>
-          <a:ln w="76200">
-            <a:solidFill>
-              <a:srgbClr val="FFFF00"/>
-            </a:solidFill>
-            <a:headEnd type="triangle"/>
-            <a:tailEnd type="triangle"/>
-          </a:ln>
-        </p:spPr>
-        <p:style>
-          <a:lnRef idx="1">
-            <a:schemeClr val="accent1"/>
-          </a:lnRef>
-          <a:fillRef idx="0">
-            <a:schemeClr val="accent1"/>
-          </a:fillRef>
-          <a:effectRef idx="0">
-            <a:schemeClr val="accent1"/>
-          </a:effectRef>
-          <a:fontRef idx="minor">
-            <a:schemeClr val="tx1"/>
-          </a:fontRef>
-        </p:style>
-      </p:cxnSp>
-      <p:cxnSp>
-        <p:nvCxnSpPr>
-          <p:cNvPr id="24" name="Straight Arrow Connector 23"/>
-          <p:cNvCxnSpPr>
-            <a:stCxn id="8" idx="6"/>
-          </p:cNvCxnSpPr>
-          <p:nvPr/>
-        </p:nvCxnSpPr>
-        <p:spPr>
-          <a:xfrm flipV="1">
-            <a:off x="8571911" y="26289000"/>
-            <a:ext cx="745586" cy="1207462"/>
-          </a:xfrm>
-          <a:prstGeom prst="straightConnector1">
-            <a:avLst/>
-          </a:prstGeom>
-          <a:ln w="76200">
-            <a:solidFill>
-              <a:srgbClr val="FF0000"/>
-            </a:solidFill>
-            <a:tailEnd type="triangle"/>
-          </a:ln>
-        </p:spPr>
-        <p:style>
-          <a:lnRef idx="1">
-            <a:schemeClr val="accent1"/>
-          </a:lnRef>
-          <a:fillRef idx="0">
-            <a:schemeClr val="accent1"/>
-          </a:fillRef>
-          <a:effectRef idx="0">
-            <a:schemeClr val="accent1"/>
-          </a:effectRef>
-          <a:fontRef idx="minor">
-            <a:schemeClr val="tx1"/>
-          </a:fontRef>
-        </p:style>
-      </p:cxnSp>
-      <p:sp>
-        <p:nvSpPr>
-          <p:cNvPr id="234" name="TextBox 233"/>
-          <p:cNvSpPr txBox="1"/>
-          <p:nvPr/>
-        </p:nvSpPr>
-        <p:spPr>
-          <a:xfrm>
-            <a:off x="9317497" y="25850598"/>
-            <a:ext cx="4296276" cy="724151"/>
-          </a:xfrm>
-          <a:prstGeom prst="rect">
-            <a:avLst/>
-          </a:prstGeom>
-          <a:noFill/>
-        </p:spPr>
-        <p:txBody>
-          <a:bodyPr wrap="square" rtlCol="0">
-            <a:spAutoFit/>
-          </a:bodyPr>
-          <a:lstStyle/>
-          <a:p>
-            <a:r>
-              <a:rPr lang="en-US" sz="4000" dirty="0">
-                <a:solidFill>
-                  <a:schemeClr val="accent5">
-                    <a:lumMod val="50000"/>
-                  </a:schemeClr>
-                </a:solidFill>
-                <a:latin typeface="Times New Roman" panose="02020603050405020304" pitchFamily="18" charset="0"/>
-                <a:cs typeface="Times New Roman" panose="02020603050405020304" pitchFamily="18" charset="0"/>
-              </a:rPr>
-              <a:t>Change</a:t>
-            </a:r>
-            <a:r>
-              <a:rPr lang="en-US" sz="4000" dirty="0">
-                <a:latin typeface="Times New Roman" panose="02020603050405020304" pitchFamily="18" charset="0"/>
-                <a:cs typeface="Times New Roman" panose="02020603050405020304" pitchFamily="18" charset="0"/>
-              </a:rPr>
-              <a:t> </a:t>
-            </a:r>
-            <a:r>
-              <a:rPr lang="en-US" sz="4000" dirty="0">
-                <a:solidFill>
-                  <a:schemeClr val="accent5">
-                    <a:lumMod val="50000"/>
-                  </a:schemeClr>
-                </a:solidFill>
-                <a:latin typeface="Times New Roman" panose="02020603050405020304" pitchFamily="18" charset="0"/>
-                <a:cs typeface="Times New Roman" panose="02020603050405020304" pitchFamily="18" charset="0"/>
-              </a:rPr>
-              <a:t>in speakers</a:t>
-            </a:r>
-          </a:p>
-        </p:txBody>
-      </p:sp>
-      <p:cxnSp>
-        <p:nvCxnSpPr>
-          <p:cNvPr id="62" name="Straight Arrow Connector 61"/>
-          <p:cNvCxnSpPr/>
-          <p:nvPr/>
-        </p:nvCxnSpPr>
-        <p:spPr>
-          <a:xfrm>
-            <a:off x="6206482" y="29534566"/>
-            <a:ext cx="2608748" cy="357251"/>
-          </a:xfrm>
-          <a:prstGeom prst="straightConnector1">
-            <a:avLst/>
-          </a:prstGeom>
-          <a:ln w="76200">
-            <a:solidFill>
-              <a:srgbClr val="FFFF00"/>
-            </a:solidFill>
-            <a:prstDash val="lgDashDot"/>
-            <a:tailEnd type="triangle"/>
-          </a:ln>
-        </p:spPr>
-        <p:style>
-          <a:lnRef idx="1">
-            <a:schemeClr val="accent1"/>
-          </a:lnRef>
-          <a:fillRef idx="0">
-            <a:schemeClr val="accent1"/>
-          </a:fillRef>
-          <a:effectRef idx="0">
-            <a:schemeClr val="accent1"/>
-          </a:effectRef>
-          <a:fontRef idx="minor">
-            <a:schemeClr val="tx1"/>
-          </a:fontRef>
-        </p:style>
-      </p:cxnSp>
-      <p:sp>
-        <p:nvSpPr>
-          <p:cNvPr id="66" name="TextBox 65"/>
-          <p:cNvSpPr txBox="1"/>
-          <p:nvPr/>
-        </p:nvSpPr>
-        <p:spPr>
-          <a:xfrm>
-            <a:off x="8983130" y="29523474"/>
-            <a:ext cx="4855703" cy="707886"/>
-          </a:xfrm>
-          <a:prstGeom prst="rect">
-            <a:avLst/>
-          </a:prstGeom>
-          <a:noFill/>
-        </p:spPr>
-        <p:txBody>
-          <a:bodyPr wrap="square" rtlCol="0">
-            <a:spAutoFit/>
-          </a:bodyPr>
-          <a:lstStyle/>
-          <a:p>
-            <a:r>
-              <a:rPr lang="en-US" sz="4000" dirty="0">
-                <a:solidFill>
-                  <a:schemeClr val="accent5">
-                    <a:lumMod val="50000"/>
-                  </a:schemeClr>
-                </a:solidFill>
-                <a:latin typeface="Times New Roman" panose="02020603050405020304" pitchFamily="18" charset="0"/>
-                <a:cs typeface="Times New Roman" panose="02020603050405020304" pitchFamily="18" charset="0"/>
-              </a:rPr>
-              <a:t>Speaker #2’s dialogue</a:t>
-            </a:r>
-          </a:p>
-        </p:txBody>
-      </p:sp>
-      <p:sp>
-        <p:nvSpPr>
-          <p:cNvPr id="240" name="Freeform: Shape 239"/>
-          <p:cNvSpPr/>
-          <p:nvPr/>
-        </p:nvSpPr>
-        <p:spPr>
-          <a:xfrm>
-            <a:off x="3140323" y="26708100"/>
-            <a:ext cx="5832228" cy="2152711"/>
-          </a:xfrm>
-          <a:custGeom>
-            <a:avLst/>
-            <a:gdLst>
-              <a:gd name="connsiteX0" fmla="*/ 343085 w 6096185"/>
-              <a:gd name="connsiteY0" fmla="*/ 0 h 2412099"/>
-              <a:gd name="connsiteX1" fmla="*/ 628835 w 6096185"/>
-              <a:gd name="connsiteY1" fmla="*/ 2305050 h 2412099"/>
-              <a:gd name="connsiteX2" fmla="*/ 6096185 w 6096185"/>
-              <a:gd name="connsiteY2" fmla="*/ 2057400 h 2412099"/>
-              <a:gd name="connsiteX3" fmla="*/ 6096185 w 6096185"/>
-              <a:gd name="connsiteY3" fmla="*/ 2057400 h 2412099"/>
-              <a:gd name="connsiteX0" fmla="*/ 79128 w 5832228"/>
-              <a:gd name="connsiteY0" fmla="*/ 0 h 2152711"/>
-              <a:gd name="connsiteX1" fmla="*/ 1488828 w 5832228"/>
-              <a:gd name="connsiteY1" fmla="*/ 1981200 h 2152711"/>
-              <a:gd name="connsiteX2" fmla="*/ 5832228 w 5832228"/>
-              <a:gd name="connsiteY2" fmla="*/ 2057400 h 2152711"/>
-              <a:gd name="connsiteX3" fmla="*/ 5832228 w 5832228"/>
-              <a:gd name="connsiteY3" fmla="*/ 2057400 h 2152711"/>
-            </a:gdLst>
-            <a:ahLst/>
-            <a:cxnLst>
-              <a:cxn ang="0">
-                <a:pos x="connsiteX0" y="connsiteY0"/>
-              </a:cxn>
-              <a:cxn ang="0">
-                <a:pos x="connsiteX1" y="connsiteY1"/>
-              </a:cxn>
-              <a:cxn ang="0">
-                <a:pos x="connsiteX2" y="connsiteY2"/>
-              </a:cxn>
-              <a:cxn ang="0">
-                <a:pos x="connsiteX3" y="connsiteY3"/>
-              </a:cxn>
-            </a:cxnLst>
-            <a:rect l="l" t="t" r="r" b="b"/>
-            <a:pathLst>
-              <a:path w="5832228" h="2152711">
-                <a:moveTo>
-                  <a:pt x="79128" y="0"/>
-                </a:moveTo>
-                <a:cubicBezTo>
-                  <a:pt x="-257422" y="981075"/>
-                  <a:pt x="529978" y="1638300"/>
-                  <a:pt x="1488828" y="1981200"/>
-                </a:cubicBezTo>
-                <a:cubicBezTo>
-                  <a:pt x="2447678" y="2324100"/>
-                  <a:pt x="5108328" y="2044700"/>
-                  <a:pt x="5832228" y="2057400"/>
-                </a:cubicBezTo>
-                <a:lnTo>
-                  <a:pt x="5832228" y="2057400"/>
-                </a:lnTo>
-              </a:path>
-            </a:pathLst>
-          </a:custGeom>
-          <a:noFill/>
-          <a:ln w="76200">
-            <a:solidFill>
-              <a:srgbClr val="FFFF00"/>
-            </a:solidFill>
-            <a:prstDash val="lgDashDot"/>
-            <a:headEnd type="none" w="med" len="med"/>
-            <a:tailEnd type="triangle" w="med" len="med"/>
-          </a:ln>
-        </p:spPr>
-        <p:style>
-          <a:lnRef idx="2">
-            <a:schemeClr val="accent1">
-              <a:shade val="50000"/>
-            </a:schemeClr>
-          </a:lnRef>
-          <a:fillRef idx="1">
-            <a:schemeClr val="accent1"/>
-          </a:fillRef>
-          <a:effectRef idx="0">
-            <a:schemeClr val="accent1"/>
-          </a:effectRef>
-          <a:fontRef idx="minor">
-            <a:schemeClr val="lt1"/>
-          </a:fontRef>
-        </p:style>
-        <p:txBody>
-          <a:bodyPr rtlCol="0" anchor="ctr"/>
-          <a:lstStyle/>
-          <a:p>
-            <a:pPr algn="ctr"/>
-            <a:endParaRPr lang="en-US" dirty="0"/>
-          </a:p>
-        </p:txBody>
-      </p:sp>
-      <p:sp>
-        <p:nvSpPr>
-          <p:cNvPr id="70" name="TextBox 69"/>
-          <p:cNvSpPr txBox="1"/>
-          <p:nvPr/>
-        </p:nvSpPr>
-        <p:spPr>
-          <a:xfrm>
-            <a:off x="9037783" y="28408238"/>
-            <a:ext cx="4855703" cy="707886"/>
-          </a:xfrm>
-          <a:prstGeom prst="rect">
-            <a:avLst/>
-          </a:prstGeom>
-          <a:noFill/>
-        </p:spPr>
-        <p:txBody>
-          <a:bodyPr wrap="square" rtlCol="0">
-            <a:spAutoFit/>
-          </a:bodyPr>
-          <a:lstStyle/>
-          <a:p>
-            <a:r>
-              <a:rPr lang="en-US" sz="4000" dirty="0">
-                <a:solidFill>
-                  <a:schemeClr val="accent5">
-                    <a:lumMod val="50000"/>
-                  </a:schemeClr>
-                </a:solidFill>
-                <a:latin typeface="Times New Roman" panose="02020603050405020304" pitchFamily="18" charset="0"/>
-                <a:cs typeface="Times New Roman" panose="02020603050405020304" pitchFamily="18" charset="0"/>
-              </a:rPr>
-              <a:t>Speaker #1’s dialogue</a:t>
-            </a:r>
-          </a:p>
-        </p:txBody>
-      </p:sp>
+        </p:grpSpPr>
+        <p:pic>
+          <p:nvPicPr>
+            <p:cNvPr id="7" name="Picture 6"/>
+            <p:cNvPicPr>
+              <a:picLocks noChangeAspect="1"/>
+            </p:cNvPicPr>
+            <p:nvPr/>
+          </p:nvPicPr>
+          <p:blipFill>
+            <a:blip r:embed="rId14">
+              <a:extLst>
+                <a:ext uri="{BEBA8EAE-BF5A-486C-A8C5-ECC9F3942E4B}">
+                  <a14:imgProps xmlns:a14="http://schemas.microsoft.com/office/drawing/2010/main">
+                    <a14:imgLayer r:embed="rId15">
+                      <a14:imgEffect>
+                        <a14:brightnessContrast bright="20000" contrast="20000"/>
+                      </a14:imgEffect>
+                    </a14:imgLayer>
+                  </a14:imgProps>
+                </a:ext>
+                <a:ext uri="{28A0092B-C50C-407E-A947-70E740481C1C}">
+                  <a14:useLocalDpi xmlns:a14="http://schemas.microsoft.com/office/drawing/2010/main" val="0"/>
+                </a:ext>
+              </a:extLst>
+            </a:blip>
+            <a:stretch>
+              <a:fillRect/>
+            </a:stretch>
+          </p:blipFill>
+          <p:spPr>
+            <a:xfrm>
+              <a:off x="1109538" y="25108766"/>
+              <a:ext cx="7517026" cy="7311337"/>
+            </a:xfrm>
+            <a:prstGeom prst="rect">
+              <a:avLst/>
+            </a:prstGeom>
+          </p:spPr>
+        </p:pic>
+        <p:sp>
+          <p:nvSpPr>
+            <p:cNvPr id="8" name="Oval 7"/>
+            <p:cNvSpPr/>
+            <p:nvPr/>
+          </p:nvSpPr>
+          <p:spPr>
+            <a:xfrm>
+              <a:off x="3940853" y="27318495"/>
+              <a:ext cx="4685711" cy="509923"/>
+            </a:xfrm>
+            <a:prstGeom prst="ellipse">
+              <a:avLst/>
+            </a:prstGeom>
+            <a:noFill/>
+            <a:ln w="76200">
+              <a:solidFill>
+                <a:srgbClr val="FF0000"/>
+              </a:solidFill>
+            </a:ln>
+          </p:spPr>
+          <p:style>
+            <a:lnRef idx="2">
+              <a:schemeClr val="accent1">
+                <a:shade val="50000"/>
+              </a:schemeClr>
+            </a:lnRef>
+            <a:fillRef idx="1">
+              <a:schemeClr val="accent1"/>
+            </a:fillRef>
+            <a:effectRef idx="0">
+              <a:schemeClr val="accent1"/>
+            </a:effectRef>
+            <a:fontRef idx="minor">
+              <a:schemeClr val="lt1"/>
+            </a:fontRef>
+          </p:style>
+          <p:txBody>
+            <a:bodyPr rtlCol="0" anchor="ctr"/>
+            <a:lstStyle/>
+            <a:p>
+              <a:pPr algn="ctr"/>
+              <a:endParaRPr lang="en-US"/>
+            </a:p>
+          </p:txBody>
+        </p:sp>
+        <p:cxnSp>
+          <p:nvCxnSpPr>
+            <p:cNvPr id="12" name="Straight Arrow Connector 11"/>
+            <p:cNvCxnSpPr/>
+            <p:nvPr/>
+          </p:nvCxnSpPr>
+          <p:spPr>
+            <a:xfrm>
+              <a:off x="2475105" y="25927594"/>
+              <a:ext cx="1855183" cy="1843278"/>
+            </a:xfrm>
+            <a:prstGeom prst="straightConnector1">
+              <a:avLst/>
+            </a:prstGeom>
+            <a:ln w="76200">
+              <a:solidFill>
+                <a:srgbClr val="FFFF00"/>
+              </a:solidFill>
+              <a:headEnd type="triangle"/>
+              <a:tailEnd type="triangle"/>
+            </a:ln>
+          </p:spPr>
+          <p:style>
+            <a:lnRef idx="1">
+              <a:schemeClr val="accent1"/>
+            </a:lnRef>
+            <a:fillRef idx="0">
+              <a:schemeClr val="accent1"/>
+            </a:fillRef>
+            <a:effectRef idx="0">
+              <a:schemeClr val="accent1"/>
+            </a:effectRef>
+            <a:fontRef idx="minor">
+              <a:schemeClr val="tx1"/>
+            </a:fontRef>
+          </p:style>
+        </p:cxnSp>
+        <p:cxnSp>
+          <p:nvCxnSpPr>
+            <p:cNvPr id="55" name="Straight Arrow Connector 54"/>
+            <p:cNvCxnSpPr/>
+            <p:nvPr/>
+          </p:nvCxnSpPr>
+          <p:spPr>
+            <a:xfrm>
+              <a:off x="4433973" y="27899399"/>
+              <a:ext cx="3654325" cy="3630875"/>
+            </a:xfrm>
+            <a:prstGeom prst="straightConnector1">
+              <a:avLst/>
+            </a:prstGeom>
+            <a:ln w="76200">
+              <a:solidFill>
+                <a:srgbClr val="FFFF00"/>
+              </a:solidFill>
+              <a:headEnd type="triangle"/>
+              <a:tailEnd type="triangle"/>
+            </a:ln>
+          </p:spPr>
+          <p:style>
+            <a:lnRef idx="1">
+              <a:schemeClr val="accent1"/>
+            </a:lnRef>
+            <a:fillRef idx="0">
+              <a:schemeClr val="accent1"/>
+            </a:fillRef>
+            <a:effectRef idx="0">
+              <a:schemeClr val="accent1"/>
+            </a:effectRef>
+            <a:fontRef idx="minor">
+              <a:schemeClr val="tx1"/>
+            </a:fontRef>
+          </p:style>
+        </p:cxnSp>
+        <p:cxnSp>
+          <p:nvCxnSpPr>
+            <p:cNvPr id="24" name="Straight Arrow Connector 23"/>
+            <p:cNvCxnSpPr>
+              <a:stCxn id="8" idx="6"/>
+            </p:cNvCxnSpPr>
+            <p:nvPr/>
+          </p:nvCxnSpPr>
+          <p:spPr>
+            <a:xfrm flipV="1">
+              <a:off x="8626564" y="27368400"/>
+              <a:ext cx="778650" cy="205057"/>
+            </a:xfrm>
+            <a:prstGeom prst="straightConnector1">
+              <a:avLst/>
+            </a:prstGeom>
+            <a:ln w="76200">
+              <a:solidFill>
+                <a:srgbClr val="FF0000"/>
+              </a:solidFill>
+              <a:tailEnd type="triangle"/>
+            </a:ln>
+          </p:spPr>
+          <p:style>
+            <a:lnRef idx="1">
+              <a:schemeClr val="accent1"/>
+            </a:lnRef>
+            <a:fillRef idx="0">
+              <a:schemeClr val="accent1"/>
+            </a:fillRef>
+            <a:effectRef idx="0">
+              <a:schemeClr val="accent1"/>
+            </a:effectRef>
+            <a:fontRef idx="minor">
+              <a:schemeClr val="tx1"/>
+            </a:fontRef>
+          </p:style>
+        </p:cxnSp>
+        <p:sp>
+          <p:nvSpPr>
+            <p:cNvPr id="234" name="TextBox 233"/>
+            <p:cNvSpPr txBox="1"/>
+            <p:nvPr/>
+          </p:nvSpPr>
+          <p:spPr>
+            <a:xfrm>
+              <a:off x="9629068" y="26969726"/>
+              <a:ext cx="4296276" cy="724151"/>
+            </a:xfrm>
+            <a:prstGeom prst="rect">
+              <a:avLst/>
+            </a:prstGeom>
+            <a:noFill/>
+          </p:spPr>
+          <p:txBody>
+            <a:bodyPr wrap="square" rtlCol="0">
+              <a:spAutoFit/>
+            </a:bodyPr>
+            <a:lstStyle/>
+            <a:p>
+              <a:r>
+                <a:rPr lang="en-US" sz="4000" dirty="0">
+                  <a:solidFill>
+                    <a:schemeClr val="accent5">
+                      <a:lumMod val="50000"/>
+                    </a:schemeClr>
+                  </a:solidFill>
+                  <a:latin typeface="Times New Roman" panose="02020603050405020304" pitchFamily="18" charset="0"/>
+                  <a:cs typeface="Times New Roman" panose="02020603050405020304" pitchFamily="18" charset="0"/>
+                </a:rPr>
+                <a:t>Change</a:t>
+              </a:r>
+              <a:r>
+                <a:rPr lang="en-US" sz="4000" dirty="0">
+                  <a:latin typeface="Times New Roman" panose="02020603050405020304" pitchFamily="18" charset="0"/>
+                  <a:cs typeface="Times New Roman" panose="02020603050405020304" pitchFamily="18" charset="0"/>
+                </a:rPr>
+                <a:t> </a:t>
+              </a:r>
+              <a:r>
+                <a:rPr lang="en-US" sz="4000" dirty="0">
+                  <a:solidFill>
+                    <a:schemeClr val="accent5">
+                      <a:lumMod val="50000"/>
+                    </a:schemeClr>
+                  </a:solidFill>
+                  <a:latin typeface="Times New Roman" panose="02020603050405020304" pitchFamily="18" charset="0"/>
+                  <a:cs typeface="Times New Roman" panose="02020603050405020304" pitchFamily="18" charset="0"/>
+                </a:rPr>
+                <a:t>in speakers</a:t>
+              </a:r>
+            </a:p>
+          </p:txBody>
+        </p:sp>
+        <p:cxnSp>
+          <p:nvCxnSpPr>
+            <p:cNvPr id="62" name="Straight Arrow Connector 61"/>
+            <p:cNvCxnSpPr/>
+            <p:nvPr/>
+          </p:nvCxnSpPr>
+          <p:spPr>
+            <a:xfrm>
+              <a:off x="6261135" y="29611561"/>
+              <a:ext cx="2608748" cy="357251"/>
+            </a:xfrm>
+            <a:prstGeom prst="straightConnector1">
+              <a:avLst/>
+            </a:prstGeom>
+            <a:ln w="76200">
+              <a:solidFill>
+                <a:srgbClr val="FFFF00"/>
+              </a:solidFill>
+              <a:prstDash val="lgDashDot"/>
+              <a:tailEnd type="triangle"/>
+            </a:ln>
+          </p:spPr>
+          <p:style>
+            <a:lnRef idx="1">
+              <a:schemeClr val="accent1"/>
+            </a:lnRef>
+            <a:fillRef idx="0">
+              <a:schemeClr val="accent1"/>
+            </a:fillRef>
+            <a:effectRef idx="0">
+              <a:schemeClr val="accent1"/>
+            </a:effectRef>
+            <a:fontRef idx="minor">
+              <a:schemeClr val="tx1"/>
+            </a:fontRef>
+          </p:style>
+        </p:cxnSp>
+        <p:sp>
+          <p:nvSpPr>
+            <p:cNvPr id="66" name="TextBox 65"/>
+            <p:cNvSpPr txBox="1"/>
+            <p:nvPr/>
+          </p:nvSpPr>
+          <p:spPr>
+            <a:xfrm>
+              <a:off x="9037783" y="29523474"/>
+              <a:ext cx="4855703" cy="707886"/>
+            </a:xfrm>
+            <a:prstGeom prst="rect">
+              <a:avLst/>
+            </a:prstGeom>
+            <a:noFill/>
+          </p:spPr>
+          <p:txBody>
+            <a:bodyPr wrap="square" rtlCol="0">
+              <a:spAutoFit/>
+            </a:bodyPr>
+            <a:lstStyle/>
+            <a:p>
+              <a:r>
+                <a:rPr lang="en-US" sz="4000" dirty="0">
+                  <a:solidFill>
+                    <a:schemeClr val="accent5">
+                      <a:lumMod val="50000"/>
+                    </a:schemeClr>
+                  </a:solidFill>
+                  <a:latin typeface="Times New Roman" panose="02020603050405020304" pitchFamily="18" charset="0"/>
+                  <a:cs typeface="Times New Roman" panose="02020603050405020304" pitchFamily="18" charset="0"/>
+                </a:rPr>
+                <a:t>Speaker #2’s dialogue</a:t>
+              </a:r>
+            </a:p>
+          </p:txBody>
+        </p:sp>
+        <p:sp>
+          <p:nvSpPr>
+            <p:cNvPr id="240" name="Freeform: Shape 239"/>
+            <p:cNvSpPr/>
+            <p:nvPr/>
+          </p:nvSpPr>
+          <p:spPr>
+            <a:xfrm>
+              <a:off x="3194976" y="26785095"/>
+              <a:ext cx="5832228" cy="2152711"/>
+            </a:xfrm>
+            <a:custGeom>
+              <a:avLst/>
+              <a:gdLst>
+                <a:gd name="connsiteX0" fmla="*/ 343085 w 6096185"/>
+                <a:gd name="connsiteY0" fmla="*/ 0 h 2412099"/>
+                <a:gd name="connsiteX1" fmla="*/ 628835 w 6096185"/>
+                <a:gd name="connsiteY1" fmla="*/ 2305050 h 2412099"/>
+                <a:gd name="connsiteX2" fmla="*/ 6096185 w 6096185"/>
+                <a:gd name="connsiteY2" fmla="*/ 2057400 h 2412099"/>
+                <a:gd name="connsiteX3" fmla="*/ 6096185 w 6096185"/>
+                <a:gd name="connsiteY3" fmla="*/ 2057400 h 2412099"/>
+                <a:gd name="connsiteX0" fmla="*/ 79128 w 5832228"/>
+                <a:gd name="connsiteY0" fmla="*/ 0 h 2152711"/>
+                <a:gd name="connsiteX1" fmla="*/ 1488828 w 5832228"/>
+                <a:gd name="connsiteY1" fmla="*/ 1981200 h 2152711"/>
+                <a:gd name="connsiteX2" fmla="*/ 5832228 w 5832228"/>
+                <a:gd name="connsiteY2" fmla="*/ 2057400 h 2152711"/>
+                <a:gd name="connsiteX3" fmla="*/ 5832228 w 5832228"/>
+                <a:gd name="connsiteY3" fmla="*/ 2057400 h 2152711"/>
+              </a:gdLst>
+              <a:ahLst/>
+              <a:cxnLst>
+                <a:cxn ang="0">
+                  <a:pos x="connsiteX0" y="connsiteY0"/>
+                </a:cxn>
+                <a:cxn ang="0">
+                  <a:pos x="connsiteX1" y="connsiteY1"/>
+                </a:cxn>
+                <a:cxn ang="0">
+                  <a:pos x="connsiteX2" y="connsiteY2"/>
+                </a:cxn>
+                <a:cxn ang="0">
+                  <a:pos x="connsiteX3" y="connsiteY3"/>
+                </a:cxn>
+              </a:cxnLst>
+              <a:rect l="l" t="t" r="r" b="b"/>
+              <a:pathLst>
+                <a:path w="5832228" h="2152711">
+                  <a:moveTo>
+                    <a:pt x="79128" y="0"/>
+                  </a:moveTo>
+                  <a:cubicBezTo>
+                    <a:pt x="-257422" y="981075"/>
+                    <a:pt x="529978" y="1638300"/>
+                    <a:pt x="1488828" y="1981200"/>
+                  </a:cubicBezTo>
+                  <a:cubicBezTo>
+                    <a:pt x="2447678" y="2324100"/>
+                    <a:pt x="5108328" y="2044700"/>
+                    <a:pt x="5832228" y="2057400"/>
+                  </a:cubicBezTo>
+                  <a:lnTo>
+                    <a:pt x="5832228" y="2057400"/>
+                  </a:lnTo>
+                </a:path>
+              </a:pathLst>
+            </a:custGeom>
+            <a:noFill/>
+            <a:ln w="76200">
+              <a:solidFill>
+                <a:srgbClr val="FFFF00"/>
+              </a:solidFill>
+              <a:prstDash val="lgDashDot"/>
+              <a:headEnd type="none" w="med" len="med"/>
+              <a:tailEnd type="triangle" w="med" len="med"/>
+            </a:ln>
+          </p:spPr>
+          <p:style>
+            <a:lnRef idx="2">
+              <a:schemeClr val="accent1">
+                <a:shade val="50000"/>
+              </a:schemeClr>
+            </a:lnRef>
+            <a:fillRef idx="1">
+              <a:schemeClr val="accent1"/>
+            </a:fillRef>
+            <a:effectRef idx="0">
+              <a:schemeClr val="accent1"/>
+            </a:effectRef>
+            <a:fontRef idx="minor">
+              <a:schemeClr val="lt1"/>
+            </a:fontRef>
+          </p:style>
+          <p:txBody>
+            <a:bodyPr rtlCol="0" anchor="ctr"/>
+            <a:lstStyle/>
+            <a:p>
+              <a:pPr algn="ctr"/>
+              <a:endParaRPr lang="en-US" dirty="0"/>
+            </a:p>
+          </p:txBody>
+        </p:sp>
+        <p:sp>
+          <p:nvSpPr>
+            <p:cNvPr id="70" name="TextBox 69"/>
+            <p:cNvSpPr txBox="1"/>
+            <p:nvPr/>
+          </p:nvSpPr>
+          <p:spPr>
+            <a:xfrm>
+              <a:off x="9092436" y="28408238"/>
+              <a:ext cx="4855703" cy="707886"/>
+            </a:xfrm>
+            <a:prstGeom prst="rect">
+              <a:avLst/>
+            </a:prstGeom>
+            <a:noFill/>
+          </p:spPr>
+          <p:txBody>
+            <a:bodyPr wrap="square" rtlCol="0">
+              <a:spAutoFit/>
+            </a:bodyPr>
+            <a:lstStyle/>
+            <a:p>
+              <a:r>
+                <a:rPr lang="en-US" sz="4000" dirty="0">
+                  <a:solidFill>
+                    <a:schemeClr val="accent5">
+                      <a:lumMod val="50000"/>
+                    </a:schemeClr>
+                  </a:solidFill>
+                  <a:latin typeface="Times New Roman" panose="02020603050405020304" pitchFamily="18" charset="0"/>
+                  <a:cs typeface="Times New Roman" panose="02020603050405020304" pitchFamily="18" charset="0"/>
+                </a:rPr>
+                <a:t>Speaker #1’s dialogue</a:t>
+              </a:r>
+            </a:p>
+          </p:txBody>
+        </p:sp>
+      </p:grpSp>
       <p:pic>
         <p:nvPicPr>
           <p:cNvPr id="39" name="Picture 38"/>
@@ -16750,7 +18782,7 @@
           <p:nvPr/>
         </p:nvPicPr>
         <p:blipFill>
-          <a:blip r:embed="rId15">
+          <a:blip r:embed="rId16">
             <a:extLst>
               <a:ext uri="{28A0092B-C50C-407E-A947-70E740481C1C}">
                 <a14:useLocalDpi xmlns:a14="http://schemas.microsoft.com/office/drawing/2010/main" val="0"/>
@@ -16780,7 +18812,7 @@
           <p:nvPr/>
         </p:nvPicPr>
         <p:blipFill>
-          <a:blip r:embed="rId16">
+          <a:blip r:embed="rId17">
             <a:extLst>
               <a:ext uri="{28A0092B-C50C-407E-A947-70E740481C1C}">
                 <a14:useLocalDpi xmlns:a14="http://schemas.microsoft.com/office/drawing/2010/main" val="0"/>
@@ -16826,7 +18858,7 @@
           <a:lstStyle/>
           <a:p>
             <a:r>
-              <a:rPr lang="en-US" sz="2800" smtClean="0">
+              <a:rPr lang="en-US" sz="2800">
                 <a:solidFill>
                   <a:schemeClr val="bg1"/>
                 </a:solidFill>
@@ -16870,7 +18902,7 @@
           <a:lstStyle/>
           <a:p>
             <a:r>
-              <a:rPr lang="en-US" sz="2800" dirty="0" smtClean="0">
+              <a:rPr lang="en-US" sz="2800" dirty="0">
                 <a:solidFill>
                   <a:schemeClr val="bg1"/>
                 </a:solidFill>
@@ -16879,13 +18911,6 @@
               </a:rPr>
               <a:t>2b</a:t>
             </a:r>
-            <a:endParaRPr lang="en-US" sz="2800" dirty="0">
-              <a:solidFill>
-                <a:schemeClr val="bg1"/>
-              </a:solidFill>
-              <a:latin typeface="Times New Roman" panose="02020603050405020304" pitchFamily="18" charset="0"/>
-              <a:cs typeface="Times New Roman" panose="02020603050405020304" pitchFamily="18" charset="0"/>
-            </a:endParaRPr>
           </a:p>
         </p:txBody>
       </p:sp>
@@ -16898,7 +18923,7 @@
           <p:nvPr/>
         </p:nvPicPr>
         <p:blipFill>
-          <a:blip r:embed="rId17">
+          <a:blip r:embed="rId18">
             <a:extLst>
               <a:ext uri="{28A0092B-C50C-407E-A947-70E740481C1C}">
                 <a14:useLocalDpi xmlns:a14="http://schemas.microsoft.com/office/drawing/2010/main" val="0"/>
@@ -16944,7 +18969,7 @@
           <a:lstStyle/>
           <a:p>
             <a:r>
-              <a:rPr lang="en-US" sz="2800" smtClean="0">
+              <a:rPr lang="en-US" sz="2800">
                 <a:solidFill>
                   <a:schemeClr val="bg1"/>
                 </a:solidFill>
@@ -17107,6 +19132,96 @@
           </a:fontRef>
         </p:style>
       </p:cxnSp>
+      <p:graphicFrame>
+        <p:nvGraphicFramePr>
+          <p:cNvPr id="48" name="Chart 47">
+            <a:extLst>
+              <a:ext uri="{FF2B5EF4-FFF2-40B4-BE49-F238E27FC236}">
+                <a16:creationId xmlns:a16="http://schemas.microsoft.com/office/drawing/2014/main" id="{E5183793-22C3-404D-A526-12117498FDE2}"/>
+              </a:ext>
+            </a:extLst>
+          </p:cNvPr>
+          <p:cNvGraphicFramePr>
+            <a:graphicFrameLocks/>
+          </p:cNvGraphicFramePr>
+          <p:nvPr>
+            <p:extLst>
+              <p:ext uri="{D42A27DB-BD31-4B8C-83A1-F6EECF244321}">
+                <p14:modId xmlns:p14="http://schemas.microsoft.com/office/powerpoint/2010/main" val="4263559025"/>
+              </p:ext>
+            </p:extLst>
+          </p:nvPr>
+        </p:nvGraphicFramePr>
+        <p:xfrm>
+          <a:off x="20517715" y="7598363"/>
+          <a:ext cx="8593844" cy="5003202"/>
+        </p:xfrm>
+        <a:graphic>
+          <a:graphicData uri="http://schemas.openxmlformats.org/drawingml/2006/chart">
+            <c:chart xmlns:c="http://schemas.openxmlformats.org/drawingml/2006/chart" xmlns:r="http://schemas.openxmlformats.org/officeDocument/2006/relationships" r:id="rId19"/>
+          </a:graphicData>
+        </a:graphic>
+      </p:graphicFrame>
+      <p:graphicFrame>
+        <p:nvGraphicFramePr>
+          <p:cNvPr id="53" name="Chart 52">
+            <a:extLst>
+              <a:ext uri="{FF2B5EF4-FFF2-40B4-BE49-F238E27FC236}">
+                <a16:creationId xmlns:a16="http://schemas.microsoft.com/office/drawing/2014/main" id="{47A63E27-C029-44A2-A9E2-0EB713C6092A}"/>
+              </a:ext>
+            </a:extLst>
+          </p:cNvPr>
+          <p:cNvGraphicFramePr>
+            <a:graphicFrameLocks/>
+          </p:cNvGraphicFramePr>
+          <p:nvPr>
+            <p:extLst>
+              <p:ext uri="{D42A27DB-BD31-4B8C-83A1-F6EECF244321}">
+                <p14:modId xmlns:p14="http://schemas.microsoft.com/office/powerpoint/2010/main" val="1324069107"/>
+              </p:ext>
+            </p:extLst>
+          </p:nvPr>
+        </p:nvGraphicFramePr>
+        <p:xfrm>
+          <a:off x="20517716" y="12679686"/>
+          <a:ext cx="8593844" cy="4593346"/>
+        </p:xfrm>
+        <a:graphic>
+          <a:graphicData uri="http://schemas.openxmlformats.org/drawingml/2006/chart">
+            <c:chart xmlns:c="http://schemas.openxmlformats.org/drawingml/2006/chart" xmlns:r="http://schemas.openxmlformats.org/officeDocument/2006/relationships" r:id="rId20"/>
+          </a:graphicData>
+        </a:graphic>
+      </p:graphicFrame>
+      <p:pic>
+        <p:nvPicPr>
+          <p:cNvPr id="16" name="Picture 15"/>
+          <p:cNvPicPr>
+            <a:picLocks noChangeAspect="1"/>
+          </p:cNvPicPr>
+          <p:nvPr/>
+        </p:nvPicPr>
+        <p:blipFill>
+          <a:blip r:embed="rId21">
+            <a:extLst>
+              <a:ext uri="{28A0092B-C50C-407E-A947-70E740481C1C}">
+                <a14:useLocalDpi xmlns:a14="http://schemas.microsoft.com/office/drawing/2010/main" val="0"/>
+              </a:ext>
+            </a:extLst>
+          </a:blip>
+          <a:stretch>
+            <a:fillRect/>
+          </a:stretch>
+        </p:blipFill>
+        <p:spPr>
+          <a:xfrm>
+            <a:off x="2563829" y="14289661"/>
+            <a:ext cx="12283887" cy="3246357"/>
+          </a:xfrm>
+          <a:prstGeom prst="rect">
+            <a:avLst/>
+          </a:prstGeom>
+        </p:spPr>
+      </p:pic>
     </p:spTree>
     <p:extLst>
       <p:ext uri="{BB962C8B-B14F-4D97-AF65-F5344CB8AC3E}">

--- a/Poster.pptx
+++ b/Poster.pptx
@@ -179,7 +179,7 @@
 </file>
 
 <file path=ppt/charts/chart1.xml><?xml version="1.0" encoding="utf-8"?>
-<c:chartSpace xmlns:c="http://schemas.openxmlformats.org/drawingml/2006/chart" xmlns:a="http://schemas.openxmlformats.org/drawingml/2006/main" xmlns:r="http://schemas.openxmlformats.org/officeDocument/2006/relationships" xmlns:c16r2="http://schemas.microsoft.com/office/drawing/2015/06/chart">
+<c:chartSpace xmlns:c="http://schemas.openxmlformats.org/drawingml/2006/chart" xmlns:a="http://schemas.openxmlformats.org/drawingml/2006/main" xmlns:r="http://schemas.openxmlformats.org/officeDocument/2006/relationships">
   <c:date1904 val="0"/>
   <c:lang val="en-US"/>
   <c:roundedCorners val="0"/>
@@ -232,6 +232,7 @@
           </a:p>
         </c:rich>
       </c:tx>
+      <c:layout/>
       <c:overlay val="0"/>
       <c:spPr>
         <a:noFill/>
@@ -265,10 +266,10 @@
           <c:layoutTarget val="inner"/>
           <c:xMode val="edge"/>
           <c:yMode val="edge"/>
-          <c:x val="7.6225187198134883E-2"/>
-          <c:y val="0.20598053691804266"/>
-          <c:w val="0.9155301837270341"/>
-          <c:h val="0.65675477678830829"/>
+          <c:x val="0.0762251871981349"/>
+          <c:y val="0.205980536918043"/>
+          <c:w val="0.915530183727034"/>
+          <c:h val="0.656754776788308"/>
         </c:manualLayout>
       </c:layout>
       <c:barChart>
@@ -334,27 +335,27 @@
                 <c:formatCode>General</c:formatCode>
                 <c:ptCount val="6"/>
                 <c:pt idx="0">
-                  <c:v>0.89285714289999996</c:v>
+                  <c:v>0.8928571429</c:v>
                 </c:pt>
                 <c:pt idx="1">
-                  <c:v>0.74358974359999996</c:v>
+                  <c:v>0.7435897436</c:v>
                 </c:pt>
                 <c:pt idx="2">
-                  <c:v>0.86956521740000003</c:v>
+                  <c:v>0.8695652174</c:v>
                 </c:pt>
                 <c:pt idx="3">
                   <c:v>0.92</c:v>
                 </c:pt>
                 <c:pt idx="4">
-                  <c:v>0.70454545449999995</c:v>
+                  <c:v>0.7045454545</c:v>
                 </c:pt>
                 <c:pt idx="5">
-                  <c:v>0.70454545449999995</c:v>
+                  <c:v>0.7045454545</c:v>
                 </c:pt>
               </c:numCache>
             </c:numRef>
           </c:val>
-          <c:extLst>
+          <c:extLst xmlns:c16r2="http://schemas.microsoft.com/office/drawing/2015/06/chart">
             <c:ext xmlns:c16="http://schemas.microsoft.com/office/drawing/2014/chart" uri="{C3380CC4-5D6E-409C-BE32-E72D297353CC}">
               <c16:uniqueId val="{00000000-D993-4FC7-8EFA-FBB5382EB190}"/>
             </c:ext>
@@ -419,27 +420,27 @@
                 <c:formatCode>General</c:formatCode>
                 <c:ptCount val="6"/>
                 <c:pt idx="0">
-                  <c:v>0.84210526320000001</c:v>
+                  <c:v>0.8421052632</c:v>
                 </c:pt>
                 <c:pt idx="1">
-                  <c:v>0.85714285710000004</c:v>
+                  <c:v>0.8571428571</c:v>
                 </c:pt>
                 <c:pt idx="2">
                   <c:v>0.05</c:v>
                 </c:pt>
                 <c:pt idx="3">
-                  <c:v>0.80952380950000002</c:v>
+                  <c:v>0.8095238095</c:v>
                 </c:pt>
                 <c:pt idx="4">
-                  <c:v>0.83333333330000003</c:v>
+                  <c:v>0.8333333333</c:v>
                 </c:pt>
                 <c:pt idx="5">
-                  <c:v>0.83333333330000003</c:v>
+                  <c:v>0.8333333333</c:v>
                 </c:pt>
               </c:numCache>
             </c:numRef>
           </c:val>
-          <c:extLst>
+          <c:extLst xmlns:c16r2="http://schemas.microsoft.com/office/drawing/2015/06/chart">
             <c:ext xmlns:c16="http://schemas.microsoft.com/office/drawing/2014/chart" uri="{C3380CC4-5D6E-409C-BE32-E72D297353CC}">
               <c16:uniqueId val="{00000001-D993-4FC7-8EFA-FBB5382EB190}"/>
             </c:ext>
@@ -455,11 +456,11 @@
         </c:dLbls>
         <c:gapWidth val="219"/>
         <c:overlap val="-27"/>
-        <c:axId val="515106232"/>
-        <c:axId val="515109840"/>
+        <c:axId val="-1113042240"/>
+        <c:axId val="-1113037536"/>
       </c:barChart>
       <c:catAx>
-        <c:axId val="515106232"/>
+        <c:axId val="-1113042240"/>
         <c:scaling>
           <c:orientation val="minMax"/>
         </c:scaling>
@@ -502,7 +503,7 @@
             <a:endParaRPr lang="en-US"/>
           </a:p>
         </c:txPr>
-        <c:crossAx val="515109840"/>
+        <c:crossAx val="-1113037536"/>
         <c:crosses val="autoZero"/>
         <c:auto val="1"/>
         <c:lblAlgn val="ctr"/>
@@ -510,7 +511,7 @@
         <c:noMultiLvlLbl val="0"/>
       </c:catAx>
       <c:valAx>
-        <c:axId val="515109840"/>
+        <c:axId val="-1113037536"/>
         <c:scaling>
           <c:orientation val="minMax"/>
         </c:scaling>
@@ -561,7 +562,7 @@
             <a:endParaRPr lang="en-US"/>
           </a:p>
         </c:txPr>
-        <c:crossAx val="515106232"/>
+        <c:crossAx val="-1113042240"/>
         <c:crosses val="autoZero"/>
         <c:crossBetween val="between"/>
       </c:valAx>
@@ -579,10 +580,10 @@
         <c:manualLayout>
           <c:xMode val="edge"/>
           <c:yMode val="edge"/>
-          <c:x val="0.76822662075497439"/>
-          <c:y val="0.11528791246781241"/>
-          <c:w val="0.22211065359949272"/>
-          <c:h val="0.16997625876573028"/>
+          <c:x val="0.768226620754974"/>
+          <c:y val="0.115287912467812"/>
+          <c:w val="0.222110653599493"/>
+          <c:h val="0.16997625876573"/>
         </c:manualLayout>
       </c:layout>
       <c:overlay val="0"/>
@@ -642,7 +643,7 @@
 </file>
 
 <file path=ppt/charts/chart2.xml><?xml version="1.0" encoding="utf-8"?>
-<c:chartSpace xmlns:c="http://schemas.openxmlformats.org/drawingml/2006/chart" xmlns:a="http://schemas.openxmlformats.org/drawingml/2006/main" xmlns:r="http://schemas.openxmlformats.org/officeDocument/2006/relationships" xmlns:c16r2="http://schemas.microsoft.com/office/drawing/2015/06/chart">
+<c:chartSpace xmlns:c="http://schemas.openxmlformats.org/drawingml/2006/chart" xmlns:a="http://schemas.openxmlformats.org/drawingml/2006/main" xmlns:r="http://schemas.openxmlformats.org/officeDocument/2006/relationships">
   <c:date1904 val="0"/>
   <c:lang val="en-US"/>
   <c:roundedCorners val="0"/>
@@ -686,8 +687,8 @@
         <c:manualLayout>
           <c:xMode val="edge"/>
           <c:yMode val="edge"/>
-          <c:x val="0.19698949620216519"/>
-          <c:y val="4.2064107515523537E-2"/>
+          <c:x val="0.196989496202165"/>
+          <c:y val="0.0420641075155235"/>
         </c:manualLayout>
       </c:layout>
       <c:overlay val="0"/>
@@ -723,10 +724,10 @@
           <c:layoutTarget val="inner"/>
           <c:xMode val="edge"/>
           <c:yMode val="edge"/>
-          <c:x val="5.6886751111484758E-2"/>
-          <c:y val="0.16575738034974941"/>
-          <c:w val="0.92138892502867686"/>
-          <c:h val="0.71397322336830915"/>
+          <c:x val="0.0568867511114848"/>
+          <c:y val="0.165757380349749"/>
+          <c:w val="0.921388925028677"/>
+          <c:h val="0.713973223368309"/>
         </c:manualLayout>
       </c:layout>
       <c:barChart>
@@ -792,27 +793,27 @@
                 <c:formatCode>General</c:formatCode>
                 <c:ptCount val="6"/>
                 <c:pt idx="0">
-                  <c:v>0.34285714290000002</c:v>
+                  <c:v>0.3428571429</c:v>
                 </c:pt>
                 <c:pt idx="1">
-                  <c:v>0.29629629629999998</c:v>
+                  <c:v>0.2962962963</c:v>
                 </c:pt>
                 <c:pt idx="2">
-                  <c:v>0.29629629629999998</c:v>
+                  <c:v>0.2962962963</c:v>
                 </c:pt>
                 <c:pt idx="3">
-                  <c:v>8.3333333329999995E-2</c:v>
+                  <c:v>0.08333333333</c:v>
                 </c:pt>
                 <c:pt idx="4">
-                  <c:v>0.29629629629999998</c:v>
+                  <c:v>0.2962962963</c:v>
                 </c:pt>
                 <c:pt idx="5">
-                  <c:v>0.29629629629999998</c:v>
+                  <c:v>0.2962962963</c:v>
                 </c:pt>
               </c:numCache>
             </c:numRef>
           </c:val>
-          <c:extLst>
+          <c:extLst xmlns:c16r2="http://schemas.microsoft.com/office/drawing/2015/06/chart">
             <c:ext xmlns:c16="http://schemas.microsoft.com/office/drawing/2014/chart" uri="{C3380CC4-5D6E-409C-BE32-E72D297353CC}">
               <c16:uniqueId val="{00000000-B95F-4CFA-AE36-B51A3E54ABDB}"/>
             </c:ext>
@@ -877,10 +878,10 @@
                 <c:formatCode>General</c:formatCode>
                 <c:ptCount val="6"/>
                 <c:pt idx="0">
-                  <c:v>0.51359516620000001</c:v>
+                  <c:v>0.5135951662</c:v>
                 </c:pt>
                 <c:pt idx="1">
-                  <c:v>0.49681528660000002</c:v>
+                  <c:v>0.4968152866</c:v>
                 </c:pt>
                 <c:pt idx="2">
                   <c:v>0.05</c:v>
@@ -889,15 +890,15 @@
                   <c:v>0.05</c:v>
                 </c:pt>
                 <c:pt idx="4">
-                  <c:v>0.59259259259999997</c:v>
+                  <c:v>0.5925925926</c:v>
                 </c:pt>
                 <c:pt idx="5">
-                  <c:v>0.59259259259999997</c:v>
+                  <c:v>0.5925925926</c:v>
                 </c:pt>
               </c:numCache>
             </c:numRef>
           </c:val>
-          <c:extLst>
+          <c:extLst xmlns:c16r2="http://schemas.microsoft.com/office/drawing/2015/06/chart">
             <c:ext xmlns:c16="http://schemas.microsoft.com/office/drawing/2014/chart" uri="{C3380CC4-5D6E-409C-BE32-E72D297353CC}">
               <c16:uniqueId val="{00000001-B95F-4CFA-AE36-B51A3E54ABDB}"/>
             </c:ext>
@@ -962,16 +963,16 @@
                 <c:formatCode>General</c:formatCode>
                 <c:ptCount val="6"/>
                 <c:pt idx="0">
-                  <c:v>0.62983425410000005</c:v>
+                  <c:v>0.6298342541</c:v>
                 </c:pt>
                 <c:pt idx="1">
-                  <c:v>0.30821917809999999</c:v>
+                  <c:v>0.3082191781</c:v>
                 </c:pt>
                 <c:pt idx="2">
                   <c:v>0.05</c:v>
                 </c:pt>
                 <c:pt idx="3">
-                  <c:v>0.48484848479999998</c:v>
+                  <c:v>0.4848484848</c:v>
                 </c:pt>
                 <c:pt idx="4">
                   <c:v>0.05</c:v>
@@ -982,7 +983,7 @@
               </c:numCache>
             </c:numRef>
           </c:val>
-          <c:extLst>
+          <c:extLst xmlns:c16r2="http://schemas.microsoft.com/office/drawing/2015/06/chart">
             <c:ext xmlns:c16="http://schemas.microsoft.com/office/drawing/2014/chart" uri="{C3380CC4-5D6E-409C-BE32-E72D297353CC}">
               <c16:uniqueId val="{00000002-B95F-4CFA-AE36-B51A3E54ABDB}"/>
             </c:ext>
@@ -998,11 +999,11 @@
         </c:dLbls>
         <c:gapWidth val="219"/>
         <c:overlap val="-27"/>
-        <c:axId val="516734984"/>
-        <c:axId val="516741216"/>
+        <c:axId val="-1112368528"/>
+        <c:axId val="-1112363664"/>
       </c:barChart>
       <c:catAx>
-        <c:axId val="516734984"/>
+        <c:axId val="-1112368528"/>
         <c:scaling>
           <c:orientation val="minMax"/>
         </c:scaling>
@@ -1042,7 +1043,7 @@
             <a:endParaRPr lang="en-US"/>
           </a:p>
         </c:txPr>
-        <c:crossAx val="516741216"/>
+        <c:crossAx val="-1112363664"/>
         <c:crosses val="autoZero"/>
         <c:auto val="1"/>
         <c:lblAlgn val="ctr"/>
@@ -1050,10 +1051,10 @@
         <c:noMultiLvlLbl val="0"/>
       </c:catAx>
       <c:valAx>
-        <c:axId val="516741216"/>
+        <c:axId val="-1112363664"/>
         <c:scaling>
           <c:orientation val="minMax"/>
-          <c:max val="1"/>
+          <c:max val="1.0"/>
         </c:scaling>
         <c:delete val="0"/>
         <c:axPos val="l"/>
@@ -1098,7 +1099,7 @@
             <a:endParaRPr lang="en-US"/>
           </a:p>
         </c:txPr>
-        <c:crossAx val="516734984"/>
+        <c:crossAx val="-1112368528"/>
         <c:crosses val="autoZero"/>
         <c:crossBetween val="between"/>
       </c:valAx>
@@ -1116,10 +1117,10 @@
         <c:manualLayout>
           <c:xMode val="edge"/>
           <c:yMode val="edge"/>
-          <c:x val="0.78745826922509765"/>
-          <c:y val="0.14062297941413515"/>
-          <c:w val="0.18257392825896759"/>
-          <c:h val="0.25508782926793433"/>
+          <c:x val="0.787458269225097"/>
+          <c:y val="0.140622979414135"/>
+          <c:w val="0.182573928258968"/>
+          <c:h val="0.255087829267934"/>
         </c:manualLayout>
       </c:layout>
       <c:overlay val="1"/>
@@ -2374,7 +2375,7 @@
               <a:pPr>
                 <a:defRPr/>
               </a:pPr>
-              <a:t>3/16/2017</a:t>
+              <a:t>3/16/17</a:t>
             </a:fld>
             <a:endParaRPr lang="en-US" dirty="0"/>
           </a:p>
@@ -6717,6 +6718,15 @@
                 </a:rPr>
                 <a:t>PosterPresentations.com</a:t>
               </a:r>
+              <a:r>
+                <a:rPr lang="en-US" sz="2800" dirty="0">
+                  <a:solidFill>
+                    <a:schemeClr val="bg1"/>
+                  </a:solidFill>
+                  <a:latin typeface="Trebuchet MS" pitchFamily="34" charset="0"/>
+                </a:rPr>
+                <a:t/>
+              </a:r>
               <a:br>
                 <a:rPr lang="en-US" sz="2800" dirty="0">
                   <a:solidFill>
@@ -6952,6 +6962,15 @@
             </a:p>
             <a:p>
               <a:pPr algn="l"/>
+              <a:r>
+                <a:rPr lang="en-US" sz="2800" b="1" baseline="0" dirty="0">
+                  <a:solidFill>
+                    <a:schemeClr val="bg1"/>
+                  </a:solidFill>
+                  <a:latin typeface="Trebuchet MS" pitchFamily="34" charset="0"/>
+                </a:rPr>
+                <a:t/>
+              </a:r>
               <a:br>
                 <a:rPr lang="en-US" sz="2800" b="1" baseline="0" dirty="0">
                   <a:solidFill>
@@ -7560,7 +7579,7 @@
               <a:graphicData uri="http://schemas.openxmlformats.org/presentationml/2006/ole">
                 <mc:AlternateContent xmlns:mc="http://schemas.openxmlformats.org/markup-compatibility/2006">
                   <mc:Choice xmlns:v="urn:schemas-microsoft-com:vml" Requires="v">
-                    <p:oleObj spid="_x0000_s1165" name="Image" r:id="rId8" imgW="1828440" imgH="1117440" progId="Photoshop.Image.13">
+                    <p:oleObj spid="_x0000_s1182" name="Image" r:id="rId8" imgW="1828440" imgH="1117440" progId="Photoshop.Image.13">
                       <p:embed/>
                     </p:oleObj>
                   </mc:Choice>
@@ -7617,7 +7636,7 @@
               <a:graphicData uri="http://schemas.openxmlformats.org/presentationml/2006/ole">
                 <mc:AlternateContent xmlns:mc="http://schemas.openxmlformats.org/markup-compatibility/2006">
                   <mc:Choice xmlns:v="urn:schemas-microsoft-com:vml" Requires="v">
-                    <p:oleObj spid="_x0000_s1166" name="Image" r:id="rId10" imgW="1828440" imgH="1117440" progId="Photoshop.Image.13">
+                    <p:oleObj spid="_x0000_s1183" name="Image" r:id="rId10" imgW="1828440" imgH="1117440" progId="Photoshop.Image.13">
                       <p:embed/>
                     </p:oleObj>
                   </mc:Choice>
@@ -8740,7 +8759,7 @@
             <a:graphicData uri="http://schemas.openxmlformats.org/presentationml/2006/ole">
               <mc:AlternateContent xmlns:mc="http://schemas.openxmlformats.org/markup-compatibility/2006">
                 <mc:Choice xmlns:v="urn:schemas-microsoft-com:vml" Requires="v">
-                  <p:oleObj spid="_x0000_s1167" name="Image" r:id="rId12" imgW="4571280" imgH="1688760" progId="Photoshop.Image.13">
+                  <p:oleObj spid="_x0000_s1184" name="Image" r:id="rId12" imgW="4571280" imgH="1688760" progId="Photoshop.Image.13">
                     <p:embed/>
                   </p:oleObj>
                 </mc:Choice>
@@ -8824,7 +8843,7 @@
             <a:graphicData uri="http://schemas.openxmlformats.org/presentationml/2006/ole">
               <mc:AlternateContent xmlns:mc="http://schemas.openxmlformats.org/markup-compatibility/2006">
                 <mc:Choice xmlns:v="urn:schemas-microsoft-com:vml" Requires="v">
-                  <p:oleObj spid="_x0000_s1168" name="Image" r:id="rId15" imgW="1574280" imgH="1053720" progId="Photoshop.Image.13">
+                  <p:oleObj spid="_x0000_s1185" name="Image" r:id="rId15" imgW="1574280" imgH="1053720" progId="Photoshop.Image.13">
                     <p:embed/>
                   </p:oleObj>
                 </mc:Choice>
@@ -9152,6 +9171,14 @@
                   </a:solidFill>
                 </a:rPr>
                 <a:t>94710</a:t>
+              </a:r>
+              <a:r>
+                <a:rPr lang="en-US" sz="2400" baseline="0" dirty="0">
+                  <a:solidFill>
+                    <a:schemeClr val="bg1"/>
+                  </a:solidFill>
+                </a:rPr>
+                <a:t/>
               </a:r>
               <a:br>
                 <a:rPr lang="en-US" sz="2400" baseline="0" dirty="0">
@@ -10232,6 +10259,15 @@
                 </a:rPr>
                 <a:t>PosterPresentations.com</a:t>
               </a:r>
+              <a:r>
+                <a:rPr lang="en-US" sz="2800" dirty="0">
+                  <a:solidFill>
+                    <a:schemeClr val="bg1"/>
+                  </a:solidFill>
+                  <a:latin typeface="Trebuchet MS" pitchFamily="34" charset="0"/>
+                </a:rPr>
+                <a:t/>
+              </a:r>
               <a:br>
                 <a:rPr lang="en-US" sz="2800" dirty="0">
                   <a:solidFill>
@@ -10467,6 +10503,15 @@
             </a:p>
             <a:p>
               <a:pPr algn="l"/>
+              <a:r>
+                <a:rPr lang="en-US" sz="2800" b="1" baseline="0" dirty="0">
+                  <a:solidFill>
+                    <a:schemeClr val="bg1"/>
+                  </a:solidFill>
+                  <a:latin typeface="Trebuchet MS" pitchFamily="34" charset="0"/>
+                </a:rPr>
+                <a:t/>
+              </a:r>
               <a:br>
                 <a:rPr lang="en-US" sz="2800" b="1" baseline="0" dirty="0">
                   <a:solidFill>
@@ -11075,7 +11120,7 @@
               <a:graphicData uri="http://schemas.openxmlformats.org/presentationml/2006/ole">
                 <mc:AlternateContent xmlns:mc="http://schemas.openxmlformats.org/markup-compatibility/2006">
                   <mc:Choice xmlns:v="urn:schemas-microsoft-com:vml" Requires="v">
-                    <p:oleObj spid="_x0000_s2189" name="Image" r:id="rId8" imgW="1828440" imgH="1117440" progId="Photoshop.Image.13">
+                    <p:oleObj spid="_x0000_s2206" name="Image" r:id="rId8" imgW="1828440" imgH="1117440" progId="Photoshop.Image.13">
                       <p:embed/>
                     </p:oleObj>
                   </mc:Choice>
@@ -11132,7 +11177,7 @@
               <a:graphicData uri="http://schemas.openxmlformats.org/presentationml/2006/ole">
                 <mc:AlternateContent xmlns:mc="http://schemas.openxmlformats.org/markup-compatibility/2006">
                   <mc:Choice xmlns:v="urn:schemas-microsoft-com:vml" Requires="v">
-                    <p:oleObj spid="_x0000_s2190" name="Image" r:id="rId10" imgW="1828440" imgH="1117440" progId="Photoshop.Image.13">
+                    <p:oleObj spid="_x0000_s2207" name="Image" r:id="rId10" imgW="1828440" imgH="1117440" progId="Photoshop.Image.13">
                       <p:embed/>
                     </p:oleObj>
                   </mc:Choice>
@@ -12255,7 +12300,7 @@
             <a:graphicData uri="http://schemas.openxmlformats.org/presentationml/2006/ole">
               <mc:AlternateContent xmlns:mc="http://schemas.openxmlformats.org/markup-compatibility/2006">
                 <mc:Choice xmlns:v="urn:schemas-microsoft-com:vml" Requires="v">
-                  <p:oleObj spid="_x0000_s2191" name="Image" r:id="rId12" imgW="4571280" imgH="1688760" progId="Photoshop.Image.13">
+                  <p:oleObj spid="_x0000_s2208" name="Image" r:id="rId12" imgW="4571280" imgH="1688760" progId="Photoshop.Image.13">
                     <p:embed/>
                   </p:oleObj>
                 </mc:Choice>
@@ -12339,7 +12384,7 @@
             <a:graphicData uri="http://schemas.openxmlformats.org/presentationml/2006/ole">
               <mc:AlternateContent xmlns:mc="http://schemas.openxmlformats.org/markup-compatibility/2006">
                 <mc:Choice xmlns:v="urn:schemas-microsoft-com:vml" Requires="v">
-                  <p:oleObj spid="_x0000_s2192" name="Image" r:id="rId15" imgW="1574280" imgH="1053720" progId="Photoshop.Image.13">
+                  <p:oleObj spid="_x0000_s2209" name="Image" r:id="rId15" imgW="1574280" imgH="1053720" progId="Photoshop.Image.13">
                     <p:embed/>
                   </p:oleObj>
                 </mc:Choice>
@@ -12668,6 +12713,14 @@
                 </a:solidFill>
               </a:rPr>
               <a:t>94710</a:t>
+            </a:r>
+            <a:r>
+              <a:rPr lang="en-US" sz="2400" baseline="0" dirty="0">
+                <a:solidFill>
+                  <a:schemeClr val="bg1"/>
+                </a:solidFill>
+              </a:rPr>
+              <a:t/>
             </a:r>
             <a:br>
               <a:rPr lang="en-US" sz="2400" baseline="0" dirty="0">
@@ -13931,6 +13984,15 @@
                 </a:rPr>
                 <a:t>PosterPresentations.com</a:t>
               </a:r>
+              <a:r>
+                <a:rPr lang="en-US" sz="2800" dirty="0">
+                  <a:solidFill>
+                    <a:schemeClr val="bg1"/>
+                  </a:solidFill>
+                  <a:latin typeface="Trebuchet MS" pitchFamily="34" charset="0"/>
+                </a:rPr>
+                <a:t/>
+              </a:r>
               <a:br>
                 <a:rPr lang="en-US" sz="2800" dirty="0">
                   <a:solidFill>
@@ -14166,6 +14228,15 @@
             </a:p>
             <a:p>
               <a:pPr algn="l"/>
+              <a:r>
+                <a:rPr lang="en-US" sz="2800" b="1" baseline="0" dirty="0">
+                  <a:solidFill>
+                    <a:schemeClr val="bg1"/>
+                  </a:solidFill>
+                  <a:latin typeface="Trebuchet MS" pitchFamily="34" charset="0"/>
+                </a:rPr>
+                <a:t/>
+              </a:r>
               <a:br>
                 <a:rPr lang="en-US" sz="2800" b="1" baseline="0" dirty="0">
                   <a:solidFill>
@@ -14774,7 +14845,7 @@
               <a:graphicData uri="http://schemas.openxmlformats.org/presentationml/2006/ole">
                 <mc:AlternateContent xmlns:mc="http://schemas.openxmlformats.org/markup-compatibility/2006">
                   <mc:Choice xmlns:v="urn:schemas-microsoft-com:vml" Requires="v">
-                    <p:oleObj spid="_x0000_s3213" name="Image" r:id="rId8" imgW="1828440" imgH="1117440" progId="Photoshop.Image.13">
+                    <p:oleObj spid="_x0000_s3230" name="Image" r:id="rId8" imgW="1828440" imgH="1117440" progId="Photoshop.Image.13">
                       <p:embed/>
                     </p:oleObj>
                   </mc:Choice>
@@ -14831,7 +14902,7 @@
               <a:graphicData uri="http://schemas.openxmlformats.org/presentationml/2006/ole">
                 <mc:AlternateContent xmlns:mc="http://schemas.openxmlformats.org/markup-compatibility/2006">
                   <mc:Choice xmlns:v="urn:schemas-microsoft-com:vml" Requires="v">
-                    <p:oleObj spid="_x0000_s3214" name="Image" r:id="rId10" imgW="1828440" imgH="1117440" progId="Photoshop.Image.13">
+                    <p:oleObj spid="_x0000_s3231" name="Image" r:id="rId10" imgW="1828440" imgH="1117440" progId="Photoshop.Image.13">
                       <p:embed/>
                     </p:oleObj>
                   </mc:Choice>
@@ -15954,7 +16025,7 @@
             <a:graphicData uri="http://schemas.openxmlformats.org/presentationml/2006/ole">
               <mc:AlternateContent xmlns:mc="http://schemas.openxmlformats.org/markup-compatibility/2006">
                 <mc:Choice xmlns:v="urn:schemas-microsoft-com:vml" Requires="v">
-                  <p:oleObj spid="_x0000_s3215" name="Image" r:id="rId12" imgW="4571280" imgH="1688760" progId="Photoshop.Image.13">
+                  <p:oleObj spid="_x0000_s3232" name="Image" r:id="rId12" imgW="4571280" imgH="1688760" progId="Photoshop.Image.13">
                     <p:embed/>
                   </p:oleObj>
                 </mc:Choice>
@@ -16038,7 +16109,7 @@
             <a:graphicData uri="http://schemas.openxmlformats.org/presentationml/2006/ole">
               <mc:AlternateContent xmlns:mc="http://schemas.openxmlformats.org/markup-compatibility/2006">
                 <mc:Choice xmlns:v="urn:schemas-microsoft-com:vml" Requires="v">
-                  <p:oleObj spid="_x0000_s3216" name="Image" r:id="rId15" imgW="1574280" imgH="1053720" progId="Photoshop.Image.13">
+                  <p:oleObj spid="_x0000_s3233" name="Image" r:id="rId15" imgW="1574280" imgH="1053720" progId="Photoshop.Image.13">
                     <p:embed/>
                   </p:oleObj>
                 </mc:Choice>
@@ -16367,6 +16438,14 @@
                 </a:solidFill>
               </a:rPr>
               <a:t>94710</a:t>
+            </a:r>
+            <a:r>
+              <a:rPr lang="en-US" sz="2400" baseline="0" dirty="0">
+                <a:solidFill>
+                  <a:schemeClr val="bg1"/>
+                </a:solidFill>
+              </a:rPr>
+              <a:t/>
             </a:r>
             <a:br>
               <a:rPr lang="en-US" sz="2400" baseline="0" dirty="0">
@@ -17020,27 +17099,94 @@
         </p:nvSpPr>
         <p:spPr>
           <a:xfrm>
-            <a:off x="1054885" y="6525551"/>
-            <a:ext cx="15856490" cy="8776002"/>
+            <a:off x="1051179" y="5966681"/>
+            <a:ext cx="15856490" cy="8098894"/>
           </a:xfrm>
         </p:spPr>
         <p:txBody>
           <a:bodyPr/>
           <a:lstStyle/>
           <a:p>
+            <a:pPr marL="457200" indent="-457200">
+              <a:buFont typeface="Arial" charset="0"/>
+              <a:buChar char="•"/>
+            </a:pPr>
             <a:r>
-              <a:rPr lang="en-US" sz="4000" dirty="0"/>
-              <a:t>The main motivation for our project is to provide a tool for transcribing interviews, podcasts, and anything in which two or more people are talking and an auto-generated caption might be useful. This would be a tool that journalists could use to streamline their workflow and concentrate their efforts on other aspects of their job, as opposed to the menial and often time-consuming task of transcription. At the very least, this tool aims to reduce the amount of work a journalist must spend on transcription.  </a:t>
+              <a:rPr lang="en-US" sz="3600" dirty="0" smtClean="0"/>
+              <a:t>Provide a tool for transcription or auto captioning</a:t>
             </a:r>
           </a:p>
           <a:p>
+            <a:pPr marL="457200" indent="-457200">
+              <a:buFont typeface="Arial" charset="0"/>
+              <a:buChar char="•"/>
+            </a:pPr>
             <a:r>
-              <a:rPr lang="en-US" sz="4000" dirty="0"/>
-              <a:t>Tools for both speech transcription and speaker identification already exist but they do not work in parallel to identify multiple speakers in a single audio file while assigning transcribed words to their respective speaker. Our project’s goal is to combine these two existing tools and make one streamlined interface for creating transcriptions from an audio file.</a:t>
+              <a:rPr lang="en-US" sz="3600" dirty="0" smtClean="0"/>
+              <a:t>Potential use cases: transcribing interviews, podcasts, </a:t>
+            </a:r>
+            <a:r>
+              <a:rPr lang="en-US" sz="3600" dirty="0" smtClean="0"/>
+              <a:t>captioning </a:t>
+            </a:r>
+            <a:r>
+              <a:rPr lang="en-US" sz="3600" dirty="0" smtClean="0"/>
+              <a:t>videos, etc. </a:t>
             </a:r>
           </a:p>
           <a:p>
-            <a:endParaRPr lang="en-US" sz="4000" dirty="0"/>
+            <a:pPr marL="457200" indent="-457200">
+              <a:buFont typeface="Arial" charset="0"/>
+              <a:buChar char="•"/>
+            </a:pPr>
+            <a:r>
+              <a:rPr lang="en-US" sz="3600" dirty="0" smtClean="0"/>
+              <a:t>Journalists could use this to streamline their workflow, and avoid the menial/time-consuming task of transcription by hand</a:t>
+            </a:r>
+          </a:p>
+          <a:p>
+            <a:pPr marL="457200" indent="-457200">
+              <a:buFont typeface="Arial" charset="0"/>
+              <a:buChar char="•"/>
+            </a:pPr>
+            <a:r>
+              <a:rPr lang="en-US" sz="3600" dirty="0" smtClean="0"/>
+              <a:t>Aims to reduce the amount of work a journalist must spend on transcription</a:t>
+            </a:r>
+          </a:p>
+          <a:p>
+            <a:pPr marL="457200" indent="-457200">
+              <a:buFont typeface="Arial" charset="0"/>
+              <a:buChar char="•"/>
+            </a:pPr>
+            <a:r>
+              <a:rPr lang="en-US" sz="3600" dirty="0" smtClean="0"/>
+              <a:t>Tools for speech transcription and speaker ID already exist but do not work in parallel</a:t>
+            </a:r>
+          </a:p>
+          <a:p>
+            <a:pPr marL="457200" indent="-457200">
+              <a:buFont typeface="Arial" charset="0"/>
+              <a:buChar char="•"/>
+            </a:pPr>
+            <a:r>
+              <a:rPr lang="en-US" sz="3600" dirty="0" smtClean="0"/>
+              <a:t>We combined these tools to identify multiple speakers in a single audio file, while assigning transcribed words to their respective speakers</a:t>
+            </a:r>
+          </a:p>
+          <a:p>
+            <a:pPr marL="457200" indent="-457200">
+              <a:buFont typeface="Arial" charset="0"/>
+              <a:buChar char="•"/>
+            </a:pPr>
+            <a:r>
+              <a:rPr lang="en-US" sz="3600" dirty="0" smtClean="0"/>
+              <a:t>Our goal is to make one streamlined interface for creating transcriptions from an audio file</a:t>
+            </a:r>
+            <a:endParaRPr lang="en-US" sz="3600" dirty="0"/>
+          </a:p>
+          <a:p>
+            <a:endParaRPr lang="en-US" sz="4800" dirty="0"/>
           </a:p>
         </p:txBody>
       </p:sp>
@@ -17084,17 +17230,102 @@
         <p:spPr>
           <a:xfrm>
             <a:off x="1076061" y="18159683"/>
-            <a:ext cx="15858342" cy="7298675"/>
+            <a:ext cx="15858342" cy="8061961"/>
           </a:xfrm>
         </p:spPr>
         <p:txBody>
           <a:bodyPr/>
           <a:lstStyle/>
           <a:p>
+            <a:pPr marL="457200" indent="-457200">
+              <a:buFont typeface="Arial" charset="0"/>
+              <a:buChar char="•"/>
+            </a:pPr>
             <a:r>
-              <a:rPr lang="en-US" sz="4000" dirty="0"/>
-              <a:t>Users will submit a wave audio file containing a conversation between two or more people. The user will then select portions of the audio in which only one person is talking, and will do this for each speaker in the conversation. Then, a profile for that user is created with that audio clip, which will be used for speaker identification. The program then uses a self-similarity measure to identify points in the audio at which one speaker stops speaking and another starts. It segments the original audio file and splits it into multiple files. Each file will then be analyzed by the speech identification API, the speaker will be identified, and the text of the audio file transcribed. This will be written in the format of a transcript, where the speaker’s name precedes the words they said. </a:t>
+              <a:rPr lang="en-US" sz="3600" dirty="0" smtClean="0"/>
+              <a:t>Users submit wave file (16kHz sample rate, monophonic)</a:t>
             </a:r>
+          </a:p>
+          <a:p>
+            <a:pPr marL="457200" indent="-457200">
+              <a:buFont typeface="Arial" charset="0"/>
+              <a:buChar char="•"/>
+            </a:pPr>
+            <a:r>
+              <a:rPr lang="en-US" sz="3600" dirty="0" smtClean="0"/>
+              <a:t>User selects portions of audio in which only one person is talking</a:t>
+            </a:r>
+          </a:p>
+          <a:p>
+            <a:pPr marL="457200" indent="-457200">
+              <a:buFont typeface="Arial" charset="0"/>
+              <a:buChar char="•"/>
+            </a:pPr>
+            <a:r>
+              <a:rPr lang="en-US" sz="3600" dirty="0" smtClean="0"/>
+              <a:t>Repeat for each speaker in conversation</a:t>
+            </a:r>
+          </a:p>
+          <a:p>
+            <a:pPr marL="457200" indent="-457200">
+              <a:buFont typeface="Arial" charset="0"/>
+              <a:buChar char="•"/>
+            </a:pPr>
+            <a:r>
+              <a:rPr lang="en-US" sz="3600" dirty="0" smtClean="0"/>
+              <a:t>Profile created for each speaker, trains the Speaker ID API to fingerprint each speaker</a:t>
+            </a:r>
+          </a:p>
+          <a:p>
+            <a:pPr marL="457200" indent="-457200">
+              <a:buFont typeface="Arial" charset="0"/>
+              <a:buChar char="•"/>
+            </a:pPr>
+            <a:r>
+              <a:rPr lang="en-US" sz="3600" dirty="0" smtClean="0"/>
+              <a:t>Program uses self-similarity matrix to automatically determine where to split between speakers</a:t>
+            </a:r>
+          </a:p>
+          <a:p>
+            <a:pPr marL="457200" indent="-457200">
+              <a:buFont typeface="Arial" charset="0"/>
+              <a:buChar char="•"/>
+            </a:pPr>
+            <a:r>
+              <a:rPr lang="en-US" sz="3600" dirty="0" smtClean="0"/>
+              <a:t>Segments audio into multiple distinct audio files</a:t>
+            </a:r>
+          </a:p>
+          <a:p>
+            <a:pPr marL="457200" indent="-457200">
+              <a:buFont typeface="Arial" charset="0"/>
+              <a:buChar char="•"/>
+            </a:pPr>
+            <a:r>
+              <a:rPr lang="en-US" sz="3600" dirty="0" smtClean="0"/>
+              <a:t>Speech-to-text is run on every file in order</a:t>
+            </a:r>
+          </a:p>
+          <a:p>
+            <a:pPr marL="457200" indent="-457200">
+              <a:buFont typeface="Arial" charset="0"/>
+              <a:buChar char="•"/>
+            </a:pPr>
+            <a:r>
+              <a:rPr lang="en-US" sz="3600" dirty="0" smtClean="0"/>
+              <a:t>Speaker ID is run on every file, and prepends identified speaker to their associated audio clip.</a:t>
+            </a:r>
+          </a:p>
+          <a:p>
+            <a:pPr marL="457200" indent="-457200">
+              <a:buFont typeface="Arial" charset="0"/>
+              <a:buChar char="•"/>
+            </a:pPr>
+            <a:r>
+              <a:rPr lang="en-US" sz="3600" dirty="0" smtClean="0"/>
+              <a:t>Results printed to screen for user to see. </a:t>
+            </a:r>
+            <a:endParaRPr lang="en-US" sz="3600" dirty="0"/>
           </a:p>
         </p:txBody>
       </p:sp>
@@ -17138,37 +17369,185 @@
         <p:spPr>
           <a:xfrm>
             <a:off x="17679990" y="18164130"/>
-            <a:ext cx="15833456" cy="12469321"/>
+            <a:ext cx="15833456" cy="6953965"/>
           </a:xfrm>
         </p:spPr>
         <p:txBody>
           <a:bodyPr/>
           <a:lstStyle/>
           <a:p>
+            <a:pPr marL="457200" indent="-457200">
+              <a:buFont typeface="Arial" charset="0"/>
+              <a:buChar char="•"/>
+            </a:pPr>
             <a:r>
-              <a:rPr lang="en-US" sz="4000" dirty="0"/>
-              <a:t>We used Python 3 to accomplish all the backend processing, segmenting and transcribing of the audio files. For speaker recognition and transcription, we used Microsoft’s Bing Speaker Identification and Speech to Text APIs. We used a HTML/CSS/JavaScript frontend along with the </a:t>
-            </a:r>
-            <a:r>
-              <a:rPr lang="en-US" sz="4000" dirty="0" err="1"/>
-              <a:t>wavesurfer.js</a:t>
-            </a:r>
-            <a:r>
-              <a:rPr lang="en-US" sz="4000" dirty="0"/>
-              <a:t> library for manipulating waveforms and displaying them to the user. </a:t>
+              <a:rPr lang="en-US" sz="3600" dirty="0" smtClean="0">
+                <a:latin typeface="Times" charset="0"/>
+                <a:ea typeface="Times" charset="0"/>
+                <a:cs typeface="Times" charset="0"/>
+              </a:rPr>
+              <a:t>Python 3 backend: Audio segmentation, transcription and speaker recognition</a:t>
             </a:r>
           </a:p>
           <a:p>
+            <a:pPr marL="2155286" lvl="1" indent="-457200">
+              <a:buFont typeface="Arial" charset="0"/>
+              <a:buChar char="•"/>
+            </a:pPr>
             <a:r>
-              <a:rPr lang="en-US" sz="4000" dirty="0"/>
-              <a:t>We tested the performance of our transcription software upon two major criteria: (1) How well it segmented the audio files into smaller files where only one speaker was talking, and (2) How accurate the final transcription was (regarding both the speaker identification and the speech to text conversion). For both of these instances we utilized f-score as a measure of our success. </a:t>
+              <a:rPr lang="en-US" sz="3600" dirty="0" smtClean="0">
+                <a:solidFill>
+                  <a:schemeClr val="accent5">
+                    <a:lumMod val="50000"/>
+                  </a:schemeClr>
+                </a:solidFill>
+                <a:latin typeface="Times" charset="0"/>
+                <a:ea typeface="Times" charset="0"/>
+                <a:cs typeface="Times" charset="0"/>
+              </a:rPr>
+              <a:t>Microsoft Bing API used for speaker identification and speech to text</a:t>
             </a:r>
           </a:p>
           <a:p>
+            <a:pPr marL="457200" indent="-457200">
+              <a:buFont typeface="Arial" charset="0"/>
+              <a:buChar char="•"/>
+            </a:pPr>
             <a:r>
-              <a:rPr lang="en-US" sz="4000" dirty="0"/>
-              <a:t>In terms of testing data, we primarily used two files: one of a clip of an NPR interview, where an interviewer asked President Obama a question, and he started his response, and another of the three of us reading different sections from a Wikipedia article on sports in Latvia. Because we are using the Bing API, our speech to text and speech recognition f-scores are something that would primarily be determined by how well our audio was segmented</a:t>
+              <a:rPr lang="en-US" sz="3600" dirty="0" smtClean="0">
+                <a:latin typeface="Times" charset="0"/>
+                <a:ea typeface="Times" charset="0"/>
+                <a:cs typeface="Times" charset="0"/>
+              </a:rPr>
+              <a:t>HTML/CSS/JavaScript frontend</a:t>
             </a:r>
+          </a:p>
+          <a:p>
+            <a:pPr marL="2155286" lvl="1" indent="-457200">
+              <a:buFont typeface="Arial" charset="0"/>
+              <a:buChar char="•"/>
+            </a:pPr>
+            <a:r>
+              <a:rPr lang="en-US" sz="3600" dirty="0" err="1" smtClean="0">
+                <a:solidFill>
+                  <a:schemeClr val="accent5">
+                    <a:lumMod val="50000"/>
+                  </a:schemeClr>
+                </a:solidFill>
+                <a:latin typeface="Times" charset="0"/>
+                <a:ea typeface="Times" charset="0"/>
+                <a:cs typeface="Times" charset="0"/>
+              </a:rPr>
+              <a:t>Wavesurfer.js</a:t>
+            </a:r>
+            <a:r>
+              <a:rPr lang="en-US" sz="3600" dirty="0" smtClean="0">
+                <a:solidFill>
+                  <a:schemeClr val="accent5">
+                    <a:lumMod val="50000"/>
+                  </a:schemeClr>
+                </a:solidFill>
+                <a:latin typeface="Times" charset="0"/>
+                <a:ea typeface="Times" charset="0"/>
+                <a:cs typeface="Times" charset="0"/>
+              </a:rPr>
+              <a:t> library for displaying and manipulating waveforms</a:t>
+            </a:r>
+          </a:p>
+          <a:p>
+            <a:pPr marL="457200" indent="-457200">
+              <a:buFont typeface="Arial" charset="0"/>
+              <a:buChar char="•"/>
+            </a:pPr>
+            <a:r>
+              <a:rPr lang="en-US" sz="3600" dirty="0" smtClean="0">
+                <a:latin typeface="Times" charset="0"/>
+                <a:ea typeface="Times" charset="0"/>
+                <a:cs typeface="Times" charset="0"/>
+              </a:rPr>
+              <a:t>Performance assessed by f-score of transcription:</a:t>
+            </a:r>
+          </a:p>
+          <a:p>
+            <a:pPr marL="2155286" lvl="1" indent="-457200">
+              <a:buFont typeface="Arial" charset="0"/>
+              <a:buChar char="•"/>
+            </a:pPr>
+            <a:r>
+              <a:rPr lang="en-US" sz="3600" dirty="0" smtClean="0">
+                <a:solidFill>
+                  <a:schemeClr val="accent5">
+                    <a:lumMod val="50000"/>
+                  </a:schemeClr>
+                </a:solidFill>
+                <a:latin typeface="Times" charset="0"/>
+                <a:ea typeface="Times" charset="0"/>
+                <a:cs typeface="Times" charset="0"/>
+              </a:rPr>
+              <a:t>This also measured the performance of our audio segmentation and speaker identification/speech to text API</a:t>
+            </a:r>
+          </a:p>
+          <a:p>
+            <a:pPr marL="457200" indent="-457200">
+              <a:buFont typeface="Arial" charset="0"/>
+              <a:buChar char="•"/>
+            </a:pPr>
+            <a:r>
+              <a:rPr lang="en-US" sz="3600" dirty="0" smtClean="0">
+                <a:latin typeface="Times" charset="0"/>
+                <a:ea typeface="Times" charset="0"/>
+                <a:cs typeface="Times" charset="0"/>
+              </a:rPr>
+              <a:t>Testing data: primarily consisted of two files:</a:t>
+            </a:r>
+          </a:p>
+          <a:p>
+            <a:pPr marL="2155286" lvl="1" indent="-457200">
+              <a:buFont typeface="Arial" charset="0"/>
+              <a:buChar char="•"/>
+            </a:pPr>
+            <a:r>
+              <a:rPr lang="en-US" sz="3600" dirty="0" smtClean="0">
+                <a:solidFill>
+                  <a:schemeClr val="accent5">
+                    <a:lumMod val="50000"/>
+                  </a:schemeClr>
+                </a:solidFill>
+                <a:latin typeface="Times" charset="0"/>
+                <a:ea typeface="Times" charset="0"/>
+                <a:cs typeface="Times" charset="0"/>
+              </a:rPr>
+              <a:t>NPR Interview with President Obama</a:t>
+            </a:r>
+          </a:p>
+          <a:p>
+            <a:pPr marL="2155286" lvl="1" indent="-457200">
+              <a:buFont typeface="Arial" charset="0"/>
+              <a:buChar char="•"/>
+            </a:pPr>
+            <a:r>
+              <a:rPr lang="en-US" sz="3600" dirty="0" smtClean="0">
+                <a:solidFill>
+                  <a:schemeClr val="accent5">
+                    <a:lumMod val="50000"/>
+                  </a:schemeClr>
+                </a:solidFill>
+                <a:latin typeface="Times" charset="0"/>
+                <a:ea typeface="Times" charset="0"/>
+                <a:cs typeface="Times" charset="0"/>
+              </a:rPr>
+              <a:t>Three of us reading a Wikipedia article on sports in Latvia</a:t>
+            </a:r>
+            <a:endParaRPr lang="en-US" sz="3600" dirty="0" smtClean="0">
+              <a:solidFill>
+                <a:schemeClr val="accent5">
+                  <a:lumMod val="50000"/>
+                </a:schemeClr>
+              </a:solidFill>
+              <a:latin typeface="Times" charset="0"/>
+              <a:ea typeface="Times" charset="0"/>
+              <a:cs typeface="Times" charset="0"/>
+            </a:endParaRPr>
           </a:p>
         </p:txBody>
       </p:sp>
@@ -17199,171 +17578,6 @@
           </a:p>
         </p:txBody>
       </p:sp>
-      <mc:AlternateContent xmlns:mc="http://schemas.openxmlformats.org/markup-compatibility/2006">
-        <mc:Choice xmlns:a14="http://schemas.microsoft.com/office/drawing/2010/main" Requires="a14">
-          <p:sp>
-            <p:nvSpPr>
-              <p:cNvPr id="29" name="Text Placeholder 28"/>
-              <p:cNvSpPr>
-                <a:spLocks noGrp="1"/>
-              </p:cNvSpPr>
-              <p:nvPr>
-                <p:ph type="body" sz="quarter" idx="23"/>
-              </p:nvPr>
-            </p:nvSpPr>
-            <p:spPr>
-              <a:xfrm>
-                <a:off x="17689252" y="6420045"/>
-                <a:ext cx="15833456" cy="3261800"/>
-              </a:xfrm>
-            </p:spPr>
-            <p:txBody>
-              <a:bodyPr/>
-              <a:lstStyle/>
-              <a:p>
-                <a:r>
-                  <a:rPr lang="en-US" dirty="0"/>
-                  <a:t>We should put something like </a:t>
-                </a:r>
-                <a:r>
-                  <a:rPr lang="en-US" dirty="0" err="1"/>
-                  <a:t>srsly</a:t>
-                </a:r>
-                <a:r>
-                  <a:rPr lang="en-US" dirty="0"/>
-                  <a:t> but probably not whatever </a:t>
-                </a:r>
-                <a:r>
-                  <a:rPr lang="en-US" dirty="0" err="1"/>
-                  <a:t>b.s.</a:t>
-                </a:r>
-                <a:r>
-                  <a:rPr lang="en-US" dirty="0"/>
-                  <a:t> this is:</a:t>
-                </a:r>
-              </a:p>
-              <a:p>
-                <a:r>
-                  <a:rPr lang="en-US" dirty="0"/>
-                  <a:t>F1 score = </a:t>
-                </a:r>
-                <a14:m>
-                  <m:oMath xmlns:m="http://schemas.openxmlformats.org/officeDocument/2006/math">
-                    <m:r>
-                      <a:rPr lang="en-US" b="0" i="1" smtClean="0">
-                        <a:latin typeface="Cambria Math" panose="02040503050406030204" pitchFamily="18" charset="0"/>
-                      </a:rPr>
-                      <m:t>2∗</m:t>
-                    </m:r>
-                    <m:f>
-                      <m:fPr>
-                        <m:ctrlPr>
-                          <a:rPr lang="en-US" b="0" i="1" smtClean="0">
-                            <a:latin typeface="Cambria Math" panose="02040503050406030204" pitchFamily="18" charset="0"/>
-                          </a:rPr>
-                        </m:ctrlPr>
-                      </m:fPr>
-                      <m:num>
-                        <m:r>
-                          <a:rPr lang="en-US" b="0" i="1" smtClean="0">
-                            <a:latin typeface="Cambria Math" panose="02040503050406030204" pitchFamily="18" charset="0"/>
-                          </a:rPr>
-                          <m:t>𝑅𝑒𝑐𝑎𝑙𝑙</m:t>
-                        </m:r>
-                        <m:r>
-                          <a:rPr lang="en-US" b="0" i="1" smtClean="0">
-                            <a:latin typeface="Cambria Math" panose="02040503050406030204" pitchFamily="18" charset="0"/>
-                          </a:rPr>
-                          <m:t>∗</m:t>
-                        </m:r>
-                        <m:r>
-                          <a:rPr lang="en-US" b="0" i="1" smtClean="0">
-                            <a:latin typeface="Cambria Math" panose="02040503050406030204" pitchFamily="18" charset="0"/>
-                          </a:rPr>
-                          <m:t>𝑃𝑟𝑒𝑐𝑖𝑠𝑖𝑜𝑛</m:t>
-                        </m:r>
-                      </m:num>
-                      <m:den>
-                        <m:r>
-                          <a:rPr lang="en-US" b="0" i="1" smtClean="0">
-                            <a:latin typeface="Cambria Math" panose="02040503050406030204" pitchFamily="18" charset="0"/>
-                          </a:rPr>
-                          <m:t>𝑃𝑟𝑒𝑐𝑖𝑠𝑖𝑜𝑛</m:t>
-                        </m:r>
-                        <m:r>
-                          <a:rPr lang="en-US" b="0" i="1" smtClean="0">
-                            <a:latin typeface="Cambria Math" panose="02040503050406030204" pitchFamily="18" charset="0"/>
-                          </a:rPr>
-                          <m:t>+</m:t>
-                        </m:r>
-                        <m:r>
-                          <a:rPr lang="en-US" b="0" i="1" smtClean="0">
-                            <a:latin typeface="Cambria Math" panose="02040503050406030204" pitchFamily="18" charset="0"/>
-                          </a:rPr>
-                          <m:t>𝑅𝑒𝑐𝑎𝑙𝑙</m:t>
-                        </m:r>
-                      </m:den>
-                    </m:f>
-                  </m:oMath>
-                </a14:m>
-                <a:endParaRPr lang="en-US" dirty="0"/>
-              </a:p>
-              <a:p>
-                <a:r>
-                  <a:rPr lang="en-US" dirty="0"/>
-                  <a:t>Precision: Words found in transcript that were actually spoken by the correct speaker</a:t>
-                </a:r>
-              </a:p>
-              <a:p>
-                <a:r>
-                  <a:rPr lang="en-US" dirty="0"/>
-                  <a:t>Recall: Words </a:t>
-                </a:r>
-              </a:p>
-              <a:p>
-                <a:endParaRPr lang="en-US" dirty="0"/>
-              </a:p>
-            </p:txBody>
-          </p:sp>
-        </mc:Choice>
-        <mc:Fallback>
-          <p:sp>
-            <p:nvSpPr>
-              <p:cNvPr id="29" name="Text Placeholder 28"/>
-              <p:cNvSpPr>
-                <a:spLocks noGrp="1" noRot="1" noChangeAspect="1" noMove="1" noResize="1" noEditPoints="1" noAdjustHandles="1" noChangeArrowheads="1" noChangeShapeType="1" noTextEdit="1"/>
-              </p:cNvSpPr>
-              <p:nvPr>
-                <p:ph type="body" sz="quarter" idx="23"/>
-              </p:nvPr>
-            </p:nvSpPr>
-            <p:spPr>
-              <a:xfrm>
-                <a:off x="17689252" y="6420045"/>
-                <a:ext cx="15833456" cy="3261800"/>
-              </a:xfrm>
-              <a:blipFill>
-                <a:blip r:embed="rId3"/>
-                <a:stretch>
-                  <a:fillRect/>
-                </a:stretch>
-              </a:blipFill>
-            </p:spPr>
-            <p:txBody>
-              <a:bodyPr/>
-              <a:lstStyle/>
-              <a:p>
-                <a:r>
-                  <a:rPr lang="en-US">
-                    <a:noFill/>
-                  </a:rPr>
-                  <a:t> </a:t>
-                </a:r>
-              </a:p>
-            </p:txBody>
-          </p:sp>
-        </mc:Fallback>
-      </mc:AlternateContent>
       <p:sp>
         <p:nvSpPr>
           <p:cNvPr id="30" name="Text Placeholder 29"/>
@@ -17540,7 +17754,7 @@
             </a:r>
             <a:r>
               <a:rPr lang="en-US" sz="1600" dirty="0">
-                <a:hlinkClick r:id="rId4"/>
+                <a:hlinkClick r:id="rId3"/>
               </a:rPr>
               <a:t>http://music.cs.northwestern.edu/publications/Kim_Pardo_IUI2017.pdf</a:t>
             </a:r>
@@ -17605,7 +17819,7 @@
             </a:r>
             <a:r>
               <a:rPr lang="en-US" sz="1600" dirty="0">
-                <a:hlinkClick r:id="rId5"/>
+                <a:hlinkClick r:id="rId4"/>
               </a:rPr>
               <a:t>http://vis.berkeley.edu/papers/audiostories/audiostories.pdf</a:t>
             </a:r>
@@ -17633,7 +17847,7 @@
             </a:r>
             <a:r>
               <a:rPr lang="en-US" sz="1600" dirty="0">
-                <a:hlinkClick r:id="rId6"/>
+                <a:hlinkClick r:id="rId5"/>
               </a:rPr>
               <a:t>https://wavesurfer-js.org/</a:t>
             </a:r>
@@ -17677,7 +17891,7 @@
             </a:r>
             <a:r>
               <a:rPr lang="en-US" sz="1600" dirty="0">
-                <a:hlinkClick r:id="rId7"/>
+                <a:hlinkClick r:id="rId6"/>
               </a:rPr>
               <a:t>http://journals.plos.org/plosone/article/file?id=10.1371/journal.pone.0144610&amp;type=printable</a:t>
             </a:r>
@@ -17708,7 +17922,7 @@
           <a:p>
             <a:r>
               <a:rPr lang="en-US" dirty="0">
-                <a:hlinkClick r:id="rId8"/>
+                <a:hlinkClick r:id="rId7"/>
               </a:rPr>
               <a:t>vincentbommier2018@u.northwestern.edu</a:t>
             </a:r>
@@ -17718,7 +17932,7 @@
             </a:r>
             <a:r>
               <a:rPr lang="en-US" dirty="0">
-                <a:hlinkClick r:id="rId9"/>
+                <a:hlinkClick r:id="rId8"/>
               </a:rPr>
               <a:t>jeremykaish2018@u.northwestern.edu</a:t>
             </a:r>
@@ -17728,7 +17942,7 @@
             </a:r>
             <a:r>
               <a:rPr lang="en-US" dirty="0">
-                <a:hlinkClick r:id="rId10"/>
+                <a:hlinkClick r:id="rId9"/>
               </a:rPr>
               <a:t>madhavghei2018@u.northwestern.edu</a:t>
             </a:r>
@@ -17923,7 +18137,7 @@
           <p:nvPr/>
         </p:nvPicPr>
         <p:blipFill>
-          <a:blip r:embed="rId11" cstate="print">
+          <a:blip r:embed="rId10" cstate="print">
             <a:extLst>
               <a:ext uri="{28A0092B-C50C-407E-A947-70E740481C1C}">
                 <a14:useLocalDpi xmlns:a14="http://schemas.microsoft.com/office/drawing/2010/main" val="0"/>
@@ -17953,7 +18167,7 @@
           <p:nvPr/>
         </p:nvPicPr>
         <p:blipFill>
-          <a:blip r:embed="rId12">
+          <a:blip r:embed="rId11">
             <a:extLst>
               <a:ext uri="{28A0092B-C50C-407E-A947-70E740481C1C}">
                 <a14:useLocalDpi xmlns:a14="http://schemas.microsoft.com/office/drawing/2010/main" val="0"/>
@@ -17983,7 +18197,7 @@
           <p:nvPr/>
         </p:nvPicPr>
         <p:blipFill>
-          <a:blip r:embed="rId13">
+          <a:blip r:embed="rId12">
             <a:extLst>
               <a:ext uri="{28A0092B-C50C-407E-A947-70E740481C1C}">
                 <a14:useLocalDpi xmlns:a14="http://schemas.microsoft.com/office/drawing/2010/main" val="0"/>
@@ -18314,11 +18528,11 @@
             <p:nvPr/>
           </p:nvPicPr>
           <p:blipFill>
-            <a:blip r:embed="rId14">
+            <a:blip r:embed="rId13">
               <a:extLst>
                 <a:ext uri="{BEBA8EAE-BF5A-486C-A8C5-ECC9F3942E4B}">
                   <a14:imgProps xmlns:a14="http://schemas.microsoft.com/office/drawing/2010/main">
-                    <a14:imgLayer r:embed="rId15">
+                    <a14:imgLayer r:embed="rId14">
                       <a14:imgEffect>
                         <a14:brightnessContrast bright="20000" contrast="20000"/>
                       </a14:imgEffect>
@@ -18782,7 +18996,7 @@
           <p:nvPr/>
         </p:nvPicPr>
         <p:blipFill>
-          <a:blip r:embed="rId16">
+          <a:blip r:embed="rId15">
             <a:extLst>
               <a:ext uri="{28A0092B-C50C-407E-A947-70E740481C1C}">
                 <a14:useLocalDpi xmlns:a14="http://schemas.microsoft.com/office/drawing/2010/main" val="0"/>
@@ -18812,7 +19026,7 @@
           <p:nvPr/>
         </p:nvPicPr>
         <p:blipFill>
-          <a:blip r:embed="rId17">
+          <a:blip r:embed="rId16">
             <a:extLst>
               <a:ext uri="{28A0092B-C50C-407E-A947-70E740481C1C}">
                 <a14:useLocalDpi xmlns:a14="http://schemas.microsoft.com/office/drawing/2010/main" val="0"/>
@@ -18923,7 +19137,7 @@
           <p:nvPr/>
         </p:nvPicPr>
         <p:blipFill>
-          <a:blip r:embed="rId18">
+          <a:blip r:embed="rId17">
             <a:extLst>
               <a:ext uri="{28A0092B-C50C-407E-A947-70E740481C1C}">
                 <a14:useLocalDpi xmlns:a14="http://schemas.microsoft.com/office/drawing/2010/main" val="0"/>
@@ -19137,7 +19351,7 @@
           <p:cNvPr id="48" name="Chart 47">
             <a:extLst>
               <a:ext uri="{FF2B5EF4-FFF2-40B4-BE49-F238E27FC236}">
-                <a16:creationId xmlns:a16="http://schemas.microsoft.com/office/drawing/2014/main" id="{E5183793-22C3-404D-A526-12117498FDE2}"/>
+                <a16:creationId xmlns:a16="http://schemas.microsoft.com/office/drawing/2014/main" xmlns="" id="{E5183793-22C3-404D-A526-12117498FDE2}"/>
               </a:ext>
             </a:extLst>
           </p:cNvPr>
@@ -19158,7 +19372,7 @@
         </p:xfrm>
         <a:graphic>
           <a:graphicData uri="http://schemas.openxmlformats.org/drawingml/2006/chart">
-            <c:chart xmlns:c="http://schemas.openxmlformats.org/drawingml/2006/chart" xmlns:r="http://schemas.openxmlformats.org/officeDocument/2006/relationships" r:id="rId19"/>
+            <c:chart xmlns:c="http://schemas.openxmlformats.org/drawingml/2006/chart" xmlns:r="http://schemas.openxmlformats.org/officeDocument/2006/relationships" r:id="rId18"/>
           </a:graphicData>
         </a:graphic>
       </p:graphicFrame>
@@ -19167,7 +19381,7 @@
           <p:cNvPr id="53" name="Chart 52">
             <a:extLst>
               <a:ext uri="{FF2B5EF4-FFF2-40B4-BE49-F238E27FC236}">
-                <a16:creationId xmlns:a16="http://schemas.microsoft.com/office/drawing/2014/main" id="{47A63E27-C029-44A2-A9E2-0EB713C6092A}"/>
+                <a16:creationId xmlns:a16="http://schemas.microsoft.com/office/drawing/2014/main" xmlns="" id="{47A63E27-C029-44A2-A9E2-0EB713C6092A}"/>
               </a:ext>
             </a:extLst>
           </p:cNvPr>
@@ -19188,7 +19402,7 @@
         </p:xfrm>
         <a:graphic>
           <a:graphicData uri="http://schemas.openxmlformats.org/drawingml/2006/chart">
-            <c:chart xmlns:c="http://schemas.openxmlformats.org/drawingml/2006/chart" xmlns:r="http://schemas.openxmlformats.org/officeDocument/2006/relationships" r:id="rId20"/>
+            <c:chart xmlns:c="http://schemas.openxmlformats.org/drawingml/2006/chart" xmlns:r="http://schemas.openxmlformats.org/officeDocument/2006/relationships" r:id="rId19"/>
           </a:graphicData>
         </a:graphic>
       </p:graphicFrame>
@@ -19201,7 +19415,7 @@
           <p:nvPr/>
         </p:nvPicPr>
         <p:blipFill>
-          <a:blip r:embed="rId21">
+          <a:blip r:embed="rId20">
             <a:extLst>
               <a:ext uri="{28A0092B-C50C-407E-A947-70E740481C1C}">
                 <a14:useLocalDpi xmlns:a14="http://schemas.microsoft.com/office/drawing/2010/main" val="0"/>

--- a/Poster.pptx
+++ b/Poster.pptx
@@ -7579,7 +7579,7 @@
               <a:graphicData uri="http://schemas.openxmlformats.org/presentationml/2006/ole">
                 <mc:AlternateContent xmlns:mc="http://schemas.openxmlformats.org/markup-compatibility/2006">
                   <mc:Choice xmlns:v="urn:schemas-microsoft-com:vml" Requires="v">
-                    <p:oleObj spid="_x0000_s1182" name="Image" r:id="rId8" imgW="1828440" imgH="1117440" progId="Photoshop.Image.13">
+                    <p:oleObj spid="_x0000_s1190" name="Image" r:id="rId8" imgW="1828440" imgH="1117440" progId="Photoshop.Image.13">
                       <p:embed/>
                     </p:oleObj>
                   </mc:Choice>
@@ -7636,7 +7636,7 @@
               <a:graphicData uri="http://schemas.openxmlformats.org/presentationml/2006/ole">
                 <mc:AlternateContent xmlns:mc="http://schemas.openxmlformats.org/markup-compatibility/2006">
                   <mc:Choice xmlns:v="urn:schemas-microsoft-com:vml" Requires="v">
-                    <p:oleObj spid="_x0000_s1183" name="Image" r:id="rId10" imgW="1828440" imgH="1117440" progId="Photoshop.Image.13">
+                    <p:oleObj spid="_x0000_s1191" name="Image" r:id="rId10" imgW="1828440" imgH="1117440" progId="Photoshop.Image.13">
                       <p:embed/>
                     </p:oleObj>
                   </mc:Choice>
@@ -8759,7 +8759,7 @@
             <a:graphicData uri="http://schemas.openxmlformats.org/presentationml/2006/ole">
               <mc:AlternateContent xmlns:mc="http://schemas.openxmlformats.org/markup-compatibility/2006">
                 <mc:Choice xmlns:v="urn:schemas-microsoft-com:vml" Requires="v">
-                  <p:oleObj spid="_x0000_s1184" name="Image" r:id="rId12" imgW="4571280" imgH="1688760" progId="Photoshop.Image.13">
+                  <p:oleObj spid="_x0000_s1192" name="Image" r:id="rId12" imgW="4571280" imgH="1688760" progId="Photoshop.Image.13">
                     <p:embed/>
                   </p:oleObj>
                 </mc:Choice>
@@ -8843,7 +8843,7 @@
             <a:graphicData uri="http://schemas.openxmlformats.org/presentationml/2006/ole">
               <mc:AlternateContent xmlns:mc="http://schemas.openxmlformats.org/markup-compatibility/2006">
                 <mc:Choice xmlns:v="urn:schemas-microsoft-com:vml" Requires="v">
-                  <p:oleObj spid="_x0000_s1185" name="Image" r:id="rId15" imgW="1574280" imgH="1053720" progId="Photoshop.Image.13">
+                  <p:oleObj spid="_x0000_s1193" name="Image" r:id="rId15" imgW="1574280" imgH="1053720" progId="Photoshop.Image.13">
                     <p:embed/>
                   </p:oleObj>
                 </mc:Choice>
@@ -11120,7 +11120,7 @@
               <a:graphicData uri="http://schemas.openxmlformats.org/presentationml/2006/ole">
                 <mc:AlternateContent xmlns:mc="http://schemas.openxmlformats.org/markup-compatibility/2006">
                   <mc:Choice xmlns:v="urn:schemas-microsoft-com:vml" Requires="v">
-                    <p:oleObj spid="_x0000_s2206" name="Image" r:id="rId8" imgW="1828440" imgH="1117440" progId="Photoshop.Image.13">
+                    <p:oleObj spid="_x0000_s2214" name="Image" r:id="rId8" imgW="1828440" imgH="1117440" progId="Photoshop.Image.13">
                       <p:embed/>
                     </p:oleObj>
                   </mc:Choice>
@@ -11177,7 +11177,7 @@
               <a:graphicData uri="http://schemas.openxmlformats.org/presentationml/2006/ole">
                 <mc:AlternateContent xmlns:mc="http://schemas.openxmlformats.org/markup-compatibility/2006">
                   <mc:Choice xmlns:v="urn:schemas-microsoft-com:vml" Requires="v">
-                    <p:oleObj spid="_x0000_s2207" name="Image" r:id="rId10" imgW="1828440" imgH="1117440" progId="Photoshop.Image.13">
+                    <p:oleObj spid="_x0000_s2215" name="Image" r:id="rId10" imgW="1828440" imgH="1117440" progId="Photoshop.Image.13">
                       <p:embed/>
                     </p:oleObj>
                   </mc:Choice>
@@ -12300,7 +12300,7 @@
             <a:graphicData uri="http://schemas.openxmlformats.org/presentationml/2006/ole">
               <mc:AlternateContent xmlns:mc="http://schemas.openxmlformats.org/markup-compatibility/2006">
                 <mc:Choice xmlns:v="urn:schemas-microsoft-com:vml" Requires="v">
-                  <p:oleObj spid="_x0000_s2208" name="Image" r:id="rId12" imgW="4571280" imgH="1688760" progId="Photoshop.Image.13">
+                  <p:oleObj spid="_x0000_s2216" name="Image" r:id="rId12" imgW="4571280" imgH="1688760" progId="Photoshop.Image.13">
                     <p:embed/>
                   </p:oleObj>
                 </mc:Choice>
@@ -12384,7 +12384,7 @@
             <a:graphicData uri="http://schemas.openxmlformats.org/presentationml/2006/ole">
               <mc:AlternateContent xmlns:mc="http://schemas.openxmlformats.org/markup-compatibility/2006">
                 <mc:Choice xmlns:v="urn:schemas-microsoft-com:vml" Requires="v">
-                  <p:oleObj spid="_x0000_s2209" name="Image" r:id="rId15" imgW="1574280" imgH="1053720" progId="Photoshop.Image.13">
+                  <p:oleObj spid="_x0000_s2217" name="Image" r:id="rId15" imgW="1574280" imgH="1053720" progId="Photoshop.Image.13">
                     <p:embed/>
                   </p:oleObj>
                 </mc:Choice>
@@ -14845,7 +14845,7 @@
               <a:graphicData uri="http://schemas.openxmlformats.org/presentationml/2006/ole">
                 <mc:AlternateContent xmlns:mc="http://schemas.openxmlformats.org/markup-compatibility/2006">
                   <mc:Choice xmlns:v="urn:schemas-microsoft-com:vml" Requires="v">
-                    <p:oleObj spid="_x0000_s3230" name="Image" r:id="rId8" imgW="1828440" imgH="1117440" progId="Photoshop.Image.13">
+                    <p:oleObj spid="_x0000_s3238" name="Image" r:id="rId8" imgW="1828440" imgH="1117440" progId="Photoshop.Image.13">
                       <p:embed/>
                     </p:oleObj>
                   </mc:Choice>
@@ -14902,7 +14902,7 @@
               <a:graphicData uri="http://schemas.openxmlformats.org/presentationml/2006/ole">
                 <mc:AlternateContent xmlns:mc="http://schemas.openxmlformats.org/markup-compatibility/2006">
                   <mc:Choice xmlns:v="urn:schemas-microsoft-com:vml" Requires="v">
-                    <p:oleObj spid="_x0000_s3231" name="Image" r:id="rId10" imgW="1828440" imgH="1117440" progId="Photoshop.Image.13">
+                    <p:oleObj spid="_x0000_s3239" name="Image" r:id="rId10" imgW="1828440" imgH="1117440" progId="Photoshop.Image.13">
                       <p:embed/>
                     </p:oleObj>
                   </mc:Choice>
@@ -16025,7 +16025,7 @@
             <a:graphicData uri="http://schemas.openxmlformats.org/presentationml/2006/ole">
               <mc:AlternateContent xmlns:mc="http://schemas.openxmlformats.org/markup-compatibility/2006">
                 <mc:Choice xmlns:v="urn:schemas-microsoft-com:vml" Requires="v">
-                  <p:oleObj spid="_x0000_s3232" name="Image" r:id="rId12" imgW="4571280" imgH="1688760" progId="Photoshop.Image.13">
+                  <p:oleObj spid="_x0000_s3240" name="Image" r:id="rId12" imgW="4571280" imgH="1688760" progId="Photoshop.Image.13">
                     <p:embed/>
                   </p:oleObj>
                 </mc:Choice>
@@ -16109,7 +16109,7 @@
             <a:graphicData uri="http://schemas.openxmlformats.org/presentationml/2006/ole">
               <mc:AlternateContent xmlns:mc="http://schemas.openxmlformats.org/markup-compatibility/2006">
                 <mc:Choice xmlns:v="urn:schemas-microsoft-com:vml" Requires="v">
-                  <p:oleObj spid="_x0000_s3233" name="Image" r:id="rId15" imgW="1574280" imgH="1053720" progId="Photoshop.Image.13">
+                  <p:oleObj spid="_x0000_s3241" name="Image" r:id="rId15" imgW="1574280" imgH="1053720" progId="Photoshop.Image.13">
                     <p:embed/>
                   </p:oleObj>
                 </mc:Choice>
@@ -17099,8 +17099,8 @@
         </p:nvSpPr>
         <p:spPr>
           <a:xfrm>
-            <a:off x="1051179" y="5966681"/>
-            <a:ext cx="15856490" cy="8098894"/>
+            <a:off x="1051179" y="6165461"/>
+            <a:ext cx="15856490" cy="5845969"/>
           </a:xfrm>
         </p:spPr>
         <p:txBody>
@@ -17141,7 +17141,7 @@
             </a:pPr>
             <a:r>
               <a:rPr lang="en-US" sz="3600" dirty="0" smtClean="0"/>
-              <a:t>Journalists could use this to streamline their workflow, and avoid the menial/time-consuming task of transcription by hand</a:t>
+              <a:t>Journalists could streamline their workflow, avoid doing transcription by hand</a:t>
             </a:r>
           </a:p>
           <a:p>
@@ -17151,17 +17151,7 @@
             </a:pPr>
             <a:r>
               <a:rPr lang="en-US" sz="3600" dirty="0" smtClean="0"/>
-              <a:t>Aims to reduce the amount of work a journalist must spend on transcription</a:t>
-            </a:r>
-          </a:p>
-          <a:p>
-            <a:pPr marL="457200" indent="-457200">
-              <a:buFont typeface="Arial" charset="0"/>
-              <a:buChar char="•"/>
-            </a:pPr>
-            <a:r>
-              <a:rPr lang="en-US" sz="3600" dirty="0" smtClean="0"/>
-              <a:t>Tools for speech transcription and speaker ID already exist but do not work in parallel</a:t>
+              <a:t>Speech transcription and speaker ID tools already exist but don’t work in parallel</a:t>
             </a:r>
           </a:p>
           <a:p>
@@ -17181,7 +17171,7 @@
             </a:pPr>
             <a:r>
               <a:rPr lang="en-US" sz="3600" dirty="0" smtClean="0"/>
-              <a:t>Our goal is to make one streamlined interface for creating transcriptions from an audio file</a:t>
+              <a:t>Goal: one streamlined interface for creating transcriptions from an audio file</a:t>
             </a:r>
             <a:endParaRPr lang="en-US" sz="3600" dirty="0"/>
           </a:p>
@@ -17229,8 +17219,8 @@
         </p:nvSpPr>
         <p:spPr>
           <a:xfrm>
-            <a:off x="1076061" y="18159683"/>
-            <a:ext cx="15858342" cy="8061961"/>
+            <a:off x="1076061" y="15078556"/>
+            <a:ext cx="15858342" cy="6843165"/>
           </a:xfrm>
         </p:spPr>
         <p:txBody>
@@ -17253,7 +17243,7 @@
             </a:pPr>
             <a:r>
               <a:rPr lang="en-US" sz="3600" dirty="0" smtClean="0"/>
-              <a:t>User selects portions of audio in which only one person is talking</a:t>
+              <a:t>User selects segment of audio in which only one person is talking</a:t>
             </a:r>
           </a:p>
           <a:p>
@@ -17283,7 +17273,7 @@
             </a:pPr>
             <a:r>
               <a:rPr lang="en-US" sz="3600" dirty="0" smtClean="0"/>
-              <a:t>Program uses self-similarity matrix to automatically determine where to split between speakers</a:t>
+              <a:t>Self-similarity matrix automatically determines where to split between speakers</a:t>
             </a:r>
           </a:p>
           <a:p>
@@ -17293,7 +17283,7 @@
             </a:pPr>
             <a:r>
               <a:rPr lang="en-US" sz="3600" dirty="0" smtClean="0"/>
-              <a:t>Segments audio into multiple distinct audio files</a:t>
+              <a:t>Segments audio into multiple distinct audio files (one speaker per file)</a:t>
             </a:r>
           </a:p>
           <a:p>
@@ -17303,17 +17293,7 @@
             </a:pPr>
             <a:r>
               <a:rPr lang="en-US" sz="3600" dirty="0" smtClean="0"/>
-              <a:t>Speech-to-text is run on every file in order</a:t>
-            </a:r>
-          </a:p>
-          <a:p>
-            <a:pPr marL="457200" indent="-457200">
-              <a:buFont typeface="Arial" charset="0"/>
-              <a:buChar char="•"/>
-            </a:pPr>
-            <a:r>
-              <a:rPr lang="en-US" sz="3600" dirty="0" smtClean="0"/>
-              <a:t>Speaker ID is run on every file, and prepends identified speaker to their associated audio clip.</a:t>
+              <a:t>Speech to text and speaker ID run on every file, and prepends identified speaker to their associated audio clip.</a:t>
             </a:r>
           </a:p>
           <a:p>
@@ -17341,7 +17321,7 @@
         </p:nvSpPr>
         <p:spPr>
           <a:xfrm>
-            <a:off x="1099092" y="17307692"/>
+            <a:off x="1099092" y="14226565"/>
             <a:ext cx="15835312" cy="1226700"/>
           </a:xfrm>
         </p:spPr>
@@ -17368,7 +17348,7 @@
         </p:nvSpPr>
         <p:spPr>
           <a:xfrm>
-            <a:off x="17679990" y="18164130"/>
+            <a:off x="34323954" y="18553173"/>
             <a:ext cx="15833456" cy="6953965"/>
           </a:xfrm>
         </p:spPr>
@@ -17563,8 +17543,8 @@
         </p:nvSpPr>
         <p:spPr>
           <a:xfrm>
-            <a:off x="17679990" y="17351154"/>
-            <a:ext cx="15833456" cy="1134367"/>
+            <a:off x="34555921" y="17818168"/>
+            <a:ext cx="15833456" cy="888145"/>
           </a:xfrm>
         </p:spPr>
         <p:txBody>
@@ -17572,7 +17552,7 @@
           <a:lstStyle/>
           <a:p>
             <a:r>
-              <a:rPr lang="en-US" sz="6000" dirty="0"/>
+              <a:rPr lang="en-US" sz="4400" dirty="0"/>
               <a:t>How we Built and Tested the Project</a:t>
             </a:r>
           </a:p>
@@ -17588,7 +17568,12 @@
             <p:ph type="body" sz="quarter" idx="24"/>
           </p:nvPr>
         </p:nvSpPr>
-        <p:spPr/>
+        <p:spPr>
+          <a:xfrm>
+            <a:off x="35176378" y="5878667"/>
+            <a:ext cx="15842722" cy="857368"/>
+          </a:xfrm>
+        </p:spPr>
         <p:txBody>
           <a:bodyPr/>
           <a:lstStyle/>
@@ -17610,7 +17595,12 @@
             <p:ph type="body" sz="quarter" idx="25"/>
           </p:nvPr>
         </p:nvSpPr>
-        <p:spPr/>
+        <p:spPr>
+          <a:xfrm>
+            <a:off x="17683850" y="5566163"/>
+            <a:ext cx="15838700" cy="857368"/>
+          </a:xfrm>
+        </p:spPr>
         <p:txBody>
           <a:bodyPr/>
           <a:lstStyle/>
@@ -17634,7 +17624,7 @@
         </p:nvSpPr>
         <p:spPr>
           <a:xfrm>
-            <a:off x="34295031" y="22637638"/>
+            <a:off x="34295031" y="25203038"/>
             <a:ext cx="15838700" cy="857368"/>
           </a:xfrm>
         </p:spPr>
@@ -17661,27 +17651,83 @@
         </p:nvSpPr>
         <p:spPr>
           <a:xfrm>
-            <a:off x="34292096" y="23584125"/>
-            <a:ext cx="15844570" cy="4147043"/>
+            <a:off x="34292096" y="25844731"/>
+            <a:ext cx="15844570" cy="3075980"/>
           </a:xfrm>
         </p:spPr>
         <p:txBody>
           <a:bodyPr/>
           <a:lstStyle/>
           <a:p>
+            <a:pPr marL="342900" indent="-342900">
+              <a:buFont typeface="Arial" charset="0"/>
+              <a:buChar char="•"/>
+            </a:pPr>
             <a:r>
-              <a:rPr lang="en-US" dirty="0"/>
-              <a:t>After all the work we have done, we can see that transcription is a very hard task to accomplish perfectly well. Noisy recordings contributed to worse performance on some recordings, as well as certain limitations in the performance of Bing’s API (on both the speaker recognition and transcription front). </a:t>
+              <a:rPr lang="en-US" sz="3600" dirty="0" smtClean="0">
+                <a:latin typeface="Times" charset="0"/>
+                <a:ea typeface="Times" charset="0"/>
+                <a:cs typeface="Times" charset="0"/>
+              </a:rPr>
+              <a:t>Transcription is hard to perform perfectly (or even close to perfectly) well</a:t>
             </a:r>
           </a:p>
           <a:p>
-            <a:endParaRPr lang="en-US" dirty="0"/>
+            <a:pPr marL="342900" indent="-342900">
+              <a:buFont typeface="Arial" charset="0"/>
+              <a:buChar char="•"/>
+            </a:pPr>
+            <a:r>
+              <a:rPr lang="en-US" sz="3600" dirty="0" smtClean="0">
+                <a:latin typeface="Times" charset="0"/>
+                <a:ea typeface="Times" charset="0"/>
+                <a:cs typeface="Times" charset="0"/>
+              </a:rPr>
+              <a:t>Noisy audio files destroy Bing’s API</a:t>
+            </a:r>
           </a:p>
           <a:p>
+            <a:pPr marL="342900" indent="-342900">
+              <a:buFont typeface="Arial" charset="0"/>
+              <a:buChar char="•"/>
+            </a:pPr>
             <a:r>
-              <a:rPr lang="en-US" dirty="0"/>
-              <a:t>In the end, however, we believe our tool could be a good start at creating a tool that could help journalists transcribe their interviews. It integrates some machine learning by utilizing the Bing API, as well as audio signal processing by constructing a self similarity matrix to determine how to segment the audio into individual speakers. Overall, we learned quite a bit!</a:t>
+              <a:rPr lang="en-US" sz="3600" dirty="0" smtClean="0">
+                <a:latin typeface="Times" charset="0"/>
+                <a:ea typeface="Times" charset="0"/>
+                <a:cs typeface="Times" charset="0"/>
+              </a:rPr>
+              <a:t>This tool could be a good start at something that could be optimized further</a:t>
             </a:r>
+          </a:p>
+          <a:p>
+            <a:pPr marL="2040986" lvl="1" indent="-342900">
+              <a:buFont typeface="Arial" charset="0"/>
+              <a:buChar char="•"/>
+            </a:pPr>
+            <a:r>
+              <a:rPr lang="en-US" sz="3600" dirty="0" smtClean="0">
+                <a:solidFill>
+                  <a:schemeClr val="accent5">
+                    <a:lumMod val="50000"/>
+                  </a:schemeClr>
+                </a:solidFill>
+                <a:latin typeface="Times" charset="0"/>
+                <a:ea typeface="Times" charset="0"/>
+                <a:cs typeface="Times" charset="0"/>
+              </a:rPr>
+              <a:t>But it’s not good enough for professional use just yet</a:t>
+            </a:r>
+            <a:endParaRPr lang="en-US" sz="3600" dirty="0">
+              <a:solidFill>
+                <a:schemeClr val="accent5">
+                  <a:lumMod val="50000"/>
+                </a:schemeClr>
+              </a:solidFill>
+              <a:latin typeface="Times" charset="0"/>
+              <a:ea typeface="Times" charset="0"/>
+              <a:cs typeface="Times" charset="0"/>
+            </a:endParaRPr>
           </a:p>
         </p:txBody>
       </p:sp>
@@ -17706,9 +17752,10 @@
           <a:lstStyle/>
           <a:p>
             <a:r>
-              <a:rPr lang="en-US" dirty="0"/>
-              <a:t>References</a:t>
+              <a:rPr lang="en-US" dirty="0" smtClean="0"/>
+              <a:t> References</a:t>
             </a:r>
+            <a:endParaRPr lang="en-US" dirty="0"/>
           </a:p>
         </p:txBody>
       </p:sp>
@@ -18150,8 +18197,8 @@
         </p:blipFill>
         <p:spPr>
           <a:xfrm>
-            <a:off x="34805070" y="6446708"/>
-            <a:ext cx="6660842" cy="3656698"/>
+            <a:off x="19975814" y="6401350"/>
+            <a:ext cx="11734498" cy="6442056"/>
           </a:xfrm>
           <a:prstGeom prst="rect">
             <a:avLst/>
@@ -18180,8 +18227,8 @@
         </p:blipFill>
         <p:spPr>
           <a:xfrm>
-            <a:off x="42012882" y="14248243"/>
-            <a:ext cx="6751813" cy="2943929"/>
+            <a:off x="25850911" y="20339102"/>
+            <a:ext cx="7419095" cy="3724229"/>
           </a:xfrm>
           <a:prstGeom prst="rect">
             <a:avLst/>
@@ -18210,7 +18257,7 @@
         </p:blipFill>
         <p:spPr>
           <a:xfrm>
-            <a:off x="42012881" y="7192378"/>
+            <a:off x="22467157" y="13212234"/>
             <a:ext cx="6751813" cy="2159671"/>
           </a:xfrm>
           <a:prstGeom prst="rect">
@@ -18259,8 +18306,8 @@
         </p:nvSpPr>
         <p:spPr>
           <a:xfrm>
-            <a:off x="40898617" y="6447499"/>
-            <a:ext cx="561289" cy="523220"/>
+            <a:off x="31115517" y="6406385"/>
+            <a:ext cx="594795" cy="536963"/>
           </a:xfrm>
           <a:prstGeom prst="rect">
             <a:avLst/>
@@ -18276,7 +18323,7 @@
           <a:lstStyle/>
           <a:p>
             <a:r>
-              <a:rPr lang="en-US" sz="2800">
+              <a:rPr lang="en-US" sz="2800" dirty="0">
                 <a:solidFill>
                   <a:schemeClr val="bg1"/>
                 </a:solidFill>
@@ -18285,13 +18332,6 @@
               </a:rPr>
               <a:t>1a</a:t>
             </a:r>
-            <a:endParaRPr lang="en-US" sz="2800" dirty="0">
-              <a:solidFill>
-                <a:schemeClr val="bg1"/>
-              </a:solidFill>
-              <a:latin typeface="Times New Roman" panose="02020603050405020304" pitchFamily="18" charset="0"/>
-              <a:cs typeface="Times New Roman" panose="02020603050405020304" pitchFamily="18" charset="0"/>
-            </a:endParaRPr>
           </a:p>
         </p:txBody>
       </p:sp>
@@ -18303,7 +18343,7 @@
         </p:nvSpPr>
         <p:spPr>
           <a:xfrm>
-            <a:off x="48197192" y="7193487"/>
+            <a:off x="28656744" y="13212234"/>
             <a:ext cx="567503" cy="523220"/>
           </a:xfrm>
           <a:prstGeom prst="rect">
@@ -18347,8 +18387,8 @@
         </p:nvSpPr>
         <p:spPr>
           <a:xfrm>
-            <a:off x="42012883" y="17542703"/>
-            <a:ext cx="7415815" cy="4401205"/>
+            <a:off x="17868753" y="29367043"/>
+            <a:ext cx="15519400" cy="4241650"/>
           </a:xfrm>
           <a:prstGeom prst="rect">
             <a:avLst/>
@@ -18356,13 +18396,13 @@
           <a:noFill/>
         </p:spPr>
         <p:txBody>
-          <a:bodyPr wrap="square" rtlCol="0">
+          <a:bodyPr wrap="square" numCol="3" rtlCol="0">
             <a:spAutoFit/>
           </a:bodyPr>
           <a:lstStyle/>
           <a:p>
             <a:r>
-              <a:rPr lang="en-US" sz="2000" b="1" dirty="0">
+              <a:rPr lang="en-US" sz="2400" b="1" dirty="0">
                 <a:latin typeface="Times New Roman" panose="02020603050405020304" pitchFamily="18" charset="0"/>
                 <a:cs typeface="Times New Roman" panose="02020603050405020304" pitchFamily="18" charset="0"/>
               </a:rPr>
@@ -18371,7 +18411,7 @@
           </a:p>
           <a:p>
             <a:r>
-              <a:rPr lang="en-US" sz="2000" dirty="0">
+              <a:rPr lang="en-US" sz="2400" dirty="0">
                 <a:latin typeface="Times New Roman" panose="02020603050405020304" pitchFamily="18" charset="0"/>
                 <a:cs typeface="Times New Roman" panose="02020603050405020304" pitchFamily="18" charset="0"/>
               </a:rPr>
@@ -18380,7 +18420,7 @@
           </a:p>
           <a:p>
             <a:r>
-              <a:rPr lang="en-US" sz="2000" dirty="0">
+              <a:rPr lang="en-US" sz="2400" dirty="0">
                 <a:latin typeface="Times New Roman" panose="02020603050405020304" pitchFamily="18" charset="0"/>
                 <a:cs typeface="Times New Roman" panose="02020603050405020304" pitchFamily="18" charset="0"/>
               </a:rPr>
@@ -18388,73 +18428,247 @@
             </a:r>
           </a:p>
           <a:p>
-            <a:endParaRPr lang="en-US" sz="2000" dirty="0">
+            <a:endParaRPr lang="en-US" sz="2400" dirty="0" smtClean="0">
+              <a:latin typeface="Times New Roman" panose="02020603050405020304" pitchFamily="18" charset="0"/>
+              <a:cs typeface="Times New Roman" panose="02020603050405020304" pitchFamily="18" charset="0"/>
+            </a:endParaRPr>
+          </a:p>
+          <a:p>
+            <a:endParaRPr lang="en-US" sz="2400" dirty="0">
+              <a:latin typeface="Times New Roman" panose="02020603050405020304" pitchFamily="18" charset="0"/>
+              <a:cs typeface="Times New Roman" panose="02020603050405020304" pitchFamily="18" charset="0"/>
+            </a:endParaRPr>
+          </a:p>
+          <a:p>
+            <a:endParaRPr lang="en-US" sz="2400" dirty="0" smtClean="0">
+              <a:latin typeface="Times New Roman" panose="02020603050405020304" pitchFamily="18" charset="0"/>
+              <a:cs typeface="Times New Roman" panose="02020603050405020304" pitchFamily="18" charset="0"/>
+            </a:endParaRPr>
+          </a:p>
+          <a:p>
+            <a:endParaRPr lang="en-US" sz="2400" dirty="0">
+              <a:latin typeface="Times New Roman" panose="02020603050405020304" pitchFamily="18" charset="0"/>
+              <a:cs typeface="Times New Roman" panose="02020603050405020304" pitchFamily="18" charset="0"/>
+            </a:endParaRPr>
+          </a:p>
+          <a:p>
+            <a:endParaRPr lang="en-US" sz="2400" dirty="0" smtClean="0">
+              <a:latin typeface="Times New Roman" panose="02020603050405020304" pitchFamily="18" charset="0"/>
+              <a:cs typeface="Times New Roman" panose="02020603050405020304" pitchFamily="18" charset="0"/>
+            </a:endParaRPr>
+          </a:p>
+          <a:p>
+            <a:endParaRPr lang="en-US" sz="2400" dirty="0" smtClean="0">
+              <a:latin typeface="Times New Roman" panose="02020603050405020304" pitchFamily="18" charset="0"/>
+              <a:cs typeface="Times New Roman" panose="02020603050405020304" pitchFamily="18" charset="0"/>
+            </a:endParaRPr>
+          </a:p>
+          <a:p>
+            <a:endParaRPr lang="en-US" sz="2400" dirty="0">
               <a:latin typeface="Times New Roman" panose="02020603050405020304" pitchFamily="18" charset="0"/>
               <a:cs typeface="Times New Roman" panose="02020603050405020304" pitchFamily="18" charset="0"/>
             </a:endParaRPr>
           </a:p>
           <a:p>
             <a:r>
-              <a:rPr lang="en-US" sz="2000" b="1" dirty="0">
+              <a:rPr lang="en-US" sz="2400" b="1" dirty="0" smtClean="0">
                 <a:latin typeface="Times New Roman" panose="02020603050405020304" pitchFamily="18" charset="0"/>
                 <a:cs typeface="Times New Roman" panose="02020603050405020304" pitchFamily="18" charset="0"/>
               </a:rPr>
-              <a:t>2. Waveform editing/segmentation screen</a:t>
+              <a:t>2</a:t>
+            </a:r>
+            <a:r>
+              <a:rPr lang="en-US" sz="2400" b="1" dirty="0">
+                <a:latin typeface="Times New Roman" panose="02020603050405020304" pitchFamily="18" charset="0"/>
+                <a:cs typeface="Times New Roman" panose="02020603050405020304" pitchFamily="18" charset="0"/>
+              </a:rPr>
+              <a:t>. Waveform editing/segmentation screen</a:t>
             </a:r>
           </a:p>
           <a:p>
             <a:r>
-              <a:rPr lang="en-US" sz="2000" dirty="0">
+              <a:rPr lang="en-US" sz="2400" dirty="0">
                 <a:latin typeface="Times New Roman" panose="02020603050405020304" pitchFamily="18" charset="0"/>
                 <a:cs typeface="Times New Roman" panose="02020603050405020304" pitchFamily="18" charset="0"/>
               </a:rPr>
-              <a:t>  a. User selects portions of audio in which only one speaker is talking</a:t>
+              <a:t>  a. User selects </a:t>
+            </a:r>
+            <a:r>
+              <a:rPr lang="en-US" sz="2400" dirty="0" smtClean="0">
+                <a:latin typeface="Times New Roman" panose="02020603050405020304" pitchFamily="18" charset="0"/>
+                <a:cs typeface="Times New Roman" panose="02020603050405020304" pitchFamily="18" charset="0"/>
+              </a:rPr>
+              <a:t>portion </a:t>
+            </a:r>
+            <a:r>
+              <a:rPr lang="en-US" sz="2400" dirty="0">
+                <a:latin typeface="Times New Roman" panose="02020603050405020304" pitchFamily="18" charset="0"/>
+                <a:cs typeface="Times New Roman" panose="02020603050405020304" pitchFamily="18" charset="0"/>
+              </a:rPr>
+              <a:t>of </a:t>
+            </a:r>
+            <a:r>
+              <a:rPr lang="en-US" sz="2400" dirty="0" smtClean="0">
+                <a:latin typeface="Times New Roman" panose="02020603050405020304" pitchFamily="18" charset="0"/>
+                <a:cs typeface="Times New Roman" panose="02020603050405020304" pitchFamily="18" charset="0"/>
+              </a:rPr>
+              <a:t>audio  </a:t>
             </a:r>
           </a:p>
           <a:p>
             <a:r>
-              <a:rPr lang="en-US" sz="2000" dirty="0">
+              <a:rPr lang="en-US" sz="2400" dirty="0">
                 <a:latin typeface="Times New Roman" panose="02020603050405020304" pitchFamily="18" charset="0"/>
                 <a:cs typeface="Times New Roman" panose="02020603050405020304" pitchFamily="18" charset="0"/>
               </a:rPr>
-              <a:t>  b. User assigns a name to the speaker of the current selection and enrolls the speaker (training the speaker recognition API)</a:t>
+              <a:t> </a:t>
             </a:r>
-          </a:p>
-          <a:p>
             <a:r>
-              <a:rPr lang="en-US" sz="2000" dirty="0">
+              <a:rPr lang="en-US" sz="2400" dirty="0" smtClean="0">
                 <a:latin typeface="Times New Roman" panose="02020603050405020304" pitchFamily="18" charset="0"/>
                 <a:cs typeface="Times New Roman" panose="02020603050405020304" pitchFamily="18" charset="0"/>
               </a:rPr>
-              <a:t>  c. User repeats this for each speaker in the file (once per speaker)</a:t>
+              <a:t> </a:t>
             </a:r>
-          </a:p>
-          <a:p>
             <a:r>
-              <a:rPr lang="en-US" sz="2000" dirty="0">
+              <a:rPr lang="en-US" sz="2400" dirty="0" smtClean="0">
                 <a:latin typeface="Times New Roman" panose="02020603050405020304" pitchFamily="18" charset="0"/>
                 <a:cs typeface="Times New Roman" panose="02020603050405020304" pitchFamily="18" charset="0"/>
               </a:rPr>
-              <a:t>  d. Once satisfied with the selections, the user only needs to press transcribe and the text will be generated!</a:t>
+              <a:t>b</a:t>
             </a:r>
-          </a:p>
-          <a:p>
-            <a:endParaRPr lang="en-US" sz="2000" dirty="0">
+            <a:r>
+              <a:rPr lang="en-US" sz="2400" dirty="0">
+                <a:latin typeface="Times New Roman" panose="02020603050405020304" pitchFamily="18" charset="0"/>
+                <a:cs typeface="Times New Roman" panose="02020603050405020304" pitchFamily="18" charset="0"/>
+              </a:rPr>
+              <a:t>. User assigns </a:t>
+            </a:r>
+            <a:r>
+              <a:rPr lang="en-US" sz="2400" dirty="0" smtClean="0">
+                <a:latin typeface="Times New Roman" panose="02020603050405020304" pitchFamily="18" charset="0"/>
+                <a:cs typeface="Times New Roman" panose="02020603050405020304" pitchFamily="18" charset="0"/>
+              </a:rPr>
+              <a:t>name to current </a:t>
+            </a:r>
+            <a:r>
+              <a:rPr lang="en-US" sz="2400" dirty="0" smtClean="0">
+                <a:latin typeface="Times New Roman" panose="02020603050405020304" pitchFamily="18" charset="0"/>
+                <a:cs typeface="Times New Roman" panose="02020603050405020304" pitchFamily="18" charset="0"/>
+              </a:rPr>
+              <a:t>speaker,</a:t>
+            </a:r>
+            <a:r>
+              <a:rPr lang="en-US" sz="2400" dirty="0" smtClean="0">
+                <a:latin typeface="Times New Roman" panose="02020603050405020304" pitchFamily="18" charset="0"/>
+                <a:cs typeface="Times New Roman" panose="02020603050405020304" pitchFamily="18" charset="0"/>
+              </a:rPr>
+              <a:t> </a:t>
+            </a:r>
+            <a:r>
+              <a:rPr lang="en-US" sz="2400" dirty="0">
+                <a:latin typeface="Times New Roman" panose="02020603050405020304" pitchFamily="18" charset="0"/>
+                <a:cs typeface="Times New Roman" panose="02020603050405020304" pitchFamily="18" charset="0"/>
+              </a:rPr>
+              <a:t>enrolls </a:t>
+            </a:r>
+            <a:r>
+              <a:rPr lang="en-US" sz="2400" dirty="0" smtClean="0">
+                <a:latin typeface="Times New Roman" panose="02020603050405020304" pitchFamily="18" charset="0"/>
+                <a:cs typeface="Times New Roman" panose="02020603050405020304" pitchFamily="18" charset="0"/>
+              </a:rPr>
+              <a:t>them (trains the API)</a:t>
+            </a:r>
+            <a:endParaRPr lang="en-US" sz="2400" dirty="0">
               <a:latin typeface="Times New Roman" panose="02020603050405020304" pitchFamily="18" charset="0"/>
               <a:cs typeface="Times New Roman" panose="02020603050405020304" pitchFamily="18" charset="0"/>
             </a:endParaRPr>
           </a:p>
           <a:p>
             <a:r>
-              <a:rPr lang="en-US" sz="2000" b="1" dirty="0">
+              <a:rPr lang="en-US" sz="2400" dirty="0">
                 <a:latin typeface="Times New Roman" panose="02020603050405020304" pitchFamily="18" charset="0"/>
                 <a:cs typeface="Times New Roman" panose="02020603050405020304" pitchFamily="18" charset="0"/>
               </a:rPr>
-              <a:t>3. Generated transcript is displayed!</a:t>
+              <a:t>  c. </a:t>
+            </a:r>
+            <a:r>
+              <a:rPr lang="en-US" sz="2400" dirty="0" smtClean="0">
+                <a:latin typeface="Times New Roman" panose="02020603050405020304" pitchFamily="18" charset="0"/>
+                <a:cs typeface="Times New Roman" panose="02020603050405020304" pitchFamily="18" charset="0"/>
+              </a:rPr>
+              <a:t>Repeat for each speaker</a:t>
             </a:r>
           </a:p>
           <a:p>
-            <a:endParaRPr lang="en-US" sz="2000" dirty="0">
+            <a:r>
+              <a:rPr lang="en-US" sz="2400" dirty="0" smtClean="0">
+                <a:latin typeface="Times New Roman" panose="02020603050405020304" pitchFamily="18" charset="0"/>
+                <a:cs typeface="Times New Roman" panose="02020603050405020304" pitchFamily="18" charset="0"/>
+              </a:rPr>
+              <a:t>  d</a:t>
+            </a:r>
+            <a:r>
+              <a:rPr lang="en-US" sz="2400" dirty="0">
+                <a:latin typeface="Times New Roman" panose="02020603050405020304" pitchFamily="18" charset="0"/>
+                <a:cs typeface="Times New Roman" panose="02020603050405020304" pitchFamily="18" charset="0"/>
+              </a:rPr>
+              <a:t>. </a:t>
+            </a:r>
+            <a:r>
+              <a:rPr lang="en-US" sz="2400" dirty="0" smtClean="0">
+                <a:latin typeface="Times New Roman" panose="02020603050405020304" pitchFamily="18" charset="0"/>
+                <a:cs typeface="Times New Roman" panose="02020603050405020304" pitchFamily="18" charset="0"/>
+              </a:rPr>
+              <a:t>Click to transcribe!</a:t>
+            </a:r>
+            <a:endParaRPr lang="en-US" sz="2400" dirty="0">
+              <a:latin typeface="Times New Roman" panose="02020603050405020304" pitchFamily="18" charset="0"/>
+              <a:cs typeface="Times New Roman" panose="02020603050405020304" pitchFamily="18" charset="0"/>
+            </a:endParaRPr>
+          </a:p>
+          <a:p>
+            <a:endParaRPr lang="en-US" sz="2400" dirty="0" smtClean="0">
+              <a:latin typeface="Times New Roman" panose="02020603050405020304" pitchFamily="18" charset="0"/>
+              <a:cs typeface="Times New Roman" panose="02020603050405020304" pitchFamily="18" charset="0"/>
+            </a:endParaRPr>
+          </a:p>
+          <a:p>
+            <a:endParaRPr lang="en-US" sz="2400" dirty="0">
+              <a:latin typeface="Times New Roman" panose="02020603050405020304" pitchFamily="18" charset="0"/>
+              <a:cs typeface="Times New Roman" panose="02020603050405020304" pitchFamily="18" charset="0"/>
+            </a:endParaRPr>
+          </a:p>
+          <a:p>
+            <a:endParaRPr lang="en-US" sz="2400" dirty="0" smtClean="0">
+              <a:latin typeface="Times New Roman" panose="02020603050405020304" pitchFamily="18" charset="0"/>
+              <a:cs typeface="Times New Roman" panose="02020603050405020304" pitchFamily="18" charset="0"/>
+            </a:endParaRPr>
+          </a:p>
+          <a:p>
+            <a:endParaRPr lang="en-US" sz="2400" dirty="0">
+              <a:latin typeface="Times New Roman" panose="02020603050405020304" pitchFamily="18" charset="0"/>
+              <a:cs typeface="Times New Roman" panose="02020603050405020304" pitchFamily="18" charset="0"/>
+            </a:endParaRPr>
+          </a:p>
+          <a:p>
+            <a:r>
+              <a:rPr lang="en-US" sz="2400" b="1" dirty="0" smtClean="0">
+                <a:latin typeface="Times New Roman" panose="02020603050405020304" pitchFamily="18" charset="0"/>
+                <a:cs typeface="Times New Roman" panose="02020603050405020304" pitchFamily="18" charset="0"/>
+              </a:rPr>
+              <a:t>3. </a:t>
+            </a:r>
+            <a:r>
+              <a:rPr lang="en-US" sz="2400" b="1" dirty="0">
+                <a:latin typeface="Times New Roman" panose="02020603050405020304" pitchFamily="18" charset="0"/>
+                <a:cs typeface="Times New Roman" panose="02020603050405020304" pitchFamily="18" charset="0"/>
+              </a:rPr>
+              <a:t>Generated transcript is displayed!</a:t>
+            </a:r>
+          </a:p>
+          <a:p>
+            <a:endParaRPr lang="en-US" sz="2400" dirty="0">
               <a:latin typeface="Times New Roman" panose="02020603050405020304" pitchFamily="18" charset="0"/>
               <a:cs typeface="Times New Roman" panose="02020603050405020304" pitchFamily="18" charset="0"/>
             </a:endParaRPr>
@@ -18469,7 +18683,7 @@
         </p:nvSpPr>
         <p:spPr>
           <a:xfrm>
-            <a:off x="48206546" y="14248226"/>
+            <a:off x="32704009" y="20339102"/>
             <a:ext cx="565997" cy="518588"/>
           </a:xfrm>
           <a:prstGeom prst="rect">
@@ -18513,7 +18727,7 @@
         </p:nvGrpSpPr>
         <p:grpSpPr>
           <a:xfrm>
-            <a:off x="2563829" y="25031771"/>
+            <a:off x="3299325" y="22030156"/>
             <a:ext cx="12838601" cy="7311337"/>
             <a:chOff x="1109538" y="25108766"/>
             <a:chExt cx="12838601" cy="7311337"/>
@@ -19009,8 +19223,8 @@
         </p:blipFill>
         <p:spPr>
           <a:xfrm>
-            <a:off x="34781560" y="10393302"/>
-            <a:ext cx="6678346" cy="3531930"/>
+            <a:off x="17977599" y="15510479"/>
+            <a:ext cx="7437693" cy="4236208"/>
           </a:xfrm>
           <a:prstGeom prst="rect">
             <a:avLst/>
@@ -19039,8 +19253,8 @@
         </p:blipFill>
         <p:spPr>
           <a:xfrm>
-            <a:off x="42012882" y="10359617"/>
-            <a:ext cx="6751813" cy="3599300"/>
+            <a:off x="25850911" y="15510479"/>
+            <a:ext cx="7419095" cy="4251006"/>
           </a:xfrm>
           <a:prstGeom prst="rect">
             <a:avLst/>
@@ -19055,7 +19269,7 @@
         </p:nvSpPr>
         <p:spPr>
           <a:xfrm>
-            <a:off x="40898617" y="10391027"/>
+            <a:off x="24868640" y="15514036"/>
             <a:ext cx="561289" cy="523220"/>
           </a:xfrm>
           <a:prstGeom prst="rect">
@@ -19099,7 +19313,7 @@
         </p:nvSpPr>
         <p:spPr>
           <a:xfrm>
-            <a:off x="48197192" y="10403509"/>
+            <a:off x="32702503" y="15514036"/>
             <a:ext cx="567503" cy="523220"/>
           </a:xfrm>
           <a:prstGeom prst="rect">
@@ -19150,8 +19364,8 @@
         </p:blipFill>
         <p:spPr>
           <a:xfrm>
-            <a:off x="34781560" y="14248243"/>
-            <a:ext cx="6619910" cy="2946667"/>
+            <a:off x="17977599" y="20339102"/>
+            <a:ext cx="7437693" cy="3724229"/>
           </a:xfrm>
           <a:prstGeom prst="rect">
             <a:avLst/>
@@ -19166,7 +19380,7 @@
         </p:nvSpPr>
         <p:spPr>
           <a:xfrm>
-            <a:off x="40841098" y="14254660"/>
+            <a:off x="24854920" y="20353900"/>
             <a:ext cx="560372" cy="523220"/>
           </a:xfrm>
           <a:prstGeom prst="rect">
@@ -19206,51 +19420,15 @@
         <p:nvCxnSpPr>
           <p:cNvPr id="76" name="Straight Arrow Connector 75"/>
           <p:cNvCxnSpPr>
-            <a:stCxn id="4" idx="3"/>
-            <a:endCxn id="47" idx="1"/>
-          </p:cNvCxnSpPr>
-          <p:nvPr/>
-        </p:nvCxnSpPr>
-        <p:spPr>
-          <a:xfrm flipV="1">
-            <a:off x="41465912" y="8272214"/>
-            <a:ext cx="546969" cy="2843"/>
-          </a:xfrm>
-          <a:prstGeom prst="straightConnector1">
-            <a:avLst/>
-          </a:prstGeom>
-          <a:ln>
-            <a:tailEnd type="triangle"/>
-          </a:ln>
-        </p:spPr>
-        <p:style>
-          <a:lnRef idx="3">
-            <a:schemeClr val="accent2"/>
-          </a:lnRef>
-          <a:fillRef idx="0">
-            <a:schemeClr val="accent2"/>
-          </a:fillRef>
-          <a:effectRef idx="2">
-            <a:schemeClr val="accent2"/>
-          </a:effectRef>
-          <a:fontRef idx="minor">
-            <a:schemeClr val="tx1"/>
-          </a:fontRef>
-        </p:style>
-      </p:cxnSp>
-      <p:cxnSp>
-        <p:nvCxnSpPr>
-          <p:cNvPr id="80" name="Straight Arrow Connector 79"/>
-          <p:cNvCxnSpPr>
-            <a:stCxn id="39" idx="3"/>
-            <a:endCxn id="71" idx="1"/>
+            <a:stCxn id="4" idx="2"/>
+            <a:endCxn id="47" idx="0"/>
           </p:cNvCxnSpPr>
           <p:nvPr/>
         </p:nvCxnSpPr>
         <p:spPr>
           <a:xfrm>
-            <a:off x="41459906" y="12159267"/>
-            <a:ext cx="552976" cy="0"/>
+            <a:off x="25843063" y="12843406"/>
+            <a:ext cx="1" cy="368828"/>
           </a:xfrm>
           <a:prstGeom prst="straightConnector1">
             <a:avLst/>
@@ -19285,13 +19463,16 @@
         </p:nvCxnSpPr>
         <p:spPr>
           <a:xfrm rot="5400000">
-            <a:off x="41595489" y="10454943"/>
-            <a:ext cx="289326" cy="7297274"/>
+            <a:off x="25339645" y="16118287"/>
+            <a:ext cx="577617" cy="7864013"/>
           </a:xfrm>
           <a:prstGeom prst="bentConnector3">
             <a:avLst/>
           </a:prstGeom>
-          <a:ln>
+          <a:ln w="76200">
+            <a:solidFill>
+              <a:schemeClr val="accent2"/>
+            </a:solidFill>
             <a:tailEnd type="triangle"/>
           </a:ln>
         </p:spPr>
@@ -19320,14 +19501,17 @@
           <p:nvPr/>
         </p:nvCxnSpPr>
         <p:spPr>
-          <a:xfrm flipV="1">
-            <a:off x="41401470" y="15720208"/>
-            <a:ext cx="611412" cy="1369"/>
+          <a:xfrm>
+            <a:off x="25415292" y="22201217"/>
+            <a:ext cx="435619" cy="0"/>
           </a:xfrm>
           <a:prstGeom prst="straightConnector1">
             <a:avLst/>
           </a:prstGeom>
-          <a:ln>
+          <a:ln w="76200">
+            <a:solidFill>
+              <a:schemeClr val="accent2"/>
+            </a:solidFill>
             <a:tailEnd type="triangle"/>
           </a:ln>
         </p:spPr>
@@ -19361,14 +19545,14 @@
           <p:nvPr>
             <p:extLst>
               <p:ext uri="{D42A27DB-BD31-4B8C-83A1-F6EECF244321}">
-                <p14:modId xmlns:p14="http://schemas.microsoft.com/office/powerpoint/2010/main" val="4263559025"/>
+                <p14:modId xmlns:p14="http://schemas.microsoft.com/office/powerpoint/2010/main" val="1172332296"/>
               </p:ext>
             </p:extLst>
           </p:nvPr>
         </p:nvGraphicFramePr>
         <p:xfrm>
-          <a:off x="20517715" y="7598363"/>
-          <a:ext cx="8593844" cy="5003202"/>
+          <a:off x="35901531" y="6898614"/>
+          <a:ext cx="13142237" cy="5445499"/>
         </p:xfrm>
         <a:graphic>
           <a:graphicData uri="http://schemas.openxmlformats.org/drawingml/2006/chart">
@@ -19391,14 +19575,14 @@
           <p:nvPr>
             <p:extLst>
               <p:ext uri="{D42A27DB-BD31-4B8C-83A1-F6EECF244321}">
-                <p14:modId xmlns:p14="http://schemas.microsoft.com/office/powerpoint/2010/main" val="1324069107"/>
+                <p14:modId xmlns:p14="http://schemas.microsoft.com/office/powerpoint/2010/main" val="226437647"/>
               </p:ext>
             </p:extLst>
           </p:nvPr>
         </p:nvGraphicFramePr>
         <p:xfrm>
-          <a:off x="20517716" y="12679686"/>
-          <a:ext cx="8593844" cy="4593346"/>
+          <a:off x="36208699" y="12391668"/>
+          <a:ext cx="12527900" cy="4749590"/>
         </p:xfrm>
         <a:graphic>
           <a:graphicData uri="http://schemas.openxmlformats.org/drawingml/2006/chart">
@@ -19428,7 +19612,7 @@
         </p:blipFill>
         <p:spPr>
           <a:xfrm>
-            <a:off x="2563829" y="14289661"/>
+            <a:off x="2563829" y="11009747"/>
             <a:ext cx="12283887" cy="3246357"/>
           </a:xfrm>
           <a:prstGeom prst="rect">
@@ -19436,6 +19620,45 @@
           </a:prstGeom>
         </p:spPr>
       </p:pic>
+      <p:cxnSp>
+        <p:nvCxnSpPr>
+          <p:cNvPr id="69" name="Straight Arrow Connector 68"/>
+          <p:cNvCxnSpPr>
+            <a:stCxn id="39" idx="3"/>
+            <a:endCxn id="71" idx="1"/>
+          </p:cNvCxnSpPr>
+          <p:nvPr/>
+        </p:nvCxnSpPr>
+        <p:spPr>
+          <a:xfrm>
+            <a:off x="25415292" y="17628583"/>
+            <a:ext cx="435619" cy="7399"/>
+          </a:xfrm>
+          <a:prstGeom prst="straightConnector1">
+            <a:avLst/>
+          </a:prstGeom>
+          <a:ln w="76200">
+            <a:solidFill>
+              <a:schemeClr val="accent2"/>
+            </a:solidFill>
+            <a:tailEnd type="triangle"/>
+          </a:ln>
+        </p:spPr>
+        <p:style>
+          <a:lnRef idx="3">
+            <a:schemeClr val="accent2"/>
+          </a:lnRef>
+          <a:fillRef idx="0">
+            <a:schemeClr val="accent2"/>
+          </a:fillRef>
+          <a:effectRef idx="2">
+            <a:schemeClr val="accent2"/>
+          </a:effectRef>
+          <a:fontRef idx="minor">
+            <a:schemeClr val="tx1"/>
+          </a:fontRef>
+        </p:style>
+      </p:cxnSp>
     </p:spTree>
     <p:extLst>
       <p:ext uri="{BB962C8B-B14F-4D97-AF65-F5344CB8AC3E}">

--- a/Poster.pptx
+++ b/Poster.pptx
@@ -179,7 +179,7 @@
 </file>
 
 <file path=ppt/charts/chart1.xml><?xml version="1.0" encoding="utf-8"?>
-<c:chartSpace xmlns:c="http://schemas.openxmlformats.org/drawingml/2006/chart" xmlns:a="http://schemas.openxmlformats.org/drawingml/2006/main" xmlns:r="http://schemas.openxmlformats.org/officeDocument/2006/relationships">
+<c:chartSpace xmlns:c="http://schemas.openxmlformats.org/drawingml/2006/chart" xmlns:a="http://schemas.openxmlformats.org/drawingml/2006/main" xmlns:r="http://schemas.openxmlformats.org/officeDocument/2006/relationships" xmlns:c16r2="http://schemas.microsoft.com/office/drawing/2015/06/chart">
   <c:date1904 val="0"/>
   <c:lang val="en-US"/>
   <c:roundedCorners val="0"/>
@@ -232,7 +232,6 @@
           </a:p>
         </c:rich>
       </c:tx>
-      <c:layout/>
       <c:overlay val="0"/>
       <c:spPr>
         <a:noFill/>
@@ -266,10 +265,10 @@
           <c:layoutTarget val="inner"/>
           <c:xMode val="edge"/>
           <c:yMode val="edge"/>
-          <c:x val="0.0762251871981349"/>
-          <c:y val="0.205980536918043"/>
-          <c:w val="0.915530183727034"/>
-          <c:h val="0.656754776788308"/>
+          <c:x val="7.6225187198134897E-2"/>
+          <c:y val="0.20598053691804299"/>
+          <c:w val="0.91553018372703399"/>
+          <c:h val="0.62949049853847749"/>
         </c:manualLayout>
       </c:layout>
       <c:barChart>
@@ -335,27 +334,27 @@
                 <c:formatCode>General</c:formatCode>
                 <c:ptCount val="6"/>
                 <c:pt idx="0">
-                  <c:v>0.8928571429</c:v>
+                  <c:v>0.89285714289999996</c:v>
                 </c:pt>
                 <c:pt idx="1">
-                  <c:v>0.7435897436</c:v>
+                  <c:v>0.74358974359999996</c:v>
                 </c:pt>
                 <c:pt idx="2">
-                  <c:v>0.8695652174</c:v>
+                  <c:v>0.86956521740000003</c:v>
                 </c:pt>
                 <c:pt idx="3">
                   <c:v>0.92</c:v>
                 </c:pt>
                 <c:pt idx="4">
-                  <c:v>0.7045454545</c:v>
+                  <c:v>0.70454545449999995</c:v>
                 </c:pt>
                 <c:pt idx="5">
-                  <c:v>0.7045454545</c:v>
+                  <c:v>0.70454545449999995</c:v>
                 </c:pt>
               </c:numCache>
             </c:numRef>
           </c:val>
-          <c:extLst xmlns:c16r2="http://schemas.microsoft.com/office/drawing/2015/06/chart">
+          <c:extLst>
             <c:ext xmlns:c16="http://schemas.microsoft.com/office/drawing/2014/chart" uri="{C3380CC4-5D6E-409C-BE32-E72D297353CC}">
               <c16:uniqueId val="{00000000-D993-4FC7-8EFA-FBB5382EB190}"/>
             </c:ext>
@@ -420,27 +419,27 @@
                 <c:formatCode>General</c:formatCode>
                 <c:ptCount val="6"/>
                 <c:pt idx="0">
-                  <c:v>0.8421052632</c:v>
+                  <c:v>0.84210526320000001</c:v>
                 </c:pt>
                 <c:pt idx="1">
-                  <c:v>0.8571428571</c:v>
+                  <c:v>0.85714285710000004</c:v>
                 </c:pt>
                 <c:pt idx="2">
                   <c:v>0.05</c:v>
                 </c:pt>
                 <c:pt idx="3">
-                  <c:v>0.8095238095</c:v>
+                  <c:v>0.80952380950000002</c:v>
                 </c:pt>
                 <c:pt idx="4">
-                  <c:v>0.8333333333</c:v>
+                  <c:v>0.83333333330000003</c:v>
                 </c:pt>
                 <c:pt idx="5">
-                  <c:v>0.8333333333</c:v>
+                  <c:v>0.83333333330000003</c:v>
                 </c:pt>
               </c:numCache>
             </c:numRef>
           </c:val>
-          <c:extLst xmlns:c16r2="http://schemas.microsoft.com/office/drawing/2015/06/chart">
+          <c:extLst>
             <c:ext xmlns:c16="http://schemas.microsoft.com/office/drawing/2014/chart" uri="{C3380CC4-5D6E-409C-BE32-E72D297353CC}">
               <c16:uniqueId val="{00000001-D993-4FC7-8EFA-FBB5382EB190}"/>
             </c:ext>
@@ -466,6 +465,83 @@
         </c:scaling>
         <c:delete val="0"/>
         <c:axPos val="b"/>
+        <c:title>
+          <c:tx>
+            <c:rich>
+              <a:bodyPr rot="0" spcFirstLastPara="1" vertOverflow="ellipsis" vert="horz" wrap="square" anchor="ctr" anchorCtr="1"/>
+              <a:lstStyle/>
+              <a:p>
+                <a:pPr>
+                  <a:defRPr sz="2400" b="0" i="0" u="none" strike="noStrike" kern="1200" baseline="0">
+                    <a:solidFill>
+                      <a:schemeClr val="tx1"/>
+                    </a:solidFill>
+                    <a:latin typeface="+mn-lt"/>
+                    <a:ea typeface="+mn-ea"/>
+                    <a:cs typeface="+mn-cs"/>
+                  </a:defRPr>
+                </a:pPr>
+                <a:r>
+                  <a:rPr lang="en-US" sz="2400" dirty="0">
+                    <a:solidFill>
+                      <a:schemeClr val="tx1"/>
+                    </a:solidFill>
+                  </a:rPr>
+                  <a:t>Type of Feature Vector and Audio</a:t>
+                </a:r>
+                <a:r>
+                  <a:rPr lang="en-US" sz="2400" baseline="0" dirty="0">
+                    <a:solidFill>
+                      <a:schemeClr val="tx1"/>
+                    </a:solidFill>
+                  </a:rPr>
+                  <a:t> </a:t>
+                </a:r>
+                <a:r>
+                  <a:rPr lang="en-US" sz="2400" dirty="0">
+                    <a:solidFill>
+                      <a:schemeClr val="tx1"/>
+                    </a:solidFill>
+                  </a:rPr>
+                  <a:t>Segmentation</a:t>
+                </a:r>
+              </a:p>
+            </c:rich>
+          </c:tx>
+          <c:layout>
+            <c:manualLayout>
+              <c:xMode val="edge"/>
+              <c:yMode val="edge"/>
+              <c:x val="0.33333495659833245"/>
+              <c:y val="0.9154163205699607"/>
+            </c:manualLayout>
+          </c:layout>
+          <c:overlay val="0"/>
+          <c:spPr>
+            <a:noFill/>
+            <a:ln>
+              <a:noFill/>
+            </a:ln>
+            <a:effectLst/>
+          </c:spPr>
+          <c:txPr>
+            <a:bodyPr rot="0" spcFirstLastPara="1" vertOverflow="ellipsis" vert="horz" wrap="square" anchor="ctr" anchorCtr="1"/>
+            <a:lstStyle/>
+            <a:p>
+              <a:pPr>
+                <a:defRPr sz="2400" b="0" i="0" u="none" strike="noStrike" kern="1200" baseline="0">
+                  <a:solidFill>
+                    <a:schemeClr val="tx1"/>
+                  </a:solidFill>
+                  <a:latin typeface="+mn-lt"/>
+                  <a:ea typeface="+mn-ea"/>
+                  <a:cs typeface="+mn-cs"/>
+                </a:defRPr>
+              </a:pPr>
+              <a:endParaRPr lang="en-US"/>
+            </a:p>
+          </c:txPr>
+        </c:title>
         <c:numFmt formatCode="General" sourceLinked="1"/>
         <c:majorTickMark val="none"/>
         <c:minorTickMark val="none"/>
@@ -490,10 +566,7 @@
             <a:pPr>
               <a:defRPr sz="1600" b="0" i="0" u="none" strike="noStrike" kern="1200" baseline="0">
                 <a:solidFill>
-                  <a:schemeClr val="tx1">
-                    <a:lumMod val="65000"/>
-                    <a:lumOff val="35000"/>
-                  </a:schemeClr>
+                  <a:schemeClr val="tx1"/>
                 </a:solidFill>
                 <a:latin typeface="+mn-lt"/>
                 <a:ea typeface="+mn-ea"/>
@@ -519,11 +592,10 @@
         <c:axPos val="l"/>
         <c:majorGridlines>
           <c:spPr>
-            <a:ln w="9525" cap="flat" cmpd="sng" algn="ctr">
+            <a:ln w="22225" cap="flat" cmpd="sng" algn="ctr">
               <a:solidFill>
                 <a:schemeClr val="tx1">
-                  <a:lumMod val="15000"/>
-                  <a:lumOff val="85000"/>
+                  <a:alpha val="15000"/>
                 </a:schemeClr>
               </a:solidFill>
               <a:round/>
@@ -549,10 +621,7 @@
             <a:pPr>
               <a:defRPr sz="1600" b="0" i="0" u="none" strike="noStrike" kern="1200" baseline="0">
                 <a:solidFill>
-                  <a:schemeClr val="tx1">
-                    <a:lumMod val="65000"/>
-                    <a:lumOff val="35000"/>
-                  </a:schemeClr>
+                  <a:schemeClr val="tx1"/>
                 </a:solidFill>
                 <a:latin typeface="+mn-lt"/>
                 <a:ea typeface="+mn-ea"/>
@@ -580,9 +649,9 @@
         <c:manualLayout>
           <c:xMode val="edge"/>
           <c:yMode val="edge"/>
-          <c:x val="0.768226620754974"/>
+          <c:x val="0.83297204273519032"/>
           <c:y val="0.115287912467812"/>
-          <c:w val="0.222110653599493"/>
+          <c:w val="0.1573652187218964"/>
           <c:h val="0.16997625876573"/>
         </c:manualLayout>
       </c:layout>
@@ -643,7 +712,7 @@
 </file>
 
 <file path=ppt/charts/chart2.xml><?xml version="1.0" encoding="utf-8"?>
-<c:chartSpace xmlns:c="http://schemas.openxmlformats.org/drawingml/2006/chart" xmlns:a="http://schemas.openxmlformats.org/drawingml/2006/main" xmlns:r="http://schemas.openxmlformats.org/officeDocument/2006/relationships">
+<c:chartSpace xmlns:c="http://schemas.openxmlformats.org/drawingml/2006/chart" xmlns:a="http://schemas.openxmlformats.org/drawingml/2006/main" xmlns:r="http://schemas.openxmlformats.org/officeDocument/2006/relationships" xmlns:c16r2="http://schemas.microsoft.com/office/drawing/2015/06/chart">
   <c:date1904 val="0"/>
   <c:lang val="en-US"/>
   <c:roundedCorners val="0"/>
@@ -687,8 +756,8 @@
         <c:manualLayout>
           <c:xMode val="edge"/>
           <c:yMode val="edge"/>
-          <c:x val="0.196989496202165"/>
-          <c:y val="0.0420641075155235"/>
+          <c:x val="0.29532204120403266"/>
+          <c:y val="4.206406598694501E-2"/>
         </c:manualLayout>
       </c:layout>
       <c:overlay val="0"/>
@@ -724,10 +793,10 @@
           <c:layoutTarget val="inner"/>
           <c:xMode val="edge"/>
           <c:yMode val="edge"/>
-          <c:x val="0.0568867511114848"/>
-          <c:y val="0.165757380349749"/>
-          <c:w val="0.921388925028677"/>
-          <c:h val="0.713973223368309"/>
+          <c:x val="5.68867511114848E-2"/>
+          <c:y val="0.16575738034974899"/>
+          <c:w val="0.92138892502867697"/>
+          <c:h val="0.67495503875135421"/>
         </c:manualLayout>
       </c:layout>
       <c:barChart>
@@ -793,27 +862,27 @@
                 <c:formatCode>General</c:formatCode>
                 <c:ptCount val="6"/>
                 <c:pt idx="0">
-                  <c:v>0.3428571429</c:v>
+                  <c:v>0.34285714290000002</c:v>
                 </c:pt>
                 <c:pt idx="1">
-                  <c:v>0.2962962963</c:v>
+                  <c:v>0.29629629629999998</c:v>
                 </c:pt>
                 <c:pt idx="2">
-                  <c:v>0.2962962963</c:v>
+                  <c:v>0.29629629629999998</c:v>
                 </c:pt>
                 <c:pt idx="3">
-                  <c:v>0.08333333333</c:v>
+                  <c:v>8.3333333329999995E-2</c:v>
                 </c:pt>
                 <c:pt idx="4">
-                  <c:v>0.2962962963</c:v>
+                  <c:v>0.29629629629999998</c:v>
                 </c:pt>
                 <c:pt idx="5">
-                  <c:v>0.2962962963</c:v>
+                  <c:v>0.29629629629999998</c:v>
                 </c:pt>
               </c:numCache>
             </c:numRef>
           </c:val>
-          <c:extLst xmlns:c16r2="http://schemas.microsoft.com/office/drawing/2015/06/chart">
+          <c:extLst>
             <c:ext xmlns:c16="http://schemas.microsoft.com/office/drawing/2014/chart" uri="{C3380CC4-5D6E-409C-BE32-E72D297353CC}">
               <c16:uniqueId val="{00000000-B95F-4CFA-AE36-B51A3E54ABDB}"/>
             </c:ext>
@@ -878,10 +947,10 @@
                 <c:formatCode>General</c:formatCode>
                 <c:ptCount val="6"/>
                 <c:pt idx="0">
-                  <c:v>0.5135951662</c:v>
+                  <c:v>0.51359516620000001</c:v>
                 </c:pt>
                 <c:pt idx="1">
-                  <c:v>0.4968152866</c:v>
+                  <c:v>0.49681528660000002</c:v>
                 </c:pt>
                 <c:pt idx="2">
                   <c:v>0.05</c:v>
@@ -890,15 +959,15 @@
                   <c:v>0.05</c:v>
                 </c:pt>
                 <c:pt idx="4">
-                  <c:v>0.5925925926</c:v>
+                  <c:v>0.59259259259999997</c:v>
                 </c:pt>
                 <c:pt idx="5">
-                  <c:v>0.5925925926</c:v>
+                  <c:v>0.59259259259999997</c:v>
                 </c:pt>
               </c:numCache>
             </c:numRef>
           </c:val>
-          <c:extLst xmlns:c16r2="http://schemas.microsoft.com/office/drawing/2015/06/chart">
+          <c:extLst>
             <c:ext xmlns:c16="http://schemas.microsoft.com/office/drawing/2014/chart" uri="{C3380CC4-5D6E-409C-BE32-E72D297353CC}">
               <c16:uniqueId val="{00000001-B95F-4CFA-AE36-B51A3E54ABDB}"/>
             </c:ext>
@@ -963,16 +1032,16 @@
                 <c:formatCode>General</c:formatCode>
                 <c:ptCount val="6"/>
                 <c:pt idx="0">
-                  <c:v>0.6298342541</c:v>
+                  <c:v>0.62983425410000005</c:v>
                 </c:pt>
                 <c:pt idx="1">
-                  <c:v>0.3082191781</c:v>
+                  <c:v>0.30821917809999999</c:v>
                 </c:pt>
                 <c:pt idx="2">
                   <c:v>0.05</c:v>
                 </c:pt>
                 <c:pt idx="3">
-                  <c:v>0.4848484848</c:v>
+                  <c:v>0.48484848479999998</c:v>
                 </c:pt>
                 <c:pt idx="4">
                   <c:v>0.05</c:v>
@@ -983,7 +1052,7 @@
               </c:numCache>
             </c:numRef>
           </c:val>
-          <c:extLst xmlns:c16r2="http://schemas.microsoft.com/office/drawing/2015/06/chart">
+          <c:extLst>
             <c:ext xmlns:c16="http://schemas.microsoft.com/office/drawing/2014/chart" uri="{C3380CC4-5D6E-409C-BE32-E72D297353CC}">
               <c16:uniqueId val="{00000002-B95F-4CFA-AE36-B51A3E54ABDB}"/>
             </c:ext>
@@ -1009,6 +1078,72 @@
         </c:scaling>
         <c:delete val="0"/>
         <c:axPos val="b"/>
+        <c:title>
+          <c:tx>
+            <c:rich>
+              <a:bodyPr rot="0" spcFirstLastPara="1" vertOverflow="ellipsis" vert="horz" wrap="square" anchor="ctr" anchorCtr="1"/>
+              <a:lstStyle/>
+              <a:p>
+                <a:pPr>
+                  <a:defRPr lang="en-US" sz="2400" b="0" i="0" u="none" strike="noStrike" kern="1200" baseline="0">
+                    <a:solidFill>
+                      <a:schemeClr val="tx1"/>
+                    </a:solidFill>
+                    <a:latin typeface="+mn-lt"/>
+                    <a:ea typeface="+mn-ea"/>
+                    <a:cs typeface="+mn-cs"/>
+                  </a:defRPr>
+                </a:pPr>
+                <a:r>
+                  <a:rPr lang="en-US" sz="2400" dirty="0">
+                    <a:solidFill>
+                      <a:schemeClr val="tx1"/>
+                    </a:solidFill>
+                  </a:rPr>
+                  <a:t>Type</a:t>
+                </a:r>
+                <a:r>
+                  <a:rPr lang="en-US" sz="2400" baseline="0" dirty="0">
+                    <a:solidFill>
+                      <a:schemeClr val="tx1"/>
+                    </a:solidFill>
+                  </a:rPr>
+                  <a:t> of Feature Vector and Audio Segmentation</a:t>
+                </a:r>
+                <a:endParaRPr lang="en-US" sz="2400" dirty="0">
+                  <a:solidFill>
+                    <a:schemeClr val="tx1"/>
+                  </a:solidFill>
+                </a:endParaRPr>
+              </a:p>
+            </c:rich>
+          </c:tx>
+          <c:overlay val="0"/>
+          <c:spPr>
+            <a:noFill/>
+            <a:ln>
+              <a:noFill/>
+            </a:ln>
+            <a:effectLst/>
+          </c:spPr>
+          <c:txPr>
+            <a:bodyPr rot="0" spcFirstLastPara="1" vertOverflow="ellipsis" vert="horz" wrap="square" anchor="ctr" anchorCtr="1"/>
+            <a:lstStyle/>
+            <a:p>
+              <a:pPr>
+                <a:defRPr lang="en-US" sz="2400" b="0" i="0" u="none" strike="noStrike" kern="1200" baseline="0">
+                  <a:solidFill>
+                    <a:schemeClr val="tx1"/>
+                  </a:solidFill>
+                  <a:latin typeface="+mn-lt"/>
+                  <a:ea typeface="+mn-ea"/>
+                  <a:cs typeface="+mn-cs"/>
+                </a:defRPr>
+              </a:pPr>
+              <a:endParaRPr lang="en-US"/>
+            </a:p>
+          </c:txPr>
+        </c:title>
         <c:numFmt formatCode="General" sourceLinked="1"/>
         <c:majorTickMark val="out"/>
         <c:minorTickMark val="none"/>
@@ -1054,7 +1189,7 @@
         <c:axId val="-1112363664"/>
         <c:scaling>
           <c:orientation val="minMax"/>
-          <c:max val="1.0"/>
+          <c:max val="1"/>
         </c:scaling>
         <c:delete val="0"/>
         <c:axPos val="l"/>
@@ -1071,6 +1206,33 @@
             <a:effectLst/>
           </c:spPr>
         </c:majorGridlines>
+        <c:title>
+          <c:overlay val="0"/>
+          <c:spPr>
+            <a:noFill/>
+            <a:ln>
+              <a:noFill/>
+            </a:ln>
+            <a:effectLst/>
+          </c:spPr>
+          <c:txPr>
+            <a:bodyPr rot="-5400000" spcFirstLastPara="1" vertOverflow="ellipsis" vert="horz" wrap="square" anchor="ctr" anchorCtr="1"/>
+            <a:lstStyle/>
+            <a:p>
+              <a:pPr>
+                <a:defRPr lang="en-US" sz="1000" b="0" i="0" u="none" strike="noStrike" kern="1200" baseline="0">
+                  <a:solidFill>
+                    <a:schemeClr val="tx1"/>
+                  </a:solidFill>
+                  <a:latin typeface="+mn-lt"/>
+                  <a:ea typeface="+mn-ea"/>
+                  <a:cs typeface="+mn-cs"/>
+                </a:defRPr>
+              </a:pPr>
+              <a:endParaRPr lang="en-US"/>
+            </a:p>
+          </c:txPr>
+        </c:title>
         <c:numFmt formatCode="General" sourceLinked="1"/>
         <c:majorTickMark val="out"/>
         <c:minorTickMark val="none"/>
@@ -1117,10 +1279,10 @@
         <c:manualLayout>
           <c:xMode val="edge"/>
           <c:yMode val="edge"/>
-          <c:x val="0.787458269225097"/>
-          <c:y val="0.140622979414135"/>
-          <c:w val="0.182573928258968"/>
-          <c:h val="0.255087829267934"/>
+          <c:x val="0.79049944523822824"/>
+          <c:y val="0.16036735538761149"/>
+          <c:w val="0.18257392825896801"/>
+          <c:h val="0.20631500563191724"/>
         </c:manualLayout>
       </c:layout>
       <c:overlay val="1"/>
@@ -2375,7 +2537,7 @@
               <a:pPr>
                 <a:defRPr/>
               </a:pPr>
-              <a:t>3/16/17</a:t>
+              <a:t>3/16/2017</a:t>
             </a:fld>
             <a:endParaRPr lang="en-US" dirty="0"/>
           </a:p>
@@ -2748,7 +2910,7 @@
           </a:bodyPr>
           <a:lstStyle/>
           <a:p>
-            <a:endParaRPr lang="en-US"/>
+            <a:endParaRPr lang="en-US" dirty="0"/>
           </a:p>
         </p:txBody>
       </p:sp>
@@ -6718,15 +6880,6 @@
                 </a:rPr>
                 <a:t>PosterPresentations.com</a:t>
               </a:r>
-              <a:r>
-                <a:rPr lang="en-US" sz="2800" dirty="0">
-                  <a:solidFill>
-                    <a:schemeClr val="bg1"/>
-                  </a:solidFill>
-                  <a:latin typeface="Trebuchet MS" pitchFamily="34" charset="0"/>
-                </a:rPr>
-                <a:t/>
-              </a:r>
               <a:br>
                 <a:rPr lang="en-US" sz="2800" dirty="0">
                   <a:solidFill>
@@ -6962,15 +7115,6 @@
             </a:p>
             <a:p>
               <a:pPr algn="l"/>
-              <a:r>
-                <a:rPr lang="en-US" sz="2800" b="1" baseline="0" dirty="0">
-                  <a:solidFill>
-                    <a:schemeClr val="bg1"/>
-                  </a:solidFill>
-                  <a:latin typeface="Trebuchet MS" pitchFamily="34" charset="0"/>
-                </a:rPr>
-                <a:t/>
-              </a:r>
               <a:br>
                 <a:rPr lang="en-US" sz="2800" b="1" baseline="0" dirty="0">
                   <a:solidFill>
@@ -7579,7 +7723,7 @@
               <a:graphicData uri="http://schemas.openxmlformats.org/presentationml/2006/ole">
                 <mc:AlternateContent xmlns:mc="http://schemas.openxmlformats.org/markup-compatibility/2006">
                   <mc:Choice xmlns:v="urn:schemas-microsoft-com:vml" Requires="v">
-                    <p:oleObj spid="_x0000_s1190" name="Image" r:id="rId8" imgW="1828440" imgH="1117440" progId="Photoshop.Image.13">
+                    <p:oleObj spid="_x0000_s1214" name="Image" r:id="rId8" imgW="1828440" imgH="1117440" progId="Photoshop.Image.13">
                       <p:embed/>
                     </p:oleObj>
                   </mc:Choice>
@@ -7636,7 +7780,7 @@
               <a:graphicData uri="http://schemas.openxmlformats.org/presentationml/2006/ole">
                 <mc:AlternateContent xmlns:mc="http://schemas.openxmlformats.org/markup-compatibility/2006">
                   <mc:Choice xmlns:v="urn:schemas-microsoft-com:vml" Requires="v">
-                    <p:oleObj spid="_x0000_s1191" name="Image" r:id="rId10" imgW="1828440" imgH="1117440" progId="Photoshop.Image.13">
+                    <p:oleObj spid="_x0000_s1215" name="Image" r:id="rId10" imgW="1828440" imgH="1117440" progId="Photoshop.Image.13">
                       <p:embed/>
                     </p:oleObj>
                   </mc:Choice>
@@ -8759,7 +8903,7 @@
             <a:graphicData uri="http://schemas.openxmlformats.org/presentationml/2006/ole">
               <mc:AlternateContent xmlns:mc="http://schemas.openxmlformats.org/markup-compatibility/2006">
                 <mc:Choice xmlns:v="urn:schemas-microsoft-com:vml" Requires="v">
-                  <p:oleObj spid="_x0000_s1192" name="Image" r:id="rId12" imgW="4571280" imgH="1688760" progId="Photoshop.Image.13">
+                  <p:oleObj spid="_x0000_s1216" name="Image" r:id="rId12" imgW="4571280" imgH="1688760" progId="Photoshop.Image.13">
                     <p:embed/>
                   </p:oleObj>
                 </mc:Choice>
@@ -8843,7 +8987,7 @@
             <a:graphicData uri="http://schemas.openxmlformats.org/presentationml/2006/ole">
               <mc:AlternateContent xmlns:mc="http://schemas.openxmlformats.org/markup-compatibility/2006">
                 <mc:Choice xmlns:v="urn:schemas-microsoft-com:vml" Requires="v">
-                  <p:oleObj spid="_x0000_s1193" name="Image" r:id="rId15" imgW="1574280" imgH="1053720" progId="Photoshop.Image.13">
+                  <p:oleObj spid="_x0000_s1217" name="Image" r:id="rId15" imgW="1574280" imgH="1053720" progId="Photoshop.Image.13">
                     <p:embed/>
                   </p:oleObj>
                 </mc:Choice>
@@ -9171,14 +9315,6 @@
                   </a:solidFill>
                 </a:rPr>
                 <a:t>94710</a:t>
-              </a:r>
-              <a:r>
-                <a:rPr lang="en-US" sz="2400" baseline="0" dirty="0">
-                  <a:solidFill>
-                    <a:schemeClr val="bg1"/>
-                  </a:solidFill>
-                </a:rPr>
-                <a:t/>
               </a:r>
               <a:br>
                 <a:rPr lang="en-US" sz="2400" baseline="0" dirty="0">
@@ -10259,15 +10395,6 @@
                 </a:rPr>
                 <a:t>PosterPresentations.com</a:t>
               </a:r>
-              <a:r>
-                <a:rPr lang="en-US" sz="2800" dirty="0">
-                  <a:solidFill>
-                    <a:schemeClr val="bg1"/>
-                  </a:solidFill>
-                  <a:latin typeface="Trebuchet MS" pitchFamily="34" charset="0"/>
-                </a:rPr>
-                <a:t/>
-              </a:r>
               <a:br>
                 <a:rPr lang="en-US" sz="2800" dirty="0">
                   <a:solidFill>
@@ -10503,15 +10630,6 @@
             </a:p>
             <a:p>
               <a:pPr algn="l"/>
-              <a:r>
-                <a:rPr lang="en-US" sz="2800" b="1" baseline="0" dirty="0">
-                  <a:solidFill>
-                    <a:schemeClr val="bg1"/>
-                  </a:solidFill>
-                  <a:latin typeface="Trebuchet MS" pitchFamily="34" charset="0"/>
-                </a:rPr>
-                <a:t/>
-              </a:r>
               <a:br>
                 <a:rPr lang="en-US" sz="2800" b="1" baseline="0" dirty="0">
                   <a:solidFill>
@@ -11120,7 +11238,7 @@
               <a:graphicData uri="http://schemas.openxmlformats.org/presentationml/2006/ole">
                 <mc:AlternateContent xmlns:mc="http://schemas.openxmlformats.org/markup-compatibility/2006">
                   <mc:Choice xmlns:v="urn:schemas-microsoft-com:vml" Requires="v">
-                    <p:oleObj spid="_x0000_s2214" name="Image" r:id="rId8" imgW="1828440" imgH="1117440" progId="Photoshop.Image.13">
+                    <p:oleObj spid="_x0000_s2238" name="Image" r:id="rId8" imgW="1828440" imgH="1117440" progId="Photoshop.Image.13">
                       <p:embed/>
                     </p:oleObj>
                   </mc:Choice>
@@ -11177,7 +11295,7 @@
               <a:graphicData uri="http://schemas.openxmlformats.org/presentationml/2006/ole">
                 <mc:AlternateContent xmlns:mc="http://schemas.openxmlformats.org/markup-compatibility/2006">
                   <mc:Choice xmlns:v="urn:schemas-microsoft-com:vml" Requires="v">
-                    <p:oleObj spid="_x0000_s2215" name="Image" r:id="rId10" imgW="1828440" imgH="1117440" progId="Photoshop.Image.13">
+                    <p:oleObj spid="_x0000_s2239" name="Image" r:id="rId10" imgW="1828440" imgH="1117440" progId="Photoshop.Image.13">
                       <p:embed/>
                     </p:oleObj>
                   </mc:Choice>
@@ -12300,7 +12418,7 @@
             <a:graphicData uri="http://schemas.openxmlformats.org/presentationml/2006/ole">
               <mc:AlternateContent xmlns:mc="http://schemas.openxmlformats.org/markup-compatibility/2006">
                 <mc:Choice xmlns:v="urn:schemas-microsoft-com:vml" Requires="v">
-                  <p:oleObj spid="_x0000_s2216" name="Image" r:id="rId12" imgW="4571280" imgH="1688760" progId="Photoshop.Image.13">
+                  <p:oleObj spid="_x0000_s2240" name="Image" r:id="rId12" imgW="4571280" imgH="1688760" progId="Photoshop.Image.13">
                     <p:embed/>
                   </p:oleObj>
                 </mc:Choice>
@@ -12384,7 +12502,7 @@
             <a:graphicData uri="http://schemas.openxmlformats.org/presentationml/2006/ole">
               <mc:AlternateContent xmlns:mc="http://schemas.openxmlformats.org/markup-compatibility/2006">
                 <mc:Choice xmlns:v="urn:schemas-microsoft-com:vml" Requires="v">
-                  <p:oleObj spid="_x0000_s2217" name="Image" r:id="rId15" imgW="1574280" imgH="1053720" progId="Photoshop.Image.13">
+                  <p:oleObj spid="_x0000_s2241" name="Image" r:id="rId15" imgW="1574280" imgH="1053720" progId="Photoshop.Image.13">
                     <p:embed/>
                   </p:oleObj>
                 </mc:Choice>
@@ -12713,14 +12831,6 @@
                 </a:solidFill>
               </a:rPr>
               <a:t>94710</a:t>
-            </a:r>
-            <a:r>
-              <a:rPr lang="en-US" sz="2400" baseline="0" dirty="0">
-                <a:solidFill>
-                  <a:schemeClr val="bg1"/>
-                </a:solidFill>
-              </a:rPr>
-              <a:t/>
             </a:r>
             <a:br>
               <a:rPr lang="en-US" sz="2400" baseline="0" dirty="0">
@@ -13984,15 +14094,6 @@
                 </a:rPr>
                 <a:t>PosterPresentations.com</a:t>
               </a:r>
-              <a:r>
-                <a:rPr lang="en-US" sz="2800" dirty="0">
-                  <a:solidFill>
-                    <a:schemeClr val="bg1"/>
-                  </a:solidFill>
-                  <a:latin typeface="Trebuchet MS" pitchFamily="34" charset="0"/>
-                </a:rPr>
-                <a:t/>
-              </a:r>
               <a:br>
                 <a:rPr lang="en-US" sz="2800" dirty="0">
                   <a:solidFill>
@@ -14228,15 +14329,6 @@
             </a:p>
             <a:p>
               <a:pPr algn="l"/>
-              <a:r>
-                <a:rPr lang="en-US" sz="2800" b="1" baseline="0" dirty="0">
-                  <a:solidFill>
-                    <a:schemeClr val="bg1"/>
-                  </a:solidFill>
-                  <a:latin typeface="Trebuchet MS" pitchFamily="34" charset="0"/>
-                </a:rPr>
-                <a:t/>
-              </a:r>
               <a:br>
                 <a:rPr lang="en-US" sz="2800" b="1" baseline="0" dirty="0">
                   <a:solidFill>
@@ -14845,7 +14937,7 @@
               <a:graphicData uri="http://schemas.openxmlformats.org/presentationml/2006/ole">
                 <mc:AlternateContent xmlns:mc="http://schemas.openxmlformats.org/markup-compatibility/2006">
                   <mc:Choice xmlns:v="urn:schemas-microsoft-com:vml" Requires="v">
-                    <p:oleObj spid="_x0000_s3238" name="Image" r:id="rId8" imgW="1828440" imgH="1117440" progId="Photoshop.Image.13">
+                    <p:oleObj spid="_x0000_s3262" name="Image" r:id="rId8" imgW="1828440" imgH="1117440" progId="Photoshop.Image.13">
                       <p:embed/>
                     </p:oleObj>
                   </mc:Choice>
@@ -14902,7 +14994,7 @@
               <a:graphicData uri="http://schemas.openxmlformats.org/presentationml/2006/ole">
                 <mc:AlternateContent xmlns:mc="http://schemas.openxmlformats.org/markup-compatibility/2006">
                   <mc:Choice xmlns:v="urn:schemas-microsoft-com:vml" Requires="v">
-                    <p:oleObj spid="_x0000_s3239" name="Image" r:id="rId10" imgW="1828440" imgH="1117440" progId="Photoshop.Image.13">
+                    <p:oleObj spid="_x0000_s3263" name="Image" r:id="rId10" imgW="1828440" imgH="1117440" progId="Photoshop.Image.13">
                       <p:embed/>
                     </p:oleObj>
                   </mc:Choice>
@@ -16025,7 +16117,7 @@
             <a:graphicData uri="http://schemas.openxmlformats.org/presentationml/2006/ole">
               <mc:AlternateContent xmlns:mc="http://schemas.openxmlformats.org/markup-compatibility/2006">
                 <mc:Choice xmlns:v="urn:schemas-microsoft-com:vml" Requires="v">
-                  <p:oleObj spid="_x0000_s3240" name="Image" r:id="rId12" imgW="4571280" imgH="1688760" progId="Photoshop.Image.13">
+                  <p:oleObj spid="_x0000_s3264" name="Image" r:id="rId12" imgW="4571280" imgH="1688760" progId="Photoshop.Image.13">
                     <p:embed/>
                   </p:oleObj>
                 </mc:Choice>
@@ -16109,7 +16201,7 @@
             <a:graphicData uri="http://schemas.openxmlformats.org/presentationml/2006/ole">
               <mc:AlternateContent xmlns:mc="http://schemas.openxmlformats.org/markup-compatibility/2006">
                 <mc:Choice xmlns:v="urn:schemas-microsoft-com:vml" Requires="v">
-                  <p:oleObj spid="_x0000_s3241" name="Image" r:id="rId15" imgW="1574280" imgH="1053720" progId="Photoshop.Image.13">
+                  <p:oleObj spid="_x0000_s3265" name="Image" r:id="rId15" imgW="1574280" imgH="1053720" progId="Photoshop.Image.13">
                     <p:embed/>
                   </p:oleObj>
                 </mc:Choice>
@@ -16438,14 +16530,6 @@
                 </a:solidFill>
               </a:rPr>
               <a:t>94710</a:t>
-            </a:r>
-            <a:r>
-              <a:rPr lang="en-US" sz="2400" baseline="0" dirty="0">
-                <a:solidFill>
-                  <a:schemeClr val="bg1"/>
-                </a:solidFill>
-              </a:rPr>
-              <a:t/>
             </a:r>
             <a:br>
               <a:rPr lang="en-US" sz="2400" baseline="0" dirty="0">
@@ -17099,7 +17183,7 @@
         </p:nvSpPr>
         <p:spPr>
           <a:xfrm>
-            <a:off x="1051179" y="6165461"/>
+            <a:off x="1051179" y="6254361"/>
             <a:ext cx="15856490" cy="5845969"/>
           </a:xfrm>
         </p:spPr>
@@ -17112,7 +17196,7 @@
               <a:buChar char="•"/>
             </a:pPr>
             <a:r>
-              <a:rPr lang="en-US" sz="3600" dirty="0" smtClean="0"/>
+              <a:rPr lang="en-US" sz="3600" dirty="0"/>
               <a:t>Provide a tool for transcription or auto captioning</a:t>
             </a:r>
           </a:p>
@@ -17122,16 +17206,8 @@
               <a:buChar char="•"/>
             </a:pPr>
             <a:r>
-              <a:rPr lang="en-US" sz="3600" dirty="0" smtClean="0"/>
-              <a:t>Potential use cases: transcribing interviews, podcasts, </a:t>
-            </a:r>
-            <a:r>
-              <a:rPr lang="en-US" sz="3600" dirty="0" smtClean="0"/>
-              <a:t>captioning </a:t>
-            </a:r>
-            <a:r>
-              <a:rPr lang="en-US" sz="3600" dirty="0" smtClean="0"/>
-              <a:t>videos, etc. </a:t>
+              <a:rPr lang="en-US" sz="3600" dirty="0"/>
+              <a:t>Potential use cases: transcribing interviews, podcasts, captioning videos, etc. </a:t>
             </a:r>
           </a:p>
           <a:p>
@@ -17140,7 +17216,7 @@
               <a:buChar char="•"/>
             </a:pPr>
             <a:r>
-              <a:rPr lang="en-US" sz="3600" dirty="0" smtClean="0"/>
+              <a:rPr lang="en-US" sz="3600" dirty="0"/>
               <a:t>Journalists could streamline their workflow, avoid doing transcription by hand</a:t>
             </a:r>
           </a:p>
@@ -17150,7 +17226,7 @@
               <a:buChar char="•"/>
             </a:pPr>
             <a:r>
-              <a:rPr lang="en-US" sz="3600" dirty="0" smtClean="0"/>
+              <a:rPr lang="en-US" sz="3600" dirty="0"/>
               <a:t>Speech transcription and speaker ID tools already exist but don’t work in parallel</a:t>
             </a:r>
           </a:p>
@@ -17160,7 +17236,7 @@
               <a:buChar char="•"/>
             </a:pPr>
             <a:r>
-              <a:rPr lang="en-US" sz="3600" dirty="0" smtClean="0"/>
+              <a:rPr lang="en-US" sz="3600" dirty="0"/>
               <a:t>We combined these tools to identify multiple speakers in a single audio file, while assigning transcribed words to their respective speakers</a:t>
             </a:r>
           </a:p>
@@ -17170,10 +17246,9 @@
               <a:buChar char="•"/>
             </a:pPr>
             <a:r>
-              <a:rPr lang="en-US" sz="3600" dirty="0" smtClean="0"/>
+              <a:rPr lang="en-US" sz="3600" dirty="0"/>
               <a:t>Goal: one streamlined interface for creating transcriptions from an audio file</a:t>
             </a:r>
-            <a:endParaRPr lang="en-US" sz="3600" dirty="0"/>
           </a:p>
           <a:p>
             <a:endParaRPr lang="en-US" sz="4800" dirty="0"/>
@@ -17219,8 +17294,8 @@
         </p:nvSpPr>
         <p:spPr>
           <a:xfrm>
-            <a:off x="1076061" y="15078556"/>
-            <a:ext cx="15858342" cy="6843165"/>
+            <a:off x="1076061" y="11979756"/>
+            <a:ext cx="15858342" cy="5624370"/>
           </a:xfrm>
         </p:spPr>
         <p:txBody>
@@ -17232,8 +17307,8 @@
               <a:buChar char="•"/>
             </a:pPr>
             <a:r>
-              <a:rPr lang="en-US" sz="3600" dirty="0" smtClean="0"/>
-              <a:t>Users submit wave file (16kHz sample rate, monophonic)</a:t>
+              <a:rPr lang="en-US" sz="3600" dirty="0"/>
+              <a:t>User submits a wave file (16kHz sample rate, monophonic)</a:t>
             </a:r>
           </a:p>
           <a:p>
@@ -17242,8 +17317,8 @@
               <a:buChar char="•"/>
             </a:pPr>
             <a:r>
-              <a:rPr lang="en-US" sz="3600" dirty="0" smtClean="0"/>
-              <a:t>User selects segment of audio in which only one person is talking</a:t>
+              <a:rPr lang="en-US" sz="3600" dirty="0"/>
+              <a:t>User trains the Speaker Recognition API by selecting at least one piece of audio for every speaker in the conversation</a:t>
             </a:r>
           </a:p>
           <a:p>
@@ -17252,27 +17327,7 @@
               <a:buChar char="•"/>
             </a:pPr>
             <a:r>
-              <a:rPr lang="en-US" sz="3600" dirty="0" smtClean="0"/>
-              <a:t>Repeat for each speaker in conversation</a:t>
-            </a:r>
-          </a:p>
-          <a:p>
-            <a:pPr marL="457200" indent="-457200">
-              <a:buFont typeface="Arial" charset="0"/>
-              <a:buChar char="•"/>
-            </a:pPr>
-            <a:r>
-              <a:rPr lang="en-US" sz="3600" dirty="0" smtClean="0"/>
-              <a:t>Profile created for each speaker, trains the Speaker ID API to fingerprint each speaker</a:t>
-            </a:r>
-          </a:p>
-          <a:p>
-            <a:pPr marL="457200" indent="-457200">
-              <a:buFont typeface="Arial" charset="0"/>
-              <a:buChar char="•"/>
-            </a:pPr>
-            <a:r>
-              <a:rPr lang="en-US" sz="3600" dirty="0" smtClean="0"/>
+              <a:rPr lang="en-US" sz="3600" dirty="0"/>
               <a:t>Self-similarity matrix automatically determines where to split between speakers</a:t>
             </a:r>
           </a:p>
@@ -17282,7 +17337,7 @@
               <a:buChar char="•"/>
             </a:pPr>
             <a:r>
-              <a:rPr lang="en-US" sz="3600" dirty="0" smtClean="0"/>
+              <a:rPr lang="en-US" sz="3600" dirty="0"/>
               <a:t>Segments audio into multiple distinct audio files (one speaker per file)</a:t>
             </a:r>
           </a:p>
@@ -17292,8 +17347,8 @@
               <a:buChar char="•"/>
             </a:pPr>
             <a:r>
-              <a:rPr lang="en-US" sz="3600" dirty="0" smtClean="0"/>
-              <a:t>Speech to text and speaker ID run on every file, and prepends identified speaker to their associated audio clip.</a:t>
+              <a:rPr lang="en-US" sz="3600" dirty="0"/>
+              <a:t>Transcription API and Speaker Recognition API run on every segmented file</a:t>
             </a:r>
           </a:p>
           <a:p>
@@ -17302,10 +17357,19 @@
               <a:buChar char="•"/>
             </a:pPr>
             <a:r>
-              <a:rPr lang="en-US" sz="3600" dirty="0" smtClean="0"/>
-              <a:t>Results printed to screen for user to see. </a:t>
+              <a:rPr lang="en-US" sz="3600" dirty="0"/>
+              <a:t>Identified speaker is prepended to its respective transcription</a:t>
             </a:r>
-            <a:endParaRPr lang="en-US" sz="3600" dirty="0"/>
+          </a:p>
+          <a:p>
+            <a:pPr marL="457200" indent="-457200">
+              <a:buFont typeface="Arial" charset="0"/>
+              <a:buChar char="•"/>
+            </a:pPr>
+            <a:r>
+              <a:rPr lang="en-US" sz="3600" dirty="0"/>
+              <a:t>Results are printed to screen for user to see. </a:t>
+            </a:r>
           </a:p>
         </p:txBody>
       </p:sp>
@@ -17321,7 +17385,7 @@
         </p:nvSpPr>
         <p:spPr>
           <a:xfrm>
-            <a:off x="1099092" y="14226565"/>
+            <a:off x="1099092" y="11051565"/>
             <a:ext cx="15835312" cy="1226700"/>
           </a:xfrm>
         </p:spPr>
@@ -17348,7 +17412,7 @@
         </p:nvSpPr>
         <p:spPr>
           <a:xfrm>
-            <a:off x="34323954" y="18553173"/>
+            <a:off x="34323954" y="18362673"/>
             <a:ext cx="15833456" cy="6953965"/>
           </a:xfrm>
         </p:spPr>
@@ -17361,7 +17425,7 @@
               <a:buChar char="•"/>
             </a:pPr>
             <a:r>
-              <a:rPr lang="en-US" sz="3600" dirty="0" smtClean="0">
+              <a:rPr lang="en-US" sz="3600" dirty="0">
                 <a:latin typeface="Times" charset="0"/>
                 <a:ea typeface="Times" charset="0"/>
                 <a:cs typeface="Times" charset="0"/>
@@ -17375,7 +17439,7 @@
               <a:buChar char="•"/>
             </a:pPr>
             <a:r>
-              <a:rPr lang="en-US" sz="3600" dirty="0" smtClean="0">
+              <a:rPr lang="en-US" sz="3600" dirty="0">
                 <a:solidFill>
                   <a:schemeClr val="accent5">
                     <a:lumMod val="50000"/>
@@ -17394,7 +17458,7 @@
               <a:buChar char="•"/>
             </a:pPr>
             <a:r>
-              <a:rPr lang="en-US" sz="3600" dirty="0" smtClean="0">
+              <a:rPr lang="en-US" sz="3600" dirty="0">
                 <a:latin typeface="Times" charset="0"/>
                 <a:ea typeface="Times" charset="0"/>
                 <a:cs typeface="Times" charset="0"/>
@@ -17408,7 +17472,7 @@
               <a:buChar char="•"/>
             </a:pPr>
             <a:r>
-              <a:rPr lang="en-US" sz="3600" dirty="0" err="1" smtClean="0">
+              <a:rPr lang="en-US" sz="3600" dirty="0" err="1">
                 <a:solidFill>
                   <a:schemeClr val="accent5">
                     <a:lumMod val="50000"/>
@@ -17421,7 +17485,7 @@
               <a:t>Wavesurfer.js</a:t>
             </a:r>
             <a:r>
-              <a:rPr lang="en-US" sz="3600" dirty="0" smtClean="0">
+              <a:rPr lang="en-US" sz="3600" dirty="0">
                 <a:solidFill>
                   <a:schemeClr val="accent5">
                     <a:lumMod val="50000"/>
@@ -17440,7 +17504,7 @@
               <a:buChar char="•"/>
             </a:pPr>
             <a:r>
-              <a:rPr lang="en-US" sz="3600" dirty="0" smtClean="0">
+              <a:rPr lang="en-US" sz="3600" dirty="0">
                 <a:latin typeface="Times" charset="0"/>
                 <a:ea typeface="Times" charset="0"/>
                 <a:cs typeface="Times" charset="0"/>
@@ -17454,7 +17518,7 @@
               <a:buChar char="•"/>
             </a:pPr>
             <a:r>
-              <a:rPr lang="en-US" sz="3600" dirty="0" smtClean="0">
+              <a:rPr lang="en-US" sz="3600" dirty="0">
                 <a:solidFill>
                   <a:schemeClr val="accent5">
                     <a:lumMod val="50000"/>
@@ -17473,7 +17537,7 @@
               <a:buChar char="•"/>
             </a:pPr>
             <a:r>
-              <a:rPr lang="en-US" sz="3600" dirty="0" smtClean="0">
+              <a:rPr lang="en-US" sz="3600" dirty="0">
                 <a:latin typeface="Times" charset="0"/>
                 <a:ea typeface="Times" charset="0"/>
                 <a:cs typeface="Times" charset="0"/>
@@ -17487,7 +17551,7 @@
               <a:buChar char="•"/>
             </a:pPr>
             <a:r>
-              <a:rPr lang="en-US" sz="3600" dirty="0" smtClean="0">
+              <a:rPr lang="en-US" sz="3600" dirty="0">
                 <a:solidFill>
                   <a:schemeClr val="accent5">
                     <a:lumMod val="50000"/>
@@ -17506,7 +17570,7 @@
               <a:buChar char="•"/>
             </a:pPr>
             <a:r>
-              <a:rPr lang="en-US" sz="3600" dirty="0" smtClean="0">
+              <a:rPr lang="en-US" sz="3600" dirty="0">
                 <a:solidFill>
                   <a:schemeClr val="accent5">
                     <a:lumMod val="50000"/>
@@ -17518,16 +17582,6 @@
               </a:rPr>
               <a:t>Three of us reading a Wikipedia article on sports in Latvia</a:t>
             </a:r>
-            <a:endParaRPr lang="en-US" sz="3600" dirty="0" smtClean="0">
-              <a:solidFill>
-                <a:schemeClr val="accent5">
-                  <a:lumMod val="50000"/>
-                </a:schemeClr>
-              </a:solidFill>
-              <a:latin typeface="Times" charset="0"/>
-              <a:ea typeface="Times" charset="0"/>
-              <a:cs typeface="Times" charset="0"/>
-            </a:endParaRPr>
           </a:p>
         </p:txBody>
       </p:sp>
@@ -17543,7 +17597,7 @@
         </p:nvSpPr>
         <p:spPr>
           <a:xfrm>
-            <a:off x="34555921" y="17818168"/>
+            <a:off x="34555921" y="17627668"/>
             <a:ext cx="15833456" cy="888145"/>
           </a:xfrm>
         </p:spPr>
@@ -17624,7 +17678,7 @@
         </p:nvSpPr>
         <p:spPr>
           <a:xfrm>
-            <a:off x="34295031" y="25203038"/>
+            <a:off x="34295031" y="25126838"/>
             <a:ext cx="15838700" cy="857368"/>
           </a:xfrm>
         </p:spPr>
@@ -17651,8 +17705,8 @@
         </p:nvSpPr>
         <p:spPr>
           <a:xfrm>
-            <a:off x="34292096" y="25844731"/>
-            <a:ext cx="15844570" cy="3075980"/>
+            <a:off x="34292096" y="25654231"/>
+            <a:ext cx="15844570" cy="3740778"/>
           </a:xfrm>
         </p:spPr>
         <p:txBody>
@@ -17664,7 +17718,21 @@
               <a:buChar char="•"/>
             </a:pPr>
             <a:r>
-              <a:rPr lang="en-US" sz="3600" dirty="0" smtClean="0">
+              <a:rPr lang="en-US" sz="3600" dirty="0">
+                <a:latin typeface="Times" charset="0"/>
+                <a:ea typeface="Times" charset="0"/>
+                <a:cs typeface="Times" charset="0"/>
+              </a:rPr>
+              <a:t>Log spectrograms gave the best results for our choice of feature vector</a:t>
+            </a:r>
+          </a:p>
+          <a:p>
+            <a:pPr marL="342900" indent="-342900">
+              <a:buFont typeface="Arial" charset="0"/>
+              <a:buChar char="•"/>
+            </a:pPr>
+            <a:r>
+              <a:rPr lang="en-US" sz="3600" dirty="0">
                 <a:latin typeface="Times" charset="0"/>
                 <a:ea typeface="Times" charset="0"/>
                 <a:cs typeface="Times" charset="0"/>
@@ -17678,7 +17746,7 @@
               <a:buChar char="•"/>
             </a:pPr>
             <a:r>
-              <a:rPr lang="en-US" sz="3600" dirty="0" smtClean="0">
+              <a:rPr lang="en-US" sz="3600" dirty="0">
                 <a:latin typeface="Times" charset="0"/>
                 <a:ea typeface="Times" charset="0"/>
                 <a:cs typeface="Times" charset="0"/>
@@ -17692,7 +17760,7 @@
               <a:buChar char="•"/>
             </a:pPr>
             <a:r>
-              <a:rPr lang="en-US" sz="3600" dirty="0" smtClean="0">
+              <a:rPr lang="en-US" sz="3600" dirty="0">
                 <a:latin typeface="Times" charset="0"/>
                 <a:ea typeface="Times" charset="0"/>
                 <a:cs typeface="Times" charset="0"/>
@@ -17706,7 +17774,7 @@
               <a:buChar char="•"/>
             </a:pPr>
             <a:r>
-              <a:rPr lang="en-US" sz="3600" dirty="0" smtClean="0">
+              <a:rPr lang="en-US" sz="3600" dirty="0">
                 <a:solidFill>
                   <a:schemeClr val="accent5">
                     <a:lumMod val="50000"/>
@@ -17718,16 +17786,6 @@
               </a:rPr>
               <a:t>But it’s not good enough for professional use just yet</a:t>
             </a:r>
-            <a:endParaRPr lang="en-US" sz="3600" dirty="0">
-              <a:solidFill>
-                <a:schemeClr val="accent5">
-                  <a:lumMod val="50000"/>
-                </a:schemeClr>
-              </a:solidFill>
-              <a:latin typeface="Times" charset="0"/>
-              <a:ea typeface="Times" charset="0"/>
-              <a:cs typeface="Times" charset="0"/>
-            </a:endParaRPr>
           </a:p>
         </p:txBody>
       </p:sp>
@@ -17743,7 +17801,7 @@
         </p:nvSpPr>
         <p:spPr>
           <a:xfrm>
-            <a:off x="34295031" y="28687440"/>
+            <a:off x="34344460" y="28943920"/>
             <a:ext cx="15838700" cy="857368"/>
           </a:xfrm>
         </p:spPr>
@@ -17752,10 +17810,9 @@
           <a:lstStyle/>
           <a:p>
             <a:r>
-              <a:rPr lang="en-US" dirty="0" smtClean="0"/>
+              <a:rPr lang="en-US" dirty="0"/>
               <a:t> References</a:t>
             </a:r>
-            <a:endParaRPr lang="en-US" dirty="0"/>
           </a:p>
         </p:txBody>
       </p:sp>
@@ -17771,8 +17828,8 @@
         </p:nvSpPr>
         <p:spPr>
           <a:xfrm>
-            <a:off x="34338590" y="29592363"/>
-            <a:ext cx="15844570" cy="2398872"/>
+            <a:off x="34338590" y="29478063"/>
+            <a:ext cx="15844570" cy="2989803"/>
           </a:xfrm>
         </p:spPr>
         <p:txBody>
@@ -17946,6 +18003,23 @@
               <a:rPr lang="en-US" sz="1600" dirty="0"/>
               <a:t>. </a:t>
             </a:r>
+          </a:p>
+          <a:p>
+            <a:r>
+              <a:rPr lang="en-US" sz="1600" dirty="0"/>
+              <a:t>     Müller, </a:t>
+            </a:r>
+            <a:r>
+              <a:rPr lang="en-US" sz="1600" dirty="0" err="1"/>
+              <a:t>Meinard</a:t>
+            </a:r>
+            <a:r>
+              <a:rPr lang="en-US" sz="1600" dirty="0"/>
+              <a:t>. Fundamentals of Music Processing: Audio, Analysis, Algorithms, Applications. Springer, 2015.</a:t>
+            </a:r>
+            <a:endParaRPr lang="en-US" sz="1600" dirty="0"/>
+          </a:p>
+          <a:p>
             <a:endParaRPr lang="en-US" sz="1600" i="1" dirty="0"/>
           </a:p>
         </p:txBody>
@@ -18184,7 +18258,7 @@
           <p:nvPr/>
         </p:nvPicPr>
         <p:blipFill>
-          <a:blip r:embed="rId10" cstate="print">
+          <a:blip r:embed="rId10">
             <a:extLst>
               <a:ext uri="{28A0092B-C50C-407E-A947-70E740481C1C}">
                 <a14:useLocalDpi xmlns:a14="http://schemas.microsoft.com/office/drawing/2010/main" val="0"/>
@@ -18197,68 +18271,8 @@
         </p:blipFill>
         <p:spPr>
           <a:xfrm>
-            <a:off x="19975814" y="6401350"/>
-            <a:ext cx="11734498" cy="6442056"/>
-          </a:xfrm>
-          <a:prstGeom prst="rect">
-            <a:avLst/>
-          </a:prstGeom>
-        </p:spPr>
-      </p:pic>
-      <p:pic>
-        <p:nvPicPr>
-          <p:cNvPr id="10" name="Picture 9"/>
-          <p:cNvPicPr>
-            <a:picLocks noChangeAspect="1"/>
-          </p:cNvPicPr>
-          <p:nvPr/>
-        </p:nvPicPr>
-        <p:blipFill>
-          <a:blip r:embed="rId11">
-            <a:extLst>
-              <a:ext uri="{28A0092B-C50C-407E-A947-70E740481C1C}">
-                <a14:useLocalDpi xmlns:a14="http://schemas.microsoft.com/office/drawing/2010/main" val="0"/>
-              </a:ext>
-            </a:extLst>
-          </a:blip>
-          <a:stretch>
-            <a:fillRect/>
-          </a:stretch>
-        </p:blipFill>
-        <p:spPr>
-          <a:xfrm>
-            <a:off x="25850911" y="20339102"/>
-            <a:ext cx="7419095" cy="3724229"/>
-          </a:xfrm>
-          <a:prstGeom prst="rect">
-            <a:avLst/>
-          </a:prstGeom>
-        </p:spPr>
-      </p:pic>
-      <p:pic>
-        <p:nvPicPr>
-          <p:cNvPr id="47" name="Picture 46"/>
-          <p:cNvPicPr>
-            <a:picLocks noChangeAspect="1"/>
-          </p:cNvPicPr>
-          <p:nvPr/>
-        </p:nvPicPr>
-        <p:blipFill>
-          <a:blip r:embed="rId12">
-            <a:extLst>
-              <a:ext uri="{28A0092B-C50C-407E-A947-70E740481C1C}">
-                <a14:useLocalDpi xmlns:a14="http://schemas.microsoft.com/office/drawing/2010/main" val="0"/>
-              </a:ext>
-            </a:extLst>
-          </a:blip>
-          <a:stretch>
-            <a:fillRect/>
-          </a:stretch>
-        </p:blipFill>
-        <p:spPr>
-          <a:xfrm>
-            <a:off x="22467157" y="13212234"/>
-            <a:ext cx="6751813" cy="2159671"/>
+            <a:off x="19975814" y="6659647"/>
+            <a:ext cx="11734498" cy="5925462"/>
           </a:xfrm>
           <a:prstGeom prst="rect">
             <a:avLst/>
@@ -18335,50 +18349,88 @@
           </a:p>
         </p:txBody>
       </p:sp>
-      <p:sp>
-        <p:nvSpPr>
-          <p:cNvPr id="198" name="TextBox 197"/>
-          <p:cNvSpPr txBox="1"/>
+      <p:grpSp>
+        <p:nvGrpSpPr>
+          <p:cNvPr id="245" name="Group 244"/>
+          <p:cNvGrpSpPr/>
           <p:nvPr/>
-        </p:nvSpPr>
-        <p:spPr>
+        </p:nvGrpSpPr>
+        <p:grpSpPr>
           <a:xfrm>
-            <a:off x="28656744" y="13212234"/>
-            <a:ext cx="567503" cy="523220"/>
+            <a:off x="22467157" y="13028036"/>
+            <a:ext cx="6757090" cy="2165658"/>
+            <a:chOff x="22467157" y="13028036"/>
+            <a:chExt cx="6757090" cy="2165658"/>
           </a:xfrm>
-          <a:prstGeom prst="rect">
-            <a:avLst/>
-          </a:prstGeom>
-          <a:solidFill>
-            <a:schemeClr val="tx1"/>
-          </a:solidFill>
-        </p:spPr>
-        <p:txBody>
-          <a:bodyPr wrap="square" rtlCol="0">
-            <a:spAutoFit/>
-          </a:bodyPr>
-          <a:lstStyle/>
-          <a:p>
-            <a:r>
-              <a:rPr lang="en-US" sz="2800">
-                <a:solidFill>
-                  <a:schemeClr val="bg1"/>
-                </a:solidFill>
-                <a:latin typeface="Times New Roman" panose="02020603050405020304" pitchFamily="18" charset="0"/>
-                <a:cs typeface="Times New Roman" panose="02020603050405020304" pitchFamily="18" charset="0"/>
-              </a:rPr>
-              <a:t>1b</a:t>
-            </a:r>
-            <a:endParaRPr lang="en-US" sz="2800" dirty="0">
-              <a:solidFill>
-                <a:schemeClr val="bg1"/>
-              </a:solidFill>
-              <a:latin typeface="Times New Roman" panose="02020603050405020304" pitchFamily="18" charset="0"/>
-              <a:cs typeface="Times New Roman" panose="02020603050405020304" pitchFamily="18" charset="0"/>
-            </a:endParaRPr>
-          </a:p>
-        </p:txBody>
-      </p:sp>
+        </p:grpSpPr>
+        <p:pic>
+          <p:nvPicPr>
+            <p:cNvPr id="47" name="Picture 46"/>
+            <p:cNvPicPr>
+              <a:picLocks noChangeAspect="1"/>
+            </p:cNvPicPr>
+            <p:nvPr/>
+          </p:nvPicPr>
+          <p:blipFill>
+            <a:blip r:embed="rId11">
+              <a:extLst>
+                <a:ext uri="{28A0092B-C50C-407E-A947-70E740481C1C}">
+                  <a14:useLocalDpi xmlns:a14="http://schemas.microsoft.com/office/drawing/2010/main" val="0"/>
+                </a:ext>
+              </a:extLst>
+            </a:blip>
+            <a:stretch>
+              <a:fillRect/>
+            </a:stretch>
+          </p:blipFill>
+          <p:spPr>
+            <a:xfrm>
+              <a:off x="22467157" y="13034023"/>
+              <a:ext cx="6751813" cy="2159671"/>
+            </a:xfrm>
+            <a:prstGeom prst="rect">
+              <a:avLst/>
+            </a:prstGeom>
+          </p:spPr>
+        </p:pic>
+        <p:sp>
+          <p:nvSpPr>
+            <p:cNvPr id="198" name="TextBox 197"/>
+            <p:cNvSpPr txBox="1"/>
+            <p:nvPr/>
+          </p:nvSpPr>
+          <p:spPr>
+            <a:xfrm>
+              <a:off x="28656744" y="13028036"/>
+              <a:ext cx="567503" cy="523220"/>
+            </a:xfrm>
+            <a:prstGeom prst="rect">
+              <a:avLst/>
+            </a:prstGeom>
+            <a:solidFill>
+              <a:schemeClr val="tx1"/>
+            </a:solidFill>
+          </p:spPr>
+          <p:txBody>
+            <a:bodyPr wrap="square" rtlCol="0">
+              <a:spAutoFit/>
+            </a:bodyPr>
+            <a:lstStyle/>
+            <a:p>
+              <a:r>
+                <a:rPr lang="en-US" sz="2800" dirty="0">
+                  <a:solidFill>
+                    <a:schemeClr val="bg1"/>
+                  </a:solidFill>
+                  <a:latin typeface="Times New Roman" panose="02020603050405020304" pitchFamily="18" charset="0"/>
+                  <a:cs typeface="Times New Roman" panose="02020603050405020304" pitchFamily="18" charset="0"/>
+                </a:rPr>
+                <a:t>1b</a:t>
+              </a:r>
+            </a:p>
+          </p:txBody>
+        </p:sp>
+      </p:grpSp>
       <p:sp>
         <p:nvSpPr>
           <p:cNvPr id="255" name="TextBox 254"/>
@@ -18428,7 +18480,7 @@
             </a:r>
           </a:p>
           <a:p>
-            <a:endParaRPr lang="en-US" sz="2400" dirty="0" smtClean="0">
+            <a:endParaRPr lang="en-US" sz="2400" dirty="0">
               <a:latin typeface="Times New Roman" panose="02020603050405020304" pitchFamily="18" charset="0"/>
               <a:cs typeface="Times New Roman" panose="02020603050405020304" pitchFamily="18" charset="0"/>
             </a:endParaRPr>
@@ -18440,7 +18492,7 @@
             </a:endParaRPr>
           </a:p>
           <a:p>
-            <a:endParaRPr lang="en-US" sz="2400" dirty="0" smtClean="0">
+            <a:endParaRPr lang="en-US" sz="2400" dirty="0">
               <a:latin typeface="Times New Roman" panose="02020603050405020304" pitchFamily="18" charset="0"/>
               <a:cs typeface="Times New Roman" panose="02020603050405020304" pitchFamily="18" charset="0"/>
             </a:endParaRPr>
@@ -18452,13 +18504,13 @@
             </a:endParaRPr>
           </a:p>
           <a:p>
-            <a:endParaRPr lang="en-US" sz="2400" dirty="0" smtClean="0">
+            <a:endParaRPr lang="en-US" sz="2400" dirty="0">
               <a:latin typeface="Times New Roman" panose="02020603050405020304" pitchFamily="18" charset="0"/>
               <a:cs typeface="Times New Roman" panose="02020603050405020304" pitchFamily="18" charset="0"/>
             </a:endParaRPr>
           </a:p>
           <a:p>
-            <a:endParaRPr lang="en-US" sz="2400" dirty="0" smtClean="0">
+            <a:endParaRPr lang="en-US" sz="2400" dirty="0">
               <a:latin typeface="Times New Roman" panose="02020603050405020304" pitchFamily="18" charset="0"/>
               <a:cs typeface="Times New Roman" panose="02020603050405020304" pitchFamily="18" charset="0"/>
             </a:endParaRPr>
@@ -18471,18 +18523,11 @@
           </a:p>
           <a:p>
             <a:r>
-              <a:rPr lang="en-US" sz="2400" b="1" dirty="0" smtClean="0">
-                <a:latin typeface="Times New Roman" panose="02020603050405020304" pitchFamily="18" charset="0"/>
-                <a:cs typeface="Times New Roman" panose="02020603050405020304" pitchFamily="18" charset="0"/>
-              </a:rPr>
-              <a:t>2</a:t>
-            </a:r>
-            <a:r>
               <a:rPr lang="en-US" sz="2400" b="1" dirty="0">
                 <a:latin typeface="Times New Roman" panose="02020603050405020304" pitchFamily="18" charset="0"/>
                 <a:cs typeface="Times New Roman" panose="02020603050405020304" pitchFamily="18" charset="0"/>
               </a:rPr>
-              <a:t>. Waveform editing/segmentation screen</a:t>
+              <a:t>2. Waveform editing/segmentation screen</a:t>
             </a:r>
           </a:p>
           <a:p>
@@ -18491,28 +18536,7 @@
                 <a:latin typeface="Times New Roman" panose="02020603050405020304" pitchFamily="18" charset="0"/>
                 <a:cs typeface="Times New Roman" panose="02020603050405020304" pitchFamily="18" charset="0"/>
               </a:rPr>
-              <a:t>  a. User selects </a:t>
-            </a:r>
-            <a:r>
-              <a:rPr lang="en-US" sz="2400" dirty="0" smtClean="0">
-                <a:latin typeface="Times New Roman" panose="02020603050405020304" pitchFamily="18" charset="0"/>
-                <a:cs typeface="Times New Roman" panose="02020603050405020304" pitchFamily="18" charset="0"/>
-              </a:rPr>
-              <a:t>portion </a:t>
-            </a:r>
-            <a:r>
-              <a:rPr lang="en-US" sz="2400" dirty="0">
-                <a:latin typeface="Times New Roman" panose="02020603050405020304" pitchFamily="18" charset="0"/>
-                <a:cs typeface="Times New Roman" panose="02020603050405020304" pitchFamily="18" charset="0"/>
-              </a:rPr>
-              <a:t>of </a:t>
-            </a:r>
-            <a:r>
-              <a:rPr lang="en-US" sz="2400" dirty="0" smtClean="0">
-                <a:latin typeface="Times New Roman" panose="02020603050405020304" pitchFamily="18" charset="0"/>
-                <a:cs typeface="Times New Roman" panose="02020603050405020304" pitchFamily="18" charset="0"/>
-              </a:rPr>
-              <a:t>audio  </a:t>
+              <a:t>  a. User selects portion of audio  </a:t>
             </a:r>
           </a:p>
           <a:p>
@@ -18521,68 +18545,8 @@
                 <a:latin typeface="Times New Roman" panose="02020603050405020304" pitchFamily="18" charset="0"/>
                 <a:cs typeface="Times New Roman" panose="02020603050405020304" pitchFamily="18" charset="0"/>
               </a:rPr>
-              <a:t> </a:t>
+              <a:t>  b. User assigns name to current speaker, enrolls them (trains the API)</a:t>
             </a:r>
-            <a:r>
-              <a:rPr lang="en-US" sz="2400" dirty="0" smtClean="0">
-                <a:latin typeface="Times New Roman" panose="02020603050405020304" pitchFamily="18" charset="0"/>
-                <a:cs typeface="Times New Roman" panose="02020603050405020304" pitchFamily="18" charset="0"/>
-              </a:rPr>
-              <a:t> </a:t>
-            </a:r>
-            <a:r>
-              <a:rPr lang="en-US" sz="2400" dirty="0" smtClean="0">
-                <a:latin typeface="Times New Roman" panose="02020603050405020304" pitchFamily="18" charset="0"/>
-                <a:cs typeface="Times New Roman" panose="02020603050405020304" pitchFamily="18" charset="0"/>
-              </a:rPr>
-              <a:t>b</a:t>
-            </a:r>
-            <a:r>
-              <a:rPr lang="en-US" sz="2400" dirty="0">
-                <a:latin typeface="Times New Roman" panose="02020603050405020304" pitchFamily="18" charset="0"/>
-                <a:cs typeface="Times New Roman" panose="02020603050405020304" pitchFamily="18" charset="0"/>
-              </a:rPr>
-              <a:t>. User assigns </a:t>
-            </a:r>
-            <a:r>
-              <a:rPr lang="en-US" sz="2400" dirty="0" smtClean="0">
-                <a:latin typeface="Times New Roman" panose="02020603050405020304" pitchFamily="18" charset="0"/>
-                <a:cs typeface="Times New Roman" panose="02020603050405020304" pitchFamily="18" charset="0"/>
-              </a:rPr>
-              <a:t>name to current </a:t>
-            </a:r>
-            <a:r>
-              <a:rPr lang="en-US" sz="2400" dirty="0" smtClean="0">
-                <a:latin typeface="Times New Roman" panose="02020603050405020304" pitchFamily="18" charset="0"/>
-                <a:cs typeface="Times New Roman" panose="02020603050405020304" pitchFamily="18" charset="0"/>
-              </a:rPr>
-              <a:t>speaker,</a:t>
-            </a:r>
-            <a:r>
-              <a:rPr lang="en-US" sz="2400" dirty="0" smtClean="0">
-                <a:latin typeface="Times New Roman" panose="02020603050405020304" pitchFamily="18" charset="0"/>
-                <a:cs typeface="Times New Roman" panose="02020603050405020304" pitchFamily="18" charset="0"/>
-              </a:rPr>
-              <a:t> </a:t>
-            </a:r>
-            <a:r>
-              <a:rPr lang="en-US" sz="2400" dirty="0">
-                <a:latin typeface="Times New Roman" panose="02020603050405020304" pitchFamily="18" charset="0"/>
-                <a:cs typeface="Times New Roman" panose="02020603050405020304" pitchFamily="18" charset="0"/>
-              </a:rPr>
-              <a:t>enrolls </a:t>
-            </a:r>
-            <a:r>
-              <a:rPr lang="en-US" sz="2400" dirty="0" smtClean="0">
-                <a:latin typeface="Times New Roman" panose="02020603050405020304" pitchFamily="18" charset="0"/>
-                <a:cs typeface="Times New Roman" panose="02020603050405020304" pitchFamily="18" charset="0"/>
-              </a:rPr>
-              <a:t>them (trains the API)</a:t>
-            </a:r>
-            <a:endParaRPr lang="en-US" sz="2400" dirty="0">
-              <a:latin typeface="Times New Roman" panose="02020603050405020304" pitchFamily="18" charset="0"/>
-              <a:cs typeface="Times New Roman" panose="02020603050405020304" pitchFamily="18" charset="0"/>
-            </a:endParaRPr>
           </a:p>
           <a:p>
             <a:r>
@@ -18590,45 +18554,20 @@
                 <a:latin typeface="Times New Roman" panose="02020603050405020304" pitchFamily="18" charset="0"/>
                 <a:cs typeface="Times New Roman" panose="02020603050405020304" pitchFamily="18" charset="0"/>
               </a:rPr>
-              <a:t>  c. </a:t>
-            </a:r>
-            <a:r>
-              <a:rPr lang="en-US" sz="2400" dirty="0" smtClean="0">
-                <a:latin typeface="Times New Roman" panose="02020603050405020304" pitchFamily="18" charset="0"/>
-                <a:cs typeface="Times New Roman" panose="02020603050405020304" pitchFamily="18" charset="0"/>
-              </a:rPr>
-              <a:t>Repeat for each speaker</a:t>
+              <a:t>  c. Repeat for each speaker</a:t>
             </a:r>
           </a:p>
           <a:p>
-            <a:r>
-              <a:rPr lang="en-US" sz="2400" dirty="0" smtClean="0">
-                <a:latin typeface="Times New Roman" panose="02020603050405020304" pitchFamily="18" charset="0"/>
-                <a:cs typeface="Times New Roman" panose="02020603050405020304" pitchFamily="18" charset="0"/>
-              </a:rPr>
-              <a:t>  d</a:t>
-            </a:r>
             <a:r>
               <a:rPr lang="en-US" sz="2400" dirty="0">
                 <a:latin typeface="Times New Roman" panose="02020603050405020304" pitchFamily="18" charset="0"/>
                 <a:cs typeface="Times New Roman" panose="02020603050405020304" pitchFamily="18" charset="0"/>
               </a:rPr>
-              <a:t>. </a:t>
+              <a:t>  d. Click to transcribe!</a:t>
             </a:r>
-            <a:r>
-              <a:rPr lang="en-US" sz="2400" dirty="0" smtClean="0">
-                <a:latin typeface="Times New Roman" panose="02020603050405020304" pitchFamily="18" charset="0"/>
-                <a:cs typeface="Times New Roman" panose="02020603050405020304" pitchFamily="18" charset="0"/>
-              </a:rPr>
-              <a:t>Click to transcribe!</a:t>
-            </a:r>
-            <a:endParaRPr lang="en-US" sz="2400" dirty="0">
-              <a:latin typeface="Times New Roman" panose="02020603050405020304" pitchFamily="18" charset="0"/>
-              <a:cs typeface="Times New Roman" panose="02020603050405020304" pitchFamily="18" charset="0"/>
-            </a:endParaRPr>
           </a:p>
           <a:p>
-            <a:endParaRPr lang="en-US" sz="2400" dirty="0" smtClean="0">
+            <a:endParaRPr lang="en-US" sz="2400" dirty="0">
               <a:latin typeface="Times New Roman" panose="02020603050405020304" pitchFamily="18" charset="0"/>
               <a:cs typeface="Times New Roman" panose="02020603050405020304" pitchFamily="18" charset="0"/>
             </a:endParaRPr>
@@ -18640,7 +18579,7 @@
             </a:endParaRPr>
           </a:p>
           <a:p>
-            <a:endParaRPr lang="en-US" sz="2400" dirty="0" smtClean="0">
+            <a:endParaRPr lang="en-US" sz="2400" dirty="0">
               <a:latin typeface="Times New Roman" panose="02020603050405020304" pitchFamily="18" charset="0"/>
               <a:cs typeface="Times New Roman" panose="02020603050405020304" pitchFamily="18" charset="0"/>
             </a:endParaRPr>
@@ -18653,18 +18592,11 @@
           </a:p>
           <a:p>
             <a:r>
-              <a:rPr lang="en-US" sz="2400" b="1" dirty="0" smtClean="0">
-                <a:latin typeface="Times New Roman" panose="02020603050405020304" pitchFamily="18" charset="0"/>
-                <a:cs typeface="Times New Roman" panose="02020603050405020304" pitchFamily="18" charset="0"/>
-              </a:rPr>
-              <a:t>3. </a:t>
-            </a:r>
-            <a:r>
               <a:rPr lang="en-US" sz="2400" b="1" dirty="0">
                 <a:latin typeface="Times New Roman" panose="02020603050405020304" pitchFamily="18" charset="0"/>
                 <a:cs typeface="Times New Roman" panose="02020603050405020304" pitchFamily="18" charset="0"/>
               </a:rPr>
-              <a:t>Generated transcript is displayed!</a:t>
+              <a:t>3. Generated transcript is displayed!</a:t>
             </a:r>
           </a:p>
           <a:p>
@@ -18675,84 +18607,31 @@
           </a:p>
         </p:txBody>
       </p:sp>
-      <p:sp>
-        <p:nvSpPr>
-          <p:cNvPr id="288" name="TextBox 287"/>
-          <p:cNvSpPr txBox="1"/>
-          <p:nvPr/>
-        </p:nvSpPr>
-        <p:spPr>
-          <a:xfrm>
-            <a:off x="32704009" y="20339102"/>
-            <a:ext cx="565997" cy="518588"/>
-          </a:xfrm>
-          <a:prstGeom prst="rect">
-            <a:avLst/>
-          </a:prstGeom>
-          <a:solidFill>
-            <a:schemeClr val="tx1"/>
-          </a:solidFill>
-        </p:spPr>
-        <p:txBody>
-          <a:bodyPr wrap="square" rtlCol="0">
-            <a:spAutoFit/>
-          </a:bodyPr>
-          <a:lstStyle/>
-          <a:p>
-            <a:r>
-              <a:rPr lang="en-US" sz="2800">
-                <a:solidFill>
-                  <a:schemeClr val="bg1"/>
-                </a:solidFill>
-                <a:latin typeface="Times New Roman" panose="02020603050405020304" pitchFamily="18" charset="0"/>
-                <a:cs typeface="Times New Roman" panose="02020603050405020304" pitchFamily="18" charset="0"/>
-              </a:rPr>
-              <a:t>2d</a:t>
-            </a:r>
-            <a:endParaRPr lang="en-US" sz="2800" dirty="0">
-              <a:solidFill>
-                <a:schemeClr val="bg1"/>
-              </a:solidFill>
-              <a:latin typeface="Times New Roman" panose="02020603050405020304" pitchFamily="18" charset="0"/>
-              <a:cs typeface="Times New Roman" panose="02020603050405020304" pitchFamily="18" charset="0"/>
-            </a:endParaRPr>
-          </a:p>
-        </p:txBody>
-      </p:sp>
       <p:grpSp>
         <p:nvGrpSpPr>
-          <p:cNvPr id="6" name="Group 5"/>
+          <p:cNvPr id="249" name="Group 248"/>
           <p:cNvGrpSpPr/>
           <p:nvPr/>
         </p:nvGrpSpPr>
         <p:grpSpPr>
           <a:xfrm>
-            <a:off x="3299325" y="22030156"/>
-            <a:ext cx="12838601" cy="7311337"/>
-            <a:chOff x="1109538" y="25108766"/>
-            <a:chExt cx="12838601" cy="7311337"/>
+            <a:off x="25850911" y="20339102"/>
+            <a:ext cx="7419095" cy="3724229"/>
+            <a:chOff x="25850911" y="20339102"/>
+            <a:chExt cx="7419095" cy="3724229"/>
           </a:xfrm>
         </p:grpSpPr>
         <p:pic>
           <p:nvPicPr>
-            <p:cNvPr id="7" name="Picture 6"/>
+            <p:cNvPr id="10" name="Picture 9"/>
             <p:cNvPicPr>
               <a:picLocks noChangeAspect="1"/>
             </p:cNvPicPr>
             <p:nvPr/>
           </p:nvPicPr>
           <p:blipFill>
-            <a:blip r:embed="rId13">
+            <a:blip r:embed="rId12">
               <a:extLst>
-                <a:ext uri="{BEBA8EAE-BF5A-486C-A8C5-ECC9F3942E4B}">
-                  <a14:imgProps xmlns:a14="http://schemas.microsoft.com/office/drawing/2010/main">
-                    <a14:imgLayer r:embed="rId14">
-                      <a14:imgEffect>
-                        <a14:brightnessContrast bright="20000" contrast="20000"/>
-                      </a14:imgEffect>
-                    </a14:imgLayer>
-                  </a14:imgProps>
-                </a:ext>
                 <a:ext uri="{28A0092B-C50C-407E-A947-70E740481C1C}">
                   <a14:useLocalDpi xmlns:a14="http://schemas.microsoft.com/office/drawing/2010/main" val="0"/>
                 </a:ext>
@@ -18764,8 +18643,8 @@
           </p:blipFill>
           <p:spPr>
             <a:xfrm>
-              <a:off x="1109538" y="25108766"/>
-              <a:ext cx="7517026" cy="7311337"/>
+              <a:off x="25850911" y="20339102"/>
+              <a:ext cx="7419095" cy="3724229"/>
             </a:xfrm>
             <a:prstGeom prst="rect">
               <a:avLst/>
@@ -18774,177 +18653,21 @@
         </p:pic>
         <p:sp>
           <p:nvSpPr>
-            <p:cNvPr id="8" name="Oval 7"/>
-            <p:cNvSpPr/>
-            <p:nvPr/>
-          </p:nvSpPr>
-          <p:spPr>
-            <a:xfrm>
-              <a:off x="3940853" y="27318495"/>
-              <a:ext cx="4685711" cy="509923"/>
-            </a:xfrm>
-            <a:prstGeom prst="ellipse">
-              <a:avLst/>
-            </a:prstGeom>
-            <a:noFill/>
-            <a:ln w="76200">
-              <a:solidFill>
-                <a:srgbClr val="FF0000"/>
-              </a:solidFill>
-            </a:ln>
-          </p:spPr>
-          <p:style>
-            <a:lnRef idx="2">
-              <a:schemeClr val="accent1">
-                <a:shade val="50000"/>
-              </a:schemeClr>
-            </a:lnRef>
-            <a:fillRef idx="1">
-              <a:schemeClr val="accent1"/>
-            </a:fillRef>
-            <a:effectRef idx="0">
-              <a:schemeClr val="accent1"/>
-            </a:effectRef>
-            <a:fontRef idx="minor">
-              <a:schemeClr val="lt1"/>
-            </a:fontRef>
-          </p:style>
-          <p:txBody>
-            <a:bodyPr rtlCol="0" anchor="ctr"/>
-            <a:lstStyle/>
-            <a:p>
-              <a:pPr algn="ctr"/>
-              <a:endParaRPr lang="en-US"/>
-            </a:p>
-          </p:txBody>
-        </p:sp>
-        <p:cxnSp>
-          <p:nvCxnSpPr>
-            <p:cNvPr id="12" name="Straight Arrow Connector 11"/>
-            <p:cNvCxnSpPr/>
-            <p:nvPr/>
-          </p:nvCxnSpPr>
-          <p:spPr>
-            <a:xfrm>
-              <a:off x="2475105" y="25927594"/>
-              <a:ext cx="1855183" cy="1843278"/>
-            </a:xfrm>
-            <a:prstGeom prst="straightConnector1">
-              <a:avLst/>
-            </a:prstGeom>
-            <a:ln w="76200">
-              <a:solidFill>
-                <a:srgbClr val="FFFF00"/>
-              </a:solidFill>
-              <a:headEnd type="triangle"/>
-              <a:tailEnd type="triangle"/>
-            </a:ln>
-          </p:spPr>
-          <p:style>
-            <a:lnRef idx="1">
-              <a:schemeClr val="accent1"/>
-            </a:lnRef>
-            <a:fillRef idx="0">
-              <a:schemeClr val="accent1"/>
-            </a:fillRef>
-            <a:effectRef idx="0">
-              <a:schemeClr val="accent1"/>
-            </a:effectRef>
-            <a:fontRef idx="minor">
-              <a:schemeClr val="tx1"/>
-            </a:fontRef>
-          </p:style>
-        </p:cxnSp>
-        <p:cxnSp>
-          <p:nvCxnSpPr>
-            <p:cNvPr id="55" name="Straight Arrow Connector 54"/>
-            <p:cNvCxnSpPr/>
-            <p:nvPr/>
-          </p:nvCxnSpPr>
-          <p:spPr>
-            <a:xfrm>
-              <a:off x="4433973" y="27899399"/>
-              <a:ext cx="3654325" cy="3630875"/>
-            </a:xfrm>
-            <a:prstGeom prst="straightConnector1">
-              <a:avLst/>
-            </a:prstGeom>
-            <a:ln w="76200">
-              <a:solidFill>
-                <a:srgbClr val="FFFF00"/>
-              </a:solidFill>
-              <a:headEnd type="triangle"/>
-              <a:tailEnd type="triangle"/>
-            </a:ln>
-          </p:spPr>
-          <p:style>
-            <a:lnRef idx="1">
-              <a:schemeClr val="accent1"/>
-            </a:lnRef>
-            <a:fillRef idx="0">
-              <a:schemeClr val="accent1"/>
-            </a:fillRef>
-            <a:effectRef idx="0">
-              <a:schemeClr val="accent1"/>
-            </a:effectRef>
-            <a:fontRef idx="minor">
-              <a:schemeClr val="tx1"/>
-            </a:fontRef>
-          </p:style>
-        </p:cxnSp>
-        <p:cxnSp>
-          <p:nvCxnSpPr>
-            <p:cNvPr id="24" name="Straight Arrow Connector 23"/>
-            <p:cNvCxnSpPr>
-              <a:stCxn id="8" idx="6"/>
-            </p:cNvCxnSpPr>
-            <p:nvPr/>
-          </p:nvCxnSpPr>
-          <p:spPr>
-            <a:xfrm flipV="1">
-              <a:off x="8626564" y="27368400"/>
-              <a:ext cx="778650" cy="205057"/>
-            </a:xfrm>
-            <a:prstGeom prst="straightConnector1">
-              <a:avLst/>
-            </a:prstGeom>
-            <a:ln w="76200">
-              <a:solidFill>
-                <a:srgbClr val="FF0000"/>
-              </a:solidFill>
-              <a:tailEnd type="triangle"/>
-            </a:ln>
-          </p:spPr>
-          <p:style>
-            <a:lnRef idx="1">
-              <a:schemeClr val="accent1"/>
-            </a:lnRef>
-            <a:fillRef idx="0">
-              <a:schemeClr val="accent1"/>
-            </a:fillRef>
-            <a:effectRef idx="0">
-              <a:schemeClr val="accent1"/>
-            </a:effectRef>
-            <a:fontRef idx="minor">
-              <a:schemeClr val="tx1"/>
-            </a:fontRef>
-          </p:style>
-        </p:cxnSp>
-        <p:sp>
-          <p:nvSpPr>
-            <p:cNvPr id="234" name="TextBox 233"/>
+            <p:cNvPr id="288" name="TextBox 287"/>
             <p:cNvSpPr txBox="1"/>
             <p:nvPr/>
           </p:nvSpPr>
           <p:spPr>
             <a:xfrm>
-              <a:off x="9629068" y="26969726"/>
-              <a:ext cx="4296276" cy="724151"/>
+              <a:off x="32704009" y="20339102"/>
+              <a:ext cx="565997" cy="518588"/>
             </a:xfrm>
             <a:prstGeom prst="rect">
               <a:avLst/>
             </a:prstGeom>
-            <a:noFill/>
+            <a:solidFill>
+              <a:schemeClr val="tx1"/>
+            </a:solidFill>
           </p:spPr>
           <p:txBody>
             <a:bodyPr wrap="square" rtlCol="0">
@@ -18953,91 +18676,80 @@
             <a:lstStyle/>
             <a:p>
               <a:r>
-                <a:rPr lang="en-US" sz="4000" dirty="0">
-                  <a:solidFill>
-                    <a:schemeClr val="accent5">
-                      <a:lumMod val="50000"/>
-                    </a:schemeClr>
+                <a:rPr lang="en-US" sz="2800" dirty="0">
+                  <a:solidFill>
+                    <a:schemeClr val="bg1"/>
                   </a:solidFill>
                   <a:latin typeface="Times New Roman" panose="02020603050405020304" pitchFamily="18" charset="0"/>
                   <a:cs typeface="Times New Roman" panose="02020603050405020304" pitchFamily="18" charset="0"/>
                 </a:rPr>
-                <a:t>Change</a:t>
-              </a:r>
-              <a:r>
-                <a:rPr lang="en-US" sz="4000" dirty="0">
-                  <a:latin typeface="Times New Roman" panose="02020603050405020304" pitchFamily="18" charset="0"/>
-                  <a:cs typeface="Times New Roman" panose="02020603050405020304" pitchFamily="18" charset="0"/>
-                </a:rPr>
-                <a:t> </a:t>
-              </a:r>
-              <a:r>
-                <a:rPr lang="en-US" sz="4000" dirty="0">
-                  <a:solidFill>
-                    <a:schemeClr val="accent5">
-                      <a:lumMod val="50000"/>
-                    </a:schemeClr>
-                  </a:solidFill>
-                  <a:latin typeface="Times New Roman" panose="02020603050405020304" pitchFamily="18" charset="0"/>
-                  <a:cs typeface="Times New Roman" panose="02020603050405020304" pitchFamily="18" charset="0"/>
-                </a:rPr>
-                <a:t>in speakers</a:t>
+                <a:t>2d</a:t>
               </a:r>
             </a:p>
           </p:txBody>
         </p:sp>
-        <p:cxnSp>
-          <p:nvCxnSpPr>
-            <p:cNvPr id="62" name="Straight Arrow Connector 61"/>
-            <p:cNvCxnSpPr/>
+      </p:grpSp>
+      <p:grpSp>
+        <p:nvGrpSpPr>
+          <p:cNvPr id="247" name="Group 246"/>
+          <p:cNvGrpSpPr/>
+          <p:nvPr/>
+        </p:nvGrpSpPr>
+        <p:grpSpPr>
+          <a:xfrm>
+            <a:off x="17977599" y="15510479"/>
+            <a:ext cx="7452330" cy="4236208"/>
+            <a:chOff x="17977599" y="15510479"/>
+            <a:chExt cx="7452330" cy="4236208"/>
+          </a:xfrm>
+        </p:grpSpPr>
+        <p:pic>
+          <p:nvPicPr>
+            <p:cNvPr id="39" name="Picture 38"/>
+            <p:cNvPicPr>
+              <a:picLocks noChangeAspect="1"/>
+            </p:cNvPicPr>
             <p:nvPr/>
-          </p:nvCxnSpPr>
+          </p:nvPicPr>
+          <p:blipFill>
+            <a:blip r:embed="rId13">
+              <a:extLst>
+                <a:ext uri="{28A0092B-C50C-407E-A947-70E740481C1C}">
+                  <a14:useLocalDpi xmlns:a14="http://schemas.microsoft.com/office/drawing/2010/main" val="0"/>
+                </a:ext>
+              </a:extLst>
+            </a:blip>
+            <a:stretch>
+              <a:fillRect/>
+            </a:stretch>
+          </p:blipFill>
           <p:spPr>
             <a:xfrm>
-              <a:off x="6261135" y="29611561"/>
-              <a:ext cx="2608748" cy="357251"/>
+              <a:off x="17977599" y="15510479"/>
+              <a:ext cx="7437693" cy="4236208"/>
             </a:xfrm>
-            <a:prstGeom prst="straightConnector1">
+            <a:prstGeom prst="rect">
               <a:avLst/>
             </a:prstGeom>
-            <a:ln w="76200">
-              <a:solidFill>
-                <a:srgbClr val="FFFF00"/>
-              </a:solidFill>
-              <a:prstDash val="lgDashDot"/>
-              <a:tailEnd type="triangle"/>
-            </a:ln>
           </p:spPr>
-          <p:style>
-            <a:lnRef idx="1">
-              <a:schemeClr val="accent1"/>
-            </a:lnRef>
-            <a:fillRef idx="0">
-              <a:schemeClr val="accent1"/>
-            </a:fillRef>
-            <a:effectRef idx="0">
-              <a:schemeClr val="accent1"/>
-            </a:effectRef>
-            <a:fontRef idx="minor">
-              <a:schemeClr val="tx1"/>
-            </a:fontRef>
-          </p:style>
-        </p:cxnSp>
+        </p:pic>
         <p:sp>
           <p:nvSpPr>
-            <p:cNvPr id="66" name="TextBox 65"/>
+            <p:cNvPr id="202" name="TextBox 201"/>
             <p:cNvSpPr txBox="1"/>
             <p:nvPr/>
           </p:nvSpPr>
           <p:spPr>
             <a:xfrm>
-              <a:off x="9037783" y="29523474"/>
-              <a:ext cx="4855703" cy="707886"/>
+              <a:off x="24868640" y="15514036"/>
+              <a:ext cx="561289" cy="523220"/>
             </a:xfrm>
             <a:prstGeom prst="rect">
               <a:avLst/>
             </a:prstGeom>
-            <a:noFill/>
+            <a:solidFill>
+              <a:schemeClr val="tx1"/>
+            </a:solidFill>
           </p:spPr>
           <p:txBody>
             <a:bodyPr wrap="square" rtlCol="0">
@@ -19046,138 +18758,87 @@
             <a:lstStyle/>
             <a:p>
               <a:r>
-                <a:rPr lang="en-US" sz="4000" dirty="0">
-                  <a:solidFill>
-                    <a:schemeClr val="accent5">
-                      <a:lumMod val="50000"/>
-                    </a:schemeClr>
+                <a:rPr lang="en-US" sz="2800">
+                  <a:solidFill>
+                    <a:schemeClr val="bg1"/>
                   </a:solidFill>
                   <a:latin typeface="Times New Roman" panose="02020603050405020304" pitchFamily="18" charset="0"/>
                   <a:cs typeface="Times New Roman" panose="02020603050405020304" pitchFamily="18" charset="0"/>
                 </a:rPr>
-                <a:t>Speaker #2’s dialogue</a:t>
-              </a:r>
+                <a:t>2a</a:t>
+              </a:r>
+              <a:endParaRPr lang="en-US" sz="2800" dirty="0">
+                <a:solidFill>
+                  <a:schemeClr val="bg1"/>
+                </a:solidFill>
+                <a:latin typeface="Times New Roman" panose="02020603050405020304" pitchFamily="18" charset="0"/>
+                <a:cs typeface="Times New Roman" panose="02020603050405020304" pitchFamily="18" charset="0"/>
+              </a:endParaRPr>
             </a:p>
           </p:txBody>
         </p:sp>
+      </p:grpSp>
+      <p:grpSp>
+        <p:nvGrpSpPr>
+          <p:cNvPr id="246" name="Group 245"/>
+          <p:cNvGrpSpPr/>
+          <p:nvPr/>
+        </p:nvGrpSpPr>
+        <p:grpSpPr>
+          <a:xfrm>
+            <a:off x="25850911" y="15510479"/>
+            <a:ext cx="7419095" cy="4251006"/>
+            <a:chOff x="25850911" y="15510479"/>
+            <a:chExt cx="7419095" cy="4251006"/>
+          </a:xfrm>
+        </p:grpSpPr>
+        <p:pic>
+          <p:nvPicPr>
+            <p:cNvPr id="71" name="Picture 70"/>
+            <p:cNvPicPr>
+              <a:picLocks noChangeAspect="1"/>
+            </p:cNvPicPr>
+            <p:nvPr/>
+          </p:nvPicPr>
+          <p:blipFill>
+            <a:blip r:embed="rId14">
+              <a:extLst>
+                <a:ext uri="{28A0092B-C50C-407E-A947-70E740481C1C}">
+                  <a14:useLocalDpi xmlns:a14="http://schemas.microsoft.com/office/drawing/2010/main" val="0"/>
+                </a:ext>
+              </a:extLst>
+            </a:blip>
+            <a:stretch>
+              <a:fillRect/>
+            </a:stretch>
+          </p:blipFill>
+          <p:spPr>
+            <a:xfrm>
+              <a:off x="25850911" y="15510479"/>
+              <a:ext cx="7419095" cy="4251006"/>
+            </a:xfrm>
+            <a:prstGeom prst="rect">
+              <a:avLst/>
+            </a:prstGeom>
+          </p:spPr>
+        </p:pic>
         <p:sp>
           <p:nvSpPr>
-            <p:cNvPr id="240" name="Freeform: Shape 239"/>
-            <p:cNvSpPr/>
-            <p:nvPr/>
-          </p:nvSpPr>
-          <p:spPr>
-            <a:xfrm>
-              <a:off x="3194976" y="26785095"/>
-              <a:ext cx="5832228" cy="2152711"/>
-            </a:xfrm>
-            <a:custGeom>
-              <a:avLst/>
-              <a:gdLst>
-                <a:gd name="connsiteX0" fmla="*/ 343085 w 6096185"/>
-                <a:gd name="connsiteY0" fmla="*/ 0 h 2412099"/>
-                <a:gd name="connsiteX1" fmla="*/ 628835 w 6096185"/>
-                <a:gd name="connsiteY1" fmla="*/ 2305050 h 2412099"/>
-                <a:gd name="connsiteX2" fmla="*/ 6096185 w 6096185"/>
-                <a:gd name="connsiteY2" fmla="*/ 2057400 h 2412099"/>
-                <a:gd name="connsiteX3" fmla="*/ 6096185 w 6096185"/>
-                <a:gd name="connsiteY3" fmla="*/ 2057400 h 2412099"/>
-                <a:gd name="connsiteX0" fmla="*/ 79128 w 5832228"/>
-                <a:gd name="connsiteY0" fmla="*/ 0 h 2152711"/>
-                <a:gd name="connsiteX1" fmla="*/ 1488828 w 5832228"/>
-                <a:gd name="connsiteY1" fmla="*/ 1981200 h 2152711"/>
-                <a:gd name="connsiteX2" fmla="*/ 5832228 w 5832228"/>
-                <a:gd name="connsiteY2" fmla="*/ 2057400 h 2152711"/>
-                <a:gd name="connsiteX3" fmla="*/ 5832228 w 5832228"/>
-                <a:gd name="connsiteY3" fmla="*/ 2057400 h 2152711"/>
-              </a:gdLst>
-              <a:ahLst/>
-              <a:cxnLst>
-                <a:cxn ang="0">
-                  <a:pos x="connsiteX0" y="connsiteY0"/>
-                </a:cxn>
-                <a:cxn ang="0">
-                  <a:pos x="connsiteX1" y="connsiteY1"/>
-                </a:cxn>
-                <a:cxn ang="0">
-                  <a:pos x="connsiteX2" y="connsiteY2"/>
-                </a:cxn>
-                <a:cxn ang="0">
-                  <a:pos x="connsiteX3" y="connsiteY3"/>
-                </a:cxn>
-              </a:cxnLst>
-              <a:rect l="l" t="t" r="r" b="b"/>
-              <a:pathLst>
-                <a:path w="5832228" h="2152711">
-                  <a:moveTo>
-                    <a:pt x="79128" y="0"/>
-                  </a:moveTo>
-                  <a:cubicBezTo>
-                    <a:pt x="-257422" y="981075"/>
-                    <a:pt x="529978" y="1638300"/>
-                    <a:pt x="1488828" y="1981200"/>
-                  </a:cubicBezTo>
-                  <a:cubicBezTo>
-                    <a:pt x="2447678" y="2324100"/>
-                    <a:pt x="5108328" y="2044700"/>
-                    <a:pt x="5832228" y="2057400"/>
-                  </a:cubicBezTo>
-                  <a:lnTo>
-                    <a:pt x="5832228" y="2057400"/>
-                  </a:lnTo>
-                </a:path>
-              </a:pathLst>
-            </a:custGeom>
-            <a:noFill/>
-            <a:ln w="76200">
-              <a:solidFill>
-                <a:srgbClr val="FFFF00"/>
-              </a:solidFill>
-              <a:prstDash val="lgDashDot"/>
-              <a:headEnd type="none" w="med" len="med"/>
-              <a:tailEnd type="triangle" w="med" len="med"/>
-            </a:ln>
-          </p:spPr>
-          <p:style>
-            <a:lnRef idx="2">
-              <a:schemeClr val="accent1">
-                <a:shade val="50000"/>
-              </a:schemeClr>
-            </a:lnRef>
-            <a:fillRef idx="1">
-              <a:schemeClr val="accent1"/>
-            </a:fillRef>
-            <a:effectRef idx="0">
-              <a:schemeClr val="accent1"/>
-            </a:effectRef>
-            <a:fontRef idx="minor">
-              <a:schemeClr val="lt1"/>
-            </a:fontRef>
-          </p:style>
-          <p:txBody>
-            <a:bodyPr rtlCol="0" anchor="ctr"/>
-            <a:lstStyle/>
-            <a:p>
-              <a:pPr algn="ctr"/>
-              <a:endParaRPr lang="en-US" dirty="0"/>
-            </a:p>
-          </p:txBody>
-        </p:sp>
-        <p:sp>
-          <p:nvSpPr>
-            <p:cNvPr id="70" name="TextBox 69"/>
+            <p:cNvPr id="203" name="TextBox 202"/>
             <p:cNvSpPr txBox="1"/>
             <p:nvPr/>
           </p:nvSpPr>
           <p:spPr>
             <a:xfrm>
-              <a:off x="9092436" y="28408238"/>
-              <a:ext cx="4855703" cy="707886"/>
+              <a:off x="32702503" y="15514036"/>
+              <a:ext cx="567503" cy="523220"/>
             </a:xfrm>
             <a:prstGeom prst="rect">
               <a:avLst/>
             </a:prstGeom>
-            <a:noFill/>
+            <a:solidFill>
+              <a:schemeClr val="tx1"/>
+            </a:solidFill>
           </p:spPr>
           <p:txBody>
             <a:bodyPr wrap="square" rtlCol="0">
@@ -19186,254 +18847,125 @@
             <a:lstStyle/>
             <a:p>
               <a:r>
-                <a:rPr lang="en-US" sz="4000" dirty="0">
-                  <a:solidFill>
-                    <a:schemeClr val="accent5">
-                      <a:lumMod val="50000"/>
-                    </a:schemeClr>
+                <a:rPr lang="en-US" sz="2800" dirty="0">
+                  <a:solidFill>
+                    <a:schemeClr val="bg1"/>
                   </a:solidFill>
                   <a:latin typeface="Times New Roman" panose="02020603050405020304" pitchFamily="18" charset="0"/>
                   <a:cs typeface="Times New Roman" panose="02020603050405020304" pitchFamily="18" charset="0"/>
                 </a:rPr>
-                <a:t>Speaker #1’s dialogue</a:t>
+                <a:t>2b</a:t>
               </a:r>
             </a:p>
           </p:txBody>
         </p:sp>
       </p:grpSp>
-      <p:pic>
-        <p:nvPicPr>
-          <p:cNvPr id="39" name="Picture 38"/>
-          <p:cNvPicPr>
-            <a:picLocks noChangeAspect="1"/>
-          </p:cNvPicPr>
+      <p:grpSp>
+        <p:nvGrpSpPr>
+          <p:cNvPr id="248" name="Group 247"/>
+          <p:cNvGrpSpPr/>
           <p:nvPr/>
-        </p:nvPicPr>
-        <p:blipFill>
-          <a:blip r:embed="rId15">
-            <a:extLst>
-              <a:ext uri="{28A0092B-C50C-407E-A947-70E740481C1C}">
-                <a14:useLocalDpi xmlns:a14="http://schemas.microsoft.com/office/drawing/2010/main" val="0"/>
-              </a:ext>
-            </a:extLst>
-          </a:blip>
-          <a:stretch>
-            <a:fillRect/>
-          </a:stretch>
-        </p:blipFill>
-        <p:spPr>
-          <a:xfrm>
-            <a:off x="17977599" y="15510479"/>
-            <a:ext cx="7437693" cy="4236208"/>
-          </a:xfrm>
-          <a:prstGeom prst="rect">
-            <a:avLst/>
-          </a:prstGeom>
-        </p:spPr>
-      </p:pic>
-      <p:pic>
-        <p:nvPicPr>
-          <p:cNvPr id="71" name="Picture 70"/>
-          <p:cNvPicPr>
-            <a:picLocks noChangeAspect="1"/>
-          </p:cNvPicPr>
-          <p:nvPr/>
-        </p:nvPicPr>
-        <p:blipFill>
-          <a:blip r:embed="rId16">
-            <a:extLst>
-              <a:ext uri="{28A0092B-C50C-407E-A947-70E740481C1C}">
-                <a14:useLocalDpi xmlns:a14="http://schemas.microsoft.com/office/drawing/2010/main" val="0"/>
-              </a:ext>
-            </a:extLst>
-          </a:blip>
-          <a:stretch>
-            <a:fillRect/>
-          </a:stretch>
-        </p:blipFill>
-        <p:spPr>
-          <a:xfrm>
-            <a:off x="25850911" y="15510479"/>
-            <a:ext cx="7419095" cy="4251006"/>
-          </a:xfrm>
-          <a:prstGeom prst="rect">
-            <a:avLst/>
-          </a:prstGeom>
-        </p:spPr>
-      </p:pic>
-      <p:sp>
-        <p:nvSpPr>
-          <p:cNvPr id="202" name="TextBox 201"/>
-          <p:cNvSpPr txBox="1"/>
-          <p:nvPr/>
-        </p:nvSpPr>
-        <p:spPr>
-          <a:xfrm>
-            <a:off x="24868640" y="15514036"/>
-            <a:ext cx="561289" cy="523220"/>
-          </a:xfrm>
-          <a:prstGeom prst="rect">
-            <a:avLst/>
-          </a:prstGeom>
-          <a:solidFill>
-            <a:schemeClr val="tx1"/>
-          </a:solidFill>
-        </p:spPr>
-        <p:txBody>
-          <a:bodyPr wrap="square" rtlCol="0">
-            <a:spAutoFit/>
-          </a:bodyPr>
-          <a:lstStyle/>
-          <a:p>
-            <a:r>
-              <a:rPr lang="en-US" sz="2800">
-                <a:solidFill>
-                  <a:schemeClr val="bg1"/>
-                </a:solidFill>
-                <a:latin typeface="Times New Roman" panose="02020603050405020304" pitchFamily="18" charset="0"/>
-                <a:cs typeface="Times New Roman" panose="02020603050405020304" pitchFamily="18" charset="0"/>
-              </a:rPr>
-              <a:t>2a</a:t>
-            </a:r>
-            <a:endParaRPr lang="en-US" sz="2800" dirty="0">
-              <a:solidFill>
-                <a:schemeClr val="bg1"/>
-              </a:solidFill>
-              <a:latin typeface="Times New Roman" panose="02020603050405020304" pitchFamily="18" charset="0"/>
-              <a:cs typeface="Times New Roman" panose="02020603050405020304" pitchFamily="18" charset="0"/>
-            </a:endParaRPr>
-          </a:p>
-        </p:txBody>
-      </p:sp>
-      <p:sp>
-        <p:nvSpPr>
-          <p:cNvPr id="203" name="TextBox 202"/>
-          <p:cNvSpPr txBox="1"/>
-          <p:nvPr/>
-        </p:nvSpPr>
-        <p:spPr>
-          <a:xfrm>
-            <a:off x="32702503" y="15514036"/>
-            <a:ext cx="567503" cy="523220"/>
-          </a:xfrm>
-          <a:prstGeom prst="rect">
-            <a:avLst/>
-          </a:prstGeom>
-          <a:solidFill>
-            <a:schemeClr val="tx1"/>
-          </a:solidFill>
-        </p:spPr>
-        <p:txBody>
-          <a:bodyPr wrap="square" rtlCol="0">
-            <a:spAutoFit/>
-          </a:bodyPr>
-          <a:lstStyle/>
-          <a:p>
-            <a:r>
-              <a:rPr lang="en-US" sz="2800" dirty="0">
-                <a:solidFill>
-                  <a:schemeClr val="bg1"/>
-                </a:solidFill>
-                <a:latin typeface="Times New Roman" panose="02020603050405020304" pitchFamily="18" charset="0"/>
-                <a:cs typeface="Times New Roman" panose="02020603050405020304" pitchFamily="18" charset="0"/>
-              </a:rPr>
-              <a:t>2b</a:t>
-            </a:r>
-          </a:p>
-        </p:txBody>
-      </p:sp>
-      <p:pic>
-        <p:nvPicPr>
-          <p:cNvPr id="74" name="Picture 73"/>
-          <p:cNvPicPr>
-            <a:picLocks noChangeAspect="1"/>
-          </p:cNvPicPr>
-          <p:nvPr/>
-        </p:nvPicPr>
-        <p:blipFill>
-          <a:blip r:embed="rId17">
-            <a:extLst>
-              <a:ext uri="{28A0092B-C50C-407E-A947-70E740481C1C}">
-                <a14:useLocalDpi xmlns:a14="http://schemas.microsoft.com/office/drawing/2010/main" val="0"/>
-              </a:ext>
-            </a:extLst>
-          </a:blip>
-          <a:stretch>
-            <a:fillRect/>
-          </a:stretch>
-        </p:blipFill>
-        <p:spPr>
+        </p:nvGrpSpPr>
+        <p:grpSpPr>
           <a:xfrm>
             <a:off x="17977599" y="20339102"/>
             <a:ext cx="7437693" cy="3724229"/>
+            <a:chOff x="17977599" y="20339102"/>
+            <a:chExt cx="7437693" cy="3724229"/>
           </a:xfrm>
-          <a:prstGeom prst="rect">
-            <a:avLst/>
-          </a:prstGeom>
-        </p:spPr>
-      </p:pic>
-      <p:sp>
-        <p:nvSpPr>
-          <p:cNvPr id="205" name="TextBox 204"/>
-          <p:cNvSpPr txBox="1"/>
-          <p:nvPr/>
-        </p:nvSpPr>
-        <p:spPr>
-          <a:xfrm>
-            <a:off x="24854920" y="20353900"/>
-            <a:ext cx="560372" cy="523220"/>
-          </a:xfrm>
-          <a:prstGeom prst="rect">
-            <a:avLst/>
-          </a:prstGeom>
-          <a:solidFill>
-            <a:schemeClr val="tx1"/>
-          </a:solidFill>
-        </p:spPr>
-        <p:txBody>
-          <a:bodyPr wrap="square" rtlCol="0">
-            <a:spAutoFit/>
-          </a:bodyPr>
-          <a:lstStyle/>
-          <a:p>
-            <a:r>
-              <a:rPr lang="en-US" sz="2800">
+        </p:grpSpPr>
+        <p:pic>
+          <p:nvPicPr>
+            <p:cNvPr id="74" name="Picture 73"/>
+            <p:cNvPicPr>
+              <a:picLocks noChangeAspect="1"/>
+            </p:cNvPicPr>
+            <p:nvPr/>
+          </p:nvPicPr>
+          <p:blipFill>
+            <a:blip r:embed="rId15">
+              <a:extLst>
+                <a:ext uri="{28A0092B-C50C-407E-A947-70E740481C1C}">
+                  <a14:useLocalDpi xmlns:a14="http://schemas.microsoft.com/office/drawing/2010/main" val="0"/>
+                </a:ext>
+              </a:extLst>
+            </a:blip>
+            <a:stretch>
+              <a:fillRect/>
+            </a:stretch>
+          </p:blipFill>
+          <p:spPr>
+            <a:xfrm>
+              <a:off x="17977599" y="20339102"/>
+              <a:ext cx="7437693" cy="3724229"/>
+            </a:xfrm>
+            <a:prstGeom prst="rect">
+              <a:avLst/>
+            </a:prstGeom>
+          </p:spPr>
+        </p:pic>
+        <p:sp>
+          <p:nvSpPr>
+            <p:cNvPr id="205" name="TextBox 204"/>
+            <p:cNvSpPr txBox="1"/>
+            <p:nvPr/>
+          </p:nvSpPr>
+          <p:spPr>
+            <a:xfrm>
+              <a:off x="24854920" y="20353900"/>
+              <a:ext cx="560372" cy="523220"/>
+            </a:xfrm>
+            <a:prstGeom prst="rect">
+              <a:avLst/>
+            </a:prstGeom>
+            <a:solidFill>
+              <a:schemeClr val="tx1"/>
+            </a:solidFill>
+          </p:spPr>
+          <p:txBody>
+            <a:bodyPr wrap="square" rtlCol="0">
+              <a:spAutoFit/>
+            </a:bodyPr>
+            <a:lstStyle/>
+            <a:p>
+              <a:r>
+                <a:rPr lang="en-US" sz="2800">
+                  <a:solidFill>
+                    <a:schemeClr val="bg1"/>
+                  </a:solidFill>
+                  <a:latin typeface="Times New Roman" panose="02020603050405020304" pitchFamily="18" charset="0"/>
+                  <a:cs typeface="Times New Roman" panose="02020603050405020304" pitchFamily="18" charset="0"/>
+                </a:rPr>
+                <a:t>2c</a:t>
+              </a:r>
+              <a:endParaRPr lang="en-US" sz="2800" dirty="0">
                 <a:solidFill>
                   <a:schemeClr val="bg1"/>
                 </a:solidFill>
                 <a:latin typeface="Times New Roman" panose="02020603050405020304" pitchFamily="18" charset="0"/>
                 <a:cs typeface="Times New Roman" panose="02020603050405020304" pitchFamily="18" charset="0"/>
-              </a:rPr>
-              <a:t>2c</a:t>
-            </a:r>
-            <a:endParaRPr lang="en-US" sz="2800" dirty="0">
-              <a:solidFill>
-                <a:schemeClr val="bg1"/>
-              </a:solidFill>
-              <a:latin typeface="Times New Roman" panose="02020603050405020304" pitchFamily="18" charset="0"/>
-              <a:cs typeface="Times New Roman" panose="02020603050405020304" pitchFamily="18" charset="0"/>
-            </a:endParaRPr>
-          </a:p>
-        </p:txBody>
-      </p:sp>
+              </a:endParaRPr>
+            </a:p>
+          </p:txBody>
+        </p:sp>
+      </p:grpSp>
       <p:cxnSp>
         <p:nvCxnSpPr>
           <p:cNvPr id="76" name="Straight Arrow Connector 75"/>
           <p:cNvCxnSpPr>
             <a:stCxn id="4" idx="2"/>
-            <a:endCxn id="47" idx="0"/>
           </p:cNvCxnSpPr>
           <p:nvPr/>
         </p:nvCxnSpPr>
         <p:spPr>
           <a:xfrm>
-            <a:off x="25843063" y="12843406"/>
-            <a:ext cx="1" cy="368828"/>
+            <a:off x="25843063" y="12585109"/>
+            <a:ext cx="0" cy="484994"/>
           </a:xfrm>
           <a:prstGeom prst="straightConnector1">
             <a:avLst/>
           </a:prstGeom>
-          <a:ln>
+          <a:ln w="76200">
             <a:tailEnd type="triangle"/>
           </a:ln>
         </p:spPr>
@@ -19467,7 +18999,9 @@
             <a:ext cx="577617" cy="7864013"/>
           </a:xfrm>
           <a:prstGeom prst="bentConnector3">
-            <a:avLst/>
+            <a:avLst>
+              <a:gd name="adj1" fmla="val 28013"/>
+            </a:avLst>
           </a:prstGeom>
           <a:ln w="76200">
             <a:solidFill>
@@ -19535,7 +19069,7 @@
           <p:cNvPr id="48" name="Chart 47">
             <a:extLst>
               <a:ext uri="{FF2B5EF4-FFF2-40B4-BE49-F238E27FC236}">
-                <a16:creationId xmlns:a16="http://schemas.microsoft.com/office/drawing/2014/main" xmlns="" id="{E5183793-22C3-404D-A526-12117498FDE2}"/>
+                <a16:creationId xmlns:a16="http://schemas.microsoft.com/office/drawing/2014/main" id="{E5183793-22C3-404D-A526-12117498FDE2}"/>
               </a:ext>
             </a:extLst>
           </p:cNvPr>
@@ -19545,18 +19079,18 @@
           <p:nvPr>
             <p:extLst>
               <p:ext uri="{D42A27DB-BD31-4B8C-83A1-F6EECF244321}">
-                <p14:modId xmlns:p14="http://schemas.microsoft.com/office/powerpoint/2010/main" val="1172332296"/>
+                <p14:modId xmlns:p14="http://schemas.microsoft.com/office/powerpoint/2010/main" val="241302176"/>
               </p:ext>
             </p:extLst>
           </p:nvPr>
         </p:nvGraphicFramePr>
         <p:xfrm>
           <a:off x="35901531" y="6898614"/>
-          <a:ext cx="13142237" cy="5445499"/>
+          <a:ext cx="13142237" cy="5589719"/>
         </p:xfrm>
         <a:graphic>
           <a:graphicData uri="http://schemas.openxmlformats.org/drawingml/2006/chart">
-            <c:chart xmlns:c="http://schemas.openxmlformats.org/drawingml/2006/chart" xmlns:r="http://schemas.openxmlformats.org/officeDocument/2006/relationships" r:id="rId18"/>
+            <c:chart xmlns:c="http://schemas.openxmlformats.org/drawingml/2006/chart" xmlns:r="http://schemas.openxmlformats.org/officeDocument/2006/relationships" r:id="rId16"/>
           </a:graphicData>
         </a:graphic>
       </p:graphicFrame>
@@ -19565,7 +19099,7 @@
           <p:cNvPr id="53" name="Chart 52">
             <a:extLst>
               <a:ext uri="{FF2B5EF4-FFF2-40B4-BE49-F238E27FC236}">
-                <a16:creationId xmlns:a16="http://schemas.microsoft.com/office/drawing/2014/main" xmlns="" id="{47A63E27-C029-44A2-A9E2-0EB713C6092A}"/>
+                <a16:creationId xmlns:a16="http://schemas.microsoft.com/office/drawing/2014/main" id="{47A63E27-C029-44A2-A9E2-0EB713C6092A}"/>
               </a:ext>
             </a:extLst>
           </p:cNvPr>
@@ -19575,51 +19109,21 @@
           <p:nvPr>
             <p:extLst>
               <p:ext uri="{D42A27DB-BD31-4B8C-83A1-F6EECF244321}">
-                <p14:modId xmlns:p14="http://schemas.microsoft.com/office/powerpoint/2010/main" val="226437647"/>
+                <p14:modId xmlns:p14="http://schemas.microsoft.com/office/powerpoint/2010/main" val="3467080895"/>
               </p:ext>
             </p:extLst>
           </p:nvPr>
         </p:nvGraphicFramePr>
         <p:xfrm>
           <a:off x="36208699" y="12391668"/>
-          <a:ext cx="12527900" cy="4749590"/>
+          <a:ext cx="12527900" cy="5207818"/>
         </p:xfrm>
         <a:graphic>
           <a:graphicData uri="http://schemas.openxmlformats.org/drawingml/2006/chart">
-            <c:chart xmlns:c="http://schemas.openxmlformats.org/drawingml/2006/chart" xmlns:r="http://schemas.openxmlformats.org/officeDocument/2006/relationships" r:id="rId19"/>
+            <c:chart xmlns:c="http://schemas.openxmlformats.org/drawingml/2006/chart" xmlns:r="http://schemas.openxmlformats.org/officeDocument/2006/relationships" r:id="rId17"/>
           </a:graphicData>
         </a:graphic>
       </p:graphicFrame>
-      <p:pic>
-        <p:nvPicPr>
-          <p:cNvPr id="16" name="Picture 15"/>
-          <p:cNvPicPr>
-            <a:picLocks noChangeAspect="1"/>
-          </p:cNvPicPr>
-          <p:nvPr/>
-        </p:nvPicPr>
-        <p:blipFill>
-          <a:blip r:embed="rId20">
-            <a:extLst>
-              <a:ext uri="{28A0092B-C50C-407E-A947-70E740481C1C}">
-                <a14:useLocalDpi xmlns:a14="http://schemas.microsoft.com/office/drawing/2010/main" val="0"/>
-              </a:ext>
-            </a:extLst>
-          </a:blip>
-          <a:stretch>
-            <a:fillRect/>
-          </a:stretch>
-        </p:blipFill>
-        <p:spPr>
-          <a:xfrm>
-            <a:off x="2563829" y="11009747"/>
-            <a:ext cx="12283887" cy="3246357"/>
-          </a:xfrm>
-          <a:prstGeom prst="rect">
-            <a:avLst/>
-          </a:prstGeom>
-        </p:spPr>
-      </p:pic>
       <p:cxnSp>
         <p:nvCxnSpPr>
           <p:cNvPr id="69" name="Straight Arrow Connector 68"/>
@@ -19659,6 +19163,1873 @@
           </a:fontRef>
         </p:style>
       </p:cxnSp>
+      <p:grpSp>
+        <p:nvGrpSpPr>
+          <p:cNvPr id="239" name="Group 238"/>
+          <p:cNvGrpSpPr/>
+          <p:nvPr/>
+        </p:nvGrpSpPr>
+        <p:grpSpPr>
+          <a:xfrm>
+            <a:off x="2476726" y="17599486"/>
+            <a:ext cx="13022639" cy="14444475"/>
+            <a:chOff x="2667000" y="18473412"/>
+            <a:chExt cx="12260970" cy="13599646"/>
+          </a:xfrm>
+        </p:grpSpPr>
+        <p:cxnSp>
+          <p:nvCxnSpPr>
+            <p:cNvPr id="20" name="Connector: Elbow 19"/>
+            <p:cNvCxnSpPr>
+              <a:stCxn id="125" idx="2"/>
+              <a:endCxn id="13" idx="0"/>
+            </p:cNvCxnSpPr>
+            <p:nvPr/>
+          </p:nvCxnSpPr>
+          <p:spPr>
+            <a:xfrm rot="5400000">
+              <a:off x="11753789" y="29437960"/>
+              <a:ext cx="425893" cy="1034049"/>
+            </a:xfrm>
+            <a:prstGeom prst="bentConnector3">
+              <a:avLst>
+                <a:gd name="adj1" fmla="val 33897"/>
+              </a:avLst>
+            </a:prstGeom>
+            <a:ln w="50800">
+              <a:solidFill>
+                <a:schemeClr val="tx1"/>
+              </a:solidFill>
+              <a:tailEnd type="triangle"/>
+            </a:ln>
+          </p:spPr>
+          <p:style>
+            <a:lnRef idx="1">
+              <a:schemeClr val="accent1"/>
+            </a:lnRef>
+            <a:fillRef idx="0">
+              <a:schemeClr val="accent1"/>
+            </a:fillRef>
+            <a:effectRef idx="0">
+              <a:schemeClr val="accent1"/>
+            </a:effectRef>
+            <a:fontRef idx="minor">
+              <a:schemeClr val="tx1"/>
+            </a:fontRef>
+          </p:style>
+        </p:cxnSp>
+        <p:grpSp>
+          <p:nvGrpSpPr>
+            <p:cNvPr id="238" name="Group 237"/>
+            <p:cNvGrpSpPr/>
+            <p:nvPr/>
+          </p:nvGrpSpPr>
+          <p:grpSpPr>
+            <a:xfrm>
+              <a:off x="2667000" y="18473412"/>
+              <a:ext cx="12260970" cy="13599646"/>
+              <a:chOff x="2667000" y="18473412"/>
+              <a:chExt cx="12260970" cy="13599646"/>
+            </a:xfrm>
+          </p:grpSpPr>
+          <p:grpSp>
+            <p:nvGrpSpPr>
+              <p:cNvPr id="11" name="Group 10"/>
+              <p:cNvGrpSpPr/>
+              <p:nvPr/>
+            </p:nvGrpSpPr>
+            <p:grpSpPr>
+              <a:xfrm>
+                <a:off x="2667000" y="18473412"/>
+                <a:ext cx="11979922" cy="13599646"/>
+                <a:chOff x="4463743" y="20517515"/>
+                <a:chExt cx="8526788" cy="9679634"/>
+              </a:xfrm>
+            </p:grpSpPr>
+            <p:pic>
+              <p:nvPicPr>
+                <p:cNvPr id="96" name="Picture 95"/>
+                <p:cNvPicPr>
+                  <a:picLocks noChangeAspect="1"/>
+                </p:cNvPicPr>
+                <p:nvPr/>
+              </p:nvPicPr>
+              <p:blipFill>
+                <a:blip r:embed="rId18">
+                  <a:extLst>
+                    <a:ext uri="{28A0092B-C50C-407E-A947-70E740481C1C}">
+                      <a14:useLocalDpi xmlns:a14="http://schemas.microsoft.com/office/drawing/2010/main" val="0"/>
+                    </a:ext>
+                  </a:extLst>
+                </a:blip>
+                <a:stretch>
+                  <a:fillRect/>
+                </a:stretch>
+              </p:blipFill>
+              <p:spPr>
+                <a:xfrm>
+                  <a:off x="4463743" y="22535877"/>
+                  <a:ext cx="8165610" cy="2157990"/>
+                </a:xfrm>
+                <a:prstGeom prst="rect">
+                  <a:avLst/>
+                </a:prstGeom>
+              </p:spPr>
+            </p:pic>
+            <p:pic>
+              <p:nvPicPr>
+                <p:cNvPr id="97" name="Picture 96"/>
+                <p:cNvPicPr>
+                  <a:picLocks noChangeAspect="1"/>
+                </p:cNvPicPr>
+                <p:nvPr/>
+              </p:nvPicPr>
+              <p:blipFill>
+                <a:blip r:embed="rId19">
+                  <a:extLst>
+                    <a:ext uri="{28A0092B-C50C-407E-A947-70E740481C1C}">
+                      <a14:useLocalDpi xmlns:a14="http://schemas.microsoft.com/office/drawing/2010/main" val="0"/>
+                    </a:ext>
+                  </a:extLst>
+                </a:blip>
+                <a:stretch>
+                  <a:fillRect/>
+                </a:stretch>
+              </p:blipFill>
+              <p:spPr>
+                <a:xfrm>
+                  <a:off x="4847196" y="20517515"/>
+                  <a:ext cx="7653540" cy="2157990"/>
+                </a:xfrm>
+                <a:prstGeom prst="rect">
+                  <a:avLst/>
+                </a:prstGeom>
+              </p:spPr>
+            </p:pic>
+            <p:pic>
+              <p:nvPicPr>
+                <p:cNvPr id="98" name="Picture 97"/>
+                <p:cNvPicPr>
+                  <a:picLocks noChangeAspect="1"/>
+                </p:cNvPicPr>
+                <p:nvPr/>
+              </p:nvPicPr>
+              <p:blipFill>
+                <a:blip r:embed="rId20">
+                  <a:extLst>
+                    <a:ext uri="{28A0092B-C50C-407E-A947-70E740481C1C}">
+                      <a14:useLocalDpi xmlns:a14="http://schemas.microsoft.com/office/drawing/2010/main" val="0"/>
+                    </a:ext>
+                  </a:extLst>
+                </a:blip>
+                <a:stretch>
+                  <a:fillRect/>
+                </a:stretch>
+              </p:blipFill>
+              <p:spPr>
+                <a:xfrm>
+                  <a:off x="4501070" y="24500007"/>
+                  <a:ext cx="2980952" cy="2157990"/>
+                </a:xfrm>
+                <a:prstGeom prst="rect">
+                  <a:avLst/>
+                </a:prstGeom>
+              </p:spPr>
+            </p:pic>
+            <p:pic>
+              <p:nvPicPr>
+                <p:cNvPr id="99" name="Picture 98"/>
+                <p:cNvPicPr>
+                  <a:picLocks noChangeAspect="1"/>
+                </p:cNvPicPr>
+                <p:nvPr/>
+              </p:nvPicPr>
+              <p:blipFill>
+                <a:blip r:embed="rId21">
+                  <a:extLst>
+                    <a:ext uri="{28A0092B-C50C-407E-A947-70E740481C1C}">
+                      <a14:useLocalDpi xmlns:a14="http://schemas.microsoft.com/office/drawing/2010/main" val="0"/>
+                    </a:ext>
+                  </a:extLst>
+                </a:blip>
+                <a:stretch>
+                  <a:fillRect/>
+                </a:stretch>
+              </p:blipFill>
+              <p:spPr>
+                <a:xfrm>
+                  <a:off x="7264498" y="24500007"/>
+                  <a:ext cx="2980952" cy="2157990"/>
+                </a:xfrm>
+                <a:prstGeom prst="rect">
+                  <a:avLst/>
+                </a:prstGeom>
+              </p:spPr>
+            </p:pic>
+            <p:pic>
+              <p:nvPicPr>
+                <p:cNvPr id="100" name="Picture 99"/>
+                <p:cNvPicPr>
+                  <a:picLocks noChangeAspect="1"/>
+                </p:cNvPicPr>
+                <p:nvPr/>
+              </p:nvPicPr>
+              <p:blipFill>
+                <a:blip r:embed="rId22">
+                  <a:extLst>
+                    <a:ext uri="{28A0092B-C50C-407E-A947-70E740481C1C}">
+                      <a14:useLocalDpi xmlns:a14="http://schemas.microsoft.com/office/drawing/2010/main" val="0"/>
+                    </a:ext>
+                  </a:extLst>
+                </a:blip>
+                <a:stretch>
+                  <a:fillRect/>
+                </a:stretch>
+              </p:blipFill>
+              <p:spPr>
+                <a:xfrm>
+                  <a:off x="10009581" y="24500007"/>
+                  <a:ext cx="2980950" cy="2157988"/>
+                </a:xfrm>
+                <a:prstGeom prst="rect">
+                  <a:avLst/>
+                </a:prstGeom>
+              </p:spPr>
+            </p:pic>
+            <p:grpSp>
+              <p:nvGrpSpPr>
+                <p:cNvPr id="101" name="Group 100"/>
+                <p:cNvGrpSpPr/>
+                <p:nvPr/>
+              </p:nvGrpSpPr>
+              <p:grpSpPr>
+                <a:xfrm>
+                  <a:off x="5892482" y="22834206"/>
+                  <a:ext cx="66728" cy="1704975"/>
+                  <a:chOff x="1409700" y="2319338"/>
+                  <a:chExt cx="66730" cy="1704975"/>
+                </a:xfrm>
+              </p:grpSpPr>
+              <p:sp>
+                <p:nvSpPr>
+                  <p:cNvPr id="102" name="Rectangle 101"/>
+                  <p:cNvSpPr/>
+                  <p:nvPr/>
+                </p:nvSpPr>
+                <p:spPr>
+                  <a:xfrm>
+                    <a:off x="1409700" y="2319338"/>
+                    <a:ext cx="66730" cy="1404937"/>
+                  </a:xfrm>
+                  <a:prstGeom prst="rect">
+                    <a:avLst/>
+                  </a:prstGeom>
+                  <a:noFill/>
+                  <a:ln w="50800" cap="flat" cmpd="sng" algn="ctr">
+                    <a:solidFill>
+                      <a:srgbClr val="0070C0"/>
+                    </a:solidFill>
+                    <a:prstDash val="solid"/>
+                    <a:miter lim="800000"/>
+                  </a:ln>
+                  <a:effectLst/>
+                </p:spPr>
+                <p:txBody>
+                  <a:bodyPr rot="0" spcFirstLastPara="0" vertOverflow="overflow" horzOverflow="overflow" vert="horz" wrap="square" lIns="91440" tIns="45720" rIns="91440" bIns="45720" numCol="1" spcCol="0" rtlCol="0" fromWordArt="0" anchor="ctr" anchorCtr="0" forceAA="0" compatLnSpc="1">
+                    <a:prstTxWarp prst="textNoShape">
+                      <a:avLst/>
+                    </a:prstTxWarp>
+                    <a:noAutofit/>
+                  </a:bodyPr>
+                  <a:lstStyle/>
+                  <a:p>
+                    <a:pPr marL="0" marR="0" lvl="0" indent="0" algn="ctr" defTabSz="457200" eaLnBrk="1" fontAlgn="auto" latinLnBrk="0" hangingPunct="1">
+                      <a:lnSpc>
+                        <a:spcPct val="100000"/>
+                      </a:lnSpc>
+                      <a:spcBef>
+                        <a:spcPts val="0"/>
+                      </a:spcBef>
+                      <a:spcAft>
+                        <a:spcPts val="0"/>
+                      </a:spcAft>
+                      <a:buClrTx/>
+                      <a:buSzTx/>
+                      <a:buFontTx/>
+                      <a:buNone/>
+                      <a:tabLst/>
+                      <a:defRPr/>
+                    </a:pPr>
+                    <a:endParaRPr kumimoji="0" lang="en-US" sz="780" b="0" i="0" u="none" strike="noStrike" kern="0" cap="none" spc="0" normalizeH="0" baseline="-25000" noProof="0" dirty="0">
+                      <a:ln>
+                        <a:noFill/>
+                      </a:ln>
+                      <a:solidFill>
+                        <a:prstClr val="white"/>
+                      </a:solidFill>
+                      <a:effectLst/>
+                      <a:uLnTx/>
+                      <a:uFillTx/>
+                      <a:latin typeface="Calibri" panose="020F0502020204030204"/>
+                      <a:ea typeface="+mn-ea"/>
+                      <a:cs typeface="+mn-cs"/>
+                    </a:endParaRPr>
+                  </a:p>
+                </p:txBody>
+              </p:sp>
+              <p:cxnSp>
+                <p:nvCxnSpPr>
+                  <p:cNvPr id="103" name="Straight Arrow Connector 102"/>
+                  <p:cNvCxnSpPr>
+                    <a:stCxn id="102" idx="2"/>
+                  </p:cNvCxnSpPr>
+                  <p:nvPr/>
+                </p:nvCxnSpPr>
+                <p:spPr>
+                  <a:xfrm flipH="1">
+                    <a:off x="1412041" y="3724275"/>
+                    <a:ext cx="31024" cy="300038"/>
+                  </a:xfrm>
+                  <a:prstGeom prst="straightConnector1">
+                    <a:avLst/>
+                  </a:prstGeom>
+                  <a:noFill/>
+                  <a:ln w="50800" cap="flat" cmpd="sng" algn="ctr">
+                    <a:solidFill>
+                      <a:srgbClr val="0070C0"/>
+                    </a:solidFill>
+                    <a:prstDash val="solid"/>
+                    <a:miter lim="800000"/>
+                    <a:tailEnd type="triangle"/>
+                  </a:ln>
+                  <a:effectLst/>
+                </p:spPr>
+              </p:cxnSp>
+            </p:grpSp>
+            <p:grpSp>
+              <p:nvGrpSpPr>
+                <p:cNvPr id="104" name="Group 103"/>
+                <p:cNvGrpSpPr/>
+                <p:nvPr/>
+              </p:nvGrpSpPr>
+              <p:grpSpPr>
+                <a:xfrm>
+                  <a:off x="8322662" y="22838593"/>
+                  <a:ext cx="101828" cy="1776795"/>
+                  <a:chOff x="1409700" y="2319338"/>
+                  <a:chExt cx="101830" cy="1776795"/>
+                </a:xfrm>
+              </p:grpSpPr>
+              <p:sp>
+                <p:nvSpPr>
+                  <p:cNvPr id="105" name="Rectangle 104"/>
+                  <p:cNvSpPr/>
+                  <p:nvPr/>
+                </p:nvSpPr>
+                <p:spPr>
+                  <a:xfrm>
+                    <a:off x="1409700" y="2319338"/>
+                    <a:ext cx="66730" cy="1404937"/>
+                  </a:xfrm>
+                  <a:prstGeom prst="rect">
+                    <a:avLst/>
+                  </a:prstGeom>
+                  <a:noFill/>
+                  <a:ln w="50800" cap="flat" cmpd="sng" algn="ctr">
+                    <a:solidFill>
+                      <a:srgbClr val="0070C0"/>
+                    </a:solidFill>
+                    <a:prstDash val="solid"/>
+                    <a:miter lim="800000"/>
+                  </a:ln>
+                  <a:effectLst/>
+                </p:spPr>
+                <p:txBody>
+                  <a:bodyPr rot="0" spcFirstLastPara="0" vertOverflow="overflow" horzOverflow="overflow" vert="horz" wrap="square" lIns="91440" tIns="45720" rIns="91440" bIns="45720" numCol="1" spcCol="0" rtlCol="0" fromWordArt="0" anchor="ctr" anchorCtr="0" forceAA="0" compatLnSpc="1">
+                    <a:prstTxWarp prst="textNoShape">
+                      <a:avLst/>
+                    </a:prstTxWarp>
+                    <a:noAutofit/>
+                  </a:bodyPr>
+                  <a:lstStyle/>
+                  <a:p>
+                    <a:pPr marL="0" marR="0" lvl="0" indent="0" algn="ctr" defTabSz="457200" eaLnBrk="1" fontAlgn="auto" latinLnBrk="0" hangingPunct="1">
+                      <a:lnSpc>
+                        <a:spcPct val="100000"/>
+                      </a:lnSpc>
+                      <a:spcBef>
+                        <a:spcPts val="0"/>
+                      </a:spcBef>
+                      <a:spcAft>
+                        <a:spcPts val="0"/>
+                      </a:spcAft>
+                      <a:buClrTx/>
+                      <a:buSzTx/>
+                      <a:buFontTx/>
+                      <a:buNone/>
+                      <a:tabLst/>
+                      <a:defRPr/>
+                    </a:pPr>
+                    <a:endParaRPr kumimoji="0" lang="en-US" sz="780" b="0" i="0" u="none" strike="noStrike" kern="0" cap="none" spc="0" normalizeH="0" baseline="-25000" noProof="0" dirty="0">
+                      <a:ln>
+                        <a:noFill/>
+                      </a:ln>
+                      <a:solidFill>
+                        <a:prstClr val="white"/>
+                      </a:solidFill>
+                      <a:effectLst/>
+                      <a:uLnTx/>
+                      <a:uFillTx/>
+                      <a:latin typeface="Calibri" panose="020F0502020204030204"/>
+                      <a:ea typeface="+mn-ea"/>
+                      <a:cs typeface="+mn-cs"/>
+                    </a:endParaRPr>
+                  </a:p>
+                </p:txBody>
+              </p:sp>
+              <p:cxnSp>
+                <p:nvCxnSpPr>
+                  <p:cNvPr id="106" name="Straight Arrow Connector 105"/>
+                  <p:cNvCxnSpPr>
+                    <a:stCxn id="105" idx="2"/>
+                  </p:cNvCxnSpPr>
+                  <p:nvPr/>
+                </p:nvCxnSpPr>
+                <p:spPr>
+                  <a:xfrm>
+                    <a:off x="1443065" y="3724275"/>
+                    <a:ext cx="68465" cy="371858"/>
+                  </a:xfrm>
+                  <a:prstGeom prst="straightConnector1">
+                    <a:avLst/>
+                  </a:prstGeom>
+                  <a:noFill/>
+                  <a:ln w="50800" cap="flat" cmpd="sng" algn="ctr">
+                    <a:solidFill>
+                      <a:srgbClr val="0070C0"/>
+                    </a:solidFill>
+                    <a:prstDash val="solid"/>
+                    <a:miter lim="800000"/>
+                    <a:tailEnd type="triangle"/>
+                  </a:ln>
+                  <a:effectLst/>
+                </p:spPr>
+              </p:cxnSp>
+            </p:grpSp>
+            <p:grpSp>
+              <p:nvGrpSpPr>
+                <p:cNvPr id="107" name="Group 106"/>
+                <p:cNvGrpSpPr/>
+                <p:nvPr/>
+              </p:nvGrpSpPr>
+              <p:grpSpPr>
+                <a:xfrm>
+                  <a:off x="11164817" y="22834206"/>
+                  <a:ext cx="101828" cy="1776795"/>
+                  <a:chOff x="1409700" y="2319338"/>
+                  <a:chExt cx="101830" cy="1776795"/>
+                </a:xfrm>
+              </p:grpSpPr>
+              <p:sp>
+                <p:nvSpPr>
+                  <p:cNvPr id="108" name="Rectangle 107"/>
+                  <p:cNvSpPr/>
+                  <p:nvPr/>
+                </p:nvSpPr>
+                <p:spPr>
+                  <a:xfrm>
+                    <a:off x="1409700" y="2319338"/>
+                    <a:ext cx="66730" cy="1404937"/>
+                  </a:xfrm>
+                  <a:prstGeom prst="rect">
+                    <a:avLst/>
+                  </a:prstGeom>
+                  <a:noFill/>
+                  <a:ln w="50800" cap="flat" cmpd="sng" algn="ctr">
+                    <a:solidFill>
+                      <a:srgbClr val="0070C0"/>
+                    </a:solidFill>
+                    <a:prstDash val="solid"/>
+                    <a:miter lim="800000"/>
+                  </a:ln>
+                  <a:effectLst/>
+                </p:spPr>
+                <p:txBody>
+                  <a:bodyPr rot="0" spcFirstLastPara="0" vertOverflow="overflow" horzOverflow="overflow" vert="horz" wrap="square" lIns="91440" tIns="45720" rIns="91440" bIns="45720" numCol="1" spcCol="0" rtlCol="0" fromWordArt="0" anchor="ctr" anchorCtr="0" forceAA="0" compatLnSpc="1">
+                    <a:prstTxWarp prst="textNoShape">
+                      <a:avLst/>
+                    </a:prstTxWarp>
+                    <a:noAutofit/>
+                  </a:bodyPr>
+                  <a:lstStyle/>
+                  <a:p>
+                    <a:pPr marL="0" marR="0" lvl="0" indent="0" algn="ctr" defTabSz="457200" eaLnBrk="1" fontAlgn="auto" latinLnBrk="0" hangingPunct="1">
+                      <a:lnSpc>
+                        <a:spcPct val="100000"/>
+                      </a:lnSpc>
+                      <a:spcBef>
+                        <a:spcPts val="0"/>
+                      </a:spcBef>
+                      <a:spcAft>
+                        <a:spcPts val="0"/>
+                      </a:spcAft>
+                      <a:buClrTx/>
+                      <a:buSzTx/>
+                      <a:buFontTx/>
+                      <a:buNone/>
+                      <a:tabLst/>
+                      <a:defRPr/>
+                    </a:pPr>
+                    <a:endParaRPr kumimoji="0" lang="en-US" sz="780" b="0" i="0" u="none" strike="noStrike" kern="0" cap="none" spc="0" normalizeH="0" baseline="-25000" noProof="0" dirty="0">
+                      <a:ln>
+                        <a:noFill/>
+                      </a:ln>
+                      <a:solidFill>
+                        <a:prstClr val="white"/>
+                      </a:solidFill>
+                      <a:effectLst/>
+                      <a:uLnTx/>
+                      <a:uFillTx/>
+                      <a:latin typeface="Calibri" panose="020F0502020204030204"/>
+                      <a:ea typeface="+mn-ea"/>
+                      <a:cs typeface="+mn-cs"/>
+                    </a:endParaRPr>
+                  </a:p>
+                </p:txBody>
+              </p:sp>
+              <p:cxnSp>
+                <p:nvCxnSpPr>
+                  <p:cNvPr id="109" name="Straight Arrow Connector 108"/>
+                  <p:cNvCxnSpPr>
+                    <a:stCxn id="108" idx="2"/>
+                  </p:cNvCxnSpPr>
+                  <p:nvPr/>
+                </p:nvCxnSpPr>
+                <p:spPr>
+                  <a:xfrm>
+                    <a:off x="1443065" y="3724275"/>
+                    <a:ext cx="68465" cy="371858"/>
+                  </a:xfrm>
+                  <a:prstGeom prst="straightConnector1">
+                    <a:avLst/>
+                  </a:prstGeom>
+                  <a:noFill/>
+                  <a:ln w="50800" cap="flat" cmpd="sng" algn="ctr">
+                    <a:solidFill>
+                      <a:srgbClr val="0070C0"/>
+                    </a:solidFill>
+                    <a:prstDash val="solid"/>
+                    <a:miter lim="800000"/>
+                    <a:tailEnd type="triangle"/>
+                  </a:ln>
+                  <a:effectLst/>
+                </p:spPr>
+              </p:cxnSp>
+            </p:grpSp>
+            <p:grpSp>
+              <p:nvGrpSpPr>
+                <p:cNvPr id="110" name="Group 109"/>
+                <p:cNvGrpSpPr/>
+                <p:nvPr/>
+              </p:nvGrpSpPr>
+              <p:grpSpPr>
+                <a:xfrm>
+                  <a:off x="5655744" y="26621839"/>
+                  <a:ext cx="4732934" cy="3575310"/>
+                  <a:chOff x="1295203" y="6030931"/>
+                  <a:chExt cx="4732934" cy="3575310"/>
+                </a:xfrm>
+              </p:grpSpPr>
+              <p:pic>
+                <p:nvPicPr>
+                  <p:cNvPr id="111" name="Picture 110"/>
+                  <p:cNvPicPr>
+                    <a:picLocks noChangeAspect="1"/>
+                  </p:cNvPicPr>
+                  <p:nvPr/>
+                </p:nvPicPr>
+                <p:blipFill>
+                  <a:blip r:embed="rId23">
+                    <a:extLst>
+                      <a:ext uri="{BEBA8EAE-BF5A-486C-A8C5-ECC9F3942E4B}">
+                        <a14:imgProps xmlns:a14="http://schemas.microsoft.com/office/drawing/2010/main">
+                          <a14:imgLayer r:embed="rId24">
+                            <a14:imgEffect>
+                              <a14:brightnessContrast bright="20000" contrast="40000"/>
+                            </a14:imgEffect>
+                          </a14:imgLayer>
+                        </a14:imgProps>
+                      </a:ext>
+                      <a:ext uri="{28A0092B-C50C-407E-A947-70E740481C1C}">
+                        <a14:useLocalDpi xmlns:a14="http://schemas.microsoft.com/office/drawing/2010/main" val="0"/>
+                      </a:ext>
+                    </a:extLst>
+                  </a:blip>
+                  <a:stretch>
+                    <a:fillRect/>
+                  </a:stretch>
+                </p:blipFill>
+                <p:spPr>
+                  <a:xfrm>
+                    <a:off x="1419552" y="6030931"/>
+                    <a:ext cx="4608585" cy="3575310"/>
+                  </a:xfrm>
+                  <a:prstGeom prst="rect">
+                    <a:avLst/>
+                  </a:prstGeom>
+                </p:spPr>
+              </p:pic>
+              <p:cxnSp>
+                <p:nvCxnSpPr>
+                  <p:cNvPr id="112" name="Straight Arrow Connector 111"/>
+                  <p:cNvCxnSpPr/>
+                  <p:nvPr/>
+                </p:nvCxnSpPr>
+                <p:spPr>
+                  <a:xfrm>
+                    <a:off x="2342628" y="6404088"/>
+                    <a:ext cx="625362" cy="625362"/>
+                  </a:xfrm>
+                  <a:prstGeom prst="straightConnector1">
+                    <a:avLst/>
+                  </a:prstGeom>
+                  <a:noFill/>
+                  <a:ln w="38100" cap="flat" cmpd="sng" algn="ctr">
+                    <a:solidFill>
+                      <a:srgbClr val="FFFF00"/>
+                    </a:solidFill>
+                    <a:prstDash val="solid"/>
+                    <a:miter lim="800000"/>
+                    <a:headEnd type="triangle"/>
+                    <a:tailEnd type="triangle"/>
+                  </a:ln>
+                  <a:effectLst/>
+                </p:spPr>
+              </p:cxnSp>
+              <p:cxnSp>
+                <p:nvCxnSpPr>
+                  <p:cNvPr id="113" name="Straight Arrow Connector 112"/>
+                  <p:cNvCxnSpPr/>
+                  <p:nvPr/>
+                </p:nvCxnSpPr>
+                <p:spPr>
+                  <a:xfrm>
+                    <a:off x="3080708" y="7155124"/>
+                    <a:ext cx="823016" cy="823016"/>
+                  </a:xfrm>
+                  <a:prstGeom prst="straightConnector1">
+                    <a:avLst/>
+                  </a:prstGeom>
+                  <a:noFill/>
+                  <a:ln w="50800" cap="flat" cmpd="sng" algn="ctr">
+                    <a:solidFill>
+                      <a:srgbClr val="FFFF00"/>
+                    </a:solidFill>
+                    <a:prstDash val="solid"/>
+                    <a:miter lim="800000"/>
+                    <a:headEnd type="triangle"/>
+                    <a:tailEnd type="triangle"/>
+                  </a:ln>
+                  <a:effectLst/>
+                </p:spPr>
+              </p:cxnSp>
+              <p:cxnSp>
+                <p:nvCxnSpPr>
+                  <p:cNvPr id="114" name="Straight Arrow Connector 113"/>
+                  <p:cNvCxnSpPr/>
+                  <p:nvPr/>
+                </p:nvCxnSpPr>
+                <p:spPr>
+                  <a:xfrm>
+                    <a:off x="4033208" y="8107624"/>
+                    <a:ext cx="998276" cy="998276"/>
+                  </a:xfrm>
+                  <a:prstGeom prst="straightConnector1">
+                    <a:avLst/>
+                  </a:prstGeom>
+                  <a:noFill/>
+                  <a:ln w="50800" cap="flat" cmpd="sng" algn="ctr">
+                    <a:solidFill>
+                      <a:srgbClr val="FFFF00"/>
+                    </a:solidFill>
+                    <a:prstDash val="solid"/>
+                    <a:miter lim="800000"/>
+                    <a:headEnd type="triangle"/>
+                    <a:tailEnd type="triangle"/>
+                  </a:ln>
+                  <a:effectLst/>
+                </p:spPr>
+              </p:cxnSp>
+              <p:sp>
+                <p:nvSpPr>
+                  <p:cNvPr id="115" name="Oval 114"/>
+                  <p:cNvSpPr/>
+                  <p:nvPr/>
+                </p:nvSpPr>
+                <p:spPr>
+                  <a:xfrm>
+                    <a:off x="2981128" y="6241473"/>
+                    <a:ext cx="199159" cy="913651"/>
+                  </a:xfrm>
+                  <a:prstGeom prst="ellipse">
+                    <a:avLst/>
+                  </a:prstGeom>
+                  <a:noFill/>
+                  <a:ln w="50800" cap="flat" cmpd="sng" algn="ctr">
+                    <a:solidFill>
+                      <a:srgbClr val="FF0000"/>
+                    </a:solidFill>
+                    <a:prstDash val="sysDash"/>
+                    <a:miter lim="800000"/>
+                  </a:ln>
+                  <a:effectLst/>
+                </p:spPr>
+                <p:txBody>
+                  <a:bodyPr rtlCol="0" anchor="ctr"/>
+                  <a:lstStyle/>
+                  <a:p>
+                    <a:pPr marL="0" marR="0" lvl="0" indent="0" algn="ctr" defTabSz="457200" eaLnBrk="1" fontAlgn="auto" latinLnBrk="0" hangingPunct="1">
+                      <a:lnSpc>
+                        <a:spcPct val="100000"/>
+                      </a:lnSpc>
+                      <a:spcBef>
+                        <a:spcPts val="0"/>
+                      </a:spcBef>
+                      <a:spcAft>
+                        <a:spcPts val="0"/>
+                      </a:spcAft>
+                      <a:buClrTx/>
+                      <a:buSzTx/>
+                      <a:buFontTx/>
+                      <a:buNone/>
+                      <a:tabLst/>
+                      <a:defRPr/>
+                    </a:pPr>
+                    <a:endParaRPr kumimoji="0" lang="en-US" sz="1800" b="0" i="0" u="none" strike="noStrike" kern="0" cap="none" spc="0" normalizeH="0" baseline="-25000" noProof="0">
+                      <a:ln>
+                        <a:noFill/>
+                      </a:ln>
+                      <a:solidFill>
+                        <a:prstClr val="white"/>
+                      </a:solidFill>
+                      <a:effectLst/>
+                      <a:uLnTx/>
+                      <a:uFillTx/>
+                      <a:latin typeface="Calibri" panose="020F0502020204030204"/>
+                      <a:ea typeface="+mn-ea"/>
+                      <a:cs typeface="+mn-cs"/>
+                    </a:endParaRPr>
+                  </a:p>
+                </p:txBody>
+              </p:sp>
+              <p:sp>
+                <p:nvSpPr>
+                  <p:cNvPr id="116" name="Oval 115"/>
+                  <p:cNvSpPr/>
+                  <p:nvPr/>
+                </p:nvSpPr>
+                <p:spPr>
+                  <a:xfrm>
+                    <a:off x="3903724" y="7052798"/>
+                    <a:ext cx="218696" cy="925342"/>
+                  </a:xfrm>
+                  <a:prstGeom prst="ellipse">
+                    <a:avLst/>
+                  </a:prstGeom>
+                  <a:noFill/>
+                  <a:ln w="50800" cap="flat" cmpd="sng" algn="ctr">
+                    <a:solidFill>
+                      <a:srgbClr val="FF0000"/>
+                    </a:solidFill>
+                    <a:prstDash val="sysDash"/>
+                    <a:miter lim="800000"/>
+                  </a:ln>
+                  <a:effectLst/>
+                </p:spPr>
+                <p:txBody>
+                  <a:bodyPr rtlCol="0" anchor="ctr"/>
+                  <a:lstStyle/>
+                  <a:p>
+                    <a:pPr marL="0" marR="0" lvl="0" indent="0" algn="ctr" defTabSz="457200" eaLnBrk="1" fontAlgn="auto" latinLnBrk="0" hangingPunct="1">
+                      <a:lnSpc>
+                        <a:spcPct val="100000"/>
+                      </a:lnSpc>
+                      <a:spcBef>
+                        <a:spcPts val="0"/>
+                      </a:spcBef>
+                      <a:spcAft>
+                        <a:spcPts val="0"/>
+                      </a:spcAft>
+                      <a:buClrTx/>
+                      <a:buSzTx/>
+                      <a:buFontTx/>
+                      <a:buNone/>
+                      <a:tabLst/>
+                      <a:defRPr/>
+                    </a:pPr>
+                    <a:endParaRPr kumimoji="0" lang="en-US" sz="1800" b="0" i="0" u="none" strike="noStrike" kern="0" cap="none" spc="0" normalizeH="0" baseline="-25000" noProof="0">
+                      <a:ln>
+                        <a:noFill/>
+                      </a:ln>
+                      <a:solidFill>
+                        <a:prstClr val="white"/>
+                      </a:solidFill>
+                      <a:effectLst/>
+                      <a:uLnTx/>
+                      <a:uFillTx/>
+                      <a:latin typeface="Calibri" panose="020F0502020204030204"/>
+                      <a:ea typeface="+mn-ea"/>
+                      <a:cs typeface="+mn-cs"/>
+                    </a:endParaRPr>
+                  </a:p>
+                </p:txBody>
+              </p:sp>
+              <p:sp>
+                <p:nvSpPr>
+                  <p:cNvPr id="117" name="Freeform: Shape 116"/>
+                  <p:cNvSpPr/>
+                  <p:nvPr/>
+                </p:nvSpPr>
+                <p:spPr>
+                  <a:xfrm flipH="1">
+                    <a:off x="1653541" y="6655302"/>
+                    <a:ext cx="2250183" cy="888497"/>
+                  </a:xfrm>
+                  <a:custGeom>
+                    <a:avLst/>
+                    <a:gdLst>
+                      <a:gd name="connsiteX0" fmla="*/ 22639 w 1165639"/>
+                      <a:gd name="connsiteY0" fmla="*/ 893792 h 893792"/>
+                      <a:gd name="connsiteX1" fmla="*/ 152179 w 1165639"/>
+                      <a:gd name="connsiteY1" fmla="*/ 116552 h 893792"/>
+                      <a:gd name="connsiteX2" fmla="*/ 1165639 w 1165639"/>
+                      <a:gd name="connsiteY2" fmla="*/ 17492 h 893792"/>
+                      <a:gd name="connsiteX0" fmla="*/ 15980 w 1158980"/>
+                      <a:gd name="connsiteY0" fmla="*/ 881672 h 881672"/>
+                      <a:gd name="connsiteX1" fmla="*/ 170920 w 1158980"/>
+                      <a:gd name="connsiteY1" fmla="*/ 180632 h 881672"/>
+                      <a:gd name="connsiteX2" fmla="*/ 1158980 w 1158980"/>
+                      <a:gd name="connsiteY2" fmla="*/ 5372 h 881672"/>
+                      <a:gd name="connsiteX0" fmla="*/ 3795 w 1146795"/>
+                      <a:gd name="connsiteY0" fmla="*/ 881672 h 881672"/>
+                      <a:gd name="connsiteX1" fmla="*/ 321295 w 1146795"/>
+                      <a:gd name="connsiteY1" fmla="*/ 180632 h 881672"/>
+                      <a:gd name="connsiteX2" fmla="*/ 1146795 w 1146795"/>
+                      <a:gd name="connsiteY2" fmla="*/ 5372 h 881672"/>
+                      <a:gd name="connsiteX0" fmla="*/ 3683 w 1111123"/>
+                      <a:gd name="connsiteY0" fmla="*/ 891344 h 891344"/>
+                      <a:gd name="connsiteX1" fmla="*/ 321183 w 1111123"/>
+                      <a:gd name="connsiteY1" fmla="*/ 190304 h 891344"/>
+                      <a:gd name="connsiteX2" fmla="*/ 1111123 w 1111123"/>
+                      <a:gd name="connsiteY2" fmla="*/ 4884 h 891344"/>
+                      <a:gd name="connsiteX0" fmla="*/ 3683 w 1111123"/>
+                      <a:gd name="connsiteY0" fmla="*/ 886460 h 886460"/>
+                      <a:gd name="connsiteX1" fmla="*/ 321183 w 1111123"/>
+                      <a:gd name="connsiteY1" fmla="*/ 185420 h 886460"/>
+                      <a:gd name="connsiteX2" fmla="*/ 1111123 w 1111123"/>
+                      <a:gd name="connsiteY2" fmla="*/ 0 h 886460"/>
+                      <a:gd name="connsiteX0" fmla="*/ 3683 w 1111123"/>
+                      <a:gd name="connsiteY0" fmla="*/ 888497 h 888497"/>
+                      <a:gd name="connsiteX1" fmla="*/ 321183 w 1111123"/>
+                      <a:gd name="connsiteY1" fmla="*/ 187457 h 888497"/>
+                      <a:gd name="connsiteX2" fmla="*/ 1111123 w 1111123"/>
+                      <a:gd name="connsiteY2" fmla="*/ 2037 h 888497"/>
+                    </a:gdLst>
+                    <a:ahLst/>
+                    <a:cxnLst>
+                      <a:cxn ang="0">
+                        <a:pos x="connsiteX0" y="connsiteY0"/>
+                      </a:cxn>
+                      <a:cxn ang="0">
+                        <a:pos x="connsiteX1" y="connsiteY1"/>
+                      </a:cxn>
+                      <a:cxn ang="0">
+                        <a:pos x="connsiteX2" y="connsiteY2"/>
+                      </a:cxn>
+                    </a:cxnLst>
+                    <a:rect l="l" t="t" r="r" b="b"/>
+                    <a:pathLst>
+                      <a:path w="1111123" h="888497">
+                        <a:moveTo>
+                          <a:pt x="3683" y="888497"/>
+                        </a:moveTo>
+                        <a:cubicBezTo>
+                          <a:pt x="-26797" y="572902"/>
+                          <a:pt x="136610" y="335200"/>
+                          <a:pt x="321183" y="187457"/>
+                        </a:cubicBezTo>
+                        <a:cubicBezTo>
+                          <a:pt x="505756" y="39714"/>
+                          <a:pt x="699643" y="-11298"/>
+                          <a:pt x="1111123" y="2037"/>
+                        </a:cubicBezTo>
+                      </a:path>
+                    </a:pathLst>
+                  </a:custGeom>
+                  <a:noFill/>
+                  <a:ln w="50800" cap="flat" cmpd="sng" algn="ctr">
+                    <a:solidFill>
+                      <a:srgbClr val="FF0000"/>
+                    </a:solidFill>
+                    <a:prstDash val="solid"/>
+                    <a:miter lim="800000"/>
+                  </a:ln>
+                  <a:effectLst/>
+                </p:spPr>
+                <p:txBody>
+                  <a:bodyPr rtlCol="0" anchor="ctr"/>
+                  <a:lstStyle/>
+                  <a:p>
+                    <a:pPr marL="0" marR="0" lvl="0" indent="0" algn="ctr" defTabSz="457200" eaLnBrk="1" fontAlgn="auto" latinLnBrk="0" hangingPunct="1">
+                      <a:lnSpc>
+                        <a:spcPct val="100000"/>
+                      </a:lnSpc>
+                      <a:spcBef>
+                        <a:spcPts val="0"/>
+                      </a:spcBef>
+                      <a:spcAft>
+                        <a:spcPts val="0"/>
+                      </a:spcAft>
+                      <a:buClrTx/>
+                      <a:buSzTx/>
+                      <a:buFontTx/>
+                      <a:buNone/>
+                      <a:tabLst/>
+                      <a:defRPr/>
+                    </a:pPr>
+                    <a:endParaRPr kumimoji="0" lang="en-US" sz="1800" b="0" i="0" u="none" strike="noStrike" kern="0" cap="none" spc="0" normalizeH="0" baseline="-25000" noProof="0" dirty="0">
+                      <a:ln>
+                        <a:noFill/>
+                      </a:ln>
+                      <a:solidFill>
+                        <a:prstClr val="white"/>
+                      </a:solidFill>
+                      <a:effectLst/>
+                      <a:uLnTx/>
+                      <a:uFillTx/>
+                      <a:latin typeface="Calibri" panose="020F0502020204030204"/>
+                      <a:ea typeface="+mn-ea"/>
+                      <a:cs typeface="+mn-cs"/>
+                    </a:endParaRPr>
+                  </a:p>
+                </p:txBody>
+              </p:sp>
+              <p:sp>
+                <p:nvSpPr>
+                  <p:cNvPr id="118" name="Freeform: Shape 117"/>
+                  <p:cNvSpPr/>
+                  <p:nvPr/>
+                </p:nvSpPr>
+                <p:spPr>
+                  <a:xfrm>
+                    <a:off x="1295203" y="6411616"/>
+                    <a:ext cx="1704975" cy="242019"/>
+                  </a:xfrm>
+                  <a:custGeom>
+                    <a:avLst/>
+                    <a:gdLst>
+                      <a:gd name="connsiteX0" fmla="*/ 1704975 w 1704975"/>
+                      <a:gd name="connsiteY0" fmla="*/ 0 h 242019"/>
+                      <a:gd name="connsiteX1" fmla="*/ 1143000 w 1704975"/>
+                      <a:gd name="connsiteY1" fmla="*/ 209550 h 242019"/>
+                      <a:gd name="connsiteX2" fmla="*/ 0 w 1704975"/>
+                      <a:gd name="connsiteY2" fmla="*/ 238125 h 242019"/>
+                    </a:gdLst>
+                    <a:ahLst/>
+                    <a:cxnLst>
+                      <a:cxn ang="0">
+                        <a:pos x="connsiteX0" y="connsiteY0"/>
+                      </a:cxn>
+                      <a:cxn ang="0">
+                        <a:pos x="connsiteX1" y="connsiteY1"/>
+                      </a:cxn>
+                      <a:cxn ang="0">
+                        <a:pos x="connsiteX2" y="connsiteY2"/>
+                      </a:cxn>
+                    </a:cxnLst>
+                    <a:rect l="l" t="t" r="r" b="b"/>
+                    <a:pathLst>
+                      <a:path w="1704975" h="242019">
+                        <a:moveTo>
+                          <a:pt x="1704975" y="0"/>
+                        </a:moveTo>
+                        <a:cubicBezTo>
+                          <a:pt x="1566068" y="84931"/>
+                          <a:pt x="1427162" y="169863"/>
+                          <a:pt x="1143000" y="209550"/>
+                        </a:cubicBezTo>
+                        <a:cubicBezTo>
+                          <a:pt x="858837" y="249238"/>
+                          <a:pt x="429418" y="243681"/>
+                          <a:pt x="0" y="238125"/>
+                        </a:cubicBezTo>
+                      </a:path>
+                    </a:pathLst>
+                  </a:custGeom>
+                  <a:noFill/>
+                  <a:ln w="50800" cap="flat" cmpd="sng" algn="ctr">
+                    <a:solidFill>
+                      <a:srgbClr val="FF0000"/>
+                    </a:solidFill>
+                    <a:prstDash val="solid"/>
+                    <a:miter lim="800000"/>
+                    <a:tailEnd type="triangle"/>
+                  </a:ln>
+                  <a:effectLst/>
+                </p:spPr>
+                <p:txBody>
+                  <a:bodyPr rtlCol="0" anchor="ctr"/>
+                  <a:lstStyle/>
+                  <a:p>
+                    <a:pPr marL="0" marR="0" lvl="0" indent="0" algn="ctr" defTabSz="457200" eaLnBrk="1" fontAlgn="auto" latinLnBrk="0" hangingPunct="1">
+                      <a:lnSpc>
+                        <a:spcPct val="100000"/>
+                      </a:lnSpc>
+                      <a:spcBef>
+                        <a:spcPts val="0"/>
+                      </a:spcBef>
+                      <a:spcAft>
+                        <a:spcPts val="0"/>
+                      </a:spcAft>
+                      <a:buClrTx/>
+                      <a:buSzTx/>
+                      <a:buFontTx/>
+                      <a:buNone/>
+                      <a:tabLst/>
+                      <a:defRPr/>
+                    </a:pPr>
+                    <a:endParaRPr kumimoji="0" lang="en-US" sz="1800" b="0" i="0" u="none" strike="noStrike" kern="0" cap="none" spc="0" normalizeH="0" baseline="-25000" noProof="0">
+                      <a:ln>
+                        <a:noFill/>
+                      </a:ln>
+                      <a:solidFill>
+                        <a:prstClr val="white"/>
+                      </a:solidFill>
+                      <a:effectLst/>
+                      <a:uLnTx/>
+                      <a:uFillTx/>
+                      <a:latin typeface="Calibri" panose="020F0502020204030204"/>
+                      <a:ea typeface="+mn-ea"/>
+                      <a:cs typeface="+mn-cs"/>
+                    </a:endParaRPr>
+                  </a:p>
+                </p:txBody>
+              </p:sp>
+            </p:grpSp>
+            <p:sp>
+              <p:nvSpPr>
+                <p:cNvPr id="119" name="TextBox 118"/>
+                <p:cNvSpPr txBox="1"/>
+                <p:nvPr/>
+              </p:nvSpPr>
+              <p:spPr>
+                <a:xfrm>
+                  <a:off x="4522777" y="26893473"/>
+                  <a:ext cx="1748569" cy="611873"/>
+                </a:xfrm>
+                <a:prstGeom prst="rect">
+                  <a:avLst/>
+                </a:prstGeom>
+                <a:noFill/>
+              </p:spPr>
+              <p:txBody>
+                <a:bodyPr wrap="square" rtlCol="0">
+                  <a:spAutoFit/>
+                </a:bodyPr>
+                <a:lstStyle/>
+                <a:p>
+                  <a:pPr defTabSz="457200" fontAlgn="auto">
+                    <a:spcBef>
+                      <a:spcPts val="0"/>
+                    </a:spcBef>
+                    <a:spcAft>
+                      <a:spcPts val="0"/>
+                    </a:spcAft>
+                  </a:pPr>
+                  <a:r>
+                    <a:rPr lang="en-US" sz="4000" baseline="-25000" dirty="0">
+                      <a:solidFill>
+                        <a:schemeClr val="bg2">
+                          <a:lumMod val="25000"/>
+                        </a:schemeClr>
+                      </a:solidFill>
+                      <a:latin typeface="Times New Roman" panose="02020603050405020304" pitchFamily="18" charset="0"/>
+                      <a:cs typeface="Times New Roman" panose="02020603050405020304" pitchFamily="18" charset="0"/>
+                    </a:rPr>
+                    <a:t>Change of speaker detected</a:t>
+                  </a:r>
+                </a:p>
+              </p:txBody>
+            </p:sp>
+            <p:sp>
+              <p:nvSpPr>
+                <p:cNvPr id="120" name="Freeform: Shape 119"/>
+                <p:cNvSpPr/>
+                <p:nvPr/>
+              </p:nvSpPr>
+              <p:spPr>
+                <a:xfrm>
+                  <a:off x="8776096" y="27746032"/>
+                  <a:ext cx="1276585" cy="1348796"/>
+                </a:xfrm>
+                <a:custGeom>
+                  <a:avLst/>
+                  <a:gdLst>
+                    <a:gd name="connsiteX0" fmla="*/ 103638 w 1360938"/>
+                    <a:gd name="connsiteY0" fmla="*/ 845532 h 845532"/>
+                    <a:gd name="connsiteX1" fmla="*/ 126498 w 1360938"/>
+                    <a:gd name="connsiteY1" fmla="*/ 121632 h 845532"/>
+                    <a:gd name="connsiteX2" fmla="*/ 1360938 w 1360938"/>
+                    <a:gd name="connsiteY2" fmla="*/ 7332 h 845532"/>
+                    <a:gd name="connsiteX0" fmla="*/ 19285 w 1276585"/>
+                    <a:gd name="connsiteY0" fmla="*/ 845532 h 845532"/>
+                    <a:gd name="connsiteX1" fmla="*/ 400285 w 1276585"/>
+                    <a:gd name="connsiteY1" fmla="*/ 121632 h 845532"/>
+                    <a:gd name="connsiteX2" fmla="*/ 1276585 w 1276585"/>
+                    <a:gd name="connsiteY2" fmla="*/ 7332 h 845532"/>
+                  </a:gdLst>
+                  <a:ahLst/>
+                  <a:cxnLst>
+                    <a:cxn ang="0">
+                      <a:pos x="connsiteX0" y="connsiteY0"/>
+                    </a:cxn>
+                    <a:cxn ang="0">
+                      <a:pos x="connsiteX1" y="connsiteY1"/>
+                    </a:cxn>
+                    <a:cxn ang="0">
+                      <a:pos x="connsiteX2" y="connsiteY2"/>
+                    </a:cxn>
+                  </a:cxnLst>
+                  <a:rect l="l" t="t" r="r" b="b"/>
+                  <a:pathLst>
+                    <a:path w="1276585" h="845532">
+                      <a:moveTo>
+                        <a:pt x="19285" y="845532"/>
+                      </a:moveTo>
+                      <a:cubicBezTo>
+                        <a:pt x="-74060" y="553432"/>
+                        <a:pt x="190735" y="261332"/>
+                        <a:pt x="400285" y="121632"/>
+                      </a:cubicBezTo>
+                      <a:cubicBezTo>
+                        <a:pt x="609835" y="-18068"/>
+                        <a:pt x="764140" y="-5368"/>
+                        <a:pt x="1276585" y="7332"/>
+                      </a:cubicBezTo>
+                    </a:path>
+                  </a:pathLst>
+                </a:custGeom>
+                <a:noFill/>
+                <a:ln w="50800" cap="flat" cmpd="sng" algn="ctr">
+                  <a:solidFill>
+                    <a:srgbClr val="FFFF00"/>
+                  </a:solidFill>
+                  <a:prstDash val="solid"/>
+                  <a:miter lim="800000"/>
+                  <a:tailEnd type="triangle"/>
+                </a:ln>
+                <a:effectLst/>
+              </p:spPr>
+              <p:txBody>
+                <a:bodyPr rtlCol="0" anchor="ctr"/>
+                <a:lstStyle/>
+                <a:p>
+                  <a:pPr marL="0" marR="0" lvl="0" indent="0" algn="ctr" defTabSz="457200" eaLnBrk="1" fontAlgn="auto" latinLnBrk="0" hangingPunct="1">
+                    <a:lnSpc>
+                      <a:spcPct val="100000"/>
+                    </a:lnSpc>
+                    <a:spcBef>
+                      <a:spcPts val="0"/>
+                    </a:spcBef>
+                    <a:spcAft>
+                      <a:spcPts val="0"/>
+                    </a:spcAft>
+                    <a:buClrTx/>
+                    <a:buSzTx/>
+                    <a:buFontTx/>
+                    <a:buNone/>
+                    <a:tabLst/>
+                    <a:defRPr/>
+                  </a:pPr>
+                  <a:endParaRPr kumimoji="0" lang="en-US" sz="1800" b="0" i="0" u="none" strike="noStrike" kern="0" cap="none" spc="0" normalizeH="0" baseline="-25000" noProof="0">
+                    <a:ln>
+                      <a:noFill/>
+                    </a:ln>
+                    <a:solidFill>
+                      <a:prstClr val="white"/>
+                    </a:solidFill>
+                    <a:effectLst/>
+                    <a:uLnTx/>
+                    <a:uFillTx/>
+                    <a:latin typeface="Calibri" panose="020F0502020204030204"/>
+                    <a:ea typeface="+mn-ea"/>
+                    <a:cs typeface="+mn-cs"/>
+                  </a:endParaRPr>
+                </a:p>
+              </p:txBody>
+            </p:sp>
+            <p:grpSp>
+              <p:nvGrpSpPr>
+                <p:cNvPr id="121" name="Group 120"/>
+                <p:cNvGrpSpPr/>
+                <p:nvPr/>
+              </p:nvGrpSpPr>
+              <p:grpSpPr>
+                <a:xfrm>
+                  <a:off x="10079285" y="26781215"/>
+                  <a:ext cx="2743200" cy="1756817"/>
+                  <a:chOff x="5718744" y="6190307"/>
+                  <a:chExt cx="2743200" cy="1756817"/>
+                </a:xfrm>
+              </p:grpSpPr>
+              <p:grpSp>
+                <p:nvGrpSpPr>
+                  <p:cNvPr id="122" name="Group 121"/>
+                  <p:cNvGrpSpPr/>
+                  <p:nvPr/>
+                </p:nvGrpSpPr>
+                <p:grpSpPr>
+                  <a:xfrm>
+                    <a:off x="5718744" y="6532625"/>
+                    <a:ext cx="2743200" cy="1414499"/>
+                    <a:chOff x="5718744" y="6404088"/>
+                    <a:chExt cx="2743200" cy="1414499"/>
+                  </a:xfrm>
+                </p:grpSpPr>
+                <p:pic>
+                  <p:nvPicPr>
+                    <p:cNvPr id="124" name="Picture 123"/>
+                    <p:cNvPicPr>
+                      <a:picLocks noChangeAspect="1"/>
+                    </p:cNvPicPr>
+                    <p:nvPr/>
+                  </p:nvPicPr>
+                  <p:blipFill>
+                    <a:blip r:embed="rId25"/>
+                    <a:stretch>
+                      <a:fillRect/>
+                    </a:stretch>
+                  </p:blipFill>
+                  <p:spPr>
+                    <a:xfrm>
+                      <a:off x="5718744" y="6411617"/>
+                      <a:ext cx="2743200" cy="1406970"/>
+                    </a:xfrm>
+                    <a:prstGeom prst="rect">
+                      <a:avLst/>
+                    </a:prstGeom>
+                    <a:ln w="28575">
+                      <a:solidFill>
+                        <a:schemeClr val="tx1"/>
+                      </a:solidFill>
+                    </a:ln>
+                  </p:spPr>
+                </p:pic>
+                <p:sp>
+                  <p:nvSpPr>
+                    <p:cNvPr id="125" name="Rectangle 124"/>
+                    <p:cNvSpPr/>
+                    <p:nvPr/>
+                  </p:nvSpPr>
+                  <p:spPr>
+                    <a:xfrm>
+                      <a:off x="5718744" y="6404088"/>
+                      <a:ext cx="2743200" cy="1414498"/>
+                    </a:xfrm>
+                    <a:prstGeom prst="rect">
+                      <a:avLst/>
+                    </a:prstGeom>
+                    <a:noFill/>
+                    <a:ln w="12700" cap="flat" cmpd="sng" algn="ctr">
+                      <a:solidFill>
+                        <a:sysClr val="windowText" lastClr="000000"/>
+                      </a:solidFill>
+                      <a:prstDash val="solid"/>
+                      <a:miter lim="800000"/>
+                    </a:ln>
+                    <a:effectLst/>
+                  </p:spPr>
+                  <p:txBody>
+                    <a:bodyPr rtlCol="0" anchor="ctr"/>
+                    <a:lstStyle/>
+                    <a:p>
+                      <a:pPr marL="0" marR="0" lvl="0" indent="0" algn="ctr" defTabSz="457200" eaLnBrk="1" fontAlgn="auto" latinLnBrk="0" hangingPunct="1">
+                        <a:lnSpc>
+                          <a:spcPct val="100000"/>
+                        </a:lnSpc>
+                        <a:spcBef>
+                          <a:spcPts val="0"/>
+                        </a:spcBef>
+                        <a:spcAft>
+                          <a:spcPts val="0"/>
+                        </a:spcAft>
+                        <a:buClrTx/>
+                        <a:buSzTx/>
+                        <a:buFontTx/>
+                        <a:buNone/>
+                        <a:tabLst/>
+                        <a:defRPr/>
+                      </a:pPr>
+                      <a:endParaRPr kumimoji="0" lang="en-US" sz="1800" b="0" i="0" u="none" strike="noStrike" kern="0" cap="none" spc="0" normalizeH="0" baseline="-25000" noProof="0">
+                        <a:ln>
+                          <a:noFill/>
+                        </a:ln>
+                        <a:solidFill>
+                          <a:prstClr val="white"/>
+                        </a:solidFill>
+                        <a:effectLst/>
+                        <a:uLnTx/>
+                        <a:uFillTx/>
+                        <a:latin typeface="Calibri" panose="020F0502020204030204"/>
+                        <a:ea typeface="+mn-ea"/>
+                        <a:cs typeface="+mn-cs"/>
+                      </a:endParaRPr>
+                    </a:p>
+                  </p:txBody>
+                </p:sp>
+              </p:grpSp>
+              <p:sp>
+                <p:nvSpPr>
+                  <p:cNvPr id="123" name="TextBox 122"/>
+                  <p:cNvSpPr txBox="1"/>
+                  <p:nvPr/>
+                </p:nvSpPr>
+                <p:spPr>
+                  <a:xfrm>
+                    <a:off x="6235292" y="6190307"/>
+                    <a:ext cx="1808446" cy="299385"/>
+                  </a:xfrm>
+                  <a:prstGeom prst="rect">
+                    <a:avLst/>
+                  </a:prstGeom>
+                  <a:noFill/>
+                </p:spPr>
+                <p:txBody>
+                  <a:bodyPr wrap="square" rtlCol="0">
+                    <a:spAutoFit/>
+                  </a:bodyPr>
+                  <a:lstStyle/>
+                  <a:p>
+                    <a:pPr marL="0" marR="0" lvl="0" indent="0" algn="ctr" defTabSz="457200" eaLnBrk="1" fontAlgn="auto" latinLnBrk="0" hangingPunct="1">
+                      <a:lnSpc>
+                        <a:spcPct val="100000"/>
+                      </a:lnSpc>
+                      <a:spcBef>
+                        <a:spcPts val="0"/>
+                      </a:spcBef>
+                      <a:spcAft>
+                        <a:spcPts val="0"/>
+                      </a:spcAft>
+                      <a:buClrTx/>
+                      <a:buSzTx/>
+                      <a:buFontTx/>
+                      <a:buNone/>
+                      <a:tabLst/>
+                      <a:defRPr/>
+                    </a:pPr>
+                    <a:r>
+                      <a:rPr kumimoji="0" lang="en-US" sz="3200" b="0" i="0" u="none" strike="noStrike" kern="0" cap="none" spc="0" normalizeH="0" baseline="-25000" noProof="0" dirty="0">
+                        <a:ln>
+                          <a:noFill/>
+                        </a:ln>
+                        <a:solidFill>
+                          <a:prstClr val="black"/>
+                        </a:solidFill>
+                        <a:effectLst/>
+                        <a:uLnTx/>
+                        <a:uFillTx/>
+                        <a:latin typeface="Calibri" panose="020F0502020204030204"/>
+                        <a:cs typeface="+mn-cs"/>
+                      </a:rPr>
+                      <a:t>Audio Segment</a:t>
+                    </a:r>
+                  </a:p>
+                </p:txBody>
+              </p:sp>
+            </p:grpSp>
+          </p:grpSp>
+          <p:sp>
+            <p:nvSpPr>
+              <p:cNvPr id="13" name="TextBox 12"/>
+              <p:cNvSpPr txBox="1"/>
+              <p:nvPr/>
+            </p:nvSpPr>
+            <p:spPr>
+              <a:xfrm>
+                <a:off x="10294035" y="30167931"/>
+                <a:ext cx="2311350" cy="461665"/>
+              </a:xfrm>
+              <a:prstGeom prst="rect">
+                <a:avLst/>
+              </a:prstGeom>
+              <a:solidFill>
+                <a:srgbClr val="FFFFFF"/>
+              </a:solidFill>
+              <a:ln w="28575">
+                <a:solidFill>
+                  <a:schemeClr val="tx1"/>
+                </a:solidFill>
+              </a:ln>
+            </p:spPr>
+            <p:txBody>
+              <a:bodyPr wrap="square" rtlCol="0">
+                <a:spAutoFit/>
+              </a:bodyPr>
+              <a:lstStyle/>
+              <a:p>
+                <a:pPr algn="ctr"/>
+                <a:r>
+                  <a:rPr lang="en-US" sz="2400" dirty="0">
+                    <a:latin typeface="+mj-lt"/>
+                    <a:cs typeface="Times New Roman" panose="02020603050405020304" pitchFamily="18" charset="0"/>
+                  </a:rPr>
+                  <a:t>Transcription API</a:t>
+                </a:r>
+              </a:p>
+            </p:txBody>
+          </p:sp>
+          <p:sp>
+            <p:nvSpPr>
+              <p:cNvPr id="130" name="TextBox 129"/>
+              <p:cNvSpPr txBox="1"/>
+              <p:nvPr/>
+            </p:nvSpPr>
+            <p:spPr>
+              <a:xfrm>
+                <a:off x="12690903" y="30169506"/>
+                <a:ext cx="2237067" cy="461665"/>
+              </a:xfrm>
+              <a:prstGeom prst="rect">
+                <a:avLst/>
+              </a:prstGeom>
+              <a:solidFill>
+                <a:srgbClr val="FFFFFF"/>
+              </a:solidFill>
+              <a:ln w="28575">
+                <a:solidFill>
+                  <a:schemeClr val="tx1"/>
+                </a:solidFill>
+              </a:ln>
+            </p:spPr>
+            <p:txBody>
+              <a:bodyPr wrap="square" rtlCol="0">
+                <a:spAutoFit/>
+              </a:bodyPr>
+              <a:lstStyle/>
+              <a:p>
+                <a:pPr algn="ctr"/>
+                <a:r>
+                  <a:rPr lang="en-US" sz="2400" dirty="0">
+                    <a:latin typeface="+mj-lt"/>
+                    <a:cs typeface="Times New Roman" panose="02020603050405020304" pitchFamily="18" charset="0"/>
+                  </a:rPr>
+                  <a:t>Recognition API</a:t>
+                </a:r>
+              </a:p>
+            </p:txBody>
+          </p:sp>
+          <p:cxnSp>
+            <p:nvCxnSpPr>
+              <p:cNvPr id="139" name="Connector: Elbow 138"/>
+              <p:cNvCxnSpPr/>
+              <p:nvPr/>
+            </p:nvCxnSpPr>
+            <p:spPr>
+              <a:xfrm rot="16200000" flipH="1">
+                <a:off x="12922294" y="29314906"/>
+                <a:ext cx="425893" cy="1280160"/>
+              </a:xfrm>
+              <a:prstGeom prst="bentConnector3">
+                <a:avLst>
+                  <a:gd name="adj1" fmla="val 33897"/>
+                </a:avLst>
+              </a:prstGeom>
+              <a:ln w="50800">
+                <a:solidFill>
+                  <a:schemeClr val="tx1"/>
+                </a:solidFill>
+                <a:tailEnd type="triangle"/>
+              </a:ln>
+            </p:spPr>
+            <p:style>
+              <a:lnRef idx="1">
+                <a:schemeClr val="accent1"/>
+              </a:lnRef>
+              <a:fillRef idx="0">
+                <a:schemeClr val="accent1"/>
+              </a:fillRef>
+              <a:effectRef idx="0">
+                <a:schemeClr val="accent1"/>
+              </a:effectRef>
+              <a:fontRef idx="minor">
+                <a:schemeClr val="tx1"/>
+              </a:fontRef>
+            </p:style>
+          </p:cxnSp>
+          <p:cxnSp>
+            <p:nvCxnSpPr>
+              <p:cNvPr id="140" name="Connector: Elbow 139"/>
+              <p:cNvCxnSpPr/>
+              <p:nvPr/>
+            </p:nvCxnSpPr>
+            <p:spPr>
+              <a:xfrm rot="16200000" flipV="1">
+                <a:off x="11757652" y="30338522"/>
+                <a:ext cx="457200" cy="1034049"/>
+              </a:xfrm>
+              <a:prstGeom prst="bentConnector3">
+                <a:avLst>
+                  <a:gd name="adj1" fmla="val 55367"/>
+                </a:avLst>
+              </a:prstGeom>
+              <a:ln w="50800">
+                <a:solidFill>
+                  <a:schemeClr val="tx1"/>
+                </a:solidFill>
+                <a:tailEnd type="none"/>
+              </a:ln>
+            </p:spPr>
+            <p:style>
+              <a:lnRef idx="1">
+                <a:schemeClr val="accent1"/>
+              </a:lnRef>
+              <a:fillRef idx="0">
+                <a:schemeClr val="accent1"/>
+              </a:fillRef>
+              <a:effectRef idx="0">
+                <a:schemeClr val="accent1"/>
+              </a:effectRef>
+              <a:fontRef idx="minor">
+                <a:schemeClr val="tx1"/>
+              </a:fontRef>
+            </p:style>
+          </p:cxnSp>
+          <p:cxnSp>
+            <p:nvCxnSpPr>
+              <p:cNvPr id="141" name="Connector: Elbow 140"/>
+              <p:cNvCxnSpPr/>
+              <p:nvPr/>
+            </p:nvCxnSpPr>
+            <p:spPr>
+              <a:xfrm rot="5400000" flipH="1" flipV="1">
+                <a:off x="12872321" y="30271208"/>
+                <a:ext cx="548640" cy="1280160"/>
+              </a:xfrm>
+              <a:prstGeom prst="bentConnector3">
+                <a:avLst>
+                  <a:gd name="adj1" fmla="val 65089"/>
+                </a:avLst>
+              </a:prstGeom>
+              <a:ln w="50800">
+                <a:solidFill>
+                  <a:schemeClr val="tx1"/>
+                </a:solidFill>
+                <a:headEnd type="triangle"/>
+                <a:tailEnd type="none"/>
+              </a:ln>
+            </p:spPr>
+            <p:style>
+              <a:lnRef idx="1">
+                <a:schemeClr val="accent1"/>
+              </a:lnRef>
+              <a:fillRef idx="0">
+                <a:schemeClr val="accent1"/>
+              </a:fillRef>
+              <a:effectRef idx="0">
+                <a:schemeClr val="accent1"/>
+              </a:effectRef>
+              <a:fontRef idx="minor">
+                <a:schemeClr val="tx1"/>
+              </a:fontRef>
+            </p:style>
+          </p:cxnSp>
+          <p:sp>
+            <p:nvSpPr>
+              <p:cNvPr id="146" name="TextBox 145"/>
+              <p:cNvSpPr txBox="1"/>
+              <p:nvPr/>
+            </p:nvSpPr>
+            <p:spPr>
+              <a:xfrm>
+                <a:off x="11041190" y="31244898"/>
+                <a:ext cx="3128390" cy="461665"/>
+              </a:xfrm>
+              <a:prstGeom prst="rect">
+                <a:avLst/>
+              </a:prstGeom>
+              <a:solidFill>
+                <a:srgbClr val="FFFFFF"/>
+              </a:solidFill>
+              <a:ln w="28575">
+                <a:solidFill>
+                  <a:schemeClr val="tx1"/>
+                </a:solidFill>
+              </a:ln>
+            </p:spPr>
+            <p:txBody>
+              <a:bodyPr wrap="square" rtlCol="0">
+                <a:spAutoFit/>
+              </a:bodyPr>
+              <a:lstStyle/>
+              <a:p>
+                <a:pPr algn="ctr"/>
+                <a:r>
+                  <a:rPr lang="en-US" sz="2400" dirty="0">
+                    <a:latin typeface="+mj-lt"/>
+                    <a:cs typeface="Times New Roman" panose="02020603050405020304" pitchFamily="18" charset="0"/>
+                  </a:rPr>
+                  <a:t>Labeled Transcription</a:t>
+                </a:r>
+              </a:p>
+            </p:txBody>
+          </p:sp>
+        </p:grpSp>
+      </p:grpSp>
+      <p:cxnSp>
+        <p:nvCxnSpPr>
+          <p:cNvPr id="158" name="Elbow Connector 83"/>
+          <p:cNvCxnSpPr/>
+          <p:nvPr/>
+        </p:nvCxnSpPr>
+        <p:spPr>
+          <a:xfrm rot="5400000">
+            <a:off x="28367780" y="21271081"/>
+            <a:ext cx="914400" cy="6309360"/>
+          </a:xfrm>
+          <a:prstGeom prst="bentConnector3">
+            <a:avLst>
+              <a:gd name="adj1" fmla="val 41902"/>
+            </a:avLst>
+          </a:prstGeom>
+          <a:ln w="76200">
+            <a:solidFill>
+              <a:schemeClr val="accent2"/>
+            </a:solidFill>
+            <a:tailEnd type="triangle"/>
+          </a:ln>
+        </p:spPr>
+        <p:style>
+          <a:lnRef idx="3">
+            <a:schemeClr val="accent2"/>
+          </a:lnRef>
+          <a:fillRef idx="0">
+            <a:schemeClr val="accent2"/>
+          </a:fillRef>
+          <a:effectRef idx="2">
+            <a:schemeClr val="accent2"/>
+          </a:effectRef>
+          <a:fontRef idx="minor">
+            <a:schemeClr val="tx1"/>
+          </a:fontRef>
+        </p:style>
+      </p:cxnSp>
+      <p:grpSp>
+        <p:nvGrpSpPr>
+          <p:cNvPr id="33" name="Group 32"/>
+          <p:cNvGrpSpPr/>
+          <p:nvPr/>
+        </p:nvGrpSpPr>
+        <p:grpSpPr>
+          <a:xfrm>
+            <a:off x="18161000" y="24882939"/>
+            <a:ext cx="15011400" cy="4083334"/>
+            <a:chOff x="18161000" y="24882939"/>
+            <a:chExt cx="15011400" cy="4083334"/>
+          </a:xfrm>
+        </p:grpSpPr>
+        <p:grpSp>
+          <p:nvGrpSpPr>
+            <p:cNvPr id="32" name="Group 31"/>
+            <p:cNvGrpSpPr/>
+            <p:nvPr/>
+          </p:nvGrpSpPr>
+          <p:grpSpPr>
+            <a:xfrm>
+              <a:off x="18161000" y="24882961"/>
+              <a:ext cx="15011400" cy="4083312"/>
+              <a:chOff x="18161000" y="24882961"/>
+              <a:chExt cx="15011400" cy="3664453"/>
+            </a:xfrm>
+          </p:grpSpPr>
+          <p:sp>
+            <p:nvSpPr>
+              <p:cNvPr id="254" name="Rectangle 253"/>
+              <p:cNvSpPr/>
+              <p:nvPr/>
+            </p:nvSpPr>
+            <p:spPr>
+              <a:xfrm>
+                <a:off x="18161000" y="24882962"/>
+                <a:ext cx="15011400" cy="3664452"/>
+              </a:xfrm>
+              <a:prstGeom prst="rect">
+                <a:avLst/>
+              </a:prstGeom>
+              <a:solidFill>
+                <a:srgbClr val="FFFFFF"/>
+              </a:solidFill>
+              <a:ln>
+                <a:noFill/>
+              </a:ln>
+            </p:spPr>
+            <p:style>
+              <a:lnRef idx="2">
+                <a:schemeClr val="accent1">
+                  <a:shade val="50000"/>
+                </a:schemeClr>
+              </a:lnRef>
+              <a:fillRef idx="1">
+                <a:schemeClr val="accent1"/>
+              </a:fillRef>
+              <a:effectRef idx="0">
+                <a:schemeClr val="accent1"/>
+              </a:effectRef>
+              <a:fontRef idx="minor">
+                <a:schemeClr val="lt1"/>
+              </a:fontRef>
+            </p:style>
+            <p:txBody>
+              <a:bodyPr rtlCol="0" anchor="ctr"/>
+              <a:lstStyle/>
+              <a:p>
+                <a:pPr algn="ctr"/>
+                <a:endParaRPr lang="en-US"/>
+              </a:p>
+            </p:txBody>
+          </p:sp>
+          <p:sp>
+            <p:nvSpPr>
+              <p:cNvPr id="253" name="TextBox 252"/>
+              <p:cNvSpPr txBox="1"/>
+              <p:nvPr/>
+            </p:nvSpPr>
+            <p:spPr>
+              <a:xfrm>
+                <a:off x="19418300" y="24882961"/>
+                <a:ext cx="12561360" cy="3539430"/>
+              </a:xfrm>
+              <a:prstGeom prst="rect">
+                <a:avLst/>
+              </a:prstGeom>
+              <a:solidFill>
+                <a:srgbClr val="FFFFFF"/>
+              </a:solidFill>
+            </p:spPr>
+            <p:txBody>
+              <a:bodyPr wrap="square" rtlCol="0">
+                <a:spAutoFit/>
+              </a:bodyPr>
+              <a:lstStyle/>
+              <a:p>
+                <a:pPr algn="ctr"/>
+                <a:r>
+                  <a:rPr lang="en-US" sz="2800" dirty="0">
+                    <a:latin typeface="Times New Roman" panose="02020603050405020304" pitchFamily="18" charset="0"/>
+                    <a:cs typeface="Times New Roman" panose="02020603050405020304" pitchFamily="18" charset="0"/>
+                  </a:rPr>
+                  <a:t>Obama_Interview_16.wav Transcript:</a:t>
+                </a:r>
+              </a:p>
+              <a:p>
+                <a:pPr algn="ctr"/>
+                <a:endParaRPr lang="en-US" sz="2800" dirty="0">
+                  <a:latin typeface="Times New Roman" panose="02020603050405020304" pitchFamily="18" charset="0"/>
+                  <a:cs typeface="Times New Roman" panose="02020603050405020304" pitchFamily="18" charset="0"/>
+                </a:endParaRPr>
+              </a:p>
+              <a:p>
+                <a:r>
+                  <a:rPr lang="en-US" sz="2800" dirty="0">
+                    <a:latin typeface="Times New Roman" panose="02020603050405020304" pitchFamily="18" charset="0"/>
+                    <a:cs typeface="Times New Roman" panose="02020603050405020304" pitchFamily="18" charset="0"/>
+                  </a:rPr>
+                  <a:t>(High Confidence) </a:t>
+                </a:r>
+                <a:r>
+                  <a:rPr lang="en-US" sz="2800" b="1" dirty="0">
+                    <a:latin typeface="Times New Roman" panose="02020603050405020304" pitchFamily="18" charset="0"/>
+                    <a:cs typeface="Times New Roman" panose="02020603050405020304" pitchFamily="18" charset="0"/>
+                  </a:rPr>
+                  <a:t>Interviewer:</a:t>
+                </a:r>
+                <a:r>
+                  <a:rPr lang="en-US" sz="2800" dirty="0">
+                    <a:latin typeface="Times New Roman" panose="02020603050405020304" pitchFamily="18" charset="0"/>
+                    <a:cs typeface="Times New Roman" panose="02020603050405020304" pitchFamily="18" charset="0"/>
+                  </a:rPr>
+                  <a:t> as you look into the moment in history that you occupy do you think you could put into a sentence what you were trying to accomplish in the work</a:t>
+                </a:r>
+              </a:p>
+              <a:p>
+                <a:endParaRPr lang="en-US" sz="2800" dirty="0">
+                  <a:latin typeface="Times New Roman" panose="02020603050405020304" pitchFamily="18" charset="0"/>
+                  <a:cs typeface="Times New Roman" panose="02020603050405020304" pitchFamily="18" charset="0"/>
+                </a:endParaRPr>
+              </a:p>
+              <a:p>
+                <a:r>
+                  <a:rPr lang="en-US" sz="2800" dirty="0">
+                    <a:latin typeface="Times New Roman" panose="02020603050405020304" pitchFamily="18" charset="0"/>
+                    <a:cs typeface="Times New Roman" panose="02020603050405020304" pitchFamily="18" charset="0"/>
+                  </a:rPr>
+                  <a:t>(High Confidence) </a:t>
+                </a:r>
+                <a:r>
+                  <a:rPr lang="en-US" sz="2800" b="1" dirty="0">
+                    <a:latin typeface="Times New Roman" panose="02020603050405020304" pitchFamily="18" charset="0"/>
+                    <a:cs typeface="Times New Roman" panose="02020603050405020304" pitchFamily="18" charset="0"/>
+                  </a:rPr>
+                  <a:t>Obama:</a:t>
+                </a:r>
+                <a:r>
+                  <a:rPr lang="en-US" sz="2800" dirty="0">
+                    <a:latin typeface="Times New Roman" panose="02020603050405020304" pitchFamily="18" charset="0"/>
+                    <a:cs typeface="Times New Roman" panose="02020603050405020304" pitchFamily="18" charset="0"/>
+                  </a:rPr>
+                  <a:t> try to do it in a sentence because were fortunate in many ways we don’t face an existential crisis</a:t>
+                </a:r>
+              </a:p>
+            </p:txBody>
+          </p:sp>
+        </p:grpSp>
+        <p:sp>
+          <p:nvSpPr>
+            <p:cNvPr id="165" name="TextBox 164"/>
+            <p:cNvSpPr txBox="1"/>
+            <p:nvPr/>
+          </p:nvSpPr>
+          <p:spPr>
+            <a:xfrm>
+              <a:off x="32605932" y="24882939"/>
+              <a:ext cx="565997" cy="518588"/>
+            </a:xfrm>
+            <a:prstGeom prst="rect">
+              <a:avLst/>
+            </a:prstGeom>
+            <a:solidFill>
+              <a:schemeClr val="tx1"/>
+            </a:solidFill>
+          </p:spPr>
+          <p:txBody>
+            <a:bodyPr wrap="square" rtlCol="0">
+              <a:spAutoFit/>
+            </a:bodyPr>
+            <a:lstStyle/>
+            <a:p>
+              <a:r>
+                <a:rPr lang="en-US" sz="2800" dirty="0">
+                  <a:solidFill>
+                    <a:schemeClr val="bg1"/>
+                  </a:solidFill>
+                  <a:latin typeface="Times New Roman" panose="02020603050405020304" pitchFamily="18" charset="0"/>
+                  <a:cs typeface="Times New Roman" panose="02020603050405020304" pitchFamily="18" charset="0"/>
+                </a:rPr>
+                <a:t>3a</a:t>
+              </a:r>
+            </a:p>
+          </p:txBody>
+        </p:sp>
+      </p:grpSp>
     </p:spTree>
     <p:extLst>
       <p:ext uri="{BB962C8B-B14F-4D97-AF65-F5344CB8AC3E}">

--- a/Poster.pptx
+++ b/Poster.pptx
@@ -2537,7 +2537,7 @@
               <a:pPr>
                 <a:defRPr/>
               </a:pPr>
-              <a:t>3/16/2017</a:t>
+              <a:t>3/17/2017</a:t>
             </a:fld>
             <a:endParaRPr lang="en-US" dirty="0"/>
           </a:p>
@@ -7723,7 +7723,7 @@
               <a:graphicData uri="http://schemas.openxmlformats.org/presentationml/2006/ole">
                 <mc:AlternateContent xmlns:mc="http://schemas.openxmlformats.org/markup-compatibility/2006">
                   <mc:Choice xmlns:v="urn:schemas-microsoft-com:vml" Requires="v">
-                    <p:oleObj spid="_x0000_s1214" name="Image" r:id="rId8" imgW="1828440" imgH="1117440" progId="Photoshop.Image.13">
+                    <p:oleObj spid="_x0000_s1222" name="Image" r:id="rId8" imgW="1828440" imgH="1117440" progId="Photoshop.Image.13">
                       <p:embed/>
                     </p:oleObj>
                   </mc:Choice>
@@ -7780,7 +7780,7 @@
               <a:graphicData uri="http://schemas.openxmlformats.org/presentationml/2006/ole">
                 <mc:AlternateContent xmlns:mc="http://schemas.openxmlformats.org/markup-compatibility/2006">
                   <mc:Choice xmlns:v="urn:schemas-microsoft-com:vml" Requires="v">
-                    <p:oleObj spid="_x0000_s1215" name="Image" r:id="rId10" imgW="1828440" imgH="1117440" progId="Photoshop.Image.13">
+                    <p:oleObj spid="_x0000_s1223" name="Image" r:id="rId10" imgW="1828440" imgH="1117440" progId="Photoshop.Image.13">
                       <p:embed/>
                     </p:oleObj>
                   </mc:Choice>
@@ -8903,7 +8903,7 @@
             <a:graphicData uri="http://schemas.openxmlformats.org/presentationml/2006/ole">
               <mc:AlternateContent xmlns:mc="http://schemas.openxmlformats.org/markup-compatibility/2006">
                 <mc:Choice xmlns:v="urn:schemas-microsoft-com:vml" Requires="v">
-                  <p:oleObj spid="_x0000_s1216" name="Image" r:id="rId12" imgW="4571280" imgH="1688760" progId="Photoshop.Image.13">
+                  <p:oleObj spid="_x0000_s1224" name="Image" r:id="rId12" imgW="4571280" imgH="1688760" progId="Photoshop.Image.13">
                     <p:embed/>
                   </p:oleObj>
                 </mc:Choice>
@@ -8987,7 +8987,7 @@
             <a:graphicData uri="http://schemas.openxmlformats.org/presentationml/2006/ole">
               <mc:AlternateContent xmlns:mc="http://schemas.openxmlformats.org/markup-compatibility/2006">
                 <mc:Choice xmlns:v="urn:schemas-microsoft-com:vml" Requires="v">
-                  <p:oleObj spid="_x0000_s1217" name="Image" r:id="rId15" imgW="1574280" imgH="1053720" progId="Photoshop.Image.13">
+                  <p:oleObj spid="_x0000_s1225" name="Image" r:id="rId15" imgW="1574280" imgH="1053720" progId="Photoshop.Image.13">
                     <p:embed/>
                   </p:oleObj>
                 </mc:Choice>
@@ -11238,7 +11238,7 @@
               <a:graphicData uri="http://schemas.openxmlformats.org/presentationml/2006/ole">
                 <mc:AlternateContent xmlns:mc="http://schemas.openxmlformats.org/markup-compatibility/2006">
                   <mc:Choice xmlns:v="urn:schemas-microsoft-com:vml" Requires="v">
-                    <p:oleObj spid="_x0000_s2238" name="Image" r:id="rId8" imgW="1828440" imgH="1117440" progId="Photoshop.Image.13">
+                    <p:oleObj spid="_x0000_s2246" name="Image" r:id="rId8" imgW="1828440" imgH="1117440" progId="Photoshop.Image.13">
                       <p:embed/>
                     </p:oleObj>
                   </mc:Choice>
@@ -11295,7 +11295,7 @@
               <a:graphicData uri="http://schemas.openxmlformats.org/presentationml/2006/ole">
                 <mc:AlternateContent xmlns:mc="http://schemas.openxmlformats.org/markup-compatibility/2006">
                   <mc:Choice xmlns:v="urn:schemas-microsoft-com:vml" Requires="v">
-                    <p:oleObj spid="_x0000_s2239" name="Image" r:id="rId10" imgW="1828440" imgH="1117440" progId="Photoshop.Image.13">
+                    <p:oleObj spid="_x0000_s2247" name="Image" r:id="rId10" imgW="1828440" imgH="1117440" progId="Photoshop.Image.13">
                       <p:embed/>
                     </p:oleObj>
                   </mc:Choice>
@@ -12418,7 +12418,7 @@
             <a:graphicData uri="http://schemas.openxmlformats.org/presentationml/2006/ole">
               <mc:AlternateContent xmlns:mc="http://schemas.openxmlformats.org/markup-compatibility/2006">
                 <mc:Choice xmlns:v="urn:schemas-microsoft-com:vml" Requires="v">
-                  <p:oleObj spid="_x0000_s2240" name="Image" r:id="rId12" imgW="4571280" imgH="1688760" progId="Photoshop.Image.13">
+                  <p:oleObj spid="_x0000_s2248" name="Image" r:id="rId12" imgW="4571280" imgH="1688760" progId="Photoshop.Image.13">
                     <p:embed/>
                   </p:oleObj>
                 </mc:Choice>
@@ -12502,7 +12502,7 @@
             <a:graphicData uri="http://schemas.openxmlformats.org/presentationml/2006/ole">
               <mc:AlternateContent xmlns:mc="http://schemas.openxmlformats.org/markup-compatibility/2006">
                 <mc:Choice xmlns:v="urn:schemas-microsoft-com:vml" Requires="v">
-                  <p:oleObj spid="_x0000_s2241" name="Image" r:id="rId15" imgW="1574280" imgH="1053720" progId="Photoshop.Image.13">
+                  <p:oleObj spid="_x0000_s2249" name="Image" r:id="rId15" imgW="1574280" imgH="1053720" progId="Photoshop.Image.13">
                     <p:embed/>
                   </p:oleObj>
                 </mc:Choice>
@@ -14937,7 +14937,7 @@
               <a:graphicData uri="http://schemas.openxmlformats.org/presentationml/2006/ole">
                 <mc:AlternateContent xmlns:mc="http://schemas.openxmlformats.org/markup-compatibility/2006">
                   <mc:Choice xmlns:v="urn:schemas-microsoft-com:vml" Requires="v">
-                    <p:oleObj spid="_x0000_s3262" name="Image" r:id="rId8" imgW="1828440" imgH="1117440" progId="Photoshop.Image.13">
+                    <p:oleObj spid="_x0000_s3270" name="Image" r:id="rId8" imgW="1828440" imgH="1117440" progId="Photoshop.Image.13">
                       <p:embed/>
                     </p:oleObj>
                   </mc:Choice>
@@ -14994,7 +14994,7 @@
               <a:graphicData uri="http://schemas.openxmlformats.org/presentationml/2006/ole">
                 <mc:AlternateContent xmlns:mc="http://schemas.openxmlformats.org/markup-compatibility/2006">
                   <mc:Choice xmlns:v="urn:schemas-microsoft-com:vml" Requires="v">
-                    <p:oleObj spid="_x0000_s3263" name="Image" r:id="rId10" imgW="1828440" imgH="1117440" progId="Photoshop.Image.13">
+                    <p:oleObj spid="_x0000_s3271" name="Image" r:id="rId10" imgW="1828440" imgH="1117440" progId="Photoshop.Image.13">
                       <p:embed/>
                     </p:oleObj>
                   </mc:Choice>
@@ -16117,7 +16117,7 @@
             <a:graphicData uri="http://schemas.openxmlformats.org/presentationml/2006/ole">
               <mc:AlternateContent xmlns:mc="http://schemas.openxmlformats.org/markup-compatibility/2006">
                 <mc:Choice xmlns:v="urn:schemas-microsoft-com:vml" Requires="v">
-                  <p:oleObj spid="_x0000_s3264" name="Image" r:id="rId12" imgW="4571280" imgH="1688760" progId="Photoshop.Image.13">
+                  <p:oleObj spid="_x0000_s3272" name="Image" r:id="rId12" imgW="4571280" imgH="1688760" progId="Photoshop.Image.13">
                     <p:embed/>
                   </p:oleObj>
                 </mc:Choice>
@@ -16201,7 +16201,7 @@
             <a:graphicData uri="http://schemas.openxmlformats.org/presentationml/2006/ole">
               <mc:AlternateContent xmlns:mc="http://schemas.openxmlformats.org/markup-compatibility/2006">
                 <mc:Choice xmlns:v="urn:schemas-microsoft-com:vml" Requires="v">
-                  <p:oleObj spid="_x0000_s3265" name="Image" r:id="rId15" imgW="1574280" imgH="1053720" progId="Photoshop.Image.13">
+                  <p:oleObj spid="_x0000_s3273" name="Image" r:id="rId15" imgW="1574280" imgH="1053720" progId="Photoshop.Image.13">
                     <p:embed/>
                   </p:oleObj>
                 </mc:Choice>
@@ -17737,7 +17737,7 @@
                 <a:ea typeface="Times" charset="0"/>
                 <a:cs typeface="Times" charset="0"/>
               </a:rPr>
-              <a:t>Transcription is hard to perform perfectly (or even close to perfectly) well</a:t>
+              <a:t>Transcription is hard to perform perfectly (or even close to perfectly)</a:t>
             </a:r>
           </a:p>
           <a:p>
@@ -18017,7 +18017,6 @@
               <a:rPr lang="en-US" sz="1600" dirty="0"/>
               <a:t>. Fundamentals of Music Processing: Audio, Analysis, Algorithms, Applications. Springer, 2015.</a:t>
             </a:r>
-            <a:endParaRPr lang="en-US" sz="1600" dirty="0"/>
           </a:p>
           <a:p>
             <a:endParaRPr lang="en-US" sz="1600" i="1" dirty="0"/>
